--- a/IT-Kurzprojekt.pptx
+++ b/IT-Kurzprojekt.pptx
@@ -4,8 +4,20 @@
   <p:sldMasterIdLst>
     <p:sldMasterId id="2147483648" r:id="rId1"/>
   </p:sldMasterIdLst>
+  <p:notesMasterIdLst>
+    <p:notesMasterId r:id="rId12"/>
+  </p:notesMasterIdLst>
   <p:sldIdLst>
     <p:sldId id="256" r:id="rId2"/>
+    <p:sldId id="257" r:id="rId3"/>
+    <p:sldId id="258" r:id="rId4"/>
+    <p:sldId id="259" r:id="rId5"/>
+    <p:sldId id="260" r:id="rId6"/>
+    <p:sldId id="261" r:id="rId7"/>
+    <p:sldId id="262" r:id="rId8"/>
+    <p:sldId id="263" r:id="rId9"/>
+    <p:sldId id="264" r:id="rId10"/>
+    <p:sldId id="265" r:id="rId11"/>
   </p:sldIdLst>
   <p:sldSz cx="12192000" cy="6858000"/>
   <p:notesSz cx="6858000" cy="9144000"/>
@@ -104,7 +116,445 @@
       </a:defRPr>
     </a:lvl9pPr>
   </p:defaultTextStyle>
+  <p:extLst>
+    <p:ext uri="{EFAFB233-063F-42B5-8137-9DF3F51BA10A}">
+      <p15:sldGuideLst xmlns:p15="http://schemas.microsoft.com/office/powerpoint/2012/main"/>
+    </p:ext>
+  </p:extLst>
 </p:presentation>
+</file>
+
+<file path=ppt/notesMasters/notesMaster1.xml><?xml version="1.0" encoding="utf-8"?>
+<p:notesMaster xmlns:a="http://schemas.openxmlformats.org/drawingml/2006/main" xmlns:r="http://schemas.openxmlformats.org/officeDocument/2006/relationships" xmlns:p="http://schemas.openxmlformats.org/presentationml/2006/main">
+  <p:cSld>
+    <p:bg>
+      <p:bgRef idx="1001">
+        <a:schemeClr val="bg1"/>
+      </p:bgRef>
+    </p:bg>
+    <p:spTree>
+      <p:nvGrpSpPr>
+        <p:cNvPr id="1" name=""/>
+        <p:cNvGrpSpPr/>
+        <p:nvPr/>
+      </p:nvGrpSpPr>
+      <p:grpSpPr>
+        <a:xfrm>
+          <a:off x="0" y="0"/>
+          <a:ext cx="0" cy="0"/>
+          <a:chOff x="0" y="0"/>
+          <a:chExt cx="0" cy="0"/>
+        </a:xfrm>
+      </p:grpSpPr>
+      <p:sp>
+        <p:nvSpPr>
+          <p:cNvPr id="2" name="Kopfzeilenplatzhalter 1"/>
+          <p:cNvSpPr>
+            <a:spLocks noGrp="1"/>
+          </p:cNvSpPr>
+          <p:nvPr>
+            <p:ph type="hdr" sz="quarter"/>
+          </p:nvPr>
+        </p:nvSpPr>
+        <p:spPr>
+          <a:xfrm>
+            <a:off x="0" y="0"/>
+            <a:ext cx="2971800" cy="458788"/>
+          </a:xfrm>
+          <a:prstGeom prst="rect">
+            <a:avLst/>
+          </a:prstGeom>
+        </p:spPr>
+        <p:txBody>
+          <a:bodyPr vert="horz" lIns="91440" tIns="45720" rIns="91440" bIns="45720" rtlCol="0"/>
+          <a:lstStyle>
+            <a:lvl1pPr algn="l">
+              <a:defRPr sz="1200"/>
+            </a:lvl1pPr>
+          </a:lstStyle>
+          <a:p>
+            <a:endParaRPr lang="de-DE"/>
+          </a:p>
+        </p:txBody>
+      </p:sp>
+      <p:sp>
+        <p:nvSpPr>
+          <p:cNvPr id="3" name="Datumsplatzhalter 2"/>
+          <p:cNvSpPr>
+            <a:spLocks noGrp="1"/>
+          </p:cNvSpPr>
+          <p:nvPr>
+            <p:ph type="dt" idx="1"/>
+          </p:nvPr>
+        </p:nvSpPr>
+        <p:spPr>
+          <a:xfrm>
+            <a:off x="3884613" y="0"/>
+            <a:ext cx="2971800" cy="458788"/>
+          </a:xfrm>
+          <a:prstGeom prst="rect">
+            <a:avLst/>
+          </a:prstGeom>
+        </p:spPr>
+        <p:txBody>
+          <a:bodyPr vert="horz" lIns="91440" tIns="45720" rIns="91440" bIns="45720" rtlCol="0"/>
+          <a:lstStyle>
+            <a:lvl1pPr algn="r">
+              <a:defRPr sz="1200"/>
+            </a:lvl1pPr>
+          </a:lstStyle>
+          <a:p>
+            <a:fld id="{BC3F662D-799D-45D1-8BCA-E5F703E58855}" type="datetimeFigureOut">
+              <a:rPr lang="de-DE" smtClean="0"/>
+              <a:t>22.10.2019</a:t>
+            </a:fld>
+            <a:endParaRPr lang="de-DE"/>
+          </a:p>
+        </p:txBody>
+      </p:sp>
+      <p:sp>
+        <p:nvSpPr>
+          <p:cNvPr id="4" name="Folienbildplatzhalter 3"/>
+          <p:cNvSpPr>
+            <a:spLocks noGrp="1" noRot="1" noChangeAspect="1"/>
+          </p:cNvSpPr>
+          <p:nvPr>
+            <p:ph type="sldImg" idx="2"/>
+          </p:nvPr>
+        </p:nvSpPr>
+        <p:spPr>
+          <a:xfrm>
+            <a:off x="685800" y="1143000"/>
+            <a:ext cx="5486400" cy="3086100"/>
+          </a:xfrm>
+          <a:prstGeom prst="rect">
+            <a:avLst/>
+          </a:prstGeom>
+          <a:noFill/>
+          <a:ln w="12700">
+            <a:solidFill>
+              <a:prstClr val="black"/>
+            </a:solidFill>
+          </a:ln>
+        </p:spPr>
+        <p:txBody>
+          <a:bodyPr vert="horz" lIns="91440" tIns="45720" rIns="91440" bIns="45720" rtlCol="0" anchor="ctr"/>
+          <a:lstStyle/>
+          <a:p>
+            <a:endParaRPr lang="de-DE"/>
+          </a:p>
+        </p:txBody>
+      </p:sp>
+      <p:sp>
+        <p:nvSpPr>
+          <p:cNvPr id="5" name="Notizenplatzhalter 4"/>
+          <p:cNvSpPr>
+            <a:spLocks noGrp="1"/>
+          </p:cNvSpPr>
+          <p:nvPr>
+            <p:ph type="body" sz="quarter" idx="3"/>
+          </p:nvPr>
+        </p:nvSpPr>
+        <p:spPr>
+          <a:xfrm>
+            <a:off x="685800" y="4400550"/>
+            <a:ext cx="5486400" cy="3600450"/>
+          </a:xfrm>
+          <a:prstGeom prst="rect">
+            <a:avLst/>
+          </a:prstGeom>
+        </p:spPr>
+        <p:txBody>
+          <a:bodyPr vert="horz" lIns="91440" tIns="45720" rIns="91440" bIns="45720" rtlCol="0"/>
+          <a:lstStyle/>
+          <a:p>
+            <a:pPr lvl="0"/>
+            <a:r>
+              <a:rPr lang="de-DE"/>
+              <a:t>Mastertextformat bearbeiten</a:t>
+            </a:r>
+          </a:p>
+          <a:p>
+            <a:pPr lvl="1"/>
+            <a:r>
+              <a:rPr lang="de-DE"/>
+              <a:t>Zweite Ebene</a:t>
+            </a:r>
+          </a:p>
+          <a:p>
+            <a:pPr lvl="2"/>
+            <a:r>
+              <a:rPr lang="de-DE"/>
+              <a:t>Dritte Ebene</a:t>
+            </a:r>
+          </a:p>
+          <a:p>
+            <a:pPr lvl="3"/>
+            <a:r>
+              <a:rPr lang="de-DE"/>
+              <a:t>Vierte Ebene</a:t>
+            </a:r>
+          </a:p>
+          <a:p>
+            <a:pPr lvl="4"/>
+            <a:r>
+              <a:rPr lang="de-DE"/>
+              <a:t>Fünfte Ebene</a:t>
+            </a:r>
+          </a:p>
+        </p:txBody>
+      </p:sp>
+      <p:sp>
+        <p:nvSpPr>
+          <p:cNvPr id="6" name="Fußzeilenplatzhalter 5"/>
+          <p:cNvSpPr>
+            <a:spLocks noGrp="1"/>
+          </p:cNvSpPr>
+          <p:nvPr>
+            <p:ph type="ftr" sz="quarter" idx="4"/>
+          </p:nvPr>
+        </p:nvSpPr>
+        <p:spPr>
+          <a:xfrm>
+            <a:off x="0" y="8685213"/>
+            <a:ext cx="2971800" cy="458787"/>
+          </a:xfrm>
+          <a:prstGeom prst="rect">
+            <a:avLst/>
+          </a:prstGeom>
+        </p:spPr>
+        <p:txBody>
+          <a:bodyPr vert="horz" lIns="91440" tIns="45720" rIns="91440" bIns="45720" rtlCol="0" anchor="b"/>
+          <a:lstStyle>
+            <a:lvl1pPr algn="l">
+              <a:defRPr sz="1200"/>
+            </a:lvl1pPr>
+          </a:lstStyle>
+          <a:p>
+            <a:endParaRPr lang="de-DE"/>
+          </a:p>
+        </p:txBody>
+      </p:sp>
+      <p:sp>
+        <p:nvSpPr>
+          <p:cNvPr id="7" name="Foliennummernplatzhalter 6"/>
+          <p:cNvSpPr>
+            <a:spLocks noGrp="1"/>
+          </p:cNvSpPr>
+          <p:nvPr>
+            <p:ph type="sldNum" sz="quarter" idx="5"/>
+          </p:nvPr>
+        </p:nvSpPr>
+        <p:spPr>
+          <a:xfrm>
+            <a:off x="3884613" y="8685213"/>
+            <a:ext cx="2971800" cy="458787"/>
+          </a:xfrm>
+          <a:prstGeom prst="rect">
+            <a:avLst/>
+          </a:prstGeom>
+        </p:spPr>
+        <p:txBody>
+          <a:bodyPr vert="horz" lIns="91440" tIns="45720" rIns="91440" bIns="45720" rtlCol="0" anchor="b"/>
+          <a:lstStyle>
+            <a:lvl1pPr algn="r">
+              <a:defRPr sz="1200"/>
+            </a:lvl1pPr>
+          </a:lstStyle>
+          <a:p>
+            <a:fld id="{26A06B9A-17B0-4B04-8AC6-E23EA5A58D8C}" type="slidenum">
+              <a:rPr lang="de-DE" smtClean="0"/>
+              <a:t>‹Nr.›</a:t>
+            </a:fld>
+            <a:endParaRPr lang="de-DE"/>
+          </a:p>
+        </p:txBody>
+      </p:sp>
+    </p:spTree>
+    <p:extLst>
+      <p:ext uri="{BB962C8B-B14F-4D97-AF65-F5344CB8AC3E}">
+        <p14:creationId xmlns:p14="http://schemas.microsoft.com/office/powerpoint/2010/main" val="332165914"/>
+      </p:ext>
+    </p:extLst>
+  </p:cSld>
+  <p:clrMap bg1="lt1" tx1="dk1" bg2="lt2" tx2="dk2" accent1="accent1" accent2="accent2" accent3="accent3" accent4="accent4" accent5="accent5" accent6="accent6" hlink="hlink" folHlink="folHlink"/>
+  <p:notesStyle>
+    <a:lvl1pPr marL="0" algn="l" defTabSz="914400" rtl="0" eaLnBrk="1" latinLnBrk="0" hangingPunct="1">
+      <a:defRPr sz="1200" kern="1200">
+        <a:solidFill>
+          <a:schemeClr val="tx1"/>
+        </a:solidFill>
+        <a:latin typeface="+mn-lt"/>
+        <a:ea typeface="+mn-ea"/>
+        <a:cs typeface="+mn-cs"/>
+      </a:defRPr>
+    </a:lvl1pPr>
+    <a:lvl2pPr marL="457200" algn="l" defTabSz="914400" rtl="0" eaLnBrk="1" latinLnBrk="0" hangingPunct="1">
+      <a:defRPr sz="1200" kern="1200">
+        <a:solidFill>
+          <a:schemeClr val="tx1"/>
+        </a:solidFill>
+        <a:latin typeface="+mn-lt"/>
+        <a:ea typeface="+mn-ea"/>
+        <a:cs typeface="+mn-cs"/>
+      </a:defRPr>
+    </a:lvl2pPr>
+    <a:lvl3pPr marL="914400" algn="l" defTabSz="914400" rtl="0" eaLnBrk="1" latinLnBrk="0" hangingPunct="1">
+      <a:defRPr sz="1200" kern="1200">
+        <a:solidFill>
+          <a:schemeClr val="tx1"/>
+        </a:solidFill>
+        <a:latin typeface="+mn-lt"/>
+        <a:ea typeface="+mn-ea"/>
+        <a:cs typeface="+mn-cs"/>
+      </a:defRPr>
+    </a:lvl3pPr>
+    <a:lvl4pPr marL="1371600" algn="l" defTabSz="914400" rtl="0" eaLnBrk="1" latinLnBrk="0" hangingPunct="1">
+      <a:defRPr sz="1200" kern="1200">
+        <a:solidFill>
+          <a:schemeClr val="tx1"/>
+        </a:solidFill>
+        <a:latin typeface="+mn-lt"/>
+        <a:ea typeface="+mn-ea"/>
+        <a:cs typeface="+mn-cs"/>
+      </a:defRPr>
+    </a:lvl4pPr>
+    <a:lvl5pPr marL="1828800" algn="l" defTabSz="914400" rtl="0" eaLnBrk="1" latinLnBrk="0" hangingPunct="1">
+      <a:defRPr sz="1200" kern="1200">
+        <a:solidFill>
+          <a:schemeClr val="tx1"/>
+        </a:solidFill>
+        <a:latin typeface="+mn-lt"/>
+        <a:ea typeface="+mn-ea"/>
+        <a:cs typeface="+mn-cs"/>
+      </a:defRPr>
+    </a:lvl5pPr>
+    <a:lvl6pPr marL="2286000" algn="l" defTabSz="914400" rtl="0" eaLnBrk="1" latinLnBrk="0" hangingPunct="1">
+      <a:defRPr sz="1200" kern="1200">
+        <a:solidFill>
+          <a:schemeClr val="tx1"/>
+        </a:solidFill>
+        <a:latin typeface="+mn-lt"/>
+        <a:ea typeface="+mn-ea"/>
+        <a:cs typeface="+mn-cs"/>
+      </a:defRPr>
+    </a:lvl6pPr>
+    <a:lvl7pPr marL="2743200" algn="l" defTabSz="914400" rtl="0" eaLnBrk="1" latinLnBrk="0" hangingPunct="1">
+      <a:defRPr sz="1200" kern="1200">
+        <a:solidFill>
+          <a:schemeClr val="tx1"/>
+        </a:solidFill>
+        <a:latin typeface="+mn-lt"/>
+        <a:ea typeface="+mn-ea"/>
+        <a:cs typeface="+mn-cs"/>
+      </a:defRPr>
+    </a:lvl7pPr>
+    <a:lvl8pPr marL="3200400" algn="l" defTabSz="914400" rtl="0" eaLnBrk="1" latinLnBrk="0" hangingPunct="1">
+      <a:defRPr sz="1200" kern="1200">
+        <a:solidFill>
+          <a:schemeClr val="tx1"/>
+        </a:solidFill>
+        <a:latin typeface="+mn-lt"/>
+        <a:ea typeface="+mn-ea"/>
+        <a:cs typeface="+mn-cs"/>
+      </a:defRPr>
+    </a:lvl8pPr>
+    <a:lvl9pPr marL="3657600" algn="l" defTabSz="914400" rtl="0" eaLnBrk="1" latinLnBrk="0" hangingPunct="1">
+      <a:defRPr sz="1200" kern="1200">
+        <a:solidFill>
+          <a:schemeClr val="tx1"/>
+        </a:solidFill>
+        <a:latin typeface="+mn-lt"/>
+        <a:ea typeface="+mn-ea"/>
+        <a:cs typeface="+mn-cs"/>
+      </a:defRPr>
+    </a:lvl9pPr>
+  </p:notesStyle>
+</p:notesMaster>
+</file>
+
+<file path=ppt/notesSlides/notesSlide1.xml><?xml version="1.0" encoding="utf-8"?>
+<p:notes xmlns:a="http://schemas.openxmlformats.org/drawingml/2006/main" xmlns:r="http://schemas.openxmlformats.org/officeDocument/2006/relationships" xmlns:p="http://schemas.openxmlformats.org/presentationml/2006/main">
+  <p:cSld>
+    <p:spTree>
+      <p:nvGrpSpPr>
+        <p:cNvPr id="1" name=""/>
+        <p:cNvGrpSpPr/>
+        <p:nvPr/>
+      </p:nvGrpSpPr>
+      <p:grpSpPr>
+        <a:xfrm>
+          <a:off x="0" y="0"/>
+          <a:ext cx="0" cy="0"/>
+          <a:chOff x="0" y="0"/>
+          <a:chExt cx="0" cy="0"/>
+        </a:xfrm>
+      </p:grpSpPr>
+      <p:sp>
+        <p:nvSpPr>
+          <p:cNvPr id="2" name="Folienbildplatzhalter 1"/>
+          <p:cNvSpPr>
+            <a:spLocks noGrp="1" noRot="1" noChangeAspect="1"/>
+          </p:cNvSpPr>
+          <p:nvPr>
+            <p:ph type="sldImg"/>
+          </p:nvPr>
+        </p:nvSpPr>
+        <p:spPr/>
+      </p:sp>
+      <p:sp>
+        <p:nvSpPr>
+          <p:cNvPr id="3" name="Notizenplatzhalter 2"/>
+          <p:cNvSpPr>
+            <a:spLocks noGrp="1"/>
+          </p:cNvSpPr>
+          <p:nvPr>
+            <p:ph type="body" idx="1"/>
+          </p:nvPr>
+        </p:nvSpPr>
+        <p:spPr/>
+        <p:txBody>
+          <a:bodyPr/>
+          <a:lstStyle/>
+          <a:p>
+            <a:endParaRPr lang="de-DE" dirty="0"/>
+          </a:p>
+        </p:txBody>
+      </p:sp>
+      <p:sp>
+        <p:nvSpPr>
+          <p:cNvPr id="4" name="Foliennummernplatzhalter 3"/>
+          <p:cNvSpPr>
+            <a:spLocks noGrp="1"/>
+          </p:cNvSpPr>
+          <p:nvPr>
+            <p:ph type="sldNum" sz="quarter" idx="5"/>
+          </p:nvPr>
+        </p:nvSpPr>
+        <p:spPr/>
+        <p:txBody>
+          <a:bodyPr/>
+          <a:lstStyle/>
+          <a:p>
+            <a:fld id="{26A06B9A-17B0-4B04-8AC6-E23EA5A58D8C}" type="slidenum">
+              <a:rPr lang="de-DE" smtClean="0"/>
+              <a:t>1</a:t>
+            </a:fld>
+            <a:endParaRPr lang="de-DE"/>
+          </a:p>
+        </p:txBody>
+      </p:sp>
+    </p:spTree>
+    <p:extLst>
+      <p:ext uri="{BB962C8B-B14F-4D97-AF65-F5344CB8AC3E}">
+        <p14:creationId xmlns:p14="http://schemas.microsoft.com/office/powerpoint/2010/main" val="971661862"/>
+      </p:ext>
+    </p:extLst>
+  </p:cSld>
+  <p:clrMapOvr>
+    <a:masterClrMapping/>
+  </p:clrMapOvr>
+</p:notes>
 </file>
 
 <file path=ppt/slideLayouts/slideLayout1.xml><?xml version="1.0" encoding="utf-8"?>
@@ -164,7 +614,7 @@
           <a:noFill/>
           <a:extLst>
             <a:ext uri="{909E8E84-426E-40dd-AFC4-6F175D3DCCD1}">
-              <a14:hiddenFill xmlns:a14="http://schemas.microsoft.com/office/drawing/2010/main" xmlns="">
+              <a14:hiddenFill xmlns="" xmlns:a14="http://schemas.microsoft.com/office/drawing/2010/main">
                 <a:solidFill>
                   <a:srgbClr val="FFFFFF"/>
                 </a:solidFill>
@@ -223,7 +673,7 @@
             </a:ln>
             <a:extLst>
               <a:ext uri="{91240B29-F687-4f45-9708-019B960494DF}">
-                <a14:hiddenLine xmlns:a14="http://schemas.microsoft.com/office/drawing/2010/main" xmlns="" w="9525">
+                <a14:hiddenLine xmlns="" xmlns:a14="http://schemas.microsoft.com/office/drawing/2010/main" w="9525">
                   <a:solidFill>
                     <a:srgbClr val="000000"/>
                   </a:solidFill>
@@ -313,7 +763,7 @@
             </a:ln>
             <a:extLst>
               <a:ext uri="{91240B29-F687-4f45-9708-019B960494DF}">
-                <a14:hiddenLine xmlns:a14="http://schemas.microsoft.com/office/drawing/2010/main" xmlns="" w="9525">
+                <a14:hiddenLine xmlns="" xmlns:a14="http://schemas.microsoft.com/office/drawing/2010/main" w="9525">
                   <a:solidFill>
                     <a:srgbClr val="000000"/>
                   </a:solidFill>
@@ -403,7 +853,7 @@
             </a:ln>
             <a:extLst>
               <a:ext uri="{91240B29-F687-4f45-9708-019B960494DF}">
-                <a14:hiddenLine xmlns:a14="http://schemas.microsoft.com/office/drawing/2010/main" xmlns="" w="9525">
+                <a14:hiddenLine xmlns="" xmlns:a14="http://schemas.microsoft.com/office/drawing/2010/main" w="9525">
                   <a:solidFill>
                     <a:srgbClr val="000000"/>
                   </a:solidFill>
@@ -437,7 +887,7 @@
             </a:ln>
             <a:extLst>
               <a:ext uri="{91240B29-F687-4f45-9708-019B960494DF}">
-                <a14:hiddenLine xmlns:a14="http://schemas.microsoft.com/office/drawing/2010/main" xmlns="" w="9525">
+                <a14:hiddenLine xmlns="" xmlns:a14="http://schemas.microsoft.com/office/drawing/2010/main" w="9525">
                   <a:solidFill>
                     <a:srgbClr val="000000"/>
                   </a:solidFill>
@@ -527,7 +977,7 @@
             </a:ln>
             <a:extLst>
               <a:ext uri="{91240B29-F687-4f45-9708-019B960494DF}">
-                <a14:hiddenLine xmlns:a14="http://schemas.microsoft.com/office/drawing/2010/main" xmlns="" w="9525">
+                <a14:hiddenLine xmlns="" xmlns:a14="http://schemas.microsoft.com/office/drawing/2010/main" w="9525">
                   <a:solidFill>
                     <a:srgbClr val="000000"/>
                   </a:solidFill>
@@ -589,7 +1039,7 @@
             </a:ln>
             <a:extLst>
               <a:ext uri="{91240B29-F687-4f45-9708-019B960494DF}">
-                <a14:hiddenLine xmlns:a14="http://schemas.microsoft.com/office/drawing/2010/main" xmlns="" w="9525">
+                <a14:hiddenLine xmlns="" xmlns:a14="http://schemas.microsoft.com/office/drawing/2010/main" w="9525">
                   <a:solidFill>
                     <a:srgbClr val="000000"/>
                   </a:solidFill>
@@ -651,7 +1101,7 @@
             </a:ln>
             <a:extLst>
               <a:ext uri="{91240B29-F687-4f45-9708-019B960494DF}">
-                <a14:hiddenLine xmlns:a14="http://schemas.microsoft.com/office/drawing/2010/main" xmlns="" w="9525">
+                <a14:hiddenLine xmlns="" xmlns:a14="http://schemas.microsoft.com/office/drawing/2010/main" w="9525">
                   <a:solidFill>
                     <a:srgbClr val="000000"/>
                   </a:solidFill>
@@ -741,7 +1191,7 @@
             </a:ln>
             <a:extLst>
               <a:ext uri="{91240B29-F687-4f45-9708-019B960494DF}">
-                <a14:hiddenLine xmlns:a14="http://schemas.microsoft.com/office/drawing/2010/main" xmlns="" w="9525">
+                <a14:hiddenLine xmlns="" xmlns:a14="http://schemas.microsoft.com/office/drawing/2010/main" w="9525">
                   <a:solidFill>
                     <a:srgbClr val="000000"/>
                   </a:solidFill>
@@ -803,7 +1253,7 @@
             </a:ln>
             <a:extLst>
               <a:ext uri="{91240B29-F687-4f45-9708-019B960494DF}">
-                <a14:hiddenLine xmlns:a14="http://schemas.microsoft.com/office/drawing/2010/main" xmlns="" w="9525">
+                <a14:hiddenLine xmlns="" xmlns:a14="http://schemas.microsoft.com/office/drawing/2010/main" w="9525">
                   <a:solidFill>
                     <a:srgbClr val="000000"/>
                   </a:solidFill>
@@ -865,7 +1315,7 @@
             </a:ln>
             <a:extLst>
               <a:ext uri="{91240B29-F687-4f45-9708-019B960494DF}">
-                <a14:hiddenLine xmlns:a14="http://schemas.microsoft.com/office/drawing/2010/main" xmlns="" w="9525">
+                <a14:hiddenLine xmlns="" xmlns:a14="http://schemas.microsoft.com/office/drawing/2010/main" w="9525">
                   <a:solidFill>
                     <a:srgbClr val="000000"/>
                   </a:solidFill>
@@ -955,7 +1405,7 @@
             </a:ln>
             <a:extLst>
               <a:ext uri="{91240B29-F687-4f45-9708-019B960494DF}">
-                <a14:hiddenLine xmlns:a14="http://schemas.microsoft.com/office/drawing/2010/main" xmlns="" w="9525">
+                <a14:hiddenLine xmlns="" xmlns:a14="http://schemas.microsoft.com/office/drawing/2010/main" w="9525">
                   <a:solidFill>
                     <a:srgbClr val="000000"/>
                   </a:solidFill>
@@ -1045,7 +1495,7 @@
             </a:ln>
             <a:extLst>
               <a:ext uri="{91240B29-F687-4f45-9708-019B960494DF}">
-                <a14:hiddenLine xmlns:a14="http://schemas.microsoft.com/office/drawing/2010/main" xmlns="" w="9525">
+                <a14:hiddenLine xmlns="" xmlns:a14="http://schemas.microsoft.com/office/drawing/2010/main" w="9525">
                   <a:solidFill>
                     <a:srgbClr val="000000"/>
                   </a:solidFill>
@@ -1107,7 +1557,7 @@
             </a:ln>
             <a:extLst>
               <a:ext uri="{91240B29-F687-4f45-9708-019B960494DF}">
-                <a14:hiddenLine xmlns:a14="http://schemas.microsoft.com/office/drawing/2010/main" xmlns="" w="9525">
+                <a14:hiddenLine xmlns="" xmlns:a14="http://schemas.microsoft.com/office/drawing/2010/main" w="9525">
                   <a:solidFill>
                     <a:srgbClr val="000000"/>
                   </a:solidFill>
@@ -1217,7 +1667,7 @@
             </a:ln>
             <a:extLst>
               <a:ext uri="{91240B29-F687-4f45-9708-019B960494DF}">
-                <a14:hiddenLine xmlns:a14="http://schemas.microsoft.com/office/drawing/2010/main" xmlns="" w="9525">
+                <a14:hiddenLine xmlns="" xmlns:a14="http://schemas.microsoft.com/office/drawing/2010/main" w="9525">
                   <a:solidFill>
                     <a:srgbClr val="000000"/>
                   </a:solidFill>
@@ -1279,7 +1729,7 @@
             </a:ln>
             <a:extLst>
               <a:ext uri="{91240B29-F687-4f45-9708-019B960494DF}">
-                <a14:hiddenLine xmlns:a14="http://schemas.microsoft.com/office/drawing/2010/main" xmlns="" w="9525">
+                <a14:hiddenLine xmlns="" xmlns:a14="http://schemas.microsoft.com/office/drawing/2010/main" w="9525">
                   <a:solidFill>
                     <a:srgbClr val="000000"/>
                   </a:solidFill>
@@ -1369,7 +1819,7 @@
             </a:ln>
             <a:extLst>
               <a:ext uri="{91240B29-F687-4f45-9708-019B960494DF}">
-                <a14:hiddenLine xmlns:a14="http://schemas.microsoft.com/office/drawing/2010/main" xmlns="" w="9525">
+                <a14:hiddenLine xmlns="" xmlns:a14="http://schemas.microsoft.com/office/drawing/2010/main" w="9525">
                   <a:solidFill>
                     <a:srgbClr val="000000"/>
                   </a:solidFill>
@@ -1459,7 +1909,7 @@
             </a:ln>
             <a:extLst>
               <a:ext uri="{91240B29-F687-4f45-9708-019B960494DF}">
-                <a14:hiddenLine xmlns:a14="http://schemas.microsoft.com/office/drawing/2010/main" xmlns="" w="9525">
+                <a14:hiddenLine xmlns="" xmlns:a14="http://schemas.microsoft.com/office/drawing/2010/main" w="9525">
                   <a:solidFill>
                     <a:srgbClr val="000000"/>
                   </a:solidFill>
@@ -1521,7 +1971,7 @@
             </a:ln>
             <a:extLst>
               <a:ext uri="{91240B29-F687-4f45-9708-019B960494DF}">
-                <a14:hiddenLine xmlns:a14="http://schemas.microsoft.com/office/drawing/2010/main" xmlns="" w="9525">
+                <a14:hiddenLine xmlns="" xmlns:a14="http://schemas.microsoft.com/office/drawing/2010/main" w="9525">
                   <a:solidFill>
                     <a:srgbClr val="000000"/>
                   </a:solidFill>
@@ -1611,7 +2061,7 @@
             </a:ln>
             <a:extLst>
               <a:ext uri="{91240B29-F687-4f45-9708-019B960494DF}">
-                <a14:hiddenLine xmlns:a14="http://schemas.microsoft.com/office/drawing/2010/main" xmlns="" w="9525">
+                <a14:hiddenLine xmlns="" xmlns:a14="http://schemas.microsoft.com/office/drawing/2010/main" w="9525">
                   <a:solidFill>
                     <a:srgbClr val="000000"/>
                   </a:solidFill>
@@ -1701,7 +2151,7 @@
             </a:ln>
             <a:extLst>
               <a:ext uri="{91240B29-F687-4f45-9708-019B960494DF}">
-                <a14:hiddenLine xmlns:a14="http://schemas.microsoft.com/office/drawing/2010/main" xmlns="" w="9525">
+                <a14:hiddenLine xmlns="" xmlns:a14="http://schemas.microsoft.com/office/drawing/2010/main" w="9525">
                   <a:solidFill>
                     <a:srgbClr val="000000"/>
                   </a:solidFill>
@@ -1757,7 +2207,7 @@
             </a:ln>
             <a:extLst>
               <a:ext uri="{91240B29-F687-4f45-9708-019B960494DF}">
-                <a14:hiddenLine xmlns:a14="http://schemas.microsoft.com/office/drawing/2010/main" xmlns="" w="9525">
+                <a14:hiddenLine xmlns="" xmlns:a14="http://schemas.microsoft.com/office/drawing/2010/main" w="9525">
                   <a:solidFill>
                     <a:srgbClr val="000000"/>
                   </a:solidFill>
@@ -1847,7 +2297,7 @@
             </a:ln>
             <a:extLst>
               <a:ext uri="{91240B29-F687-4f45-9708-019B960494DF}">
-                <a14:hiddenLine xmlns:a14="http://schemas.microsoft.com/office/drawing/2010/main" xmlns="" w="9525">
+                <a14:hiddenLine xmlns="" xmlns:a14="http://schemas.microsoft.com/office/drawing/2010/main" w="9525">
                   <a:solidFill>
                     <a:srgbClr val="000000"/>
                   </a:solidFill>
@@ -1903,7 +2353,7 @@
             </a:ln>
             <a:extLst>
               <a:ext uri="{91240B29-F687-4f45-9708-019B960494DF}">
-                <a14:hiddenLine xmlns:a14="http://schemas.microsoft.com/office/drawing/2010/main" xmlns="" w="9525">
+                <a14:hiddenLine xmlns="" xmlns:a14="http://schemas.microsoft.com/office/drawing/2010/main" w="9525">
                   <a:solidFill>
                     <a:srgbClr val="000000"/>
                   </a:solidFill>
@@ -1993,7 +2443,7 @@
             </a:ln>
             <a:extLst>
               <a:ext uri="{91240B29-F687-4f45-9708-019B960494DF}">
-                <a14:hiddenLine xmlns:a14="http://schemas.microsoft.com/office/drawing/2010/main" xmlns="" w="9525">
+                <a14:hiddenLine xmlns="" xmlns:a14="http://schemas.microsoft.com/office/drawing/2010/main" w="9525">
                   <a:solidFill>
                     <a:srgbClr val="000000"/>
                   </a:solidFill>
@@ -2061,7 +2511,7 @@
             </a:ln>
             <a:extLst>
               <a:ext uri="{91240B29-F687-4f45-9708-019B960494DF}">
-                <a14:hiddenLine xmlns:a14="http://schemas.microsoft.com/office/drawing/2010/main" xmlns="" w="9525">
+                <a14:hiddenLine xmlns="" xmlns:a14="http://schemas.microsoft.com/office/drawing/2010/main" w="9525">
                   <a:solidFill>
                     <a:srgbClr val="000000"/>
                   </a:solidFill>
@@ -2151,7 +2601,7 @@
             </a:ln>
             <a:extLst>
               <a:ext uri="{91240B29-F687-4f45-9708-019B960494DF}">
-                <a14:hiddenLine xmlns:a14="http://schemas.microsoft.com/office/drawing/2010/main" xmlns="" w="9525">
+                <a14:hiddenLine xmlns="" xmlns:a14="http://schemas.microsoft.com/office/drawing/2010/main" w="9525">
                   <a:solidFill>
                     <a:srgbClr val="000000"/>
                   </a:solidFill>
@@ -2219,7 +2669,7 @@
             </a:ln>
             <a:extLst>
               <a:ext uri="{91240B29-F687-4f45-9708-019B960494DF}">
-                <a14:hiddenLine xmlns:a14="http://schemas.microsoft.com/office/drawing/2010/main" xmlns="" w="9525">
+                <a14:hiddenLine xmlns="" xmlns:a14="http://schemas.microsoft.com/office/drawing/2010/main" w="9525">
                   <a:solidFill>
                     <a:srgbClr val="000000"/>
                   </a:solidFill>
@@ -2309,7 +2759,7 @@
             </a:ln>
             <a:extLst>
               <a:ext uri="{91240B29-F687-4f45-9708-019B960494DF}">
-                <a14:hiddenLine xmlns:a14="http://schemas.microsoft.com/office/drawing/2010/main" xmlns="" w="9525">
+                <a14:hiddenLine xmlns="" xmlns:a14="http://schemas.microsoft.com/office/drawing/2010/main" w="9525">
                   <a:solidFill>
                     <a:srgbClr val="000000"/>
                   </a:solidFill>
@@ -2343,7 +2793,7 @@
             </a:ln>
             <a:extLst>
               <a:ext uri="{91240B29-F687-4f45-9708-019B960494DF}">
-                <a14:hiddenLine xmlns:a14="http://schemas.microsoft.com/office/drawing/2010/main" xmlns="" w="9525">
+                <a14:hiddenLine xmlns="" xmlns:a14="http://schemas.microsoft.com/office/drawing/2010/main" w="9525">
                   <a:solidFill>
                     <a:srgbClr val="000000"/>
                   </a:solidFill>
@@ -2433,7 +2883,7 @@
             </a:ln>
             <a:extLst>
               <a:ext uri="{91240B29-F687-4f45-9708-019B960494DF}">
-                <a14:hiddenLine xmlns:a14="http://schemas.microsoft.com/office/drawing/2010/main" xmlns="" w="9525">
+                <a14:hiddenLine xmlns="" xmlns:a14="http://schemas.microsoft.com/office/drawing/2010/main" w="9525">
                   <a:solidFill>
                     <a:srgbClr val="000000"/>
                   </a:solidFill>
@@ -2495,7 +2945,7 @@
             </a:ln>
             <a:extLst>
               <a:ext uri="{91240B29-F687-4f45-9708-019B960494DF}">
-                <a14:hiddenLine xmlns:a14="http://schemas.microsoft.com/office/drawing/2010/main" xmlns="" w="9525">
+                <a14:hiddenLine xmlns="" xmlns:a14="http://schemas.microsoft.com/office/drawing/2010/main" w="9525">
                   <a:solidFill>
                     <a:srgbClr val="000000"/>
                   </a:solidFill>
@@ -2557,7 +3007,7 @@
             </a:ln>
             <a:extLst>
               <a:ext uri="{91240B29-F687-4f45-9708-019B960494DF}">
-                <a14:hiddenLine xmlns:a14="http://schemas.microsoft.com/office/drawing/2010/main" xmlns="" w="9525">
+                <a14:hiddenLine xmlns="" xmlns:a14="http://schemas.microsoft.com/office/drawing/2010/main" w="9525">
                   <a:solidFill>
                     <a:srgbClr val="000000"/>
                   </a:solidFill>
@@ -2647,7 +3097,7 @@
             </a:ln>
             <a:extLst>
               <a:ext uri="{91240B29-F687-4f45-9708-019B960494DF}">
-                <a14:hiddenLine xmlns:a14="http://schemas.microsoft.com/office/drawing/2010/main" xmlns="" w="9525">
+                <a14:hiddenLine xmlns="" xmlns:a14="http://schemas.microsoft.com/office/drawing/2010/main" w="9525">
                   <a:solidFill>
                     <a:srgbClr val="000000"/>
                   </a:solidFill>
@@ -2715,7 +3165,7 @@
             </a:ln>
             <a:extLst>
               <a:ext uri="{91240B29-F687-4f45-9708-019B960494DF}">
-                <a14:hiddenLine xmlns:a14="http://schemas.microsoft.com/office/drawing/2010/main" xmlns="" w="9525">
+                <a14:hiddenLine xmlns="" xmlns:a14="http://schemas.microsoft.com/office/drawing/2010/main" w="9525">
                   <a:solidFill>
                     <a:srgbClr val="000000"/>
                   </a:solidFill>
@@ -2777,7 +3227,7 @@
             </a:ln>
             <a:extLst>
               <a:ext uri="{91240B29-F687-4f45-9708-019B960494DF}">
-                <a14:hiddenLine xmlns:a14="http://schemas.microsoft.com/office/drawing/2010/main" xmlns="" w="9525">
+                <a14:hiddenLine xmlns="" xmlns:a14="http://schemas.microsoft.com/office/drawing/2010/main" w="9525">
                   <a:solidFill>
                     <a:srgbClr val="000000"/>
                   </a:solidFill>
@@ -2867,7 +3317,7 @@
             </a:ln>
             <a:extLst>
               <a:ext uri="{91240B29-F687-4f45-9708-019B960494DF}">
-                <a14:hiddenLine xmlns:a14="http://schemas.microsoft.com/office/drawing/2010/main" xmlns="" w="9525">
+                <a14:hiddenLine xmlns="" xmlns:a14="http://schemas.microsoft.com/office/drawing/2010/main" w="9525">
                   <a:solidFill>
                     <a:srgbClr val="000000"/>
                   </a:solidFill>
@@ -2929,7 +3379,7 @@
             </a:ln>
             <a:extLst>
               <a:ext uri="{91240B29-F687-4f45-9708-019B960494DF}">
-                <a14:hiddenLine xmlns:a14="http://schemas.microsoft.com/office/drawing/2010/main" xmlns="" w="9525">
+                <a14:hiddenLine xmlns="" xmlns:a14="http://schemas.microsoft.com/office/drawing/2010/main" w="9525">
                   <a:solidFill>
                     <a:srgbClr val="000000"/>
                   </a:solidFill>
@@ -3019,7 +3469,7 @@
             </a:ln>
             <a:extLst>
               <a:ext uri="{91240B29-F687-4f45-9708-019B960494DF}">
-                <a14:hiddenLine xmlns:a14="http://schemas.microsoft.com/office/drawing/2010/main" xmlns="" w="9525">
+                <a14:hiddenLine xmlns="" xmlns:a14="http://schemas.microsoft.com/office/drawing/2010/main" w="9525">
                   <a:solidFill>
                     <a:srgbClr val="000000"/>
                   </a:solidFill>
@@ -3081,7 +3531,7 @@
             </a:ln>
             <a:extLst>
               <a:ext uri="{91240B29-F687-4f45-9708-019B960494DF}">
-                <a14:hiddenLine xmlns:a14="http://schemas.microsoft.com/office/drawing/2010/main" xmlns="" w="9525">
+                <a14:hiddenLine xmlns="" xmlns:a14="http://schemas.microsoft.com/office/drawing/2010/main" w="9525">
                   <a:solidFill>
                     <a:srgbClr val="000000"/>
                   </a:solidFill>
@@ -3171,7 +3621,7 @@
             </a:ln>
             <a:extLst>
               <a:ext uri="{91240B29-F687-4f45-9708-019B960494DF}">
-                <a14:hiddenLine xmlns:a14="http://schemas.microsoft.com/office/drawing/2010/main" xmlns="" w="9525">
+                <a14:hiddenLine xmlns="" xmlns:a14="http://schemas.microsoft.com/office/drawing/2010/main" w="9525">
                   <a:solidFill>
                     <a:srgbClr val="000000"/>
                   </a:solidFill>
@@ -3205,7 +3655,7 @@
             </a:ln>
             <a:extLst>
               <a:ext uri="{91240B29-F687-4f45-9708-019B960494DF}">
-                <a14:hiddenLine xmlns:a14="http://schemas.microsoft.com/office/drawing/2010/main" xmlns="" w="9525">
+                <a14:hiddenLine xmlns="" xmlns:a14="http://schemas.microsoft.com/office/drawing/2010/main" w="9525">
                   <a:solidFill>
                     <a:srgbClr val="000000"/>
                   </a:solidFill>
@@ -3270,7 +3720,7 @@
             </a:ln>
             <a:extLst>
               <a:ext uri="{91240B29-F687-4f45-9708-019B960494DF}">
-                <a14:hiddenLine xmlns:a14="http://schemas.microsoft.com/office/drawing/2010/main" xmlns="" w="9525">
+                <a14:hiddenLine xmlns="" xmlns:a14="http://schemas.microsoft.com/office/drawing/2010/main" w="9525">
                   <a:solidFill>
                     <a:srgbClr val="000000"/>
                   </a:solidFill>
@@ -3360,7 +3810,7 @@
             </a:ln>
             <a:extLst>
               <a:ext uri="{91240B29-F687-4f45-9708-019B960494DF}">
-                <a14:hiddenLine xmlns:a14="http://schemas.microsoft.com/office/drawing/2010/main" xmlns="" w="9525">
+                <a14:hiddenLine xmlns="" xmlns:a14="http://schemas.microsoft.com/office/drawing/2010/main" w="9525">
                   <a:solidFill>
                     <a:srgbClr val="000000"/>
                   </a:solidFill>
@@ -3422,7 +3872,7 @@
             </a:ln>
             <a:extLst>
               <a:ext uri="{91240B29-F687-4f45-9708-019B960494DF}">
-                <a14:hiddenLine xmlns:a14="http://schemas.microsoft.com/office/drawing/2010/main" xmlns="" w="9525">
+                <a14:hiddenLine xmlns="" xmlns:a14="http://schemas.microsoft.com/office/drawing/2010/main" w="9525">
                   <a:solidFill>
                     <a:srgbClr val="000000"/>
                   </a:solidFill>
@@ -3512,7 +3962,7 @@
             </a:ln>
             <a:extLst>
               <a:ext uri="{91240B29-F687-4f45-9708-019B960494DF}">
-                <a14:hiddenLine xmlns:a14="http://schemas.microsoft.com/office/drawing/2010/main" xmlns="" w="9525">
+                <a14:hiddenLine xmlns="" xmlns:a14="http://schemas.microsoft.com/office/drawing/2010/main" w="9525">
                   <a:solidFill>
                     <a:srgbClr val="000000"/>
                   </a:solidFill>
@@ -3602,7 +4052,7 @@
             </a:ln>
             <a:extLst>
               <a:ext uri="{91240B29-F687-4f45-9708-019B960494DF}">
-                <a14:hiddenLine xmlns:a14="http://schemas.microsoft.com/office/drawing/2010/main" xmlns="" w="9525">
+                <a14:hiddenLine xmlns="" xmlns:a14="http://schemas.microsoft.com/office/drawing/2010/main" w="9525">
                   <a:solidFill>
                     <a:srgbClr val="000000"/>
                   </a:solidFill>
@@ -3667,7 +4117,7 @@
             </a:ln>
             <a:extLst>
               <a:ext uri="{91240B29-F687-4f45-9708-019B960494DF}">
-                <a14:hiddenLine xmlns:a14="http://schemas.microsoft.com/office/drawing/2010/main" xmlns="" w="9525">
+                <a14:hiddenLine xmlns="" xmlns:a14="http://schemas.microsoft.com/office/drawing/2010/main" w="9525">
                   <a:solidFill>
                     <a:srgbClr val="000000"/>
                   </a:solidFill>
@@ -3729,7 +4179,7 @@
             </a:ln>
             <a:extLst>
               <a:ext uri="{91240B29-F687-4f45-9708-019B960494DF}">
-                <a14:hiddenLine xmlns:a14="http://schemas.microsoft.com/office/drawing/2010/main" xmlns="" w="9525">
+                <a14:hiddenLine xmlns="" xmlns:a14="http://schemas.microsoft.com/office/drawing/2010/main" w="9525">
                   <a:solidFill>
                     <a:srgbClr val="000000"/>
                   </a:solidFill>
@@ -3819,7 +4269,7 @@
             </a:ln>
             <a:extLst>
               <a:ext uri="{91240B29-F687-4f45-9708-019B960494DF}">
-                <a14:hiddenLine xmlns:a14="http://schemas.microsoft.com/office/drawing/2010/main" xmlns="" w="9525">
+                <a14:hiddenLine xmlns="" xmlns:a14="http://schemas.microsoft.com/office/drawing/2010/main" w="9525">
                   <a:solidFill>
                     <a:srgbClr val="000000"/>
                   </a:solidFill>
@@ -3909,7 +4359,7 @@
             </a:ln>
             <a:extLst>
               <a:ext uri="{91240B29-F687-4f45-9708-019B960494DF}">
-                <a14:hiddenLine xmlns:a14="http://schemas.microsoft.com/office/drawing/2010/main" xmlns="" w="9525">
+                <a14:hiddenLine xmlns="" xmlns:a14="http://schemas.microsoft.com/office/drawing/2010/main" w="9525">
                   <a:solidFill>
                     <a:srgbClr val="000000"/>
                   </a:solidFill>
@@ -3971,7 +4421,7 @@
             </a:ln>
             <a:extLst>
               <a:ext uri="{91240B29-F687-4f45-9708-019B960494DF}">
-                <a14:hiddenLine xmlns:a14="http://schemas.microsoft.com/office/drawing/2010/main" xmlns="" w="9525">
+                <a14:hiddenLine xmlns="" xmlns:a14="http://schemas.microsoft.com/office/drawing/2010/main" w="9525">
                   <a:solidFill>
                     <a:srgbClr val="000000"/>
                   </a:solidFill>
@@ -4091,7 +4541,7 @@
             </a:ln>
             <a:extLst>
               <a:ext uri="{91240B29-F687-4f45-9708-019B960494DF}">
-                <a14:hiddenLine xmlns:a14="http://schemas.microsoft.com/office/drawing/2010/main" xmlns="" w="9525">
+                <a14:hiddenLine xmlns="" xmlns:a14="http://schemas.microsoft.com/office/drawing/2010/main" w="9525">
                   <a:solidFill>
                     <a:srgbClr val="000000"/>
                   </a:solidFill>
@@ -4159,7 +4609,7 @@
             </a:ln>
             <a:extLst>
               <a:ext uri="{91240B29-F687-4f45-9708-019B960494DF}">
-                <a14:hiddenLine xmlns:a14="http://schemas.microsoft.com/office/drawing/2010/main" xmlns="" w="9525">
+                <a14:hiddenLine xmlns="" xmlns:a14="http://schemas.microsoft.com/office/drawing/2010/main" w="9525">
                   <a:solidFill>
                     <a:srgbClr val="000000"/>
                   </a:solidFill>
@@ -4249,7 +4699,7 @@
             </a:ln>
             <a:extLst>
               <a:ext uri="{91240B29-F687-4f45-9708-019B960494DF}">
-                <a14:hiddenLine xmlns:a14="http://schemas.microsoft.com/office/drawing/2010/main" xmlns="" w="9525">
+                <a14:hiddenLine xmlns="" xmlns:a14="http://schemas.microsoft.com/office/drawing/2010/main" w="9525">
                   <a:solidFill>
                     <a:srgbClr val="000000"/>
                   </a:solidFill>
@@ -4389,7 +4839,7 @@
           <a:p>
             <a:fld id="{48A87A34-81AB-432B-8DAE-1953F412C126}" type="datetimeFigureOut">
               <a:rPr lang="en-US" dirty="0"/>
-              <a:t>10/19/2019</a:t>
+              <a:t>10/22/2019</a:t>
             </a:fld>
             <a:endParaRPr lang="en-US" dirty="0"/>
           </a:p>
@@ -4651,7 +5101,7 @@
           <a:p>
             <a:fld id="{48A87A34-81AB-432B-8DAE-1953F412C126}" type="datetimeFigureOut">
               <a:rPr lang="en-US" dirty="0"/>
-              <a:t>10/19/2019</a:t>
+              <a:t>10/22/2019</a:t>
             </a:fld>
             <a:endParaRPr lang="en-US" dirty="0"/>
           </a:p>
@@ -4842,7 +5292,7 @@
           <a:p>
             <a:fld id="{48A87A34-81AB-432B-8DAE-1953F412C126}" type="datetimeFigureOut">
               <a:rPr lang="en-US" dirty="0"/>
-              <a:t>10/19/2019</a:t>
+              <a:t>10/22/2019</a:t>
             </a:fld>
             <a:endParaRPr lang="en-US" dirty="0"/>
           </a:p>
@@ -5100,7 +5550,7 @@
           <a:p>
             <a:fld id="{48A87A34-81AB-432B-8DAE-1953F412C126}" type="datetimeFigureOut">
               <a:rPr lang="en-US" dirty="0"/>
-              <a:t>10/19/2019</a:t>
+              <a:t>10/22/2019</a:t>
             </a:fld>
             <a:endParaRPr lang="en-US" dirty="0"/>
           </a:p>
@@ -5529,7 +5979,7 @@
           <a:p>
             <a:fld id="{48A87A34-81AB-432B-8DAE-1953F412C126}" type="datetimeFigureOut">
               <a:rPr lang="en-US" dirty="0"/>
-              <a:t>10/19/2019</a:t>
+              <a:t>10/22/2019</a:t>
             </a:fld>
             <a:endParaRPr lang="en-US" dirty="0"/>
           </a:p>
@@ -6070,7 +6520,7 @@
           <a:p>
             <a:fld id="{48A87A34-81AB-432B-8DAE-1953F412C126}" type="datetimeFigureOut">
               <a:rPr lang="en-US" dirty="0"/>
-              <a:t>10/19/2019</a:t>
+              <a:t>10/22/2019</a:t>
             </a:fld>
             <a:endParaRPr lang="en-US" dirty="0"/>
           </a:p>
@@ -6785,7 +7235,7 @@
           <a:p>
             <a:fld id="{48A87A34-81AB-432B-8DAE-1953F412C126}" type="datetimeFigureOut">
               <a:rPr lang="en-US" dirty="0"/>
-              <a:t>10/19/2019</a:t>
+              <a:t>10/22/2019</a:t>
             </a:fld>
             <a:endParaRPr lang="en-US" dirty="0"/>
           </a:p>
@@ -6950,7 +7400,7 @@
           <a:p>
             <a:fld id="{48A87A34-81AB-432B-8DAE-1953F412C126}" type="datetimeFigureOut">
               <a:rPr lang="en-US" dirty="0"/>
-              <a:t>10/19/2019</a:t>
+              <a:t>10/22/2019</a:t>
             </a:fld>
             <a:endParaRPr lang="en-US" dirty="0"/>
           </a:p>
@@ -7125,7 +7575,7 @@
           <a:p>
             <a:fld id="{48A87A34-81AB-432B-8DAE-1953F412C126}" type="datetimeFigureOut">
               <a:rPr lang="en-US" dirty="0"/>
-              <a:t>10/19/2019</a:t>
+              <a:t>10/22/2019</a:t>
             </a:fld>
             <a:endParaRPr lang="en-US" dirty="0"/>
           </a:p>
@@ -7290,7 +7740,7 @@
           <a:p>
             <a:fld id="{48A87A34-81AB-432B-8DAE-1953F412C126}" type="datetimeFigureOut">
               <a:rPr lang="en-US" dirty="0"/>
-              <a:t>10/19/2019</a:t>
+              <a:t>10/22/2019</a:t>
             </a:fld>
             <a:endParaRPr lang="en-US" dirty="0"/>
           </a:p>
@@ -7535,7 +7985,7 @@
           <a:p>
             <a:fld id="{48A87A34-81AB-432B-8DAE-1953F412C126}" type="datetimeFigureOut">
               <a:rPr lang="en-US" dirty="0"/>
-              <a:t>10/19/2019</a:t>
+              <a:t>10/22/2019</a:t>
             </a:fld>
             <a:endParaRPr lang="en-US" dirty="0"/>
           </a:p>
@@ -7762,7 +8212,7 @@
           <a:p>
             <a:fld id="{48A87A34-81AB-432B-8DAE-1953F412C126}" type="datetimeFigureOut">
               <a:rPr lang="en-US" dirty="0"/>
-              <a:t>10/19/2019</a:t>
+              <a:t>10/22/2019</a:t>
             </a:fld>
             <a:endParaRPr lang="en-US" dirty="0"/>
           </a:p>
@@ -8138,7 +8588,7 @@
           <a:p>
             <a:fld id="{48A87A34-81AB-432B-8DAE-1953F412C126}" type="datetimeFigureOut">
               <a:rPr lang="en-US" dirty="0"/>
-              <a:t>10/19/2019</a:t>
+              <a:t>10/22/2019</a:t>
             </a:fld>
             <a:endParaRPr lang="en-US" dirty="0"/>
           </a:p>
@@ -8251,7 +8701,7 @@
           <a:p>
             <a:fld id="{48A87A34-81AB-432B-8DAE-1953F412C126}" type="datetimeFigureOut">
               <a:rPr lang="en-US" dirty="0"/>
-              <a:t>10/19/2019</a:t>
+              <a:t>10/22/2019</a:t>
             </a:fld>
             <a:endParaRPr lang="en-US" dirty="0"/>
           </a:p>
@@ -8341,7 +8791,7 @@
           <a:p>
             <a:fld id="{48A87A34-81AB-432B-8DAE-1953F412C126}" type="datetimeFigureOut">
               <a:rPr lang="en-US" dirty="0"/>
-              <a:t>10/19/2019</a:t>
+              <a:t>10/22/2019</a:t>
             </a:fld>
             <a:endParaRPr lang="en-US" dirty="0"/>
           </a:p>
@@ -8585,7 +9035,7 @@
           <a:p>
             <a:fld id="{48A87A34-81AB-432B-8DAE-1953F412C126}" type="datetimeFigureOut">
               <a:rPr lang="en-US" dirty="0"/>
-              <a:t>10/19/2019</a:t>
+              <a:t>10/22/2019</a:t>
             </a:fld>
             <a:endParaRPr lang="en-US" dirty="0"/>
           </a:p>
@@ -8860,7 +9310,7 @@
           <a:p>
             <a:fld id="{48A87A34-81AB-432B-8DAE-1953F412C126}" type="datetimeFigureOut">
               <a:rPr lang="en-US" dirty="0"/>
-              <a:t>10/19/2019</a:t>
+              <a:t>10/22/2019</a:t>
             </a:fld>
             <a:endParaRPr lang="en-US" dirty="0"/>
           </a:p>
@@ -8978,7 +9428,7 @@
           <a:noFill/>
           <a:extLst>
             <a:ext uri="{909E8E84-426E-40dd-AFC4-6F175D3DCCD1}">
-              <a14:hiddenFill xmlns:a14="http://schemas.microsoft.com/office/drawing/2010/main" xmlns="">
+              <a14:hiddenFill xmlns="" xmlns:a14="http://schemas.microsoft.com/office/drawing/2010/main">
                 <a:solidFill>
                   <a:srgbClr val="FFFFFF"/>
                 </a:solidFill>
@@ -9052,7 +9502,7 @@
               </a:ln>
               <a:extLst>
                 <a:ext uri="{91240B29-F687-4f45-9708-019B960494DF}">
-                  <a14:hiddenLine xmlns:a14="http://schemas.microsoft.com/office/drawing/2010/main" xmlns="" w="9525">
+                  <a14:hiddenLine xmlns="" xmlns:a14="http://schemas.microsoft.com/office/drawing/2010/main" w="9525">
                     <a:solidFill>
                       <a:srgbClr val="000000"/>
                     </a:solidFill>
@@ -9142,7 +9592,7 @@
               </a:ln>
               <a:extLst>
                 <a:ext uri="{91240B29-F687-4f45-9708-019B960494DF}">
-                  <a14:hiddenLine xmlns:a14="http://schemas.microsoft.com/office/drawing/2010/main" xmlns="" w="9525">
+                  <a14:hiddenLine xmlns="" xmlns:a14="http://schemas.microsoft.com/office/drawing/2010/main" w="9525">
                     <a:solidFill>
                       <a:srgbClr val="000000"/>
                     </a:solidFill>
@@ -9232,7 +9682,7 @@
               </a:ln>
               <a:extLst>
                 <a:ext uri="{91240B29-F687-4f45-9708-019B960494DF}">
-                  <a14:hiddenLine xmlns:a14="http://schemas.microsoft.com/office/drawing/2010/main" xmlns="" w="9525">
+                  <a14:hiddenLine xmlns="" xmlns:a14="http://schemas.microsoft.com/office/drawing/2010/main" w="9525">
                     <a:solidFill>
                       <a:srgbClr val="000000"/>
                     </a:solidFill>
@@ -9294,7 +9744,7 @@
               </a:ln>
               <a:extLst>
                 <a:ext uri="{91240B29-F687-4f45-9708-019B960494DF}">
-                  <a14:hiddenLine xmlns:a14="http://schemas.microsoft.com/office/drawing/2010/main" xmlns="" w="9525">
+                  <a14:hiddenLine xmlns="" xmlns:a14="http://schemas.microsoft.com/office/drawing/2010/main" w="9525">
                     <a:solidFill>
                       <a:srgbClr val="000000"/>
                     </a:solidFill>
@@ -9384,7 +9834,7 @@
               </a:ln>
               <a:extLst>
                 <a:ext uri="{91240B29-F687-4f45-9708-019B960494DF}">
-                  <a14:hiddenLine xmlns:a14="http://schemas.microsoft.com/office/drawing/2010/main" xmlns="" w="9525">
+                  <a14:hiddenLine xmlns="" xmlns:a14="http://schemas.microsoft.com/office/drawing/2010/main" w="9525">
                     <a:solidFill>
                       <a:srgbClr val="000000"/>
                     </a:solidFill>
@@ -9446,7 +9896,7 @@
               </a:ln>
               <a:extLst>
                 <a:ext uri="{91240B29-F687-4f45-9708-019B960494DF}">
-                  <a14:hiddenLine xmlns:a14="http://schemas.microsoft.com/office/drawing/2010/main" xmlns="" w="9525">
+                  <a14:hiddenLine xmlns="" xmlns:a14="http://schemas.microsoft.com/office/drawing/2010/main" w="9525">
                     <a:solidFill>
                       <a:srgbClr val="000000"/>
                     </a:solidFill>
@@ -9508,7 +9958,7 @@
               </a:ln>
               <a:extLst>
                 <a:ext uri="{91240B29-F687-4f45-9708-019B960494DF}">
-                  <a14:hiddenLine xmlns:a14="http://schemas.microsoft.com/office/drawing/2010/main" xmlns="" w="9525">
+                  <a14:hiddenLine xmlns="" xmlns:a14="http://schemas.microsoft.com/office/drawing/2010/main" w="9525">
                     <a:solidFill>
                       <a:srgbClr val="000000"/>
                     </a:solidFill>
@@ -9598,7 +10048,7 @@
               </a:ln>
               <a:extLst>
                 <a:ext uri="{91240B29-F687-4f45-9708-019B960494DF}">
-                  <a14:hiddenLine xmlns:a14="http://schemas.microsoft.com/office/drawing/2010/main" xmlns="" w="9525">
+                  <a14:hiddenLine xmlns="" xmlns:a14="http://schemas.microsoft.com/office/drawing/2010/main" w="9525">
                     <a:solidFill>
                       <a:srgbClr val="000000"/>
                     </a:solidFill>
@@ -9688,7 +10138,7 @@
               </a:ln>
               <a:extLst>
                 <a:ext uri="{91240B29-F687-4f45-9708-019B960494DF}">
-                  <a14:hiddenLine xmlns:a14="http://schemas.microsoft.com/office/drawing/2010/main" xmlns="" w="9525">
+                  <a14:hiddenLine xmlns="" xmlns:a14="http://schemas.microsoft.com/office/drawing/2010/main" w="9525">
                     <a:solidFill>
                       <a:srgbClr val="000000"/>
                     </a:solidFill>
@@ -9750,7 +10200,7 @@
               </a:ln>
               <a:extLst>
                 <a:ext uri="{91240B29-F687-4f45-9708-019B960494DF}">
-                  <a14:hiddenLine xmlns:a14="http://schemas.microsoft.com/office/drawing/2010/main" xmlns="" w="9525">
+                  <a14:hiddenLine xmlns="" xmlns:a14="http://schemas.microsoft.com/office/drawing/2010/main" w="9525">
                     <a:solidFill>
                       <a:srgbClr val="000000"/>
                     </a:solidFill>
@@ -9860,7 +10310,7 @@
               </a:ln>
               <a:extLst>
                 <a:ext uri="{91240B29-F687-4f45-9708-019B960494DF}">
-                  <a14:hiddenLine xmlns:a14="http://schemas.microsoft.com/office/drawing/2010/main" xmlns="" w="9525">
+                  <a14:hiddenLine xmlns="" xmlns:a14="http://schemas.microsoft.com/office/drawing/2010/main" w="9525">
                     <a:solidFill>
                       <a:srgbClr val="000000"/>
                     </a:solidFill>
@@ -9944,7 +10394,7 @@
               </a:ln>
               <a:extLst>
                 <a:ext uri="{91240B29-F687-4f45-9708-019B960494DF}">
-                  <a14:hiddenLine xmlns:a14="http://schemas.microsoft.com/office/drawing/2010/main" xmlns="" w="9525">
+                  <a14:hiddenLine xmlns="" xmlns:a14="http://schemas.microsoft.com/office/drawing/2010/main" w="9525">
                     <a:solidFill>
                       <a:srgbClr val="000000"/>
                     </a:solidFill>
@@ -10006,7 +10456,7 @@
               </a:ln>
               <a:extLst>
                 <a:ext uri="{91240B29-F687-4f45-9708-019B960494DF}">
-                  <a14:hiddenLine xmlns:a14="http://schemas.microsoft.com/office/drawing/2010/main" xmlns="" w="9525">
+                  <a14:hiddenLine xmlns="" xmlns:a14="http://schemas.microsoft.com/office/drawing/2010/main" w="9525">
                     <a:solidFill>
                       <a:srgbClr val="000000"/>
                     </a:solidFill>
@@ -10068,7 +10518,7 @@
               </a:ln>
               <a:extLst>
                 <a:ext uri="{91240B29-F687-4f45-9708-019B960494DF}">
-                  <a14:hiddenLine xmlns:a14="http://schemas.microsoft.com/office/drawing/2010/main" xmlns="" w="9525">
+                  <a14:hiddenLine xmlns="" xmlns:a14="http://schemas.microsoft.com/office/drawing/2010/main" w="9525">
                     <a:solidFill>
                       <a:srgbClr val="000000"/>
                     </a:solidFill>
@@ -10158,7 +10608,7 @@
               </a:ln>
               <a:extLst>
                 <a:ext uri="{91240B29-F687-4f45-9708-019B960494DF}">
-                  <a14:hiddenLine xmlns:a14="http://schemas.microsoft.com/office/drawing/2010/main" xmlns="" w="9525">
+                  <a14:hiddenLine xmlns="" xmlns:a14="http://schemas.microsoft.com/office/drawing/2010/main" w="9525">
                     <a:solidFill>
                       <a:srgbClr val="000000"/>
                     </a:solidFill>
@@ -10192,7 +10642,7 @@
               </a:ln>
               <a:extLst>
                 <a:ext uri="{91240B29-F687-4f45-9708-019B960494DF}">
-                  <a14:hiddenLine xmlns:a14="http://schemas.microsoft.com/office/drawing/2010/main" xmlns="" w="9525">
+                  <a14:hiddenLine xmlns="" xmlns:a14="http://schemas.microsoft.com/office/drawing/2010/main" w="9525">
                     <a:solidFill>
                       <a:srgbClr val="000000"/>
                     </a:solidFill>
@@ -10257,7 +10707,7 @@
               </a:ln>
               <a:extLst>
                 <a:ext uri="{91240B29-F687-4f45-9708-019B960494DF}">
-                  <a14:hiddenLine xmlns:a14="http://schemas.microsoft.com/office/drawing/2010/main" xmlns="" w="9525">
+                  <a14:hiddenLine xmlns="" xmlns:a14="http://schemas.microsoft.com/office/drawing/2010/main" w="9525">
                     <a:solidFill>
                       <a:srgbClr val="000000"/>
                     </a:solidFill>
@@ -10347,7 +10797,7 @@
               </a:ln>
               <a:extLst>
                 <a:ext uri="{91240B29-F687-4f45-9708-019B960494DF}">
-                  <a14:hiddenLine xmlns:a14="http://schemas.microsoft.com/office/drawing/2010/main" xmlns="" w="9525">
+                  <a14:hiddenLine xmlns="" xmlns:a14="http://schemas.microsoft.com/office/drawing/2010/main" w="9525">
                     <a:solidFill>
                       <a:srgbClr val="000000"/>
                     </a:solidFill>
@@ -10409,7 +10859,7 @@
               </a:ln>
               <a:extLst>
                 <a:ext uri="{91240B29-F687-4f45-9708-019B960494DF}">
-                  <a14:hiddenLine xmlns:a14="http://schemas.microsoft.com/office/drawing/2010/main" xmlns="" w="9525">
+                  <a14:hiddenLine xmlns="" xmlns:a14="http://schemas.microsoft.com/office/drawing/2010/main" w="9525">
                     <a:solidFill>
                       <a:srgbClr val="000000"/>
                     </a:solidFill>
@@ -10499,7 +10949,7 @@
               </a:ln>
               <a:extLst>
                 <a:ext uri="{91240B29-F687-4f45-9708-019B960494DF}">
-                  <a14:hiddenLine xmlns:a14="http://schemas.microsoft.com/office/drawing/2010/main" xmlns="" w="9525">
+                  <a14:hiddenLine xmlns="" xmlns:a14="http://schemas.microsoft.com/office/drawing/2010/main" w="9525">
                     <a:solidFill>
                       <a:srgbClr val="000000"/>
                     </a:solidFill>
@@ -10564,7 +11014,7 @@
               </a:ln>
               <a:extLst>
                 <a:ext uri="{91240B29-F687-4f45-9708-019B960494DF}">
-                  <a14:hiddenLine xmlns:a14="http://schemas.microsoft.com/office/drawing/2010/main" xmlns="" w="9525">
+                  <a14:hiddenLine xmlns="" xmlns:a14="http://schemas.microsoft.com/office/drawing/2010/main" w="9525">
                     <a:solidFill>
                       <a:srgbClr val="000000"/>
                     </a:solidFill>
@@ -10626,7 +11076,7 @@
               </a:ln>
               <a:extLst>
                 <a:ext uri="{91240B29-F687-4f45-9708-019B960494DF}">
-                  <a14:hiddenLine xmlns:a14="http://schemas.microsoft.com/office/drawing/2010/main" xmlns="" w="9525">
+                  <a14:hiddenLine xmlns="" xmlns:a14="http://schemas.microsoft.com/office/drawing/2010/main" w="9525">
                     <a:solidFill>
                       <a:srgbClr val="000000"/>
                     </a:solidFill>
@@ -10716,7 +11166,7 @@
               </a:ln>
               <a:extLst>
                 <a:ext uri="{91240B29-F687-4f45-9708-019B960494DF}">
-                  <a14:hiddenLine xmlns:a14="http://schemas.microsoft.com/office/drawing/2010/main" xmlns="" w="9525">
+                  <a14:hiddenLine xmlns="" xmlns:a14="http://schemas.microsoft.com/office/drawing/2010/main" w="9525">
                     <a:solidFill>
                       <a:srgbClr val="000000"/>
                     </a:solidFill>
@@ -10806,7 +11256,7 @@
               </a:ln>
               <a:extLst>
                 <a:ext uri="{91240B29-F687-4f45-9708-019B960494DF}">
-                  <a14:hiddenLine xmlns:a14="http://schemas.microsoft.com/office/drawing/2010/main" xmlns="" w="9525">
+                  <a14:hiddenLine xmlns="" xmlns:a14="http://schemas.microsoft.com/office/drawing/2010/main" w="9525">
                     <a:solidFill>
                       <a:srgbClr val="000000"/>
                     </a:solidFill>
@@ -10871,7 +11321,7 @@
               </a:ln>
               <a:extLst>
                 <a:ext uri="{91240B29-F687-4f45-9708-019B960494DF}">
-                  <a14:hiddenLine xmlns:a14="http://schemas.microsoft.com/office/drawing/2010/main" xmlns="" w="9525">
+                  <a14:hiddenLine xmlns="" xmlns:a14="http://schemas.microsoft.com/office/drawing/2010/main" w="9525">
                     <a:solidFill>
                       <a:srgbClr val="000000"/>
                     </a:solidFill>
@@ -10991,7 +11441,7 @@
               </a:ln>
               <a:extLst>
                 <a:ext uri="{91240B29-F687-4f45-9708-019B960494DF}">
-                  <a14:hiddenLine xmlns:a14="http://schemas.microsoft.com/office/drawing/2010/main" xmlns="" w="9525">
+                  <a14:hiddenLine xmlns="" xmlns:a14="http://schemas.microsoft.com/office/drawing/2010/main" w="9525">
                     <a:solidFill>
                       <a:srgbClr val="000000"/>
                     </a:solidFill>
@@ -11072,7 +11522,7 @@
               </a:ln>
               <a:extLst>
                 <a:ext uri="{91240B29-F687-4f45-9708-019B960494DF}">
-                  <a14:hiddenLine xmlns:a14="http://schemas.microsoft.com/office/drawing/2010/main" xmlns="" w="9525">
+                  <a14:hiddenLine xmlns="" xmlns:a14="http://schemas.microsoft.com/office/drawing/2010/main" w="9525">
                     <a:solidFill>
                       <a:srgbClr val="000000"/>
                     </a:solidFill>
@@ -11187,7 +11637,7 @@
               </a:ln>
               <a:extLst>
                 <a:ext uri="{91240B29-F687-4f45-9708-019B960494DF}">
-                  <a14:hiddenLine xmlns:a14="http://schemas.microsoft.com/office/drawing/2010/main" xmlns="" w="9525">
+                  <a14:hiddenLine xmlns="" xmlns:a14="http://schemas.microsoft.com/office/drawing/2010/main" w="9525">
                     <a:solidFill>
                       <a:srgbClr val="000000"/>
                     </a:solidFill>
@@ -11277,7 +11727,7 @@
               </a:ln>
               <a:extLst>
                 <a:ext uri="{91240B29-F687-4f45-9708-019B960494DF}">
-                  <a14:hiddenLine xmlns:a14="http://schemas.microsoft.com/office/drawing/2010/main" xmlns="" w="9525">
+                  <a14:hiddenLine xmlns="" xmlns:a14="http://schemas.microsoft.com/office/drawing/2010/main" w="9525">
                     <a:solidFill>
                       <a:srgbClr val="000000"/>
                     </a:solidFill>
@@ -11342,7 +11792,7 @@
               </a:ln>
               <a:extLst>
                 <a:ext uri="{91240B29-F687-4f45-9708-019B960494DF}">
-                  <a14:hiddenLine xmlns:a14="http://schemas.microsoft.com/office/drawing/2010/main" xmlns="" w="9525">
+                  <a14:hiddenLine xmlns="" xmlns:a14="http://schemas.microsoft.com/office/drawing/2010/main" w="9525">
                     <a:solidFill>
                       <a:srgbClr val="000000"/>
                     </a:solidFill>
@@ -11432,7 +11882,7 @@
               </a:ln>
               <a:extLst>
                 <a:ext uri="{91240B29-F687-4f45-9708-019B960494DF}">
-                  <a14:hiddenLine xmlns:a14="http://schemas.microsoft.com/office/drawing/2010/main" xmlns="" w="9525">
+                  <a14:hiddenLine xmlns="" xmlns:a14="http://schemas.microsoft.com/office/drawing/2010/main" w="9525">
                     <a:solidFill>
                       <a:srgbClr val="000000"/>
                     </a:solidFill>
@@ -11500,7 +11950,7 @@
               </a:ln>
               <a:extLst>
                 <a:ext uri="{91240B29-F687-4f45-9708-019B960494DF}">
-                  <a14:hiddenLine xmlns:a14="http://schemas.microsoft.com/office/drawing/2010/main" xmlns="" w="9525">
+                  <a14:hiddenLine xmlns="" xmlns:a14="http://schemas.microsoft.com/office/drawing/2010/main" w="9525">
                     <a:solidFill>
                       <a:srgbClr val="000000"/>
                     </a:solidFill>
@@ -11590,7 +12040,7 @@
               </a:ln>
               <a:extLst>
                 <a:ext uri="{91240B29-F687-4f45-9708-019B960494DF}">
-                  <a14:hiddenLine xmlns:a14="http://schemas.microsoft.com/office/drawing/2010/main" xmlns="" w="9525">
+                  <a14:hiddenLine xmlns="" xmlns:a14="http://schemas.microsoft.com/office/drawing/2010/main" w="9525">
                     <a:solidFill>
                       <a:srgbClr val="000000"/>
                     </a:solidFill>
@@ -11658,7 +12108,7 @@
               </a:ln>
               <a:extLst>
                 <a:ext uri="{91240B29-F687-4f45-9708-019B960494DF}">
-                  <a14:hiddenLine xmlns:a14="http://schemas.microsoft.com/office/drawing/2010/main" xmlns="" w="9525">
+                  <a14:hiddenLine xmlns="" xmlns:a14="http://schemas.microsoft.com/office/drawing/2010/main" w="9525">
                     <a:solidFill>
                       <a:srgbClr val="000000"/>
                     </a:solidFill>
@@ -11748,7 +12198,7 @@
               </a:ln>
               <a:extLst>
                 <a:ext uri="{91240B29-F687-4f45-9708-019B960494DF}">
-                  <a14:hiddenLine xmlns:a14="http://schemas.microsoft.com/office/drawing/2010/main" xmlns="" w="9525">
+                  <a14:hiddenLine xmlns="" xmlns:a14="http://schemas.microsoft.com/office/drawing/2010/main" w="9525">
                     <a:solidFill>
                       <a:srgbClr val="000000"/>
                     </a:solidFill>
@@ -11782,7 +12232,7 @@
               </a:ln>
               <a:extLst>
                 <a:ext uri="{91240B29-F687-4f45-9708-019B960494DF}">
-                  <a14:hiddenLine xmlns:a14="http://schemas.microsoft.com/office/drawing/2010/main" xmlns="" w="9525">
+                  <a14:hiddenLine xmlns="" xmlns:a14="http://schemas.microsoft.com/office/drawing/2010/main" w="9525">
                     <a:solidFill>
                       <a:srgbClr val="000000"/>
                     </a:solidFill>
@@ -11923,7 +12373,7 @@
             <a:fld id="{48A87A34-81AB-432B-8DAE-1953F412C126}" type="datetimeFigureOut">
               <a:rPr lang="en-US" dirty="0"/>
               <a:pPr/>
-              <a:t>10/19/2019</a:t>
+              <a:t>10/22/2019</a:t>
             </a:fld>
             <a:endParaRPr lang="en-US" dirty="0"/>
           </a:p>
@@ -12362,17 +12812,25 @@
           <a:p>
             <a:pPr algn="ctr"/>
             <a:r>
-              <a:rPr lang="de-DE" dirty="0"/>
-              <a:t>IT-Kurzprojekt</a:t>
+              <a:rPr lang="de-DE" dirty="0">
+                <a:latin typeface="Arial Rounded MT Bold" panose="020F0704030504030204" pitchFamily="34" charset="0"/>
+              </a:rPr>
+              <a:t>IT-projekt</a:t>
             </a:r>
             <a:br>
-              <a:rPr lang="de-DE" dirty="0"/>
+              <a:rPr lang="de-DE" dirty="0">
+                <a:latin typeface="Arial Rounded MT Bold" panose="020F0704030504030204" pitchFamily="34" charset="0"/>
+              </a:rPr>
             </a:br>
             <a:r>
-              <a:rPr lang="de-DE" dirty="0" err="1"/>
+              <a:rPr lang="de-DE" dirty="0" err="1">
+                <a:latin typeface="Arial Rounded MT Bold" panose="020F0704030504030204" pitchFamily="34" charset="0"/>
+              </a:rPr>
               <a:t>MineSweEPER</a:t>
             </a:r>
-            <a:endParaRPr lang="de-DE" dirty="0"/>
+            <a:endParaRPr lang="de-DE" dirty="0">
+              <a:latin typeface="Arial Rounded MT Bold" panose="020F0704030504030204" pitchFamily="34" charset="0"/>
+            </a:endParaRPr>
           </a:p>
         </p:txBody>
       </p:sp>
@@ -12397,7 +12855,7 @@
           <a:bodyPr/>
           <a:lstStyle/>
           <a:p>
-            <a:endParaRPr lang="de-DE"/>
+            <a:endParaRPr lang="de-DE" dirty="0"/>
           </a:p>
         </p:txBody>
       </p:sp>
@@ -12405,6 +12863,726 @@
     <p:extLst>
       <p:ext uri="{BB962C8B-B14F-4D97-AF65-F5344CB8AC3E}">
         <p14:creationId xmlns:p14="http://schemas.microsoft.com/office/powerpoint/2010/main" val="2373974896"/>
+      </p:ext>
+    </p:extLst>
+  </p:cSld>
+  <p:clrMapOvr>
+    <a:masterClrMapping/>
+  </p:clrMapOvr>
+</p:sld>
+</file>
+
+<file path=ppt/slides/slide10.xml><?xml version="1.0" encoding="utf-8"?>
+<p:sld xmlns:a="http://schemas.openxmlformats.org/drawingml/2006/main" xmlns:r="http://schemas.openxmlformats.org/officeDocument/2006/relationships" xmlns:p="http://schemas.openxmlformats.org/presentationml/2006/main">
+  <p:cSld>
+    <p:spTree>
+      <p:nvGrpSpPr>
+        <p:cNvPr id="1" name=""/>
+        <p:cNvGrpSpPr/>
+        <p:nvPr/>
+      </p:nvGrpSpPr>
+      <p:grpSpPr>
+        <a:xfrm>
+          <a:off x="0" y="0"/>
+          <a:ext cx="0" cy="0"/>
+          <a:chOff x="0" y="0"/>
+          <a:chExt cx="0" cy="0"/>
+        </a:xfrm>
+      </p:grpSpPr>
+      <p:sp>
+        <p:nvSpPr>
+          <p:cNvPr id="2" name="Titel 1">
+            <a:extLst>
+              <a:ext uri="{FF2B5EF4-FFF2-40B4-BE49-F238E27FC236}">
+                <a16:creationId xmlns:a16="http://schemas.microsoft.com/office/drawing/2014/main" id="{C1020314-B0AB-4B16-861E-E6CD1FFB6FCB}"/>
+              </a:ext>
+            </a:extLst>
+          </p:cNvPr>
+          <p:cNvSpPr>
+            <a:spLocks noGrp="1"/>
+          </p:cNvSpPr>
+          <p:nvPr>
+            <p:ph type="title"/>
+          </p:nvPr>
+        </p:nvSpPr>
+        <p:spPr/>
+        <p:txBody>
+          <a:bodyPr/>
+          <a:lstStyle/>
+          <a:p>
+            <a:endParaRPr lang="de-DE"/>
+          </a:p>
+        </p:txBody>
+      </p:sp>
+      <p:sp>
+        <p:nvSpPr>
+          <p:cNvPr id="3" name="Inhaltsplatzhalter 2">
+            <a:extLst>
+              <a:ext uri="{FF2B5EF4-FFF2-40B4-BE49-F238E27FC236}">
+                <a16:creationId xmlns:a16="http://schemas.microsoft.com/office/drawing/2014/main" id="{A44CCFDF-FABE-43E9-929B-5CE8003E96EF}"/>
+              </a:ext>
+            </a:extLst>
+          </p:cNvPr>
+          <p:cNvSpPr>
+            <a:spLocks noGrp="1"/>
+          </p:cNvSpPr>
+          <p:nvPr>
+            <p:ph idx="1"/>
+          </p:nvPr>
+        </p:nvSpPr>
+        <p:spPr/>
+        <p:txBody>
+          <a:bodyPr/>
+          <a:lstStyle/>
+          <a:p>
+            <a:endParaRPr lang="de-DE"/>
+          </a:p>
+        </p:txBody>
+      </p:sp>
+    </p:spTree>
+    <p:extLst>
+      <p:ext uri="{BB962C8B-B14F-4D97-AF65-F5344CB8AC3E}">
+        <p14:creationId xmlns:p14="http://schemas.microsoft.com/office/powerpoint/2010/main" val="3904116714"/>
+      </p:ext>
+    </p:extLst>
+  </p:cSld>
+  <p:clrMapOvr>
+    <a:masterClrMapping/>
+  </p:clrMapOvr>
+</p:sld>
+</file>
+
+<file path=ppt/slides/slide2.xml><?xml version="1.0" encoding="utf-8"?>
+<p:sld xmlns:a="http://schemas.openxmlformats.org/drawingml/2006/main" xmlns:r="http://schemas.openxmlformats.org/officeDocument/2006/relationships" xmlns:p="http://schemas.openxmlformats.org/presentationml/2006/main">
+  <p:cSld>
+    <p:spTree>
+      <p:nvGrpSpPr>
+        <p:cNvPr id="1" name=""/>
+        <p:cNvGrpSpPr/>
+        <p:nvPr/>
+      </p:nvGrpSpPr>
+      <p:grpSpPr>
+        <a:xfrm>
+          <a:off x="0" y="0"/>
+          <a:ext cx="0" cy="0"/>
+          <a:chOff x="0" y="0"/>
+          <a:chExt cx="0" cy="0"/>
+        </a:xfrm>
+      </p:grpSpPr>
+      <p:sp>
+        <p:nvSpPr>
+          <p:cNvPr id="2" name="Titel 1">
+            <a:extLst>
+              <a:ext uri="{FF2B5EF4-FFF2-40B4-BE49-F238E27FC236}">
+                <a16:creationId xmlns:a16="http://schemas.microsoft.com/office/drawing/2014/main" id="{221F49D0-AFC9-4DD4-ADE9-8347529AF46C}"/>
+              </a:ext>
+            </a:extLst>
+          </p:cNvPr>
+          <p:cNvSpPr>
+            <a:spLocks noGrp="1"/>
+          </p:cNvSpPr>
+          <p:nvPr>
+            <p:ph type="title"/>
+          </p:nvPr>
+        </p:nvSpPr>
+        <p:spPr/>
+        <p:txBody>
+          <a:bodyPr/>
+          <a:lstStyle/>
+          <a:p>
+            <a:endParaRPr lang="de-DE"/>
+          </a:p>
+        </p:txBody>
+      </p:sp>
+      <p:sp>
+        <p:nvSpPr>
+          <p:cNvPr id="3" name="Inhaltsplatzhalter 2">
+            <a:extLst>
+              <a:ext uri="{FF2B5EF4-FFF2-40B4-BE49-F238E27FC236}">
+                <a16:creationId xmlns:a16="http://schemas.microsoft.com/office/drawing/2014/main" id="{CAA66E43-42AE-4693-B00A-C02BD733CCE5}"/>
+              </a:ext>
+            </a:extLst>
+          </p:cNvPr>
+          <p:cNvSpPr>
+            <a:spLocks noGrp="1"/>
+          </p:cNvSpPr>
+          <p:nvPr>
+            <p:ph idx="1"/>
+          </p:nvPr>
+        </p:nvSpPr>
+        <p:spPr/>
+        <p:txBody>
+          <a:bodyPr/>
+          <a:lstStyle/>
+          <a:p>
+            <a:endParaRPr lang="de-DE"/>
+          </a:p>
+        </p:txBody>
+      </p:sp>
+    </p:spTree>
+    <p:extLst>
+      <p:ext uri="{BB962C8B-B14F-4D97-AF65-F5344CB8AC3E}">
+        <p14:creationId xmlns:p14="http://schemas.microsoft.com/office/powerpoint/2010/main" val="850751111"/>
+      </p:ext>
+    </p:extLst>
+  </p:cSld>
+  <p:clrMapOvr>
+    <a:masterClrMapping/>
+  </p:clrMapOvr>
+</p:sld>
+</file>
+
+<file path=ppt/slides/slide3.xml><?xml version="1.0" encoding="utf-8"?>
+<p:sld xmlns:a="http://schemas.openxmlformats.org/drawingml/2006/main" xmlns:r="http://schemas.openxmlformats.org/officeDocument/2006/relationships" xmlns:p="http://schemas.openxmlformats.org/presentationml/2006/main">
+  <p:cSld>
+    <p:spTree>
+      <p:nvGrpSpPr>
+        <p:cNvPr id="1" name=""/>
+        <p:cNvGrpSpPr/>
+        <p:nvPr/>
+      </p:nvGrpSpPr>
+      <p:grpSpPr>
+        <a:xfrm>
+          <a:off x="0" y="0"/>
+          <a:ext cx="0" cy="0"/>
+          <a:chOff x="0" y="0"/>
+          <a:chExt cx="0" cy="0"/>
+        </a:xfrm>
+      </p:grpSpPr>
+      <p:sp>
+        <p:nvSpPr>
+          <p:cNvPr id="2" name="Titel 1">
+            <a:extLst>
+              <a:ext uri="{FF2B5EF4-FFF2-40B4-BE49-F238E27FC236}">
+                <a16:creationId xmlns:a16="http://schemas.microsoft.com/office/drawing/2014/main" id="{C88D7B61-8547-40BE-B191-7F6BE89A9BF3}"/>
+              </a:ext>
+            </a:extLst>
+          </p:cNvPr>
+          <p:cNvSpPr>
+            <a:spLocks noGrp="1"/>
+          </p:cNvSpPr>
+          <p:nvPr>
+            <p:ph type="title"/>
+          </p:nvPr>
+        </p:nvSpPr>
+        <p:spPr/>
+        <p:txBody>
+          <a:bodyPr/>
+          <a:lstStyle/>
+          <a:p>
+            <a:endParaRPr lang="de-DE"/>
+          </a:p>
+        </p:txBody>
+      </p:sp>
+      <p:sp>
+        <p:nvSpPr>
+          <p:cNvPr id="3" name="Inhaltsplatzhalter 2">
+            <a:extLst>
+              <a:ext uri="{FF2B5EF4-FFF2-40B4-BE49-F238E27FC236}">
+                <a16:creationId xmlns:a16="http://schemas.microsoft.com/office/drawing/2014/main" id="{B6CE3F9D-5E61-47CE-9A49-4708925E7A7D}"/>
+              </a:ext>
+            </a:extLst>
+          </p:cNvPr>
+          <p:cNvSpPr>
+            <a:spLocks noGrp="1"/>
+          </p:cNvSpPr>
+          <p:nvPr>
+            <p:ph idx="1"/>
+          </p:nvPr>
+        </p:nvSpPr>
+        <p:spPr/>
+        <p:txBody>
+          <a:bodyPr/>
+          <a:lstStyle/>
+          <a:p>
+            <a:endParaRPr lang="de-DE"/>
+          </a:p>
+        </p:txBody>
+      </p:sp>
+    </p:spTree>
+    <p:extLst>
+      <p:ext uri="{BB962C8B-B14F-4D97-AF65-F5344CB8AC3E}">
+        <p14:creationId xmlns:p14="http://schemas.microsoft.com/office/powerpoint/2010/main" val="3652049526"/>
+      </p:ext>
+    </p:extLst>
+  </p:cSld>
+  <p:clrMapOvr>
+    <a:masterClrMapping/>
+  </p:clrMapOvr>
+</p:sld>
+</file>
+
+<file path=ppt/slides/slide4.xml><?xml version="1.0" encoding="utf-8"?>
+<p:sld xmlns:a="http://schemas.openxmlformats.org/drawingml/2006/main" xmlns:r="http://schemas.openxmlformats.org/officeDocument/2006/relationships" xmlns:p="http://schemas.openxmlformats.org/presentationml/2006/main">
+  <p:cSld>
+    <p:spTree>
+      <p:nvGrpSpPr>
+        <p:cNvPr id="1" name=""/>
+        <p:cNvGrpSpPr/>
+        <p:nvPr/>
+      </p:nvGrpSpPr>
+      <p:grpSpPr>
+        <a:xfrm>
+          <a:off x="0" y="0"/>
+          <a:ext cx="0" cy="0"/>
+          <a:chOff x="0" y="0"/>
+          <a:chExt cx="0" cy="0"/>
+        </a:xfrm>
+      </p:grpSpPr>
+      <p:sp>
+        <p:nvSpPr>
+          <p:cNvPr id="2" name="Titel 1">
+            <a:extLst>
+              <a:ext uri="{FF2B5EF4-FFF2-40B4-BE49-F238E27FC236}">
+                <a16:creationId xmlns:a16="http://schemas.microsoft.com/office/drawing/2014/main" id="{A737636E-D854-4AC5-9123-7E905C2A0BB0}"/>
+              </a:ext>
+            </a:extLst>
+          </p:cNvPr>
+          <p:cNvSpPr>
+            <a:spLocks noGrp="1"/>
+          </p:cNvSpPr>
+          <p:nvPr>
+            <p:ph type="title"/>
+          </p:nvPr>
+        </p:nvSpPr>
+        <p:spPr/>
+        <p:txBody>
+          <a:bodyPr/>
+          <a:lstStyle/>
+          <a:p>
+            <a:endParaRPr lang="de-DE"/>
+          </a:p>
+        </p:txBody>
+      </p:sp>
+      <p:sp>
+        <p:nvSpPr>
+          <p:cNvPr id="3" name="Inhaltsplatzhalter 2">
+            <a:extLst>
+              <a:ext uri="{FF2B5EF4-FFF2-40B4-BE49-F238E27FC236}">
+                <a16:creationId xmlns:a16="http://schemas.microsoft.com/office/drawing/2014/main" id="{91C7B525-D986-438C-B2A1-9583A948D3CA}"/>
+              </a:ext>
+            </a:extLst>
+          </p:cNvPr>
+          <p:cNvSpPr>
+            <a:spLocks noGrp="1"/>
+          </p:cNvSpPr>
+          <p:nvPr>
+            <p:ph idx="1"/>
+          </p:nvPr>
+        </p:nvSpPr>
+        <p:spPr/>
+        <p:txBody>
+          <a:bodyPr/>
+          <a:lstStyle/>
+          <a:p>
+            <a:endParaRPr lang="de-DE"/>
+          </a:p>
+        </p:txBody>
+      </p:sp>
+    </p:spTree>
+    <p:extLst>
+      <p:ext uri="{BB962C8B-B14F-4D97-AF65-F5344CB8AC3E}">
+        <p14:creationId xmlns:p14="http://schemas.microsoft.com/office/powerpoint/2010/main" val="3172904559"/>
+      </p:ext>
+    </p:extLst>
+  </p:cSld>
+  <p:clrMapOvr>
+    <a:masterClrMapping/>
+  </p:clrMapOvr>
+</p:sld>
+</file>
+
+<file path=ppt/slides/slide5.xml><?xml version="1.0" encoding="utf-8"?>
+<p:sld xmlns:a="http://schemas.openxmlformats.org/drawingml/2006/main" xmlns:r="http://schemas.openxmlformats.org/officeDocument/2006/relationships" xmlns:p="http://schemas.openxmlformats.org/presentationml/2006/main">
+  <p:cSld>
+    <p:spTree>
+      <p:nvGrpSpPr>
+        <p:cNvPr id="1" name=""/>
+        <p:cNvGrpSpPr/>
+        <p:nvPr/>
+      </p:nvGrpSpPr>
+      <p:grpSpPr>
+        <a:xfrm>
+          <a:off x="0" y="0"/>
+          <a:ext cx="0" cy="0"/>
+          <a:chOff x="0" y="0"/>
+          <a:chExt cx="0" cy="0"/>
+        </a:xfrm>
+      </p:grpSpPr>
+      <p:sp>
+        <p:nvSpPr>
+          <p:cNvPr id="2" name="Titel 1">
+            <a:extLst>
+              <a:ext uri="{FF2B5EF4-FFF2-40B4-BE49-F238E27FC236}">
+                <a16:creationId xmlns:a16="http://schemas.microsoft.com/office/drawing/2014/main" id="{3CE3BF2A-2359-49E1-8EDD-2F726904DADD}"/>
+              </a:ext>
+            </a:extLst>
+          </p:cNvPr>
+          <p:cNvSpPr>
+            <a:spLocks noGrp="1"/>
+          </p:cNvSpPr>
+          <p:nvPr>
+            <p:ph type="title"/>
+          </p:nvPr>
+        </p:nvSpPr>
+        <p:spPr/>
+        <p:txBody>
+          <a:bodyPr/>
+          <a:lstStyle/>
+          <a:p>
+            <a:endParaRPr lang="de-DE"/>
+          </a:p>
+        </p:txBody>
+      </p:sp>
+      <p:sp>
+        <p:nvSpPr>
+          <p:cNvPr id="3" name="Inhaltsplatzhalter 2">
+            <a:extLst>
+              <a:ext uri="{FF2B5EF4-FFF2-40B4-BE49-F238E27FC236}">
+                <a16:creationId xmlns:a16="http://schemas.microsoft.com/office/drawing/2014/main" id="{590B5201-4C16-4092-B7B3-45DE9E0A4A4F}"/>
+              </a:ext>
+            </a:extLst>
+          </p:cNvPr>
+          <p:cNvSpPr>
+            <a:spLocks noGrp="1"/>
+          </p:cNvSpPr>
+          <p:nvPr>
+            <p:ph idx="1"/>
+          </p:nvPr>
+        </p:nvSpPr>
+        <p:spPr/>
+        <p:txBody>
+          <a:bodyPr/>
+          <a:lstStyle/>
+          <a:p>
+            <a:endParaRPr lang="de-DE"/>
+          </a:p>
+        </p:txBody>
+      </p:sp>
+    </p:spTree>
+    <p:extLst>
+      <p:ext uri="{BB962C8B-B14F-4D97-AF65-F5344CB8AC3E}">
+        <p14:creationId xmlns:p14="http://schemas.microsoft.com/office/powerpoint/2010/main" val="2197391320"/>
+      </p:ext>
+    </p:extLst>
+  </p:cSld>
+  <p:clrMapOvr>
+    <a:masterClrMapping/>
+  </p:clrMapOvr>
+</p:sld>
+</file>
+
+<file path=ppt/slides/slide6.xml><?xml version="1.0" encoding="utf-8"?>
+<p:sld xmlns:a="http://schemas.openxmlformats.org/drawingml/2006/main" xmlns:r="http://schemas.openxmlformats.org/officeDocument/2006/relationships" xmlns:p="http://schemas.openxmlformats.org/presentationml/2006/main">
+  <p:cSld>
+    <p:spTree>
+      <p:nvGrpSpPr>
+        <p:cNvPr id="1" name=""/>
+        <p:cNvGrpSpPr/>
+        <p:nvPr/>
+      </p:nvGrpSpPr>
+      <p:grpSpPr>
+        <a:xfrm>
+          <a:off x="0" y="0"/>
+          <a:ext cx="0" cy="0"/>
+          <a:chOff x="0" y="0"/>
+          <a:chExt cx="0" cy="0"/>
+        </a:xfrm>
+      </p:grpSpPr>
+      <p:sp>
+        <p:nvSpPr>
+          <p:cNvPr id="2" name="Titel 1">
+            <a:extLst>
+              <a:ext uri="{FF2B5EF4-FFF2-40B4-BE49-F238E27FC236}">
+                <a16:creationId xmlns:a16="http://schemas.microsoft.com/office/drawing/2014/main" id="{31160C3D-D173-4B6E-8ABC-29FA4F82EEED}"/>
+              </a:ext>
+            </a:extLst>
+          </p:cNvPr>
+          <p:cNvSpPr>
+            <a:spLocks noGrp="1"/>
+          </p:cNvSpPr>
+          <p:nvPr>
+            <p:ph type="title"/>
+          </p:nvPr>
+        </p:nvSpPr>
+        <p:spPr/>
+        <p:txBody>
+          <a:bodyPr/>
+          <a:lstStyle/>
+          <a:p>
+            <a:endParaRPr lang="de-DE"/>
+          </a:p>
+        </p:txBody>
+      </p:sp>
+      <p:sp>
+        <p:nvSpPr>
+          <p:cNvPr id="3" name="Inhaltsplatzhalter 2">
+            <a:extLst>
+              <a:ext uri="{FF2B5EF4-FFF2-40B4-BE49-F238E27FC236}">
+                <a16:creationId xmlns:a16="http://schemas.microsoft.com/office/drawing/2014/main" id="{15BFA143-D5A1-48C9-B942-79E3C9340656}"/>
+              </a:ext>
+            </a:extLst>
+          </p:cNvPr>
+          <p:cNvSpPr>
+            <a:spLocks noGrp="1"/>
+          </p:cNvSpPr>
+          <p:nvPr>
+            <p:ph idx="1"/>
+          </p:nvPr>
+        </p:nvSpPr>
+        <p:spPr/>
+        <p:txBody>
+          <a:bodyPr/>
+          <a:lstStyle/>
+          <a:p>
+            <a:endParaRPr lang="de-DE"/>
+          </a:p>
+        </p:txBody>
+      </p:sp>
+    </p:spTree>
+    <p:extLst>
+      <p:ext uri="{BB962C8B-B14F-4D97-AF65-F5344CB8AC3E}">
+        <p14:creationId xmlns:p14="http://schemas.microsoft.com/office/powerpoint/2010/main" val="138284963"/>
+      </p:ext>
+    </p:extLst>
+  </p:cSld>
+  <p:clrMapOvr>
+    <a:masterClrMapping/>
+  </p:clrMapOvr>
+</p:sld>
+</file>
+
+<file path=ppt/slides/slide7.xml><?xml version="1.0" encoding="utf-8"?>
+<p:sld xmlns:a="http://schemas.openxmlformats.org/drawingml/2006/main" xmlns:r="http://schemas.openxmlformats.org/officeDocument/2006/relationships" xmlns:p="http://schemas.openxmlformats.org/presentationml/2006/main">
+  <p:cSld>
+    <p:spTree>
+      <p:nvGrpSpPr>
+        <p:cNvPr id="1" name=""/>
+        <p:cNvGrpSpPr/>
+        <p:nvPr/>
+      </p:nvGrpSpPr>
+      <p:grpSpPr>
+        <a:xfrm>
+          <a:off x="0" y="0"/>
+          <a:ext cx="0" cy="0"/>
+          <a:chOff x="0" y="0"/>
+          <a:chExt cx="0" cy="0"/>
+        </a:xfrm>
+      </p:grpSpPr>
+      <p:sp>
+        <p:nvSpPr>
+          <p:cNvPr id="2" name="Titel 1">
+            <a:extLst>
+              <a:ext uri="{FF2B5EF4-FFF2-40B4-BE49-F238E27FC236}">
+                <a16:creationId xmlns:a16="http://schemas.microsoft.com/office/drawing/2014/main" id="{AFCA7579-F370-41D1-B570-46C2FA7DE35B}"/>
+              </a:ext>
+            </a:extLst>
+          </p:cNvPr>
+          <p:cNvSpPr>
+            <a:spLocks noGrp="1"/>
+          </p:cNvSpPr>
+          <p:nvPr>
+            <p:ph type="title"/>
+          </p:nvPr>
+        </p:nvSpPr>
+        <p:spPr/>
+        <p:txBody>
+          <a:bodyPr/>
+          <a:lstStyle/>
+          <a:p>
+            <a:endParaRPr lang="de-DE"/>
+          </a:p>
+        </p:txBody>
+      </p:sp>
+      <p:sp>
+        <p:nvSpPr>
+          <p:cNvPr id="3" name="Inhaltsplatzhalter 2">
+            <a:extLst>
+              <a:ext uri="{FF2B5EF4-FFF2-40B4-BE49-F238E27FC236}">
+                <a16:creationId xmlns:a16="http://schemas.microsoft.com/office/drawing/2014/main" id="{54B9AD63-0239-411C-B682-D8D71912C969}"/>
+              </a:ext>
+            </a:extLst>
+          </p:cNvPr>
+          <p:cNvSpPr>
+            <a:spLocks noGrp="1"/>
+          </p:cNvSpPr>
+          <p:nvPr>
+            <p:ph idx="1"/>
+          </p:nvPr>
+        </p:nvSpPr>
+        <p:spPr/>
+        <p:txBody>
+          <a:bodyPr/>
+          <a:lstStyle/>
+          <a:p>
+            <a:endParaRPr lang="de-DE"/>
+          </a:p>
+        </p:txBody>
+      </p:sp>
+    </p:spTree>
+    <p:extLst>
+      <p:ext uri="{BB962C8B-B14F-4D97-AF65-F5344CB8AC3E}">
+        <p14:creationId xmlns:p14="http://schemas.microsoft.com/office/powerpoint/2010/main" val="1606900939"/>
+      </p:ext>
+    </p:extLst>
+  </p:cSld>
+  <p:clrMapOvr>
+    <a:masterClrMapping/>
+  </p:clrMapOvr>
+</p:sld>
+</file>
+
+<file path=ppt/slides/slide8.xml><?xml version="1.0" encoding="utf-8"?>
+<p:sld xmlns:a="http://schemas.openxmlformats.org/drawingml/2006/main" xmlns:r="http://schemas.openxmlformats.org/officeDocument/2006/relationships" xmlns:p="http://schemas.openxmlformats.org/presentationml/2006/main">
+  <p:cSld>
+    <p:spTree>
+      <p:nvGrpSpPr>
+        <p:cNvPr id="1" name=""/>
+        <p:cNvGrpSpPr/>
+        <p:nvPr/>
+      </p:nvGrpSpPr>
+      <p:grpSpPr>
+        <a:xfrm>
+          <a:off x="0" y="0"/>
+          <a:ext cx="0" cy="0"/>
+          <a:chOff x="0" y="0"/>
+          <a:chExt cx="0" cy="0"/>
+        </a:xfrm>
+      </p:grpSpPr>
+      <p:sp>
+        <p:nvSpPr>
+          <p:cNvPr id="2" name="Titel 1">
+            <a:extLst>
+              <a:ext uri="{FF2B5EF4-FFF2-40B4-BE49-F238E27FC236}">
+                <a16:creationId xmlns:a16="http://schemas.microsoft.com/office/drawing/2014/main" id="{26AD1010-29FF-4ACB-9F35-33D31C08246D}"/>
+              </a:ext>
+            </a:extLst>
+          </p:cNvPr>
+          <p:cNvSpPr>
+            <a:spLocks noGrp="1"/>
+          </p:cNvSpPr>
+          <p:nvPr>
+            <p:ph type="title"/>
+          </p:nvPr>
+        </p:nvSpPr>
+        <p:spPr/>
+        <p:txBody>
+          <a:bodyPr/>
+          <a:lstStyle/>
+          <a:p>
+            <a:endParaRPr lang="de-DE"/>
+          </a:p>
+        </p:txBody>
+      </p:sp>
+      <p:sp>
+        <p:nvSpPr>
+          <p:cNvPr id="3" name="Inhaltsplatzhalter 2">
+            <a:extLst>
+              <a:ext uri="{FF2B5EF4-FFF2-40B4-BE49-F238E27FC236}">
+                <a16:creationId xmlns:a16="http://schemas.microsoft.com/office/drawing/2014/main" id="{143DE596-8C13-4C91-946A-9F2A7EF18EF1}"/>
+              </a:ext>
+            </a:extLst>
+          </p:cNvPr>
+          <p:cNvSpPr>
+            <a:spLocks noGrp="1"/>
+          </p:cNvSpPr>
+          <p:nvPr>
+            <p:ph idx="1"/>
+          </p:nvPr>
+        </p:nvSpPr>
+        <p:spPr/>
+        <p:txBody>
+          <a:bodyPr/>
+          <a:lstStyle/>
+          <a:p>
+            <a:endParaRPr lang="de-DE"/>
+          </a:p>
+        </p:txBody>
+      </p:sp>
+    </p:spTree>
+    <p:extLst>
+      <p:ext uri="{BB962C8B-B14F-4D97-AF65-F5344CB8AC3E}">
+        <p14:creationId xmlns:p14="http://schemas.microsoft.com/office/powerpoint/2010/main" val="2778974869"/>
+      </p:ext>
+    </p:extLst>
+  </p:cSld>
+  <p:clrMapOvr>
+    <a:masterClrMapping/>
+  </p:clrMapOvr>
+</p:sld>
+</file>
+
+<file path=ppt/slides/slide9.xml><?xml version="1.0" encoding="utf-8"?>
+<p:sld xmlns:a="http://schemas.openxmlformats.org/drawingml/2006/main" xmlns:r="http://schemas.openxmlformats.org/officeDocument/2006/relationships" xmlns:p="http://schemas.openxmlformats.org/presentationml/2006/main">
+  <p:cSld>
+    <p:spTree>
+      <p:nvGrpSpPr>
+        <p:cNvPr id="1" name=""/>
+        <p:cNvGrpSpPr/>
+        <p:nvPr/>
+      </p:nvGrpSpPr>
+      <p:grpSpPr>
+        <a:xfrm>
+          <a:off x="0" y="0"/>
+          <a:ext cx="0" cy="0"/>
+          <a:chOff x="0" y="0"/>
+          <a:chExt cx="0" cy="0"/>
+        </a:xfrm>
+      </p:grpSpPr>
+      <p:sp>
+        <p:nvSpPr>
+          <p:cNvPr id="2" name="Titel 1">
+            <a:extLst>
+              <a:ext uri="{FF2B5EF4-FFF2-40B4-BE49-F238E27FC236}">
+                <a16:creationId xmlns:a16="http://schemas.microsoft.com/office/drawing/2014/main" id="{4E0867CF-AAB5-429B-8FEE-D31649EDA612}"/>
+              </a:ext>
+            </a:extLst>
+          </p:cNvPr>
+          <p:cNvSpPr>
+            <a:spLocks noGrp="1"/>
+          </p:cNvSpPr>
+          <p:nvPr>
+            <p:ph type="title"/>
+          </p:nvPr>
+        </p:nvSpPr>
+        <p:spPr/>
+        <p:txBody>
+          <a:bodyPr/>
+          <a:lstStyle/>
+          <a:p>
+            <a:endParaRPr lang="de-DE"/>
+          </a:p>
+        </p:txBody>
+      </p:sp>
+      <p:sp>
+        <p:nvSpPr>
+          <p:cNvPr id="3" name="Inhaltsplatzhalter 2">
+            <a:extLst>
+              <a:ext uri="{FF2B5EF4-FFF2-40B4-BE49-F238E27FC236}">
+                <a16:creationId xmlns:a16="http://schemas.microsoft.com/office/drawing/2014/main" id="{C0F74640-8BF7-4052-85D8-0D156F830012}"/>
+              </a:ext>
+            </a:extLst>
+          </p:cNvPr>
+          <p:cNvSpPr>
+            <a:spLocks noGrp="1"/>
+          </p:cNvSpPr>
+          <p:nvPr>
+            <p:ph idx="1"/>
+          </p:nvPr>
+        </p:nvSpPr>
+        <p:spPr/>
+        <p:txBody>
+          <a:bodyPr/>
+          <a:lstStyle/>
+          <a:p>
+            <a:endParaRPr lang="de-DE"/>
+          </a:p>
+        </p:txBody>
+      </p:sp>
+    </p:spTree>
+    <p:extLst>
+      <p:ext uri="{BB962C8B-B14F-4D97-AF65-F5344CB8AC3E}">
+        <p14:creationId xmlns:p14="http://schemas.microsoft.com/office/powerpoint/2010/main" val="3285689371"/>
       </p:ext>
     </p:extLst>
   </p:cSld>
@@ -12663,4 +13841,299 @@
     </a:ext>
   </a:extLst>
 </a:theme>
+</file>
+
+<file path=ppt/theme/theme2.xml><?xml version="1.0" encoding="utf-8"?>
+<a:theme xmlns:a="http://schemas.openxmlformats.org/drawingml/2006/main" name="Office">
+  <a:themeElements>
+    <a:clrScheme name="Office">
+      <a:dk1>
+        <a:sysClr val="windowText" lastClr="000000"/>
+      </a:dk1>
+      <a:lt1>
+        <a:sysClr val="window" lastClr="FFFFFF"/>
+      </a:lt1>
+      <a:dk2>
+        <a:srgbClr val="44546A"/>
+      </a:dk2>
+      <a:lt2>
+        <a:srgbClr val="E7E6E6"/>
+      </a:lt2>
+      <a:accent1>
+        <a:srgbClr val="4472C4"/>
+      </a:accent1>
+      <a:accent2>
+        <a:srgbClr val="ED7D31"/>
+      </a:accent2>
+      <a:accent3>
+        <a:srgbClr val="A5A5A5"/>
+      </a:accent3>
+      <a:accent4>
+        <a:srgbClr val="FFC000"/>
+      </a:accent4>
+      <a:accent5>
+        <a:srgbClr val="5B9BD5"/>
+      </a:accent5>
+      <a:accent6>
+        <a:srgbClr val="70AD47"/>
+      </a:accent6>
+      <a:hlink>
+        <a:srgbClr val="0563C1"/>
+      </a:hlink>
+      <a:folHlink>
+        <a:srgbClr val="954F72"/>
+      </a:folHlink>
+    </a:clrScheme>
+    <a:fontScheme name="Office">
+      <a:majorFont>
+        <a:latin typeface="Calibri Light" panose="020F0302020204030204"/>
+        <a:ea typeface=""/>
+        <a:cs typeface=""/>
+        <a:font script="Jpan" typeface="游ゴシック Light"/>
+        <a:font script="Hang" typeface="맑은 고딕"/>
+        <a:font script="Hans" typeface="等线 Light"/>
+        <a:font script="Hant" typeface="新細明體"/>
+        <a:font script="Arab" typeface="Times New Roman"/>
+        <a:font script="Hebr" typeface="Times New Roman"/>
+        <a:font script="Thai" typeface="Angsana New"/>
+        <a:font script="Ethi" typeface="Nyala"/>
+        <a:font script="Beng" typeface="Vrinda"/>
+        <a:font script="Gujr" typeface="Shruti"/>
+        <a:font script="Khmr" typeface="MoolBoran"/>
+        <a:font script="Knda" typeface="Tunga"/>
+        <a:font script="Guru" typeface="Raavi"/>
+        <a:font script="Cans" typeface="Euphemia"/>
+        <a:font script="Cher" typeface="Plantagenet Cherokee"/>
+        <a:font script="Yiii" typeface="Microsoft Yi Baiti"/>
+        <a:font script="Tibt" typeface="Microsoft Himalaya"/>
+        <a:font script="Thaa" typeface="MV Boli"/>
+        <a:font script="Deva" typeface="Mangal"/>
+        <a:font script="Telu" typeface="Gautami"/>
+        <a:font script="Taml" typeface="Latha"/>
+        <a:font script="Syrc" typeface="Estrangelo Edessa"/>
+        <a:font script="Orya" typeface="Kalinga"/>
+        <a:font script="Mlym" typeface="Kartika"/>
+        <a:font script="Laoo" typeface="DokChampa"/>
+        <a:font script="Sinh" typeface="Iskoola Pota"/>
+        <a:font script="Mong" typeface="Mongolian Baiti"/>
+        <a:font script="Viet" typeface="Times New Roman"/>
+        <a:font script="Uigh" typeface="Microsoft Uighur"/>
+        <a:font script="Geor" typeface="Sylfaen"/>
+        <a:font script="Armn" typeface="Arial"/>
+        <a:font script="Bugi" typeface="Leelawadee UI"/>
+        <a:font script="Bopo" typeface="Microsoft JhengHei"/>
+        <a:font script="Java" typeface="Javanese Text"/>
+        <a:font script="Lisu" typeface="Segoe UI"/>
+        <a:font script="Mymr" typeface="Myanmar Text"/>
+        <a:font script="Nkoo" typeface="Ebrima"/>
+        <a:font script="Olck" typeface="Nirmala UI"/>
+        <a:font script="Osma" typeface="Ebrima"/>
+        <a:font script="Phag" typeface="Phagspa"/>
+        <a:font script="Syrn" typeface="Estrangelo Edessa"/>
+        <a:font script="Syrj" typeface="Estrangelo Edessa"/>
+        <a:font script="Syre" typeface="Estrangelo Edessa"/>
+        <a:font script="Sora" typeface="Nirmala UI"/>
+        <a:font script="Tale" typeface="Microsoft Tai Le"/>
+        <a:font script="Talu" typeface="Microsoft New Tai Lue"/>
+        <a:font script="Tfng" typeface="Ebrima"/>
+      </a:majorFont>
+      <a:minorFont>
+        <a:latin typeface="Calibri" panose="020F0502020204030204"/>
+        <a:ea typeface=""/>
+        <a:cs typeface=""/>
+        <a:font script="Jpan" typeface="游ゴシック"/>
+        <a:font script="Hang" typeface="맑은 고딕"/>
+        <a:font script="Hans" typeface="等线"/>
+        <a:font script="Hant" typeface="新細明體"/>
+        <a:font script="Arab" typeface="Arial"/>
+        <a:font script="Hebr" typeface="Arial"/>
+        <a:font script="Thai" typeface="Cordia New"/>
+        <a:font script="Ethi" typeface="Nyala"/>
+        <a:font script="Beng" typeface="Vrinda"/>
+        <a:font script="Gujr" typeface="Shruti"/>
+        <a:font script="Khmr" typeface="DaunPenh"/>
+        <a:font script="Knda" typeface="Tunga"/>
+        <a:font script="Guru" typeface="Raavi"/>
+        <a:font script="Cans" typeface="Euphemia"/>
+        <a:font script="Cher" typeface="Plantagenet Cherokee"/>
+        <a:font script="Yiii" typeface="Microsoft Yi Baiti"/>
+        <a:font script="Tibt" typeface="Microsoft Himalaya"/>
+        <a:font script="Thaa" typeface="MV Boli"/>
+        <a:font script="Deva" typeface="Mangal"/>
+        <a:font script="Telu" typeface="Gautami"/>
+        <a:font script="Taml" typeface="Latha"/>
+        <a:font script="Syrc" typeface="Estrangelo Edessa"/>
+        <a:font script="Orya" typeface="Kalinga"/>
+        <a:font script="Mlym" typeface="Kartika"/>
+        <a:font script="Laoo" typeface="DokChampa"/>
+        <a:font script="Sinh" typeface="Iskoola Pota"/>
+        <a:font script="Mong" typeface="Mongolian Baiti"/>
+        <a:font script="Viet" typeface="Arial"/>
+        <a:font script="Uigh" typeface="Microsoft Uighur"/>
+        <a:font script="Geor" typeface="Sylfaen"/>
+        <a:font script="Armn" typeface="Arial"/>
+        <a:font script="Bugi" typeface="Leelawadee UI"/>
+        <a:font script="Bopo" typeface="Microsoft JhengHei"/>
+        <a:font script="Java" typeface="Javanese Text"/>
+        <a:font script="Lisu" typeface="Segoe UI"/>
+        <a:font script="Mymr" typeface="Myanmar Text"/>
+        <a:font script="Nkoo" typeface="Ebrima"/>
+        <a:font script="Olck" typeface="Nirmala UI"/>
+        <a:font script="Osma" typeface="Ebrima"/>
+        <a:font script="Phag" typeface="Phagspa"/>
+        <a:font script="Syrn" typeface="Estrangelo Edessa"/>
+        <a:font script="Syrj" typeface="Estrangelo Edessa"/>
+        <a:font script="Syre" typeface="Estrangelo Edessa"/>
+        <a:font script="Sora" typeface="Nirmala UI"/>
+        <a:font script="Tale" typeface="Microsoft Tai Le"/>
+        <a:font script="Talu" typeface="Microsoft New Tai Lue"/>
+        <a:font script="Tfng" typeface="Ebrima"/>
+      </a:minorFont>
+    </a:fontScheme>
+    <a:fmtScheme name="Office">
+      <a:fillStyleLst>
+        <a:solidFill>
+          <a:schemeClr val="phClr"/>
+        </a:solidFill>
+        <a:gradFill rotWithShape="1">
+          <a:gsLst>
+            <a:gs pos="0">
+              <a:schemeClr val="phClr">
+                <a:lumMod val="110000"/>
+                <a:satMod val="105000"/>
+                <a:tint val="67000"/>
+              </a:schemeClr>
+            </a:gs>
+            <a:gs pos="50000">
+              <a:schemeClr val="phClr">
+                <a:lumMod val="105000"/>
+                <a:satMod val="103000"/>
+                <a:tint val="73000"/>
+              </a:schemeClr>
+            </a:gs>
+            <a:gs pos="100000">
+              <a:schemeClr val="phClr">
+                <a:lumMod val="105000"/>
+                <a:satMod val="109000"/>
+                <a:tint val="81000"/>
+              </a:schemeClr>
+            </a:gs>
+          </a:gsLst>
+          <a:lin ang="5400000" scaled="0"/>
+        </a:gradFill>
+        <a:gradFill rotWithShape="1">
+          <a:gsLst>
+            <a:gs pos="0">
+              <a:schemeClr val="phClr">
+                <a:satMod val="103000"/>
+                <a:lumMod val="102000"/>
+                <a:tint val="94000"/>
+              </a:schemeClr>
+            </a:gs>
+            <a:gs pos="50000">
+              <a:schemeClr val="phClr">
+                <a:satMod val="110000"/>
+                <a:lumMod val="100000"/>
+                <a:shade val="100000"/>
+              </a:schemeClr>
+            </a:gs>
+            <a:gs pos="100000">
+              <a:schemeClr val="phClr">
+                <a:lumMod val="99000"/>
+                <a:satMod val="120000"/>
+                <a:shade val="78000"/>
+              </a:schemeClr>
+            </a:gs>
+          </a:gsLst>
+          <a:lin ang="5400000" scaled="0"/>
+        </a:gradFill>
+      </a:fillStyleLst>
+      <a:lnStyleLst>
+        <a:ln w="6350" cap="flat" cmpd="sng" algn="ctr">
+          <a:solidFill>
+            <a:schemeClr val="phClr"/>
+          </a:solidFill>
+          <a:prstDash val="solid"/>
+          <a:miter lim="800000"/>
+        </a:ln>
+        <a:ln w="12700" cap="flat" cmpd="sng" algn="ctr">
+          <a:solidFill>
+            <a:schemeClr val="phClr"/>
+          </a:solidFill>
+          <a:prstDash val="solid"/>
+          <a:miter lim="800000"/>
+        </a:ln>
+        <a:ln w="19050" cap="flat" cmpd="sng" algn="ctr">
+          <a:solidFill>
+            <a:schemeClr val="phClr"/>
+          </a:solidFill>
+          <a:prstDash val="solid"/>
+          <a:miter lim="800000"/>
+        </a:ln>
+      </a:lnStyleLst>
+      <a:effectStyleLst>
+        <a:effectStyle>
+          <a:effectLst/>
+        </a:effectStyle>
+        <a:effectStyle>
+          <a:effectLst/>
+        </a:effectStyle>
+        <a:effectStyle>
+          <a:effectLst>
+            <a:outerShdw blurRad="57150" dist="19050" dir="5400000" algn="ctr" rotWithShape="0">
+              <a:srgbClr val="000000">
+                <a:alpha val="63000"/>
+              </a:srgbClr>
+            </a:outerShdw>
+          </a:effectLst>
+        </a:effectStyle>
+      </a:effectStyleLst>
+      <a:bgFillStyleLst>
+        <a:solidFill>
+          <a:schemeClr val="phClr"/>
+        </a:solidFill>
+        <a:solidFill>
+          <a:schemeClr val="phClr">
+            <a:tint val="95000"/>
+            <a:satMod val="170000"/>
+          </a:schemeClr>
+        </a:solidFill>
+        <a:gradFill rotWithShape="1">
+          <a:gsLst>
+            <a:gs pos="0">
+              <a:schemeClr val="phClr">
+                <a:tint val="93000"/>
+                <a:satMod val="150000"/>
+                <a:shade val="98000"/>
+                <a:lumMod val="102000"/>
+              </a:schemeClr>
+            </a:gs>
+            <a:gs pos="50000">
+              <a:schemeClr val="phClr">
+                <a:tint val="98000"/>
+                <a:satMod val="130000"/>
+                <a:shade val="90000"/>
+                <a:lumMod val="103000"/>
+              </a:schemeClr>
+            </a:gs>
+            <a:gs pos="100000">
+              <a:schemeClr val="phClr">
+                <a:shade val="63000"/>
+                <a:satMod val="120000"/>
+              </a:schemeClr>
+            </a:gs>
+          </a:gsLst>
+          <a:lin ang="5400000" scaled="0"/>
+        </a:gradFill>
+      </a:bgFillStyleLst>
+    </a:fmtScheme>
+  </a:themeElements>
+  <a:objectDefaults/>
+  <a:extraClrSchemeLst/>
+  <a:extLst>
+    <a:ext uri="{05A4C25C-085E-4340-85A3-A5531E510DB2}">
+      <thm15:themeFamily xmlns:thm15="http://schemas.microsoft.com/office/thememl/2012/main" name="Office Theme" id="{62F939B6-93AF-4DB8-9C6B-D6C7DFDC589F}" vid="{4A3C46E8-61CC-4603-A589-7422A47A8E4A}"/>
+    </a:ext>
+  </a:extLst>
+</a:theme>
 </file>
--- a/IT-Kurzprojekt.pptx
+++ b/IT-Kurzprojekt.pptx
@@ -206,7 +206,7 @@
           <a:p>
             <a:fld id="{BC3F662D-799D-45D1-8BCA-E5F703E58855}" type="datetimeFigureOut">
               <a:rPr lang="de-DE" smtClean="0"/>
-              <a:t>22.10.2019</a:t>
+              <a:t>26.10.2019</a:t>
             </a:fld>
             <a:endParaRPr lang="de-DE"/>
           </a:p>
@@ -548,6 +548,191 @@
     <p:extLst>
       <p:ext uri="{BB962C8B-B14F-4D97-AF65-F5344CB8AC3E}">
         <p14:creationId xmlns:p14="http://schemas.microsoft.com/office/powerpoint/2010/main" val="971661862"/>
+      </p:ext>
+    </p:extLst>
+  </p:cSld>
+  <p:clrMapOvr>
+    <a:masterClrMapping/>
+  </p:clrMapOvr>
+</p:notes>
+</file>
+
+<file path=ppt/notesSlides/notesSlide2.xml><?xml version="1.0" encoding="utf-8"?>
+<p:notes xmlns:a="http://schemas.openxmlformats.org/drawingml/2006/main" xmlns:r="http://schemas.openxmlformats.org/officeDocument/2006/relationships" xmlns:p="http://schemas.openxmlformats.org/presentationml/2006/main">
+  <p:cSld>
+    <p:spTree>
+      <p:nvGrpSpPr>
+        <p:cNvPr id="1" name=""/>
+        <p:cNvGrpSpPr/>
+        <p:nvPr/>
+      </p:nvGrpSpPr>
+      <p:grpSpPr>
+        <a:xfrm>
+          <a:off x="0" y="0"/>
+          <a:ext cx="0" cy="0"/>
+          <a:chOff x="0" y="0"/>
+          <a:chExt cx="0" cy="0"/>
+        </a:xfrm>
+      </p:grpSpPr>
+      <p:sp>
+        <p:nvSpPr>
+          <p:cNvPr id="2" name="Folienbildplatzhalter 1"/>
+          <p:cNvSpPr>
+            <a:spLocks noGrp="1" noRot="1" noChangeAspect="1"/>
+          </p:cNvSpPr>
+          <p:nvPr>
+            <p:ph type="sldImg"/>
+          </p:nvPr>
+        </p:nvSpPr>
+        <p:spPr/>
+      </p:sp>
+      <p:sp>
+        <p:nvSpPr>
+          <p:cNvPr id="3" name="Notizenplatzhalter 2"/>
+          <p:cNvSpPr>
+            <a:spLocks noGrp="1"/>
+          </p:cNvSpPr>
+          <p:nvPr>
+            <p:ph type="body" idx="1"/>
+          </p:nvPr>
+        </p:nvSpPr>
+        <p:spPr/>
+        <p:txBody>
+          <a:bodyPr/>
+          <a:lstStyle/>
+          <a:p>
+            <a:r>
+              <a:rPr lang="de-DE" dirty="0"/>
+              <a:t>Bombenzahl: Über Spielmodi</a:t>
+            </a:r>
+          </a:p>
+          <a:p>
+            <a:r>
+              <a:rPr lang="de-DE" dirty="0"/>
+              <a:t>2 </a:t>
+            </a:r>
+            <a:r>
+              <a:rPr lang="de-DE" dirty="0" err="1"/>
+              <a:t>for</a:t>
+            </a:r>
+            <a:r>
+              <a:rPr lang="de-DE" dirty="0"/>
+              <a:t> Schleifen </a:t>
+            </a:r>
+          </a:p>
+        </p:txBody>
+      </p:sp>
+      <p:sp>
+        <p:nvSpPr>
+          <p:cNvPr id="4" name="Foliennummernplatzhalter 3"/>
+          <p:cNvSpPr>
+            <a:spLocks noGrp="1"/>
+          </p:cNvSpPr>
+          <p:nvPr>
+            <p:ph type="sldNum" sz="quarter" idx="5"/>
+          </p:nvPr>
+        </p:nvSpPr>
+        <p:spPr/>
+        <p:txBody>
+          <a:bodyPr/>
+          <a:lstStyle/>
+          <a:p>
+            <a:fld id="{26A06B9A-17B0-4B04-8AC6-E23EA5A58D8C}" type="slidenum">
+              <a:rPr lang="de-DE" smtClean="0"/>
+              <a:t>4</a:t>
+            </a:fld>
+            <a:endParaRPr lang="de-DE"/>
+          </a:p>
+        </p:txBody>
+      </p:sp>
+    </p:spTree>
+    <p:extLst>
+      <p:ext uri="{BB962C8B-B14F-4D97-AF65-F5344CB8AC3E}">
+        <p14:creationId xmlns:p14="http://schemas.microsoft.com/office/powerpoint/2010/main" val="1068958034"/>
+      </p:ext>
+    </p:extLst>
+  </p:cSld>
+  <p:clrMapOvr>
+    <a:masterClrMapping/>
+  </p:clrMapOvr>
+</p:notes>
+</file>
+
+<file path=ppt/notesSlides/notesSlide3.xml><?xml version="1.0" encoding="utf-8"?>
+<p:notes xmlns:a="http://schemas.openxmlformats.org/drawingml/2006/main" xmlns:r="http://schemas.openxmlformats.org/officeDocument/2006/relationships" xmlns:p="http://schemas.openxmlformats.org/presentationml/2006/main">
+  <p:cSld>
+    <p:spTree>
+      <p:nvGrpSpPr>
+        <p:cNvPr id="1" name=""/>
+        <p:cNvGrpSpPr/>
+        <p:nvPr/>
+      </p:nvGrpSpPr>
+      <p:grpSpPr>
+        <a:xfrm>
+          <a:off x="0" y="0"/>
+          <a:ext cx="0" cy="0"/>
+          <a:chOff x="0" y="0"/>
+          <a:chExt cx="0" cy="0"/>
+        </a:xfrm>
+      </p:grpSpPr>
+      <p:sp>
+        <p:nvSpPr>
+          <p:cNvPr id="2" name="Folienbildplatzhalter 1"/>
+          <p:cNvSpPr>
+            <a:spLocks noGrp="1" noRot="1" noChangeAspect="1"/>
+          </p:cNvSpPr>
+          <p:nvPr>
+            <p:ph type="sldImg"/>
+          </p:nvPr>
+        </p:nvSpPr>
+        <p:spPr/>
+      </p:sp>
+      <p:sp>
+        <p:nvSpPr>
+          <p:cNvPr id="3" name="Notizenplatzhalter 2"/>
+          <p:cNvSpPr>
+            <a:spLocks noGrp="1"/>
+          </p:cNvSpPr>
+          <p:nvPr>
+            <p:ph type="body" idx="1"/>
+          </p:nvPr>
+        </p:nvSpPr>
+        <p:spPr/>
+        <p:txBody>
+          <a:bodyPr/>
+          <a:lstStyle/>
+          <a:p>
+            <a:endParaRPr lang="de-DE" dirty="0"/>
+          </a:p>
+        </p:txBody>
+      </p:sp>
+      <p:sp>
+        <p:nvSpPr>
+          <p:cNvPr id="4" name="Foliennummernplatzhalter 3"/>
+          <p:cNvSpPr>
+            <a:spLocks noGrp="1"/>
+          </p:cNvSpPr>
+          <p:nvPr>
+            <p:ph type="sldNum" sz="quarter" idx="5"/>
+          </p:nvPr>
+        </p:nvSpPr>
+        <p:spPr/>
+        <p:txBody>
+          <a:bodyPr/>
+          <a:lstStyle/>
+          <a:p>
+            <a:fld id="{26A06B9A-17B0-4B04-8AC6-E23EA5A58D8C}" type="slidenum">
+              <a:rPr lang="de-DE" smtClean="0"/>
+              <a:t>5</a:t>
+            </a:fld>
+            <a:endParaRPr lang="de-DE"/>
+          </a:p>
+        </p:txBody>
+      </p:sp>
+    </p:spTree>
+    <p:extLst>
+      <p:ext uri="{BB962C8B-B14F-4D97-AF65-F5344CB8AC3E}">
+        <p14:creationId xmlns:p14="http://schemas.microsoft.com/office/powerpoint/2010/main" val="1110518316"/>
       </p:ext>
     </p:extLst>
   </p:cSld>
@@ -4839,7 +5024,7 @@
           <a:p>
             <a:fld id="{48A87A34-81AB-432B-8DAE-1953F412C126}" type="datetimeFigureOut">
               <a:rPr lang="en-US" dirty="0"/>
-              <a:t>10/22/2019</a:t>
+              <a:t>10/26/2019</a:t>
             </a:fld>
             <a:endParaRPr lang="en-US" dirty="0"/>
           </a:p>
@@ -5101,7 +5286,7 @@
           <a:p>
             <a:fld id="{48A87A34-81AB-432B-8DAE-1953F412C126}" type="datetimeFigureOut">
               <a:rPr lang="en-US" dirty="0"/>
-              <a:t>10/22/2019</a:t>
+              <a:t>10/26/2019</a:t>
             </a:fld>
             <a:endParaRPr lang="en-US" dirty="0"/>
           </a:p>
@@ -5292,7 +5477,7 @@
           <a:p>
             <a:fld id="{48A87A34-81AB-432B-8DAE-1953F412C126}" type="datetimeFigureOut">
               <a:rPr lang="en-US" dirty="0"/>
-              <a:t>10/22/2019</a:t>
+              <a:t>10/26/2019</a:t>
             </a:fld>
             <a:endParaRPr lang="en-US" dirty="0"/>
           </a:p>
@@ -5550,7 +5735,7 @@
           <a:p>
             <a:fld id="{48A87A34-81AB-432B-8DAE-1953F412C126}" type="datetimeFigureOut">
               <a:rPr lang="en-US" dirty="0"/>
-              <a:t>10/22/2019</a:t>
+              <a:t>10/26/2019</a:t>
             </a:fld>
             <a:endParaRPr lang="en-US" dirty="0"/>
           </a:p>
@@ -5979,7 +6164,7 @@
           <a:p>
             <a:fld id="{48A87A34-81AB-432B-8DAE-1953F412C126}" type="datetimeFigureOut">
               <a:rPr lang="en-US" dirty="0"/>
-              <a:t>10/22/2019</a:t>
+              <a:t>10/26/2019</a:t>
             </a:fld>
             <a:endParaRPr lang="en-US" dirty="0"/>
           </a:p>
@@ -6520,7 +6705,7 @@
           <a:p>
             <a:fld id="{48A87A34-81AB-432B-8DAE-1953F412C126}" type="datetimeFigureOut">
               <a:rPr lang="en-US" dirty="0"/>
-              <a:t>10/22/2019</a:t>
+              <a:t>10/26/2019</a:t>
             </a:fld>
             <a:endParaRPr lang="en-US" dirty="0"/>
           </a:p>
@@ -7235,7 +7420,7 @@
           <a:p>
             <a:fld id="{48A87A34-81AB-432B-8DAE-1953F412C126}" type="datetimeFigureOut">
               <a:rPr lang="en-US" dirty="0"/>
-              <a:t>10/22/2019</a:t>
+              <a:t>10/26/2019</a:t>
             </a:fld>
             <a:endParaRPr lang="en-US" dirty="0"/>
           </a:p>
@@ -7400,7 +7585,7 @@
           <a:p>
             <a:fld id="{48A87A34-81AB-432B-8DAE-1953F412C126}" type="datetimeFigureOut">
               <a:rPr lang="en-US" dirty="0"/>
-              <a:t>10/22/2019</a:t>
+              <a:t>10/26/2019</a:t>
             </a:fld>
             <a:endParaRPr lang="en-US" dirty="0"/>
           </a:p>
@@ -7575,7 +7760,7 @@
           <a:p>
             <a:fld id="{48A87A34-81AB-432B-8DAE-1953F412C126}" type="datetimeFigureOut">
               <a:rPr lang="en-US" dirty="0"/>
-              <a:t>10/22/2019</a:t>
+              <a:t>10/26/2019</a:t>
             </a:fld>
             <a:endParaRPr lang="en-US" dirty="0"/>
           </a:p>
@@ -7740,7 +7925,7 @@
           <a:p>
             <a:fld id="{48A87A34-81AB-432B-8DAE-1953F412C126}" type="datetimeFigureOut">
               <a:rPr lang="en-US" dirty="0"/>
-              <a:t>10/22/2019</a:t>
+              <a:t>10/26/2019</a:t>
             </a:fld>
             <a:endParaRPr lang="en-US" dirty="0"/>
           </a:p>
@@ -7985,7 +8170,7 @@
           <a:p>
             <a:fld id="{48A87A34-81AB-432B-8DAE-1953F412C126}" type="datetimeFigureOut">
               <a:rPr lang="en-US" dirty="0"/>
-              <a:t>10/22/2019</a:t>
+              <a:t>10/26/2019</a:t>
             </a:fld>
             <a:endParaRPr lang="en-US" dirty="0"/>
           </a:p>
@@ -8212,7 +8397,7 @@
           <a:p>
             <a:fld id="{48A87A34-81AB-432B-8DAE-1953F412C126}" type="datetimeFigureOut">
               <a:rPr lang="en-US" dirty="0"/>
-              <a:t>10/22/2019</a:t>
+              <a:t>10/26/2019</a:t>
             </a:fld>
             <a:endParaRPr lang="en-US" dirty="0"/>
           </a:p>
@@ -8588,7 +8773,7 @@
           <a:p>
             <a:fld id="{48A87A34-81AB-432B-8DAE-1953F412C126}" type="datetimeFigureOut">
               <a:rPr lang="en-US" dirty="0"/>
-              <a:t>10/22/2019</a:t>
+              <a:t>10/26/2019</a:t>
             </a:fld>
             <a:endParaRPr lang="en-US" dirty="0"/>
           </a:p>
@@ -8701,7 +8886,7 @@
           <a:p>
             <a:fld id="{48A87A34-81AB-432B-8DAE-1953F412C126}" type="datetimeFigureOut">
               <a:rPr lang="en-US" dirty="0"/>
-              <a:t>10/22/2019</a:t>
+              <a:t>10/26/2019</a:t>
             </a:fld>
             <a:endParaRPr lang="en-US" dirty="0"/>
           </a:p>
@@ -8791,7 +8976,7 @@
           <a:p>
             <a:fld id="{48A87A34-81AB-432B-8DAE-1953F412C126}" type="datetimeFigureOut">
               <a:rPr lang="en-US" dirty="0"/>
-              <a:t>10/22/2019</a:t>
+              <a:t>10/26/2019</a:t>
             </a:fld>
             <a:endParaRPr lang="en-US" dirty="0"/>
           </a:p>
@@ -9035,7 +9220,7 @@
           <a:p>
             <a:fld id="{48A87A34-81AB-432B-8DAE-1953F412C126}" type="datetimeFigureOut">
               <a:rPr lang="en-US" dirty="0"/>
-              <a:t>10/22/2019</a:t>
+              <a:t>10/26/2019</a:t>
             </a:fld>
             <a:endParaRPr lang="en-US" dirty="0"/>
           </a:p>
@@ -9310,7 +9495,7 @@
           <a:p>
             <a:fld id="{48A87A34-81AB-432B-8DAE-1953F412C126}" type="datetimeFigureOut">
               <a:rPr lang="en-US" dirty="0"/>
-              <a:t>10/22/2019</a:t>
+              <a:t>10/26/2019</a:t>
             </a:fld>
             <a:endParaRPr lang="en-US" dirty="0"/>
           </a:p>
@@ -12373,7 +12558,7 @@
             <a:fld id="{48A87A34-81AB-432B-8DAE-1953F412C126}" type="datetimeFigureOut">
               <a:rPr lang="en-US" dirty="0"/>
               <a:pPr/>
-              <a:t>10/22/2019</a:t>
+              <a:t>10/26/2019</a:t>
             </a:fld>
             <a:endParaRPr lang="en-US" dirty="0"/>
           </a:p>
@@ -13150,7 +13335,10 @@
           <a:bodyPr/>
           <a:lstStyle/>
           <a:p>
-            <a:endParaRPr lang="de-DE"/>
+            <a:r>
+              <a:rPr lang="de-DE" dirty="0"/>
+              <a:t>Einfügen der Bomben	</a:t>
+            </a:r>
           </a:p>
         </p:txBody>
       </p:sp>
@@ -13175,10 +13363,40 @@
           <a:bodyPr/>
           <a:lstStyle/>
           <a:p>
-            <a:endParaRPr lang="de-DE"/>
+            <a:endParaRPr lang="de-DE" dirty="0"/>
           </a:p>
         </p:txBody>
       </p:sp>
+      <p:pic>
+        <p:nvPicPr>
+          <p:cNvPr id="4" name="Grafik 3">
+            <a:extLst>
+              <a:ext uri="{FF2B5EF4-FFF2-40B4-BE49-F238E27FC236}">
+                <a16:creationId xmlns:a16="http://schemas.microsoft.com/office/drawing/2014/main" id="{31AC7D8E-C6EB-4744-8881-9F2150C84E18}"/>
+              </a:ext>
+            </a:extLst>
+          </p:cNvPr>
+          <p:cNvPicPr>
+            <a:picLocks noChangeAspect="1"/>
+          </p:cNvPicPr>
+          <p:nvPr/>
+        </p:nvPicPr>
+        <p:blipFill>
+          <a:blip r:embed="rId3"/>
+          <a:stretch>
+            <a:fillRect/>
+          </a:stretch>
+        </p:blipFill>
+        <p:spPr>
+          <a:xfrm>
+            <a:off x="1027522" y="1865312"/>
+            <a:ext cx="10395870" cy="4252683"/>
+          </a:xfrm>
+          <a:prstGeom prst="rect">
+            <a:avLst/>
+          </a:prstGeom>
+        </p:spPr>
+      </p:pic>
     </p:spTree>
     <p:extLst>
       <p:ext uri="{BB962C8B-B14F-4D97-AF65-F5344CB8AC3E}">
@@ -13230,35 +13448,105 @@
           <a:bodyPr/>
           <a:lstStyle/>
           <a:p>
-            <a:endParaRPr lang="de-DE"/>
+            <a:r>
+              <a:rPr lang="de-DE" dirty="0"/>
+              <a:t>Einfügen der Flaggen</a:t>
+            </a:r>
           </a:p>
         </p:txBody>
       </p:sp>
-      <p:sp>
-        <p:nvSpPr>
-          <p:cNvPr id="3" name="Inhaltsplatzhalter 2">
+      <p:pic>
+        <p:nvPicPr>
+          <p:cNvPr id="6" name="Inhaltsplatzhalter 5">
             <a:extLst>
               <a:ext uri="{FF2B5EF4-FFF2-40B4-BE49-F238E27FC236}">
-                <a16:creationId xmlns:a16="http://schemas.microsoft.com/office/drawing/2014/main" id="{590B5201-4C16-4092-B7B3-45DE9E0A4A4F}"/>
+                <a16:creationId xmlns:a16="http://schemas.microsoft.com/office/drawing/2014/main" id="{8E47880E-7F30-4ED8-8F0E-1DF65B5FE766}"/>
               </a:ext>
             </a:extLst>
           </p:cNvPr>
-          <p:cNvSpPr>
-            <a:spLocks noGrp="1"/>
-          </p:cNvSpPr>
+          <p:cNvPicPr>
+            <a:picLocks noGrp="1" noChangeAspect="1"/>
+          </p:cNvPicPr>
           <p:nvPr>
             <p:ph idx="1"/>
           </p:nvPr>
-        </p:nvSpPr>
-        <p:spPr/>
-        <p:txBody>
-          <a:bodyPr/>
-          <a:lstStyle/>
-          <a:p>
-            <a:endParaRPr lang="de-DE"/>
-          </a:p>
-        </p:txBody>
-      </p:sp>
+        </p:nvPicPr>
+        <p:blipFill>
+          <a:blip r:embed="rId3"/>
+          <a:stretch>
+            <a:fillRect/>
+          </a:stretch>
+        </p:blipFill>
+        <p:spPr>
+          <a:xfrm>
+            <a:off x="1280899" y="1796100"/>
+            <a:ext cx="3559509" cy="579455"/>
+          </a:xfrm>
+          <a:prstGeom prst="rect">
+            <a:avLst/>
+          </a:prstGeom>
+        </p:spPr>
+      </p:pic>
+      <p:pic>
+        <p:nvPicPr>
+          <p:cNvPr id="4" name="Grafik 3">
+            <a:extLst>
+              <a:ext uri="{FF2B5EF4-FFF2-40B4-BE49-F238E27FC236}">
+                <a16:creationId xmlns:a16="http://schemas.microsoft.com/office/drawing/2014/main" id="{A1DC1A80-C80F-4C2A-9753-15106C0C1969}"/>
+              </a:ext>
+            </a:extLst>
+          </p:cNvPr>
+          <p:cNvPicPr>
+            <a:picLocks noChangeAspect="1"/>
+          </p:cNvPicPr>
+          <p:nvPr/>
+        </p:nvPicPr>
+        <p:blipFill>
+          <a:blip r:embed="rId4"/>
+          <a:stretch>
+            <a:fillRect/>
+          </a:stretch>
+        </p:blipFill>
+        <p:spPr>
+          <a:xfrm>
+            <a:off x="1280899" y="2375555"/>
+            <a:ext cx="9272741" cy="2986137"/>
+          </a:xfrm>
+          <a:prstGeom prst="rect">
+            <a:avLst/>
+          </a:prstGeom>
+        </p:spPr>
+      </p:pic>
+      <p:pic>
+        <p:nvPicPr>
+          <p:cNvPr id="5" name="Grafik 4">
+            <a:extLst>
+              <a:ext uri="{FF2B5EF4-FFF2-40B4-BE49-F238E27FC236}">
+                <a16:creationId xmlns:a16="http://schemas.microsoft.com/office/drawing/2014/main" id="{882FFB34-A336-4FC7-B3BD-22A9F4A83D72}"/>
+              </a:ext>
+            </a:extLst>
+          </p:cNvPr>
+          <p:cNvPicPr>
+            <a:picLocks noChangeAspect="1"/>
+          </p:cNvPicPr>
+          <p:nvPr/>
+        </p:nvPicPr>
+        <p:blipFill>
+          <a:blip r:embed="rId5"/>
+          <a:stretch>
+            <a:fillRect/>
+          </a:stretch>
+        </p:blipFill>
+        <p:spPr>
+          <a:xfrm>
+            <a:off x="1280899" y="5776586"/>
+            <a:ext cx="10241574" cy="462896"/>
+          </a:xfrm>
+          <a:prstGeom prst="rect">
+            <a:avLst/>
+          </a:prstGeom>
+        </p:spPr>
+      </p:pic>
     </p:spTree>
     <p:extLst>
       <p:ext uri="{BB962C8B-B14F-4D97-AF65-F5344CB8AC3E}">
@@ -13390,7 +13678,14 @@
           <a:bodyPr/>
           <a:lstStyle/>
           <a:p>
-            <a:endParaRPr lang="de-DE"/>
+            <a:r>
+              <a:rPr lang="de-DE" dirty="0" err="1"/>
+              <a:t>Gameover</a:t>
+            </a:r>
+            <a:r>
+              <a:rPr lang="de-DE" dirty="0"/>
+              <a:t> Zustand</a:t>
+            </a:r>
           </a:p>
         </p:txBody>
       </p:sp>
@@ -13419,6 +13714,36 @@
           </a:p>
         </p:txBody>
       </p:sp>
+      <p:pic>
+        <p:nvPicPr>
+          <p:cNvPr id="4" name="Grafik 3">
+            <a:extLst>
+              <a:ext uri="{FF2B5EF4-FFF2-40B4-BE49-F238E27FC236}">
+                <a16:creationId xmlns:a16="http://schemas.microsoft.com/office/drawing/2014/main" id="{D7200055-D6E6-4EA2-8C98-591D1D02C3A8}"/>
+              </a:ext>
+            </a:extLst>
+          </p:cNvPr>
+          <p:cNvPicPr>
+            <a:picLocks noChangeAspect="1"/>
+          </p:cNvPicPr>
+          <p:nvPr/>
+        </p:nvPicPr>
+        <p:blipFill>
+          <a:blip r:embed="rId2"/>
+          <a:stretch>
+            <a:fillRect/>
+          </a:stretch>
+        </p:blipFill>
+        <p:spPr>
+          <a:xfrm>
+            <a:off x="294391" y="1748631"/>
+            <a:ext cx="11338285" cy="4543425"/>
+          </a:xfrm>
+          <a:prstGeom prst="rect">
+            <a:avLst/>
+          </a:prstGeom>
+        </p:spPr>
+      </p:pic>
     </p:spTree>
     <p:extLst>
       <p:ext uri="{BB962C8B-B14F-4D97-AF65-F5344CB8AC3E}">

--- a/IT-Kurzprojekt.pptx
+++ b/IT-Kurzprojekt.pptx
@@ -9,15 +9,15 @@
   </p:notesMasterIdLst>
   <p:sldIdLst>
     <p:sldId id="256" r:id="rId2"/>
-    <p:sldId id="257" r:id="rId3"/>
-    <p:sldId id="258" r:id="rId4"/>
+    <p:sldId id="266" r:id="rId3"/>
+    <p:sldId id="267" r:id="rId4"/>
     <p:sldId id="259" r:id="rId5"/>
     <p:sldId id="260" r:id="rId6"/>
     <p:sldId id="261" r:id="rId7"/>
     <p:sldId id="262" r:id="rId8"/>
-    <p:sldId id="263" r:id="rId9"/>
+    <p:sldId id="268" r:id="rId9"/>
     <p:sldId id="264" r:id="rId10"/>
-    <p:sldId id="265" r:id="rId11"/>
+    <p:sldId id="269" r:id="rId11"/>
   </p:sldIdLst>
   <p:sldSz cx="12192000" cy="6858000"/>
   <p:notesSz cx="6858000" cy="9144000"/>
@@ -206,7 +206,7 @@
           <a:p>
             <a:fld id="{BC3F662D-799D-45D1-8BCA-E5F703E58855}" type="datetimeFigureOut">
               <a:rPr lang="de-DE" smtClean="0"/>
-              <a:t>26.10.2019</a:t>
+              <a:t>02.11.2019</a:t>
             </a:fld>
             <a:endParaRPr lang="de-DE"/>
           </a:p>
@@ -601,6 +601,148 @@
           <a:bodyPr/>
           <a:lstStyle/>
           <a:p>
+            <a:pPr marL="171450" indent="-171450">
+              <a:buFont typeface="Arial" panose="020B0604020202020204" pitchFamily="34" charset="0"/>
+              <a:buChar char="•"/>
+            </a:pPr>
+            <a:r>
+              <a:rPr lang="de-DE" dirty="0" smtClean="0"/>
+              <a:t>Um das 2 dimensionale Array</a:t>
+            </a:r>
+            <a:r>
+              <a:rPr lang="de-DE" baseline="0" dirty="0" smtClean="0"/>
+              <a:t> zu erklären stellen wir uns e</a:t>
+            </a:r>
+            <a:r>
+              <a:rPr lang="de-DE" dirty="0" smtClean="0"/>
+              <a:t>in Schachbrett hat 8 x 8 Felder, die wir mit einem zweidimensionalen Array darstellen können</a:t>
+            </a:r>
+          </a:p>
+          <a:p>
+            <a:pPr marL="171450" indent="-171450">
+              <a:buFont typeface="Arial" panose="020B0604020202020204" pitchFamily="34" charset="0"/>
+              <a:buChar char="•"/>
+            </a:pPr>
+            <a:r>
+              <a:rPr lang="de-DE" dirty="0" smtClean="0"/>
+              <a:t>Man kann sich das Brett wie ein Koordinatensystem vorstellen, wobei man mit dem ersten Index die Y-Achse und mit dem zweiten Index die X-Achse anspricht: </a:t>
+            </a:r>
+            <a:r>
+              <a:rPr lang="de-DE" b="1" dirty="0" err="1" smtClean="0"/>
+              <a:t>brett</a:t>
+            </a:r>
+            <a:r>
+              <a:rPr lang="de-DE" b="1" dirty="0" smtClean="0"/>
+              <a:t>[Y][X]</a:t>
+            </a:r>
+            <a:r>
+              <a:rPr lang="de-DE" dirty="0" smtClean="0"/>
+              <a:t>. </a:t>
+            </a:r>
+          </a:p>
+          <a:p>
+            <a:pPr marL="171450" indent="-171450">
+              <a:buFont typeface="Arial" panose="020B0604020202020204" pitchFamily="34" charset="0"/>
+              <a:buChar char="•"/>
+            </a:pPr>
+            <a:r>
+              <a:rPr lang="de-DE" dirty="0" smtClean="0"/>
+              <a:t>Die blauen Zahlen sollen Werte darstellen, diesen Stand erhalten wir mit folgendem Code. Man kann sich vorstellen, dass ein Wert einer bestimmten Spielfigur entspricht oder in</a:t>
+            </a:r>
+            <a:r>
+              <a:rPr lang="de-DE" baseline="0" dirty="0" smtClean="0"/>
+              <a:t> unserem Fall bomben </a:t>
+            </a:r>
+            <a:r>
+              <a:rPr lang="de-DE" dirty="0" smtClean="0"/>
+              <a:t>.</a:t>
+            </a:r>
+          </a:p>
+          <a:p>
+            <a:endParaRPr lang="de-DE" dirty="0"/>
+          </a:p>
+        </p:txBody>
+      </p:sp>
+      <p:sp>
+        <p:nvSpPr>
+          <p:cNvPr id="4" name="Foliennummernplatzhalter 3"/>
+          <p:cNvSpPr>
+            <a:spLocks noGrp="1"/>
+          </p:cNvSpPr>
+          <p:nvPr>
+            <p:ph type="sldNum" sz="quarter" idx="10"/>
+          </p:nvPr>
+        </p:nvSpPr>
+        <p:spPr/>
+        <p:txBody>
+          <a:bodyPr/>
+          <a:lstStyle/>
+          <a:p>
+            <a:fld id="{26A06B9A-17B0-4B04-8AC6-E23EA5A58D8C}" type="slidenum">
+              <a:rPr lang="de-DE" smtClean="0"/>
+              <a:t>2</a:t>
+            </a:fld>
+            <a:endParaRPr lang="de-DE"/>
+          </a:p>
+        </p:txBody>
+      </p:sp>
+    </p:spTree>
+    <p:extLst>
+      <p:ext uri="{BB962C8B-B14F-4D97-AF65-F5344CB8AC3E}">
+        <p14:creationId xmlns:p14="http://schemas.microsoft.com/office/powerpoint/2010/main" val="447069491"/>
+      </p:ext>
+    </p:extLst>
+  </p:cSld>
+  <p:clrMapOvr>
+    <a:masterClrMapping/>
+  </p:clrMapOvr>
+</p:notes>
+</file>
+
+<file path=ppt/notesSlides/notesSlide3.xml><?xml version="1.0" encoding="utf-8"?>
+<p:notes xmlns:a="http://schemas.openxmlformats.org/drawingml/2006/main" xmlns:r="http://schemas.openxmlformats.org/officeDocument/2006/relationships" xmlns:p="http://schemas.openxmlformats.org/presentationml/2006/main">
+  <p:cSld>
+    <p:spTree>
+      <p:nvGrpSpPr>
+        <p:cNvPr id="1" name=""/>
+        <p:cNvGrpSpPr/>
+        <p:nvPr/>
+      </p:nvGrpSpPr>
+      <p:grpSpPr>
+        <a:xfrm>
+          <a:off x="0" y="0"/>
+          <a:ext cx="0" cy="0"/>
+          <a:chOff x="0" y="0"/>
+          <a:chExt cx="0" cy="0"/>
+        </a:xfrm>
+      </p:grpSpPr>
+      <p:sp>
+        <p:nvSpPr>
+          <p:cNvPr id="2" name="Folienbildplatzhalter 1"/>
+          <p:cNvSpPr>
+            <a:spLocks noGrp="1" noRot="1" noChangeAspect="1"/>
+          </p:cNvSpPr>
+          <p:nvPr>
+            <p:ph type="sldImg"/>
+          </p:nvPr>
+        </p:nvSpPr>
+        <p:spPr/>
+      </p:sp>
+      <p:sp>
+        <p:nvSpPr>
+          <p:cNvPr id="3" name="Notizenplatzhalter 2"/>
+          <p:cNvSpPr>
+            <a:spLocks noGrp="1"/>
+          </p:cNvSpPr>
+          <p:nvPr>
+            <p:ph type="body" idx="1"/>
+          </p:nvPr>
+        </p:nvSpPr>
+        <p:spPr/>
+        <p:txBody>
+          <a:bodyPr/>
+          <a:lstStyle/>
+          <a:p>
             <a:r>
               <a:rPr lang="de-DE" dirty="0"/>
               <a:t>Bombenzahl: Über Spielmodi</a:t>
@@ -658,7 +800,7 @@
 </p:notes>
 </file>
 
-<file path=ppt/notesSlides/notesSlide3.xml><?xml version="1.0" encoding="utf-8"?>
+<file path=ppt/notesSlides/notesSlide4.xml><?xml version="1.0" encoding="utf-8"?>
 <p:notes xmlns:a="http://schemas.openxmlformats.org/drawingml/2006/main" xmlns:r="http://schemas.openxmlformats.org/officeDocument/2006/relationships" xmlns:p="http://schemas.openxmlformats.org/presentationml/2006/main">
   <p:cSld>
     <p:spTree>
@@ -799,7 +941,7 @@
           <a:noFill/>
           <a:extLst>
             <a:ext uri="{909E8E84-426E-40dd-AFC4-6F175D3DCCD1}">
-              <a14:hiddenFill xmlns="" xmlns:a14="http://schemas.microsoft.com/office/drawing/2010/main">
+              <a14:hiddenFill xmlns:a14="http://schemas.microsoft.com/office/drawing/2010/main" xmlns="">
                 <a:solidFill>
                   <a:srgbClr val="FFFFFF"/>
                 </a:solidFill>
@@ -858,7 +1000,7 @@
             </a:ln>
             <a:extLst>
               <a:ext uri="{91240B29-F687-4f45-9708-019B960494DF}">
-                <a14:hiddenLine xmlns="" xmlns:a14="http://schemas.microsoft.com/office/drawing/2010/main" w="9525">
+                <a14:hiddenLine xmlns:a14="http://schemas.microsoft.com/office/drawing/2010/main" xmlns="" w="9525">
                   <a:solidFill>
                     <a:srgbClr val="000000"/>
                   </a:solidFill>
@@ -948,7 +1090,7 @@
             </a:ln>
             <a:extLst>
               <a:ext uri="{91240B29-F687-4f45-9708-019B960494DF}">
-                <a14:hiddenLine xmlns="" xmlns:a14="http://schemas.microsoft.com/office/drawing/2010/main" w="9525">
+                <a14:hiddenLine xmlns:a14="http://schemas.microsoft.com/office/drawing/2010/main" xmlns="" w="9525">
                   <a:solidFill>
                     <a:srgbClr val="000000"/>
                   </a:solidFill>
@@ -1038,7 +1180,7 @@
             </a:ln>
             <a:extLst>
               <a:ext uri="{91240B29-F687-4f45-9708-019B960494DF}">
-                <a14:hiddenLine xmlns="" xmlns:a14="http://schemas.microsoft.com/office/drawing/2010/main" w="9525">
+                <a14:hiddenLine xmlns:a14="http://schemas.microsoft.com/office/drawing/2010/main" xmlns="" w="9525">
                   <a:solidFill>
                     <a:srgbClr val="000000"/>
                   </a:solidFill>
@@ -1072,7 +1214,7 @@
             </a:ln>
             <a:extLst>
               <a:ext uri="{91240B29-F687-4f45-9708-019B960494DF}">
-                <a14:hiddenLine xmlns="" xmlns:a14="http://schemas.microsoft.com/office/drawing/2010/main" w="9525">
+                <a14:hiddenLine xmlns:a14="http://schemas.microsoft.com/office/drawing/2010/main" xmlns="" w="9525">
                   <a:solidFill>
                     <a:srgbClr val="000000"/>
                   </a:solidFill>
@@ -1162,7 +1304,7 @@
             </a:ln>
             <a:extLst>
               <a:ext uri="{91240B29-F687-4f45-9708-019B960494DF}">
-                <a14:hiddenLine xmlns="" xmlns:a14="http://schemas.microsoft.com/office/drawing/2010/main" w="9525">
+                <a14:hiddenLine xmlns:a14="http://schemas.microsoft.com/office/drawing/2010/main" xmlns="" w="9525">
                   <a:solidFill>
                     <a:srgbClr val="000000"/>
                   </a:solidFill>
@@ -1224,7 +1366,7 @@
             </a:ln>
             <a:extLst>
               <a:ext uri="{91240B29-F687-4f45-9708-019B960494DF}">
-                <a14:hiddenLine xmlns="" xmlns:a14="http://schemas.microsoft.com/office/drawing/2010/main" w="9525">
+                <a14:hiddenLine xmlns:a14="http://schemas.microsoft.com/office/drawing/2010/main" xmlns="" w="9525">
                   <a:solidFill>
                     <a:srgbClr val="000000"/>
                   </a:solidFill>
@@ -1286,7 +1428,7 @@
             </a:ln>
             <a:extLst>
               <a:ext uri="{91240B29-F687-4f45-9708-019B960494DF}">
-                <a14:hiddenLine xmlns="" xmlns:a14="http://schemas.microsoft.com/office/drawing/2010/main" w="9525">
+                <a14:hiddenLine xmlns:a14="http://schemas.microsoft.com/office/drawing/2010/main" xmlns="" w="9525">
                   <a:solidFill>
                     <a:srgbClr val="000000"/>
                   </a:solidFill>
@@ -1376,7 +1518,7 @@
             </a:ln>
             <a:extLst>
               <a:ext uri="{91240B29-F687-4f45-9708-019B960494DF}">
-                <a14:hiddenLine xmlns="" xmlns:a14="http://schemas.microsoft.com/office/drawing/2010/main" w="9525">
+                <a14:hiddenLine xmlns:a14="http://schemas.microsoft.com/office/drawing/2010/main" xmlns="" w="9525">
                   <a:solidFill>
                     <a:srgbClr val="000000"/>
                   </a:solidFill>
@@ -1438,7 +1580,7 @@
             </a:ln>
             <a:extLst>
               <a:ext uri="{91240B29-F687-4f45-9708-019B960494DF}">
-                <a14:hiddenLine xmlns="" xmlns:a14="http://schemas.microsoft.com/office/drawing/2010/main" w="9525">
+                <a14:hiddenLine xmlns:a14="http://schemas.microsoft.com/office/drawing/2010/main" xmlns="" w="9525">
                   <a:solidFill>
                     <a:srgbClr val="000000"/>
                   </a:solidFill>
@@ -1500,7 +1642,7 @@
             </a:ln>
             <a:extLst>
               <a:ext uri="{91240B29-F687-4f45-9708-019B960494DF}">
-                <a14:hiddenLine xmlns="" xmlns:a14="http://schemas.microsoft.com/office/drawing/2010/main" w="9525">
+                <a14:hiddenLine xmlns:a14="http://schemas.microsoft.com/office/drawing/2010/main" xmlns="" w="9525">
                   <a:solidFill>
                     <a:srgbClr val="000000"/>
                   </a:solidFill>
@@ -1590,7 +1732,7 @@
             </a:ln>
             <a:extLst>
               <a:ext uri="{91240B29-F687-4f45-9708-019B960494DF}">
-                <a14:hiddenLine xmlns="" xmlns:a14="http://schemas.microsoft.com/office/drawing/2010/main" w="9525">
+                <a14:hiddenLine xmlns:a14="http://schemas.microsoft.com/office/drawing/2010/main" xmlns="" w="9525">
                   <a:solidFill>
                     <a:srgbClr val="000000"/>
                   </a:solidFill>
@@ -1680,7 +1822,7 @@
             </a:ln>
             <a:extLst>
               <a:ext uri="{91240B29-F687-4f45-9708-019B960494DF}">
-                <a14:hiddenLine xmlns="" xmlns:a14="http://schemas.microsoft.com/office/drawing/2010/main" w="9525">
+                <a14:hiddenLine xmlns:a14="http://schemas.microsoft.com/office/drawing/2010/main" xmlns="" w="9525">
                   <a:solidFill>
                     <a:srgbClr val="000000"/>
                   </a:solidFill>
@@ -1742,7 +1884,7 @@
             </a:ln>
             <a:extLst>
               <a:ext uri="{91240B29-F687-4f45-9708-019B960494DF}">
-                <a14:hiddenLine xmlns="" xmlns:a14="http://schemas.microsoft.com/office/drawing/2010/main" w="9525">
+                <a14:hiddenLine xmlns:a14="http://schemas.microsoft.com/office/drawing/2010/main" xmlns="" w="9525">
                   <a:solidFill>
                     <a:srgbClr val="000000"/>
                   </a:solidFill>
@@ -1852,7 +1994,7 @@
             </a:ln>
             <a:extLst>
               <a:ext uri="{91240B29-F687-4f45-9708-019B960494DF}">
-                <a14:hiddenLine xmlns="" xmlns:a14="http://schemas.microsoft.com/office/drawing/2010/main" w="9525">
+                <a14:hiddenLine xmlns:a14="http://schemas.microsoft.com/office/drawing/2010/main" xmlns="" w="9525">
                   <a:solidFill>
                     <a:srgbClr val="000000"/>
                   </a:solidFill>
@@ -1914,7 +2056,7 @@
             </a:ln>
             <a:extLst>
               <a:ext uri="{91240B29-F687-4f45-9708-019B960494DF}">
-                <a14:hiddenLine xmlns="" xmlns:a14="http://schemas.microsoft.com/office/drawing/2010/main" w="9525">
+                <a14:hiddenLine xmlns:a14="http://schemas.microsoft.com/office/drawing/2010/main" xmlns="" w="9525">
                   <a:solidFill>
                     <a:srgbClr val="000000"/>
                   </a:solidFill>
@@ -2004,7 +2146,7 @@
             </a:ln>
             <a:extLst>
               <a:ext uri="{91240B29-F687-4f45-9708-019B960494DF}">
-                <a14:hiddenLine xmlns="" xmlns:a14="http://schemas.microsoft.com/office/drawing/2010/main" w="9525">
+                <a14:hiddenLine xmlns:a14="http://schemas.microsoft.com/office/drawing/2010/main" xmlns="" w="9525">
                   <a:solidFill>
                     <a:srgbClr val="000000"/>
                   </a:solidFill>
@@ -2094,7 +2236,7 @@
             </a:ln>
             <a:extLst>
               <a:ext uri="{91240B29-F687-4f45-9708-019B960494DF}">
-                <a14:hiddenLine xmlns="" xmlns:a14="http://schemas.microsoft.com/office/drawing/2010/main" w="9525">
+                <a14:hiddenLine xmlns:a14="http://schemas.microsoft.com/office/drawing/2010/main" xmlns="" w="9525">
                   <a:solidFill>
                     <a:srgbClr val="000000"/>
                   </a:solidFill>
@@ -2156,7 +2298,7 @@
             </a:ln>
             <a:extLst>
               <a:ext uri="{91240B29-F687-4f45-9708-019B960494DF}">
-                <a14:hiddenLine xmlns="" xmlns:a14="http://schemas.microsoft.com/office/drawing/2010/main" w="9525">
+                <a14:hiddenLine xmlns:a14="http://schemas.microsoft.com/office/drawing/2010/main" xmlns="" w="9525">
                   <a:solidFill>
                     <a:srgbClr val="000000"/>
                   </a:solidFill>
@@ -2246,7 +2388,7 @@
             </a:ln>
             <a:extLst>
               <a:ext uri="{91240B29-F687-4f45-9708-019B960494DF}">
-                <a14:hiddenLine xmlns="" xmlns:a14="http://schemas.microsoft.com/office/drawing/2010/main" w="9525">
+                <a14:hiddenLine xmlns:a14="http://schemas.microsoft.com/office/drawing/2010/main" xmlns="" w="9525">
                   <a:solidFill>
                     <a:srgbClr val="000000"/>
                   </a:solidFill>
@@ -2336,7 +2478,7 @@
             </a:ln>
             <a:extLst>
               <a:ext uri="{91240B29-F687-4f45-9708-019B960494DF}">
-                <a14:hiddenLine xmlns="" xmlns:a14="http://schemas.microsoft.com/office/drawing/2010/main" w="9525">
+                <a14:hiddenLine xmlns:a14="http://schemas.microsoft.com/office/drawing/2010/main" xmlns="" w="9525">
                   <a:solidFill>
                     <a:srgbClr val="000000"/>
                   </a:solidFill>
@@ -2392,7 +2534,7 @@
             </a:ln>
             <a:extLst>
               <a:ext uri="{91240B29-F687-4f45-9708-019B960494DF}">
-                <a14:hiddenLine xmlns="" xmlns:a14="http://schemas.microsoft.com/office/drawing/2010/main" w="9525">
+                <a14:hiddenLine xmlns:a14="http://schemas.microsoft.com/office/drawing/2010/main" xmlns="" w="9525">
                   <a:solidFill>
                     <a:srgbClr val="000000"/>
                   </a:solidFill>
@@ -2482,7 +2624,7 @@
             </a:ln>
             <a:extLst>
               <a:ext uri="{91240B29-F687-4f45-9708-019B960494DF}">
-                <a14:hiddenLine xmlns="" xmlns:a14="http://schemas.microsoft.com/office/drawing/2010/main" w="9525">
+                <a14:hiddenLine xmlns:a14="http://schemas.microsoft.com/office/drawing/2010/main" xmlns="" w="9525">
                   <a:solidFill>
                     <a:srgbClr val="000000"/>
                   </a:solidFill>
@@ -2538,7 +2680,7 @@
             </a:ln>
             <a:extLst>
               <a:ext uri="{91240B29-F687-4f45-9708-019B960494DF}">
-                <a14:hiddenLine xmlns="" xmlns:a14="http://schemas.microsoft.com/office/drawing/2010/main" w="9525">
+                <a14:hiddenLine xmlns:a14="http://schemas.microsoft.com/office/drawing/2010/main" xmlns="" w="9525">
                   <a:solidFill>
                     <a:srgbClr val="000000"/>
                   </a:solidFill>
@@ -2628,7 +2770,7 @@
             </a:ln>
             <a:extLst>
               <a:ext uri="{91240B29-F687-4f45-9708-019B960494DF}">
-                <a14:hiddenLine xmlns="" xmlns:a14="http://schemas.microsoft.com/office/drawing/2010/main" w="9525">
+                <a14:hiddenLine xmlns:a14="http://schemas.microsoft.com/office/drawing/2010/main" xmlns="" w="9525">
                   <a:solidFill>
                     <a:srgbClr val="000000"/>
                   </a:solidFill>
@@ -2696,7 +2838,7 @@
             </a:ln>
             <a:extLst>
               <a:ext uri="{91240B29-F687-4f45-9708-019B960494DF}">
-                <a14:hiddenLine xmlns="" xmlns:a14="http://schemas.microsoft.com/office/drawing/2010/main" w="9525">
+                <a14:hiddenLine xmlns:a14="http://schemas.microsoft.com/office/drawing/2010/main" xmlns="" w="9525">
                   <a:solidFill>
                     <a:srgbClr val="000000"/>
                   </a:solidFill>
@@ -2786,7 +2928,7 @@
             </a:ln>
             <a:extLst>
               <a:ext uri="{91240B29-F687-4f45-9708-019B960494DF}">
-                <a14:hiddenLine xmlns="" xmlns:a14="http://schemas.microsoft.com/office/drawing/2010/main" w="9525">
+                <a14:hiddenLine xmlns:a14="http://schemas.microsoft.com/office/drawing/2010/main" xmlns="" w="9525">
                   <a:solidFill>
                     <a:srgbClr val="000000"/>
                   </a:solidFill>
@@ -2854,7 +2996,7 @@
             </a:ln>
             <a:extLst>
               <a:ext uri="{91240B29-F687-4f45-9708-019B960494DF}">
-                <a14:hiddenLine xmlns="" xmlns:a14="http://schemas.microsoft.com/office/drawing/2010/main" w="9525">
+                <a14:hiddenLine xmlns:a14="http://schemas.microsoft.com/office/drawing/2010/main" xmlns="" w="9525">
                   <a:solidFill>
                     <a:srgbClr val="000000"/>
                   </a:solidFill>
@@ -2944,7 +3086,7 @@
             </a:ln>
             <a:extLst>
               <a:ext uri="{91240B29-F687-4f45-9708-019B960494DF}">
-                <a14:hiddenLine xmlns="" xmlns:a14="http://schemas.microsoft.com/office/drawing/2010/main" w="9525">
+                <a14:hiddenLine xmlns:a14="http://schemas.microsoft.com/office/drawing/2010/main" xmlns="" w="9525">
                   <a:solidFill>
                     <a:srgbClr val="000000"/>
                   </a:solidFill>
@@ -2978,7 +3120,7 @@
             </a:ln>
             <a:extLst>
               <a:ext uri="{91240B29-F687-4f45-9708-019B960494DF}">
-                <a14:hiddenLine xmlns="" xmlns:a14="http://schemas.microsoft.com/office/drawing/2010/main" w="9525">
+                <a14:hiddenLine xmlns:a14="http://schemas.microsoft.com/office/drawing/2010/main" xmlns="" w="9525">
                   <a:solidFill>
                     <a:srgbClr val="000000"/>
                   </a:solidFill>
@@ -3068,7 +3210,7 @@
             </a:ln>
             <a:extLst>
               <a:ext uri="{91240B29-F687-4f45-9708-019B960494DF}">
-                <a14:hiddenLine xmlns="" xmlns:a14="http://schemas.microsoft.com/office/drawing/2010/main" w="9525">
+                <a14:hiddenLine xmlns:a14="http://schemas.microsoft.com/office/drawing/2010/main" xmlns="" w="9525">
                   <a:solidFill>
                     <a:srgbClr val="000000"/>
                   </a:solidFill>
@@ -3130,7 +3272,7 @@
             </a:ln>
             <a:extLst>
               <a:ext uri="{91240B29-F687-4f45-9708-019B960494DF}">
-                <a14:hiddenLine xmlns="" xmlns:a14="http://schemas.microsoft.com/office/drawing/2010/main" w="9525">
+                <a14:hiddenLine xmlns:a14="http://schemas.microsoft.com/office/drawing/2010/main" xmlns="" w="9525">
                   <a:solidFill>
                     <a:srgbClr val="000000"/>
                   </a:solidFill>
@@ -3192,7 +3334,7 @@
             </a:ln>
             <a:extLst>
               <a:ext uri="{91240B29-F687-4f45-9708-019B960494DF}">
-                <a14:hiddenLine xmlns="" xmlns:a14="http://schemas.microsoft.com/office/drawing/2010/main" w="9525">
+                <a14:hiddenLine xmlns:a14="http://schemas.microsoft.com/office/drawing/2010/main" xmlns="" w="9525">
                   <a:solidFill>
                     <a:srgbClr val="000000"/>
                   </a:solidFill>
@@ -3282,7 +3424,7 @@
             </a:ln>
             <a:extLst>
               <a:ext uri="{91240B29-F687-4f45-9708-019B960494DF}">
-                <a14:hiddenLine xmlns="" xmlns:a14="http://schemas.microsoft.com/office/drawing/2010/main" w="9525">
+                <a14:hiddenLine xmlns:a14="http://schemas.microsoft.com/office/drawing/2010/main" xmlns="" w="9525">
                   <a:solidFill>
                     <a:srgbClr val="000000"/>
                   </a:solidFill>
@@ -3350,7 +3492,7 @@
             </a:ln>
             <a:extLst>
               <a:ext uri="{91240B29-F687-4f45-9708-019B960494DF}">
-                <a14:hiddenLine xmlns="" xmlns:a14="http://schemas.microsoft.com/office/drawing/2010/main" w="9525">
+                <a14:hiddenLine xmlns:a14="http://schemas.microsoft.com/office/drawing/2010/main" xmlns="" w="9525">
                   <a:solidFill>
                     <a:srgbClr val="000000"/>
                   </a:solidFill>
@@ -3412,7 +3554,7 @@
             </a:ln>
             <a:extLst>
               <a:ext uri="{91240B29-F687-4f45-9708-019B960494DF}">
-                <a14:hiddenLine xmlns="" xmlns:a14="http://schemas.microsoft.com/office/drawing/2010/main" w="9525">
+                <a14:hiddenLine xmlns:a14="http://schemas.microsoft.com/office/drawing/2010/main" xmlns="" w="9525">
                   <a:solidFill>
                     <a:srgbClr val="000000"/>
                   </a:solidFill>
@@ -3502,7 +3644,7 @@
             </a:ln>
             <a:extLst>
               <a:ext uri="{91240B29-F687-4f45-9708-019B960494DF}">
-                <a14:hiddenLine xmlns="" xmlns:a14="http://schemas.microsoft.com/office/drawing/2010/main" w="9525">
+                <a14:hiddenLine xmlns:a14="http://schemas.microsoft.com/office/drawing/2010/main" xmlns="" w="9525">
                   <a:solidFill>
                     <a:srgbClr val="000000"/>
                   </a:solidFill>
@@ -3564,7 +3706,7 @@
             </a:ln>
             <a:extLst>
               <a:ext uri="{91240B29-F687-4f45-9708-019B960494DF}">
-                <a14:hiddenLine xmlns="" xmlns:a14="http://schemas.microsoft.com/office/drawing/2010/main" w="9525">
+                <a14:hiddenLine xmlns:a14="http://schemas.microsoft.com/office/drawing/2010/main" xmlns="" w="9525">
                   <a:solidFill>
                     <a:srgbClr val="000000"/>
                   </a:solidFill>
@@ -3654,7 +3796,7 @@
             </a:ln>
             <a:extLst>
               <a:ext uri="{91240B29-F687-4f45-9708-019B960494DF}">
-                <a14:hiddenLine xmlns="" xmlns:a14="http://schemas.microsoft.com/office/drawing/2010/main" w="9525">
+                <a14:hiddenLine xmlns:a14="http://schemas.microsoft.com/office/drawing/2010/main" xmlns="" w="9525">
                   <a:solidFill>
                     <a:srgbClr val="000000"/>
                   </a:solidFill>
@@ -3716,7 +3858,7 @@
             </a:ln>
             <a:extLst>
               <a:ext uri="{91240B29-F687-4f45-9708-019B960494DF}">
-                <a14:hiddenLine xmlns="" xmlns:a14="http://schemas.microsoft.com/office/drawing/2010/main" w="9525">
+                <a14:hiddenLine xmlns:a14="http://schemas.microsoft.com/office/drawing/2010/main" xmlns="" w="9525">
                   <a:solidFill>
                     <a:srgbClr val="000000"/>
                   </a:solidFill>
@@ -3806,7 +3948,7 @@
             </a:ln>
             <a:extLst>
               <a:ext uri="{91240B29-F687-4f45-9708-019B960494DF}">
-                <a14:hiddenLine xmlns="" xmlns:a14="http://schemas.microsoft.com/office/drawing/2010/main" w="9525">
+                <a14:hiddenLine xmlns:a14="http://schemas.microsoft.com/office/drawing/2010/main" xmlns="" w="9525">
                   <a:solidFill>
                     <a:srgbClr val="000000"/>
                   </a:solidFill>
@@ -3840,7 +3982,7 @@
             </a:ln>
             <a:extLst>
               <a:ext uri="{91240B29-F687-4f45-9708-019B960494DF}">
-                <a14:hiddenLine xmlns="" xmlns:a14="http://schemas.microsoft.com/office/drawing/2010/main" w="9525">
+                <a14:hiddenLine xmlns:a14="http://schemas.microsoft.com/office/drawing/2010/main" xmlns="" w="9525">
                   <a:solidFill>
                     <a:srgbClr val="000000"/>
                   </a:solidFill>
@@ -3905,7 +4047,7 @@
             </a:ln>
             <a:extLst>
               <a:ext uri="{91240B29-F687-4f45-9708-019B960494DF}">
-                <a14:hiddenLine xmlns="" xmlns:a14="http://schemas.microsoft.com/office/drawing/2010/main" w="9525">
+                <a14:hiddenLine xmlns:a14="http://schemas.microsoft.com/office/drawing/2010/main" xmlns="" w="9525">
                   <a:solidFill>
                     <a:srgbClr val="000000"/>
                   </a:solidFill>
@@ -3995,7 +4137,7 @@
             </a:ln>
             <a:extLst>
               <a:ext uri="{91240B29-F687-4f45-9708-019B960494DF}">
-                <a14:hiddenLine xmlns="" xmlns:a14="http://schemas.microsoft.com/office/drawing/2010/main" w="9525">
+                <a14:hiddenLine xmlns:a14="http://schemas.microsoft.com/office/drawing/2010/main" xmlns="" w="9525">
                   <a:solidFill>
                     <a:srgbClr val="000000"/>
                   </a:solidFill>
@@ -4057,7 +4199,7 @@
             </a:ln>
             <a:extLst>
               <a:ext uri="{91240B29-F687-4f45-9708-019B960494DF}">
-                <a14:hiddenLine xmlns="" xmlns:a14="http://schemas.microsoft.com/office/drawing/2010/main" w="9525">
+                <a14:hiddenLine xmlns:a14="http://schemas.microsoft.com/office/drawing/2010/main" xmlns="" w="9525">
                   <a:solidFill>
                     <a:srgbClr val="000000"/>
                   </a:solidFill>
@@ -4147,7 +4289,7 @@
             </a:ln>
             <a:extLst>
               <a:ext uri="{91240B29-F687-4f45-9708-019B960494DF}">
-                <a14:hiddenLine xmlns="" xmlns:a14="http://schemas.microsoft.com/office/drawing/2010/main" w="9525">
+                <a14:hiddenLine xmlns:a14="http://schemas.microsoft.com/office/drawing/2010/main" xmlns="" w="9525">
                   <a:solidFill>
                     <a:srgbClr val="000000"/>
                   </a:solidFill>
@@ -4237,7 +4379,7 @@
             </a:ln>
             <a:extLst>
               <a:ext uri="{91240B29-F687-4f45-9708-019B960494DF}">
-                <a14:hiddenLine xmlns="" xmlns:a14="http://schemas.microsoft.com/office/drawing/2010/main" w="9525">
+                <a14:hiddenLine xmlns:a14="http://schemas.microsoft.com/office/drawing/2010/main" xmlns="" w="9525">
                   <a:solidFill>
                     <a:srgbClr val="000000"/>
                   </a:solidFill>
@@ -4302,7 +4444,7 @@
             </a:ln>
             <a:extLst>
               <a:ext uri="{91240B29-F687-4f45-9708-019B960494DF}">
-                <a14:hiddenLine xmlns="" xmlns:a14="http://schemas.microsoft.com/office/drawing/2010/main" w="9525">
+                <a14:hiddenLine xmlns:a14="http://schemas.microsoft.com/office/drawing/2010/main" xmlns="" w="9525">
                   <a:solidFill>
                     <a:srgbClr val="000000"/>
                   </a:solidFill>
@@ -4364,7 +4506,7 @@
             </a:ln>
             <a:extLst>
               <a:ext uri="{91240B29-F687-4f45-9708-019B960494DF}">
-                <a14:hiddenLine xmlns="" xmlns:a14="http://schemas.microsoft.com/office/drawing/2010/main" w="9525">
+                <a14:hiddenLine xmlns:a14="http://schemas.microsoft.com/office/drawing/2010/main" xmlns="" w="9525">
                   <a:solidFill>
                     <a:srgbClr val="000000"/>
                   </a:solidFill>
@@ -4454,7 +4596,7 @@
             </a:ln>
             <a:extLst>
               <a:ext uri="{91240B29-F687-4f45-9708-019B960494DF}">
-                <a14:hiddenLine xmlns="" xmlns:a14="http://schemas.microsoft.com/office/drawing/2010/main" w="9525">
+                <a14:hiddenLine xmlns:a14="http://schemas.microsoft.com/office/drawing/2010/main" xmlns="" w="9525">
                   <a:solidFill>
                     <a:srgbClr val="000000"/>
                   </a:solidFill>
@@ -4544,7 +4686,7 @@
             </a:ln>
             <a:extLst>
               <a:ext uri="{91240B29-F687-4f45-9708-019B960494DF}">
-                <a14:hiddenLine xmlns="" xmlns:a14="http://schemas.microsoft.com/office/drawing/2010/main" w="9525">
+                <a14:hiddenLine xmlns:a14="http://schemas.microsoft.com/office/drawing/2010/main" xmlns="" w="9525">
                   <a:solidFill>
                     <a:srgbClr val="000000"/>
                   </a:solidFill>
@@ -4606,7 +4748,7 @@
             </a:ln>
             <a:extLst>
               <a:ext uri="{91240B29-F687-4f45-9708-019B960494DF}">
-                <a14:hiddenLine xmlns="" xmlns:a14="http://schemas.microsoft.com/office/drawing/2010/main" w="9525">
+                <a14:hiddenLine xmlns:a14="http://schemas.microsoft.com/office/drawing/2010/main" xmlns="" w="9525">
                   <a:solidFill>
                     <a:srgbClr val="000000"/>
                   </a:solidFill>
@@ -4726,7 +4868,7 @@
             </a:ln>
             <a:extLst>
               <a:ext uri="{91240B29-F687-4f45-9708-019B960494DF}">
-                <a14:hiddenLine xmlns="" xmlns:a14="http://schemas.microsoft.com/office/drawing/2010/main" w="9525">
+                <a14:hiddenLine xmlns:a14="http://schemas.microsoft.com/office/drawing/2010/main" xmlns="" w="9525">
                   <a:solidFill>
                     <a:srgbClr val="000000"/>
                   </a:solidFill>
@@ -4794,7 +4936,7 @@
             </a:ln>
             <a:extLst>
               <a:ext uri="{91240B29-F687-4f45-9708-019B960494DF}">
-                <a14:hiddenLine xmlns="" xmlns:a14="http://schemas.microsoft.com/office/drawing/2010/main" w="9525">
+                <a14:hiddenLine xmlns:a14="http://schemas.microsoft.com/office/drawing/2010/main" xmlns="" w="9525">
                   <a:solidFill>
                     <a:srgbClr val="000000"/>
                   </a:solidFill>
@@ -4884,7 +5026,7 @@
             </a:ln>
             <a:extLst>
               <a:ext uri="{91240B29-F687-4f45-9708-019B960494DF}">
-                <a14:hiddenLine xmlns="" xmlns:a14="http://schemas.microsoft.com/office/drawing/2010/main" w="9525">
+                <a14:hiddenLine xmlns:a14="http://schemas.microsoft.com/office/drawing/2010/main" xmlns="" w="9525">
                   <a:solidFill>
                     <a:srgbClr val="000000"/>
                   </a:solidFill>
@@ -5024,7 +5166,7 @@
           <a:p>
             <a:fld id="{48A87A34-81AB-432B-8DAE-1953F412C126}" type="datetimeFigureOut">
               <a:rPr lang="en-US" dirty="0"/>
-              <a:t>10/26/2019</a:t>
+              <a:t>11/2/2019</a:t>
             </a:fld>
             <a:endParaRPr lang="en-US" dirty="0"/>
           </a:p>
@@ -5286,7 +5428,7 @@
           <a:p>
             <a:fld id="{48A87A34-81AB-432B-8DAE-1953F412C126}" type="datetimeFigureOut">
               <a:rPr lang="en-US" dirty="0"/>
-              <a:t>10/26/2019</a:t>
+              <a:t>11/2/2019</a:t>
             </a:fld>
             <a:endParaRPr lang="en-US" dirty="0"/>
           </a:p>
@@ -5477,7 +5619,7 @@
           <a:p>
             <a:fld id="{48A87A34-81AB-432B-8DAE-1953F412C126}" type="datetimeFigureOut">
               <a:rPr lang="en-US" dirty="0"/>
-              <a:t>10/26/2019</a:t>
+              <a:t>11/2/2019</a:t>
             </a:fld>
             <a:endParaRPr lang="en-US" dirty="0"/>
           </a:p>
@@ -5735,7 +5877,7 @@
           <a:p>
             <a:fld id="{48A87A34-81AB-432B-8DAE-1953F412C126}" type="datetimeFigureOut">
               <a:rPr lang="en-US" dirty="0"/>
-              <a:t>10/26/2019</a:t>
+              <a:t>11/2/2019</a:t>
             </a:fld>
             <a:endParaRPr lang="en-US" dirty="0"/>
           </a:p>
@@ -6164,7 +6306,7 @@
           <a:p>
             <a:fld id="{48A87A34-81AB-432B-8DAE-1953F412C126}" type="datetimeFigureOut">
               <a:rPr lang="en-US" dirty="0"/>
-              <a:t>10/26/2019</a:t>
+              <a:t>11/2/2019</a:t>
             </a:fld>
             <a:endParaRPr lang="en-US" dirty="0"/>
           </a:p>
@@ -6705,7 +6847,7 @@
           <a:p>
             <a:fld id="{48A87A34-81AB-432B-8DAE-1953F412C126}" type="datetimeFigureOut">
               <a:rPr lang="en-US" dirty="0"/>
-              <a:t>10/26/2019</a:t>
+              <a:t>11/2/2019</a:t>
             </a:fld>
             <a:endParaRPr lang="en-US" dirty="0"/>
           </a:p>
@@ -7420,7 +7562,7 @@
           <a:p>
             <a:fld id="{48A87A34-81AB-432B-8DAE-1953F412C126}" type="datetimeFigureOut">
               <a:rPr lang="en-US" dirty="0"/>
-              <a:t>10/26/2019</a:t>
+              <a:t>11/2/2019</a:t>
             </a:fld>
             <a:endParaRPr lang="en-US" dirty="0"/>
           </a:p>
@@ -7585,7 +7727,7 @@
           <a:p>
             <a:fld id="{48A87A34-81AB-432B-8DAE-1953F412C126}" type="datetimeFigureOut">
               <a:rPr lang="en-US" dirty="0"/>
-              <a:t>10/26/2019</a:t>
+              <a:t>11/2/2019</a:t>
             </a:fld>
             <a:endParaRPr lang="en-US" dirty="0"/>
           </a:p>
@@ -7760,7 +7902,7 @@
           <a:p>
             <a:fld id="{48A87A34-81AB-432B-8DAE-1953F412C126}" type="datetimeFigureOut">
               <a:rPr lang="en-US" dirty="0"/>
-              <a:t>10/26/2019</a:t>
+              <a:t>11/2/2019</a:t>
             </a:fld>
             <a:endParaRPr lang="en-US" dirty="0"/>
           </a:p>
@@ -7925,7 +8067,7 @@
           <a:p>
             <a:fld id="{48A87A34-81AB-432B-8DAE-1953F412C126}" type="datetimeFigureOut">
               <a:rPr lang="en-US" dirty="0"/>
-              <a:t>10/26/2019</a:t>
+              <a:t>11/2/2019</a:t>
             </a:fld>
             <a:endParaRPr lang="en-US" dirty="0"/>
           </a:p>
@@ -8170,7 +8312,7 @@
           <a:p>
             <a:fld id="{48A87A34-81AB-432B-8DAE-1953F412C126}" type="datetimeFigureOut">
               <a:rPr lang="en-US" dirty="0"/>
-              <a:t>10/26/2019</a:t>
+              <a:t>11/2/2019</a:t>
             </a:fld>
             <a:endParaRPr lang="en-US" dirty="0"/>
           </a:p>
@@ -8397,7 +8539,7 @@
           <a:p>
             <a:fld id="{48A87A34-81AB-432B-8DAE-1953F412C126}" type="datetimeFigureOut">
               <a:rPr lang="en-US" dirty="0"/>
-              <a:t>10/26/2019</a:t>
+              <a:t>11/2/2019</a:t>
             </a:fld>
             <a:endParaRPr lang="en-US" dirty="0"/>
           </a:p>
@@ -8773,7 +8915,7 @@
           <a:p>
             <a:fld id="{48A87A34-81AB-432B-8DAE-1953F412C126}" type="datetimeFigureOut">
               <a:rPr lang="en-US" dirty="0"/>
-              <a:t>10/26/2019</a:t>
+              <a:t>11/2/2019</a:t>
             </a:fld>
             <a:endParaRPr lang="en-US" dirty="0"/>
           </a:p>
@@ -8886,7 +9028,7 @@
           <a:p>
             <a:fld id="{48A87A34-81AB-432B-8DAE-1953F412C126}" type="datetimeFigureOut">
               <a:rPr lang="en-US" dirty="0"/>
-              <a:t>10/26/2019</a:t>
+              <a:t>11/2/2019</a:t>
             </a:fld>
             <a:endParaRPr lang="en-US" dirty="0"/>
           </a:p>
@@ -8976,7 +9118,7 @@
           <a:p>
             <a:fld id="{48A87A34-81AB-432B-8DAE-1953F412C126}" type="datetimeFigureOut">
               <a:rPr lang="en-US" dirty="0"/>
-              <a:t>10/26/2019</a:t>
+              <a:t>11/2/2019</a:t>
             </a:fld>
             <a:endParaRPr lang="en-US" dirty="0"/>
           </a:p>
@@ -9220,7 +9362,7 @@
           <a:p>
             <a:fld id="{48A87A34-81AB-432B-8DAE-1953F412C126}" type="datetimeFigureOut">
               <a:rPr lang="en-US" dirty="0"/>
-              <a:t>10/26/2019</a:t>
+              <a:t>11/2/2019</a:t>
             </a:fld>
             <a:endParaRPr lang="en-US" dirty="0"/>
           </a:p>
@@ -9495,7 +9637,7 @@
           <a:p>
             <a:fld id="{48A87A34-81AB-432B-8DAE-1953F412C126}" type="datetimeFigureOut">
               <a:rPr lang="en-US" dirty="0"/>
-              <a:t>10/26/2019</a:t>
+              <a:t>11/2/2019</a:t>
             </a:fld>
             <a:endParaRPr lang="en-US" dirty="0"/>
           </a:p>
@@ -9613,7 +9755,7 @@
           <a:noFill/>
           <a:extLst>
             <a:ext uri="{909E8E84-426E-40dd-AFC4-6F175D3DCCD1}">
-              <a14:hiddenFill xmlns="" xmlns:a14="http://schemas.microsoft.com/office/drawing/2010/main">
+              <a14:hiddenFill xmlns:a14="http://schemas.microsoft.com/office/drawing/2010/main" xmlns="">
                 <a:solidFill>
                   <a:srgbClr val="FFFFFF"/>
                 </a:solidFill>
@@ -9687,7 +9829,7 @@
               </a:ln>
               <a:extLst>
                 <a:ext uri="{91240B29-F687-4f45-9708-019B960494DF}">
-                  <a14:hiddenLine xmlns="" xmlns:a14="http://schemas.microsoft.com/office/drawing/2010/main" w="9525">
+                  <a14:hiddenLine xmlns:a14="http://schemas.microsoft.com/office/drawing/2010/main" xmlns="" w="9525">
                     <a:solidFill>
                       <a:srgbClr val="000000"/>
                     </a:solidFill>
@@ -9777,7 +9919,7 @@
               </a:ln>
               <a:extLst>
                 <a:ext uri="{91240B29-F687-4f45-9708-019B960494DF}">
-                  <a14:hiddenLine xmlns="" xmlns:a14="http://schemas.microsoft.com/office/drawing/2010/main" w="9525">
+                  <a14:hiddenLine xmlns:a14="http://schemas.microsoft.com/office/drawing/2010/main" xmlns="" w="9525">
                     <a:solidFill>
                       <a:srgbClr val="000000"/>
                     </a:solidFill>
@@ -9867,7 +10009,7 @@
               </a:ln>
               <a:extLst>
                 <a:ext uri="{91240B29-F687-4f45-9708-019B960494DF}">
-                  <a14:hiddenLine xmlns="" xmlns:a14="http://schemas.microsoft.com/office/drawing/2010/main" w="9525">
+                  <a14:hiddenLine xmlns:a14="http://schemas.microsoft.com/office/drawing/2010/main" xmlns="" w="9525">
                     <a:solidFill>
                       <a:srgbClr val="000000"/>
                     </a:solidFill>
@@ -9929,7 +10071,7 @@
               </a:ln>
               <a:extLst>
                 <a:ext uri="{91240B29-F687-4f45-9708-019B960494DF}">
-                  <a14:hiddenLine xmlns="" xmlns:a14="http://schemas.microsoft.com/office/drawing/2010/main" w="9525">
+                  <a14:hiddenLine xmlns:a14="http://schemas.microsoft.com/office/drawing/2010/main" xmlns="" w="9525">
                     <a:solidFill>
                       <a:srgbClr val="000000"/>
                     </a:solidFill>
@@ -10019,7 +10161,7 @@
               </a:ln>
               <a:extLst>
                 <a:ext uri="{91240B29-F687-4f45-9708-019B960494DF}">
-                  <a14:hiddenLine xmlns="" xmlns:a14="http://schemas.microsoft.com/office/drawing/2010/main" w="9525">
+                  <a14:hiddenLine xmlns:a14="http://schemas.microsoft.com/office/drawing/2010/main" xmlns="" w="9525">
                     <a:solidFill>
                       <a:srgbClr val="000000"/>
                     </a:solidFill>
@@ -10081,7 +10223,7 @@
               </a:ln>
               <a:extLst>
                 <a:ext uri="{91240B29-F687-4f45-9708-019B960494DF}">
-                  <a14:hiddenLine xmlns="" xmlns:a14="http://schemas.microsoft.com/office/drawing/2010/main" w="9525">
+                  <a14:hiddenLine xmlns:a14="http://schemas.microsoft.com/office/drawing/2010/main" xmlns="" w="9525">
                     <a:solidFill>
                       <a:srgbClr val="000000"/>
                     </a:solidFill>
@@ -10143,7 +10285,7 @@
               </a:ln>
               <a:extLst>
                 <a:ext uri="{91240B29-F687-4f45-9708-019B960494DF}">
-                  <a14:hiddenLine xmlns="" xmlns:a14="http://schemas.microsoft.com/office/drawing/2010/main" w="9525">
+                  <a14:hiddenLine xmlns:a14="http://schemas.microsoft.com/office/drawing/2010/main" xmlns="" w="9525">
                     <a:solidFill>
                       <a:srgbClr val="000000"/>
                     </a:solidFill>
@@ -10233,7 +10375,7 @@
               </a:ln>
               <a:extLst>
                 <a:ext uri="{91240B29-F687-4f45-9708-019B960494DF}">
-                  <a14:hiddenLine xmlns="" xmlns:a14="http://schemas.microsoft.com/office/drawing/2010/main" w="9525">
+                  <a14:hiddenLine xmlns:a14="http://schemas.microsoft.com/office/drawing/2010/main" xmlns="" w="9525">
                     <a:solidFill>
                       <a:srgbClr val="000000"/>
                     </a:solidFill>
@@ -10323,7 +10465,7 @@
               </a:ln>
               <a:extLst>
                 <a:ext uri="{91240B29-F687-4f45-9708-019B960494DF}">
-                  <a14:hiddenLine xmlns="" xmlns:a14="http://schemas.microsoft.com/office/drawing/2010/main" w="9525">
+                  <a14:hiddenLine xmlns:a14="http://schemas.microsoft.com/office/drawing/2010/main" xmlns="" w="9525">
                     <a:solidFill>
                       <a:srgbClr val="000000"/>
                     </a:solidFill>
@@ -10385,7 +10527,7 @@
               </a:ln>
               <a:extLst>
                 <a:ext uri="{91240B29-F687-4f45-9708-019B960494DF}">
-                  <a14:hiddenLine xmlns="" xmlns:a14="http://schemas.microsoft.com/office/drawing/2010/main" w="9525">
+                  <a14:hiddenLine xmlns:a14="http://schemas.microsoft.com/office/drawing/2010/main" xmlns="" w="9525">
                     <a:solidFill>
                       <a:srgbClr val="000000"/>
                     </a:solidFill>
@@ -10495,7 +10637,7 @@
               </a:ln>
               <a:extLst>
                 <a:ext uri="{91240B29-F687-4f45-9708-019B960494DF}">
-                  <a14:hiddenLine xmlns="" xmlns:a14="http://schemas.microsoft.com/office/drawing/2010/main" w="9525">
+                  <a14:hiddenLine xmlns:a14="http://schemas.microsoft.com/office/drawing/2010/main" xmlns="" w="9525">
                     <a:solidFill>
                       <a:srgbClr val="000000"/>
                     </a:solidFill>
@@ -10579,7 +10721,7 @@
               </a:ln>
               <a:extLst>
                 <a:ext uri="{91240B29-F687-4f45-9708-019B960494DF}">
-                  <a14:hiddenLine xmlns="" xmlns:a14="http://schemas.microsoft.com/office/drawing/2010/main" w="9525">
+                  <a14:hiddenLine xmlns:a14="http://schemas.microsoft.com/office/drawing/2010/main" xmlns="" w="9525">
                     <a:solidFill>
                       <a:srgbClr val="000000"/>
                     </a:solidFill>
@@ -10641,7 +10783,7 @@
               </a:ln>
               <a:extLst>
                 <a:ext uri="{91240B29-F687-4f45-9708-019B960494DF}">
-                  <a14:hiddenLine xmlns="" xmlns:a14="http://schemas.microsoft.com/office/drawing/2010/main" w="9525">
+                  <a14:hiddenLine xmlns:a14="http://schemas.microsoft.com/office/drawing/2010/main" xmlns="" w="9525">
                     <a:solidFill>
                       <a:srgbClr val="000000"/>
                     </a:solidFill>
@@ -10703,7 +10845,7 @@
               </a:ln>
               <a:extLst>
                 <a:ext uri="{91240B29-F687-4f45-9708-019B960494DF}">
-                  <a14:hiddenLine xmlns="" xmlns:a14="http://schemas.microsoft.com/office/drawing/2010/main" w="9525">
+                  <a14:hiddenLine xmlns:a14="http://schemas.microsoft.com/office/drawing/2010/main" xmlns="" w="9525">
                     <a:solidFill>
                       <a:srgbClr val="000000"/>
                     </a:solidFill>
@@ -10793,7 +10935,7 @@
               </a:ln>
               <a:extLst>
                 <a:ext uri="{91240B29-F687-4f45-9708-019B960494DF}">
-                  <a14:hiddenLine xmlns="" xmlns:a14="http://schemas.microsoft.com/office/drawing/2010/main" w="9525">
+                  <a14:hiddenLine xmlns:a14="http://schemas.microsoft.com/office/drawing/2010/main" xmlns="" w="9525">
                     <a:solidFill>
                       <a:srgbClr val="000000"/>
                     </a:solidFill>
@@ -10827,7 +10969,7 @@
               </a:ln>
               <a:extLst>
                 <a:ext uri="{91240B29-F687-4f45-9708-019B960494DF}">
-                  <a14:hiddenLine xmlns="" xmlns:a14="http://schemas.microsoft.com/office/drawing/2010/main" w="9525">
+                  <a14:hiddenLine xmlns:a14="http://schemas.microsoft.com/office/drawing/2010/main" xmlns="" w="9525">
                     <a:solidFill>
                       <a:srgbClr val="000000"/>
                     </a:solidFill>
@@ -10892,7 +11034,7 @@
               </a:ln>
               <a:extLst>
                 <a:ext uri="{91240B29-F687-4f45-9708-019B960494DF}">
-                  <a14:hiddenLine xmlns="" xmlns:a14="http://schemas.microsoft.com/office/drawing/2010/main" w="9525">
+                  <a14:hiddenLine xmlns:a14="http://schemas.microsoft.com/office/drawing/2010/main" xmlns="" w="9525">
                     <a:solidFill>
                       <a:srgbClr val="000000"/>
                     </a:solidFill>
@@ -10982,7 +11124,7 @@
               </a:ln>
               <a:extLst>
                 <a:ext uri="{91240B29-F687-4f45-9708-019B960494DF}">
-                  <a14:hiddenLine xmlns="" xmlns:a14="http://schemas.microsoft.com/office/drawing/2010/main" w="9525">
+                  <a14:hiddenLine xmlns:a14="http://schemas.microsoft.com/office/drawing/2010/main" xmlns="" w="9525">
                     <a:solidFill>
                       <a:srgbClr val="000000"/>
                     </a:solidFill>
@@ -11044,7 +11186,7 @@
               </a:ln>
               <a:extLst>
                 <a:ext uri="{91240B29-F687-4f45-9708-019B960494DF}">
-                  <a14:hiddenLine xmlns="" xmlns:a14="http://schemas.microsoft.com/office/drawing/2010/main" w="9525">
+                  <a14:hiddenLine xmlns:a14="http://schemas.microsoft.com/office/drawing/2010/main" xmlns="" w="9525">
                     <a:solidFill>
                       <a:srgbClr val="000000"/>
                     </a:solidFill>
@@ -11134,7 +11276,7 @@
               </a:ln>
               <a:extLst>
                 <a:ext uri="{91240B29-F687-4f45-9708-019B960494DF}">
-                  <a14:hiddenLine xmlns="" xmlns:a14="http://schemas.microsoft.com/office/drawing/2010/main" w="9525">
+                  <a14:hiddenLine xmlns:a14="http://schemas.microsoft.com/office/drawing/2010/main" xmlns="" w="9525">
                     <a:solidFill>
                       <a:srgbClr val="000000"/>
                     </a:solidFill>
@@ -11199,7 +11341,7 @@
               </a:ln>
               <a:extLst>
                 <a:ext uri="{91240B29-F687-4f45-9708-019B960494DF}">
-                  <a14:hiddenLine xmlns="" xmlns:a14="http://schemas.microsoft.com/office/drawing/2010/main" w="9525">
+                  <a14:hiddenLine xmlns:a14="http://schemas.microsoft.com/office/drawing/2010/main" xmlns="" w="9525">
                     <a:solidFill>
                       <a:srgbClr val="000000"/>
                     </a:solidFill>
@@ -11261,7 +11403,7 @@
               </a:ln>
               <a:extLst>
                 <a:ext uri="{91240B29-F687-4f45-9708-019B960494DF}">
-                  <a14:hiddenLine xmlns="" xmlns:a14="http://schemas.microsoft.com/office/drawing/2010/main" w="9525">
+                  <a14:hiddenLine xmlns:a14="http://schemas.microsoft.com/office/drawing/2010/main" xmlns="" w="9525">
                     <a:solidFill>
                       <a:srgbClr val="000000"/>
                     </a:solidFill>
@@ -11351,7 +11493,7 @@
               </a:ln>
               <a:extLst>
                 <a:ext uri="{91240B29-F687-4f45-9708-019B960494DF}">
-                  <a14:hiddenLine xmlns="" xmlns:a14="http://schemas.microsoft.com/office/drawing/2010/main" w="9525">
+                  <a14:hiddenLine xmlns:a14="http://schemas.microsoft.com/office/drawing/2010/main" xmlns="" w="9525">
                     <a:solidFill>
                       <a:srgbClr val="000000"/>
                     </a:solidFill>
@@ -11441,7 +11583,7 @@
               </a:ln>
               <a:extLst>
                 <a:ext uri="{91240B29-F687-4f45-9708-019B960494DF}">
-                  <a14:hiddenLine xmlns="" xmlns:a14="http://schemas.microsoft.com/office/drawing/2010/main" w="9525">
+                  <a14:hiddenLine xmlns:a14="http://schemas.microsoft.com/office/drawing/2010/main" xmlns="" w="9525">
                     <a:solidFill>
                       <a:srgbClr val="000000"/>
                     </a:solidFill>
@@ -11506,7 +11648,7 @@
               </a:ln>
               <a:extLst>
                 <a:ext uri="{91240B29-F687-4f45-9708-019B960494DF}">
-                  <a14:hiddenLine xmlns="" xmlns:a14="http://schemas.microsoft.com/office/drawing/2010/main" w="9525">
+                  <a14:hiddenLine xmlns:a14="http://schemas.microsoft.com/office/drawing/2010/main" xmlns="" w="9525">
                     <a:solidFill>
                       <a:srgbClr val="000000"/>
                     </a:solidFill>
@@ -11626,7 +11768,7 @@
               </a:ln>
               <a:extLst>
                 <a:ext uri="{91240B29-F687-4f45-9708-019B960494DF}">
-                  <a14:hiddenLine xmlns="" xmlns:a14="http://schemas.microsoft.com/office/drawing/2010/main" w="9525">
+                  <a14:hiddenLine xmlns:a14="http://schemas.microsoft.com/office/drawing/2010/main" xmlns="" w="9525">
                     <a:solidFill>
                       <a:srgbClr val="000000"/>
                     </a:solidFill>
@@ -11707,7 +11849,7 @@
               </a:ln>
               <a:extLst>
                 <a:ext uri="{91240B29-F687-4f45-9708-019B960494DF}">
-                  <a14:hiddenLine xmlns="" xmlns:a14="http://schemas.microsoft.com/office/drawing/2010/main" w="9525">
+                  <a14:hiddenLine xmlns:a14="http://schemas.microsoft.com/office/drawing/2010/main" xmlns="" w="9525">
                     <a:solidFill>
                       <a:srgbClr val="000000"/>
                     </a:solidFill>
@@ -11822,7 +11964,7 @@
               </a:ln>
               <a:extLst>
                 <a:ext uri="{91240B29-F687-4f45-9708-019B960494DF}">
-                  <a14:hiddenLine xmlns="" xmlns:a14="http://schemas.microsoft.com/office/drawing/2010/main" w="9525">
+                  <a14:hiddenLine xmlns:a14="http://schemas.microsoft.com/office/drawing/2010/main" xmlns="" w="9525">
                     <a:solidFill>
                       <a:srgbClr val="000000"/>
                     </a:solidFill>
@@ -11912,7 +12054,7 @@
               </a:ln>
               <a:extLst>
                 <a:ext uri="{91240B29-F687-4f45-9708-019B960494DF}">
-                  <a14:hiddenLine xmlns="" xmlns:a14="http://schemas.microsoft.com/office/drawing/2010/main" w="9525">
+                  <a14:hiddenLine xmlns:a14="http://schemas.microsoft.com/office/drawing/2010/main" xmlns="" w="9525">
                     <a:solidFill>
                       <a:srgbClr val="000000"/>
                     </a:solidFill>
@@ -11977,7 +12119,7 @@
               </a:ln>
               <a:extLst>
                 <a:ext uri="{91240B29-F687-4f45-9708-019B960494DF}">
-                  <a14:hiddenLine xmlns="" xmlns:a14="http://schemas.microsoft.com/office/drawing/2010/main" w="9525">
+                  <a14:hiddenLine xmlns:a14="http://schemas.microsoft.com/office/drawing/2010/main" xmlns="" w="9525">
                     <a:solidFill>
                       <a:srgbClr val="000000"/>
                     </a:solidFill>
@@ -12067,7 +12209,7 @@
               </a:ln>
               <a:extLst>
                 <a:ext uri="{91240B29-F687-4f45-9708-019B960494DF}">
-                  <a14:hiddenLine xmlns="" xmlns:a14="http://schemas.microsoft.com/office/drawing/2010/main" w="9525">
+                  <a14:hiddenLine xmlns:a14="http://schemas.microsoft.com/office/drawing/2010/main" xmlns="" w="9525">
                     <a:solidFill>
                       <a:srgbClr val="000000"/>
                     </a:solidFill>
@@ -12135,7 +12277,7 @@
               </a:ln>
               <a:extLst>
                 <a:ext uri="{91240B29-F687-4f45-9708-019B960494DF}">
-                  <a14:hiddenLine xmlns="" xmlns:a14="http://schemas.microsoft.com/office/drawing/2010/main" w="9525">
+                  <a14:hiddenLine xmlns:a14="http://schemas.microsoft.com/office/drawing/2010/main" xmlns="" w="9525">
                     <a:solidFill>
                       <a:srgbClr val="000000"/>
                     </a:solidFill>
@@ -12225,7 +12367,7 @@
               </a:ln>
               <a:extLst>
                 <a:ext uri="{91240B29-F687-4f45-9708-019B960494DF}">
-                  <a14:hiddenLine xmlns="" xmlns:a14="http://schemas.microsoft.com/office/drawing/2010/main" w="9525">
+                  <a14:hiddenLine xmlns:a14="http://schemas.microsoft.com/office/drawing/2010/main" xmlns="" w="9525">
                     <a:solidFill>
                       <a:srgbClr val="000000"/>
                     </a:solidFill>
@@ -12293,7 +12435,7 @@
               </a:ln>
               <a:extLst>
                 <a:ext uri="{91240B29-F687-4f45-9708-019B960494DF}">
-                  <a14:hiddenLine xmlns="" xmlns:a14="http://schemas.microsoft.com/office/drawing/2010/main" w="9525">
+                  <a14:hiddenLine xmlns:a14="http://schemas.microsoft.com/office/drawing/2010/main" xmlns="" w="9525">
                     <a:solidFill>
                       <a:srgbClr val="000000"/>
                     </a:solidFill>
@@ -12383,7 +12525,7 @@
               </a:ln>
               <a:extLst>
                 <a:ext uri="{91240B29-F687-4f45-9708-019B960494DF}">
-                  <a14:hiddenLine xmlns="" xmlns:a14="http://schemas.microsoft.com/office/drawing/2010/main" w="9525">
+                  <a14:hiddenLine xmlns:a14="http://schemas.microsoft.com/office/drawing/2010/main" xmlns="" w="9525">
                     <a:solidFill>
                       <a:srgbClr val="000000"/>
                     </a:solidFill>
@@ -12417,7 +12559,7 @@
               </a:ln>
               <a:extLst>
                 <a:ext uri="{91240B29-F687-4f45-9708-019B960494DF}">
-                  <a14:hiddenLine xmlns="" xmlns:a14="http://schemas.microsoft.com/office/drawing/2010/main" w="9525">
+                  <a14:hiddenLine xmlns:a14="http://schemas.microsoft.com/office/drawing/2010/main" xmlns="" w="9525">
                     <a:solidFill>
                       <a:srgbClr val="000000"/>
                     </a:solidFill>
@@ -12558,7 +12700,7 @@
             <a:fld id="{48A87A34-81AB-432B-8DAE-1953F412C126}" type="datetimeFigureOut">
               <a:rPr lang="en-US" dirty="0"/>
               <a:pPr/>
-              <a:t>10/26/2019</a:t>
+              <a:t>11/2/2019</a:t>
             </a:fld>
             <a:endParaRPr lang="en-US" dirty="0"/>
           </a:p>
@@ -13095,6 +13237,14 @@
           <a:bodyPr/>
           <a:lstStyle/>
           <a:p>
+            <a:r>
+              <a:rPr lang="de-DE" dirty="0" smtClean="0"/>
+              <a:t>Was ist </a:t>
+            </a:r>
+            <a:r>
+              <a:rPr lang="de-DE" smtClean="0"/>
+              <a:t>ein Tag?</a:t>
+            </a:r>
             <a:endParaRPr lang="de-DE"/>
           </a:p>
         </p:txBody>
@@ -13127,13 +13277,20 @@
     </p:spTree>
     <p:extLst>
       <p:ext uri="{BB962C8B-B14F-4D97-AF65-F5344CB8AC3E}">
-        <p14:creationId xmlns:p14="http://schemas.microsoft.com/office/powerpoint/2010/main" val="3904116714"/>
+        <p14:creationId xmlns:p14="http://schemas.microsoft.com/office/powerpoint/2010/main" val="4224225263"/>
       </p:ext>
     </p:extLst>
   </p:cSld>
   <p:clrMapOvr>
     <a:masterClrMapping/>
   </p:clrMapOvr>
+  <p:timing>
+    <p:tnLst>
+      <p:par>
+        <p:cTn id="1" dur="indefinite" restart="never" nodeType="tmRoot"/>
+      </p:par>
+    </p:tnLst>
+  </p:timing>
 </p:sld>
 </file>
 
@@ -13175,7 +13332,11 @@
           <a:bodyPr/>
           <a:lstStyle/>
           <a:p>
-            <a:endParaRPr lang="de-DE"/>
+            <a:r>
+              <a:rPr lang="de-DE" dirty="0" smtClean="0"/>
+              <a:t>Grundgedanke </a:t>
+            </a:r>
+            <a:endParaRPr lang="de-DE" dirty="0"/>
           </a:p>
         </p:txBody>
       </p:sp>
@@ -13200,20 +13361,405 @@
           <a:bodyPr/>
           <a:lstStyle/>
           <a:p>
+            <a:r>
+              <a:rPr lang="de-DE" dirty="0" smtClean="0"/>
+              <a:t>Arbeiten mit Arrays</a:t>
+            </a:r>
+          </a:p>
+          <a:p>
+            <a:r>
+              <a:rPr lang="de-DE" dirty="0" smtClean="0"/>
+              <a:t>2 Dimensionaler Array für </a:t>
+            </a:r>
+            <a:r>
+              <a:rPr lang="de-DE" dirty="0" err="1" smtClean="0"/>
+              <a:t>Minesweeper</a:t>
+            </a:r>
+            <a:r>
+              <a:rPr lang="de-DE" dirty="0" smtClean="0"/>
+              <a:t> </a:t>
+            </a:r>
+            <a:endParaRPr lang="de-DE" dirty="0"/>
+          </a:p>
+        </p:txBody>
+      </p:sp>
+      <p:sp>
+        <p:nvSpPr>
+          <p:cNvPr id="5" name="AutoShape 2" descr="Bildergebnis für 2 Dimensionales Array erklärung"/>
+          <p:cNvSpPr>
+            <a:spLocks noChangeAspect="1" noChangeArrowheads="1"/>
+          </p:cNvSpPr>
+          <p:nvPr/>
+        </p:nvSpPr>
+        <p:spPr bwMode="auto">
+          <a:xfrm>
+            <a:off x="155575" y="-144463"/>
+            <a:ext cx="304800" cy="304801"/>
+          </a:xfrm>
+          <a:prstGeom prst="rect">
+            <a:avLst/>
+          </a:prstGeom>
+          <a:noFill/>
+          <a:extLst>
+            <a:ext uri="{909E8E84-426E-40DD-AFC4-6F175D3DCCD1}">
+              <a14:hiddenFill xmlns:a14="http://schemas.microsoft.com/office/drawing/2010/main">
+                <a:solidFill>
+                  <a:srgbClr val="FFFFFF"/>
+                </a:solidFill>
+              </a14:hiddenFill>
+            </a:ext>
+          </a:extLst>
+        </p:spPr>
+        <p:txBody>
+          <a:bodyPr vert="horz" wrap="square" lIns="91440" tIns="45720" rIns="91440" bIns="45720" numCol="1" anchor="t" anchorCtr="0" compatLnSpc="1">
+            <a:prstTxWarp prst="textNoShape">
+              <a:avLst/>
+            </a:prstTxWarp>
+          </a:bodyPr>
+          <a:lstStyle/>
+          <a:p>
             <a:endParaRPr lang="de-DE"/>
+          </a:p>
+        </p:txBody>
+      </p:sp>
+      <p:sp>
+        <p:nvSpPr>
+          <p:cNvPr id="6" name="AutoShape 4" descr="Bildergebnis für 2 Dimensionales Array erklärung"/>
+          <p:cNvSpPr>
+            <a:spLocks noChangeAspect="1" noChangeArrowheads="1"/>
+          </p:cNvSpPr>
+          <p:nvPr/>
+        </p:nvSpPr>
+        <p:spPr bwMode="auto">
+          <a:xfrm>
+            <a:off x="307975" y="7937"/>
+            <a:ext cx="304800" cy="304801"/>
+          </a:xfrm>
+          <a:prstGeom prst="rect">
+            <a:avLst/>
+          </a:prstGeom>
+          <a:noFill/>
+          <a:extLst>
+            <a:ext uri="{909E8E84-426E-40DD-AFC4-6F175D3DCCD1}">
+              <a14:hiddenFill xmlns:a14="http://schemas.microsoft.com/office/drawing/2010/main">
+                <a:solidFill>
+                  <a:srgbClr val="FFFFFF"/>
+                </a:solidFill>
+              </a14:hiddenFill>
+            </a:ext>
+          </a:extLst>
+        </p:spPr>
+        <p:txBody>
+          <a:bodyPr vert="horz" wrap="square" lIns="91440" tIns="45720" rIns="91440" bIns="45720" numCol="1" anchor="t" anchorCtr="0" compatLnSpc="1">
+            <a:prstTxWarp prst="textNoShape">
+              <a:avLst/>
+            </a:prstTxWarp>
+          </a:bodyPr>
+          <a:lstStyle/>
+          <a:p>
+            <a:endParaRPr lang="de-DE"/>
+          </a:p>
+        </p:txBody>
+      </p:sp>
+      <p:pic>
+        <p:nvPicPr>
+          <p:cNvPr id="7" name="Grafik 6"/>
+          <p:cNvPicPr>
+            <a:picLocks noChangeAspect="1"/>
+          </p:cNvPicPr>
+          <p:nvPr/>
+        </p:nvPicPr>
+        <p:blipFill>
+          <a:blip r:embed="rId3">
+            <a:extLst>
+              <a:ext uri="{28A0092B-C50C-407E-A947-70E740481C1C}">
+                <a14:useLocalDpi xmlns:a14="http://schemas.microsoft.com/office/drawing/2010/main" val="0"/>
+              </a:ext>
+            </a:extLst>
+          </a:blip>
+          <a:stretch>
+            <a:fillRect/>
+          </a:stretch>
+        </p:blipFill>
+        <p:spPr>
+          <a:xfrm>
+            <a:off x="1141412" y="3603382"/>
+            <a:ext cx="3902223" cy="2187819"/>
+          </a:xfrm>
+          <a:prstGeom prst="rect">
+            <a:avLst/>
+          </a:prstGeom>
+        </p:spPr>
+      </p:pic>
+      <p:sp>
+        <p:nvSpPr>
+          <p:cNvPr id="11" name="Rectangle 6"/>
+          <p:cNvSpPr>
+            <a:spLocks noChangeArrowheads="1"/>
+          </p:cNvSpPr>
+          <p:nvPr/>
+        </p:nvSpPr>
+        <p:spPr bwMode="auto">
+          <a:xfrm>
+            <a:off x="5467877" y="4476572"/>
+            <a:ext cx="1825869" cy="1200329"/>
+          </a:xfrm>
+          <a:prstGeom prst="rect">
+            <a:avLst/>
+          </a:prstGeom>
+          <a:noFill/>
+          <a:ln>
+            <a:noFill/>
+          </a:ln>
+          <a:effectLst/>
+          <a:extLst>
+            <a:ext uri="{909E8E84-426E-40DD-AFC4-6F175D3DCCD1}">
+              <a14:hiddenFill xmlns:a14="http://schemas.microsoft.com/office/drawing/2010/main">
+                <a:solidFill>
+                  <a:schemeClr val="accent1"/>
+                </a:solidFill>
+              </a14:hiddenFill>
+            </a:ext>
+            <a:ext uri="{91240B29-F687-4F45-9708-019B960494DF}">
+              <a14:hiddenLine xmlns:a14="http://schemas.microsoft.com/office/drawing/2010/main" w="9525">
+                <a:solidFill>
+                  <a:schemeClr val="tx1"/>
+                </a:solidFill>
+                <a:miter lim="800000"/>
+                <a:headEnd/>
+                <a:tailEnd/>
+              </a14:hiddenLine>
+            </a:ext>
+            <a:ext uri="{AF507438-7753-43E0-B8FC-AC1667EBCBE1}">
+              <a14:hiddenEffects xmlns:a14="http://schemas.microsoft.com/office/drawing/2010/main">
+                <a:effectLst>
+                  <a:outerShdw dist="35921" dir="2700000" algn="ctr" rotWithShape="0">
+                    <a:schemeClr val="bg2"/>
+                  </a:outerShdw>
+                </a:effectLst>
+              </a14:hiddenEffects>
+            </a:ext>
+          </a:extLst>
+        </p:spPr>
+        <p:txBody>
+          <a:bodyPr vert="horz" wrap="square" lIns="91440" tIns="45720" rIns="91440" bIns="45720" numCol="1" anchor="ctr" anchorCtr="0" compatLnSpc="1">
+            <a:prstTxWarp prst="textNoShape">
+              <a:avLst/>
+            </a:prstTxWarp>
+            <a:spAutoFit/>
+          </a:bodyPr>
+          <a:lstStyle/>
+          <a:p>
+            <a:pPr marL="0" marR="0" lvl="0" indent="0" algn="l" defTabSz="914400" rtl="0" eaLnBrk="0" fontAlgn="base" latinLnBrk="0" hangingPunct="0">
+              <a:lnSpc>
+                <a:spcPct val="100000"/>
+              </a:lnSpc>
+              <a:spcBef>
+                <a:spcPct val="0"/>
+              </a:spcBef>
+              <a:spcAft>
+                <a:spcPct val="0"/>
+              </a:spcAft>
+              <a:buClrTx/>
+              <a:buSzTx/>
+              <a:buFontTx/>
+              <a:buNone/>
+              <a:tabLst/>
+            </a:pPr>
+            <a:r>
+              <a:rPr kumimoji="0" lang="de-DE" altLang="de-DE" b="0" i="0" u="none" strike="noStrike" cap="none" normalizeH="0" baseline="0" dirty="0" smtClean="0">
+                <a:ln>
+                  <a:noFill/>
+                </a:ln>
+                <a:solidFill>
+                  <a:schemeClr val="tx1"/>
+                </a:solidFill>
+                <a:effectLst/>
+                <a:latin typeface="+mj-lt"/>
+              </a:rPr>
+              <a:t>Button[2,1</a:t>
+            </a:r>
+            <a:r>
+              <a:rPr kumimoji="0" lang="de-DE" altLang="de-DE" b="0" i="0" u="none" strike="noStrike" cap="none" normalizeH="0" baseline="0" dirty="0" smtClean="0">
+                <a:ln>
+                  <a:noFill/>
+                </a:ln>
+                <a:solidFill>
+                  <a:schemeClr val="tx1"/>
+                </a:solidFill>
+                <a:effectLst/>
+                <a:latin typeface="+mj-lt"/>
+              </a:rPr>
+              <a:t>] = 1;</a:t>
+            </a:r>
+          </a:p>
+          <a:p>
+            <a:pPr lvl="0" defTabSz="914400" eaLnBrk="0" fontAlgn="base" hangingPunct="0">
+              <a:spcBef>
+                <a:spcPct val="0"/>
+              </a:spcBef>
+              <a:spcAft>
+                <a:spcPct val="0"/>
+              </a:spcAft>
+            </a:pPr>
+            <a:r>
+              <a:rPr lang="de-DE" altLang="de-DE" dirty="0"/>
+              <a:t>Button</a:t>
+            </a:r>
+            <a:r>
+              <a:rPr kumimoji="0" lang="de-DE" altLang="de-DE" b="0" i="0" u="none" strike="noStrike" cap="none" normalizeH="0" baseline="0" dirty="0" smtClean="0">
+                <a:ln>
+                  <a:noFill/>
+                </a:ln>
+                <a:solidFill>
+                  <a:schemeClr val="tx1"/>
+                </a:solidFill>
+                <a:effectLst/>
+                <a:latin typeface="+mj-lt"/>
+              </a:rPr>
+              <a:t>[4,2</a:t>
+            </a:r>
+            <a:r>
+              <a:rPr kumimoji="0" lang="de-DE" altLang="de-DE" b="0" i="0" u="none" strike="noStrike" cap="none" normalizeH="0" baseline="0" dirty="0" smtClean="0">
+                <a:ln>
+                  <a:noFill/>
+                </a:ln>
+                <a:solidFill>
+                  <a:schemeClr val="tx1"/>
+                </a:solidFill>
+                <a:effectLst/>
+                <a:latin typeface="+mj-lt"/>
+              </a:rPr>
+              <a:t>] = 2;</a:t>
+            </a:r>
+          </a:p>
+          <a:p>
+            <a:pPr lvl="0" defTabSz="914400" eaLnBrk="0" fontAlgn="base" hangingPunct="0">
+              <a:spcBef>
+                <a:spcPct val="0"/>
+              </a:spcBef>
+              <a:spcAft>
+                <a:spcPct val="0"/>
+              </a:spcAft>
+            </a:pPr>
+            <a:r>
+              <a:rPr lang="de-DE" altLang="de-DE" dirty="0" smtClean="0"/>
+              <a:t>Button</a:t>
+            </a:r>
+            <a:r>
+              <a:rPr kumimoji="0" lang="de-DE" altLang="de-DE" b="0" i="0" u="none" strike="noStrike" cap="none" normalizeH="0" baseline="0" dirty="0" smtClean="0">
+                <a:ln>
+                  <a:noFill/>
+                </a:ln>
+                <a:solidFill>
+                  <a:schemeClr val="tx1"/>
+                </a:solidFill>
+                <a:effectLst/>
+                <a:latin typeface="+mj-lt"/>
+              </a:rPr>
+              <a:t>[3,5</a:t>
+            </a:r>
+            <a:r>
+              <a:rPr kumimoji="0" lang="de-DE" altLang="de-DE" b="0" i="0" u="none" strike="noStrike" cap="none" normalizeH="0" baseline="0" dirty="0" smtClean="0">
+                <a:ln>
+                  <a:noFill/>
+                </a:ln>
+                <a:solidFill>
+                  <a:schemeClr val="tx1"/>
+                </a:solidFill>
+                <a:effectLst/>
+                <a:latin typeface="+mj-lt"/>
+              </a:rPr>
+              <a:t>] = 3; </a:t>
+            </a:r>
+          </a:p>
+          <a:p>
+            <a:pPr lvl="0" defTabSz="914400" eaLnBrk="0" fontAlgn="base" hangingPunct="0">
+              <a:spcBef>
+                <a:spcPct val="0"/>
+              </a:spcBef>
+              <a:spcAft>
+                <a:spcPct val="0"/>
+              </a:spcAft>
+            </a:pPr>
+            <a:r>
+              <a:rPr lang="de-DE" altLang="de-DE" dirty="0" smtClean="0"/>
+              <a:t>Button</a:t>
+            </a:r>
+            <a:r>
+              <a:rPr kumimoji="0" lang="de-DE" altLang="de-DE" b="0" i="0" u="none" strike="noStrike" cap="none" normalizeH="0" baseline="0" dirty="0" smtClean="0">
+                <a:ln>
+                  <a:noFill/>
+                </a:ln>
+                <a:solidFill>
+                  <a:schemeClr val="tx1"/>
+                </a:solidFill>
+                <a:effectLst/>
+                <a:latin typeface="+mj-lt"/>
+              </a:rPr>
+              <a:t>[6,7</a:t>
+            </a:r>
+            <a:r>
+              <a:rPr kumimoji="0" lang="de-DE" altLang="de-DE" b="0" i="0" u="none" strike="noStrike" cap="none" normalizeH="0" baseline="0" dirty="0" smtClean="0">
+                <a:ln>
+                  <a:noFill/>
+                </a:ln>
+                <a:solidFill>
+                  <a:schemeClr val="tx1"/>
+                </a:solidFill>
+                <a:effectLst/>
+                <a:latin typeface="+mj-lt"/>
+              </a:rPr>
+              <a:t>] = 4; </a:t>
+            </a:r>
+          </a:p>
+        </p:txBody>
+      </p:sp>
+      <p:sp>
+        <p:nvSpPr>
+          <p:cNvPr id="12" name="Rechteck 11"/>
+          <p:cNvSpPr/>
+          <p:nvPr/>
+        </p:nvSpPr>
+        <p:spPr>
+          <a:xfrm>
+            <a:off x="5467877" y="3651012"/>
+            <a:ext cx="3352393" cy="369332"/>
+          </a:xfrm>
+          <a:prstGeom prst="rect">
+            <a:avLst/>
+          </a:prstGeom>
+        </p:spPr>
+        <p:txBody>
+          <a:bodyPr wrap="none">
+            <a:spAutoFit/>
+          </a:bodyPr>
+          <a:lstStyle/>
+          <a:p>
+            <a:r>
+              <a:rPr lang="en-US"/>
+              <a:t>Button[,] btn = new Button[30, 24];</a:t>
+            </a:r>
           </a:p>
         </p:txBody>
       </p:sp>
     </p:spTree>
     <p:extLst>
       <p:ext uri="{BB962C8B-B14F-4D97-AF65-F5344CB8AC3E}">
-        <p14:creationId xmlns:p14="http://schemas.microsoft.com/office/powerpoint/2010/main" val="850751111"/>
+        <p14:creationId xmlns:p14="http://schemas.microsoft.com/office/powerpoint/2010/main" val="2339369586"/>
       </p:ext>
     </p:extLst>
   </p:cSld>
   <p:clrMapOvr>
     <a:masterClrMapping/>
   </p:clrMapOvr>
+  <p:timing>
+    <p:tnLst>
+      <p:par>
+        <p:cTn id="1" dur="indefinite" restart="never" nodeType="tmRoot"/>
+      </p:par>
+    </p:tnLst>
+  </p:timing>
 </p:sld>
 </file>
 
@@ -13280,20 +13826,57 @@
           <a:bodyPr/>
           <a:lstStyle/>
           <a:p>
-            <a:endParaRPr lang="de-DE"/>
+            <a:r>
+              <a:rPr lang="de-DE" dirty="0" smtClean="0"/>
+              <a:t>Array mit unseren erstellten Button füllen. </a:t>
+            </a:r>
+          </a:p>
+          <a:p>
+            <a:endParaRPr lang="de-DE" dirty="0"/>
           </a:p>
         </p:txBody>
       </p:sp>
+      <p:pic>
+        <p:nvPicPr>
+          <p:cNvPr id="4" name="Grafik 3"/>
+          <p:cNvPicPr>
+            <a:picLocks noChangeAspect="1"/>
+          </p:cNvPicPr>
+          <p:nvPr/>
+        </p:nvPicPr>
+        <p:blipFill>
+          <a:blip r:embed="rId2"/>
+          <a:stretch>
+            <a:fillRect/>
+          </a:stretch>
+        </p:blipFill>
+        <p:spPr>
+          <a:xfrm>
+            <a:off x="1141411" y="2977356"/>
+            <a:ext cx="9932543" cy="2577283"/>
+          </a:xfrm>
+          <a:prstGeom prst="rect">
+            <a:avLst/>
+          </a:prstGeom>
+        </p:spPr>
+      </p:pic>
     </p:spTree>
     <p:extLst>
       <p:ext uri="{BB962C8B-B14F-4D97-AF65-F5344CB8AC3E}">
-        <p14:creationId xmlns:p14="http://schemas.microsoft.com/office/powerpoint/2010/main" val="3652049526"/>
+        <p14:creationId xmlns:p14="http://schemas.microsoft.com/office/powerpoint/2010/main" val="3727831768"/>
       </p:ext>
     </p:extLst>
   </p:cSld>
   <p:clrMapOvr>
     <a:masterClrMapping/>
   </p:clrMapOvr>
+  <p:timing>
+    <p:tnLst>
+      <p:par>
+        <p:cTn id="1" dur="indefinite" restart="never" nodeType="tmRoot"/>
+      </p:par>
+    </p:tnLst>
+  </p:timing>
 </p:sld>
 </file>
 
@@ -13795,7 +14378,15 @@
           <a:bodyPr/>
           <a:lstStyle/>
           <a:p>
-            <a:endParaRPr lang="de-DE"/>
+            <a:r>
+              <a:rPr lang="de-DE" dirty="0" err="1" smtClean="0"/>
+              <a:t>Restart</a:t>
+            </a:r>
+            <a:r>
+              <a:rPr lang="de-DE" dirty="0" smtClean="0"/>
+              <a:t> &amp; Spielmodus</a:t>
+            </a:r>
+            <a:endParaRPr lang="de-DE" dirty="0"/>
           </a:p>
         </p:txBody>
       </p:sp>
@@ -13827,13 +14418,20 @@
     </p:spTree>
     <p:extLst>
       <p:ext uri="{BB962C8B-B14F-4D97-AF65-F5344CB8AC3E}">
-        <p14:creationId xmlns:p14="http://schemas.microsoft.com/office/powerpoint/2010/main" val="2778974869"/>
+        <p14:creationId xmlns:p14="http://schemas.microsoft.com/office/powerpoint/2010/main" val="3220729925"/>
       </p:ext>
     </p:extLst>
   </p:cSld>
   <p:clrMapOvr>
     <a:masterClrMapping/>
   </p:clrMapOvr>
+  <p:timing>
+    <p:tnLst>
+      <p:par>
+        <p:cTn id="1" dur="indefinite" restart="never" nodeType="tmRoot"/>
+      </p:par>
+    </p:tnLst>
+  </p:timing>
 </p:sld>
 </file>
 

--- a/IT-Kurzprojekt.pptx
+++ b/IT-Kurzprojekt.pptx
@@ -5,7 +5,7 @@
     <p:sldMasterId id="2147483648" r:id="rId1"/>
   </p:sldMasterIdLst>
   <p:notesMasterIdLst>
-    <p:notesMasterId r:id="rId12"/>
+    <p:notesMasterId r:id="rId13"/>
   </p:notesMasterIdLst>
   <p:sldIdLst>
     <p:sldId id="256" r:id="rId2"/>
@@ -14,10 +14,11 @@
     <p:sldId id="259" r:id="rId5"/>
     <p:sldId id="260" r:id="rId6"/>
     <p:sldId id="261" r:id="rId7"/>
-    <p:sldId id="262" r:id="rId8"/>
-    <p:sldId id="268" r:id="rId9"/>
-    <p:sldId id="264" r:id="rId10"/>
-    <p:sldId id="269" r:id="rId11"/>
+    <p:sldId id="270" r:id="rId8"/>
+    <p:sldId id="262" r:id="rId9"/>
+    <p:sldId id="268" r:id="rId10"/>
+    <p:sldId id="264" r:id="rId11"/>
+    <p:sldId id="269" r:id="rId12"/>
   </p:sldIdLst>
   <p:sldSz cx="12192000" cy="6858000"/>
   <p:notesSz cx="6858000" cy="9144000"/>
@@ -606,15 +607,15 @@
               <a:buChar char="•"/>
             </a:pPr>
             <a:r>
-              <a:rPr lang="de-DE" dirty="0" smtClean="0"/>
+              <a:rPr lang="de-DE" dirty="0"/>
               <a:t>Um das 2 dimensionale Array</a:t>
             </a:r>
             <a:r>
-              <a:rPr lang="de-DE" baseline="0" dirty="0" smtClean="0"/>
+              <a:rPr lang="de-DE" baseline="0" dirty="0"/>
               <a:t> zu erklären stellen wir uns e</a:t>
             </a:r>
             <a:r>
-              <a:rPr lang="de-DE" dirty="0" smtClean="0"/>
+              <a:rPr lang="de-DE" dirty="0"/>
               <a:t>in Schachbrett hat 8 x 8 Felder, die wir mit einem zweidimensionalen Array darstellen können</a:t>
             </a:r>
           </a:p>
@@ -624,19 +625,19 @@
               <a:buChar char="•"/>
             </a:pPr>
             <a:r>
-              <a:rPr lang="de-DE" dirty="0" smtClean="0"/>
+              <a:rPr lang="de-DE" dirty="0"/>
               <a:t>Man kann sich das Brett wie ein Koordinatensystem vorstellen, wobei man mit dem ersten Index die Y-Achse und mit dem zweiten Index die X-Achse anspricht: </a:t>
             </a:r>
             <a:r>
-              <a:rPr lang="de-DE" b="1" dirty="0" err="1" smtClean="0"/>
+              <a:rPr lang="de-DE" b="1" dirty="0" err="1"/>
               <a:t>brett</a:t>
             </a:r>
             <a:r>
-              <a:rPr lang="de-DE" b="1" dirty="0" smtClean="0"/>
+              <a:rPr lang="de-DE" b="1" dirty="0"/>
               <a:t>[Y][X]</a:t>
             </a:r>
             <a:r>
-              <a:rPr lang="de-DE" dirty="0" smtClean="0"/>
+              <a:rPr lang="de-DE" dirty="0"/>
               <a:t>. </a:t>
             </a:r>
           </a:p>
@@ -646,15 +647,15 @@
               <a:buChar char="•"/>
             </a:pPr>
             <a:r>
-              <a:rPr lang="de-DE" dirty="0" smtClean="0"/>
+              <a:rPr lang="de-DE" dirty="0"/>
               <a:t>Die blauen Zahlen sollen Werte darstellen, diesen Stand erhalten wir mit folgendem Code. Man kann sich vorstellen, dass ein Wert einer bestimmten Spielfigur entspricht oder in</a:t>
             </a:r>
             <a:r>
-              <a:rPr lang="de-DE" baseline="0" dirty="0" smtClean="0"/>
+              <a:rPr lang="de-DE" baseline="0" dirty="0"/>
               <a:t> unserem Fall bomben </a:t>
             </a:r>
             <a:r>
-              <a:rPr lang="de-DE" dirty="0" smtClean="0"/>
+              <a:rPr lang="de-DE" dirty="0"/>
               <a:t>.</a:t>
             </a:r>
           </a:p>
@@ -751,15 +752,34 @@
           <a:p>
             <a:r>
               <a:rPr lang="de-DE" dirty="0"/>
-              <a:t>2 </a:t>
+              <a:t>2 FOR-Schleifen und 1 IF-Abfrage</a:t>
             </a:r>
-            <a:r>
-              <a:rPr lang="de-DE" dirty="0" err="1"/>
-              <a:t>for</a:t>
-            </a:r>
+          </a:p>
+          <a:p>
+            <a:pPr marL="228600" indent="-228600">
+              <a:buAutoNum type="arabicPeriod"/>
+            </a:pPr>
             <a:r>
               <a:rPr lang="de-DE" dirty="0"/>
-              <a:t> Schleifen </a:t>
+              <a:t>Beschreiben der Positionen</a:t>
+            </a:r>
+          </a:p>
+          <a:p>
+            <a:pPr marL="228600" indent="-228600">
+              <a:buAutoNum type="arabicPeriod"/>
+            </a:pPr>
+            <a:r>
+              <a:rPr lang="de-DE" dirty="0"/>
+              <a:t>Nochmals durchsuchen</a:t>
+            </a:r>
+          </a:p>
+          <a:p>
+            <a:pPr marL="0" indent="0">
+              <a:buNone/>
+            </a:pPr>
+            <a:r>
+              <a:rPr lang="de-DE" dirty="0"/>
+              <a:t>Abfrage ob Doppelbelegung wenn ja erneutes Beschreiben</a:t>
             </a:r>
           </a:p>
         </p:txBody>
@@ -844,7 +864,31 @@
           <a:bodyPr/>
           <a:lstStyle/>
           <a:p>
-            <a:endParaRPr lang="de-DE" dirty="0"/>
+            <a:pPr marL="228600" indent="-228600">
+              <a:buAutoNum type="arabicPeriod"/>
+            </a:pPr>
+            <a:r>
+              <a:rPr lang="de-DE" dirty="0"/>
+              <a:t>Begrenzen der Anzahl</a:t>
+            </a:r>
+          </a:p>
+          <a:p>
+            <a:pPr marL="228600" indent="-228600">
+              <a:buAutoNum type="arabicPeriod"/>
+            </a:pPr>
+            <a:r>
+              <a:rPr lang="de-DE" dirty="0"/>
+              <a:t>Bei rechtsklick IF-Abfrage</a:t>
+            </a:r>
+          </a:p>
+          <a:p>
+            <a:pPr marL="228600" indent="-228600">
+              <a:buAutoNum type="arabicPeriod"/>
+            </a:pPr>
+            <a:r>
+              <a:rPr lang="de-DE" dirty="0"/>
+              <a:t>Bei linksklick IF-Abfrage</a:t>
+            </a:r>
           </a:p>
         </p:txBody>
       </p:sp>
@@ -875,6 +919,93 @@
     <p:extLst>
       <p:ext uri="{BB962C8B-B14F-4D97-AF65-F5344CB8AC3E}">
         <p14:creationId xmlns:p14="http://schemas.microsoft.com/office/powerpoint/2010/main" val="1110518316"/>
+      </p:ext>
+    </p:extLst>
+  </p:cSld>
+  <p:clrMapOvr>
+    <a:masterClrMapping/>
+  </p:clrMapOvr>
+</p:notes>
+</file>
+
+<file path=ppt/notesSlides/notesSlide5.xml><?xml version="1.0" encoding="utf-8"?>
+<p:notes xmlns:a="http://schemas.openxmlformats.org/drawingml/2006/main" xmlns:r="http://schemas.openxmlformats.org/officeDocument/2006/relationships" xmlns:p="http://schemas.openxmlformats.org/presentationml/2006/main">
+  <p:cSld>
+    <p:spTree>
+      <p:nvGrpSpPr>
+        <p:cNvPr id="1" name=""/>
+        <p:cNvGrpSpPr/>
+        <p:nvPr/>
+      </p:nvGrpSpPr>
+      <p:grpSpPr>
+        <a:xfrm>
+          <a:off x="0" y="0"/>
+          <a:ext cx="0" cy="0"/>
+          <a:chOff x="0" y="0"/>
+          <a:chExt cx="0" cy="0"/>
+        </a:xfrm>
+      </p:grpSpPr>
+      <p:sp>
+        <p:nvSpPr>
+          <p:cNvPr id="2" name="Folienbildplatzhalter 1"/>
+          <p:cNvSpPr>
+            <a:spLocks noGrp="1" noRot="1" noChangeAspect="1"/>
+          </p:cNvSpPr>
+          <p:nvPr>
+            <p:ph type="sldImg"/>
+          </p:nvPr>
+        </p:nvSpPr>
+        <p:spPr/>
+      </p:sp>
+      <p:sp>
+        <p:nvSpPr>
+          <p:cNvPr id="3" name="Notizenplatzhalter 2"/>
+          <p:cNvSpPr>
+            <a:spLocks noGrp="1"/>
+          </p:cNvSpPr>
+          <p:nvPr>
+            <p:ph type="body" idx="1"/>
+          </p:nvPr>
+        </p:nvSpPr>
+        <p:spPr/>
+        <p:txBody>
+          <a:bodyPr/>
+          <a:lstStyle/>
+          <a:p>
+            <a:r>
+              <a:rPr lang="de-DE" dirty="0"/>
+              <a:t>Wenn Klick eine Bombe erfasst</a:t>
+            </a:r>
+          </a:p>
+        </p:txBody>
+      </p:sp>
+      <p:sp>
+        <p:nvSpPr>
+          <p:cNvPr id="4" name="Foliennummernplatzhalter 3"/>
+          <p:cNvSpPr>
+            <a:spLocks noGrp="1"/>
+          </p:cNvSpPr>
+          <p:nvPr>
+            <p:ph type="sldNum" sz="quarter" idx="5"/>
+          </p:nvPr>
+        </p:nvSpPr>
+        <p:spPr/>
+        <p:txBody>
+          <a:bodyPr/>
+          <a:lstStyle/>
+          <a:p>
+            <a:fld id="{26A06B9A-17B0-4B04-8AC6-E23EA5A58D8C}" type="slidenum">
+              <a:rPr lang="de-DE" smtClean="0"/>
+              <a:t>7</a:t>
+            </a:fld>
+            <a:endParaRPr lang="de-DE"/>
+          </a:p>
+        </p:txBody>
+      </p:sp>
+    </p:spTree>
+    <p:extLst>
+      <p:ext uri="{BB962C8B-B14F-4D97-AF65-F5344CB8AC3E}">
+        <p14:creationId xmlns:p14="http://schemas.microsoft.com/office/powerpoint/2010/main" val="1454262692"/>
       </p:ext>
     </p:extLst>
   </p:cSld>
@@ -941,7 +1072,7 @@
           <a:noFill/>
           <a:extLst>
             <a:ext uri="{909E8E84-426E-40dd-AFC4-6F175D3DCCD1}">
-              <a14:hiddenFill xmlns:a14="http://schemas.microsoft.com/office/drawing/2010/main" xmlns="">
+              <a14:hiddenFill xmlns="" xmlns:a14="http://schemas.microsoft.com/office/drawing/2010/main">
                 <a:solidFill>
                   <a:srgbClr val="FFFFFF"/>
                 </a:solidFill>
@@ -1000,7 +1131,7 @@
             </a:ln>
             <a:extLst>
               <a:ext uri="{91240B29-F687-4f45-9708-019B960494DF}">
-                <a14:hiddenLine xmlns:a14="http://schemas.microsoft.com/office/drawing/2010/main" xmlns="" w="9525">
+                <a14:hiddenLine xmlns="" xmlns:a14="http://schemas.microsoft.com/office/drawing/2010/main" w="9525">
                   <a:solidFill>
                     <a:srgbClr val="000000"/>
                   </a:solidFill>
@@ -1090,7 +1221,7 @@
             </a:ln>
             <a:extLst>
               <a:ext uri="{91240B29-F687-4f45-9708-019B960494DF}">
-                <a14:hiddenLine xmlns:a14="http://schemas.microsoft.com/office/drawing/2010/main" xmlns="" w="9525">
+                <a14:hiddenLine xmlns="" xmlns:a14="http://schemas.microsoft.com/office/drawing/2010/main" w="9525">
                   <a:solidFill>
                     <a:srgbClr val="000000"/>
                   </a:solidFill>
@@ -1180,7 +1311,7 @@
             </a:ln>
             <a:extLst>
               <a:ext uri="{91240B29-F687-4f45-9708-019B960494DF}">
-                <a14:hiddenLine xmlns:a14="http://schemas.microsoft.com/office/drawing/2010/main" xmlns="" w="9525">
+                <a14:hiddenLine xmlns="" xmlns:a14="http://schemas.microsoft.com/office/drawing/2010/main" w="9525">
                   <a:solidFill>
                     <a:srgbClr val="000000"/>
                   </a:solidFill>
@@ -1214,7 +1345,7 @@
             </a:ln>
             <a:extLst>
               <a:ext uri="{91240B29-F687-4f45-9708-019B960494DF}">
-                <a14:hiddenLine xmlns:a14="http://schemas.microsoft.com/office/drawing/2010/main" xmlns="" w="9525">
+                <a14:hiddenLine xmlns="" xmlns:a14="http://schemas.microsoft.com/office/drawing/2010/main" w="9525">
                   <a:solidFill>
                     <a:srgbClr val="000000"/>
                   </a:solidFill>
@@ -1304,7 +1435,7 @@
             </a:ln>
             <a:extLst>
               <a:ext uri="{91240B29-F687-4f45-9708-019B960494DF}">
-                <a14:hiddenLine xmlns:a14="http://schemas.microsoft.com/office/drawing/2010/main" xmlns="" w="9525">
+                <a14:hiddenLine xmlns="" xmlns:a14="http://schemas.microsoft.com/office/drawing/2010/main" w="9525">
                   <a:solidFill>
                     <a:srgbClr val="000000"/>
                   </a:solidFill>
@@ -1366,7 +1497,7 @@
             </a:ln>
             <a:extLst>
               <a:ext uri="{91240B29-F687-4f45-9708-019B960494DF}">
-                <a14:hiddenLine xmlns:a14="http://schemas.microsoft.com/office/drawing/2010/main" xmlns="" w="9525">
+                <a14:hiddenLine xmlns="" xmlns:a14="http://schemas.microsoft.com/office/drawing/2010/main" w="9525">
                   <a:solidFill>
                     <a:srgbClr val="000000"/>
                   </a:solidFill>
@@ -1428,7 +1559,7 @@
             </a:ln>
             <a:extLst>
               <a:ext uri="{91240B29-F687-4f45-9708-019B960494DF}">
-                <a14:hiddenLine xmlns:a14="http://schemas.microsoft.com/office/drawing/2010/main" xmlns="" w="9525">
+                <a14:hiddenLine xmlns="" xmlns:a14="http://schemas.microsoft.com/office/drawing/2010/main" w="9525">
                   <a:solidFill>
                     <a:srgbClr val="000000"/>
                   </a:solidFill>
@@ -1518,7 +1649,7 @@
             </a:ln>
             <a:extLst>
               <a:ext uri="{91240B29-F687-4f45-9708-019B960494DF}">
-                <a14:hiddenLine xmlns:a14="http://schemas.microsoft.com/office/drawing/2010/main" xmlns="" w="9525">
+                <a14:hiddenLine xmlns="" xmlns:a14="http://schemas.microsoft.com/office/drawing/2010/main" w="9525">
                   <a:solidFill>
                     <a:srgbClr val="000000"/>
                   </a:solidFill>
@@ -1580,7 +1711,7 @@
             </a:ln>
             <a:extLst>
               <a:ext uri="{91240B29-F687-4f45-9708-019B960494DF}">
-                <a14:hiddenLine xmlns:a14="http://schemas.microsoft.com/office/drawing/2010/main" xmlns="" w="9525">
+                <a14:hiddenLine xmlns="" xmlns:a14="http://schemas.microsoft.com/office/drawing/2010/main" w="9525">
                   <a:solidFill>
                     <a:srgbClr val="000000"/>
                   </a:solidFill>
@@ -1642,7 +1773,7 @@
             </a:ln>
             <a:extLst>
               <a:ext uri="{91240B29-F687-4f45-9708-019B960494DF}">
-                <a14:hiddenLine xmlns:a14="http://schemas.microsoft.com/office/drawing/2010/main" xmlns="" w="9525">
+                <a14:hiddenLine xmlns="" xmlns:a14="http://schemas.microsoft.com/office/drawing/2010/main" w="9525">
                   <a:solidFill>
                     <a:srgbClr val="000000"/>
                   </a:solidFill>
@@ -1732,7 +1863,7 @@
             </a:ln>
             <a:extLst>
               <a:ext uri="{91240B29-F687-4f45-9708-019B960494DF}">
-                <a14:hiddenLine xmlns:a14="http://schemas.microsoft.com/office/drawing/2010/main" xmlns="" w="9525">
+                <a14:hiddenLine xmlns="" xmlns:a14="http://schemas.microsoft.com/office/drawing/2010/main" w="9525">
                   <a:solidFill>
                     <a:srgbClr val="000000"/>
                   </a:solidFill>
@@ -1822,7 +1953,7 @@
             </a:ln>
             <a:extLst>
               <a:ext uri="{91240B29-F687-4f45-9708-019B960494DF}">
-                <a14:hiddenLine xmlns:a14="http://schemas.microsoft.com/office/drawing/2010/main" xmlns="" w="9525">
+                <a14:hiddenLine xmlns="" xmlns:a14="http://schemas.microsoft.com/office/drawing/2010/main" w="9525">
                   <a:solidFill>
                     <a:srgbClr val="000000"/>
                   </a:solidFill>
@@ -1884,7 +2015,7 @@
             </a:ln>
             <a:extLst>
               <a:ext uri="{91240B29-F687-4f45-9708-019B960494DF}">
-                <a14:hiddenLine xmlns:a14="http://schemas.microsoft.com/office/drawing/2010/main" xmlns="" w="9525">
+                <a14:hiddenLine xmlns="" xmlns:a14="http://schemas.microsoft.com/office/drawing/2010/main" w="9525">
                   <a:solidFill>
                     <a:srgbClr val="000000"/>
                   </a:solidFill>
@@ -1994,7 +2125,7 @@
             </a:ln>
             <a:extLst>
               <a:ext uri="{91240B29-F687-4f45-9708-019B960494DF}">
-                <a14:hiddenLine xmlns:a14="http://schemas.microsoft.com/office/drawing/2010/main" xmlns="" w="9525">
+                <a14:hiddenLine xmlns="" xmlns:a14="http://schemas.microsoft.com/office/drawing/2010/main" w="9525">
                   <a:solidFill>
                     <a:srgbClr val="000000"/>
                   </a:solidFill>
@@ -2056,7 +2187,7 @@
             </a:ln>
             <a:extLst>
               <a:ext uri="{91240B29-F687-4f45-9708-019B960494DF}">
-                <a14:hiddenLine xmlns:a14="http://schemas.microsoft.com/office/drawing/2010/main" xmlns="" w="9525">
+                <a14:hiddenLine xmlns="" xmlns:a14="http://schemas.microsoft.com/office/drawing/2010/main" w="9525">
                   <a:solidFill>
                     <a:srgbClr val="000000"/>
                   </a:solidFill>
@@ -2146,7 +2277,7 @@
             </a:ln>
             <a:extLst>
               <a:ext uri="{91240B29-F687-4f45-9708-019B960494DF}">
-                <a14:hiddenLine xmlns:a14="http://schemas.microsoft.com/office/drawing/2010/main" xmlns="" w="9525">
+                <a14:hiddenLine xmlns="" xmlns:a14="http://schemas.microsoft.com/office/drawing/2010/main" w="9525">
                   <a:solidFill>
                     <a:srgbClr val="000000"/>
                   </a:solidFill>
@@ -2236,7 +2367,7 @@
             </a:ln>
             <a:extLst>
               <a:ext uri="{91240B29-F687-4f45-9708-019B960494DF}">
-                <a14:hiddenLine xmlns:a14="http://schemas.microsoft.com/office/drawing/2010/main" xmlns="" w="9525">
+                <a14:hiddenLine xmlns="" xmlns:a14="http://schemas.microsoft.com/office/drawing/2010/main" w="9525">
                   <a:solidFill>
                     <a:srgbClr val="000000"/>
                   </a:solidFill>
@@ -2298,7 +2429,7 @@
             </a:ln>
             <a:extLst>
               <a:ext uri="{91240B29-F687-4f45-9708-019B960494DF}">
-                <a14:hiddenLine xmlns:a14="http://schemas.microsoft.com/office/drawing/2010/main" xmlns="" w="9525">
+                <a14:hiddenLine xmlns="" xmlns:a14="http://schemas.microsoft.com/office/drawing/2010/main" w="9525">
                   <a:solidFill>
                     <a:srgbClr val="000000"/>
                   </a:solidFill>
@@ -2388,7 +2519,7 @@
             </a:ln>
             <a:extLst>
               <a:ext uri="{91240B29-F687-4f45-9708-019B960494DF}">
-                <a14:hiddenLine xmlns:a14="http://schemas.microsoft.com/office/drawing/2010/main" xmlns="" w="9525">
+                <a14:hiddenLine xmlns="" xmlns:a14="http://schemas.microsoft.com/office/drawing/2010/main" w="9525">
                   <a:solidFill>
                     <a:srgbClr val="000000"/>
                   </a:solidFill>
@@ -2478,7 +2609,7 @@
             </a:ln>
             <a:extLst>
               <a:ext uri="{91240B29-F687-4f45-9708-019B960494DF}">
-                <a14:hiddenLine xmlns:a14="http://schemas.microsoft.com/office/drawing/2010/main" xmlns="" w="9525">
+                <a14:hiddenLine xmlns="" xmlns:a14="http://schemas.microsoft.com/office/drawing/2010/main" w="9525">
                   <a:solidFill>
                     <a:srgbClr val="000000"/>
                   </a:solidFill>
@@ -2534,7 +2665,7 @@
             </a:ln>
             <a:extLst>
               <a:ext uri="{91240B29-F687-4f45-9708-019B960494DF}">
-                <a14:hiddenLine xmlns:a14="http://schemas.microsoft.com/office/drawing/2010/main" xmlns="" w="9525">
+                <a14:hiddenLine xmlns="" xmlns:a14="http://schemas.microsoft.com/office/drawing/2010/main" w="9525">
                   <a:solidFill>
                     <a:srgbClr val="000000"/>
                   </a:solidFill>
@@ -2624,7 +2755,7 @@
             </a:ln>
             <a:extLst>
               <a:ext uri="{91240B29-F687-4f45-9708-019B960494DF}">
-                <a14:hiddenLine xmlns:a14="http://schemas.microsoft.com/office/drawing/2010/main" xmlns="" w="9525">
+                <a14:hiddenLine xmlns="" xmlns:a14="http://schemas.microsoft.com/office/drawing/2010/main" w="9525">
                   <a:solidFill>
                     <a:srgbClr val="000000"/>
                   </a:solidFill>
@@ -2680,7 +2811,7 @@
             </a:ln>
             <a:extLst>
               <a:ext uri="{91240B29-F687-4f45-9708-019B960494DF}">
-                <a14:hiddenLine xmlns:a14="http://schemas.microsoft.com/office/drawing/2010/main" xmlns="" w="9525">
+                <a14:hiddenLine xmlns="" xmlns:a14="http://schemas.microsoft.com/office/drawing/2010/main" w="9525">
                   <a:solidFill>
                     <a:srgbClr val="000000"/>
                   </a:solidFill>
@@ -2770,7 +2901,7 @@
             </a:ln>
             <a:extLst>
               <a:ext uri="{91240B29-F687-4f45-9708-019B960494DF}">
-                <a14:hiddenLine xmlns:a14="http://schemas.microsoft.com/office/drawing/2010/main" xmlns="" w="9525">
+                <a14:hiddenLine xmlns="" xmlns:a14="http://schemas.microsoft.com/office/drawing/2010/main" w="9525">
                   <a:solidFill>
                     <a:srgbClr val="000000"/>
                   </a:solidFill>
@@ -2838,7 +2969,7 @@
             </a:ln>
             <a:extLst>
               <a:ext uri="{91240B29-F687-4f45-9708-019B960494DF}">
-                <a14:hiddenLine xmlns:a14="http://schemas.microsoft.com/office/drawing/2010/main" xmlns="" w="9525">
+                <a14:hiddenLine xmlns="" xmlns:a14="http://schemas.microsoft.com/office/drawing/2010/main" w="9525">
                   <a:solidFill>
                     <a:srgbClr val="000000"/>
                   </a:solidFill>
@@ -2928,7 +3059,7 @@
             </a:ln>
             <a:extLst>
               <a:ext uri="{91240B29-F687-4f45-9708-019B960494DF}">
-                <a14:hiddenLine xmlns:a14="http://schemas.microsoft.com/office/drawing/2010/main" xmlns="" w="9525">
+                <a14:hiddenLine xmlns="" xmlns:a14="http://schemas.microsoft.com/office/drawing/2010/main" w="9525">
                   <a:solidFill>
                     <a:srgbClr val="000000"/>
                   </a:solidFill>
@@ -2996,7 +3127,7 @@
             </a:ln>
             <a:extLst>
               <a:ext uri="{91240B29-F687-4f45-9708-019B960494DF}">
-                <a14:hiddenLine xmlns:a14="http://schemas.microsoft.com/office/drawing/2010/main" xmlns="" w="9525">
+                <a14:hiddenLine xmlns="" xmlns:a14="http://schemas.microsoft.com/office/drawing/2010/main" w="9525">
                   <a:solidFill>
                     <a:srgbClr val="000000"/>
                   </a:solidFill>
@@ -3086,7 +3217,7 @@
             </a:ln>
             <a:extLst>
               <a:ext uri="{91240B29-F687-4f45-9708-019B960494DF}">
-                <a14:hiddenLine xmlns:a14="http://schemas.microsoft.com/office/drawing/2010/main" xmlns="" w="9525">
+                <a14:hiddenLine xmlns="" xmlns:a14="http://schemas.microsoft.com/office/drawing/2010/main" w="9525">
                   <a:solidFill>
                     <a:srgbClr val="000000"/>
                   </a:solidFill>
@@ -3120,7 +3251,7 @@
             </a:ln>
             <a:extLst>
               <a:ext uri="{91240B29-F687-4f45-9708-019B960494DF}">
-                <a14:hiddenLine xmlns:a14="http://schemas.microsoft.com/office/drawing/2010/main" xmlns="" w="9525">
+                <a14:hiddenLine xmlns="" xmlns:a14="http://schemas.microsoft.com/office/drawing/2010/main" w="9525">
                   <a:solidFill>
                     <a:srgbClr val="000000"/>
                   </a:solidFill>
@@ -3210,7 +3341,7 @@
             </a:ln>
             <a:extLst>
               <a:ext uri="{91240B29-F687-4f45-9708-019B960494DF}">
-                <a14:hiddenLine xmlns:a14="http://schemas.microsoft.com/office/drawing/2010/main" xmlns="" w="9525">
+                <a14:hiddenLine xmlns="" xmlns:a14="http://schemas.microsoft.com/office/drawing/2010/main" w="9525">
                   <a:solidFill>
                     <a:srgbClr val="000000"/>
                   </a:solidFill>
@@ -3272,7 +3403,7 @@
             </a:ln>
             <a:extLst>
               <a:ext uri="{91240B29-F687-4f45-9708-019B960494DF}">
-                <a14:hiddenLine xmlns:a14="http://schemas.microsoft.com/office/drawing/2010/main" xmlns="" w="9525">
+                <a14:hiddenLine xmlns="" xmlns:a14="http://schemas.microsoft.com/office/drawing/2010/main" w="9525">
                   <a:solidFill>
                     <a:srgbClr val="000000"/>
                   </a:solidFill>
@@ -3334,7 +3465,7 @@
             </a:ln>
             <a:extLst>
               <a:ext uri="{91240B29-F687-4f45-9708-019B960494DF}">
-                <a14:hiddenLine xmlns:a14="http://schemas.microsoft.com/office/drawing/2010/main" xmlns="" w="9525">
+                <a14:hiddenLine xmlns="" xmlns:a14="http://schemas.microsoft.com/office/drawing/2010/main" w="9525">
                   <a:solidFill>
                     <a:srgbClr val="000000"/>
                   </a:solidFill>
@@ -3424,7 +3555,7 @@
             </a:ln>
             <a:extLst>
               <a:ext uri="{91240B29-F687-4f45-9708-019B960494DF}">
-                <a14:hiddenLine xmlns:a14="http://schemas.microsoft.com/office/drawing/2010/main" xmlns="" w="9525">
+                <a14:hiddenLine xmlns="" xmlns:a14="http://schemas.microsoft.com/office/drawing/2010/main" w="9525">
                   <a:solidFill>
                     <a:srgbClr val="000000"/>
                   </a:solidFill>
@@ -3492,7 +3623,7 @@
             </a:ln>
             <a:extLst>
               <a:ext uri="{91240B29-F687-4f45-9708-019B960494DF}">
-                <a14:hiddenLine xmlns:a14="http://schemas.microsoft.com/office/drawing/2010/main" xmlns="" w="9525">
+                <a14:hiddenLine xmlns="" xmlns:a14="http://schemas.microsoft.com/office/drawing/2010/main" w="9525">
                   <a:solidFill>
                     <a:srgbClr val="000000"/>
                   </a:solidFill>
@@ -3554,7 +3685,7 @@
             </a:ln>
             <a:extLst>
               <a:ext uri="{91240B29-F687-4f45-9708-019B960494DF}">
-                <a14:hiddenLine xmlns:a14="http://schemas.microsoft.com/office/drawing/2010/main" xmlns="" w="9525">
+                <a14:hiddenLine xmlns="" xmlns:a14="http://schemas.microsoft.com/office/drawing/2010/main" w="9525">
                   <a:solidFill>
                     <a:srgbClr val="000000"/>
                   </a:solidFill>
@@ -3644,7 +3775,7 @@
             </a:ln>
             <a:extLst>
               <a:ext uri="{91240B29-F687-4f45-9708-019B960494DF}">
-                <a14:hiddenLine xmlns:a14="http://schemas.microsoft.com/office/drawing/2010/main" xmlns="" w="9525">
+                <a14:hiddenLine xmlns="" xmlns:a14="http://schemas.microsoft.com/office/drawing/2010/main" w="9525">
                   <a:solidFill>
                     <a:srgbClr val="000000"/>
                   </a:solidFill>
@@ -3706,7 +3837,7 @@
             </a:ln>
             <a:extLst>
               <a:ext uri="{91240B29-F687-4f45-9708-019B960494DF}">
-                <a14:hiddenLine xmlns:a14="http://schemas.microsoft.com/office/drawing/2010/main" xmlns="" w="9525">
+                <a14:hiddenLine xmlns="" xmlns:a14="http://schemas.microsoft.com/office/drawing/2010/main" w="9525">
                   <a:solidFill>
                     <a:srgbClr val="000000"/>
                   </a:solidFill>
@@ -3796,7 +3927,7 @@
             </a:ln>
             <a:extLst>
               <a:ext uri="{91240B29-F687-4f45-9708-019B960494DF}">
-                <a14:hiddenLine xmlns:a14="http://schemas.microsoft.com/office/drawing/2010/main" xmlns="" w="9525">
+                <a14:hiddenLine xmlns="" xmlns:a14="http://schemas.microsoft.com/office/drawing/2010/main" w="9525">
                   <a:solidFill>
                     <a:srgbClr val="000000"/>
                   </a:solidFill>
@@ -3858,7 +3989,7 @@
             </a:ln>
             <a:extLst>
               <a:ext uri="{91240B29-F687-4f45-9708-019B960494DF}">
-                <a14:hiddenLine xmlns:a14="http://schemas.microsoft.com/office/drawing/2010/main" xmlns="" w="9525">
+                <a14:hiddenLine xmlns="" xmlns:a14="http://schemas.microsoft.com/office/drawing/2010/main" w="9525">
                   <a:solidFill>
                     <a:srgbClr val="000000"/>
                   </a:solidFill>
@@ -3948,7 +4079,7 @@
             </a:ln>
             <a:extLst>
               <a:ext uri="{91240B29-F687-4f45-9708-019B960494DF}">
-                <a14:hiddenLine xmlns:a14="http://schemas.microsoft.com/office/drawing/2010/main" xmlns="" w="9525">
+                <a14:hiddenLine xmlns="" xmlns:a14="http://schemas.microsoft.com/office/drawing/2010/main" w="9525">
                   <a:solidFill>
                     <a:srgbClr val="000000"/>
                   </a:solidFill>
@@ -3982,7 +4113,7 @@
             </a:ln>
             <a:extLst>
               <a:ext uri="{91240B29-F687-4f45-9708-019B960494DF}">
-                <a14:hiddenLine xmlns:a14="http://schemas.microsoft.com/office/drawing/2010/main" xmlns="" w="9525">
+                <a14:hiddenLine xmlns="" xmlns:a14="http://schemas.microsoft.com/office/drawing/2010/main" w="9525">
                   <a:solidFill>
                     <a:srgbClr val="000000"/>
                   </a:solidFill>
@@ -4047,7 +4178,7 @@
             </a:ln>
             <a:extLst>
               <a:ext uri="{91240B29-F687-4f45-9708-019B960494DF}">
-                <a14:hiddenLine xmlns:a14="http://schemas.microsoft.com/office/drawing/2010/main" xmlns="" w="9525">
+                <a14:hiddenLine xmlns="" xmlns:a14="http://schemas.microsoft.com/office/drawing/2010/main" w="9525">
                   <a:solidFill>
                     <a:srgbClr val="000000"/>
                   </a:solidFill>
@@ -4137,7 +4268,7 @@
             </a:ln>
             <a:extLst>
               <a:ext uri="{91240B29-F687-4f45-9708-019B960494DF}">
-                <a14:hiddenLine xmlns:a14="http://schemas.microsoft.com/office/drawing/2010/main" xmlns="" w="9525">
+                <a14:hiddenLine xmlns="" xmlns:a14="http://schemas.microsoft.com/office/drawing/2010/main" w="9525">
                   <a:solidFill>
                     <a:srgbClr val="000000"/>
                   </a:solidFill>
@@ -4199,7 +4330,7 @@
             </a:ln>
             <a:extLst>
               <a:ext uri="{91240B29-F687-4f45-9708-019B960494DF}">
-                <a14:hiddenLine xmlns:a14="http://schemas.microsoft.com/office/drawing/2010/main" xmlns="" w="9525">
+                <a14:hiddenLine xmlns="" xmlns:a14="http://schemas.microsoft.com/office/drawing/2010/main" w="9525">
                   <a:solidFill>
                     <a:srgbClr val="000000"/>
                   </a:solidFill>
@@ -4289,7 +4420,7 @@
             </a:ln>
             <a:extLst>
               <a:ext uri="{91240B29-F687-4f45-9708-019B960494DF}">
-                <a14:hiddenLine xmlns:a14="http://schemas.microsoft.com/office/drawing/2010/main" xmlns="" w="9525">
+                <a14:hiddenLine xmlns="" xmlns:a14="http://schemas.microsoft.com/office/drawing/2010/main" w="9525">
                   <a:solidFill>
                     <a:srgbClr val="000000"/>
                   </a:solidFill>
@@ -4379,7 +4510,7 @@
             </a:ln>
             <a:extLst>
               <a:ext uri="{91240B29-F687-4f45-9708-019B960494DF}">
-                <a14:hiddenLine xmlns:a14="http://schemas.microsoft.com/office/drawing/2010/main" xmlns="" w="9525">
+                <a14:hiddenLine xmlns="" xmlns:a14="http://schemas.microsoft.com/office/drawing/2010/main" w="9525">
                   <a:solidFill>
                     <a:srgbClr val="000000"/>
                   </a:solidFill>
@@ -4444,7 +4575,7 @@
             </a:ln>
             <a:extLst>
               <a:ext uri="{91240B29-F687-4f45-9708-019B960494DF}">
-                <a14:hiddenLine xmlns:a14="http://schemas.microsoft.com/office/drawing/2010/main" xmlns="" w="9525">
+                <a14:hiddenLine xmlns="" xmlns:a14="http://schemas.microsoft.com/office/drawing/2010/main" w="9525">
                   <a:solidFill>
                     <a:srgbClr val="000000"/>
                   </a:solidFill>
@@ -4506,7 +4637,7 @@
             </a:ln>
             <a:extLst>
               <a:ext uri="{91240B29-F687-4f45-9708-019B960494DF}">
-                <a14:hiddenLine xmlns:a14="http://schemas.microsoft.com/office/drawing/2010/main" xmlns="" w="9525">
+                <a14:hiddenLine xmlns="" xmlns:a14="http://schemas.microsoft.com/office/drawing/2010/main" w="9525">
                   <a:solidFill>
                     <a:srgbClr val="000000"/>
                   </a:solidFill>
@@ -4596,7 +4727,7 @@
             </a:ln>
             <a:extLst>
               <a:ext uri="{91240B29-F687-4f45-9708-019B960494DF}">
-                <a14:hiddenLine xmlns:a14="http://schemas.microsoft.com/office/drawing/2010/main" xmlns="" w="9525">
+                <a14:hiddenLine xmlns="" xmlns:a14="http://schemas.microsoft.com/office/drawing/2010/main" w="9525">
                   <a:solidFill>
                     <a:srgbClr val="000000"/>
                   </a:solidFill>
@@ -4686,7 +4817,7 @@
             </a:ln>
             <a:extLst>
               <a:ext uri="{91240B29-F687-4f45-9708-019B960494DF}">
-                <a14:hiddenLine xmlns:a14="http://schemas.microsoft.com/office/drawing/2010/main" xmlns="" w="9525">
+                <a14:hiddenLine xmlns="" xmlns:a14="http://schemas.microsoft.com/office/drawing/2010/main" w="9525">
                   <a:solidFill>
                     <a:srgbClr val="000000"/>
                   </a:solidFill>
@@ -4748,7 +4879,7 @@
             </a:ln>
             <a:extLst>
               <a:ext uri="{91240B29-F687-4f45-9708-019B960494DF}">
-                <a14:hiddenLine xmlns:a14="http://schemas.microsoft.com/office/drawing/2010/main" xmlns="" w="9525">
+                <a14:hiddenLine xmlns="" xmlns:a14="http://schemas.microsoft.com/office/drawing/2010/main" w="9525">
                   <a:solidFill>
                     <a:srgbClr val="000000"/>
                   </a:solidFill>
@@ -4868,7 +4999,7 @@
             </a:ln>
             <a:extLst>
               <a:ext uri="{91240B29-F687-4f45-9708-019B960494DF}">
-                <a14:hiddenLine xmlns:a14="http://schemas.microsoft.com/office/drawing/2010/main" xmlns="" w="9525">
+                <a14:hiddenLine xmlns="" xmlns:a14="http://schemas.microsoft.com/office/drawing/2010/main" w="9525">
                   <a:solidFill>
                     <a:srgbClr val="000000"/>
                   </a:solidFill>
@@ -4936,7 +5067,7 @@
             </a:ln>
             <a:extLst>
               <a:ext uri="{91240B29-F687-4f45-9708-019B960494DF}">
-                <a14:hiddenLine xmlns:a14="http://schemas.microsoft.com/office/drawing/2010/main" xmlns="" w="9525">
+                <a14:hiddenLine xmlns="" xmlns:a14="http://schemas.microsoft.com/office/drawing/2010/main" w="9525">
                   <a:solidFill>
                     <a:srgbClr val="000000"/>
                   </a:solidFill>
@@ -5026,7 +5157,7 @@
             </a:ln>
             <a:extLst>
               <a:ext uri="{91240B29-F687-4f45-9708-019B960494DF}">
-                <a14:hiddenLine xmlns:a14="http://schemas.microsoft.com/office/drawing/2010/main" xmlns="" w="9525">
+                <a14:hiddenLine xmlns="" xmlns:a14="http://schemas.microsoft.com/office/drawing/2010/main" w="9525">
                   <a:solidFill>
                     <a:srgbClr val="000000"/>
                   </a:solidFill>
@@ -9755,7 +9886,7 @@
           <a:noFill/>
           <a:extLst>
             <a:ext uri="{909E8E84-426E-40dd-AFC4-6F175D3DCCD1}">
-              <a14:hiddenFill xmlns:a14="http://schemas.microsoft.com/office/drawing/2010/main" xmlns="">
+              <a14:hiddenFill xmlns="" xmlns:a14="http://schemas.microsoft.com/office/drawing/2010/main">
                 <a:solidFill>
                   <a:srgbClr val="FFFFFF"/>
                 </a:solidFill>
@@ -9829,7 +9960,7 @@
               </a:ln>
               <a:extLst>
                 <a:ext uri="{91240B29-F687-4f45-9708-019B960494DF}">
-                  <a14:hiddenLine xmlns:a14="http://schemas.microsoft.com/office/drawing/2010/main" xmlns="" w="9525">
+                  <a14:hiddenLine xmlns="" xmlns:a14="http://schemas.microsoft.com/office/drawing/2010/main" w="9525">
                     <a:solidFill>
                       <a:srgbClr val="000000"/>
                     </a:solidFill>
@@ -9919,7 +10050,7 @@
               </a:ln>
               <a:extLst>
                 <a:ext uri="{91240B29-F687-4f45-9708-019B960494DF}">
-                  <a14:hiddenLine xmlns:a14="http://schemas.microsoft.com/office/drawing/2010/main" xmlns="" w="9525">
+                  <a14:hiddenLine xmlns="" xmlns:a14="http://schemas.microsoft.com/office/drawing/2010/main" w="9525">
                     <a:solidFill>
                       <a:srgbClr val="000000"/>
                     </a:solidFill>
@@ -10009,7 +10140,7 @@
               </a:ln>
               <a:extLst>
                 <a:ext uri="{91240B29-F687-4f45-9708-019B960494DF}">
-                  <a14:hiddenLine xmlns:a14="http://schemas.microsoft.com/office/drawing/2010/main" xmlns="" w="9525">
+                  <a14:hiddenLine xmlns="" xmlns:a14="http://schemas.microsoft.com/office/drawing/2010/main" w="9525">
                     <a:solidFill>
                       <a:srgbClr val="000000"/>
                     </a:solidFill>
@@ -10071,7 +10202,7 @@
               </a:ln>
               <a:extLst>
                 <a:ext uri="{91240B29-F687-4f45-9708-019B960494DF}">
-                  <a14:hiddenLine xmlns:a14="http://schemas.microsoft.com/office/drawing/2010/main" xmlns="" w="9525">
+                  <a14:hiddenLine xmlns="" xmlns:a14="http://schemas.microsoft.com/office/drawing/2010/main" w="9525">
                     <a:solidFill>
                       <a:srgbClr val="000000"/>
                     </a:solidFill>
@@ -10161,7 +10292,7 @@
               </a:ln>
               <a:extLst>
                 <a:ext uri="{91240B29-F687-4f45-9708-019B960494DF}">
-                  <a14:hiddenLine xmlns:a14="http://schemas.microsoft.com/office/drawing/2010/main" xmlns="" w="9525">
+                  <a14:hiddenLine xmlns="" xmlns:a14="http://schemas.microsoft.com/office/drawing/2010/main" w="9525">
                     <a:solidFill>
                       <a:srgbClr val="000000"/>
                     </a:solidFill>
@@ -10223,7 +10354,7 @@
               </a:ln>
               <a:extLst>
                 <a:ext uri="{91240B29-F687-4f45-9708-019B960494DF}">
-                  <a14:hiddenLine xmlns:a14="http://schemas.microsoft.com/office/drawing/2010/main" xmlns="" w="9525">
+                  <a14:hiddenLine xmlns="" xmlns:a14="http://schemas.microsoft.com/office/drawing/2010/main" w="9525">
                     <a:solidFill>
                       <a:srgbClr val="000000"/>
                     </a:solidFill>
@@ -10285,7 +10416,7 @@
               </a:ln>
               <a:extLst>
                 <a:ext uri="{91240B29-F687-4f45-9708-019B960494DF}">
-                  <a14:hiddenLine xmlns:a14="http://schemas.microsoft.com/office/drawing/2010/main" xmlns="" w="9525">
+                  <a14:hiddenLine xmlns="" xmlns:a14="http://schemas.microsoft.com/office/drawing/2010/main" w="9525">
                     <a:solidFill>
                       <a:srgbClr val="000000"/>
                     </a:solidFill>
@@ -10375,7 +10506,7 @@
               </a:ln>
               <a:extLst>
                 <a:ext uri="{91240B29-F687-4f45-9708-019B960494DF}">
-                  <a14:hiddenLine xmlns:a14="http://schemas.microsoft.com/office/drawing/2010/main" xmlns="" w="9525">
+                  <a14:hiddenLine xmlns="" xmlns:a14="http://schemas.microsoft.com/office/drawing/2010/main" w="9525">
                     <a:solidFill>
                       <a:srgbClr val="000000"/>
                     </a:solidFill>
@@ -10465,7 +10596,7 @@
               </a:ln>
               <a:extLst>
                 <a:ext uri="{91240B29-F687-4f45-9708-019B960494DF}">
-                  <a14:hiddenLine xmlns:a14="http://schemas.microsoft.com/office/drawing/2010/main" xmlns="" w="9525">
+                  <a14:hiddenLine xmlns="" xmlns:a14="http://schemas.microsoft.com/office/drawing/2010/main" w="9525">
                     <a:solidFill>
                       <a:srgbClr val="000000"/>
                     </a:solidFill>
@@ -10527,7 +10658,7 @@
               </a:ln>
               <a:extLst>
                 <a:ext uri="{91240B29-F687-4f45-9708-019B960494DF}">
-                  <a14:hiddenLine xmlns:a14="http://schemas.microsoft.com/office/drawing/2010/main" xmlns="" w="9525">
+                  <a14:hiddenLine xmlns="" xmlns:a14="http://schemas.microsoft.com/office/drawing/2010/main" w="9525">
                     <a:solidFill>
                       <a:srgbClr val="000000"/>
                     </a:solidFill>
@@ -10637,7 +10768,7 @@
               </a:ln>
               <a:extLst>
                 <a:ext uri="{91240B29-F687-4f45-9708-019B960494DF}">
-                  <a14:hiddenLine xmlns:a14="http://schemas.microsoft.com/office/drawing/2010/main" xmlns="" w="9525">
+                  <a14:hiddenLine xmlns="" xmlns:a14="http://schemas.microsoft.com/office/drawing/2010/main" w="9525">
                     <a:solidFill>
                       <a:srgbClr val="000000"/>
                     </a:solidFill>
@@ -10721,7 +10852,7 @@
               </a:ln>
               <a:extLst>
                 <a:ext uri="{91240B29-F687-4f45-9708-019B960494DF}">
-                  <a14:hiddenLine xmlns:a14="http://schemas.microsoft.com/office/drawing/2010/main" xmlns="" w="9525">
+                  <a14:hiddenLine xmlns="" xmlns:a14="http://schemas.microsoft.com/office/drawing/2010/main" w="9525">
                     <a:solidFill>
                       <a:srgbClr val="000000"/>
                     </a:solidFill>
@@ -10783,7 +10914,7 @@
               </a:ln>
               <a:extLst>
                 <a:ext uri="{91240B29-F687-4f45-9708-019B960494DF}">
-                  <a14:hiddenLine xmlns:a14="http://schemas.microsoft.com/office/drawing/2010/main" xmlns="" w="9525">
+                  <a14:hiddenLine xmlns="" xmlns:a14="http://schemas.microsoft.com/office/drawing/2010/main" w="9525">
                     <a:solidFill>
                       <a:srgbClr val="000000"/>
                     </a:solidFill>
@@ -10845,7 +10976,7 @@
               </a:ln>
               <a:extLst>
                 <a:ext uri="{91240B29-F687-4f45-9708-019B960494DF}">
-                  <a14:hiddenLine xmlns:a14="http://schemas.microsoft.com/office/drawing/2010/main" xmlns="" w="9525">
+                  <a14:hiddenLine xmlns="" xmlns:a14="http://schemas.microsoft.com/office/drawing/2010/main" w="9525">
                     <a:solidFill>
                       <a:srgbClr val="000000"/>
                     </a:solidFill>
@@ -10935,7 +11066,7 @@
               </a:ln>
               <a:extLst>
                 <a:ext uri="{91240B29-F687-4f45-9708-019B960494DF}">
-                  <a14:hiddenLine xmlns:a14="http://schemas.microsoft.com/office/drawing/2010/main" xmlns="" w="9525">
+                  <a14:hiddenLine xmlns="" xmlns:a14="http://schemas.microsoft.com/office/drawing/2010/main" w="9525">
                     <a:solidFill>
                       <a:srgbClr val="000000"/>
                     </a:solidFill>
@@ -10969,7 +11100,7 @@
               </a:ln>
               <a:extLst>
                 <a:ext uri="{91240B29-F687-4f45-9708-019B960494DF}">
-                  <a14:hiddenLine xmlns:a14="http://schemas.microsoft.com/office/drawing/2010/main" xmlns="" w="9525">
+                  <a14:hiddenLine xmlns="" xmlns:a14="http://schemas.microsoft.com/office/drawing/2010/main" w="9525">
                     <a:solidFill>
                       <a:srgbClr val="000000"/>
                     </a:solidFill>
@@ -11034,7 +11165,7 @@
               </a:ln>
               <a:extLst>
                 <a:ext uri="{91240B29-F687-4f45-9708-019B960494DF}">
-                  <a14:hiddenLine xmlns:a14="http://schemas.microsoft.com/office/drawing/2010/main" xmlns="" w="9525">
+                  <a14:hiddenLine xmlns="" xmlns:a14="http://schemas.microsoft.com/office/drawing/2010/main" w="9525">
                     <a:solidFill>
                       <a:srgbClr val="000000"/>
                     </a:solidFill>
@@ -11124,7 +11255,7 @@
               </a:ln>
               <a:extLst>
                 <a:ext uri="{91240B29-F687-4f45-9708-019B960494DF}">
-                  <a14:hiddenLine xmlns:a14="http://schemas.microsoft.com/office/drawing/2010/main" xmlns="" w="9525">
+                  <a14:hiddenLine xmlns="" xmlns:a14="http://schemas.microsoft.com/office/drawing/2010/main" w="9525">
                     <a:solidFill>
                       <a:srgbClr val="000000"/>
                     </a:solidFill>
@@ -11186,7 +11317,7 @@
               </a:ln>
               <a:extLst>
                 <a:ext uri="{91240B29-F687-4f45-9708-019B960494DF}">
-                  <a14:hiddenLine xmlns:a14="http://schemas.microsoft.com/office/drawing/2010/main" xmlns="" w="9525">
+                  <a14:hiddenLine xmlns="" xmlns:a14="http://schemas.microsoft.com/office/drawing/2010/main" w="9525">
                     <a:solidFill>
                       <a:srgbClr val="000000"/>
                     </a:solidFill>
@@ -11276,7 +11407,7 @@
               </a:ln>
               <a:extLst>
                 <a:ext uri="{91240B29-F687-4f45-9708-019B960494DF}">
-                  <a14:hiddenLine xmlns:a14="http://schemas.microsoft.com/office/drawing/2010/main" xmlns="" w="9525">
+                  <a14:hiddenLine xmlns="" xmlns:a14="http://schemas.microsoft.com/office/drawing/2010/main" w="9525">
                     <a:solidFill>
                       <a:srgbClr val="000000"/>
                     </a:solidFill>
@@ -11341,7 +11472,7 @@
               </a:ln>
               <a:extLst>
                 <a:ext uri="{91240B29-F687-4f45-9708-019B960494DF}">
-                  <a14:hiddenLine xmlns:a14="http://schemas.microsoft.com/office/drawing/2010/main" xmlns="" w="9525">
+                  <a14:hiddenLine xmlns="" xmlns:a14="http://schemas.microsoft.com/office/drawing/2010/main" w="9525">
                     <a:solidFill>
                       <a:srgbClr val="000000"/>
                     </a:solidFill>
@@ -11403,7 +11534,7 @@
               </a:ln>
               <a:extLst>
                 <a:ext uri="{91240B29-F687-4f45-9708-019B960494DF}">
-                  <a14:hiddenLine xmlns:a14="http://schemas.microsoft.com/office/drawing/2010/main" xmlns="" w="9525">
+                  <a14:hiddenLine xmlns="" xmlns:a14="http://schemas.microsoft.com/office/drawing/2010/main" w="9525">
                     <a:solidFill>
                       <a:srgbClr val="000000"/>
                     </a:solidFill>
@@ -11493,7 +11624,7 @@
               </a:ln>
               <a:extLst>
                 <a:ext uri="{91240B29-F687-4f45-9708-019B960494DF}">
-                  <a14:hiddenLine xmlns:a14="http://schemas.microsoft.com/office/drawing/2010/main" xmlns="" w="9525">
+                  <a14:hiddenLine xmlns="" xmlns:a14="http://schemas.microsoft.com/office/drawing/2010/main" w="9525">
                     <a:solidFill>
                       <a:srgbClr val="000000"/>
                     </a:solidFill>
@@ -11583,7 +11714,7 @@
               </a:ln>
               <a:extLst>
                 <a:ext uri="{91240B29-F687-4f45-9708-019B960494DF}">
-                  <a14:hiddenLine xmlns:a14="http://schemas.microsoft.com/office/drawing/2010/main" xmlns="" w="9525">
+                  <a14:hiddenLine xmlns="" xmlns:a14="http://schemas.microsoft.com/office/drawing/2010/main" w="9525">
                     <a:solidFill>
                       <a:srgbClr val="000000"/>
                     </a:solidFill>
@@ -11648,7 +11779,7 @@
               </a:ln>
               <a:extLst>
                 <a:ext uri="{91240B29-F687-4f45-9708-019B960494DF}">
-                  <a14:hiddenLine xmlns:a14="http://schemas.microsoft.com/office/drawing/2010/main" xmlns="" w="9525">
+                  <a14:hiddenLine xmlns="" xmlns:a14="http://schemas.microsoft.com/office/drawing/2010/main" w="9525">
                     <a:solidFill>
                       <a:srgbClr val="000000"/>
                     </a:solidFill>
@@ -11768,7 +11899,7 @@
               </a:ln>
               <a:extLst>
                 <a:ext uri="{91240B29-F687-4f45-9708-019B960494DF}">
-                  <a14:hiddenLine xmlns:a14="http://schemas.microsoft.com/office/drawing/2010/main" xmlns="" w="9525">
+                  <a14:hiddenLine xmlns="" xmlns:a14="http://schemas.microsoft.com/office/drawing/2010/main" w="9525">
                     <a:solidFill>
                       <a:srgbClr val="000000"/>
                     </a:solidFill>
@@ -11849,7 +11980,7 @@
               </a:ln>
               <a:extLst>
                 <a:ext uri="{91240B29-F687-4f45-9708-019B960494DF}">
-                  <a14:hiddenLine xmlns:a14="http://schemas.microsoft.com/office/drawing/2010/main" xmlns="" w="9525">
+                  <a14:hiddenLine xmlns="" xmlns:a14="http://schemas.microsoft.com/office/drawing/2010/main" w="9525">
                     <a:solidFill>
                       <a:srgbClr val="000000"/>
                     </a:solidFill>
@@ -11964,7 +12095,7 @@
               </a:ln>
               <a:extLst>
                 <a:ext uri="{91240B29-F687-4f45-9708-019B960494DF}">
-                  <a14:hiddenLine xmlns:a14="http://schemas.microsoft.com/office/drawing/2010/main" xmlns="" w="9525">
+                  <a14:hiddenLine xmlns="" xmlns:a14="http://schemas.microsoft.com/office/drawing/2010/main" w="9525">
                     <a:solidFill>
                       <a:srgbClr val="000000"/>
                     </a:solidFill>
@@ -12054,7 +12185,7 @@
               </a:ln>
               <a:extLst>
                 <a:ext uri="{91240B29-F687-4f45-9708-019B960494DF}">
-                  <a14:hiddenLine xmlns:a14="http://schemas.microsoft.com/office/drawing/2010/main" xmlns="" w="9525">
+                  <a14:hiddenLine xmlns="" xmlns:a14="http://schemas.microsoft.com/office/drawing/2010/main" w="9525">
                     <a:solidFill>
                       <a:srgbClr val="000000"/>
                     </a:solidFill>
@@ -12119,7 +12250,7 @@
               </a:ln>
               <a:extLst>
                 <a:ext uri="{91240B29-F687-4f45-9708-019B960494DF}">
-                  <a14:hiddenLine xmlns:a14="http://schemas.microsoft.com/office/drawing/2010/main" xmlns="" w="9525">
+                  <a14:hiddenLine xmlns="" xmlns:a14="http://schemas.microsoft.com/office/drawing/2010/main" w="9525">
                     <a:solidFill>
                       <a:srgbClr val="000000"/>
                     </a:solidFill>
@@ -12209,7 +12340,7 @@
               </a:ln>
               <a:extLst>
                 <a:ext uri="{91240B29-F687-4f45-9708-019B960494DF}">
-                  <a14:hiddenLine xmlns:a14="http://schemas.microsoft.com/office/drawing/2010/main" xmlns="" w="9525">
+                  <a14:hiddenLine xmlns="" xmlns:a14="http://schemas.microsoft.com/office/drawing/2010/main" w="9525">
                     <a:solidFill>
                       <a:srgbClr val="000000"/>
                     </a:solidFill>
@@ -12277,7 +12408,7 @@
               </a:ln>
               <a:extLst>
                 <a:ext uri="{91240B29-F687-4f45-9708-019B960494DF}">
-                  <a14:hiddenLine xmlns:a14="http://schemas.microsoft.com/office/drawing/2010/main" xmlns="" w="9525">
+                  <a14:hiddenLine xmlns="" xmlns:a14="http://schemas.microsoft.com/office/drawing/2010/main" w="9525">
                     <a:solidFill>
                       <a:srgbClr val="000000"/>
                     </a:solidFill>
@@ -12367,7 +12498,7 @@
               </a:ln>
               <a:extLst>
                 <a:ext uri="{91240B29-F687-4f45-9708-019B960494DF}">
-                  <a14:hiddenLine xmlns:a14="http://schemas.microsoft.com/office/drawing/2010/main" xmlns="" w="9525">
+                  <a14:hiddenLine xmlns="" xmlns:a14="http://schemas.microsoft.com/office/drawing/2010/main" w="9525">
                     <a:solidFill>
                       <a:srgbClr val="000000"/>
                     </a:solidFill>
@@ -12435,7 +12566,7 @@
               </a:ln>
               <a:extLst>
                 <a:ext uri="{91240B29-F687-4f45-9708-019B960494DF}">
-                  <a14:hiddenLine xmlns:a14="http://schemas.microsoft.com/office/drawing/2010/main" xmlns="" w="9525">
+                  <a14:hiddenLine xmlns="" xmlns:a14="http://schemas.microsoft.com/office/drawing/2010/main" w="9525">
                     <a:solidFill>
                       <a:srgbClr val="000000"/>
                     </a:solidFill>
@@ -12525,7 +12656,7 @@
               </a:ln>
               <a:extLst>
                 <a:ext uri="{91240B29-F687-4f45-9708-019B960494DF}">
-                  <a14:hiddenLine xmlns:a14="http://schemas.microsoft.com/office/drawing/2010/main" xmlns="" w="9525">
+                  <a14:hiddenLine xmlns="" xmlns:a14="http://schemas.microsoft.com/office/drawing/2010/main" w="9525">
                     <a:solidFill>
                       <a:srgbClr val="000000"/>
                     </a:solidFill>
@@ -12559,7 +12690,7 @@
               </a:ln>
               <a:extLst>
                 <a:ext uri="{91240B29-F687-4f45-9708-019B960494DF}">
-                  <a14:hiddenLine xmlns:a14="http://schemas.microsoft.com/office/drawing/2010/main" xmlns="" w="9525">
+                  <a14:hiddenLine xmlns="" xmlns:a14="http://schemas.microsoft.com/office/drawing/2010/main" w="9525">
                     <a:solidFill>
                       <a:srgbClr val="000000"/>
                     </a:solidFill>
@@ -13221,6 +13352,86 @@
           <p:cNvPr id="2" name="Titel 1">
             <a:extLst>
               <a:ext uri="{FF2B5EF4-FFF2-40B4-BE49-F238E27FC236}">
+                <a16:creationId xmlns:a16="http://schemas.microsoft.com/office/drawing/2014/main" id="{4E0867CF-AAB5-429B-8FEE-D31649EDA612}"/>
+              </a:ext>
+            </a:extLst>
+          </p:cNvPr>
+          <p:cNvSpPr>
+            <a:spLocks noGrp="1"/>
+          </p:cNvSpPr>
+          <p:nvPr>
+            <p:ph type="title"/>
+          </p:nvPr>
+        </p:nvSpPr>
+        <p:spPr/>
+        <p:txBody>
+          <a:bodyPr/>
+          <a:lstStyle/>
+          <a:p>
+            <a:endParaRPr lang="de-DE"/>
+          </a:p>
+        </p:txBody>
+      </p:sp>
+      <p:sp>
+        <p:nvSpPr>
+          <p:cNvPr id="3" name="Inhaltsplatzhalter 2">
+            <a:extLst>
+              <a:ext uri="{FF2B5EF4-FFF2-40B4-BE49-F238E27FC236}">
+                <a16:creationId xmlns:a16="http://schemas.microsoft.com/office/drawing/2014/main" id="{C0F74640-8BF7-4052-85D8-0D156F830012}"/>
+              </a:ext>
+            </a:extLst>
+          </p:cNvPr>
+          <p:cNvSpPr>
+            <a:spLocks noGrp="1"/>
+          </p:cNvSpPr>
+          <p:nvPr>
+            <p:ph idx="1"/>
+          </p:nvPr>
+        </p:nvSpPr>
+        <p:spPr/>
+        <p:txBody>
+          <a:bodyPr/>
+          <a:lstStyle/>
+          <a:p>
+            <a:endParaRPr lang="de-DE"/>
+          </a:p>
+        </p:txBody>
+      </p:sp>
+    </p:spTree>
+    <p:extLst>
+      <p:ext uri="{BB962C8B-B14F-4D97-AF65-F5344CB8AC3E}">
+        <p14:creationId xmlns:p14="http://schemas.microsoft.com/office/powerpoint/2010/main" val="3285689371"/>
+      </p:ext>
+    </p:extLst>
+  </p:cSld>
+  <p:clrMapOvr>
+    <a:masterClrMapping/>
+  </p:clrMapOvr>
+</p:sld>
+</file>
+
+<file path=ppt/slides/slide11.xml><?xml version="1.0" encoding="utf-8"?>
+<p:sld xmlns:a="http://schemas.openxmlformats.org/drawingml/2006/main" xmlns:r="http://schemas.openxmlformats.org/officeDocument/2006/relationships" xmlns:p="http://schemas.openxmlformats.org/presentationml/2006/main">
+  <p:cSld>
+    <p:spTree>
+      <p:nvGrpSpPr>
+        <p:cNvPr id="1" name=""/>
+        <p:cNvGrpSpPr/>
+        <p:nvPr/>
+      </p:nvGrpSpPr>
+      <p:grpSpPr>
+        <a:xfrm>
+          <a:off x="0" y="0"/>
+          <a:ext cx="0" cy="0"/>
+          <a:chOff x="0" y="0"/>
+          <a:chExt cx="0" cy="0"/>
+        </a:xfrm>
+      </p:grpSpPr>
+      <p:sp>
+        <p:nvSpPr>
+          <p:cNvPr id="2" name="Titel 1">
+            <a:extLst>
+              <a:ext uri="{FF2B5EF4-FFF2-40B4-BE49-F238E27FC236}">
                 <a16:creationId xmlns:a16="http://schemas.microsoft.com/office/drawing/2014/main" id="{C1020314-B0AB-4B16-861E-E6CD1FFB6FCB}"/>
               </a:ext>
             </a:extLst>
@@ -13238,14 +13449,13 @@
           <a:lstStyle/>
           <a:p>
             <a:r>
-              <a:rPr lang="de-DE" dirty="0" smtClean="0"/>
+              <a:rPr lang="de-DE" dirty="0"/>
               <a:t>Was ist </a:t>
             </a:r>
             <a:r>
-              <a:rPr lang="de-DE" smtClean="0"/>
+              <a:rPr lang="de-DE"/>
               <a:t>ein Tag?</a:t>
             </a:r>
-            <a:endParaRPr lang="de-DE"/>
           </a:p>
         </p:txBody>
       </p:sp>
@@ -13284,13 +13494,6 @@
   <p:clrMapOvr>
     <a:masterClrMapping/>
   </p:clrMapOvr>
-  <p:timing>
-    <p:tnLst>
-      <p:par>
-        <p:cTn id="1" dur="indefinite" restart="never" nodeType="tmRoot"/>
-      </p:par>
-    </p:tnLst>
-  </p:timing>
 </p:sld>
 </file>
 
@@ -13333,10 +13536,9 @@
           <a:lstStyle/>
           <a:p>
             <a:r>
-              <a:rPr lang="de-DE" dirty="0" smtClean="0"/>
+              <a:rPr lang="de-DE" dirty="0"/>
               <a:t>Grundgedanke </a:t>
             </a:r>
-            <a:endParaRPr lang="de-DE" dirty="0"/>
           </a:p>
         </p:txBody>
       </p:sp>
@@ -13362,24 +13564,23 @@
           <a:lstStyle/>
           <a:p>
             <a:r>
-              <a:rPr lang="de-DE" dirty="0" smtClean="0"/>
+              <a:rPr lang="de-DE" dirty="0"/>
               <a:t>Arbeiten mit Arrays</a:t>
             </a:r>
           </a:p>
           <a:p>
             <a:r>
-              <a:rPr lang="de-DE" dirty="0" smtClean="0"/>
+              <a:rPr lang="de-DE" dirty="0"/>
               <a:t>2 Dimensionaler Array für </a:t>
             </a:r>
             <a:r>
-              <a:rPr lang="de-DE" dirty="0" err="1" smtClean="0"/>
+              <a:rPr lang="de-DE" dirty="0" err="1"/>
               <a:t>Minesweeper</a:t>
             </a:r>
             <a:r>
-              <a:rPr lang="de-DE" dirty="0" smtClean="0"/>
+              <a:rPr lang="de-DE" dirty="0"/>
               <a:t> </a:t>
             </a:r>
-            <a:endParaRPr lang="de-DE" dirty="0"/>
           </a:p>
         </p:txBody>
       </p:sp>
@@ -13567,7 +13768,7 @@
               <a:tabLst/>
             </a:pPr>
             <a:r>
-              <a:rPr kumimoji="0" lang="de-DE" altLang="de-DE" b="0" i="0" u="none" strike="noStrike" cap="none" normalizeH="0" baseline="0" dirty="0" smtClean="0">
+              <a:rPr kumimoji="0" lang="de-DE" altLang="de-DE" b="0" i="0" u="none" strike="noStrike" cap="none" normalizeH="0" baseline="0" dirty="0">
                 <a:ln>
                   <a:noFill/>
                 </a:ln>
@@ -13577,20 +13778,7 @@
                 <a:effectLst/>
                 <a:latin typeface="+mj-lt"/>
               </a:rPr>
-              <a:t>Button[2,1</a:t>
-            </a:r>
-            <a:r>
-              <a:rPr kumimoji="0" lang="de-DE" altLang="de-DE" b="0" i="0" u="none" strike="noStrike" cap="none" normalizeH="0" baseline="0" dirty="0" smtClean="0">
-                <a:ln>
-                  <a:noFill/>
-                </a:ln>
-                <a:solidFill>
-                  <a:schemeClr val="tx1"/>
-                </a:solidFill>
-                <a:effectLst/>
-                <a:latin typeface="+mj-lt"/>
-              </a:rPr>
-              <a:t>] = 1;</a:t>
+              <a:t>Button[2,1] = 1;</a:t>
             </a:r>
           </a:p>
           <a:p>
@@ -13607,7 +13795,7 @@
               <a:t>Button</a:t>
             </a:r>
             <a:r>
-              <a:rPr kumimoji="0" lang="de-DE" altLang="de-DE" b="0" i="0" u="none" strike="noStrike" cap="none" normalizeH="0" baseline="0" dirty="0" smtClean="0">
+              <a:rPr kumimoji="0" lang="de-DE" altLang="de-DE" b="0" i="0" u="none" strike="noStrike" cap="none" normalizeH="0" baseline="0" dirty="0">
                 <a:ln>
                   <a:noFill/>
                 </a:ln>
@@ -13617,10 +13805,24 @@
                 <a:effectLst/>
                 <a:latin typeface="+mj-lt"/>
               </a:rPr>
-              <a:t>[4,2</a:t>
+              <a:t>[4,2] = 2;</a:t>
+            </a:r>
+          </a:p>
+          <a:p>
+            <a:pPr lvl="0" defTabSz="914400" eaLnBrk="0" fontAlgn="base" hangingPunct="0">
+              <a:spcBef>
+                <a:spcPct val="0"/>
+              </a:spcBef>
+              <a:spcAft>
+                <a:spcPct val="0"/>
+              </a:spcAft>
+            </a:pPr>
+            <a:r>
+              <a:rPr lang="de-DE" altLang="de-DE" dirty="0"/>
+              <a:t>Button</a:t>
             </a:r>
             <a:r>
-              <a:rPr kumimoji="0" lang="de-DE" altLang="de-DE" b="0" i="0" u="none" strike="noStrike" cap="none" normalizeH="0" baseline="0" dirty="0" smtClean="0">
+              <a:rPr kumimoji="0" lang="de-DE" altLang="de-DE" b="0" i="0" u="none" strike="noStrike" cap="none" normalizeH="0" baseline="0" dirty="0">
                 <a:ln>
                   <a:noFill/>
                 </a:ln>
@@ -13630,7 +13832,7 @@
                 <a:effectLst/>
                 <a:latin typeface="+mj-lt"/>
               </a:rPr>
-              <a:t>] = 2;</a:t>
+              <a:t>[3,5] = 3; </a:t>
             </a:r>
           </a:p>
           <a:p>
@@ -13643,11 +13845,11 @@
               </a:spcAft>
             </a:pPr>
             <a:r>
-              <a:rPr lang="de-DE" altLang="de-DE" dirty="0" smtClean="0"/>
+              <a:rPr lang="de-DE" altLang="de-DE" dirty="0"/>
               <a:t>Button</a:t>
             </a:r>
             <a:r>
-              <a:rPr kumimoji="0" lang="de-DE" altLang="de-DE" b="0" i="0" u="none" strike="noStrike" cap="none" normalizeH="0" baseline="0" dirty="0" smtClean="0">
+              <a:rPr kumimoji="0" lang="de-DE" altLang="de-DE" b="0" i="0" u="none" strike="noStrike" cap="none" normalizeH="0" baseline="0" dirty="0">
                 <a:ln>
                   <a:noFill/>
                 </a:ln>
@@ -13657,60 +13859,7 @@
                 <a:effectLst/>
                 <a:latin typeface="+mj-lt"/>
               </a:rPr>
-              <a:t>[3,5</a:t>
-            </a:r>
-            <a:r>
-              <a:rPr kumimoji="0" lang="de-DE" altLang="de-DE" b="0" i="0" u="none" strike="noStrike" cap="none" normalizeH="0" baseline="0" dirty="0" smtClean="0">
-                <a:ln>
-                  <a:noFill/>
-                </a:ln>
-                <a:solidFill>
-                  <a:schemeClr val="tx1"/>
-                </a:solidFill>
-                <a:effectLst/>
-                <a:latin typeface="+mj-lt"/>
-              </a:rPr>
-              <a:t>] = 3; </a:t>
-            </a:r>
-          </a:p>
-          <a:p>
-            <a:pPr lvl="0" defTabSz="914400" eaLnBrk="0" fontAlgn="base" hangingPunct="0">
-              <a:spcBef>
-                <a:spcPct val="0"/>
-              </a:spcBef>
-              <a:spcAft>
-                <a:spcPct val="0"/>
-              </a:spcAft>
-            </a:pPr>
-            <a:r>
-              <a:rPr lang="de-DE" altLang="de-DE" dirty="0" smtClean="0"/>
-              <a:t>Button</a:t>
-            </a:r>
-            <a:r>
-              <a:rPr kumimoji="0" lang="de-DE" altLang="de-DE" b="0" i="0" u="none" strike="noStrike" cap="none" normalizeH="0" baseline="0" dirty="0" smtClean="0">
-                <a:ln>
-                  <a:noFill/>
-                </a:ln>
-                <a:solidFill>
-                  <a:schemeClr val="tx1"/>
-                </a:solidFill>
-                <a:effectLst/>
-                <a:latin typeface="+mj-lt"/>
-              </a:rPr>
-              <a:t>[6,7</a:t>
-            </a:r>
-            <a:r>
-              <a:rPr kumimoji="0" lang="de-DE" altLang="de-DE" b="0" i="0" u="none" strike="noStrike" cap="none" normalizeH="0" baseline="0" dirty="0" smtClean="0">
-                <a:ln>
-                  <a:noFill/>
-                </a:ln>
-                <a:solidFill>
-                  <a:schemeClr val="tx1"/>
-                </a:solidFill>
-                <a:effectLst/>
-                <a:latin typeface="+mj-lt"/>
-              </a:rPr>
-              <a:t>] = 4; </a:t>
+              <a:t>[6,7] = 4; </a:t>
             </a:r>
           </a:p>
         </p:txBody>
@@ -13753,13 +13902,6 @@
   <p:clrMapOvr>
     <a:masterClrMapping/>
   </p:clrMapOvr>
-  <p:timing>
-    <p:tnLst>
-      <p:par>
-        <p:cTn id="1" dur="indefinite" restart="never" nodeType="tmRoot"/>
-      </p:par>
-    </p:tnLst>
-  </p:timing>
 </p:sld>
 </file>
 
@@ -13827,7 +13969,7 @@
           <a:lstStyle/>
           <a:p>
             <a:r>
-              <a:rPr lang="de-DE" dirty="0" smtClean="0"/>
+              <a:rPr lang="de-DE" dirty="0"/>
               <a:t>Array mit unseren erstellten Button füllen. </a:t>
             </a:r>
           </a:p>
@@ -13870,13 +14012,6 @@
   <p:clrMapOvr>
     <a:masterClrMapping/>
   </p:clrMapOvr>
-  <p:timing>
-    <p:tnLst>
-      <p:par>
-        <p:cTn id="1" dur="indefinite" restart="never" nodeType="tmRoot"/>
-      </p:par>
-    </p:tnLst>
-  </p:timing>
 </p:sld>
 </file>
 
@@ -14092,7 +14227,7 @@
         </p:blipFill>
         <p:spPr>
           <a:xfrm>
-            <a:off x="1280899" y="2375555"/>
+            <a:off x="1280899" y="2583002"/>
             <a:ext cx="9272741" cy="2986137"/>
           </a:xfrm>
           <a:prstGeom prst="rect">
@@ -14245,7 +14380,7 @@
           <p:cNvPr id="2" name="Titel 1">
             <a:extLst>
               <a:ext uri="{FF2B5EF4-FFF2-40B4-BE49-F238E27FC236}">
-                <a16:creationId xmlns:a16="http://schemas.microsoft.com/office/drawing/2014/main" id="{AFCA7579-F370-41D1-B570-46C2FA7DE35B}"/>
+                <a16:creationId xmlns:a16="http://schemas.microsoft.com/office/drawing/2014/main" id="{3EC35E40-CE7C-42ED-87B5-01A8767DF97E}"/>
               </a:ext>
             </a:extLst>
           </p:cNvPr>
@@ -14277,7 +14412,7 @@
           <p:cNvPr id="3" name="Inhaltsplatzhalter 2">
             <a:extLst>
               <a:ext uri="{FF2B5EF4-FFF2-40B4-BE49-F238E27FC236}">
-                <a16:creationId xmlns:a16="http://schemas.microsoft.com/office/drawing/2014/main" id="{54B9AD63-0239-411C-B682-D8D71912C969}"/>
+                <a16:creationId xmlns:a16="http://schemas.microsoft.com/office/drawing/2014/main" id="{C817DB5B-6C95-457B-8222-AD9F59994626}"/>
               </a:ext>
             </a:extLst>
           </p:cNvPr>
@@ -14293,7 +14428,7 @@
           <a:bodyPr/>
           <a:lstStyle/>
           <a:p>
-            <a:endParaRPr lang="de-DE"/>
+            <a:endParaRPr lang="de-DE" dirty="0"/>
           </a:p>
         </p:txBody>
       </p:sp>
@@ -14302,7 +14437,7 @@
           <p:cNvPr id="4" name="Grafik 3">
             <a:extLst>
               <a:ext uri="{FF2B5EF4-FFF2-40B4-BE49-F238E27FC236}">
-                <a16:creationId xmlns:a16="http://schemas.microsoft.com/office/drawing/2014/main" id="{D7200055-D6E6-4EA2-8C98-591D1D02C3A8}"/>
+                <a16:creationId xmlns:a16="http://schemas.microsoft.com/office/drawing/2014/main" id="{ABA4B825-57BB-4CB6-B4CB-B9DF122A8485}"/>
               </a:ext>
             </a:extLst>
           </p:cNvPr>
@@ -14312,15 +14447,15 @@
           <p:nvPr/>
         </p:nvPicPr>
         <p:blipFill>
-          <a:blip r:embed="rId2"/>
+          <a:blip r:embed="rId3"/>
           <a:stretch>
             <a:fillRect/>
           </a:stretch>
         </p:blipFill>
         <p:spPr>
           <a:xfrm>
-            <a:off x="294391" y="1748631"/>
-            <a:ext cx="11338285" cy="4543425"/>
+            <a:off x="1141412" y="2334154"/>
+            <a:ext cx="7879925" cy="2508779"/>
           </a:xfrm>
           <a:prstGeom prst="rect">
             <a:avLst/>
@@ -14330,7 +14465,7 @@
     </p:spTree>
     <p:extLst>
       <p:ext uri="{BB962C8B-B14F-4D97-AF65-F5344CB8AC3E}">
-        <p14:creationId xmlns:p14="http://schemas.microsoft.com/office/powerpoint/2010/main" val="1606900939"/>
+        <p14:creationId xmlns:p14="http://schemas.microsoft.com/office/powerpoint/2010/main" val="1316136863"/>
       </p:ext>
     </p:extLst>
   </p:cSld>
@@ -14362,7 +14497,7 @@
           <p:cNvPr id="2" name="Titel 1">
             <a:extLst>
               <a:ext uri="{FF2B5EF4-FFF2-40B4-BE49-F238E27FC236}">
-                <a16:creationId xmlns:a16="http://schemas.microsoft.com/office/drawing/2014/main" id="{26AD1010-29FF-4ACB-9F35-33D31C08246D}"/>
+                <a16:creationId xmlns:a16="http://schemas.microsoft.com/office/drawing/2014/main" id="{AFCA7579-F370-41D1-B570-46C2FA7DE35B}"/>
               </a:ext>
             </a:extLst>
           </p:cNvPr>
@@ -14379,14 +14514,13 @@
           <a:lstStyle/>
           <a:p>
             <a:r>
-              <a:rPr lang="de-DE" dirty="0" err="1" smtClean="0"/>
-              <a:t>Restart</a:t>
+              <a:rPr lang="de-DE" dirty="0" err="1"/>
+              <a:t>Gameover</a:t>
             </a:r>
             <a:r>
-              <a:rPr lang="de-DE" dirty="0" smtClean="0"/>
-              <a:t> &amp; Spielmodus</a:t>
+              <a:rPr lang="de-DE" dirty="0"/>
+              <a:t> Zustand</a:t>
             </a:r>
-            <a:endParaRPr lang="de-DE" dirty="0"/>
           </a:p>
         </p:txBody>
       </p:sp>
@@ -14395,7 +14529,7 @@
           <p:cNvPr id="3" name="Inhaltsplatzhalter 2">
             <a:extLst>
               <a:ext uri="{FF2B5EF4-FFF2-40B4-BE49-F238E27FC236}">
-                <a16:creationId xmlns:a16="http://schemas.microsoft.com/office/drawing/2014/main" id="{143DE596-8C13-4C91-946A-9F2A7EF18EF1}"/>
+                <a16:creationId xmlns:a16="http://schemas.microsoft.com/office/drawing/2014/main" id="{54B9AD63-0239-411C-B682-D8D71912C969}"/>
               </a:ext>
             </a:extLst>
           </p:cNvPr>
@@ -14415,23 +14549,46 @@
           </a:p>
         </p:txBody>
       </p:sp>
+      <p:pic>
+        <p:nvPicPr>
+          <p:cNvPr id="4" name="Grafik 3">
+            <a:extLst>
+              <a:ext uri="{FF2B5EF4-FFF2-40B4-BE49-F238E27FC236}">
+                <a16:creationId xmlns:a16="http://schemas.microsoft.com/office/drawing/2014/main" id="{D7200055-D6E6-4EA2-8C98-591D1D02C3A8}"/>
+              </a:ext>
+            </a:extLst>
+          </p:cNvPr>
+          <p:cNvPicPr>
+            <a:picLocks noChangeAspect="1"/>
+          </p:cNvPicPr>
+          <p:nvPr/>
+        </p:nvPicPr>
+        <p:blipFill>
+          <a:blip r:embed="rId2"/>
+          <a:stretch>
+            <a:fillRect/>
+          </a:stretch>
+        </p:blipFill>
+        <p:spPr>
+          <a:xfrm>
+            <a:off x="294391" y="1625601"/>
+            <a:ext cx="11338285" cy="4666456"/>
+          </a:xfrm>
+          <a:prstGeom prst="rect">
+            <a:avLst/>
+          </a:prstGeom>
+        </p:spPr>
+      </p:pic>
     </p:spTree>
     <p:extLst>
       <p:ext uri="{BB962C8B-B14F-4D97-AF65-F5344CB8AC3E}">
-        <p14:creationId xmlns:p14="http://schemas.microsoft.com/office/powerpoint/2010/main" val="3220729925"/>
+        <p14:creationId xmlns:p14="http://schemas.microsoft.com/office/powerpoint/2010/main" val="1606900939"/>
       </p:ext>
     </p:extLst>
   </p:cSld>
   <p:clrMapOvr>
     <a:masterClrMapping/>
   </p:clrMapOvr>
-  <p:timing>
-    <p:tnLst>
-      <p:par>
-        <p:cTn id="1" dur="indefinite" restart="never" nodeType="tmRoot"/>
-      </p:par>
-    </p:tnLst>
-  </p:timing>
 </p:sld>
 </file>
 
@@ -14457,7 +14614,7 @@
           <p:cNvPr id="2" name="Titel 1">
             <a:extLst>
               <a:ext uri="{FF2B5EF4-FFF2-40B4-BE49-F238E27FC236}">
-                <a16:creationId xmlns:a16="http://schemas.microsoft.com/office/drawing/2014/main" id="{4E0867CF-AAB5-429B-8FEE-D31649EDA612}"/>
+                <a16:creationId xmlns:a16="http://schemas.microsoft.com/office/drawing/2014/main" id="{26AD1010-29FF-4ACB-9F35-33D31C08246D}"/>
               </a:ext>
             </a:extLst>
           </p:cNvPr>
@@ -14473,7 +14630,14 @@
           <a:bodyPr/>
           <a:lstStyle/>
           <a:p>
-            <a:endParaRPr lang="de-DE"/>
+            <a:r>
+              <a:rPr lang="de-DE" dirty="0" err="1"/>
+              <a:t>Restart</a:t>
+            </a:r>
+            <a:r>
+              <a:rPr lang="de-DE" dirty="0"/>
+              <a:t> &amp; Spielmodus</a:t>
+            </a:r>
           </a:p>
         </p:txBody>
       </p:sp>
@@ -14482,7 +14646,7 @@
           <p:cNvPr id="3" name="Inhaltsplatzhalter 2">
             <a:extLst>
               <a:ext uri="{FF2B5EF4-FFF2-40B4-BE49-F238E27FC236}">
-                <a16:creationId xmlns:a16="http://schemas.microsoft.com/office/drawing/2014/main" id="{C0F74640-8BF7-4052-85D8-0D156F830012}"/>
+                <a16:creationId xmlns:a16="http://schemas.microsoft.com/office/drawing/2014/main" id="{143DE596-8C13-4C91-946A-9F2A7EF18EF1}"/>
               </a:ext>
             </a:extLst>
           </p:cNvPr>
@@ -14505,7 +14669,7 @@
     </p:spTree>
     <p:extLst>
       <p:ext uri="{BB962C8B-B14F-4D97-AF65-F5344CB8AC3E}">
-        <p14:creationId xmlns:p14="http://schemas.microsoft.com/office/powerpoint/2010/main" val="3285689371"/>
+        <p14:creationId xmlns:p14="http://schemas.microsoft.com/office/powerpoint/2010/main" val="3220729925"/>
       </p:ext>
     </p:extLst>
   </p:cSld>

--- a/IT-Kurzprojekt.pptx
+++ b/IT-Kurzprojekt.pptx
@@ -5,7 +5,7 @@
     <p:sldMasterId id="2147483648" r:id="rId1"/>
   </p:sldMasterIdLst>
   <p:notesMasterIdLst>
-    <p:notesMasterId r:id="rId13"/>
+    <p:notesMasterId r:id="rId14"/>
   </p:notesMasterIdLst>
   <p:sldIdLst>
     <p:sldId id="256" r:id="rId2"/>
@@ -19,6 +19,7 @@
     <p:sldId id="268" r:id="rId10"/>
     <p:sldId id="264" r:id="rId11"/>
     <p:sldId id="269" r:id="rId12"/>
+    <p:sldId id="271" r:id="rId13"/>
   </p:sldIdLst>
   <p:sldSz cx="12192000" cy="6858000"/>
   <p:notesSz cx="6858000" cy="9144000"/>
@@ -1072,7 +1073,7 @@
           <a:noFill/>
           <a:extLst>
             <a:ext uri="{909E8E84-426E-40dd-AFC4-6F175D3DCCD1}">
-              <a14:hiddenFill xmlns="" xmlns:a14="http://schemas.microsoft.com/office/drawing/2010/main">
+              <a14:hiddenFill xmlns:a14="http://schemas.microsoft.com/office/drawing/2010/main" xmlns="">
                 <a:solidFill>
                   <a:srgbClr val="FFFFFF"/>
                 </a:solidFill>
@@ -1131,7 +1132,7 @@
             </a:ln>
             <a:extLst>
               <a:ext uri="{91240B29-F687-4f45-9708-019B960494DF}">
-                <a14:hiddenLine xmlns="" xmlns:a14="http://schemas.microsoft.com/office/drawing/2010/main" w="9525">
+                <a14:hiddenLine xmlns:a14="http://schemas.microsoft.com/office/drawing/2010/main" xmlns="" w="9525">
                   <a:solidFill>
                     <a:srgbClr val="000000"/>
                   </a:solidFill>
@@ -1221,7 +1222,7 @@
             </a:ln>
             <a:extLst>
               <a:ext uri="{91240B29-F687-4f45-9708-019B960494DF}">
-                <a14:hiddenLine xmlns="" xmlns:a14="http://schemas.microsoft.com/office/drawing/2010/main" w="9525">
+                <a14:hiddenLine xmlns:a14="http://schemas.microsoft.com/office/drawing/2010/main" xmlns="" w="9525">
                   <a:solidFill>
                     <a:srgbClr val="000000"/>
                   </a:solidFill>
@@ -1311,7 +1312,7 @@
             </a:ln>
             <a:extLst>
               <a:ext uri="{91240B29-F687-4f45-9708-019B960494DF}">
-                <a14:hiddenLine xmlns="" xmlns:a14="http://schemas.microsoft.com/office/drawing/2010/main" w="9525">
+                <a14:hiddenLine xmlns:a14="http://schemas.microsoft.com/office/drawing/2010/main" xmlns="" w="9525">
                   <a:solidFill>
                     <a:srgbClr val="000000"/>
                   </a:solidFill>
@@ -1345,7 +1346,7 @@
             </a:ln>
             <a:extLst>
               <a:ext uri="{91240B29-F687-4f45-9708-019B960494DF}">
-                <a14:hiddenLine xmlns="" xmlns:a14="http://schemas.microsoft.com/office/drawing/2010/main" w="9525">
+                <a14:hiddenLine xmlns:a14="http://schemas.microsoft.com/office/drawing/2010/main" xmlns="" w="9525">
                   <a:solidFill>
                     <a:srgbClr val="000000"/>
                   </a:solidFill>
@@ -1435,7 +1436,7 @@
             </a:ln>
             <a:extLst>
               <a:ext uri="{91240B29-F687-4f45-9708-019B960494DF}">
-                <a14:hiddenLine xmlns="" xmlns:a14="http://schemas.microsoft.com/office/drawing/2010/main" w="9525">
+                <a14:hiddenLine xmlns:a14="http://schemas.microsoft.com/office/drawing/2010/main" xmlns="" w="9525">
                   <a:solidFill>
                     <a:srgbClr val="000000"/>
                   </a:solidFill>
@@ -1497,7 +1498,7 @@
             </a:ln>
             <a:extLst>
               <a:ext uri="{91240B29-F687-4f45-9708-019B960494DF}">
-                <a14:hiddenLine xmlns="" xmlns:a14="http://schemas.microsoft.com/office/drawing/2010/main" w="9525">
+                <a14:hiddenLine xmlns:a14="http://schemas.microsoft.com/office/drawing/2010/main" xmlns="" w="9525">
                   <a:solidFill>
                     <a:srgbClr val="000000"/>
                   </a:solidFill>
@@ -1559,7 +1560,7 @@
             </a:ln>
             <a:extLst>
               <a:ext uri="{91240B29-F687-4f45-9708-019B960494DF}">
-                <a14:hiddenLine xmlns="" xmlns:a14="http://schemas.microsoft.com/office/drawing/2010/main" w="9525">
+                <a14:hiddenLine xmlns:a14="http://schemas.microsoft.com/office/drawing/2010/main" xmlns="" w="9525">
                   <a:solidFill>
                     <a:srgbClr val="000000"/>
                   </a:solidFill>
@@ -1649,7 +1650,7 @@
             </a:ln>
             <a:extLst>
               <a:ext uri="{91240B29-F687-4f45-9708-019B960494DF}">
-                <a14:hiddenLine xmlns="" xmlns:a14="http://schemas.microsoft.com/office/drawing/2010/main" w="9525">
+                <a14:hiddenLine xmlns:a14="http://schemas.microsoft.com/office/drawing/2010/main" xmlns="" w="9525">
                   <a:solidFill>
                     <a:srgbClr val="000000"/>
                   </a:solidFill>
@@ -1711,7 +1712,7 @@
             </a:ln>
             <a:extLst>
               <a:ext uri="{91240B29-F687-4f45-9708-019B960494DF}">
-                <a14:hiddenLine xmlns="" xmlns:a14="http://schemas.microsoft.com/office/drawing/2010/main" w="9525">
+                <a14:hiddenLine xmlns:a14="http://schemas.microsoft.com/office/drawing/2010/main" xmlns="" w="9525">
                   <a:solidFill>
                     <a:srgbClr val="000000"/>
                   </a:solidFill>
@@ -1773,7 +1774,7 @@
             </a:ln>
             <a:extLst>
               <a:ext uri="{91240B29-F687-4f45-9708-019B960494DF}">
-                <a14:hiddenLine xmlns="" xmlns:a14="http://schemas.microsoft.com/office/drawing/2010/main" w="9525">
+                <a14:hiddenLine xmlns:a14="http://schemas.microsoft.com/office/drawing/2010/main" xmlns="" w="9525">
                   <a:solidFill>
                     <a:srgbClr val="000000"/>
                   </a:solidFill>
@@ -1863,7 +1864,7 @@
             </a:ln>
             <a:extLst>
               <a:ext uri="{91240B29-F687-4f45-9708-019B960494DF}">
-                <a14:hiddenLine xmlns="" xmlns:a14="http://schemas.microsoft.com/office/drawing/2010/main" w="9525">
+                <a14:hiddenLine xmlns:a14="http://schemas.microsoft.com/office/drawing/2010/main" xmlns="" w="9525">
                   <a:solidFill>
                     <a:srgbClr val="000000"/>
                   </a:solidFill>
@@ -1953,7 +1954,7 @@
             </a:ln>
             <a:extLst>
               <a:ext uri="{91240B29-F687-4f45-9708-019B960494DF}">
-                <a14:hiddenLine xmlns="" xmlns:a14="http://schemas.microsoft.com/office/drawing/2010/main" w="9525">
+                <a14:hiddenLine xmlns:a14="http://schemas.microsoft.com/office/drawing/2010/main" xmlns="" w="9525">
                   <a:solidFill>
                     <a:srgbClr val="000000"/>
                   </a:solidFill>
@@ -2015,7 +2016,7 @@
             </a:ln>
             <a:extLst>
               <a:ext uri="{91240B29-F687-4f45-9708-019B960494DF}">
-                <a14:hiddenLine xmlns="" xmlns:a14="http://schemas.microsoft.com/office/drawing/2010/main" w="9525">
+                <a14:hiddenLine xmlns:a14="http://schemas.microsoft.com/office/drawing/2010/main" xmlns="" w="9525">
                   <a:solidFill>
                     <a:srgbClr val="000000"/>
                   </a:solidFill>
@@ -2125,7 +2126,7 @@
             </a:ln>
             <a:extLst>
               <a:ext uri="{91240B29-F687-4f45-9708-019B960494DF}">
-                <a14:hiddenLine xmlns="" xmlns:a14="http://schemas.microsoft.com/office/drawing/2010/main" w="9525">
+                <a14:hiddenLine xmlns:a14="http://schemas.microsoft.com/office/drawing/2010/main" xmlns="" w="9525">
                   <a:solidFill>
                     <a:srgbClr val="000000"/>
                   </a:solidFill>
@@ -2187,7 +2188,7 @@
             </a:ln>
             <a:extLst>
               <a:ext uri="{91240B29-F687-4f45-9708-019B960494DF}">
-                <a14:hiddenLine xmlns="" xmlns:a14="http://schemas.microsoft.com/office/drawing/2010/main" w="9525">
+                <a14:hiddenLine xmlns:a14="http://schemas.microsoft.com/office/drawing/2010/main" xmlns="" w="9525">
                   <a:solidFill>
                     <a:srgbClr val="000000"/>
                   </a:solidFill>
@@ -2277,7 +2278,7 @@
             </a:ln>
             <a:extLst>
               <a:ext uri="{91240B29-F687-4f45-9708-019B960494DF}">
-                <a14:hiddenLine xmlns="" xmlns:a14="http://schemas.microsoft.com/office/drawing/2010/main" w="9525">
+                <a14:hiddenLine xmlns:a14="http://schemas.microsoft.com/office/drawing/2010/main" xmlns="" w="9525">
                   <a:solidFill>
                     <a:srgbClr val="000000"/>
                   </a:solidFill>
@@ -2367,7 +2368,7 @@
             </a:ln>
             <a:extLst>
               <a:ext uri="{91240B29-F687-4f45-9708-019B960494DF}">
-                <a14:hiddenLine xmlns="" xmlns:a14="http://schemas.microsoft.com/office/drawing/2010/main" w="9525">
+                <a14:hiddenLine xmlns:a14="http://schemas.microsoft.com/office/drawing/2010/main" xmlns="" w="9525">
                   <a:solidFill>
                     <a:srgbClr val="000000"/>
                   </a:solidFill>
@@ -2429,7 +2430,7 @@
             </a:ln>
             <a:extLst>
               <a:ext uri="{91240B29-F687-4f45-9708-019B960494DF}">
-                <a14:hiddenLine xmlns="" xmlns:a14="http://schemas.microsoft.com/office/drawing/2010/main" w="9525">
+                <a14:hiddenLine xmlns:a14="http://schemas.microsoft.com/office/drawing/2010/main" xmlns="" w="9525">
                   <a:solidFill>
                     <a:srgbClr val="000000"/>
                   </a:solidFill>
@@ -2519,7 +2520,7 @@
             </a:ln>
             <a:extLst>
               <a:ext uri="{91240B29-F687-4f45-9708-019B960494DF}">
-                <a14:hiddenLine xmlns="" xmlns:a14="http://schemas.microsoft.com/office/drawing/2010/main" w="9525">
+                <a14:hiddenLine xmlns:a14="http://schemas.microsoft.com/office/drawing/2010/main" xmlns="" w="9525">
                   <a:solidFill>
                     <a:srgbClr val="000000"/>
                   </a:solidFill>
@@ -2609,7 +2610,7 @@
             </a:ln>
             <a:extLst>
               <a:ext uri="{91240B29-F687-4f45-9708-019B960494DF}">
-                <a14:hiddenLine xmlns="" xmlns:a14="http://schemas.microsoft.com/office/drawing/2010/main" w="9525">
+                <a14:hiddenLine xmlns:a14="http://schemas.microsoft.com/office/drawing/2010/main" xmlns="" w="9525">
                   <a:solidFill>
                     <a:srgbClr val="000000"/>
                   </a:solidFill>
@@ -2665,7 +2666,7 @@
             </a:ln>
             <a:extLst>
               <a:ext uri="{91240B29-F687-4f45-9708-019B960494DF}">
-                <a14:hiddenLine xmlns="" xmlns:a14="http://schemas.microsoft.com/office/drawing/2010/main" w="9525">
+                <a14:hiddenLine xmlns:a14="http://schemas.microsoft.com/office/drawing/2010/main" xmlns="" w="9525">
                   <a:solidFill>
                     <a:srgbClr val="000000"/>
                   </a:solidFill>
@@ -2755,7 +2756,7 @@
             </a:ln>
             <a:extLst>
               <a:ext uri="{91240B29-F687-4f45-9708-019B960494DF}">
-                <a14:hiddenLine xmlns="" xmlns:a14="http://schemas.microsoft.com/office/drawing/2010/main" w="9525">
+                <a14:hiddenLine xmlns:a14="http://schemas.microsoft.com/office/drawing/2010/main" xmlns="" w="9525">
                   <a:solidFill>
                     <a:srgbClr val="000000"/>
                   </a:solidFill>
@@ -2811,7 +2812,7 @@
             </a:ln>
             <a:extLst>
               <a:ext uri="{91240B29-F687-4f45-9708-019B960494DF}">
-                <a14:hiddenLine xmlns="" xmlns:a14="http://schemas.microsoft.com/office/drawing/2010/main" w="9525">
+                <a14:hiddenLine xmlns:a14="http://schemas.microsoft.com/office/drawing/2010/main" xmlns="" w="9525">
                   <a:solidFill>
                     <a:srgbClr val="000000"/>
                   </a:solidFill>
@@ -2901,7 +2902,7 @@
             </a:ln>
             <a:extLst>
               <a:ext uri="{91240B29-F687-4f45-9708-019B960494DF}">
-                <a14:hiddenLine xmlns="" xmlns:a14="http://schemas.microsoft.com/office/drawing/2010/main" w="9525">
+                <a14:hiddenLine xmlns:a14="http://schemas.microsoft.com/office/drawing/2010/main" xmlns="" w="9525">
                   <a:solidFill>
                     <a:srgbClr val="000000"/>
                   </a:solidFill>
@@ -2969,7 +2970,7 @@
             </a:ln>
             <a:extLst>
               <a:ext uri="{91240B29-F687-4f45-9708-019B960494DF}">
-                <a14:hiddenLine xmlns="" xmlns:a14="http://schemas.microsoft.com/office/drawing/2010/main" w="9525">
+                <a14:hiddenLine xmlns:a14="http://schemas.microsoft.com/office/drawing/2010/main" xmlns="" w="9525">
                   <a:solidFill>
                     <a:srgbClr val="000000"/>
                   </a:solidFill>
@@ -3059,7 +3060,7 @@
             </a:ln>
             <a:extLst>
               <a:ext uri="{91240B29-F687-4f45-9708-019B960494DF}">
-                <a14:hiddenLine xmlns="" xmlns:a14="http://schemas.microsoft.com/office/drawing/2010/main" w="9525">
+                <a14:hiddenLine xmlns:a14="http://schemas.microsoft.com/office/drawing/2010/main" xmlns="" w="9525">
                   <a:solidFill>
                     <a:srgbClr val="000000"/>
                   </a:solidFill>
@@ -3127,7 +3128,7 @@
             </a:ln>
             <a:extLst>
               <a:ext uri="{91240B29-F687-4f45-9708-019B960494DF}">
-                <a14:hiddenLine xmlns="" xmlns:a14="http://schemas.microsoft.com/office/drawing/2010/main" w="9525">
+                <a14:hiddenLine xmlns:a14="http://schemas.microsoft.com/office/drawing/2010/main" xmlns="" w="9525">
                   <a:solidFill>
                     <a:srgbClr val="000000"/>
                   </a:solidFill>
@@ -3217,7 +3218,7 @@
             </a:ln>
             <a:extLst>
               <a:ext uri="{91240B29-F687-4f45-9708-019B960494DF}">
-                <a14:hiddenLine xmlns="" xmlns:a14="http://schemas.microsoft.com/office/drawing/2010/main" w="9525">
+                <a14:hiddenLine xmlns:a14="http://schemas.microsoft.com/office/drawing/2010/main" xmlns="" w="9525">
                   <a:solidFill>
                     <a:srgbClr val="000000"/>
                   </a:solidFill>
@@ -3251,7 +3252,7 @@
             </a:ln>
             <a:extLst>
               <a:ext uri="{91240B29-F687-4f45-9708-019B960494DF}">
-                <a14:hiddenLine xmlns="" xmlns:a14="http://schemas.microsoft.com/office/drawing/2010/main" w="9525">
+                <a14:hiddenLine xmlns:a14="http://schemas.microsoft.com/office/drawing/2010/main" xmlns="" w="9525">
                   <a:solidFill>
                     <a:srgbClr val="000000"/>
                   </a:solidFill>
@@ -3341,7 +3342,7 @@
             </a:ln>
             <a:extLst>
               <a:ext uri="{91240B29-F687-4f45-9708-019B960494DF}">
-                <a14:hiddenLine xmlns="" xmlns:a14="http://schemas.microsoft.com/office/drawing/2010/main" w="9525">
+                <a14:hiddenLine xmlns:a14="http://schemas.microsoft.com/office/drawing/2010/main" xmlns="" w="9525">
                   <a:solidFill>
                     <a:srgbClr val="000000"/>
                   </a:solidFill>
@@ -3403,7 +3404,7 @@
             </a:ln>
             <a:extLst>
               <a:ext uri="{91240B29-F687-4f45-9708-019B960494DF}">
-                <a14:hiddenLine xmlns="" xmlns:a14="http://schemas.microsoft.com/office/drawing/2010/main" w="9525">
+                <a14:hiddenLine xmlns:a14="http://schemas.microsoft.com/office/drawing/2010/main" xmlns="" w="9525">
                   <a:solidFill>
                     <a:srgbClr val="000000"/>
                   </a:solidFill>
@@ -3465,7 +3466,7 @@
             </a:ln>
             <a:extLst>
               <a:ext uri="{91240B29-F687-4f45-9708-019B960494DF}">
-                <a14:hiddenLine xmlns="" xmlns:a14="http://schemas.microsoft.com/office/drawing/2010/main" w="9525">
+                <a14:hiddenLine xmlns:a14="http://schemas.microsoft.com/office/drawing/2010/main" xmlns="" w="9525">
                   <a:solidFill>
                     <a:srgbClr val="000000"/>
                   </a:solidFill>
@@ -3555,7 +3556,7 @@
             </a:ln>
             <a:extLst>
               <a:ext uri="{91240B29-F687-4f45-9708-019B960494DF}">
-                <a14:hiddenLine xmlns="" xmlns:a14="http://schemas.microsoft.com/office/drawing/2010/main" w="9525">
+                <a14:hiddenLine xmlns:a14="http://schemas.microsoft.com/office/drawing/2010/main" xmlns="" w="9525">
                   <a:solidFill>
                     <a:srgbClr val="000000"/>
                   </a:solidFill>
@@ -3623,7 +3624,7 @@
             </a:ln>
             <a:extLst>
               <a:ext uri="{91240B29-F687-4f45-9708-019B960494DF}">
-                <a14:hiddenLine xmlns="" xmlns:a14="http://schemas.microsoft.com/office/drawing/2010/main" w="9525">
+                <a14:hiddenLine xmlns:a14="http://schemas.microsoft.com/office/drawing/2010/main" xmlns="" w="9525">
                   <a:solidFill>
                     <a:srgbClr val="000000"/>
                   </a:solidFill>
@@ -3685,7 +3686,7 @@
             </a:ln>
             <a:extLst>
               <a:ext uri="{91240B29-F687-4f45-9708-019B960494DF}">
-                <a14:hiddenLine xmlns="" xmlns:a14="http://schemas.microsoft.com/office/drawing/2010/main" w="9525">
+                <a14:hiddenLine xmlns:a14="http://schemas.microsoft.com/office/drawing/2010/main" xmlns="" w="9525">
                   <a:solidFill>
                     <a:srgbClr val="000000"/>
                   </a:solidFill>
@@ -3775,7 +3776,7 @@
             </a:ln>
             <a:extLst>
               <a:ext uri="{91240B29-F687-4f45-9708-019B960494DF}">
-                <a14:hiddenLine xmlns="" xmlns:a14="http://schemas.microsoft.com/office/drawing/2010/main" w="9525">
+                <a14:hiddenLine xmlns:a14="http://schemas.microsoft.com/office/drawing/2010/main" xmlns="" w="9525">
                   <a:solidFill>
                     <a:srgbClr val="000000"/>
                   </a:solidFill>
@@ -3837,7 +3838,7 @@
             </a:ln>
             <a:extLst>
               <a:ext uri="{91240B29-F687-4f45-9708-019B960494DF}">
-                <a14:hiddenLine xmlns="" xmlns:a14="http://schemas.microsoft.com/office/drawing/2010/main" w="9525">
+                <a14:hiddenLine xmlns:a14="http://schemas.microsoft.com/office/drawing/2010/main" xmlns="" w="9525">
                   <a:solidFill>
                     <a:srgbClr val="000000"/>
                   </a:solidFill>
@@ -3927,7 +3928,7 @@
             </a:ln>
             <a:extLst>
               <a:ext uri="{91240B29-F687-4f45-9708-019B960494DF}">
-                <a14:hiddenLine xmlns="" xmlns:a14="http://schemas.microsoft.com/office/drawing/2010/main" w="9525">
+                <a14:hiddenLine xmlns:a14="http://schemas.microsoft.com/office/drawing/2010/main" xmlns="" w="9525">
                   <a:solidFill>
                     <a:srgbClr val="000000"/>
                   </a:solidFill>
@@ -3989,7 +3990,7 @@
             </a:ln>
             <a:extLst>
               <a:ext uri="{91240B29-F687-4f45-9708-019B960494DF}">
-                <a14:hiddenLine xmlns="" xmlns:a14="http://schemas.microsoft.com/office/drawing/2010/main" w="9525">
+                <a14:hiddenLine xmlns:a14="http://schemas.microsoft.com/office/drawing/2010/main" xmlns="" w="9525">
                   <a:solidFill>
                     <a:srgbClr val="000000"/>
                   </a:solidFill>
@@ -4079,7 +4080,7 @@
             </a:ln>
             <a:extLst>
               <a:ext uri="{91240B29-F687-4f45-9708-019B960494DF}">
-                <a14:hiddenLine xmlns="" xmlns:a14="http://schemas.microsoft.com/office/drawing/2010/main" w="9525">
+                <a14:hiddenLine xmlns:a14="http://schemas.microsoft.com/office/drawing/2010/main" xmlns="" w="9525">
                   <a:solidFill>
                     <a:srgbClr val="000000"/>
                   </a:solidFill>
@@ -4113,7 +4114,7 @@
             </a:ln>
             <a:extLst>
               <a:ext uri="{91240B29-F687-4f45-9708-019B960494DF}">
-                <a14:hiddenLine xmlns="" xmlns:a14="http://schemas.microsoft.com/office/drawing/2010/main" w="9525">
+                <a14:hiddenLine xmlns:a14="http://schemas.microsoft.com/office/drawing/2010/main" xmlns="" w="9525">
                   <a:solidFill>
                     <a:srgbClr val="000000"/>
                   </a:solidFill>
@@ -4178,7 +4179,7 @@
             </a:ln>
             <a:extLst>
               <a:ext uri="{91240B29-F687-4f45-9708-019B960494DF}">
-                <a14:hiddenLine xmlns="" xmlns:a14="http://schemas.microsoft.com/office/drawing/2010/main" w="9525">
+                <a14:hiddenLine xmlns:a14="http://schemas.microsoft.com/office/drawing/2010/main" xmlns="" w="9525">
                   <a:solidFill>
                     <a:srgbClr val="000000"/>
                   </a:solidFill>
@@ -4268,7 +4269,7 @@
             </a:ln>
             <a:extLst>
               <a:ext uri="{91240B29-F687-4f45-9708-019B960494DF}">
-                <a14:hiddenLine xmlns="" xmlns:a14="http://schemas.microsoft.com/office/drawing/2010/main" w="9525">
+                <a14:hiddenLine xmlns:a14="http://schemas.microsoft.com/office/drawing/2010/main" xmlns="" w="9525">
                   <a:solidFill>
                     <a:srgbClr val="000000"/>
                   </a:solidFill>
@@ -4330,7 +4331,7 @@
             </a:ln>
             <a:extLst>
               <a:ext uri="{91240B29-F687-4f45-9708-019B960494DF}">
-                <a14:hiddenLine xmlns="" xmlns:a14="http://schemas.microsoft.com/office/drawing/2010/main" w="9525">
+                <a14:hiddenLine xmlns:a14="http://schemas.microsoft.com/office/drawing/2010/main" xmlns="" w="9525">
                   <a:solidFill>
                     <a:srgbClr val="000000"/>
                   </a:solidFill>
@@ -4420,7 +4421,7 @@
             </a:ln>
             <a:extLst>
               <a:ext uri="{91240B29-F687-4f45-9708-019B960494DF}">
-                <a14:hiddenLine xmlns="" xmlns:a14="http://schemas.microsoft.com/office/drawing/2010/main" w="9525">
+                <a14:hiddenLine xmlns:a14="http://schemas.microsoft.com/office/drawing/2010/main" xmlns="" w="9525">
                   <a:solidFill>
                     <a:srgbClr val="000000"/>
                   </a:solidFill>
@@ -4510,7 +4511,7 @@
             </a:ln>
             <a:extLst>
               <a:ext uri="{91240B29-F687-4f45-9708-019B960494DF}">
-                <a14:hiddenLine xmlns="" xmlns:a14="http://schemas.microsoft.com/office/drawing/2010/main" w="9525">
+                <a14:hiddenLine xmlns:a14="http://schemas.microsoft.com/office/drawing/2010/main" xmlns="" w="9525">
                   <a:solidFill>
                     <a:srgbClr val="000000"/>
                   </a:solidFill>
@@ -4575,7 +4576,7 @@
             </a:ln>
             <a:extLst>
               <a:ext uri="{91240B29-F687-4f45-9708-019B960494DF}">
-                <a14:hiddenLine xmlns="" xmlns:a14="http://schemas.microsoft.com/office/drawing/2010/main" w="9525">
+                <a14:hiddenLine xmlns:a14="http://schemas.microsoft.com/office/drawing/2010/main" xmlns="" w="9525">
                   <a:solidFill>
                     <a:srgbClr val="000000"/>
                   </a:solidFill>
@@ -4637,7 +4638,7 @@
             </a:ln>
             <a:extLst>
               <a:ext uri="{91240B29-F687-4f45-9708-019B960494DF}">
-                <a14:hiddenLine xmlns="" xmlns:a14="http://schemas.microsoft.com/office/drawing/2010/main" w="9525">
+                <a14:hiddenLine xmlns:a14="http://schemas.microsoft.com/office/drawing/2010/main" xmlns="" w="9525">
                   <a:solidFill>
                     <a:srgbClr val="000000"/>
                   </a:solidFill>
@@ -4727,7 +4728,7 @@
             </a:ln>
             <a:extLst>
               <a:ext uri="{91240B29-F687-4f45-9708-019B960494DF}">
-                <a14:hiddenLine xmlns="" xmlns:a14="http://schemas.microsoft.com/office/drawing/2010/main" w="9525">
+                <a14:hiddenLine xmlns:a14="http://schemas.microsoft.com/office/drawing/2010/main" xmlns="" w="9525">
                   <a:solidFill>
                     <a:srgbClr val="000000"/>
                   </a:solidFill>
@@ -4817,7 +4818,7 @@
             </a:ln>
             <a:extLst>
               <a:ext uri="{91240B29-F687-4f45-9708-019B960494DF}">
-                <a14:hiddenLine xmlns="" xmlns:a14="http://schemas.microsoft.com/office/drawing/2010/main" w="9525">
+                <a14:hiddenLine xmlns:a14="http://schemas.microsoft.com/office/drawing/2010/main" xmlns="" w="9525">
                   <a:solidFill>
                     <a:srgbClr val="000000"/>
                   </a:solidFill>
@@ -4879,7 +4880,7 @@
             </a:ln>
             <a:extLst>
               <a:ext uri="{91240B29-F687-4f45-9708-019B960494DF}">
-                <a14:hiddenLine xmlns="" xmlns:a14="http://schemas.microsoft.com/office/drawing/2010/main" w="9525">
+                <a14:hiddenLine xmlns:a14="http://schemas.microsoft.com/office/drawing/2010/main" xmlns="" w="9525">
                   <a:solidFill>
                     <a:srgbClr val="000000"/>
                   </a:solidFill>
@@ -4999,7 +5000,7 @@
             </a:ln>
             <a:extLst>
               <a:ext uri="{91240B29-F687-4f45-9708-019B960494DF}">
-                <a14:hiddenLine xmlns="" xmlns:a14="http://schemas.microsoft.com/office/drawing/2010/main" w="9525">
+                <a14:hiddenLine xmlns:a14="http://schemas.microsoft.com/office/drawing/2010/main" xmlns="" w="9525">
                   <a:solidFill>
                     <a:srgbClr val="000000"/>
                   </a:solidFill>
@@ -5067,7 +5068,7 @@
             </a:ln>
             <a:extLst>
               <a:ext uri="{91240B29-F687-4f45-9708-019B960494DF}">
-                <a14:hiddenLine xmlns="" xmlns:a14="http://schemas.microsoft.com/office/drawing/2010/main" w="9525">
+                <a14:hiddenLine xmlns:a14="http://schemas.microsoft.com/office/drawing/2010/main" xmlns="" w="9525">
                   <a:solidFill>
                     <a:srgbClr val="000000"/>
                   </a:solidFill>
@@ -5157,7 +5158,7 @@
             </a:ln>
             <a:extLst>
               <a:ext uri="{91240B29-F687-4f45-9708-019B960494DF}">
-                <a14:hiddenLine xmlns="" xmlns:a14="http://schemas.microsoft.com/office/drawing/2010/main" w="9525">
+                <a14:hiddenLine xmlns:a14="http://schemas.microsoft.com/office/drawing/2010/main" xmlns="" w="9525">
                   <a:solidFill>
                     <a:srgbClr val="000000"/>
                   </a:solidFill>
@@ -9886,7 +9887,7 @@
           <a:noFill/>
           <a:extLst>
             <a:ext uri="{909E8E84-426E-40dd-AFC4-6F175D3DCCD1}">
-              <a14:hiddenFill xmlns="" xmlns:a14="http://schemas.microsoft.com/office/drawing/2010/main">
+              <a14:hiddenFill xmlns:a14="http://schemas.microsoft.com/office/drawing/2010/main" xmlns="">
                 <a:solidFill>
                   <a:srgbClr val="FFFFFF"/>
                 </a:solidFill>
@@ -9960,7 +9961,7 @@
               </a:ln>
               <a:extLst>
                 <a:ext uri="{91240B29-F687-4f45-9708-019B960494DF}">
-                  <a14:hiddenLine xmlns="" xmlns:a14="http://schemas.microsoft.com/office/drawing/2010/main" w="9525">
+                  <a14:hiddenLine xmlns:a14="http://schemas.microsoft.com/office/drawing/2010/main" xmlns="" w="9525">
                     <a:solidFill>
                       <a:srgbClr val="000000"/>
                     </a:solidFill>
@@ -10050,7 +10051,7 @@
               </a:ln>
               <a:extLst>
                 <a:ext uri="{91240B29-F687-4f45-9708-019B960494DF}">
-                  <a14:hiddenLine xmlns="" xmlns:a14="http://schemas.microsoft.com/office/drawing/2010/main" w="9525">
+                  <a14:hiddenLine xmlns:a14="http://schemas.microsoft.com/office/drawing/2010/main" xmlns="" w="9525">
                     <a:solidFill>
                       <a:srgbClr val="000000"/>
                     </a:solidFill>
@@ -10140,7 +10141,7 @@
               </a:ln>
               <a:extLst>
                 <a:ext uri="{91240B29-F687-4f45-9708-019B960494DF}">
-                  <a14:hiddenLine xmlns="" xmlns:a14="http://schemas.microsoft.com/office/drawing/2010/main" w="9525">
+                  <a14:hiddenLine xmlns:a14="http://schemas.microsoft.com/office/drawing/2010/main" xmlns="" w="9525">
                     <a:solidFill>
                       <a:srgbClr val="000000"/>
                     </a:solidFill>
@@ -10202,7 +10203,7 @@
               </a:ln>
               <a:extLst>
                 <a:ext uri="{91240B29-F687-4f45-9708-019B960494DF}">
-                  <a14:hiddenLine xmlns="" xmlns:a14="http://schemas.microsoft.com/office/drawing/2010/main" w="9525">
+                  <a14:hiddenLine xmlns:a14="http://schemas.microsoft.com/office/drawing/2010/main" xmlns="" w="9525">
                     <a:solidFill>
                       <a:srgbClr val="000000"/>
                     </a:solidFill>
@@ -10292,7 +10293,7 @@
               </a:ln>
               <a:extLst>
                 <a:ext uri="{91240B29-F687-4f45-9708-019B960494DF}">
-                  <a14:hiddenLine xmlns="" xmlns:a14="http://schemas.microsoft.com/office/drawing/2010/main" w="9525">
+                  <a14:hiddenLine xmlns:a14="http://schemas.microsoft.com/office/drawing/2010/main" xmlns="" w="9525">
                     <a:solidFill>
                       <a:srgbClr val="000000"/>
                     </a:solidFill>
@@ -10354,7 +10355,7 @@
               </a:ln>
               <a:extLst>
                 <a:ext uri="{91240B29-F687-4f45-9708-019B960494DF}">
-                  <a14:hiddenLine xmlns="" xmlns:a14="http://schemas.microsoft.com/office/drawing/2010/main" w="9525">
+                  <a14:hiddenLine xmlns:a14="http://schemas.microsoft.com/office/drawing/2010/main" xmlns="" w="9525">
                     <a:solidFill>
                       <a:srgbClr val="000000"/>
                     </a:solidFill>
@@ -10416,7 +10417,7 @@
               </a:ln>
               <a:extLst>
                 <a:ext uri="{91240B29-F687-4f45-9708-019B960494DF}">
-                  <a14:hiddenLine xmlns="" xmlns:a14="http://schemas.microsoft.com/office/drawing/2010/main" w="9525">
+                  <a14:hiddenLine xmlns:a14="http://schemas.microsoft.com/office/drawing/2010/main" xmlns="" w="9525">
                     <a:solidFill>
                       <a:srgbClr val="000000"/>
                     </a:solidFill>
@@ -10506,7 +10507,7 @@
               </a:ln>
               <a:extLst>
                 <a:ext uri="{91240B29-F687-4f45-9708-019B960494DF}">
-                  <a14:hiddenLine xmlns="" xmlns:a14="http://schemas.microsoft.com/office/drawing/2010/main" w="9525">
+                  <a14:hiddenLine xmlns:a14="http://schemas.microsoft.com/office/drawing/2010/main" xmlns="" w="9525">
                     <a:solidFill>
                       <a:srgbClr val="000000"/>
                     </a:solidFill>
@@ -10596,7 +10597,7 @@
               </a:ln>
               <a:extLst>
                 <a:ext uri="{91240B29-F687-4f45-9708-019B960494DF}">
-                  <a14:hiddenLine xmlns="" xmlns:a14="http://schemas.microsoft.com/office/drawing/2010/main" w="9525">
+                  <a14:hiddenLine xmlns:a14="http://schemas.microsoft.com/office/drawing/2010/main" xmlns="" w="9525">
                     <a:solidFill>
                       <a:srgbClr val="000000"/>
                     </a:solidFill>
@@ -10658,7 +10659,7 @@
               </a:ln>
               <a:extLst>
                 <a:ext uri="{91240B29-F687-4f45-9708-019B960494DF}">
-                  <a14:hiddenLine xmlns="" xmlns:a14="http://schemas.microsoft.com/office/drawing/2010/main" w="9525">
+                  <a14:hiddenLine xmlns:a14="http://schemas.microsoft.com/office/drawing/2010/main" xmlns="" w="9525">
                     <a:solidFill>
                       <a:srgbClr val="000000"/>
                     </a:solidFill>
@@ -10768,7 +10769,7 @@
               </a:ln>
               <a:extLst>
                 <a:ext uri="{91240B29-F687-4f45-9708-019B960494DF}">
-                  <a14:hiddenLine xmlns="" xmlns:a14="http://schemas.microsoft.com/office/drawing/2010/main" w="9525">
+                  <a14:hiddenLine xmlns:a14="http://schemas.microsoft.com/office/drawing/2010/main" xmlns="" w="9525">
                     <a:solidFill>
                       <a:srgbClr val="000000"/>
                     </a:solidFill>
@@ -10852,7 +10853,7 @@
               </a:ln>
               <a:extLst>
                 <a:ext uri="{91240B29-F687-4f45-9708-019B960494DF}">
-                  <a14:hiddenLine xmlns="" xmlns:a14="http://schemas.microsoft.com/office/drawing/2010/main" w="9525">
+                  <a14:hiddenLine xmlns:a14="http://schemas.microsoft.com/office/drawing/2010/main" xmlns="" w="9525">
                     <a:solidFill>
                       <a:srgbClr val="000000"/>
                     </a:solidFill>
@@ -10914,7 +10915,7 @@
               </a:ln>
               <a:extLst>
                 <a:ext uri="{91240B29-F687-4f45-9708-019B960494DF}">
-                  <a14:hiddenLine xmlns="" xmlns:a14="http://schemas.microsoft.com/office/drawing/2010/main" w="9525">
+                  <a14:hiddenLine xmlns:a14="http://schemas.microsoft.com/office/drawing/2010/main" xmlns="" w="9525">
                     <a:solidFill>
                       <a:srgbClr val="000000"/>
                     </a:solidFill>
@@ -10976,7 +10977,7 @@
               </a:ln>
               <a:extLst>
                 <a:ext uri="{91240B29-F687-4f45-9708-019B960494DF}">
-                  <a14:hiddenLine xmlns="" xmlns:a14="http://schemas.microsoft.com/office/drawing/2010/main" w="9525">
+                  <a14:hiddenLine xmlns:a14="http://schemas.microsoft.com/office/drawing/2010/main" xmlns="" w="9525">
                     <a:solidFill>
                       <a:srgbClr val="000000"/>
                     </a:solidFill>
@@ -11066,7 +11067,7 @@
               </a:ln>
               <a:extLst>
                 <a:ext uri="{91240B29-F687-4f45-9708-019B960494DF}">
-                  <a14:hiddenLine xmlns="" xmlns:a14="http://schemas.microsoft.com/office/drawing/2010/main" w="9525">
+                  <a14:hiddenLine xmlns:a14="http://schemas.microsoft.com/office/drawing/2010/main" xmlns="" w="9525">
                     <a:solidFill>
                       <a:srgbClr val="000000"/>
                     </a:solidFill>
@@ -11100,7 +11101,7 @@
               </a:ln>
               <a:extLst>
                 <a:ext uri="{91240B29-F687-4f45-9708-019B960494DF}">
-                  <a14:hiddenLine xmlns="" xmlns:a14="http://schemas.microsoft.com/office/drawing/2010/main" w="9525">
+                  <a14:hiddenLine xmlns:a14="http://schemas.microsoft.com/office/drawing/2010/main" xmlns="" w="9525">
                     <a:solidFill>
                       <a:srgbClr val="000000"/>
                     </a:solidFill>
@@ -11165,7 +11166,7 @@
               </a:ln>
               <a:extLst>
                 <a:ext uri="{91240B29-F687-4f45-9708-019B960494DF}">
-                  <a14:hiddenLine xmlns="" xmlns:a14="http://schemas.microsoft.com/office/drawing/2010/main" w="9525">
+                  <a14:hiddenLine xmlns:a14="http://schemas.microsoft.com/office/drawing/2010/main" xmlns="" w="9525">
                     <a:solidFill>
                       <a:srgbClr val="000000"/>
                     </a:solidFill>
@@ -11255,7 +11256,7 @@
               </a:ln>
               <a:extLst>
                 <a:ext uri="{91240B29-F687-4f45-9708-019B960494DF}">
-                  <a14:hiddenLine xmlns="" xmlns:a14="http://schemas.microsoft.com/office/drawing/2010/main" w="9525">
+                  <a14:hiddenLine xmlns:a14="http://schemas.microsoft.com/office/drawing/2010/main" xmlns="" w="9525">
                     <a:solidFill>
                       <a:srgbClr val="000000"/>
                     </a:solidFill>
@@ -11317,7 +11318,7 @@
               </a:ln>
               <a:extLst>
                 <a:ext uri="{91240B29-F687-4f45-9708-019B960494DF}">
-                  <a14:hiddenLine xmlns="" xmlns:a14="http://schemas.microsoft.com/office/drawing/2010/main" w="9525">
+                  <a14:hiddenLine xmlns:a14="http://schemas.microsoft.com/office/drawing/2010/main" xmlns="" w="9525">
                     <a:solidFill>
                       <a:srgbClr val="000000"/>
                     </a:solidFill>
@@ -11407,7 +11408,7 @@
               </a:ln>
               <a:extLst>
                 <a:ext uri="{91240B29-F687-4f45-9708-019B960494DF}">
-                  <a14:hiddenLine xmlns="" xmlns:a14="http://schemas.microsoft.com/office/drawing/2010/main" w="9525">
+                  <a14:hiddenLine xmlns:a14="http://schemas.microsoft.com/office/drawing/2010/main" xmlns="" w="9525">
                     <a:solidFill>
                       <a:srgbClr val="000000"/>
                     </a:solidFill>
@@ -11472,7 +11473,7 @@
               </a:ln>
               <a:extLst>
                 <a:ext uri="{91240B29-F687-4f45-9708-019B960494DF}">
-                  <a14:hiddenLine xmlns="" xmlns:a14="http://schemas.microsoft.com/office/drawing/2010/main" w="9525">
+                  <a14:hiddenLine xmlns:a14="http://schemas.microsoft.com/office/drawing/2010/main" xmlns="" w="9525">
                     <a:solidFill>
                       <a:srgbClr val="000000"/>
                     </a:solidFill>
@@ -11534,7 +11535,7 @@
               </a:ln>
               <a:extLst>
                 <a:ext uri="{91240B29-F687-4f45-9708-019B960494DF}">
-                  <a14:hiddenLine xmlns="" xmlns:a14="http://schemas.microsoft.com/office/drawing/2010/main" w="9525">
+                  <a14:hiddenLine xmlns:a14="http://schemas.microsoft.com/office/drawing/2010/main" xmlns="" w="9525">
                     <a:solidFill>
                       <a:srgbClr val="000000"/>
                     </a:solidFill>
@@ -11624,7 +11625,7 @@
               </a:ln>
               <a:extLst>
                 <a:ext uri="{91240B29-F687-4f45-9708-019B960494DF}">
-                  <a14:hiddenLine xmlns="" xmlns:a14="http://schemas.microsoft.com/office/drawing/2010/main" w="9525">
+                  <a14:hiddenLine xmlns:a14="http://schemas.microsoft.com/office/drawing/2010/main" xmlns="" w="9525">
                     <a:solidFill>
                       <a:srgbClr val="000000"/>
                     </a:solidFill>
@@ -11714,7 +11715,7 @@
               </a:ln>
               <a:extLst>
                 <a:ext uri="{91240B29-F687-4f45-9708-019B960494DF}">
-                  <a14:hiddenLine xmlns="" xmlns:a14="http://schemas.microsoft.com/office/drawing/2010/main" w="9525">
+                  <a14:hiddenLine xmlns:a14="http://schemas.microsoft.com/office/drawing/2010/main" xmlns="" w="9525">
                     <a:solidFill>
                       <a:srgbClr val="000000"/>
                     </a:solidFill>
@@ -11779,7 +11780,7 @@
               </a:ln>
               <a:extLst>
                 <a:ext uri="{91240B29-F687-4f45-9708-019B960494DF}">
-                  <a14:hiddenLine xmlns="" xmlns:a14="http://schemas.microsoft.com/office/drawing/2010/main" w="9525">
+                  <a14:hiddenLine xmlns:a14="http://schemas.microsoft.com/office/drawing/2010/main" xmlns="" w="9525">
                     <a:solidFill>
                       <a:srgbClr val="000000"/>
                     </a:solidFill>
@@ -11899,7 +11900,7 @@
               </a:ln>
               <a:extLst>
                 <a:ext uri="{91240B29-F687-4f45-9708-019B960494DF}">
-                  <a14:hiddenLine xmlns="" xmlns:a14="http://schemas.microsoft.com/office/drawing/2010/main" w="9525">
+                  <a14:hiddenLine xmlns:a14="http://schemas.microsoft.com/office/drawing/2010/main" xmlns="" w="9525">
                     <a:solidFill>
                       <a:srgbClr val="000000"/>
                     </a:solidFill>
@@ -11980,7 +11981,7 @@
               </a:ln>
               <a:extLst>
                 <a:ext uri="{91240B29-F687-4f45-9708-019B960494DF}">
-                  <a14:hiddenLine xmlns="" xmlns:a14="http://schemas.microsoft.com/office/drawing/2010/main" w="9525">
+                  <a14:hiddenLine xmlns:a14="http://schemas.microsoft.com/office/drawing/2010/main" xmlns="" w="9525">
                     <a:solidFill>
                       <a:srgbClr val="000000"/>
                     </a:solidFill>
@@ -12095,7 +12096,7 @@
               </a:ln>
               <a:extLst>
                 <a:ext uri="{91240B29-F687-4f45-9708-019B960494DF}">
-                  <a14:hiddenLine xmlns="" xmlns:a14="http://schemas.microsoft.com/office/drawing/2010/main" w="9525">
+                  <a14:hiddenLine xmlns:a14="http://schemas.microsoft.com/office/drawing/2010/main" xmlns="" w="9525">
                     <a:solidFill>
                       <a:srgbClr val="000000"/>
                     </a:solidFill>
@@ -12185,7 +12186,7 @@
               </a:ln>
               <a:extLst>
                 <a:ext uri="{91240B29-F687-4f45-9708-019B960494DF}">
-                  <a14:hiddenLine xmlns="" xmlns:a14="http://schemas.microsoft.com/office/drawing/2010/main" w="9525">
+                  <a14:hiddenLine xmlns:a14="http://schemas.microsoft.com/office/drawing/2010/main" xmlns="" w="9525">
                     <a:solidFill>
                       <a:srgbClr val="000000"/>
                     </a:solidFill>
@@ -12250,7 +12251,7 @@
               </a:ln>
               <a:extLst>
                 <a:ext uri="{91240B29-F687-4f45-9708-019B960494DF}">
-                  <a14:hiddenLine xmlns="" xmlns:a14="http://schemas.microsoft.com/office/drawing/2010/main" w="9525">
+                  <a14:hiddenLine xmlns:a14="http://schemas.microsoft.com/office/drawing/2010/main" xmlns="" w="9525">
                     <a:solidFill>
                       <a:srgbClr val="000000"/>
                     </a:solidFill>
@@ -12340,7 +12341,7 @@
               </a:ln>
               <a:extLst>
                 <a:ext uri="{91240B29-F687-4f45-9708-019B960494DF}">
-                  <a14:hiddenLine xmlns="" xmlns:a14="http://schemas.microsoft.com/office/drawing/2010/main" w="9525">
+                  <a14:hiddenLine xmlns:a14="http://schemas.microsoft.com/office/drawing/2010/main" xmlns="" w="9525">
                     <a:solidFill>
                       <a:srgbClr val="000000"/>
                     </a:solidFill>
@@ -12408,7 +12409,7 @@
               </a:ln>
               <a:extLst>
                 <a:ext uri="{91240B29-F687-4f45-9708-019B960494DF}">
-                  <a14:hiddenLine xmlns="" xmlns:a14="http://schemas.microsoft.com/office/drawing/2010/main" w="9525">
+                  <a14:hiddenLine xmlns:a14="http://schemas.microsoft.com/office/drawing/2010/main" xmlns="" w="9525">
                     <a:solidFill>
                       <a:srgbClr val="000000"/>
                     </a:solidFill>
@@ -12498,7 +12499,7 @@
               </a:ln>
               <a:extLst>
                 <a:ext uri="{91240B29-F687-4f45-9708-019B960494DF}">
-                  <a14:hiddenLine xmlns="" xmlns:a14="http://schemas.microsoft.com/office/drawing/2010/main" w="9525">
+                  <a14:hiddenLine xmlns:a14="http://schemas.microsoft.com/office/drawing/2010/main" xmlns="" w="9525">
                     <a:solidFill>
                       <a:srgbClr val="000000"/>
                     </a:solidFill>
@@ -12566,7 +12567,7 @@
               </a:ln>
               <a:extLst>
                 <a:ext uri="{91240B29-F687-4f45-9708-019B960494DF}">
-                  <a14:hiddenLine xmlns="" xmlns:a14="http://schemas.microsoft.com/office/drawing/2010/main" w="9525">
+                  <a14:hiddenLine xmlns:a14="http://schemas.microsoft.com/office/drawing/2010/main" xmlns="" w="9525">
                     <a:solidFill>
                       <a:srgbClr val="000000"/>
                     </a:solidFill>
@@ -12656,7 +12657,7 @@
               </a:ln>
               <a:extLst>
                 <a:ext uri="{91240B29-F687-4f45-9708-019B960494DF}">
-                  <a14:hiddenLine xmlns="" xmlns:a14="http://schemas.microsoft.com/office/drawing/2010/main" w="9525">
+                  <a14:hiddenLine xmlns:a14="http://schemas.microsoft.com/office/drawing/2010/main" xmlns="" w="9525">
                     <a:solidFill>
                       <a:srgbClr val="000000"/>
                     </a:solidFill>
@@ -12690,7 +12691,7 @@
               </a:ln>
               <a:extLst>
                 <a:ext uri="{91240B29-F687-4f45-9708-019B960494DF}">
-                  <a14:hiddenLine xmlns="" xmlns:a14="http://schemas.microsoft.com/office/drawing/2010/main" w="9525">
+                  <a14:hiddenLine xmlns:a14="http://schemas.microsoft.com/office/drawing/2010/main" xmlns="" w="9525">
                     <a:solidFill>
                       <a:srgbClr val="000000"/>
                     </a:solidFill>
@@ -13497,6 +13498,326 @@
 </p:sld>
 </file>
 
+<file path=ppt/slides/slide12.xml><?xml version="1.0" encoding="utf-8"?>
+<p:sld xmlns:a="http://schemas.openxmlformats.org/drawingml/2006/main" xmlns:r="http://schemas.openxmlformats.org/officeDocument/2006/relationships" xmlns:p="http://schemas.openxmlformats.org/presentationml/2006/main">
+  <p:cSld>
+    <p:spTree>
+      <p:nvGrpSpPr>
+        <p:cNvPr id="1" name=""/>
+        <p:cNvGrpSpPr/>
+        <p:nvPr/>
+      </p:nvGrpSpPr>
+      <p:grpSpPr>
+        <a:xfrm>
+          <a:off x="0" y="0"/>
+          <a:ext cx="0" cy="0"/>
+          <a:chOff x="0" y="0"/>
+          <a:chExt cx="0" cy="0"/>
+        </a:xfrm>
+      </p:grpSpPr>
+      <p:sp>
+        <p:nvSpPr>
+          <p:cNvPr id="2" name="Titel 1">
+            <a:extLst>
+              <a:ext uri="{FF2B5EF4-FFF2-40B4-BE49-F238E27FC236}">
+                <a16:creationId xmlns:a16="http://schemas.microsoft.com/office/drawing/2014/main" id="{B853FFDA-41BB-4C1C-ADDC-F434E5644A3C}"/>
+              </a:ext>
+            </a:extLst>
+          </p:cNvPr>
+          <p:cNvSpPr>
+            <a:spLocks noGrp="1"/>
+          </p:cNvSpPr>
+          <p:nvPr>
+            <p:ph type="title"/>
+          </p:nvPr>
+        </p:nvSpPr>
+        <p:spPr/>
+        <p:txBody>
+          <a:bodyPr/>
+          <a:lstStyle/>
+          <a:p>
+            <a:r>
+              <a:rPr lang="de-DE" dirty="0"/>
+              <a:t>Images </a:t>
+            </a:r>
+          </a:p>
+        </p:txBody>
+      </p:sp>
+      <p:sp>
+        <p:nvSpPr>
+          <p:cNvPr id="3" name="Inhaltsplatzhalter 2">
+            <a:extLst>
+              <a:ext uri="{FF2B5EF4-FFF2-40B4-BE49-F238E27FC236}">
+                <a16:creationId xmlns:a16="http://schemas.microsoft.com/office/drawing/2014/main" id="{D815A6F7-CCAD-48E2-9D85-7D1C8C38553E}"/>
+              </a:ext>
+            </a:extLst>
+          </p:cNvPr>
+          <p:cNvSpPr>
+            <a:spLocks noGrp="1"/>
+          </p:cNvSpPr>
+          <p:nvPr>
+            <p:ph idx="1"/>
+          </p:nvPr>
+        </p:nvSpPr>
+        <p:spPr/>
+        <p:txBody>
+          <a:bodyPr/>
+          <a:lstStyle/>
+          <a:p>
+            <a:endParaRPr lang="de-DE" dirty="0"/>
+          </a:p>
+        </p:txBody>
+      </p:sp>
+      <p:pic>
+        <p:nvPicPr>
+          <p:cNvPr id="4" name="Grafik 3">
+            <a:extLst>
+              <a:ext uri="{FF2B5EF4-FFF2-40B4-BE49-F238E27FC236}">
+                <a16:creationId xmlns:a16="http://schemas.microsoft.com/office/drawing/2014/main" id="{28C08E56-E6CA-4AEA-AF18-45119CA3742F}"/>
+              </a:ext>
+            </a:extLst>
+          </p:cNvPr>
+          <p:cNvPicPr>
+            <a:picLocks noChangeAspect="1"/>
+          </p:cNvPicPr>
+          <p:nvPr/>
+        </p:nvPicPr>
+        <p:blipFill>
+          <a:blip r:embed="rId2"/>
+          <a:stretch>
+            <a:fillRect/>
+          </a:stretch>
+        </p:blipFill>
+        <p:spPr>
+          <a:xfrm>
+            <a:off x="1141411" y="1708503"/>
+            <a:ext cx="4559477" cy="4499876"/>
+          </a:xfrm>
+          <a:prstGeom prst="rect">
+            <a:avLst/>
+          </a:prstGeom>
+        </p:spPr>
+      </p:pic>
+      <p:pic>
+        <p:nvPicPr>
+          <p:cNvPr id="5" name="Grafik 4">
+            <a:extLst>
+              <a:ext uri="{FF2B5EF4-FFF2-40B4-BE49-F238E27FC236}">
+                <a16:creationId xmlns:a16="http://schemas.microsoft.com/office/drawing/2014/main" id="{BADA5C9F-1863-4742-A4A5-C20AF5BCBE29}"/>
+              </a:ext>
+            </a:extLst>
+          </p:cNvPr>
+          <p:cNvPicPr>
+            <a:picLocks noChangeAspect="1"/>
+          </p:cNvPicPr>
+          <p:nvPr/>
+        </p:nvPicPr>
+        <p:blipFill>
+          <a:blip r:embed="rId3"/>
+          <a:stretch>
+            <a:fillRect/>
+          </a:stretch>
+        </p:blipFill>
+        <p:spPr>
+          <a:xfrm>
+            <a:off x="1141410" y="1708503"/>
+            <a:ext cx="7860066" cy="797905"/>
+          </a:xfrm>
+          <a:prstGeom prst="rect">
+            <a:avLst/>
+          </a:prstGeom>
+        </p:spPr>
+      </p:pic>
+      <p:pic>
+        <p:nvPicPr>
+          <p:cNvPr id="6" name="Grafik 5">
+            <a:extLst>
+              <a:ext uri="{FF2B5EF4-FFF2-40B4-BE49-F238E27FC236}">
+                <a16:creationId xmlns:a16="http://schemas.microsoft.com/office/drawing/2014/main" id="{DC4693B8-AF37-469D-8091-43B4BE72BEEC}"/>
+              </a:ext>
+            </a:extLst>
+          </p:cNvPr>
+          <p:cNvPicPr>
+            <a:picLocks noChangeAspect="1"/>
+          </p:cNvPicPr>
+          <p:nvPr/>
+        </p:nvPicPr>
+        <p:blipFill>
+          <a:blip r:embed="rId4"/>
+          <a:stretch>
+            <a:fillRect/>
+          </a:stretch>
+        </p:blipFill>
+        <p:spPr>
+          <a:xfrm>
+            <a:off x="1141410" y="3363374"/>
+            <a:ext cx="5628915" cy="523620"/>
+          </a:xfrm>
+          <a:prstGeom prst="rect">
+            <a:avLst/>
+          </a:prstGeom>
+        </p:spPr>
+      </p:pic>
+    </p:spTree>
+    <p:extLst>
+      <p:ext uri="{BB962C8B-B14F-4D97-AF65-F5344CB8AC3E}">
+        <p14:creationId xmlns:p14="http://schemas.microsoft.com/office/powerpoint/2010/main" val="414076864"/>
+      </p:ext>
+    </p:extLst>
+  </p:cSld>
+  <p:clrMapOvr>
+    <a:masterClrMapping/>
+  </p:clrMapOvr>
+  <p:timing>
+    <p:tnLst>
+      <p:par>
+        <p:cTn id="1" dur="indefinite" restart="never" nodeType="tmRoot">
+          <p:childTnLst>
+            <p:seq concurrent="1" nextAc="seek">
+              <p:cTn id="2" dur="indefinite" nodeType="mainSeq">
+                <p:childTnLst>
+                  <p:par>
+                    <p:cTn id="3" fill="hold">
+                      <p:stCondLst>
+                        <p:cond delay="indefinite"/>
+                      </p:stCondLst>
+                      <p:childTnLst>
+                        <p:par>
+                          <p:cTn id="4" fill="hold">
+                            <p:stCondLst>
+                              <p:cond delay="0"/>
+                            </p:stCondLst>
+                            <p:childTnLst>
+                              <p:par>
+                                <p:cTn id="5" presetID="1" presetClass="exit" presetSubtype="0" fill="hold" nodeType="clickEffect">
+                                  <p:stCondLst>
+                                    <p:cond delay="0"/>
+                                  </p:stCondLst>
+                                  <p:childTnLst>
+                                    <p:set>
+                                      <p:cBhvr>
+                                        <p:cTn id="6" dur="1" fill="hold">
+                                          <p:stCondLst>
+                                            <p:cond delay="0"/>
+                                          </p:stCondLst>
+                                        </p:cTn>
+                                        <p:tgtEl>
+                                          <p:spTgt spid="4"/>
+                                        </p:tgtEl>
+                                        <p:attrNameLst>
+                                          <p:attrName>style.visibility</p:attrName>
+                                        </p:attrNameLst>
+                                      </p:cBhvr>
+                                      <p:to>
+                                        <p:strVal val="hidden"/>
+                                      </p:to>
+                                    </p:set>
+                                  </p:childTnLst>
+                                </p:cTn>
+                              </p:par>
+                              <p:par>
+                                <p:cTn id="7" presetID="1" presetClass="entr" presetSubtype="0" fill="hold" nodeType="withEffect">
+                                  <p:stCondLst>
+                                    <p:cond delay="0"/>
+                                  </p:stCondLst>
+                                  <p:childTnLst>
+                                    <p:set>
+                                      <p:cBhvr>
+                                        <p:cTn id="8" dur="1" fill="hold">
+                                          <p:stCondLst>
+                                            <p:cond delay="0"/>
+                                          </p:stCondLst>
+                                        </p:cTn>
+                                        <p:tgtEl>
+                                          <p:spTgt spid="5"/>
+                                        </p:tgtEl>
+                                        <p:attrNameLst>
+                                          <p:attrName>style.visibility</p:attrName>
+                                        </p:attrNameLst>
+                                      </p:cBhvr>
+                                      <p:to>
+                                        <p:strVal val="visible"/>
+                                      </p:to>
+                                    </p:set>
+                                  </p:childTnLst>
+                                </p:cTn>
+                              </p:par>
+                            </p:childTnLst>
+                          </p:cTn>
+                        </p:par>
+                      </p:childTnLst>
+                    </p:cTn>
+                  </p:par>
+                  <p:par>
+                    <p:cTn id="9" fill="hold">
+                      <p:stCondLst>
+                        <p:cond delay="indefinite"/>
+                      </p:stCondLst>
+                      <p:childTnLst>
+                        <p:par>
+                          <p:cTn id="10" fill="hold">
+                            <p:stCondLst>
+                              <p:cond delay="0"/>
+                            </p:stCondLst>
+                            <p:childTnLst>
+                              <p:par>
+                                <p:cTn id="11" presetID="1" presetClass="entr" presetSubtype="0" fill="hold" nodeType="clickEffect">
+                                  <p:stCondLst>
+                                    <p:cond delay="0"/>
+                                  </p:stCondLst>
+                                  <p:childTnLst>
+                                    <p:set>
+                                      <p:cBhvr>
+                                        <p:cTn id="12" dur="1" fill="hold">
+                                          <p:stCondLst>
+                                            <p:cond delay="0"/>
+                                          </p:stCondLst>
+                                        </p:cTn>
+                                        <p:tgtEl>
+                                          <p:spTgt spid="6"/>
+                                        </p:tgtEl>
+                                        <p:attrNameLst>
+                                          <p:attrName>style.visibility</p:attrName>
+                                        </p:attrNameLst>
+                                      </p:cBhvr>
+                                      <p:to>
+                                        <p:strVal val="visible"/>
+                                      </p:to>
+                                    </p:set>
+                                  </p:childTnLst>
+                                </p:cTn>
+                              </p:par>
+                            </p:childTnLst>
+                          </p:cTn>
+                        </p:par>
+                      </p:childTnLst>
+                    </p:cTn>
+                  </p:par>
+                </p:childTnLst>
+              </p:cTn>
+              <p:prevCondLst>
+                <p:cond evt="onPrev" delay="0">
+                  <p:tgtEl>
+                    <p:sldTgt/>
+                  </p:tgtEl>
+                </p:cond>
+              </p:prevCondLst>
+              <p:nextCondLst>
+                <p:cond evt="onNext" delay="0">
+                  <p:tgtEl>
+                    <p:sldTgt/>
+                  </p:tgtEl>
+                </p:cond>
+              </p:nextCondLst>
+            </p:seq>
+          </p:childTnLst>
+        </p:cTn>
+      </p:par>
+    </p:tnLst>
+  </p:timing>
+</p:sld>
+</file>
+
 <file path=ppt/slides/slide2.xml><?xml version="1.0" encoding="utf-8"?>
 <p:sld xmlns:a="http://schemas.openxmlformats.org/drawingml/2006/main" xmlns:r="http://schemas.openxmlformats.org/officeDocument/2006/relationships" xmlns:p="http://schemas.openxmlformats.org/presentationml/2006/main">
   <p:cSld>
@@ -14275,6 +14596,171 @@
   <p:clrMapOvr>
     <a:masterClrMapping/>
   </p:clrMapOvr>
+  <p:timing>
+    <p:tnLst>
+      <p:par>
+        <p:cTn id="1" dur="indefinite" restart="never" nodeType="tmRoot">
+          <p:childTnLst>
+            <p:seq concurrent="1" nextAc="seek">
+              <p:cTn id="2" dur="indefinite" nodeType="mainSeq">
+                <p:childTnLst>
+                  <p:par>
+                    <p:cTn id="3" fill="hold">
+                      <p:stCondLst>
+                        <p:cond delay="indefinite"/>
+                      </p:stCondLst>
+                      <p:childTnLst>
+                        <p:par>
+                          <p:cTn id="4" fill="hold">
+                            <p:stCondLst>
+                              <p:cond delay="0"/>
+                            </p:stCondLst>
+                            <p:childTnLst>
+                              <p:par>
+                                <p:cTn id="5" presetID="1" presetClass="entr" presetSubtype="0" fill="hold" nodeType="clickEffect">
+                                  <p:stCondLst>
+                                    <p:cond delay="0"/>
+                                  </p:stCondLst>
+                                  <p:childTnLst>
+                                    <p:set>
+                                      <p:cBhvr>
+                                        <p:cTn id="6" dur="1" fill="hold">
+                                          <p:stCondLst>
+                                            <p:cond delay="0"/>
+                                          </p:stCondLst>
+                                        </p:cTn>
+                                        <p:tgtEl>
+                                          <p:spTgt spid="6"/>
+                                        </p:tgtEl>
+                                        <p:attrNameLst>
+                                          <p:attrName>style.visibility</p:attrName>
+                                        </p:attrNameLst>
+                                      </p:cBhvr>
+                                      <p:to>
+                                        <p:strVal val="visible"/>
+                                      </p:to>
+                                    </p:set>
+                                  </p:childTnLst>
+                                </p:cTn>
+                              </p:par>
+                            </p:childTnLst>
+                          </p:cTn>
+                        </p:par>
+                      </p:childTnLst>
+                    </p:cTn>
+                  </p:par>
+                  <p:par>
+                    <p:cTn id="7" fill="hold">
+                      <p:stCondLst>
+                        <p:cond delay="indefinite"/>
+                      </p:stCondLst>
+                      <p:childTnLst>
+                        <p:par>
+                          <p:cTn id="8" fill="hold">
+                            <p:stCondLst>
+                              <p:cond delay="0"/>
+                            </p:stCondLst>
+                            <p:childTnLst>
+                              <p:par>
+                                <p:cTn id="9" presetID="1" presetClass="entr" presetSubtype="0" fill="hold" nodeType="clickEffect">
+                                  <p:stCondLst>
+                                    <p:cond delay="0"/>
+                                  </p:stCondLst>
+                                  <p:childTnLst>
+                                    <p:set>
+                                      <p:cBhvr>
+                                        <p:cTn id="10" dur="1" fill="hold">
+                                          <p:stCondLst>
+                                            <p:cond delay="0"/>
+                                          </p:stCondLst>
+                                        </p:cTn>
+                                        <p:tgtEl>
+                                          <p:spTgt spid="4"/>
+                                        </p:tgtEl>
+                                        <p:attrNameLst>
+                                          <p:attrName>style.visibility</p:attrName>
+                                        </p:attrNameLst>
+                                      </p:cBhvr>
+                                      <p:to>
+                                        <p:strVal val="visible"/>
+                                      </p:to>
+                                    </p:set>
+                                  </p:childTnLst>
+                                </p:cTn>
+                              </p:par>
+                            </p:childTnLst>
+                          </p:cTn>
+                        </p:par>
+                      </p:childTnLst>
+                    </p:cTn>
+                  </p:par>
+                  <p:par>
+                    <p:cTn id="11" fill="hold">
+                      <p:stCondLst>
+                        <p:cond delay="indefinite"/>
+                      </p:stCondLst>
+                      <p:childTnLst>
+                        <p:par>
+                          <p:cTn id="12" fill="hold">
+                            <p:stCondLst>
+                              <p:cond delay="0"/>
+                            </p:stCondLst>
+                            <p:childTnLst>
+                              <p:par>
+                                <p:cTn id="13" presetID="1" presetClass="entr" presetSubtype="0" fill="hold" nodeType="clickEffect">
+                                  <p:stCondLst>
+                                    <p:cond delay="0"/>
+                                  </p:stCondLst>
+                                  <p:childTnLst>
+                                    <p:set>
+                                      <p:cBhvr>
+                                        <p:cTn id="14" dur="1" fill="hold">
+                                          <p:stCondLst>
+                                            <p:cond delay="0"/>
+                                          </p:stCondLst>
+                                        </p:cTn>
+                                        <p:tgtEl>
+                                          <p:spTgt spid="5"/>
+                                        </p:tgtEl>
+                                        <p:attrNameLst>
+                                          <p:attrName>style.visibility</p:attrName>
+                                        </p:attrNameLst>
+                                      </p:cBhvr>
+                                      <p:to>
+                                        <p:strVal val="visible"/>
+                                      </p:to>
+                                    </p:set>
+                                  </p:childTnLst>
+                                </p:cTn>
+                              </p:par>
+                            </p:childTnLst>
+                          </p:cTn>
+                        </p:par>
+                      </p:childTnLst>
+                    </p:cTn>
+                  </p:par>
+                </p:childTnLst>
+              </p:cTn>
+              <p:prevCondLst>
+                <p:cond evt="onPrev" delay="0">
+                  <p:tgtEl>
+                    <p:sldTgt/>
+                  </p:tgtEl>
+                </p:cond>
+              </p:prevCondLst>
+              <p:nextCondLst>
+                <p:cond evt="onNext" delay="0">
+                  <p:tgtEl>
+                    <p:sldTgt/>
+                  </p:tgtEl>
+                </p:cond>
+              </p:nextCondLst>
+            </p:seq>
+          </p:childTnLst>
+        </p:cTn>
+      </p:par>
+    </p:tnLst>
+  </p:timing>
 </p:sld>
 </file>
 

--- a/IT-Kurzprojekt.pptx
+++ b/IT-Kurzprojekt.pptx
@@ -5,7 +5,7 @@
     <p:sldMasterId id="2147483648" r:id="rId1"/>
   </p:sldMasterIdLst>
   <p:notesMasterIdLst>
-    <p:notesMasterId r:id="rId14"/>
+    <p:notesMasterId r:id="rId17"/>
   </p:notesMasterIdLst>
   <p:sldIdLst>
     <p:sldId id="256" r:id="rId2"/>
@@ -19,7 +19,10 @@
     <p:sldId id="268" r:id="rId10"/>
     <p:sldId id="264" r:id="rId11"/>
     <p:sldId id="269" r:id="rId12"/>
-    <p:sldId id="271" r:id="rId13"/>
+    <p:sldId id="272" r:id="rId13"/>
+    <p:sldId id="271" r:id="rId14"/>
+    <p:sldId id="274" r:id="rId15"/>
+    <p:sldId id="273" r:id="rId16"/>
   </p:sldIdLst>
   <p:sldSz cx="12192000" cy="6858000"/>
   <p:notesSz cx="6858000" cy="9144000"/>
@@ -208,7 +211,7 @@
           <a:p>
             <a:fld id="{BC3F662D-799D-45D1-8BCA-E5F703E58855}" type="datetimeFigureOut">
               <a:rPr lang="de-DE" smtClean="0"/>
-              <a:t>02.11.2019</a:t>
+              <a:t>09.11.2019</a:t>
             </a:fld>
             <a:endParaRPr lang="de-DE"/>
           </a:p>
@@ -1016,6 +1019,174 @@
 </p:notes>
 </file>
 
+<file path=ppt/notesSlides/notesSlide6.xml><?xml version="1.0" encoding="utf-8"?>
+<p:notes xmlns:a="http://schemas.openxmlformats.org/drawingml/2006/main" xmlns:r="http://schemas.openxmlformats.org/officeDocument/2006/relationships" xmlns:p="http://schemas.openxmlformats.org/presentationml/2006/main">
+  <p:cSld>
+    <p:spTree>
+      <p:nvGrpSpPr>
+        <p:cNvPr id="1" name=""/>
+        <p:cNvGrpSpPr/>
+        <p:nvPr/>
+      </p:nvGrpSpPr>
+      <p:grpSpPr>
+        <a:xfrm>
+          <a:off x="0" y="0"/>
+          <a:ext cx="0" cy="0"/>
+          <a:chOff x="0" y="0"/>
+          <a:chExt cx="0" cy="0"/>
+        </a:xfrm>
+      </p:grpSpPr>
+      <p:sp>
+        <p:nvSpPr>
+          <p:cNvPr id="2" name="Folienbildplatzhalter 1"/>
+          <p:cNvSpPr>
+            <a:spLocks noGrp="1" noRot="1" noChangeAspect="1"/>
+          </p:cNvSpPr>
+          <p:nvPr>
+            <p:ph type="sldImg"/>
+          </p:nvPr>
+        </p:nvSpPr>
+        <p:spPr/>
+      </p:sp>
+      <p:sp>
+        <p:nvSpPr>
+          <p:cNvPr id="3" name="Notizenplatzhalter 2"/>
+          <p:cNvSpPr>
+            <a:spLocks noGrp="1"/>
+          </p:cNvSpPr>
+          <p:nvPr>
+            <p:ph type="body" idx="1"/>
+          </p:nvPr>
+        </p:nvSpPr>
+        <p:spPr/>
+        <p:txBody>
+          <a:bodyPr/>
+          <a:lstStyle/>
+          <a:p>
+            <a:endParaRPr lang="de-DE" dirty="0"/>
+          </a:p>
+        </p:txBody>
+      </p:sp>
+      <p:sp>
+        <p:nvSpPr>
+          <p:cNvPr id="4" name="Foliennummernplatzhalter 3"/>
+          <p:cNvSpPr>
+            <a:spLocks noGrp="1"/>
+          </p:cNvSpPr>
+          <p:nvPr>
+            <p:ph type="sldNum" sz="quarter" idx="5"/>
+          </p:nvPr>
+        </p:nvSpPr>
+        <p:spPr/>
+        <p:txBody>
+          <a:bodyPr/>
+          <a:lstStyle/>
+          <a:p>
+            <a:fld id="{26A06B9A-17B0-4B04-8AC6-E23EA5A58D8C}" type="slidenum">
+              <a:rPr lang="de-DE" smtClean="0"/>
+              <a:t>10</a:t>
+            </a:fld>
+            <a:endParaRPr lang="de-DE"/>
+          </a:p>
+        </p:txBody>
+      </p:sp>
+    </p:spTree>
+    <p:extLst>
+      <p:ext uri="{BB962C8B-B14F-4D97-AF65-F5344CB8AC3E}">
+        <p14:creationId xmlns:p14="http://schemas.microsoft.com/office/powerpoint/2010/main" val="2419011255"/>
+      </p:ext>
+    </p:extLst>
+  </p:cSld>
+  <p:clrMapOvr>
+    <a:masterClrMapping/>
+  </p:clrMapOvr>
+</p:notes>
+</file>
+
+<file path=ppt/notesSlides/notesSlide7.xml><?xml version="1.0" encoding="utf-8"?>
+<p:notes xmlns:a="http://schemas.openxmlformats.org/drawingml/2006/main" xmlns:r="http://schemas.openxmlformats.org/officeDocument/2006/relationships" xmlns:p="http://schemas.openxmlformats.org/presentationml/2006/main">
+  <p:cSld>
+    <p:spTree>
+      <p:nvGrpSpPr>
+        <p:cNvPr id="1" name=""/>
+        <p:cNvGrpSpPr/>
+        <p:nvPr/>
+      </p:nvGrpSpPr>
+      <p:grpSpPr>
+        <a:xfrm>
+          <a:off x="0" y="0"/>
+          <a:ext cx="0" cy="0"/>
+          <a:chOff x="0" y="0"/>
+          <a:chExt cx="0" cy="0"/>
+        </a:xfrm>
+      </p:grpSpPr>
+      <p:sp>
+        <p:nvSpPr>
+          <p:cNvPr id="2" name="Folienbildplatzhalter 1"/>
+          <p:cNvSpPr>
+            <a:spLocks noGrp="1" noRot="1" noChangeAspect="1"/>
+          </p:cNvSpPr>
+          <p:nvPr>
+            <p:ph type="sldImg"/>
+          </p:nvPr>
+        </p:nvSpPr>
+        <p:spPr/>
+      </p:sp>
+      <p:sp>
+        <p:nvSpPr>
+          <p:cNvPr id="3" name="Notizenplatzhalter 2"/>
+          <p:cNvSpPr>
+            <a:spLocks noGrp="1"/>
+          </p:cNvSpPr>
+          <p:nvPr>
+            <p:ph type="body" idx="1"/>
+          </p:nvPr>
+        </p:nvSpPr>
+        <p:spPr/>
+        <p:txBody>
+          <a:bodyPr/>
+          <a:lstStyle/>
+          <a:p>
+            <a:endParaRPr lang="de-DE" dirty="0"/>
+          </a:p>
+        </p:txBody>
+      </p:sp>
+      <p:sp>
+        <p:nvSpPr>
+          <p:cNvPr id="4" name="Foliennummernplatzhalter 3"/>
+          <p:cNvSpPr>
+            <a:spLocks noGrp="1"/>
+          </p:cNvSpPr>
+          <p:nvPr>
+            <p:ph type="sldNum" sz="quarter" idx="5"/>
+          </p:nvPr>
+        </p:nvSpPr>
+        <p:spPr/>
+        <p:txBody>
+          <a:bodyPr/>
+          <a:lstStyle/>
+          <a:p>
+            <a:fld id="{26A06B9A-17B0-4B04-8AC6-E23EA5A58D8C}" type="slidenum">
+              <a:rPr lang="de-DE" smtClean="0"/>
+              <a:t>12</a:t>
+            </a:fld>
+            <a:endParaRPr lang="de-DE"/>
+          </a:p>
+        </p:txBody>
+      </p:sp>
+    </p:spTree>
+    <p:extLst>
+      <p:ext uri="{BB962C8B-B14F-4D97-AF65-F5344CB8AC3E}">
+        <p14:creationId xmlns:p14="http://schemas.microsoft.com/office/powerpoint/2010/main" val="2486665996"/>
+      </p:ext>
+    </p:extLst>
+  </p:cSld>
+  <p:clrMapOvr>
+    <a:masterClrMapping/>
+  </p:clrMapOvr>
+</p:notes>
+</file>
+
 <file path=ppt/slideLayouts/slideLayout1.xml><?xml version="1.0" encoding="utf-8"?>
 <p:sldLayout xmlns:a="http://schemas.openxmlformats.org/drawingml/2006/main" xmlns:r="http://schemas.openxmlformats.org/officeDocument/2006/relationships" xmlns:p="http://schemas.openxmlformats.org/presentationml/2006/main" showMasterSp="0" type="title" preserve="1">
   <p:cSld name="Titelfolie">
@@ -1073,7 +1244,7 @@
           <a:noFill/>
           <a:extLst>
             <a:ext uri="{909E8E84-426E-40dd-AFC4-6F175D3DCCD1}">
-              <a14:hiddenFill xmlns:a14="http://schemas.microsoft.com/office/drawing/2010/main" xmlns="">
+              <a14:hiddenFill xmlns="" xmlns:a14="http://schemas.microsoft.com/office/drawing/2010/main">
                 <a:solidFill>
                   <a:srgbClr val="FFFFFF"/>
                 </a:solidFill>
@@ -1132,7 +1303,7 @@
             </a:ln>
             <a:extLst>
               <a:ext uri="{91240B29-F687-4f45-9708-019B960494DF}">
-                <a14:hiddenLine xmlns:a14="http://schemas.microsoft.com/office/drawing/2010/main" xmlns="" w="9525">
+                <a14:hiddenLine xmlns="" xmlns:a14="http://schemas.microsoft.com/office/drawing/2010/main" w="9525">
                   <a:solidFill>
                     <a:srgbClr val="000000"/>
                   </a:solidFill>
@@ -1222,7 +1393,7 @@
             </a:ln>
             <a:extLst>
               <a:ext uri="{91240B29-F687-4f45-9708-019B960494DF}">
-                <a14:hiddenLine xmlns:a14="http://schemas.microsoft.com/office/drawing/2010/main" xmlns="" w="9525">
+                <a14:hiddenLine xmlns="" xmlns:a14="http://schemas.microsoft.com/office/drawing/2010/main" w="9525">
                   <a:solidFill>
                     <a:srgbClr val="000000"/>
                   </a:solidFill>
@@ -1312,7 +1483,7 @@
             </a:ln>
             <a:extLst>
               <a:ext uri="{91240B29-F687-4f45-9708-019B960494DF}">
-                <a14:hiddenLine xmlns:a14="http://schemas.microsoft.com/office/drawing/2010/main" xmlns="" w="9525">
+                <a14:hiddenLine xmlns="" xmlns:a14="http://schemas.microsoft.com/office/drawing/2010/main" w="9525">
                   <a:solidFill>
                     <a:srgbClr val="000000"/>
                   </a:solidFill>
@@ -1346,7 +1517,7 @@
             </a:ln>
             <a:extLst>
               <a:ext uri="{91240B29-F687-4f45-9708-019B960494DF}">
-                <a14:hiddenLine xmlns:a14="http://schemas.microsoft.com/office/drawing/2010/main" xmlns="" w="9525">
+                <a14:hiddenLine xmlns="" xmlns:a14="http://schemas.microsoft.com/office/drawing/2010/main" w="9525">
                   <a:solidFill>
                     <a:srgbClr val="000000"/>
                   </a:solidFill>
@@ -1436,7 +1607,7 @@
             </a:ln>
             <a:extLst>
               <a:ext uri="{91240B29-F687-4f45-9708-019B960494DF}">
-                <a14:hiddenLine xmlns:a14="http://schemas.microsoft.com/office/drawing/2010/main" xmlns="" w="9525">
+                <a14:hiddenLine xmlns="" xmlns:a14="http://schemas.microsoft.com/office/drawing/2010/main" w="9525">
                   <a:solidFill>
                     <a:srgbClr val="000000"/>
                   </a:solidFill>
@@ -1498,7 +1669,7 @@
             </a:ln>
             <a:extLst>
               <a:ext uri="{91240B29-F687-4f45-9708-019B960494DF}">
-                <a14:hiddenLine xmlns:a14="http://schemas.microsoft.com/office/drawing/2010/main" xmlns="" w="9525">
+                <a14:hiddenLine xmlns="" xmlns:a14="http://schemas.microsoft.com/office/drawing/2010/main" w="9525">
                   <a:solidFill>
                     <a:srgbClr val="000000"/>
                   </a:solidFill>
@@ -1560,7 +1731,7 @@
             </a:ln>
             <a:extLst>
               <a:ext uri="{91240B29-F687-4f45-9708-019B960494DF}">
-                <a14:hiddenLine xmlns:a14="http://schemas.microsoft.com/office/drawing/2010/main" xmlns="" w="9525">
+                <a14:hiddenLine xmlns="" xmlns:a14="http://schemas.microsoft.com/office/drawing/2010/main" w="9525">
                   <a:solidFill>
                     <a:srgbClr val="000000"/>
                   </a:solidFill>
@@ -1650,7 +1821,7 @@
             </a:ln>
             <a:extLst>
               <a:ext uri="{91240B29-F687-4f45-9708-019B960494DF}">
-                <a14:hiddenLine xmlns:a14="http://schemas.microsoft.com/office/drawing/2010/main" xmlns="" w="9525">
+                <a14:hiddenLine xmlns="" xmlns:a14="http://schemas.microsoft.com/office/drawing/2010/main" w="9525">
                   <a:solidFill>
                     <a:srgbClr val="000000"/>
                   </a:solidFill>
@@ -1712,7 +1883,7 @@
             </a:ln>
             <a:extLst>
               <a:ext uri="{91240B29-F687-4f45-9708-019B960494DF}">
-                <a14:hiddenLine xmlns:a14="http://schemas.microsoft.com/office/drawing/2010/main" xmlns="" w="9525">
+                <a14:hiddenLine xmlns="" xmlns:a14="http://schemas.microsoft.com/office/drawing/2010/main" w="9525">
                   <a:solidFill>
                     <a:srgbClr val="000000"/>
                   </a:solidFill>
@@ -1774,7 +1945,7 @@
             </a:ln>
             <a:extLst>
               <a:ext uri="{91240B29-F687-4f45-9708-019B960494DF}">
-                <a14:hiddenLine xmlns:a14="http://schemas.microsoft.com/office/drawing/2010/main" xmlns="" w="9525">
+                <a14:hiddenLine xmlns="" xmlns:a14="http://schemas.microsoft.com/office/drawing/2010/main" w="9525">
                   <a:solidFill>
                     <a:srgbClr val="000000"/>
                   </a:solidFill>
@@ -1864,7 +2035,7 @@
             </a:ln>
             <a:extLst>
               <a:ext uri="{91240B29-F687-4f45-9708-019B960494DF}">
-                <a14:hiddenLine xmlns:a14="http://schemas.microsoft.com/office/drawing/2010/main" xmlns="" w="9525">
+                <a14:hiddenLine xmlns="" xmlns:a14="http://schemas.microsoft.com/office/drawing/2010/main" w="9525">
                   <a:solidFill>
                     <a:srgbClr val="000000"/>
                   </a:solidFill>
@@ -1954,7 +2125,7 @@
             </a:ln>
             <a:extLst>
               <a:ext uri="{91240B29-F687-4f45-9708-019B960494DF}">
-                <a14:hiddenLine xmlns:a14="http://schemas.microsoft.com/office/drawing/2010/main" xmlns="" w="9525">
+                <a14:hiddenLine xmlns="" xmlns:a14="http://schemas.microsoft.com/office/drawing/2010/main" w="9525">
                   <a:solidFill>
                     <a:srgbClr val="000000"/>
                   </a:solidFill>
@@ -2016,7 +2187,7 @@
             </a:ln>
             <a:extLst>
               <a:ext uri="{91240B29-F687-4f45-9708-019B960494DF}">
-                <a14:hiddenLine xmlns:a14="http://schemas.microsoft.com/office/drawing/2010/main" xmlns="" w="9525">
+                <a14:hiddenLine xmlns="" xmlns:a14="http://schemas.microsoft.com/office/drawing/2010/main" w="9525">
                   <a:solidFill>
                     <a:srgbClr val="000000"/>
                   </a:solidFill>
@@ -2126,7 +2297,7 @@
             </a:ln>
             <a:extLst>
               <a:ext uri="{91240B29-F687-4f45-9708-019B960494DF}">
-                <a14:hiddenLine xmlns:a14="http://schemas.microsoft.com/office/drawing/2010/main" xmlns="" w="9525">
+                <a14:hiddenLine xmlns="" xmlns:a14="http://schemas.microsoft.com/office/drawing/2010/main" w="9525">
                   <a:solidFill>
                     <a:srgbClr val="000000"/>
                   </a:solidFill>
@@ -2188,7 +2359,7 @@
             </a:ln>
             <a:extLst>
               <a:ext uri="{91240B29-F687-4f45-9708-019B960494DF}">
-                <a14:hiddenLine xmlns:a14="http://schemas.microsoft.com/office/drawing/2010/main" xmlns="" w="9525">
+                <a14:hiddenLine xmlns="" xmlns:a14="http://schemas.microsoft.com/office/drawing/2010/main" w="9525">
                   <a:solidFill>
                     <a:srgbClr val="000000"/>
                   </a:solidFill>
@@ -2278,7 +2449,7 @@
             </a:ln>
             <a:extLst>
               <a:ext uri="{91240B29-F687-4f45-9708-019B960494DF}">
-                <a14:hiddenLine xmlns:a14="http://schemas.microsoft.com/office/drawing/2010/main" xmlns="" w="9525">
+                <a14:hiddenLine xmlns="" xmlns:a14="http://schemas.microsoft.com/office/drawing/2010/main" w="9525">
                   <a:solidFill>
                     <a:srgbClr val="000000"/>
                   </a:solidFill>
@@ -2368,7 +2539,7 @@
             </a:ln>
             <a:extLst>
               <a:ext uri="{91240B29-F687-4f45-9708-019B960494DF}">
-                <a14:hiddenLine xmlns:a14="http://schemas.microsoft.com/office/drawing/2010/main" xmlns="" w="9525">
+                <a14:hiddenLine xmlns="" xmlns:a14="http://schemas.microsoft.com/office/drawing/2010/main" w="9525">
                   <a:solidFill>
                     <a:srgbClr val="000000"/>
                   </a:solidFill>
@@ -2430,7 +2601,7 @@
             </a:ln>
             <a:extLst>
               <a:ext uri="{91240B29-F687-4f45-9708-019B960494DF}">
-                <a14:hiddenLine xmlns:a14="http://schemas.microsoft.com/office/drawing/2010/main" xmlns="" w="9525">
+                <a14:hiddenLine xmlns="" xmlns:a14="http://schemas.microsoft.com/office/drawing/2010/main" w="9525">
                   <a:solidFill>
                     <a:srgbClr val="000000"/>
                   </a:solidFill>
@@ -2520,7 +2691,7 @@
             </a:ln>
             <a:extLst>
               <a:ext uri="{91240B29-F687-4f45-9708-019B960494DF}">
-                <a14:hiddenLine xmlns:a14="http://schemas.microsoft.com/office/drawing/2010/main" xmlns="" w="9525">
+                <a14:hiddenLine xmlns="" xmlns:a14="http://schemas.microsoft.com/office/drawing/2010/main" w="9525">
                   <a:solidFill>
                     <a:srgbClr val="000000"/>
                   </a:solidFill>
@@ -2610,7 +2781,7 @@
             </a:ln>
             <a:extLst>
               <a:ext uri="{91240B29-F687-4f45-9708-019B960494DF}">
-                <a14:hiddenLine xmlns:a14="http://schemas.microsoft.com/office/drawing/2010/main" xmlns="" w="9525">
+                <a14:hiddenLine xmlns="" xmlns:a14="http://schemas.microsoft.com/office/drawing/2010/main" w="9525">
                   <a:solidFill>
                     <a:srgbClr val="000000"/>
                   </a:solidFill>
@@ -2666,7 +2837,7 @@
             </a:ln>
             <a:extLst>
               <a:ext uri="{91240B29-F687-4f45-9708-019B960494DF}">
-                <a14:hiddenLine xmlns:a14="http://schemas.microsoft.com/office/drawing/2010/main" xmlns="" w="9525">
+                <a14:hiddenLine xmlns="" xmlns:a14="http://schemas.microsoft.com/office/drawing/2010/main" w="9525">
                   <a:solidFill>
                     <a:srgbClr val="000000"/>
                   </a:solidFill>
@@ -2756,7 +2927,7 @@
             </a:ln>
             <a:extLst>
               <a:ext uri="{91240B29-F687-4f45-9708-019B960494DF}">
-                <a14:hiddenLine xmlns:a14="http://schemas.microsoft.com/office/drawing/2010/main" xmlns="" w="9525">
+                <a14:hiddenLine xmlns="" xmlns:a14="http://schemas.microsoft.com/office/drawing/2010/main" w="9525">
                   <a:solidFill>
                     <a:srgbClr val="000000"/>
                   </a:solidFill>
@@ -2812,7 +2983,7 @@
             </a:ln>
             <a:extLst>
               <a:ext uri="{91240B29-F687-4f45-9708-019B960494DF}">
-                <a14:hiddenLine xmlns:a14="http://schemas.microsoft.com/office/drawing/2010/main" xmlns="" w="9525">
+                <a14:hiddenLine xmlns="" xmlns:a14="http://schemas.microsoft.com/office/drawing/2010/main" w="9525">
                   <a:solidFill>
                     <a:srgbClr val="000000"/>
                   </a:solidFill>
@@ -2902,7 +3073,7 @@
             </a:ln>
             <a:extLst>
               <a:ext uri="{91240B29-F687-4f45-9708-019B960494DF}">
-                <a14:hiddenLine xmlns:a14="http://schemas.microsoft.com/office/drawing/2010/main" xmlns="" w="9525">
+                <a14:hiddenLine xmlns="" xmlns:a14="http://schemas.microsoft.com/office/drawing/2010/main" w="9525">
                   <a:solidFill>
                     <a:srgbClr val="000000"/>
                   </a:solidFill>
@@ -2970,7 +3141,7 @@
             </a:ln>
             <a:extLst>
               <a:ext uri="{91240B29-F687-4f45-9708-019B960494DF}">
-                <a14:hiddenLine xmlns:a14="http://schemas.microsoft.com/office/drawing/2010/main" xmlns="" w="9525">
+                <a14:hiddenLine xmlns="" xmlns:a14="http://schemas.microsoft.com/office/drawing/2010/main" w="9525">
                   <a:solidFill>
                     <a:srgbClr val="000000"/>
                   </a:solidFill>
@@ -3060,7 +3231,7 @@
             </a:ln>
             <a:extLst>
               <a:ext uri="{91240B29-F687-4f45-9708-019B960494DF}">
-                <a14:hiddenLine xmlns:a14="http://schemas.microsoft.com/office/drawing/2010/main" xmlns="" w="9525">
+                <a14:hiddenLine xmlns="" xmlns:a14="http://schemas.microsoft.com/office/drawing/2010/main" w="9525">
                   <a:solidFill>
                     <a:srgbClr val="000000"/>
                   </a:solidFill>
@@ -3128,7 +3299,7 @@
             </a:ln>
             <a:extLst>
               <a:ext uri="{91240B29-F687-4f45-9708-019B960494DF}">
-                <a14:hiddenLine xmlns:a14="http://schemas.microsoft.com/office/drawing/2010/main" xmlns="" w="9525">
+                <a14:hiddenLine xmlns="" xmlns:a14="http://schemas.microsoft.com/office/drawing/2010/main" w="9525">
                   <a:solidFill>
                     <a:srgbClr val="000000"/>
                   </a:solidFill>
@@ -3218,7 +3389,7 @@
             </a:ln>
             <a:extLst>
               <a:ext uri="{91240B29-F687-4f45-9708-019B960494DF}">
-                <a14:hiddenLine xmlns:a14="http://schemas.microsoft.com/office/drawing/2010/main" xmlns="" w="9525">
+                <a14:hiddenLine xmlns="" xmlns:a14="http://schemas.microsoft.com/office/drawing/2010/main" w="9525">
                   <a:solidFill>
                     <a:srgbClr val="000000"/>
                   </a:solidFill>
@@ -3252,7 +3423,7 @@
             </a:ln>
             <a:extLst>
               <a:ext uri="{91240B29-F687-4f45-9708-019B960494DF}">
-                <a14:hiddenLine xmlns:a14="http://schemas.microsoft.com/office/drawing/2010/main" xmlns="" w="9525">
+                <a14:hiddenLine xmlns="" xmlns:a14="http://schemas.microsoft.com/office/drawing/2010/main" w="9525">
                   <a:solidFill>
                     <a:srgbClr val="000000"/>
                   </a:solidFill>
@@ -3342,7 +3513,7 @@
             </a:ln>
             <a:extLst>
               <a:ext uri="{91240B29-F687-4f45-9708-019B960494DF}">
-                <a14:hiddenLine xmlns:a14="http://schemas.microsoft.com/office/drawing/2010/main" xmlns="" w="9525">
+                <a14:hiddenLine xmlns="" xmlns:a14="http://schemas.microsoft.com/office/drawing/2010/main" w="9525">
                   <a:solidFill>
                     <a:srgbClr val="000000"/>
                   </a:solidFill>
@@ -3404,7 +3575,7 @@
             </a:ln>
             <a:extLst>
               <a:ext uri="{91240B29-F687-4f45-9708-019B960494DF}">
-                <a14:hiddenLine xmlns:a14="http://schemas.microsoft.com/office/drawing/2010/main" xmlns="" w="9525">
+                <a14:hiddenLine xmlns="" xmlns:a14="http://schemas.microsoft.com/office/drawing/2010/main" w="9525">
                   <a:solidFill>
                     <a:srgbClr val="000000"/>
                   </a:solidFill>
@@ -3466,7 +3637,7 @@
             </a:ln>
             <a:extLst>
               <a:ext uri="{91240B29-F687-4f45-9708-019B960494DF}">
-                <a14:hiddenLine xmlns:a14="http://schemas.microsoft.com/office/drawing/2010/main" xmlns="" w="9525">
+                <a14:hiddenLine xmlns="" xmlns:a14="http://schemas.microsoft.com/office/drawing/2010/main" w="9525">
                   <a:solidFill>
                     <a:srgbClr val="000000"/>
                   </a:solidFill>
@@ -3556,7 +3727,7 @@
             </a:ln>
             <a:extLst>
               <a:ext uri="{91240B29-F687-4f45-9708-019B960494DF}">
-                <a14:hiddenLine xmlns:a14="http://schemas.microsoft.com/office/drawing/2010/main" xmlns="" w="9525">
+                <a14:hiddenLine xmlns="" xmlns:a14="http://schemas.microsoft.com/office/drawing/2010/main" w="9525">
                   <a:solidFill>
                     <a:srgbClr val="000000"/>
                   </a:solidFill>
@@ -3624,7 +3795,7 @@
             </a:ln>
             <a:extLst>
               <a:ext uri="{91240B29-F687-4f45-9708-019B960494DF}">
-                <a14:hiddenLine xmlns:a14="http://schemas.microsoft.com/office/drawing/2010/main" xmlns="" w="9525">
+                <a14:hiddenLine xmlns="" xmlns:a14="http://schemas.microsoft.com/office/drawing/2010/main" w="9525">
                   <a:solidFill>
                     <a:srgbClr val="000000"/>
                   </a:solidFill>
@@ -3686,7 +3857,7 @@
             </a:ln>
             <a:extLst>
               <a:ext uri="{91240B29-F687-4f45-9708-019B960494DF}">
-                <a14:hiddenLine xmlns:a14="http://schemas.microsoft.com/office/drawing/2010/main" xmlns="" w="9525">
+                <a14:hiddenLine xmlns="" xmlns:a14="http://schemas.microsoft.com/office/drawing/2010/main" w="9525">
                   <a:solidFill>
                     <a:srgbClr val="000000"/>
                   </a:solidFill>
@@ -3776,7 +3947,7 @@
             </a:ln>
             <a:extLst>
               <a:ext uri="{91240B29-F687-4f45-9708-019B960494DF}">
-                <a14:hiddenLine xmlns:a14="http://schemas.microsoft.com/office/drawing/2010/main" xmlns="" w="9525">
+                <a14:hiddenLine xmlns="" xmlns:a14="http://schemas.microsoft.com/office/drawing/2010/main" w="9525">
                   <a:solidFill>
                     <a:srgbClr val="000000"/>
                   </a:solidFill>
@@ -3838,7 +4009,7 @@
             </a:ln>
             <a:extLst>
               <a:ext uri="{91240B29-F687-4f45-9708-019B960494DF}">
-                <a14:hiddenLine xmlns:a14="http://schemas.microsoft.com/office/drawing/2010/main" xmlns="" w="9525">
+                <a14:hiddenLine xmlns="" xmlns:a14="http://schemas.microsoft.com/office/drawing/2010/main" w="9525">
                   <a:solidFill>
                     <a:srgbClr val="000000"/>
                   </a:solidFill>
@@ -3928,7 +4099,7 @@
             </a:ln>
             <a:extLst>
               <a:ext uri="{91240B29-F687-4f45-9708-019B960494DF}">
-                <a14:hiddenLine xmlns:a14="http://schemas.microsoft.com/office/drawing/2010/main" xmlns="" w="9525">
+                <a14:hiddenLine xmlns="" xmlns:a14="http://schemas.microsoft.com/office/drawing/2010/main" w="9525">
                   <a:solidFill>
                     <a:srgbClr val="000000"/>
                   </a:solidFill>
@@ -3990,7 +4161,7 @@
             </a:ln>
             <a:extLst>
               <a:ext uri="{91240B29-F687-4f45-9708-019B960494DF}">
-                <a14:hiddenLine xmlns:a14="http://schemas.microsoft.com/office/drawing/2010/main" xmlns="" w="9525">
+                <a14:hiddenLine xmlns="" xmlns:a14="http://schemas.microsoft.com/office/drawing/2010/main" w="9525">
                   <a:solidFill>
                     <a:srgbClr val="000000"/>
                   </a:solidFill>
@@ -4080,7 +4251,7 @@
             </a:ln>
             <a:extLst>
               <a:ext uri="{91240B29-F687-4f45-9708-019B960494DF}">
-                <a14:hiddenLine xmlns:a14="http://schemas.microsoft.com/office/drawing/2010/main" xmlns="" w="9525">
+                <a14:hiddenLine xmlns="" xmlns:a14="http://schemas.microsoft.com/office/drawing/2010/main" w="9525">
                   <a:solidFill>
                     <a:srgbClr val="000000"/>
                   </a:solidFill>
@@ -4114,7 +4285,7 @@
             </a:ln>
             <a:extLst>
               <a:ext uri="{91240B29-F687-4f45-9708-019B960494DF}">
-                <a14:hiddenLine xmlns:a14="http://schemas.microsoft.com/office/drawing/2010/main" xmlns="" w="9525">
+                <a14:hiddenLine xmlns="" xmlns:a14="http://schemas.microsoft.com/office/drawing/2010/main" w="9525">
                   <a:solidFill>
                     <a:srgbClr val="000000"/>
                   </a:solidFill>
@@ -4179,7 +4350,7 @@
             </a:ln>
             <a:extLst>
               <a:ext uri="{91240B29-F687-4f45-9708-019B960494DF}">
-                <a14:hiddenLine xmlns:a14="http://schemas.microsoft.com/office/drawing/2010/main" xmlns="" w="9525">
+                <a14:hiddenLine xmlns="" xmlns:a14="http://schemas.microsoft.com/office/drawing/2010/main" w="9525">
                   <a:solidFill>
                     <a:srgbClr val="000000"/>
                   </a:solidFill>
@@ -4269,7 +4440,7 @@
             </a:ln>
             <a:extLst>
               <a:ext uri="{91240B29-F687-4f45-9708-019B960494DF}">
-                <a14:hiddenLine xmlns:a14="http://schemas.microsoft.com/office/drawing/2010/main" xmlns="" w="9525">
+                <a14:hiddenLine xmlns="" xmlns:a14="http://schemas.microsoft.com/office/drawing/2010/main" w="9525">
                   <a:solidFill>
                     <a:srgbClr val="000000"/>
                   </a:solidFill>
@@ -4331,7 +4502,7 @@
             </a:ln>
             <a:extLst>
               <a:ext uri="{91240B29-F687-4f45-9708-019B960494DF}">
-                <a14:hiddenLine xmlns:a14="http://schemas.microsoft.com/office/drawing/2010/main" xmlns="" w="9525">
+                <a14:hiddenLine xmlns="" xmlns:a14="http://schemas.microsoft.com/office/drawing/2010/main" w="9525">
                   <a:solidFill>
                     <a:srgbClr val="000000"/>
                   </a:solidFill>
@@ -4421,7 +4592,7 @@
             </a:ln>
             <a:extLst>
               <a:ext uri="{91240B29-F687-4f45-9708-019B960494DF}">
-                <a14:hiddenLine xmlns:a14="http://schemas.microsoft.com/office/drawing/2010/main" xmlns="" w="9525">
+                <a14:hiddenLine xmlns="" xmlns:a14="http://schemas.microsoft.com/office/drawing/2010/main" w="9525">
                   <a:solidFill>
                     <a:srgbClr val="000000"/>
                   </a:solidFill>
@@ -4511,7 +4682,7 @@
             </a:ln>
             <a:extLst>
               <a:ext uri="{91240B29-F687-4f45-9708-019B960494DF}">
-                <a14:hiddenLine xmlns:a14="http://schemas.microsoft.com/office/drawing/2010/main" xmlns="" w="9525">
+                <a14:hiddenLine xmlns="" xmlns:a14="http://schemas.microsoft.com/office/drawing/2010/main" w="9525">
                   <a:solidFill>
                     <a:srgbClr val="000000"/>
                   </a:solidFill>
@@ -4576,7 +4747,7 @@
             </a:ln>
             <a:extLst>
               <a:ext uri="{91240B29-F687-4f45-9708-019B960494DF}">
-                <a14:hiddenLine xmlns:a14="http://schemas.microsoft.com/office/drawing/2010/main" xmlns="" w="9525">
+                <a14:hiddenLine xmlns="" xmlns:a14="http://schemas.microsoft.com/office/drawing/2010/main" w="9525">
                   <a:solidFill>
                     <a:srgbClr val="000000"/>
                   </a:solidFill>
@@ -4638,7 +4809,7 @@
             </a:ln>
             <a:extLst>
               <a:ext uri="{91240B29-F687-4f45-9708-019B960494DF}">
-                <a14:hiddenLine xmlns:a14="http://schemas.microsoft.com/office/drawing/2010/main" xmlns="" w="9525">
+                <a14:hiddenLine xmlns="" xmlns:a14="http://schemas.microsoft.com/office/drawing/2010/main" w="9525">
                   <a:solidFill>
                     <a:srgbClr val="000000"/>
                   </a:solidFill>
@@ -4728,7 +4899,7 @@
             </a:ln>
             <a:extLst>
               <a:ext uri="{91240B29-F687-4f45-9708-019B960494DF}">
-                <a14:hiddenLine xmlns:a14="http://schemas.microsoft.com/office/drawing/2010/main" xmlns="" w="9525">
+                <a14:hiddenLine xmlns="" xmlns:a14="http://schemas.microsoft.com/office/drawing/2010/main" w="9525">
                   <a:solidFill>
                     <a:srgbClr val="000000"/>
                   </a:solidFill>
@@ -4818,7 +4989,7 @@
             </a:ln>
             <a:extLst>
               <a:ext uri="{91240B29-F687-4f45-9708-019B960494DF}">
-                <a14:hiddenLine xmlns:a14="http://schemas.microsoft.com/office/drawing/2010/main" xmlns="" w="9525">
+                <a14:hiddenLine xmlns="" xmlns:a14="http://schemas.microsoft.com/office/drawing/2010/main" w="9525">
                   <a:solidFill>
                     <a:srgbClr val="000000"/>
                   </a:solidFill>
@@ -4880,7 +5051,7 @@
             </a:ln>
             <a:extLst>
               <a:ext uri="{91240B29-F687-4f45-9708-019B960494DF}">
-                <a14:hiddenLine xmlns:a14="http://schemas.microsoft.com/office/drawing/2010/main" xmlns="" w="9525">
+                <a14:hiddenLine xmlns="" xmlns:a14="http://schemas.microsoft.com/office/drawing/2010/main" w="9525">
                   <a:solidFill>
                     <a:srgbClr val="000000"/>
                   </a:solidFill>
@@ -5000,7 +5171,7 @@
             </a:ln>
             <a:extLst>
               <a:ext uri="{91240B29-F687-4f45-9708-019B960494DF}">
-                <a14:hiddenLine xmlns:a14="http://schemas.microsoft.com/office/drawing/2010/main" xmlns="" w="9525">
+                <a14:hiddenLine xmlns="" xmlns:a14="http://schemas.microsoft.com/office/drawing/2010/main" w="9525">
                   <a:solidFill>
                     <a:srgbClr val="000000"/>
                   </a:solidFill>
@@ -5068,7 +5239,7 @@
             </a:ln>
             <a:extLst>
               <a:ext uri="{91240B29-F687-4f45-9708-019B960494DF}">
-                <a14:hiddenLine xmlns:a14="http://schemas.microsoft.com/office/drawing/2010/main" xmlns="" w="9525">
+                <a14:hiddenLine xmlns="" xmlns:a14="http://schemas.microsoft.com/office/drawing/2010/main" w="9525">
                   <a:solidFill>
                     <a:srgbClr val="000000"/>
                   </a:solidFill>
@@ -5158,7 +5329,7 @@
             </a:ln>
             <a:extLst>
               <a:ext uri="{91240B29-F687-4f45-9708-019B960494DF}">
-                <a14:hiddenLine xmlns:a14="http://schemas.microsoft.com/office/drawing/2010/main" xmlns="" w="9525">
+                <a14:hiddenLine xmlns="" xmlns:a14="http://schemas.microsoft.com/office/drawing/2010/main" w="9525">
                   <a:solidFill>
                     <a:srgbClr val="000000"/>
                   </a:solidFill>
@@ -5298,7 +5469,7 @@
           <a:p>
             <a:fld id="{48A87A34-81AB-432B-8DAE-1953F412C126}" type="datetimeFigureOut">
               <a:rPr lang="en-US" dirty="0"/>
-              <a:t>11/2/2019</a:t>
+              <a:t>11/9/2019</a:t>
             </a:fld>
             <a:endParaRPr lang="en-US" dirty="0"/>
           </a:p>
@@ -5560,7 +5731,7 @@
           <a:p>
             <a:fld id="{48A87A34-81AB-432B-8DAE-1953F412C126}" type="datetimeFigureOut">
               <a:rPr lang="en-US" dirty="0"/>
-              <a:t>11/2/2019</a:t>
+              <a:t>11/9/2019</a:t>
             </a:fld>
             <a:endParaRPr lang="en-US" dirty="0"/>
           </a:p>
@@ -5751,7 +5922,7 @@
           <a:p>
             <a:fld id="{48A87A34-81AB-432B-8DAE-1953F412C126}" type="datetimeFigureOut">
               <a:rPr lang="en-US" dirty="0"/>
-              <a:t>11/2/2019</a:t>
+              <a:t>11/9/2019</a:t>
             </a:fld>
             <a:endParaRPr lang="en-US" dirty="0"/>
           </a:p>
@@ -6009,7 +6180,7 @@
           <a:p>
             <a:fld id="{48A87A34-81AB-432B-8DAE-1953F412C126}" type="datetimeFigureOut">
               <a:rPr lang="en-US" dirty="0"/>
-              <a:t>11/2/2019</a:t>
+              <a:t>11/9/2019</a:t>
             </a:fld>
             <a:endParaRPr lang="en-US" dirty="0"/>
           </a:p>
@@ -6438,7 +6609,7 @@
           <a:p>
             <a:fld id="{48A87A34-81AB-432B-8DAE-1953F412C126}" type="datetimeFigureOut">
               <a:rPr lang="en-US" dirty="0"/>
-              <a:t>11/2/2019</a:t>
+              <a:t>11/9/2019</a:t>
             </a:fld>
             <a:endParaRPr lang="en-US" dirty="0"/>
           </a:p>
@@ -6979,7 +7150,7 @@
           <a:p>
             <a:fld id="{48A87A34-81AB-432B-8DAE-1953F412C126}" type="datetimeFigureOut">
               <a:rPr lang="en-US" dirty="0"/>
-              <a:t>11/2/2019</a:t>
+              <a:t>11/9/2019</a:t>
             </a:fld>
             <a:endParaRPr lang="en-US" dirty="0"/>
           </a:p>
@@ -7694,7 +7865,7 @@
           <a:p>
             <a:fld id="{48A87A34-81AB-432B-8DAE-1953F412C126}" type="datetimeFigureOut">
               <a:rPr lang="en-US" dirty="0"/>
-              <a:t>11/2/2019</a:t>
+              <a:t>11/9/2019</a:t>
             </a:fld>
             <a:endParaRPr lang="en-US" dirty="0"/>
           </a:p>
@@ -7859,7 +8030,7 @@
           <a:p>
             <a:fld id="{48A87A34-81AB-432B-8DAE-1953F412C126}" type="datetimeFigureOut">
               <a:rPr lang="en-US" dirty="0"/>
-              <a:t>11/2/2019</a:t>
+              <a:t>11/9/2019</a:t>
             </a:fld>
             <a:endParaRPr lang="en-US" dirty="0"/>
           </a:p>
@@ -8034,7 +8205,7 @@
           <a:p>
             <a:fld id="{48A87A34-81AB-432B-8DAE-1953F412C126}" type="datetimeFigureOut">
               <a:rPr lang="en-US" dirty="0"/>
-              <a:t>11/2/2019</a:t>
+              <a:t>11/9/2019</a:t>
             </a:fld>
             <a:endParaRPr lang="en-US" dirty="0"/>
           </a:p>
@@ -8199,7 +8370,7 @@
           <a:p>
             <a:fld id="{48A87A34-81AB-432B-8DAE-1953F412C126}" type="datetimeFigureOut">
               <a:rPr lang="en-US" dirty="0"/>
-              <a:t>11/2/2019</a:t>
+              <a:t>11/9/2019</a:t>
             </a:fld>
             <a:endParaRPr lang="en-US" dirty="0"/>
           </a:p>
@@ -8444,7 +8615,7 @@
           <a:p>
             <a:fld id="{48A87A34-81AB-432B-8DAE-1953F412C126}" type="datetimeFigureOut">
               <a:rPr lang="en-US" dirty="0"/>
-              <a:t>11/2/2019</a:t>
+              <a:t>11/9/2019</a:t>
             </a:fld>
             <a:endParaRPr lang="en-US" dirty="0"/>
           </a:p>
@@ -8671,7 +8842,7 @@
           <a:p>
             <a:fld id="{48A87A34-81AB-432B-8DAE-1953F412C126}" type="datetimeFigureOut">
               <a:rPr lang="en-US" dirty="0"/>
-              <a:t>11/2/2019</a:t>
+              <a:t>11/9/2019</a:t>
             </a:fld>
             <a:endParaRPr lang="en-US" dirty="0"/>
           </a:p>
@@ -9047,7 +9218,7 @@
           <a:p>
             <a:fld id="{48A87A34-81AB-432B-8DAE-1953F412C126}" type="datetimeFigureOut">
               <a:rPr lang="en-US" dirty="0"/>
-              <a:t>11/2/2019</a:t>
+              <a:t>11/9/2019</a:t>
             </a:fld>
             <a:endParaRPr lang="en-US" dirty="0"/>
           </a:p>
@@ -9160,7 +9331,7 @@
           <a:p>
             <a:fld id="{48A87A34-81AB-432B-8DAE-1953F412C126}" type="datetimeFigureOut">
               <a:rPr lang="en-US" dirty="0"/>
-              <a:t>11/2/2019</a:t>
+              <a:t>11/9/2019</a:t>
             </a:fld>
             <a:endParaRPr lang="en-US" dirty="0"/>
           </a:p>
@@ -9250,7 +9421,7 @@
           <a:p>
             <a:fld id="{48A87A34-81AB-432B-8DAE-1953F412C126}" type="datetimeFigureOut">
               <a:rPr lang="en-US" dirty="0"/>
-              <a:t>11/2/2019</a:t>
+              <a:t>11/9/2019</a:t>
             </a:fld>
             <a:endParaRPr lang="en-US" dirty="0"/>
           </a:p>
@@ -9494,7 +9665,7 @@
           <a:p>
             <a:fld id="{48A87A34-81AB-432B-8DAE-1953F412C126}" type="datetimeFigureOut">
               <a:rPr lang="en-US" dirty="0"/>
-              <a:t>11/2/2019</a:t>
+              <a:t>11/9/2019</a:t>
             </a:fld>
             <a:endParaRPr lang="en-US" dirty="0"/>
           </a:p>
@@ -9769,7 +9940,7 @@
           <a:p>
             <a:fld id="{48A87A34-81AB-432B-8DAE-1953F412C126}" type="datetimeFigureOut">
               <a:rPr lang="en-US" dirty="0"/>
-              <a:t>11/2/2019</a:t>
+              <a:t>11/9/2019</a:t>
             </a:fld>
             <a:endParaRPr lang="en-US" dirty="0"/>
           </a:p>
@@ -9887,7 +10058,7 @@
           <a:noFill/>
           <a:extLst>
             <a:ext uri="{909E8E84-426E-40dd-AFC4-6F175D3DCCD1}">
-              <a14:hiddenFill xmlns:a14="http://schemas.microsoft.com/office/drawing/2010/main" xmlns="">
+              <a14:hiddenFill xmlns="" xmlns:a14="http://schemas.microsoft.com/office/drawing/2010/main">
                 <a:solidFill>
                   <a:srgbClr val="FFFFFF"/>
                 </a:solidFill>
@@ -9961,7 +10132,7 @@
               </a:ln>
               <a:extLst>
                 <a:ext uri="{91240B29-F687-4f45-9708-019B960494DF}">
-                  <a14:hiddenLine xmlns:a14="http://schemas.microsoft.com/office/drawing/2010/main" xmlns="" w="9525">
+                  <a14:hiddenLine xmlns="" xmlns:a14="http://schemas.microsoft.com/office/drawing/2010/main" w="9525">
                     <a:solidFill>
                       <a:srgbClr val="000000"/>
                     </a:solidFill>
@@ -10051,7 +10222,7 @@
               </a:ln>
               <a:extLst>
                 <a:ext uri="{91240B29-F687-4f45-9708-019B960494DF}">
-                  <a14:hiddenLine xmlns:a14="http://schemas.microsoft.com/office/drawing/2010/main" xmlns="" w="9525">
+                  <a14:hiddenLine xmlns="" xmlns:a14="http://schemas.microsoft.com/office/drawing/2010/main" w="9525">
                     <a:solidFill>
                       <a:srgbClr val="000000"/>
                     </a:solidFill>
@@ -10141,7 +10312,7 @@
               </a:ln>
               <a:extLst>
                 <a:ext uri="{91240B29-F687-4f45-9708-019B960494DF}">
-                  <a14:hiddenLine xmlns:a14="http://schemas.microsoft.com/office/drawing/2010/main" xmlns="" w="9525">
+                  <a14:hiddenLine xmlns="" xmlns:a14="http://schemas.microsoft.com/office/drawing/2010/main" w="9525">
                     <a:solidFill>
                       <a:srgbClr val="000000"/>
                     </a:solidFill>
@@ -10203,7 +10374,7 @@
               </a:ln>
               <a:extLst>
                 <a:ext uri="{91240B29-F687-4f45-9708-019B960494DF}">
-                  <a14:hiddenLine xmlns:a14="http://schemas.microsoft.com/office/drawing/2010/main" xmlns="" w="9525">
+                  <a14:hiddenLine xmlns="" xmlns:a14="http://schemas.microsoft.com/office/drawing/2010/main" w="9525">
                     <a:solidFill>
                       <a:srgbClr val="000000"/>
                     </a:solidFill>
@@ -10293,7 +10464,7 @@
               </a:ln>
               <a:extLst>
                 <a:ext uri="{91240B29-F687-4f45-9708-019B960494DF}">
-                  <a14:hiddenLine xmlns:a14="http://schemas.microsoft.com/office/drawing/2010/main" xmlns="" w="9525">
+                  <a14:hiddenLine xmlns="" xmlns:a14="http://schemas.microsoft.com/office/drawing/2010/main" w="9525">
                     <a:solidFill>
                       <a:srgbClr val="000000"/>
                     </a:solidFill>
@@ -10355,7 +10526,7 @@
               </a:ln>
               <a:extLst>
                 <a:ext uri="{91240B29-F687-4f45-9708-019B960494DF}">
-                  <a14:hiddenLine xmlns:a14="http://schemas.microsoft.com/office/drawing/2010/main" xmlns="" w="9525">
+                  <a14:hiddenLine xmlns="" xmlns:a14="http://schemas.microsoft.com/office/drawing/2010/main" w="9525">
                     <a:solidFill>
                       <a:srgbClr val="000000"/>
                     </a:solidFill>
@@ -10417,7 +10588,7 @@
               </a:ln>
               <a:extLst>
                 <a:ext uri="{91240B29-F687-4f45-9708-019B960494DF}">
-                  <a14:hiddenLine xmlns:a14="http://schemas.microsoft.com/office/drawing/2010/main" xmlns="" w="9525">
+                  <a14:hiddenLine xmlns="" xmlns:a14="http://schemas.microsoft.com/office/drawing/2010/main" w="9525">
                     <a:solidFill>
                       <a:srgbClr val="000000"/>
                     </a:solidFill>
@@ -10507,7 +10678,7 @@
               </a:ln>
               <a:extLst>
                 <a:ext uri="{91240B29-F687-4f45-9708-019B960494DF}">
-                  <a14:hiddenLine xmlns:a14="http://schemas.microsoft.com/office/drawing/2010/main" xmlns="" w="9525">
+                  <a14:hiddenLine xmlns="" xmlns:a14="http://schemas.microsoft.com/office/drawing/2010/main" w="9525">
                     <a:solidFill>
                       <a:srgbClr val="000000"/>
                     </a:solidFill>
@@ -10597,7 +10768,7 @@
               </a:ln>
               <a:extLst>
                 <a:ext uri="{91240B29-F687-4f45-9708-019B960494DF}">
-                  <a14:hiddenLine xmlns:a14="http://schemas.microsoft.com/office/drawing/2010/main" xmlns="" w="9525">
+                  <a14:hiddenLine xmlns="" xmlns:a14="http://schemas.microsoft.com/office/drawing/2010/main" w="9525">
                     <a:solidFill>
                       <a:srgbClr val="000000"/>
                     </a:solidFill>
@@ -10659,7 +10830,7 @@
               </a:ln>
               <a:extLst>
                 <a:ext uri="{91240B29-F687-4f45-9708-019B960494DF}">
-                  <a14:hiddenLine xmlns:a14="http://schemas.microsoft.com/office/drawing/2010/main" xmlns="" w="9525">
+                  <a14:hiddenLine xmlns="" xmlns:a14="http://schemas.microsoft.com/office/drawing/2010/main" w="9525">
                     <a:solidFill>
                       <a:srgbClr val="000000"/>
                     </a:solidFill>
@@ -10769,7 +10940,7 @@
               </a:ln>
               <a:extLst>
                 <a:ext uri="{91240B29-F687-4f45-9708-019B960494DF}">
-                  <a14:hiddenLine xmlns:a14="http://schemas.microsoft.com/office/drawing/2010/main" xmlns="" w="9525">
+                  <a14:hiddenLine xmlns="" xmlns:a14="http://schemas.microsoft.com/office/drawing/2010/main" w="9525">
                     <a:solidFill>
                       <a:srgbClr val="000000"/>
                     </a:solidFill>
@@ -10853,7 +11024,7 @@
               </a:ln>
               <a:extLst>
                 <a:ext uri="{91240B29-F687-4f45-9708-019B960494DF}">
-                  <a14:hiddenLine xmlns:a14="http://schemas.microsoft.com/office/drawing/2010/main" xmlns="" w="9525">
+                  <a14:hiddenLine xmlns="" xmlns:a14="http://schemas.microsoft.com/office/drawing/2010/main" w="9525">
                     <a:solidFill>
                       <a:srgbClr val="000000"/>
                     </a:solidFill>
@@ -10915,7 +11086,7 @@
               </a:ln>
               <a:extLst>
                 <a:ext uri="{91240B29-F687-4f45-9708-019B960494DF}">
-                  <a14:hiddenLine xmlns:a14="http://schemas.microsoft.com/office/drawing/2010/main" xmlns="" w="9525">
+                  <a14:hiddenLine xmlns="" xmlns:a14="http://schemas.microsoft.com/office/drawing/2010/main" w="9525">
                     <a:solidFill>
                       <a:srgbClr val="000000"/>
                     </a:solidFill>
@@ -10977,7 +11148,7 @@
               </a:ln>
               <a:extLst>
                 <a:ext uri="{91240B29-F687-4f45-9708-019B960494DF}">
-                  <a14:hiddenLine xmlns:a14="http://schemas.microsoft.com/office/drawing/2010/main" xmlns="" w="9525">
+                  <a14:hiddenLine xmlns="" xmlns:a14="http://schemas.microsoft.com/office/drawing/2010/main" w="9525">
                     <a:solidFill>
                       <a:srgbClr val="000000"/>
                     </a:solidFill>
@@ -11067,7 +11238,7 @@
               </a:ln>
               <a:extLst>
                 <a:ext uri="{91240B29-F687-4f45-9708-019B960494DF}">
-                  <a14:hiddenLine xmlns:a14="http://schemas.microsoft.com/office/drawing/2010/main" xmlns="" w="9525">
+                  <a14:hiddenLine xmlns="" xmlns:a14="http://schemas.microsoft.com/office/drawing/2010/main" w="9525">
                     <a:solidFill>
                       <a:srgbClr val="000000"/>
                     </a:solidFill>
@@ -11101,7 +11272,7 @@
               </a:ln>
               <a:extLst>
                 <a:ext uri="{91240B29-F687-4f45-9708-019B960494DF}">
-                  <a14:hiddenLine xmlns:a14="http://schemas.microsoft.com/office/drawing/2010/main" xmlns="" w="9525">
+                  <a14:hiddenLine xmlns="" xmlns:a14="http://schemas.microsoft.com/office/drawing/2010/main" w="9525">
                     <a:solidFill>
                       <a:srgbClr val="000000"/>
                     </a:solidFill>
@@ -11166,7 +11337,7 @@
               </a:ln>
               <a:extLst>
                 <a:ext uri="{91240B29-F687-4f45-9708-019B960494DF}">
-                  <a14:hiddenLine xmlns:a14="http://schemas.microsoft.com/office/drawing/2010/main" xmlns="" w="9525">
+                  <a14:hiddenLine xmlns="" xmlns:a14="http://schemas.microsoft.com/office/drawing/2010/main" w="9525">
                     <a:solidFill>
                       <a:srgbClr val="000000"/>
                     </a:solidFill>
@@ -11256,7 +11427,7 @@
               </a:ln>
               <a:extLst>
                 <a:ext uri="{91240B29-F687-4f45-9708-019B960494DF}">
-                  <a14:hiddenLine xmlns:a14="http://schemas.microsoft.com/office/drawing/2010/main" xmlns="" w="9525">
+                  <a14:hiddenLine xmlns="" xmlns:a14="http://schemas.microsoft.com/office/drawing/2010/main" w="9525">
                     <a:solidFill>
                       <a:srgbClr val="000000"/>
                     </a:solidFill>
@@ -11318,7 +11489,7 @@
               </a:ln>
               <a:extLst>
                 <a:ext uri="{91240B29-F687-4f45-9708-019B960494DF}">
-                  <a14:hiddenLine xmlns:a14="http://schemas.microsoft.com/office/drawing/2010/main" xmlns="" w="9525">
+                  <a14:hiddenLine xmlns="" xmlns:a14="http://schemas.microsoft.com/office/drawing/2010/main" w="9525">
                     <a:solidFill>
                       <a:srgbClr val="000000"/>
                     </a:solidFill>
@@ -11408,7 +11579,7 @@
               </a:ln>
               <a:extLst>
                 <a:ext uri="{91240B29-F687-4f45-9708-019B960494DF}">
-                  <a14:hiddenLine xmlns:a14="http://schemas.microsoft.com/office/drawing/2010/main" xmlns="" w="9525">
+                  <a14:hiddenLine xmlns="" xmlns:a14="http://schemas.microsoft.com/office/drawing/2010/main" w="9525">
                     <a:solidFill>
                       <a:srgbClr val="000000"/>
                     </a:solidFill>
@@ -11473,7 +11644,7 @@
               </a:ln>
               <a:extLst>
                 <a:ext uri="{91240B29-F687-4f45-9708-019B960494DF}">
-                  <a14:hiddenLine xmlns:a14="http://schemas.microsoft.com/office/drawing/2010/main" xmlns="" w="9525">
+                  <a14:hiddenLine xmlns="" xmlns:a14="http://schemas.microsoft.com/office/drawing/2010/main" w="9525">
                     <a:solidFill>
                       <a:srgbClr val="000000"/>
                     </a:solidFill>
@@ -11535,7 +11706,7 @@
               </a:ln>
               <a:extLst>
                 <a:ext uri="{91240B29-F687-4f45-9708-019B960494DF}">
-                  <a14:hiddenLine xmlns:a14="http://schemas.microsoft.com/office/drawing/2010/main" xmlns="" w="9525">
+                  <a14:hiddenLine xmlns="" xmlns:a14="http://schemas.microsoft.com/office/drawing/2010/main" w="9525">
                     <a:solidFill>
                       <a:srgbClr val="000000"/>
                     </a:solidFill>
@@ -11625,7 +11796,7 @@
               </a:ln>
               <a:extLst>
                 <a:ext uri="{91240B29-F687-4f45-9708-019B960494DF}">
-                  <a14:hiddenLine xmlns:a14="http://schemas.microsoft.com/office/drawing/2010/main" xmlns="" w="9525">
+                  <a14:hiddenLine xmlns="" xmlns:a14="http://schemas.microsoft.com/office/drawing/2010/main" w="9525">
                     <a:solidFill>
                       <a:srgbClr val="000000"/>
                     </a:solidFill>
@@ -11715,7 +11886,7 @@
               </a:ln>
               <a:extLst>
                 <a:ext uri="{91240B29-F687-4f45-9708-019B960494DF}">
-                  <a14:hiddenLine xmlns:a14="http://schemas.microsoft.com/office/drawing/2010/main" xmlns="" w="9525">
+                  <a14:hiddenLine xmlns="" xmlns:a14="http://schemas.microsoft.com/office/drawing/2010/main" w="9525">
                     <a:solidFill>
                       <a:srgbClr val="000000"/>
                     </a:solidFill>
@@ -11780,7 +11951,7 @@
               </a:ln>
               <a:extLst>
                 <a:ext uri="{91240B29-F687-4f45-9708-019B960494DF}">
-                  <a14:hiddenLine xmlns:a14="http://schemas.microsoft.com/office/drawing/2010/main" xmlns="" w="9525">
+                  <a14:hiddenLine xmlns="" xmlns:a14="http://schemas.microsoft.com/office/drawing/2010/main" w="9525">
                     <a:solidFill>
                       <a:srgbClr val="000000"/>
                     </a:solidFill>
@@ -11900,7 +12071,7 @@
               </a:ln>
               <a:extLst>
                 <a:ext uri="{91240B29-F687-4f45-9708-019B960494DF}">
-                  <a14:hiddenLine xmlns:a14="http://schemas.microsoft.com/office/drawing/2010/main" xmlns="" w="9525">
+                  <a14:hiddenLine xmlns="" xmlns:a14="http://schemas.microsoft.com/office/drawing/2010/main" w="9525">
                     <a:solidFill>
                       <a:srgbClr val="000000"/>
                     </a:solidFill>
@@ -11981,7 +12152,7 @@
               </a:ln>
               <a:extLst>
                 <a:ext uri="{91240B29-F687-4f45-9708-019B960494DF}">
-                  <a14:hiddenLine xmlns:a14="http://schemas.microsoft.com/office/drawing/2010/main" xmlns="" w="9525">
+                  <a14:hiddenLine xmlns="" xmlns:a14="http://schemas.microsoft.com/office/drawing/2010/main" w="9525">
                     <a:solidFill>
                       <a:srgbClr val="000000"/>
                     </a:solidFill>
@@ -12096,7 +12267,7 @@
               </a:ln>
               <a:extLst>
                 <a:ext uri="{91240B29-F687-4f45-9708-019B960494DF}">
-                  <a14:hiddenLine xmlns:a14="http://schemas.microsoft.com/office/drawing/2010/main" xmlns="" w="9525">
+                  <a14:hiddenLine xmlns="" xmlns:a14="http://schemas.microsoft.com/office/drawing/2010/main" w="9525">
                     <a:solidFill>
                       <a:srgbClr val="000000"/>
                     </a:solidFill>
@@ -12186,7 +12357,7 @@
               </a:ln>
               <a:extLst>
                 <a:ext uri="{91240B29-F687-4f45-9708-019B960494DF}">
-                  <a14:hiddenLine xmlns:a14="http://schemas.microsoft.com/office/drawing/2010/main" xmlns="" w="9525">
+                  <a14:hiddenLine xmlns="" xmlns:a14="http://schemas.microsoft.com/office/drawing/2010/main" w="9525">
                     <a:solidFill>
                       <a:srgbClr val="000000"/>
                     </a:solidFill>
@@ -12251,7 +12422,7 @@
               </a:ln>
               <a:extLst>
                 <a:ext uri="{91240B29-F687-4f45-9708-019B960494DF}">
-                  <a14:hiddenLine xmlns:a14="http://schemas.microsoft.com/office/drawing/2010/main" xmlns="" w="9525">
+                  <a14:hiddenLine xmlns="" xmlns:a14="http://schemas.microsoft.com/office/drawing/2010/main" w="9525">
                     <a:solidFill>
                       <a:srgbClr val="000000"/>
                     </a:solidFill>
@@ -12341,7 +12512,7 @@
               </a:ln>
               <a:extLst>
                 <a:ext uri="{91240B29-F687-4f45-9708-019B960494DF}">
-                  <a14:hiddenLine xmlns:a14="http://schemas.microsoft.com/office/drawing/2010/main" xmlns="" w="9525">
+                  <a14:hiddenLine xmlns="" xmlns:a14="http://schemas.microsoft.com/office/drawing/2010/main" w="9525">
                     <a:solidFill>
                       <a:srgbClr val="000000"/>
                     </a:solidFill>
@@ -12409,7 +12580,7 @@
               </a:ln>
               <a:extLst>
                 <a:ext uri="{91240B29-F687-4f45-9708-019B960494DF}">
-                  <a14:hiddenLine xmlns:a14="http://schemas.microsoft.com/office/drawing/2010/main" xmlns="" w="9525">
+                  <a14:hiddenLine xmlns="" xmlns:a14="http://schemas.microsoft.com/office/drawing/2010/main" w="9525">
                     <a:solidFill>
                       <a:srgbClr val="000000"/>
                     </a:solidFill>
@@ -12499,7 +12670,7 @@
               </a:ln>
               <a:extLst>
                 <a:ext uri="{91240B29-F687-4f45-9708-019B960494DF}">
-                  <a14:hiddenLine xmlns:a14="http://schemas.microsoft.com/office/drawing/2010/main" xmlns="" w="9525">
+                  <a14:hiddenLine xmlns="" xmlns:a14="http://schemas.microsoft.com/office/drawing/2010/main" w="9525">
                     <a:solidFill>
                       <a:srgbClr val="000000"/>
                     </a:solidFill>
@@ -12567,7 +12738,7 @@
               </a:ln>
               <a:extLst>
                 <a:ext uri="{91240B29-F687-4f45-9708-019B960494DF}">
-                  <a14:hiddenLine xmlns:a14="http://schemas.microsoft.com/office/drawing/2010/main" xmlns="" w="9525">
+                  <a14:hiddenLine xmlns="" xmlns:a14="http://schemas.microsoft.com/office/drawing/2010/main" w="9525">
                     <a:solidFill>
                       <a:srgbClr val="000000"/>
                     </a:solidFill>
@@ -12657,7 +12828,7 @@
               </a:ln>
               <a:extLst>
                 <a:ext uri="{91240B29-F687-4f45-9708-019B960494DF}">
-                  <a14:hiddenLine xmlns:a14="http://schemas.microsoft.com/office/drawing/2010/main" xmlns="" w="9525">
+                  <a14:hiddenLine xmlns="" xmlns:a14="http://schemas.microsoft.com/office/drawing/2010/main" w="9525">
                     <a:solidFill>
                       <a:srgbClr val="000000"/>
                     </a:solidFill>
@@ -12691,7 +12862,7 @@
               </a:ln>
               <a:extLst>
                 <a:ext uri="{91240B29-F687-4f45-9708-019B960494DF}">
-                  <a14:hiddenLine xmlns:a14="http://schemas.microsoft.com/office/drawing/2010/main" xmlns="" w="9525">
+                  <a14:hiddenLine xmlns="" xmlns:a14="http://schemas.microsoft.com/office/drawing/2010/main" w="9525">
                     <a:solidFill>
                       <a:srgbClr val="000000"/>
                     </a:solidFill>
@@ -12832,7 +13003,7 @@
             <a:fld id="{48A87A34-81AB-432B-8DAE-1953F412C126}" type="datetimeFigureOut">
               <a:rPr lang="en-US" dirty="0"/>
               <a:pPr/>
-              <a:t>11/2/2019</a:t>
+              <a:t>11/9/2019</a:t>
             </a:fld>
             <a:endParaRPr lang="en-US" dirty="0"/>
           </a:p>
@@ -13348,6 +13519,36 @@
           <a:chExt cx="0" cy="0"/>
         </a:xfrm>
       </p:grpSpPr>
+      <p:pic>
+        <p:nvPicPr>
+          <p:cNvPr id="23" name="Grafik 22">
+            <a:extLst>
+              <a:ext uri="{FF2B5EF4-FFF2-40B4-BE49-F238E27FC236}">
+                <a16:creationId xmlns:a16="http://schemas.microsoft.com/office/drawing/2014/main" id="{FD9D364F-304B-4E8A-99C5-2A42504B0E6C}"/>
+              </a:ext>
+            </a:extLst>
+          </p:cNvPr>
+          <p:cNvPicPr>
+            <a:picLocks noChangeAspect="1"/>
+          </p:cNvPicPr>
+          <p:nvPr/>
+        </p:nvPicPr>
+        <p:blipFill>
+          <a:blip r:embed="rId3"/>
+          <a:stretch>
+            <a:fillRect/>
+          </a:stretch>
+        </p:blipFill>
+        <p:spPr>
+          <a:xfrm>
+            <a:off x="1139724" y="2095705"/>
+            <a:ext cx="2575933" cy="2109600"/>
+          </a:xfrm>
+          <a:prstGeom prst="rect">
+            <a:avLst/>
+          </a:prstGeom>
+        </p:spPr>
+      </p:pic>
       <p:sp>
         <p:nvSpPr>
           <p:cNvPr id="2" name="Titel 1">
@@ -13369,35 +13570,686 @@
           <a:bodyPr/>
           <a:lstStyle/>
           <a:p>
-            <a:endParaRPr lang="de-DE"/>
+            <a:r>
+              <a:rPr lang="de-DE" dirty="0"/>
+              <a:t>Letzten </a:t>
+            </a:r>
+            <a:r>
+              <a:rPr lang="de-DE" dirty="0" err="1"/>
+              <a:t>Buggs</a:t>
+            </a:r>
+            <a:endParaRPr lang="de-DE" dirty="0"/>
+          </a:p>
+        </p:txBody>
+      </p:sp>
+      <p:pic>
+        <p:nvPicPr>
+          <p:cNvPr id="6" name="Inhaltsplatzhalter 5">
+            <a:extLst>
+              <a:ext uri="{FF2B5EF4-FFF2-40B4-BE49-F238E27FC236}">
+                <a16:creationId xmlns:a16="http://schemas.microsoft.com/office/drawing/2014/main" id="{25F2CA14-5E73-4A6F-ADD8-58DFF635E76F}"/>
+              </a:ext>
+            </a:extLst>
+          </p:cNvPr>
+          <p:cNvPicPr>
+            <a:picLocks noGrp="1" noChangeAspect="1"/>
+          </p:cNvPicPr>
+          <p:nvPr>
+            <p:ph idx="1"/>
+          </p:nvPr>
+        </p:nvPicPr>
+        <p:blipFill>
+          <a:blip r:embed="rId4"/>
+          <a:stretch>
+            <a:fillRect/>
+          </a:stretch>
+        </p:blipFill>
+        <p:spPr>
+          <a:xfrm>
+            <a:off x="1141413" y="2097088"/>
+            <a:ext cx="2574244" cy="2108217"/>
+          </a:xfrm>
+        </p:spPr>
+      </p:pic>
+      <p:sp>
+        <p:nvSpPr>
+          <p:cNvPr id="4" name="Flussdiagramm: Magnetplattenspeicher 3">
+            <a:extLst>
+              <a:ext uri="{FF2B5EF4-FFF2-40B4-BE49-F238E27FC236}">
+                <a16:creationId xmlns:a16="http://schemas.microsoft.com/office/drawing/2014/main" id="{B8D8C2F6-2CC7-432A-B007-488D79170A28}"/>
+              </a:ext>
+            </a:extLst>
+          </p:cNvPr>
+          <p:cNvSpPr/>
+          <p:nvPr/>
+        </p:nvSpPr>
+        <p:spPr>
+          <a:xfrm>
+            <a:off x="7126514" y="1968282"/>
+            <a:ext cx="2209800" cy="2365828"/>
+          </a:xfrm>
+          <a:prstGeom prst="flowChartMagneticDisk">
+            <a:avLst/>
+          </a:prstGeom>
+        </p:spPr>
+        <p:style>
+          <a:lnRef idx="2">
+            <a:schemeClr val="accent1">
+              <a:shade val="50000"/>
+            </a:schemeClr>
+          </a:lnRef>
+          <a:fillRef idx="1">
+            <a:schemeClr val="accent1"/>
+          </a:fillRef>
+          <a:effectRef idx="0">
+            <a:schemeClr val="accent1"/>
+          </a:effectRef>
+          <a:fontRef idx="minor">
+            <a:schemeClr val="lt1"/>
+          </a:fontRef>
+        </p:style>
+        <p:txBody>
+          <a:bodyPr rtlCol="0" anchor="ctr"/>
+          <a:lstStyle/>
+          <a:p>
+            <a:pPr algn="ctr"/>
+            <a:endParaRPr lang="de-DE" dirty="0"/>
           </a:p>
         </p:txBody>
       </p:sp>
       <p:sp>
         <p:nvSpPr>
-          <p:cNvPr id="3" name="Inhaltsplatzhalter 2">
+          <p:cNvPr id="7" name="Textfeld 6">
             <a:extLst>
               <a:ext uri="{FF2B5EF4-FFF2-40B4-BE49-F238E27FC236}">
-                <a16:creationId xmlns:a16="http://schemas.microsoft.com/office/drawing/2014/main" id="{C0F74640-8BF7-4052-85D8-0D156F830012}"/>
+                <a16:creationId xmlns:a16="http://schemas.microsoft.com/office/drawing/2014/main" id="{43741B8A-6710-41BD-899C-8E4D1A444F89}"/>
               </a:ext>
             </a:extLst>
           </p:cNvPr>
-          <p:cNvSpPr>
-            <a:spLocks noGrp="1"/>
-          </p:cNvSpPr>
-          <p:nvPr>
-            <p:ph idx="1"/>
-          </p:nvPr>
+          <p:cNvSpPr txBox="1"/>
+          <p:nvPr/>
         </p:nvSpPr>
-        <p:spPr/>
+        <p:spPr>
+          <a:xfrm>
+            <a:off x="1141413" y="5479143"/>
+            <a:ext cx="2574244" cy="369332"/>
+          </a:xfrm>
+          <a:prstGeom prst="rect">
+            <a:avLst/>
+          </a:prstGeom>
+          <a:noFill/>
+        </p:spPr>
         <p:txBody>
-          <a:bodyPr/>
+          <a:bodyPr wrap="square" rtlCol="0">
+            <a:spAutoFit/>
+          </a:bodyPr>
           <a:lstStyle/>
           <a:p>
-            <a:endParaRPr lang="de-DE"/>
+            <a:r>
+              <a:rPr lang="de-DE" dirty="0" err="1"/>
+              <a:t>this.Controls.Add</a:t>
+            </a:r>
+            <a:r>
+              <a:rPr lang="de-DE" dirty="0"/>
+              <a:t>(button1);</a:t>
+            </a:r>
           </a:p>
         </p:txBody>
       </p:sp>
+      <p:cxnSp>
+        <p:nvCxnSpPr>
+          <p:cNvPr id="9" name="Gerade Verbindung mit Pfeil 8">
+            <a:extLst>
+              <a:ext uri="{FF2B5EF4-FFF2-40B4-BE49-F238E27FC236}">
+                <a16:creationId xmlns:a16="http://schemas.microsoft.com/office/drawing/2014/main" id="{9F7897F1-B36F-4934-A48F-76A6CC6E3EE4}"/>
+              </a:ext>
+            </a:extLst>
+          </p:cNvPr>
+          <p:cNvCxnSpPr>
+            <a:cxnSpLocks/>
+          </p:cNvCxnSpPr>
+          <p:nvPr/>
+        </p:nvCxnSpPr>
+        <p:spPr>
+          <a:xfrm>
+            <a:off x="3984171" y="2721429"/>
+            <a:ext cx="2939143" cy="0"/>
+          </a:xfrm>
+          <a:prstGeom prst="straightConnector1">
+            <a:avLst/>
+          </a:prstGeom>
+          <a:ln w="28575">
+            <a:solidFill>
+              <a:schemeClr val="tx1"/>
+            </a:solidFill>
+            <a:headEnd w="lg" len="lg"/>
+            <a:tailEnd type="triangle" w="lg" len="lg"/>
+          </a:ln>
+        </p:spPr>
+        <p:style>
+          <a:lnRef idx="1">
+            <a:schemeClr val="accent1"/>
+          </a:lnRef>
+          <a:fillRef idx="0">
+            <a:schemeClr val="accent1"/>
+          </a:fillRef>
+          <a:effectRef idx="0">
+            <a:schemeClr val="accent1"/>
+          </a:effectRef>
+          <a:fontRef idx="minor">
+            <a:schemeClr val="tx1"/>
+          </a:fontRef>
+        </p:style>
+      </p:cxnSp>
+      <p:sp>
+        <p:nvSpPr>
+          <p:cNvPr id="11" name="Rechteck 10">
+            <a:extLst>
+              <a:ext uri="{FF2B5EF4-FFF2-40B4-BE49-F238E27FC236}">
+                <a16:creationId xmlns:a16="http://schemas.microsoft.com/office/drawing/2014/main" id="{184F0F27-F9C8-4002-8453-C252DAEDDE22}"/>
+              </a:ext>
+            </a:extLst>
+          </p:cNvPr>
+          <p:cNvSpPr/>
+          <p:nvPr/>
+        </p:nvSpPr>
+        <p:spPr>
+          <a:xfrm>
+            <a:off x="4255056" y="5479143"/>
+            <a:ext cx="2006190" cy="369332"/>
+          </a:xfrm>
+          <a:prstGeom prst="rect">
+            <a:avLst/>
+          </a:prstGeom>
+        </p:spPr>
+        <p:txBody>
+          <a:bodyPr wrap="none">
+            <a:spAutoFit/>
+          </a:bodyPr>
+          <a:lstStyle/>
+          <a:p>
+            <a:r>
+              <a:rPr lang="de-DE" dirty="0" err="1"/>
+              <a:t>this.Controls.Clear</a:t>
+            </a:r>
+            <a:r>
+              <a:rPr lang="de-DE" dirty="0"/>
+              <a:t>();</a:t>
+            </a:r>
+          </a:p>
+        </p:txBody>
+      </p:sp>
+      <p:cxnSp>
+        <p:nvCxnSpPr>
+          <p:cNvPr id="12" name="Gerade Verbindung mit Pfeil 11">
+            <a:extLst>
+              <a:ext uri="{FF2B5EF4-FFF2-40B4-BE49-F238E27FC236}">
+                <a16:creationId xmlns:a16="http://schemas.microsoft.com/office/drawing/2014/main" id="{1D4BEFE3-57C6-4B9B-B5B6-3C521AE1709F}"/>
+              </a:ext>
+            </a:extLst>
+          </p:cNvPr>
+          <p:cNvCxnSpPr>
+            <a:cxnSpLocks/>
+            <a:stCxn id="7" idx="3"/>
+            <a:endCxn id="11" idx="1"/>
+          </p:cNvCxnSpPr>
+          <p:nvPr/>
+        </p:nvCxnSpPr>
+        <p:spPr>
+          <a:xfrm>
+            <a:off x="3715657" y="5663809"/>
+            <a:ext cx="539399" cy="0"/>
+          </a:xfrm>
+          <a:prstGeom prst="straightConnector1">
+            <a:avLst/>
+          </a:prstGeom>
+          <a:ln w="28575">
+            <a:solidFill>
+              <a:schemeClr val="tx1"/>
+            </a:solidFill>
+            <a:headEnd w="lg" len="lg"/>
+            <a:tailEnd type="triangle" w="lg" len="lg"/>
+          </a:ln>
+        </p:spPr>
+        <p:style>
+          <a:lnRef idx="1">
+            <a:schemeClr val="accent1"/>
+          </a:lnRef>
+          <a:fillRef idx="0">
+            <a:schemeClr val="accent1"/>
+          </a:fillRef>
+          <a:effectRef idx="0">
+            <a:schemeClr val="accent1"/>
+          </a:effectRef>
+          <a:fontRef idx="minor">
+            <a:schemeClr val="tx1"/>
+          </a:fontRef>
+        </p:style>
+      </p:cxnSp>
+      <p:cxnSp>
+        <p:nvCxnSpPr>
+          <p:cNvPr id="19" name="Gerade Verbindung mit Pfeil 18">
+            <a:extLst>
+              <a:ext uri="{FF2B5EF4-FFF2-40B4-BE49-F238E27FC236}">
+                <a16:creationId xmlns:a16="http://schemas.microsoft.com/office/drawing/2014/main" id="{AC49ECC2-E826-48A7-8868-29BDE2905259}"/>
+              </a:ext>
+            </a:extLst>
+          </p:cNvPr>
+          <p:cNvCxnSpPr>
+            <a:cxnSpLocks/>
+            <a:stCxn id="11" idx="0"/>
+          </p:cNvCxnSpPr>
+          <p:nvPr/>
+        </p:nvCxnSpPr>
+        <p:spPr>
+          <a:xfrm flipH="1" flipV="1">
+            <a:off x="3824514" y="4334110"/>
+            <a:ext cx="1433637" cy="1145033"/>
+          </a:xfrm>
+          <a:prstGeom prst="straightConnector1">
+            <a:avLst/>
+          </a:prstGeom>
+          <a:ln w="28575">
+            <a:solidFill>
+              <a:schemeClr val="tx1"/>
+            </a:solidFill>
+            <a:headEnd w="lg" len="lg"/>
+            <a:tailEnd type="triangle" w="lg" len="lg"/>
+          </a:ln>
+        </p:spPr>
+        <p:style>
+          <a:lnRef idx="1">
+            <a:schemeClr val="accent1"/>
+          </a:lnRef>
+          <a:fillRef idx="0">
+            <a:schemeClr val="accent1"/>
+          </a:fillRef>
+          <a:effectRef idx="0">
+            <a:schemeClr val="accent1"/>
+          </a:effectRef>
+          <a:fontRef idx="minor">
+            <a:schemeClr val="tx1"/>
+          </a:fontRef>
+        </p:style>
+      </p:cxnSp>
+      <p:cxnSp>
+        <p:nvCxnSpPr>
+          <p:cNvPr id="24" name="Gerade Verbindung mit Pfeil 23">
+            <a:extLst>
+              <a:ext uri="{FF2B5EF4-FFF2-40B4-BE49-F238E27FC236}">
+                <a16:creationId xmlns:a16="http://schemas.microsoft.com/office/drawing/2014/main" id="{B67F92D8-C231-4262-B1FB-E56297D3D093}"/>
+              </a:ext>
+            </a:extLst>
+          </p:cNvPr>
+          <p:cNvCxnSpPr>
+            <a:cxnSpLocks/>
+            <a:stCxn id="11" idx="0"/>
+          </p:cNvCxnSpPr>
+          <p:nvPr/>
+        </p:nvCxnSpPr>
+        <p:spPr>
+          <a:xfrm flipV="1">
+            <a:off x="5258151" y="4205305"/>
+            <a:ext cx="1926420" cy="1273838"/>
+          </a:xfrm>
+          <a:prstGeom prst="straightConnector1">
+            <a:avLst/>
+          </a:prstGeom>
+          <a:ln w="28575">
+            <a:solidFill>
+              <a:schemeClr val="tx1"/>
+            </a:solidFill>
+            <a:headEnd w="lg" len="lg"/>
+            <a:tailEnd type="triangle" w="lg" len="lg"/>
+          </a:ln>
+        </p:spPr>
+        <p:style>
+          <a:lnRef idx="1">
+            <a:schemeClr val="accent1"/>
+          </a:lnRef>
+          <a:fillRef idx="0">
+            <a:schemeClr val="accent1"/>
+          </a:fillRef>
+          <a:effectRef idx="0">
+            <a:schemeClr val="accent1"/>
+          </a:effectRef>
+          <a:fontRef idx="minor">
+            <a:schemeClr val="tx1"/>
+          </a:fontRef>
+        </p:style>
+      </p:cxnSp>
+      <p:sp>
+        <p:nvSpPr>
+          <p:cNvPr id="28" name="Textfeld 27">
+            <a:extLst>
+              <a:ext uri="{FF2B5EF4-FFF2-40B4-BE49-F238E27FC236}">
+                <a16:creationId xmlns:a16="http://schemas.microsoft.com/office/drawing/2014/main" id="{76A8DF2E-0CC6-4681-9654-C2240269EEA7}"/>
+              </a:ext>
+            </a:extLst>
+          </p:cNvPr>
+          <p:cNvSpPr txBox="1"/>
+          <p:nvPr/>
+        </p:nvSpPr>
+        <p:spPr>
+          <a:xfrm rot="19499452">
+            <a:off x="5802946" y="3894968"/>
+            <a:ext cx="861852" cy="1569660"/>
+          </a:xfrm>
+          <a:prstGeom prst="rect">
+            <a:avLst/>
+          </a:prstGeom>
+          <a:noFill/>
+        </p:spPr>
+        <p:txBody>
+          <a:bodyPr wrap="square" rtlCol="0">
+            <a:spAutoFit/>
+          </a:bodyPr>
+          <a:lstStyle/>
+          <a:p>
+            <a:pPr algn="ctr"/>
+            <a:r>
+              <a:rPr lang="de-DE" sz="9600" dirty="0">
+                <a:ln>
+                  <a:solidFill>
+                    <a:schemeClr val="tx1"/>
+                  </a:solidFill>
+                </a:ln>
+                <a:solidFill>
+                  <a:srgbClr val="FF0000"/>
+                </a:solidFill>
+                <a:sym typeface="Symbol" panose="05050102010706020507" pitchFamily="18" charset="2"/>
+              </a:rPr>
+              <a:t></a:t>
+            </a:r>
+            <a:endParaRPr lang="de-DE" sz="9600" dirty="0">
+              <a:ln>
+                <a:solidFill>
+                  <a:schemeClr val="tx1"/>
+                </a:solidFill>
+              </a:ln>
+              <a:solidFill>
+                <a:srgbClr val="FF0000"/>
+              </a:solidFill>
+            </a:endParaRPr>
+          </a:p>
+        </p:txBody>
+      </p:sp>
+      <p:sp>
+        <p:nvSpPr>
+          <p:cNvPr id="29" name="Textfeld 28">
+            <a:extLst>
+              <a:ext uri="{FF2B5EF4-FFF2-40B4-BE49-F238E27FC236}">
+                <a16:creationId xmlns:a16="http://schemas.microsoft.com/office/drawing/2014/main" id="{8DB8DB77-F078-4050-A0F5-9A2EB3676193}"/>
+              </a:ext>
+            </a:extLst>
+          </p:cNvPr>
+          <p:cNvSpPr txBox="1"/>
+          <p:nvPr/>
+        </p:nvSpPr>
+        <p:spPr>
+          <a:xfrm>
+            <a:off x="7287986" y="2911019"/>
+            <a:ext cx="943428" cy="1200329"/>
+          </a:xfrm>
+          <a:prstGeom prst="rect">
+            <a:avLst/>
+          </a:prstGeom>
+          <a:noFill/>
+        </p:spPr>
+        <p:txBody>
+          <a:bodyPr wrap="square" rtlCol="0">
+            <a:spAutoFit/>
+          </a:bodyPr>
+          <a:lstStyle/>
+          <a:p>
+            <a:pPr algn="ctr"/>
+            <a:r>
+              <a:rPr lang="de-DE" dirty="0"/>
+              <a:t>button1</a:t>
+            </a:r>
+          </a:p>
+          <a:p>
+            <a:pPr algn="ctr"/>
+            <a:r>
+              <a:rPr lang="de-DE" dirty="0"/>
+              <a:t>button2</a:t>
+            </a:r>
+          </a:p>
+          <a:p>
+            <a:pPr algn="ctr"/>
+            <a:r>
+              <a:rPr lang="de-DE" dirty="0"/>
+              <a:t>button3</a:t>
+            </a:r>
+          </a:p>
+          <a:p>
+            <a:endParaRPr lang="de-DE" dirty="0"/>
+          </a:p>
+        </p:txBody>
+      </p:sp>
+      <p:sp>
+        <p:nvSpPr>
+          <p:cNvPr id="30" name="Textfeld 29">
+            <a:extLst>
+              <a:ext uri="{FF2B5EF4-FFF2-40B4-BE49-F238E27FC236}">
+                <a16:creationId xmlns:a16="http://schemas.microsoft.com/office/drawing/2014/main" id="{5F021C99-3218-4135-97B0-AA48EC5DEED9}"/>
+              </a:ext>
+            </a:extLst>
+          </p:cNvPr>
+          <p:cNvSpPr txBox="1"/>
+          <p:nvPr/>
+        </p:nvSpPr>
+        <p:spPr>
+          <a:xfrm>
+            <a:off x="8235043" y="2911019"/>
+            <a:ext cx="943428" cy="1200329"/>
+          </a:xfrm>
+          <a:prstGeom prst="rect">
+            <a:avLst/>
+          </a:prstGeom>
+          <a:noFill/>
+        </p:spPr>
+        <p:txBody>
+          <a:bodyPr wrap="square" rtlCol="0">
+            <a:spAutoFit/>
+          </a:bodyPr>
+          <a:lstStyle/>
+          <a:p>
+            <a:pPr algn="ctr"/>
+            <a:r>
+              <a:rPr lang="de-DE" dirty="0"/>
+              <a:t>button1</a:t>
+            </a:r>
+          </a:p>
+          <a:p>
+            <a:pPr algn="ctr"/>
+            <a:r>
+              <a:rPr lang="de-DE" dirty="0"/>
+              <a:t>button2</a:t>
+            </a:r>
+          </a:p>
+          <a:p>
+            <a:pPr algn="ctr"/>
+            <a:r>
+              <a:rPr lang="de-DE" dirty="0"/>
+              <a:t>button3</a:t>
+            </a:r>
+          </a:p>
+          <a:p>
+            <a:endParaRPr lang="de-DE" dirty="0"/>
+          </a:p>
+        </p:txBody>
+      </p:sp>
+      <p:sp>
+        <p:nvSpPr>
+          <p:cNvPr id="32" name="Textfeld 31">
+            <a:extLst>
+              <a:ext uri="{FF2B5EF4-FFF2-40B4-BE49-F238E27FC236}">
+                <a16:creationId xmlns:a16="http://schemas.microsoft.com/office/drawing/2014/main" id="{3FD42A24-9C82-4C48-9DB3-2E153403F308}"/>
+              </a:ext>
+            </a:extLst>
+          </p:cNvPr>
+          <p:cNvSpPr txBox="1"/>
+          <p:nvPr/>
+        </p:nvSpPr>
+        <p:spPr>
+          <a:xfrm>
+            <a:off x="1137784" y="5479143"/>
+            <a:ext cx="2574244" cy="369332"/>
+          </a:xfrm>
+          <a:prstGeom prst="rect">
+            <a:avLst/>
+          </a:prstGeom>
+          <a:noFill/>
+        </p:spPr>
+        <p:txBody>
+          <a:bodyPr wrap="square" rtlCol="0">
+            <a:spAutoFit/>
+          </a:bodyPr>
+          <a:lstStyle/>
+          <a:p>
+            <a:r>
+              <a:rPr lang="de-DE" dirty="0" err="1"/>
+              <a:t>this.Controls.Add</a:t>
+            </a:r>
+            <a:r>
+              <a:rPr lang="de-DE" dirty="0"/>
+              <a:t>(button1);</a:t>
+            </a:r>
+          </a:p>
+        </p:txBody>
+      </p:sp>
+      <p:sp>
+        <p:nvSpPr>
+          <p:cNvPr id="35" name="Rechteck 34">
+            <a:extLst>
+              <a:ext uri="{FF2B5EF4-FFF2-40B4-BE49-F238E27FC236}">
+                <a16:creationId xmlns:a16="http://schemas.microsoft.com/office/drawing/2014/main" id="{401A248B-7C81-484C-BCBD-B07325C7BF03}"/>
+              </a:ext>
+            </a:extLst>
+          </p:cNvPr>
+          <p:cNvSpPr/>
+          <p:nvPr/>
+        </p:nvSpPr>
+        <p:spPr>
+          <a:xfrm>
+            <a:off x="6800645" y="5479143"/>
+            <a:ext cx="1810111" cy="369332"/>
+          </a:xfrm>
+          <a:prstGeom prst="rect">
+            <a:avLst/>
+          </a:prstGeom>
+        </p:spPr>
+        <p:txBody>
+          <a:bodyPr wrap="none">
+            <a:spAutoFit/>
+          </a:bodyPr>
+          <a:lstStyle/>
+          <a:p>
+            <a:r>
+              <a:rPr lang="de-DE" dirty="0" err="1"/>
+              <a:t>buttonx.Dispose</a:t>
+            </a:r>
+            <a:r>
+              <a:rPr lang="de-DE" dirty="0"/>
+              <a:t>();</a:t>
+            </a:r>
+          </a:p>
+        </p:txBody>
+      </p:sp>
+      <p:cxnSp>
+        <p:nvCxnSpPr>
+          <p:cNvPr id="36" name="Gerade Verbindung mit Pfeil 35">
+            <a:extLst>
+              <a:ext uri="{FF2B5EF4-FFF2-40B4-BE49-F238E27FC236}">
+                <a16:creationId xmlns:a16="http://schemas.microsoft.com/office/drawing/2014/main" id="{02DB845A-0C48-4C6B-83AE-AFA897772361}"/>
+              </a:ext>
+            </a:extLst>
+          </p:cNvPr>
+          <p:cNvCxnSpPr>
+            <a:cxnSpLocks/>
+            <a:stCxn id="11" idx="3"/>
+            <a:endCxn id="35" idx="1"/>
+          </p:cNvCxnSpPr>
+          <p:nvPr/>
+        </p:nvCxnSpPr>
+        <p:spPr>
+          <a:xfrm>
+            <a:off x="6261246" y="5663809"/>
+            <a:ext cx="539399" cy="0"/>
+          </a:xfrm>
+          <a:prstGeom prst="straightConnector1">
+            <a:avLst/>
+          </a:prstGeom>
+          <a:ln w="28575">
+            <a:solidFill>
+              <a:schemeClr val="tx1"/>
+            </a:solidFill>
+            <a:headEnd w="lg" len="lg"/>
+            <a:tailEnd type="triangle" w="lg" len="lg"/>
+          </a:ln>
+        </p:spPr>
+        <p:style>
+          <a:lnRef idx="1">
+            <a:schemeClr val="accent1"/>
+          </a:lnRef>
+          <a:fillRef idx="0">
+            <a:schemeClr val="accent1"/>
+          </a:fillRef>
+          <a:effectRef idx="0">
+            <a:schemeClr val="accent1"/>
+          </a:effectRef>
+          <a:fontRef idx="minor">
+            <a:schemeClr val="tx1"/>
+          </a:fontRef>
+        </p:style>
+      </p:cxnSp>
+      <p:cxnSp>
+        <p:nvCxnSpPr>
+          <p:cNvPr id="40" name="Gerade Verbindung mit Pfeil 39">
+            <a:extLst>
+              <a:ext uri="{FF2B5EF4-FFF2-40B4-BE49-F238E27FC236}">
+                <a16:creationId xmlns:a16="http://schemas.microsoft.com/office/drawing/2014/main" id="{3E236223-0B89-4284-896D-1DE818C0AED6}"/>
+              </a:ext>
+            </a:extLst>
+          </p:cNvPr>
+          <p:cNvCxnSpPr>
+            <a:cxnSpLocks/>
+            <a:stCxn id="35" idx="0"/>
+          </p:cNvCxnSpPr>
+          <p:nvPr/>
+        </p:nvCxnSpPr>
+        <p:spPr>
+          <a:xfrm flipV="1">
+            <a:off x="7705701" y="4405087"/>
+            <a:ext cx="270543" cy="1074056"/>
+          </a:xfrm>
+          <a:prstGeom prst="straightConnector1">
+            <a:avLst/>
+          </a:prstGeom>
+          <a:ln w="28575">
+            <a:solidFill>
+              <a:schemeClr val="tx1"/>
+            </a:solidFill>
+            <a:headEnd w="lg" len="lg"/>
+            <a:tailEnd type="triangle" w="lg" len="lg"/>
+          </a:ln>
+        </p:spPr>
+        <p:style>
+          <a:lnRef idx="1">
+            <a:schemeClr val="accent1"/>
+          </a:lnRef>
+          <a:fillRef idx="0">
+            <a:schemeClr val="accent1"/>
+          </a:fillRef>
+          <a:effectRef idx="0">
+            <a:schemeClr val="accent1"/>
+          </a:effectRef>
+          <a:fontRef idx="minor">
+            <a:schemeClr val="tx1"/>
+          </a:fontRef>
+        </p:style>
+      </p:cxnSp>
     </p:spTree>
     <p:extLst>
       <p:ext uri="{BB962C8B-B14F-4D97-AF65-F5344CB8AC3E}">
@@ -13408,6 +14260,1033 @@
   <p:clrMapOvr>
     <a:masterClrMapping/>
   </p:clrMapOvr>
+  <p:timing>
+    <p:tnLst>
+      <p:par>
+        <p:cTn id="1" dur="indefinite" restart="never" nodeType="tmRoot">
+          <p:childTnLst>
+            <p:seq concurrent="1" nextAc="seek">
+              <p:cTn id="2" dur="indefinite" nodeType="mainSeq">
+                <p:childTnLst>
+                  <p:par>
+                    <p:cTn id="3" fill="hold">
+                      <p:stCondLst>
+                        <p:cond delay="indefinite"/>
+                      </p:stCondLst>
+                      <p:childTnLst>
+                        <p:par>
+                          <p:cTn id="4" fill="hold">
+                            <p:stCondLst>
+                              <p:cond delay="0"/>
+                            </p:stCondLst>
+                            <p:childTnLst>
+                              <p:par>
+                                <p:cTn id="5" presetID="1" presetClass="entr" presetSubtype="0" fill="hold" nodeType="clickEffect">
+                                  <p:stCondLst>
+                                    <p:cond delay="0"/>
+                                  </p:stCondLst>
+                                  <p:childTnLst>
+                                    <p:set>
+                                      <p:cBhvr>
+                                        <p:cTn id="6" dur="1" fill="hold">
+                                          <p:stCondLst>
+                                            <p:cond delay="0"/>
+                                          </p:stCondLst>
+                                        </p:cTn>
+                                        <p:tgtEl>
+                                          <p:spTgt spid="23"/>
+                                        </p:tgtEl>
+                                        <p:attrNameLst>
+                                          <p:attrName>style.visibility</p:attrName>
+                                        </p:attrNameLst>
+                                      </p:cBhvr>
+                                      <p:to>
+                                        <p:strVal val="visible"/>
+                                      </p:to>
+                                    </p:set>
+                                  </p:childTnLst>
+                                </p:cTn>
+                              </p:par>
+                              <p:par>
+                                <p:cTn id="7" presetID="1" presetClass="entr" presetSubtype="0" fill="hold" grpId="0" nodeType="withEffect">
+                                  <p:stCondLst>
+                                    <p:cond delay="0"/>
+                                  </p:stCondLst>
+                                  <p:childTnLst>
+                                    <p:set>
+                                      <p:cBhvr>
+                                        <p:cTn id="8" dur="1" fill="hold">
+                                          <p:stCondLst>
+                                            <p:cond delay="0"/>
+                                          </p:stCondLst>
+                                        </p:cTn>
+                                        <p:tgtEl>
+                                          <p:spTgt spid="4"/>
+                                        </p:tgtEl>
+                                        <p:attrNameLst>
+                                          <p:attrName>style.visibility</p:attrName>
+                                        </p:attrNameLst>
+                                      </p:cBhvr>
+                                      <p:to>
+                                        <p:strVal val="visible"/>
+                                      </p:to>
+                                    </p:set>
+                                  </p:childTnLst>
+                                </p:cTn>
+                              </p:par>
+                            </p:childTnLst>
+                          </p:cTn>
+                        </p:par>
+                      </p:childTnLst>
+                    </p:cTn>
+                  </p:par>
+                  <p:par>
+                    <p:cTn id="9" fill="hold">
+                      <p:stCondLst>
+                        <p:cond delay="indefinite"/>
+                      </p:stCondLst>
+                      <p:childTnLst>
+                        <p:par>
+                          <p:cTn id="10" fill="hold">
+                            <p:stCondLst>
+                              <p:cond delay="0"/>
+                            </p:stCondLst>
+                            <p:childTnLst>
+                              <p:par>
+                                <p:cTn id="11" presetID="1" presetClass="entr" presetSubtype="0" fill="hold" grpId="0" nodeType="clickEffect">
+                                  <p:stCondLst>
+                                    <p:cond delay="0"/>
+                                  </p:stCondLst>
+                                  <p:childTnLst>
+                                    <p:set>
+                                      <p:cBhvr>
+                                        <p:cTn id="12" dur="1" fill="hold">
+                                          <p:stCondLst>
+                                            <p:cond delay="0"/>
+                                          </p:stCondLst>
+                                        </p:cTn>
+                                        <p:tgtEl>
+                                          <p:spTgt spid="7"/>
+                                        </p:tgtEl>
+                                        <p:attrNameLst>
+                                          <p:attrName>style.visibility</p:attrName>
+                                        </p:attrNameLst>
+                                      </p:cBhvr>
+                                      <p:to>
+                                        <p:strVal val="visible"/>
+                                      </p:to>
+                                    </p:set>
+                                  </p:childTnLst>
+                                </p:cTn>
+                              </p:par>
+                              <p:par>
+                                <p:cTn id="13" presetID="1" presetClass="entr" presetSubtype="0" fill="hold" nodeType="withEffect">
+                                  <p:stCondLst>
+                                    <p:cond delay="0"/>
+                                  </p:stCondLst>
+                                  <p:childTnLst>
+                                    <p:set>
+                                      <p:cBhvr>
+                                        <p:cTn id="14" dur="1" fill="hold">
+                                          <p:stCondLst>
+                                            <p:cond delay="0"/>
+                                          </p:stCondLst>
+                                        </p:cTn>
+                                        <p:tgtEl>
+                                          <p:spTgt spid="6"/>
+                                        </p:tgtEl>
+                                        <p:attrNameLst>
+                                          <p:attrName>style.visibility</p:attrName>
+                                        </p:attrNameLst>
+                                      </p:cBhvr>
+                                      <p:to>
+                                        <p:strVal val="visible"/>
+                                      </p:to>
+                                    </p:set>
+                                  </p:childTnLst>
+                                </p:cTn>
+                              </p:par>
+                            </p:childTnLst>
+                          </p:cTn>
+                        </p:par>
+                      </p:childTnLst>
+                    </p:cTn>
+                  </p:par>
+                  <p:par>
+                    <p:cTn id="15" fill="hold">
+                      <p:stCondLst>
+                        <p:cond delay="indefinite"/>
+                      </p:stCondLst>
+                      <p:childTnLst>
+                        <p:par>
+                          <p:cTn id="16" fill="hold">
+                            <p:stCondLst>
+                              <p:cond delay="0"/>
+                            </p:stCondLst>
+                            <p:childTnLst>
+                              <p:par>
+                                <p:cTn id="17" presetID="1" presetClass="entr" presetSubtype="0" fill="hold" nodeType="clickEffect">
+                                  <p:stCondLst>
+                                    <p:cond delay="0"/>
+                                  </p:stCondLst>
+                                  <p:childTnLst>
+                                    <p:set>
+                                      <p:cBhvr>
+                                        <p:cTn id="18" dur="1" fill="hold">
+                                          <p:stCondLst>
+                                            <p:cond delay="0"/>
+                                          </p:stCondLst>
+                                        </p:cTn>
+                                        <p:tgtEl>
+                                          <p:spTgt spid="9"/>
+                                        </p:tgtEl>
+                                        <p:attrNameLst>
+                                          <p:attrName>style.visibility</p:attrName>
+                                        </p:attrNameLst>
+                                      </p:cBhvr>
+                                      <p:to>
+                                        <p:strVal val="visible"/>
+                                      </p:to>
+                                    </p:set>
+                                  </p:childTnLst>
+                                </p:cTn>
+                              </p:par>
+                              <p:par>
+                                <p:cTn id="19" presetID="1" presetClass="entr" presetSubtype="0" fill="hold" grpId="0" nodeType="withEffect">
+                                  <p:stCondLst>
+                                    <p:cond delay="0"/>
+                                  </p:stCondLst>
+                                  <p:childTnLst>
+                                    <p:set>
+                                      <p:cBhvr>
+                                        <p:cTn id="20" dur="1" fill="hold">
+                                          <p:stCondLst>
+                                            <p:cond delay="0"/>
+                                          </p:stCondLst>
+                                        </p:cTn>
+                                        <p:tgtEl>
+                                          <p:spTgt spid="29"/>
+                                        </p:tgtEl>
+                                        <p:attrNameLst>
+                                          <p:attrName>style.visibility</p:attrName>
+                                        </p:attrNameLst>
+                                      </p:cBhvr>
+                                      <p:to>
+                                        <p:strVal val="visible"/>
+                                      </p:to>
+                                    </p:set>
+                                  </p:childTnLst>
+                                </p:cTn>
+                              </p:par>
+                            </p:childTnLst>
+                          </p:cTn>
+                        </p:par>
+                      </p:childTnLst>
+                    </p:cTn>
+                  </p:par>
+                  <p:par>
+                    <p:cTn id="21" fill="hold">
+                      <p:stCondLst>
+                        <p:cond delay="indefinite"/>
+                      </p:stCondLst>
+                      <p:childTnLst>
+                        <p:par>
+                          <p:cTn id="22" fill="hold">
+                            <p:stCondLst>
+                              <p:cond delay="0"/>
+                            </p:stCondLst>
+                            <p:childTnLst>
+                              <p:par>
+                                <p:cTn id="23" presetID="1" presetClass="entr" presetSubtype="0" fill="hold" grpId="0" nodeType="clickEffect">
+                                  <p:stCondLst>
+                                    <p:cond delay="0"/>
+                                  </p:stCondLst>
+                                  <p:childTnLst>
+                                    <p:set>
+                                      <p:cBhvr>
+                                        <p:cTn id="24" dur="1" fill="hold">
+                                          <p:stCondLst>
+                                            <p:cond delay="0"/>
+                                          </p:stCondLst>
+                                        </p:cTn>
+                                        <p:tgtEl>
+                                          <p:spTgt spid="11"/>
+                                        </p:tgtEl>
+                                        <p:attrNameLst>
+                                          <p:attrName>style.visibility</p:attrName>
+                                        </p:attrNameLst>
+                                      </p:cBhvr>
+                                      <p:to>
+                                        <p:strVal val="visible"/>
+                                      </p:to>
+                                    </p:set>
+                                  </p:childTnLst>
+                                </p:cTn>
+                              </p:par>
+                              <p:par>
+                                <p:cTn id="25" presetID="1" presetClass="entr" presetSubtype="0" fill="hold" nodeType="withEffect">
+                                  <p:stCondLst>
+                                    <p:cond delay="0"/>
+                                  </p:stCondLst>
+                                  <p:childTnLst>
+                                    <p:set>
+                                      <p:cBhvr>
+                                        <p:cTn id="26" dur="1" fill="hold">
+                                          <p:stCondLst>
+                                            <p:cond delay="0"/>
+                                          </p:stCondLst>
+                                        </p:cTn>
+                                        <p:tgtEl>
+                                          <p:spTgt spid="12"/>
+                                        </p:tgtEl>
+                                        <p:attrNameLst>
+                                          <p:attrName>style.visibility</p:attrName>
+                                        </p:attrNameLst>
+                                      </p:cBhvr>
+                                      <p:to>
+                                        <p:strVal val="visible"/>
+                                      </p:to>
+                                    </p:set>
+                                  </p:childTnLst>
+                                </p:cTn>
+                              </p:par>
+                            </p:childTnLst>
+                          </p:cTn>
+                        </p:par>
+                        <p:par>
+                          <p:cTn id="27" fill="hold">
+                            <p:stCondLst>
+                              <p:cond delay="0"/>
+                            </p:stCondLst>
+                            <p:childTnLst>
+                              <p:par>
+                                <p:cTn id="28" presetID="1" presetClass="entr" presetSubtype="0" fill="hold" nodeType="afterEffect">
+                                  <p:stCondLst>
+                                    <p:cond delay="1000"/>
+                                  </p:stCondLst>
+                                  <p:childTnLst>
+                                    <p:set>
+                                      <p:cBhvr>
+                                        <p:cTn id="29" dur="1" fill="hold">
+                                          <p:stCondLst>
+                                            <p:cond delay="0"/>
+                                          </p:stCondLst>
+                                        </p:cTn>
+                                        <p:tgtEl>
+                                          <p:spTgt spid="19"/>
+                                        </p:tgtEl>
+                                        <p:attrNameLst>
+                                          <p:attrName>style.visibility</p:attrName>
+                                        </p:attrNameLst>
+                                      </p:cBhvr>
+                                      <p:to>
+                                        <p:strVal val="visible"/>
+                                      </p:to>
+                                    </p:set>
+                                  </p:childTnLst>
+                                </p:cTn>
+                              </p:par>
+                            </p:childTnLst>
+                          </p:cTn>
+                        </p:par>
+                        <p:par>
+                          <p:cTn id="30" fill="hold">
+                            <p:stCondLst>
+                              <p:cond delay="1000"/>
+                            </p:stCondLst>
+                            <p:childTnLst>
+                              <p:par>
+                                <p:cTn id="31" presetID="1" presetClass="exit" presetSubtype="0" fill="hold" nodeType="afterEffect">
+                                  <p:stCondLst>
+                                    <p:cond delay="0"/>
+                                  </p:stCondLst>
+                                  <p:childTnLst>
+                                    <p:set>
+                                      <p:cBhvr>
+                                        <p:cTn id="32" dur="1" fill="hold">
+                                          <p:stCondLst>
+                                            <p:cond delay="0"/>
+                                          </p:stCondLst>
+                                        </p:cTn>
+                                        <p:tgtEl>
+                                          <p:spTgt spid="6"/>
+                                        </p:tgtEl>
+                                        <p:attrNameLst>
+                                          <p:attrName>style.visibility</p:attrName>
+                                        </p:attrNameLst>
+                                      </p:cBhvr>
+                                      <p:to>
+                                        <p:strVal val="hidden"/>
+                                      </p:to>
+                                    </p:set>
+                                  </p:childTnLst>
+                                </p:cTn>
+                              </p:par>
+                            </p:childTnLst>
+                          </p:cTn>
+                        </p:par>
+                        <p:par>
+                          <p:cTn id="33" fill="hold">
+                            <p:stCondLst>
+                              <p:cond delay="1000"/>
+                            </p:stCondLst>
+                            <p:childTnLst>
+                              <p:par>
+                                <p:cTn id="34" presetID="1" presetClass="entr" presetSubtype="0" fill="hold" nodeType="afterEffect">
+                                  <p:stCondLst>
+                                    <p:cond delay="1000"/>
+                                  </p:stCondLst>
+                                  <p:childTnLst>
+                                    <p:set>
+                                      <p:cBhvr>
+                                        <p:cTn id="35" dur="1" fill="hold">
+                                          <p:stCondLst>
+                                            <p:cond delay="0"/>
+                                          </p:stCondLst>
+                                        </p:cTn>
+                                        <p:tgtEl>
+                                          <p:spTgt spid="24"/>
+                                        </p:tgtEl>
+                                        <p:attrNameLst>
+                                          <p:attrName>style.visibility</p:attrName>
+                                        </p:attrNameLst>
+                                      </p:cBhvr>
+                                      <p:to>
+                                        <p:strVal val="visible"/>
+                                      </p:to>
+                                    </p:set>
+                                  </p:childTnLst>
+                                </p:cTn>
+                              </p:par>
+                              <p:par>
+                                <p:cTn id="36" presetID="1" presetClass="entr" presetSubtype="0" fill="hold" grpId="0" nodeType="withEffect">
+                                  <p:stCondLst>
+                                    <p:cond delay="1000"/>
+                                  </p:stCondLst>
+                                  <p:childTnLst>
+                                    <p:set>
+                                      <p:cBhvr>
+                                        <p:cTn id="37" dur="1" fill="hold">
+                                          <p:stCondLst>
+                                            <p:cond delay="0"/>
+                                          </p:stCondLst>
+                                        </p:cTn>
+                                        <p:tgtEl>
+                                          <p:spTgt spid="28"/>
+                                        </p:tgtEl>
+                                        <p:attrNameLst>
+                                          <p:attrName>style.visibility</p:attrName>
+                                        </p:attrNameLst>
+                                      </p:cBhvr>
+                                      <p:to>
+                                        <p:strVal val="visible"/>
+                                      </p:to>
+                                    </p:set>
+                                  </p:childTnLst>
+                                </p:cTn>
+                              </p:par>
+                            </p:childTnLst>
+                          </p:cTn>
+                        </p:par>
+                      </p:childTnLst>
+                    </p:cTn>
+                  </p:par>
+                  <p:par>
+                    <p:cTn id="38" fill="hold">
+                      <p:stCondLst>
+                        <p:cond delay="indefinite"/>
+                      </p:stCondLst>
+                      <p:childTnLst>
+                        <p:par>
+                          <p:cTn id="39" fill="hold">
+                            <p:stCondLst>
+                              <p:cond delay="0"/>
+                            </p:stCondLst>
+                            <p:childTnLst>
+                              <p:par>
+                                <p:cTn id="40" presetID="1" presetClass="exit" presetSubtype="0" fill="hold" grpId="1" nodeType="clickEffect">
+                                  <p:stCondLst>
+                                    <p:cond delay="0"/>
+                                  </p:stCondLst>
+                                  <p:childTnLst>
+                                    <p:set>
+                                      <p:cBhvr>
+                                        <p:cTn id="41" dur="1" fill="hold">
+                                          <p:stCondLst>
+                                            <p:cond delay="0"/>
+                                          </p:stCondLst>
+                                        </p:cTn>
+                                        <p:tgtEl>
+                                          <p:spTgt spid="7"/>
+                                        </p:tgtEl>
+                                        <p:attrNameLst>
+                                          <p:attrName>style.visibility</p:attrName>
+                                        </p:attrNameLst>
+                                      </p:cBhvr>
+                                      <p:to>
+                                        <p:strVal val="hidden"/>
+                                      </p:to>
+                                    </p:set>
+                                  </p:childTnLst>
+                                </p:cTn>
+                              </p:par>
+                              <p:par>
+                                <p:cTn id="42" presetID="1" presetClass="exit" presetSubtype="0" fill="hold" nodeType="withEffect">
+                                  <p:stCondLst>
+                                    <p:cond delay="0"/>
+                                  </p:stCondLst>
+                                  <p:childTnLst>
+                                    <p:set>
+                                      <p:cBhvr>
+                                        <p:cTn id="43" dur="1" fill="hold">
+                                          <p:stCondLst>
+                                            <p:cond delay="0"/>
+                                          </p:stCondLst>
+                                        </p:cTn>
+                                        <p:tgtEl>
+                                          <p:spTgt spid="12"/>
+                                        </p:tgtEl>
+                                        <p:attrNameLst>
+                                          <p:attrName>style.visibility</p:attrName>
+                                        </p:attrNameLst>
+                                      </p:cBhvr>
+                                      <p:to>
+                                        <p:strVal val="hidden"/>
+                                      </p:to>
+                                    </p:set>
+                                  </p:childTnLst>
+                                </p:cTn>
+                              </p:par>
+                              <p:par>
+                                <p:cTn id="44" presetID="1" presetClass="exit" presetSubtype="0" fill="hold" grpId="1" nodeType="withEffect">
+                                  <p:stCondLst>
+                                    <p:cond delay="0"/>
+                                  </p:stCondLst>
+                                  <p:childTnLst>
+                                    <p:set>
+                                      <p:cBhvr>
+                                        <p:cTn id="45" dur="1" fill="hold">
+                                          <p:stCondLst>
+                                            <p:cond delay="0"/>
+                                          </p:stCondLst>
+                                        </p:cTn>
+                                        <p:tgtEl>
+                                          <p:spTgt spid="11"/>
+                                        </p:tgtEl>
+                                        <p:attrNameLst>
+                                          <p:attrName>style.visibility</p:attrName>
+                                        </p:attrNameLst>
+                                      </p:cBhvr>
+                                      <p:to>
+                                        <p:strVal val="hidden"/>
+                                      </p:to>
+                                    </p:set>
+                                  </p:childTnLst>
+                                </p:cTn>
+                              </p:par>
+                              <p:par>
+                                <p:cTn id="46" presetID="1" presetClass="exit" presetSubtype="0" fill="hold" nodeType="withEffect">
+                                  <p:stCondLst>
+                                    <p:cond delay="0"/>
+                                  </p:stCondLst>
+                                  <p:childTnLst>
+                                    <p:set>
+                                      <p:cBhvr>
+                                        <p:cTn id="47" dur="1" fill="hold">
+                                          <p:stCondLst>
+                                            <p:cond delay="0"/>
+                                          </p:stCondLst>
+                                        </p:cTn>
+                                        <p:tgtEl>
+                                          <p:spTgt spid="19"/>
+                                        </p:tgtEl>
+                                        <p:attrNameLst>
+                                          <p:attrName>style.visibility</p:attrName>
+                                        </p:attrNameLst>
+                                      </p:cBhvr>
+                                      <p:to>
+                                        <p:strVal val="hidden"/>
+                                      </p:to>
+                                    </p:set>
+                                  </p:childTnLst>
+                                </p:cTn>
+                              </p:par>
+                              <p:par>
+                                <p:cTn id="48" presetID="1" presetClass="exit" presetSubtype="0" fill="hold" nodeType="withEffect">
+                                  <p:stCondLst>
+                                    <p:cond delay="0"/>
+                                  </p:stCondLst>
+                                  <p:childTnLst>
+                                    <p:set>
+                                      <p:cBhvr>
+                                        <p:cTn id="49" dur="1" fill="hold">
+                                          <p:stCondLst>
+                                            <p:cond delay="0"/>
+                                          </p:stCondLst>
+                                        </p:cTn>
+                                        <p:tgtEl>
+                                          <p:spTgt spid="24"/>
+                                        </p:tgtEl>
+                                        <p:attrNameLst>
+                                          <p:attrName>style.visibility</p:attrName>
+                                        </p:attrNameLst>
+                                      </p:cBhvr>
+                                      <p:to>
+                                        <p:strVal val="hidden"/>
+                                      </p:to>
+                                    </p:set>
+                                  </p:childTnLst>
+                                </p:cTn>
+                              </p:par>
+                              <p:par>
+                                <p:cTn id="50" presetID="1" presetClass="exit" presetSubtype="0" fill="hold" grpId="1" nodeType="withEffect">
+                                  <p:stCondLst>
+                                    <p:cond delay="0"/>
+                                  </p:stCondLst>
+                                  <p:childTnLst>
+                                    <p:set>
+                                      <p:cBhvr>
+                                        <p:cTn id="51" dur="1" fill="hold">
+                                          <p:stCondLst>
+                                            <p:cond delay="0"/>
+                                          </p:stCondLst>
+                                        </p:cTn>
+                                        <p:tgtEl>
+                                          <p:spTgt spid="28"/>
+                                        </p:tgtEl>
+                                        <p:attrNameLst>
+                                          <p:attrName>style.visibility</p:attrName>
+                                        </p:attrNameLst>
+                                      </p:cBhvr>
+                                      <p:to>
+                                        <p:strVal val="hidden"/>
+                                      </p:to>
+                                    </p:set>
+                                  </p:childTnLst>
+                                </p:cTn>
+                              </p:par>
+                            </p:childTnLst>
+                          </p:cTn>
+                        </p:par>
+                        <p:par>
+                          <p:cTn id="52" fill="hold">
+                            <p:stCondLst>
+                              <p:cond delay="0"/>
+                            </p:stCondLst>
+                            <p:childTnLst>
+                              <p:par>
+                                <p:cTn id="53" presetID="1" presetClass="entr" presetSubtype="0" fill="hold" grpId="0" nodeType="afterEffect">
+                                  <p:stCondLst>
+                                    <p:cond delay="1000"/>
+                                  </p:stCondLst>
+                                  <p:childTnLst>
+                                    <p:set>
+                                      <p:cBhvr>
+                                        <p:cTn id="54" dur="1" fill="hold">
+                                          <p:stCondLst>
+                                            <p:cond delay="0"/>
+                                          </p:stCondLst>
+                                        </p:cTn>
+                                        <p:tgtEl>
+                                          <p:spTgt spid="32"/>
+                                        </p:tgtEl>
+                                        <p:attrNameLst>
+                                          <p:attrName>style.visibility</p:attrName>
+                                        </p:attrNameLst>
+                                      </p:cBhvr>
+                                      <p:to>
+                                        <p:strVal val="visible"/>
+                                      </p:to>
+                                    </p:set>
+                                  </p:childTnLst>
+                                </p:cTn>
+                              </p:par>
+                              <p:par>
+                                <p:cTn id="55" presetID="1" presetClass="entr" presetSubtype="0" fill="hold" grpId="0" nodeType="withEffect">
+                                  <p:stCondLst>
+                                    <p:cond delay="1000"/>
+                                  </p:stCondLst>
+                                  <p:childTnLst>
+                                    <p:set>
+                                      <p:cBhvr>
+                                        <p:cTn id="56" dur="1" fill="hold">
+                                          <p:stCondLst>
+                                            <p:cond delay="0"/>
+                                          </p:stCondLst>
+                                        </p:cTn>
+                                        <p:tgtEl>
+                                          <p:spTgt spid="30"/>
+                                        </p:tgtEl>
+                                        <p:attrNameLst>
+                                          <p:attrName>style.visibility</p:attrName>
+                                        </p:attrNameLst>
+                                      </p:cBhvr>
+                                      <p:to>
+                                        <p:strVal val="visible"/>
+                                      </p:to>
+                                    </p:set>
+                                  </p:childTnLst>
+                                </p:cTn>
+                              </p:par>
+                              <p:par>
+                                <p:cTn id="57" presetID="1" presetClass="entr" presetSubtype="0" fill="hold" nodeType="withEffect">
+                                  <p:stCondLst>
+                                    <p:cond delay="1000"/>
+                                  </p:stCondLst>
+                                  <p:childTnLst>
+                                    <p:set>
+                                      <p:cBhvr>
+                                        <p:cTn id="58" dur="1" fill="hold">
+                                          <p:stCondLst>
+                                            <p:cond delay="0"/>
+                                          </p:stCondLst>
+                                        </p:cTn>
+                                        <p:tgtEl>
+                                          <p:spTgt spid="6"/>
+                                        </p:tgtEl>
+                                        <p:attrNameLst>
+                                          <p:attrName>style.visibility</p:attrName>
+                                        </p:attrNameLst>
+                                      </p:cBhvr>
+                                      <p:to>
+                                        <p:strVal val="visible"/>
+                                      </p:to>
+                                    </p:set>
+                                  </p:childTnLst>
+                                </p:cTn>
+                              </p:par>
+                            </p:childTnLst>
+                          </p:cTn>
+                        </p:par>
+                      </p:childTnLst>
+                    </p:cTn>
+                  </p:par>
+                  <p:par>
+                    <p:cTn id="59" fill="hold">
+                      <p:stCondLst>
+                        <p:cond delay="indefinite"/>
+                      </p:stCondLst>
+                      <p:childTnLst>
+                        <p:par>
+                          <p:cTn id="60" fill="hold">
+                            <p:stCondLst>
+                              <p:cond delay="0"/>
+                            </p:stCondLst>
+                            <p:childTnLst>
+                              <p:par>
+                                <p:cTn id="61" presetID="1" presetClass="entr" presetSubtype="0" fill="hold" grpId="2" nodeType="clickEffect">
+                                  <p:stCondLst>
+                                    <p:cond delay="0"/>
+                                  </p:stCondLst>
+                                  <p:childTnLst>
+                                    <p:set>
+                                      <p:cBhvr>
+                                        <p:cTn id="62" dur="1" fill="hold">
+                                          <p:stCondLst>
+                                            <p:cond delay="0"/>
+                                          </p:stCondLst>
+                                        </p:cTn>
+                                        <p:tgtEl>
+                                          <p:spTgt spid="11"/>
+                                        </p:tgtEl>
+                                        <p:attrNameLst>
+                                          <p:attrName>style.visibility</p:attrName>
+                                        </p:attrNameLst>
+                                      </p:cBhvr>
+                                      <p:to>
+                                        <p:strVal val="visible"/>
+                                      </p:to>
+                                    </p:set>
+                                  </p:childTnLst>
+                                </p:cTn>
+                              </p:par>
+                              <p:par>
+                                <p:cTn id="63" presetID="1" presetClass="entr" presetSubtype="0" fill="hold" nodeType="withEffect">
+                                  <p:stCondLst>
+                                    <p:cond delay="0"/>
+                                  </p:stCondLst>
+                                  <p:childTnLst>
+                                    <p:set>
+                                      <p:cBhvr>
+                                        <p:cTn id="64" dur="1" fill="hold">
+                                          <p:stCondLst>
+                                            <p:cond delay="0"/>
+                                          </p:stCondLst>
+                                        </p:cTn>
+                                        <p:tgtEl>
+                                          <p:spTgt spid="12"/>
+                                        </p:tgtEl>
+                                        <p:attrNameLst>
+                                          <p:attrName>style.visibility</p:attrName>
+                                        </p:attrNameLst>
+                                      </p:cBhvr>
+                                      <p:to>
+                                        <p:strVal val="visible"/>
+                                      </p:to>
+                                    </p:set>
+                                  </p:childTnLst>
+                                </p:cTn>
+                              </p:par>
+                              <p:par>
+                                <p:cTn id="65" presetID="1" presetClass="entr" presetSubtype="0" fill="hold" nodeType="withEffect">
+                                  <p:stCondLst>
+                                    <p:cond delay="1000"/>
+                                  </p:stCondLst>
+                                  <p:childTnLst>
+                                    <p:set>
+                                      <p:cBhvr>
+                                        <p:cTn id="66" dur="1" fill="hold">
+                                          <p:stCondLst>
+                                            <p:cond delay="0"/>
+                                          </p:stCondLst>
+                                        </p:cTn>
+                                        <p:tgtEl>
+                                          <p:spTgt spid="19"/>
+                                        </p:tgtEl>
+                                        <p:attrNameLst>
+                                          <p:attrName>style.visibility</p:attrName>
+                                        </p:attrNameLst>
+                                      </p:cBhvr>
+                                      <p:to>
+                                        <p:strVal val="visible"/>
+                                      </p:to>
+                                    </p:set>
+                                  </p:childTnLst>
+                                </p:cTn>
+                              </p:par>
+                              <p:par>
+                                <p:cTn id="67" presetID="1" presetClass="exit" presetSubtype="0" fill="hold" nodeType="withEffect">
+                                  <p:stCondLst>
+                                    <p:cond delay="1000"/>
+                                  </p:stCondLst>
+                                  <p:childTnLst>
+                                    <p:set>
+                                      <p:cBhvr>
+                                        <p:cTn id="68" dur="1" fill="hold">
+                                          <p:stCondLst>
+                                            <p:cond delay="0"/>
+                                          </p:stCondLst>
+                                        </p:cTn>
+                                        <p:tgtEl>
+                                          <p:spTgt spid="6"/>
+                                        </p:tgtEl>
+                                        <p:attrNameLst>
+                                          <p:attrName>style.visibility</p:attrName>
+                                        </p:attrNameLst>
+                                      </p:cBhvr>
+                                      <p:to>
+                                        <p:strVal val="hidden"/>
+                                      </p:to>
+                                    </p:set>
+                                  </p:childTnLst>
+                                </p:cTn>
+                              </p:par>
+                            </p:childTnLst>
+                          </p:cTn>
+                        </p:par>
+                      </p:childTnLst>
+                    </p:cTn>
+                  </p:par>
+                  <p:par>
+                    <p:cTn id="69" fill="hold">
+                      <p:stCondLst>
+                        <p:cond delay="indefinite"/>
+                      </p:stCondLst>
+                      <p:childTnLst>
+                        <p:par>
+                          <p:cTn id="70" fill="hold">
+                            <p:stCondLst>
+                              <p:cond delay="0"/>
+                            </p:stCondLst>
+                            <p:childTnLst>
+                              <p:par>
+                                <p:cTn id="71" presetID="1" presetClass="entr" presetSubtype="0" fill="hold" grpId="0" nodeType="clickEffect">
+                                  <p:stCondLst>
+                                    <p:cond delay="0"/>
+                                  </p:stCondLst>
+                                  <p:childTnLst>
+                                    <p:set>
+                                      <p:cBhvr>
+                                        <p:cTn id="72" dur="1" fill="hold">
+                                          <p:stCondLst>
+                                            <p:cond delay="0"/>
+                                          </p:stCondLst>
+                                        </p:cTn>
+                                        <p:tgtEl>
+                                          <p:spTgt spid="35"/>
+                                        </p:tgtEl>
+                                        <p:attrNameLst>
+                                          <p:attrName>style.visibility</p:attrName>
+                                        </p:attrNameLst>
+                                      </p:cBhvr>
+                                      <p:to>
+                                        <p:strVal val="visible"/>
+                                      </p:to>
+                                    </p:set>
+                                  </p:childTnLst>
+                                </p:cTn>
+                              </p:par>
+                              <p:par>
+                                <p:cTn id="73" presetID="1" presetClass="entr" presetSubtype="0" fill="hold" nodeType="withEffect">
+                                  <p:stCondLst>
+                                    <p:cond delay="0"/>
+                                  </p:stCondLst>
+                                  <p:childTnLst>
+                                    <p:set>
+                                      <p:cBhvr>
+                                        <p:cTn id="74" dur="1" fill="hold">
+                                          <p:stCondLst>
+                                            <p:cond delay="0"/>
+                                          </p:stCondLst>
+                                        </p:cTn>
+                                        <p:tgtEl>
+                                          <p:spTgt spid="36"/>
+                                        </p:tgtEl>
+                                        <p:attrNameLst>
+                                          <p:attrName>style.visibility</p:attrName>
+                                        </p:attrNameLst>
+                                      </p:cBhvr>
+                                      <p:to>
+                                        <p:strVal val="visible"/>
+                                      </p:to>
+                                    </p:set>
+                                  </p:childTnLst>
+                                </p:cTn>
+                              </p:par>
+                              <p:par>
+                                <p:cTn id="75" presetID="1" presetClass="entr" presetSubtype="0" fill="hold" nodeType="withEffect">
+                                  <p:stCondLst>
+                                    <p:cond delay="0"/>
+                                  </p:stCondLst>
+                                  <p:childTnLst>
+                                    <p:set>
+                                      <p:cBhvr>
+                                        <p:cTn id="76" dur="1" fill="hold">
+                                          <p:stCondLst>
+                                            <p:cond delay="0"/>
+                                          </p:stCondLst>
+                                        </p:cTn>
+                                        <p:tgtEl>
+                                          <p:spTgt spid="40"/>
+                                        </p:tgtEl>
+                                        <p:attrNameLst>
+                                          <p:attrName>style.visibility</p:attrName>
+                                        </p:attrNameLst>
+                                      </p:cBhvr>
+                                      <p:to>
+                                        <p:strVal val="visible"/>
+                                      </p:to>
+                                    </p:set>
+                                  </p:childTnLst>
+                                </p:cTn>
+                              </p:par>
+                            </p:childTnLst>
+                          </p:cTn>
+                        </p:par>
+                        <p:par>
+                          <p:cTn id="77" fill="hold">
+                            <p:stCondLst>
+                              <p:cond delay="0"/>
+                            </p:stCondLst>
+                            <p:childTnLst>
+                              <p:par>
+                                <p:cTn id="78" presetID="1" presetClass="exit" presetSubtype="0" fill="hold" grpId="1" nodeType="afterEffect">
+                                  <p:stCondLst>
+                                    <p:cond delay="1000"/>
+                                  </p:stCondLst>
+                                  <p:childTnLst>
+                                    <p:set>
+                                      <p:cBhvr>
+                                        <p:cTn id="79" dur="1" fill="hold">
+                                          <p:stCondLst>
+                                            <p:cond delay="0"/>
+                                          </p:stCondLst>
+                                        </p:cTn>
+                                        <p:tgtEl>
+                                          <p:spTgt spid="29"/>
+                                        </p:tgtEl>
+                                        <p:attrNameLst>
+                                          <p:attrName>style.visibility</p:attrName>
+                                        </p:attrNameLst>
+                                      </p:cBhvr>
+                                      <p:to>
+                                        <p:strVal val="hidden"/>
+                                      </p:to>
+                                    </p:set>
+                                  </p:childTnLst>
+                                </p:cTn>
+                              </p:par>
+                              <p:par>
+                                <p:cTn id="80" presetID="1" presetClass="exit" presetSubtype="0" fill="hold" grpId="1" nodeType="withEffect">
+                                  <p:stCondLst>
+                                    <p:cond delay="0"/>
+                                  </p:stCondLst>
+                                  <p:childTnLst>
+                                    <p:set>
+                                      <p:cBhvr>
+                                        <p:cTn id="81" dur="1" fill="hold">
+                                          <p:stCondLst>
+                                            <p:cond delay="0"/>
+                                          </p:stCondLst>
+                                        </p:cTn>
+                                        <p:tgtEl>
+                                          <p:spTgt spid="30"/>
+                                        </p:tgtEl>
+                                        <p:attrNameLst>
+                                          <p:attrName>style.visibility</p:attrName>
+                                        </p:attrNameLst>
+                                      </p:cBhvr>
+                                      <p:to>
+                                        <p:strVal val="hidden"/>
+                                      </p:to>
+                                    </p:set>
+                                  </p:childTnLst>
+                                </p:cTn>
+                              </p:par>
+                            </p:childTnLst>
+                          </p:cTn>
+                        </p:par>
+                      </p:childTnLst>
+                    </p:cTn>
+                  </p:par>
+                </p:childTnLst>
+              </p:cTn>
+              <p:prevCondLst>
+                <p:cond evt="onPrev" delay="0">
+                  <p:tgtEl>
+                    <p:sldTgt/>
+                  </p:tgtEl>
+                </p:cond>
+              </p:prevCondLst>
+              <p:nextCondLst>
+                <p:cond evt="onNext" delay="0">
+                  <p:tgtEl>
+                    <p:sldTgt/>
+                  </p:tgtEl>
+                </p:cond>
+              </p:nextCondLst>
+            </p:seq>
+          </p:childTnLst>
+        </p:cTn>
+      </p:par>
+    </p:tnLst>
+    <p:bldLst>
+      <p:bldP spid="4" grpId="0" animBg="1"/>
+      <p:bldP spid="7" grpId="0"/>
+      <p:bldP spid="7" grpId="1"/>
+      <p:bldP spid="11" grpId="0"/>
+      <p:bldP spid="11" grpId="1"/>
+      <p:bldP spid="11" grpId="2"/>
+      <p:bldP spid="28" grpId="0"/>
+      <p:bldP spid="28" grpId="1"/>
+      <p:bldP spid="29" grpId="0"/>
+      <p:bldP spid="29" grpId="1"/>
+      <p:bldP spid="30" grpId="0"/>
+      <p:bldP spid="30" grpId="1"/>
+      <p:bldP spid="32" grpId="0"/>
+      <p:bldP spid="35" grpId="0"/>
+    </p:bldLst>
+  </p:timing>
 </p:sld>
 </file>
 
@@ -13499,6 +15378,648 @@
 </file>
 
 <file path=ppt/slides/slide12.xml><?xml version="1.0" encoding="utf-8"?>
+<p:sld xmlns:a="http://schemas.openxmlformats.org/drawingml/2006/main" xmlns:r="http://schemas.openxmlformats.org/officeDocument/2006/relationships" xmlns:p="http://schemas.openxmlformats.org/presentationml/2006/main">
+  <p:cSld>
+    <p:spTree>
+      <p:nvGrpSpPr>
+        <p:cNvPr id="1" name=""/>
+        <p:cNvGrpSpPr/>
+        <p:nvPr/>
+      </p:nvGrpSpPr>
+      <p:grpSpPr>
+        <a:xfrm>
+          <a:off x="0" y="0"/>
+          <a:ext cx="0" cy="0"/>
+          <a:chOff x="0" y="0"/>
+          <a:chExt cx="0" cy="0"/>
+        </a:xfrm>
+      </p:grpSpPr>
+      <p:sp>
+        <p:nvSpPr>
+          <p:cNvPr id="2" name="Titel 1">
+            <a:extLst>
+              <a:ext uri="{FF2B5EF4-FFF2-40B4-BE49-F238E27FC236}">
+                <a16:creationId xmlns:a16="http://schemas.microsoft.com/office/drawing/2014/main" id="{FF341FA0-85F3-4357-900E-1D74B9580AB4}"/>
+              </a:ext>
+            </a:extLst>
+          </p:cNvPr>
+          <p:cNvSpPr>
+            <a:spLocks noGrp="1"/>
+          </p:cNvSpPr>
+          <p:nvPr>
+            <p:ph type="title"/>
+          </p:nvPr>
+        </p:nvSpPr>
+        <p:spPr/>
+        <p:txBody>
+          <a:bodyPr/>
+          <a:lstStyle/>
+          <a:p>
+            <a:r>
+              <a:rPr lang="de-DE" dirty="0"/>
+              <a:t>Methoden</a:t>
+            </a:r>
+          </a:p>
+        </p:txBody>
+      </p:sp>
+      <p:pic>
+        <p:nvPicPr>
+          <p:cNvPr id="9" name="Grafik 8">
+            <a:extLst>
+              <a:ext uri="{FF2B5EF4-FFF2-40B4-BE49-F238E27FC236}">
+                <a16:creationId xmlns:a16="http://schemas.microsoft.com/office/drawing/2014/main" id="{AA51866D-52EE-4D0A-AFB5-39022CE1C7A9}"/>
+              </a:ext>
+            </a:extLst>
+          </p:cNvPr>
+          <p:cNvPicPr>
+            <a:picLocks noChangeAspect="1"/>
+          </p:cNvPicPr>
+          <p:nvPr/>
+        </p:nvPicPr>
+        <p:blipFill>
+          <a:blip r:embed="rId3"/>
+          <a:stretch>
+            <a:fillRect/>
+          </a:stretch>
+        </p:blipFill>
+        <p:spPr>
+          <a:xfrm>
+            <a:off x="7161212" y="5451022"/>
+            <a:ext cx="2938463" cy="209550"/>
+          </a:xfrm>
+          <a:prstGeom prst="rect">
+            <a:avLst/>
+          </a:prstGeom>
+        </p:spPr>
+      </p:pic>
+      <p:pic>
+        <p:nvPicPr>
+          <p:cNvPr id="15" name="Grafik 14">
+            <a:extLst>
+              <a:ext uri="{FF2B5EF4-FFF2-40B4-BE49-F238E27FC236}">
+                <a16:creationId xmlns:a16="http://schemas.microsoft.com/office/drawing/2014/main" id="{E1FF834F-5264-4822-BC2F-0826265B4AED}"/>
+              </a:ext>
+            </a:extLst>
+          </p:cNvPr>
+          <p:cNvPicPr>
+            <a:picLocks noChangeAspect="1"/>
+          </p:cNvPicPr>
+          <p:nvPr/>
+        </p:nvPicPr>
+        <p:blipFill>
+          <a:blip r:embed="rId4"/>
+          <a:stretch>
+            <a:fillRect/>
+          </a:stretch>
+        </p:blipFill>
+        <p:spPr>
+          <a:xfrm>
+            <a:off x="7161212" y="2193925"/>
+            <a:ext cx="4262438" cy="2566988"/>
+          </a:xfrm>
+          <a:prstGeom prst="rect">
+            <a:avLst/>
+          </a:prstGeom>
+        </p:spPr>
+      </p:pic>
+      <p:pic>
+        <p:nvPicPr>
+          <p:cNvPr id="17" name="Grafik 16">
+            <a:extLst>
+              <a:ext uri="{FF2B5EF4-FFF2-40B4-BE49-F238E27FC236}">
+                <a16:creationId xmlns:a16="http://schemas.microsoft.com/office/drawing/2014/main" id="{0594F8D3-96F7-4020-BC98-21C8FC217D72}"/>
+              </a:ext>
+            </a:extLst>
+          </p:cNvPr>
+          <p:cNvPicPr>
+            <a:picLocks noChangeAspect="1"/>
+          </p:cNvPicPr>
+          <p:nvPr/>
+        </p:nvPicPr>
+        <p:blipFill>
+          <a:blip r:embed="rId5"/>
+          <a:stretch>
+            <a:fillRect/>
+          </a:stretch>
+        </p:blipFill>
+        <p:spPr>
+          <a:xfrm>
+            <a:off x="2208213" y="5465309"/>
+            <a:ext cx="1676400" cy="195263"/>
+          </a:xfrm>
+          <a:prstGeom prst="rect">
+            <a:avLst/>
+          </a:prstGeom>
+        </p:spPr>
+      </p:pic>
+      <p:pic>
+        <p:nvPicPr>
+          <p:cNvPr id="19" name="Grafik 18">
+            <a:extLst>
+              <a:ext uri="{FF2B5EF4-FFF2-40B4-BE49-F238E27FC236}">
+                <a16:creationId xmlns:a16="http://schemas.microsoft.com/office/drawing/2014/main" id="{6F80D694-7952-4413-A7D4-81D8FD12A130}"/>
+              </a:ext>
+            </a:extLst>
+          </p:cNvPr>
+          <p:cNvPicPr>
+            <a:picLocks noChangeAspect="1"/>
+          </p:cNvPicPr>
+          <p:nvPr/>
+        </p:nvPicPr>
+        <p:blipFill>
+          <a:blip r:embed="rId6"/>
+          <a:stretch>
+            <a:fillRect/>
+          </a:stretch>
+        </p:blipFill>
+        <p:spPr>
+          <a:xfrm>
+            <a:off x="2208213" y="2193925"/>
+            <a:ext cx="3948113" cy="2871788"/>
+          </a:xfrm>
+          <a:prstGeom prst="rect">
+            <a:avLst/>
+          </a:prstGeom>
+        </p:spPr>
+      </p:pic>
+      <p:sp>
+        <p:nvSpPr>
+          <p:cNvPr id="20" name="Textfeld 19">
+            <a:extLst>
+              <a:ext uri="{FF2B5EF4-FFF2-40B4-BE49-F238E27FC236}">
+                <a16:creationId xmlns:a16="http://schemas.microsoft.com/office/drawing/2014/main" id="{6138E7D3-5AE1-4E1B-A04B-952A4E000BCF}"/>
+              </a:ext>
+            </a:extLst>
+          </p:cNvPr>
+          <p:cNvSpPr txBox="1"/>
+          <p:nvPr/>
+        </p:nvSpPr>
+        <p:spPr>
+          <a:xfrm>
+            <a:off x="2208213" y="1788262"/>
+            <a:ext cx="3483429" cy="372041"/>
+          </a:xfrm>
+          <a:prstGeom prst="rect">
+            <a:avLst/>
+          </a:prstGeom>
+          <a:noFill/>
+        </p:spPr>
+        <p:txBody>
+          <a:bodyPr wrap="square" rtlCol="0">
+            <a:spAutoFit/>
+          </a:bodyPr>
+          <a:lstStyle/>
+          <a:p>
+            <a:r>
+              <a:rPr lang="de-DE" dirty="0"/>
+              <a:t>ohne Rückgabewert:</a:t>
+            </a:r>
+          </a:p>
+        </p:txBody>
+      </p:sp>
+      <p:sp>
+        <p:nvSpPr>
+          <p:cNvPr id="21" name="Textfeld 20">
+            <a:extLst>
+              <a:ext uri="{FF2B5EF4-FFF2-40B4-BE49-F238E27FC236}">
+                <a16:creationId xmlns:a16="http://schemas.microsoft.com/office/drawing/2014/main" id="{99F35810-6E01-4CE4-A5C7-215CA0A4E78D}"/>
+              </a:ext>
+            </a:extLst>
+          </p:cNvPr>
+          <p:cNvSpPr txBox="1"/>
+          <p:nvPr/>
+        </p:nvSpPr>
+        <p:spPr>
+          <a:xfrm>
+            <a:off x="7128554" y="1788262"/>
+            <a:ext cx="3483429" cy="372041"/>
+          </a:xfrm>
+          <a:prstGeom prst="rect">
+            <a:avLst/>
+          </a:prstGeom>
+          <a:noFill/>
+        </p:spPr>
+        <p:txBody>
+          <a:bodyPr wrap="square" rtlCol="0">
+            <a:spAutoFit/>
+          </a:bodyPr>
+          <a:lstStyle/>
+          <a:p>
+            <a:r>
+              <a:rPr lang="de-DE" dirty="0"/>
+              <a:t>mit Rückgabewert:</a:t>
+            </a:r>
+          </a:p>
+        </p:txBody>
+      </p:sp>
+      <p:sp>
+        <p:nvSpPr>
+          <p:cNvPr id="22" name="Textfeld 21">
+            <a:extLst>
+              <a:ext uri="{FF2B5EF4-FFF2-40B4-BE49-F238E27FC236}">
+                <a16:creationId xmlns:a16="http://schemas.microsoft.com/office/drawing/2014/main" id="{B4B6F61E-81A6-400E-B1AC-4739F32001B6}"/>
+              </a:ext>
+            </a:extLst>
+          </p:cNvPr>
+          <p:cNvSpPr txBox="1"/>
+          <p:nvPr/>
+        </p:nvSpPr>
+        <p:spPr>
+          <a:xfrm>
+            <a:off x="597241" y="2193925"/>
+            <a:ext cx="1369446" cy="372041"/>
+          </a:xfrm>
+          <a:prstGeom prst="rect">
+            <a:avLst/>
+          </a:prstGeom>
+          <a:noFill/>
+        </p:spPr>
+        <p:txBody>
+          <a:bodyPr wrap="square" rtlCol="0">
+            <a:spAutoFit/>
+          </a:bodyPr>
+          <a:lstStyle/>
+          <a:p>
+            <a:r>
+              <a:rPr lang="de-DE" dirty="0"/>
+              <a:t>Deklaration:</a:t>
+            </a:r>
+          </a:p>
+        </p:txBody>
+      </p:sp>
+      <p:sp>
+        <p:nvSpPr>
+          <p:cNvPr id="23" name="Textfeld 22">
+            <a:extLst>
+              <a:ext uri="{FF2B5EF4-FFF2-40B4-BE49-F238E27FC236}">
+                <a16:creationId xmlns:a16="http://schemas.microsoft.com/office/drawing/2014/main" id="{1001E4BB-01F6-42DD-B87C-E4441C023F43}"/>
+              </a:ext>
+            </a:extLst>
+          </p:cNvPr>
+          <p:cNvSpPr txBox="1"/>
+          <p:nvPr/>
+        </p:nvSpPr>
+        <p:spPr>
+          <a:xfrm>
+            <a:off x="597241" y="5369776"/>
+            <a:ext cx="1369446" cy="372041"/>
+          </a:xfrm>
+          <a:prstGeom prst="rect">
+            <a:avLst/>
+          </a:prstGeom>
+          <a:noFill/>
+        </p:spPr>
+        <p:txBody>
+          <a:bodyPr wrap="square" rtlCol="0">
+            <a:spAutoFit/>
+          </a:bodyPr>
+          <a:lstStyle/>
+          <a:p>
+            <a:r>
+              <a:rPr lang="de-DE" dirty="0"/>
+              <a:t>Aufruf:</a:t>
+            </a:r>
+          </a:p>
+        </p:txBody>
+      </p:sp>
+    </p:spTree>
+    <p:extLst>
+      <p:ext uri="{BB962C8B-B14F-4D97-AF65-F5344CB8AC3E}">
+        <p14:creationId xmlns:p14="http://schemas.microsoft.com/office/powerpoint/2010/main" val="642373425"/>
+      </p:ext>
+    </p:extLst>
+  </p:cSld>
+  <p:clrMapOvr>
+    <a:masterClrMapping/>
+  </p:clrMapOvr>
+  <p:timing>
+    <p:tnLst>
+      <p:par>
+        <p:cTn id="1" dur="indefinite" restart="never" nodeType="tmRoot">
+          <p:childTnLst>
+            <p:seq concurrent="1" nextAc="seek">
+              <p:cTn id="2" dur="indefinite" nodeType="mainSeq">
+                <p:childTnLst>
+                  <p:par>
+                    <p:cTn id="3" fill="hold">
+                      <p:stCondLst>
+                        <p:cond delay="indefinite"/>
+                      </p:stCondLst>
+                      <p:childTnLst>
+                        <p:par>
+                          <p:cTn id="4" fill="hold">
+                            <p:stCondLst>
+                              <p:cond delay="0"/>
+                            </p:stCondLst>
+                            <p:childTnLst>
+                              <p:par>
+                                <p:cTn id="5" presetID="1" presetClass="entr" presetSubtype="0" fill="hold" grpId="0" nodeType="clickEffect">
+                                  <p:stCondLst>
+                                    <p:cond delay="0"/>
+                                  </p:stCondLst>
+                                  <p:childTnLst>
+                                    <p:set>
+                                      <p:cBhvr>
+                                        <p:cTn id="6" dur="1" fill="hold">
+                                          <p:stCondLst>
+                                            <p:cond delay="0"/>
+                                          </p:stCondLst>
+                                        </p:cTn>
+                                        <p:tgtEl>
+                                          <p:spTgt spid="20"/>
+                                        </p:tgtEl>
+                                        <p:attrNameLst>
+                                          <p:attrName>style.visibility</p:attrName>
+                                        </p:attrNameLst>
+                                      </p:cBhvr>
+                                      <p:to>
+                                        <p:strVal val="visible"/>
+                                      </p:to>
+                                    </p:set>
+                                  </p:childTnLst>
+                                </p:cTn>
+                              </p:par>
+                              <p:par>
+                                <p:cTn id="7" presetID="1" presetClass="entr" presetSubtype="0" fill="hold" nodeType="withEffect">
+                                  <p:stCondLst>
+                                    <p:cond delay="0"/>
+                                  </p:stCondLst>
+                                  <p:childTnLst>
+                                    <p:set>
+                                      <p:cBhvr>
+                                        <p:cTn id="8" dur="1" fill="hold">
+                                          <p:stCondLst>
+                                            <p:cond delay="0"/>
+                                          </p:stCondLst>
+                                        </p:cTn>
+                                        <p:tgtEl>
+                                          <p:spTgt spid="19"/>
+                                        </p:tgtEl>
+                                        <p:attrNameLst>
+                                          <p:attrName>style.visibility</p:attrName>
+                                        </p:attrNameLst>
+                                      </p:cBhvr>
+                                      <p:to>
+                                        <p:strVal val="visible"/>
+                                      </p:to>
+                                    </p:set>
+                                  </p:childTnLst>
+                                </p:cTn>
+                              </p:par>
+                              <p:par>
+                                <p:cTn id="9" presetID="1" presetClass="entr" presetSubtype="0" fill="hold" grpId="0" nodeType="withEffect">
+                                  <p:stCondLst>
+                                    <p:cond delay="0"/>
+                                  </p:stCondLst>
+                                  <p:childTnLst>
+                                    <p:set>
+                                      <p:cBhvr>
+                                        <p:cTn id="10" dur="1" fill="hold">
+                                          <p:stCondLst>
+                                            <p:cond delay="0"/>
+                                          </p:stCondLst>
+                                        </p:cTn>
+                                        <p:tgtEl>
+                                          <p:spTgt spid="22"/>
+                                        </p:tgtEl>
+                                        <p:attrNameLst>
+                                          <p:attrName>style.visibility</p:attrName>
+                                        </p:attrNameLst>
+                                      </p:cBhvr>
+                                      <p:to>
+                                        <p:strVal val="visible"/>
+                                      </p:to>
+                                    </p:set>
+                                  </p:childTnLst>
+                                </p:cTn>
+                              </p:par>
+                            </p:childTnLst>
+                          </p:cTn>
+                        </p:par>
+                      </p:childTnLst>
+                    </p:cTn>
+                  </p:par>
+                  <p:par>
+                    <p:cTn id="11" fill="hold">
+                      <p:stCondLst>
+                        <p:cond delay="indefinite"/>
+                      </p:stCondLst>
+                      <p:childTnLst>
+                        <p:par>
+                          <p:cTn id="12" fill="hold">
+                            <p:stCondLst>
+                              <p:cond delay="0"/>
+                            </p:stCondLst>
+                            <p:childTnLst>
+                              <p:par>
+                                <p:cTn id="13" presetID="1" presetClass="entr" presetSubtype="0" fill="hold" grpId="0" nodeType="clickEffect">
+                                  <p:stCondLst>
+                                    <p:cond delay="0"/>
+                                  </p:stCondLst>
+                                  <p:childTnLst>
+                                    <p:set>
+                                      <p:cBhvr>
+                                        <p:cTn id="14" dur="1" fill="hold">
+                                          <p:stCondLst>
+                                            <p:cond delay="0"/>
+                                          </p:stCondLst>
+                                        </p:cTn>
+                                        <p:tgtEl>
+                                          <p:spTgt spid="23"/>
+                                        </p:tgtEl>
+                                        <p:attrNameLst>
+                                          <p:attrName>style.visibility</p:attrName>
+                                        </p:attrNameLst>
+                                      </p:cBhvr>
+                                      <p:to>
+                                        <p:strVal val="visible"/>
+                                      </p:to>
+                                    </p:set>
+                                  </p:childTnLst>
+                                </p:cTn>
+                              </p:par>
+                              <p:par>
+                                <p:cTn id="15" presetID="1" presetClass="entr" presetSubtype="0" fill="hold" nodeType="withEffect">
+                                  <p:stCondLst>
+                                    <p:cond delay="0"/>
+                                  </p:stCondLst>
+                                  <p:childTnLst>
+                                    <p:set>
+                                      <p:cBhvr>
+                                        <p:cTn id="16" dur="1" fill="hold">
+                                          <p:stCondLst>
+                                            <p:cond delay="0"/>
+                                          </p:stCondLst>
+                                        </p:cTn>
+                                        <p:tgtEl>
+                                          <p:spTgt spid="17"/>
+                                        </p:tgtEl>
+                                        <p:attrNameLst>
+                                          <p:attrName>style.visibility</p:attrName>
+                                        </p:attrNameLst>
+                                      </p:cBhvr>
+                                      <p:to>
+                                        <p:strVal val="visible"/>
+                                      </p:to>
+                                    </p:set>
+                                  </p:childTnLst>
+                                </p:cTn>
+                              </p:par>
+                            </p:childTnLst>
+                          </p:cTn>
+                        </p:par>
+                      </p:childTnLst>
+                    </p:cTn>
+                  </p:par>
+                  <p:par>
+                    <p:cTn id="17" fill="hold">
+                      <p:stCondLst>
+                        <p:cond delay="indefinite"/>
+                      </p:stCondLst>
+                      <p:childTnLst>
+                        <p:par>
+                          <p:cTn id="18" fill="hold">
+                            <p:stCondLst>
+                              <p:cond delay="0"/>
+                            </p:stCondLst>
+                            <p:childTnLst>
+                              <p:par>
+                                <p:cTn id="19" presetID="1" presetClass="entr" presetSubtype="0" fill="hold" grpId="0" nodeType="clickEffect">
+                                  <p:stCondLst>
+                                    <p:cond delay="0"/>
+                                  </p:stCondLst>
+                                  <p:childTnLst>
+                                    <p:set>
+                                      <p:cBhvr>
+                                        <p:cTn id="20" dur="1" fill="hold">
+                                          <p:stCondLst>
+                                            <p:cond delay="0"/>
+                                          </p:stCondLst>
+                                        </p:cTn>
+                                        <p:tgtEl>
+                                          <p:spTgt spid="21"/>
+                                        </p:tgtEl>
+                                        <p:attrNameLst>
+                                          <p:attrName>style.visibility</p:attrName>
+                                        </p:attrNameLst>
+                                      </p:cBhvr>
+                                      <p:to>
+                                        <p:strVal val="visible"/>
+                                      </p:to>
+                                    </p:set>
+                                  </p:childTnLst>
+                                </p:cTn>
+                              </p:par>
+                              <p:par>
+                                <p:cTn id="21" presetID="1" presetClass="entr" presetSubtype="0" fill="hold" nodeType="withEffect">
+                                  <p:stCondLst>
+                                    <p:cond delay="0"/>
+                                  </p:stCondLst>
+                                  <p:childTnLst>
+                                    <p:set>
+                                      <p:cBhvr>
+                                        <p:cTn id="22" dur="1" fill="hold">
+                                          <p:stCondLst>
+                                            <p:cond delay="0"/>
+                                          </p:stCondLst>
+                                        </p:cTn>
+                                        <p:tgtEl>
+                                          <p:spTgt spid="15"/>
+                                        </p:tgtEl>
+                                        <p:attrNameLst>
+                                          <p:attrName>style.visibility</p:attrName>
+                                        </p:attrNameLst>
+                                      </p:cBhvr>
+                                      <p:to>
+                                        <p:strVal val="visible"/>
+                                      </p:to>
+                                    </p:set>
+                                  </p:childTnLst>
+                                </p:cTn>
+                              </p:par>
+                            </p:childTnLst>
+                          </p:cTn>
+                        </p:par>
+                      </p:childTnLst>
+                    </p:cTn>
+                  </p:par>
+                  <p:par>
+                    <p:cTn id="23" fill="hold">
+                      <p:stCondLst>
+                        <p:cond delay="indefinite"/>
+                      </p:stCondLst>
+                      <p:childTnLst>
+                        <p:par>
+                          <p:cTn id="24" fill="hold">
+                            <p:stCondLst>
+                              <p:cond delay="0"/>
+                            </p:stCondLst>
+                            <p:childTnLst>
+                              <p:par>
+                                <p:cTn id="25" presetID="1" presetClass="entr" presetSubtype="0" fill="hold" nodeType="clickEffect">
+                                  <p:stCondLst>
+                                    <p:cond delay="0"/>
+                                  </p:stCondLst>
+                                  <p:childTnLst>
+                                    <p:set>
+                                      <p:cBhvr>
+                                        <p:cTn id="26" dur="1" fill="hold">
+                                          <p:stCondLst>
+                                            <p:cond delay="0"/>
+                                          </p:stCondLst>
+                                        </p:cTn>
+                                        <p:tgtEl>
+                                          <p:spTgt spid="9"/>
+                                        </p:tgtEl>
+                                        <p:attrNameLst>
+                                          <p:attrName>style.visibility</p:attrName>
+                                        </p:attrNameLst>
+                                      </p:cBhvr>
+                                      <p:to>
+                                        <p:strVal val="visible"/>
+                                      </p:to>
+                                    </p:set>
+                                  </p:childTnLst>
+                                </p:cTn>
+                              </p:par>
+                            </p:childTnLst>
+                          </p:cTn>
+                        </p:par>
+                      </p:childTnLst>
+                    </p:cTn>
+                  </p:par>
+                </p:childTnLst>
+              </p:cTn>
+              <p:prevCondLst>
+                <p:cond evt="onPrev" delay="0">
+                  <p:tgtEl>
+                    <p:sldTgt/>
+                  </p:tgtEl>
+                </p:cond>
+              </p:prevCondLst>
+              <p:nextCondLst>
+                <p:cond evt="onNext" delay="0">
+                  <p:tgtEl>
+                    <p:sldTgt/>
+                  </p:tgtEl>
+                </p:cond>
+              </p:nextCondLst>
+            </p:seq>
+          </p:childTnLst>
+        </p:cTn>
+      </p:par>
+    </p:tnLst>
+    <p:bldLst>
+      <p:bldP spid="20" grpId="0"/>
+      <p:bldP spid="21" grpId="0"/>
+      <p:bldP spid="22" grpId="0"/>
+      <p:bldP spid="23" grpId="0"/>
+    </p:bldLst>
+  </p:timing>
+</p:sld>
+</file>
+
+<file path=ppt/slides/slide13.xml><?xml version="1.0" encoding="utf-8"?>
 <p:sld xmlns:a="http://schemas.openxmlformats.org/drawingml/2006/main" xmlns:r="http://schemas.openxmlformats.org/officeDocument/2006/relationships" xmlns:p="http://schemas.openxmlformats.org/presentationml/2006/main">
   <p:cSld>
     <p:spTree>
@@ -13815,6 +16336,261 @@
       </p:par>
     </p:tnLst>
   </p:timing>
+</p:sld>
+</file>
+
+<file path=ppt/slides/slide14.xml><?xml version="1.0" encoding="utf-8"?>
+<p:sld xmlns:a="http://schemas.openxmlformats.org/drawingml/2006/main" xmlns:r="http://schemas.openxmlformats.org/officeDocument/2006/relationships" xmlns:p="http://schemas.openxmlformats.org/presentationml/2006/main">
+  <p:cSld>
+    <p:spTree>
+      <p:nvGrpSpPr>
+        <p:cNvPr id="1" name=""/>
+        <p:cNvGrpSpPr/>
+        <p:nvPr/>
+      </p:nvGrpSpPr>
+      <p:grpSpPr>
+        <a:xfrm>
+          <a:off x="0" y="0"/>
+          <a:ext cx="0" cy="0"/>
+          <a:chOff x="0" y="0"/>
+          <a:chExt cx="0" cy="0"/>
+        </a:xfrm>
+      </p:grpSpPr>
+      <p:sp>
+        <p:nvSpPr>
+          <p:cNvPr id="2" name="Titel 1">
+            <a:extLst>
+              <a:ext uri="{FF2B5EF4-FFF2-40B4-BE49-F238E27FC236}">
+                <a16:creationId xmlns:a16="http://schemas.microsoft.com/office/drawing/2014/main" id="{4A808ECE-E0EE-4628-8C4D-EF2850ACFD22}"/>
+              </a:ext>
+            </a:extLst>
+          </p:cNvPr>
+          <p:cNvSpPr>
+            <a:spLocks noGrp="1"/>
+          </p:cNvSpPr>
+          <p:nvPr>
+            <p:ph type="title"/>
+          </p:nvPr>
+        </p:nvSpPr>
+        <p:spPr/>
+        <p:txBody>
+          <a:bodyPr/>
+          <a:lstStyle/>
+          <a:p>
+            <a:r>
+              <a:rPr lang="de-DE" dirty="0"/>
+              <a:t>Fazit</a:t>
+            </a:r>
+          </a:p>
+        </p:txBody>
+      </p:sp>
+      <p:sp>
+        <p:nvSpPr>
+          <p:cNvPr id="3" name="Inhaltsplatzhalter 2">
+            <a:extLst>
+              <a:ext uri="{FF2B5EF4-FFF2-40B4-BE49-F238E27FC236}">
+                <a16:creationId xmlns:a16="http://schemas.microsoft.com/office/drawing/2014/main" id="{29C9F279-B32F-41BE-BF14-F9EF104C91FE}"/>
+              </a:ext>
+            </a:extLst>
+          </p:cNvPr>
+          <p:cNvSpPr>
+            <a:spLocks noGrp="1"/>
+          </p:cNvSpPr>
+          <p:nvPr>
+            <p:ph idx="1"/>
+          </p:nvPr>
+        </p:nvSpPr>
+        <p:spPr/>
+        <p:txBody>
+          <a:bodyPr/>
+          <a:lstStyle/>
+          <a:p>
+            <a:pPr marL="0" indent="0">
+              <a:buNone/>
+            </a:pPr>
+            <a:r>
+              <a:rPr lang="de-DE" dirty="0"/>
+              <a:t>Unser Projekt in Zahlen:</a:t>
+            </a:r>
+          </a:p>
+          <a:p>
+            <a:r>
+              <a:rPr lang="de-DE" dirty="0"/>
+              <a:t>524 Zeilen</a:t>
+            </a:r>
+          </a:p>
+          <a:p>
+            <a:r>
+              <a:rPr lang="de-DE" dirty="0"/>
+              <a:t>33 Images</a:t>
+            </a:r>
+          </a:p>
+          <a:p>
+            <a:r>
+              <a:rPr lang="de-DE" dirty="0"/>
+              <a:t>6 selbst erstellte Methoden</a:t>
+            </a:r>
+          </a:p>
+        </p:txBody>
+      </p:sp>
+    </p:spTree>
+    <p:extLst>
+      <p:ext uri="{BB962C8B-B14F-4D97-AF65-F5344CB8AC3E}">
+        <p14:creationId xmlns:p14="http://schemas.microsoft.com/office/powerpoint/2010/main" val="218805435"/>
+      </p:ext>
+    </p:extLst>
+  </p:cSld>
+  <p:clrMapOvr>
+    <a:masterClrMapping/>
+  </p:clrMapOvr>
+</p:sld>
+</file>
+
+<file path=ppt/slides/slide15.xml><?xml version="1.0" encoding="utf-8"?>
+<p:sld xmlns:a="http://schemas.openxmlformats.org/drawingml/2006/main" xmlns:r="http://schemas.openxmlformats.org/officeDocument/2006/relationships" xmlns:p="http://schemas.openxmlformats.org/presentationml/2006/main">
+  <p:cSld>
+    <p:spTree>
+      <p:nvGrpSpPr>
+        <p:cNvPr id="1" name=""/>
+        <p:cNvGrpSpPr/>
+        <p:nvPr/>
+      </p:nvGrpSpPr>
+      <p:grpSpPr>
+        <a:xfrm>
+          <a:off x="0" y="0"/>
+          <a:ext cx="0" cy="0"/>
+          <a:chOff x="0" y="0"/>
+          <a:chExt cx="0" cy="0"/>
+        </a:xfrm>
+      </p:grpSpPr>
+      <p:sp>
+        <p:nvSpPr>
+          <p:cNvPr id="2" name="Titel 1">
+            <a:extLst>
+              <a:ext uri="{FF2B5EF4-FFF2-40B4-BE49-F238E27FC236}">
+                <a16:creationId xmlns:a16="http://schemas.microsoft.com/office/drawing/2014/main" id="{5A1996A3-D651-4D3D-8D6A-40854F9CB437}"/>
+              </a:ext>
+            </a:extLst>
+          </p:cNvPr>
+          <p:cNvSpPr>
+            <a:spLocks noGrp="1"/>
+          </p:cNvSpPr>
+          <p:nvPr>
+            <p:ph type="title"/>
+          </p:nvPr>
+        </p:nvSpPr>
+        <p:spPr/>
+        <p:txBody>
+          <a:bodyPr/>
+          <a:lstStyle/>
+          <a:p>
+            <a:r>
+              <a:rPr lang="de-DE" dirty="0"/>
+              <a:t>Fazit</a:t>
+            </a:r>
+          </a:p>
+        </p:txBody>
+      </p:sp>
+      <p:sp>
+        <p:nvSpPr>
+          <p:cNvPr id="3" name="Inhaltsplatzhalter 2">
+            <a:extLst>
+              <a:ext uri="{FF2B5EF4-FFF2-40B4-BE49-F238E27FC236}">
+                <a16:creationId xmlns:a16="http://schemas.microsoft.com/office/drawing/2014/main" id="{E57B9166-C614-4AF9-9972-B580116F80A3}"/>
+              </a:ext>
+            </a:extLst>
+          </p:cNvPr>
+          <p:cNvSpPr>
+            <a:spLocks noGrp="1"/>
+          </p:cNvSpPr>
+          <p:nvPr>
+            <p:ph idx="1"/>
+          </p:nvPr>
+        </p:nvSpPr>
+        <p:spPr>
+          <a:xfrm>
+            <a:off x="1141412" y="1828573"/>
+            <a:ext cx="10136188" cy="3969884"/>
+          </a:xfrm>
+        </p:spPr>
+        <p:txBody>
+          <a:bodyPr>
+            <a:normAutofit/>
+          </a:bodyPr>
+          <a:lstStyle/>
+          <a:p>
+            <a:pPr marL="0" indent="0">
+              <a:buNone/>
+            </a:pPr>
+            <a:r>
+              <a:rPr lang="de-DE" dirty="0"/>
+              <a:t>Pro:</a:t>
+            </a:r>
+          </a:p>
+          <a:p>
+            <a:r>
+              <a:rPr lang="de-DE" dirty="0"/>
+              <a:t>Programm läuft ohne Fehler oder </a:t>
+            </a:r>
+            <a:r>
+              <a:rPr lang="de-DE" dirty="0" err="1"/>
+              <a:t>Buggs</a:t>
+            </a:r>
+            <a:endParaRPr lang="de-DE" dirty="0"/>
+          </a:p>
+          <a:p>
+            <a:r>
+              <a:rPr lang="de-DE" dirty="0"/>
+              <a:t>Entspricht im wesentlichen dem Original</a:t>
+            </a:r>
+          </a:p>
+          <a:p>
+            <a:pPr marL="0" indent="0">
+              <a:buNone/>
+            </a:pPr>
+            <a:r>
+              <a:rPr lang="de-DE" dirty="0"/>
+              <a:t>Contra:</a:t>
+            </a:r>
+          </a:p>
+          <a:p>
+            <a:r>
+              <a:rPr lang="de-DE" dirty="0"/>
+              <a:t>Lange Ladezeit bei großem Spielfeld</a:t>
+            </a:r>
+          </a:p>
+          <a:p>
+            <a:pPr lvl="1">
+              <a:buFont typeface="Symbol" panose="05050102010706020507" pitchFamily="18" charset="2"/>
+              <a:buChar char="Þ"/>
+            </a:pPr>
+            <a:r>
+              <a:rPr lang="de-DE" dirty="0"/>
+              <a:t> da Neuerstellen aller Steuerelemente bei jedem Spiel</a:t>
+            </a:r>
+          </a:p>
+          <a:p>
+            <a:pPr lvl="2">
+              <a:buFont typeface="Symbol" panose="05050102010706020507" pitchFamily="18" charset="2"/>
+              <a:buChar char="Þ"/>
+            </a:pPr>
+            <a:r>
+              <a:rPr lang="de-DE" dirty="0"/>
+              <a:t> Besser: Ein- und Ausblenden (evtl. Neupositionierung) der benötigten/nicht benötigten Elemente</a:t>
+            </a:r>
+          </a:p>
+        </p:txBody>
+      </p:sp>
+    </p:spTree>
+    <p:extLst>
+      <p:ext uri="{BB962C8B-B14F-4D97-AF65-F5344CB8AC3E}">
+        <p14:creationId xmlns:p14="http://schemas.microsoft.com/office/powerpoint/2010/main" val="1412861136"/>
+      </p:ext>
+    </p:extLst>
+  </p:cSld>
+  <p:clrMapOvr>
+    <a:masterClrMapping/>
+  </p:clrMapOvr>
 </p:sld>
 </file>
 
@@ -14797,40 +17573,3974 @@
             <p:ph type="title"/>
           </p:nvPr>
         </p:nvSpPr>
-        <p:spPr/>
+        <p:spPr>
+          <a:xfrm>
+            <a:off x="1143001" y="154693"/>
+            <a:ext cx="9905998" cy="1478570"/>
+          </a:xfrm>
+        </p:spPr>
         <p:txBody>
           <a:bodyPr/>
           <a:lstStyle/>
           <a:p>
-            <a:endParaRPr lang="de-DE"/>
+            <a:r>
+              <a:rPr lang="de-DE" dirty="0"/>
+              <a:t>Count- und </a:t>
+            </a:r>
+            <a:r>
+              <a:rPr lang="de-DE" dirty="0" err="1"/>
+              <a:t>Uncovermethode</a:t>
+            </a:r>
+            <a:endParaRPr lang="de-DE" dirty="0"/>
           </a:p>
         </p:txBody>
       </p:sp>
-      <p:sp>
-        <p:nvSpPr>
-          <p:cNvPr id="3" name="Inhaltsplatzhalter 2">
+      <p:grpSp>
+        <p:nvGrpSpPr>
+          <p:cNvPr id="4" name="Group451">
             <a:extLst>
               <a:ext uri="{FF2B5EF4-FFF2-40B4-BE49-F238E27FC236}">
-                <a16:creationId xmlns:a16="http://schemas.microsoft.com/office/drawing/2014/main" id="{15BFA143-D5A1-48C9-B942-79E3C9340656}"/>
+                <a16:creationId xmlns:a16="http://schemas.microsoft.com/office/drawing/2014/main" id="{4862BFCA-BDE0-41CE-8771-05EFB9FAD314}"/>
               </a:ext>
             </a:extLst>
           </p:cNvPr>
-          <p:cNvSpPr>
-            <a:spLocks noGrp="1"/>
-          </p:cNvSpPr>
-          <p:nvPr>
-            <p:ph idx="1"/>
-          </p:nvPr>
-        </p:nvSpPr>
-        <p:spPr/>
-        <p:txBody>
-          <a:bodyPr/>
-          <a:lstStyle/>
-          <a:p>
-            <a:endParaRPr lang="de-DE"/>
-          </a:p>
-        </p:txBody>
-      </p:sp>
+          <p:cNvGrpSpPr/>
+          <p:nvPr/>
+        </p:nvGrpSpPr>
+        <p:grpSpPr>
+          <a:xfrm>
+            <a:off x="2366714" y="1307132"/>
+            <a:ext cx="11348226" cy="9621600"/>
+            <a:chOff x="938843" y="864000"/>
+            <a:chExt cx="11348226" cy="9621600"/>
+          </a:xfrm>
+        </p:grpSpPr>
+        <p:grpSp>
+          <p:nvGrpSpPr>
+            <p:cNvPr id="5" name="Prozess">
+              <a:extLst>
+                <a:ext uri="{FF2B5EF4-FFF2-40B4-BE49-F238E27FC236}">
+                  <a16:creationId xmlns:a16="http://schemas.microsoft.com/office/drawing/2014/main" id="{4A8DFFEA-9415-45DC-9E0E-E3A37B5775B1}"/>
+                </a:ext>
+              </a:extLst>
+            </p:cNvPr>
+            <p:cNvGrpSpPr/>
+            <p:nvPr/>
+          </p:nvGrpSpPr>
+          <p:grpSpPr>
+            <a:xfrm>
+              <a:off x="5355156" y="864000"/>
+              <a:ext cx="714400" cy="577600"/>
+              <a:chOff x="5355156" y="864000"/>
+              <a:chExt cx="714400" cy="577600"/>
+            </a:xfrm>
+          </p:grpSpPr>
+          <p:sp>
+            <p:nvSpPr>
+              <p:cNvPr id="84" name="Terminator">
+                <a:extLst>
+                  <a:ext uri="{FF2B5EF4-FFF2-40B4-BE49-F238E27FC236}">
+                    <a16:creationId xmlns:a16="http://schemas.microsoft.com/office/drawing/2014/main" id="{FE60FBC7-968F-4DEB-878F-DFA76BBA9211}"/>
+                  </a:ext>
+                </a:extLst>
+              </p:cNvPr>
+              <p:cNvSpPr/>
+              <p:nvPr/>
+            </p:nvSpPr>
+            <p:spPr>
+              <a:xfrm>
+                <a:off x="5355156" y="864000"/>
+                <a:ext cx="714400" cy="577600"/>
+              </a:xfrm>
+              <a:custGeom>
+                <a:avLst/>
+                <a:gdLst/>
+                <a:ahLst/>
+                <a:cxnLst/>
+                <a:rect l="0" t="0" r="0" b="0"/>
+                <a:pathLst>
+                  <a:path w="714400" h="577600">
+                    <a:moveTo>
+                      <a:pt x="178600" y="577600"/>
+                    </a:moveTo>
+                    <a:lnTo>
+                      <a:pt x="535800" y="577600"/>
+                    </a:lnTo>
+                    <a:cubicBezTo>
+                      <a:pt x="634441" y="577600"/>
+                      <a:pt x="714400" y="497641"/>
+                      <a:pt x="714400" y="288800"/>
+                    </a:cubicBezTo>
+                    <a:cubicBezTo>
+                      <a:pt x="714400" y="79959"/>
+                      <a:pt x="634441" y="0"/>
+                      <a:pt x="535800" y="0"/>
+                    </a:cubicBezTo>
+                    <a:lnTo>
+                      <a:pt x="178600" y="0"/>
+                    </a:lnTo>
+                    <a:cubicBezTo>
+                      <a:pt x="79959" y="0"/>
+                      <a:pt x="0" y="79959"/>
+                      <a:pt x="0" y="288800"/>
+                    </a:cubicBezTo>
+                    <a:cubicBezTo>
+                      <a:pt x="0" y="497641"/>
+                      <a:pt x="79959" y="577600"/>
+                      <a:pt x="178600" y="577600"/>
+                    </a:cubicBezTo>
+                    <a:close/>
+                  </a:path>
+                </a:pathLst>
+              </a:custGeom>
+              <a:gradFill>
+                <a:gsLst>
+                  <a:gs pos="0">
+                    <a:srgbClr val="FBFBFB"/>
+                  </a:gs>
+                  <a:gs pos="100000">
+                    <a:srgbClr val="EFEFEF"/>
+                  </a:gs>
+                </a:gsLst>
+                <a:lin ang="5400000" scaled="0"/>
+              </a:gradFill>
+              <a:ln w="7600" cap="flat">
+                <a:solidFill>
+                  <a:srgbClr val="6D6D6D"/>
+                </a:solidFill>
+                <a:bevel/>
+              </a:ln>
+              <a:effectLst>
+                <a:outerShdw dist="21496" dir="2700000" algn="tl" rotWithShape="0">
+                  <a:srgbClr val="000000">
+                    <a:alpha val="8000"/>
+                  </a:srgbClr>
+                </a:outerShdw>
+              </a:effectLst>
+            </p:spPr>
+          </p:sp>
+          <p:sp>
+            <p:nvSpPr>
+              <p:cNvPr id="85" name="Text 452">
+                <a:extLst>
+                  <a:ext uri="{FF2B5EF4-FFF2-40B4-BE49-F238E27FC236}">
+                    <a16:creationId xmlns:a16="http://schemas.microsoft.com/office/drawing/2014/main" id="{04E8779C-DD88-4FD3-AD05-9D9B6924BEF6}"/>
+                  </a:ext>
+                </a:extLst>
+              </p:cNvPr>
+              <p:cNvSpPr txBox="1"/>
+              <p:nvPr/>
+            </p:nvSpPr>
+            <p:spPr>
+              <a:xfrm>
+                <a:off x="5355156" y="864000"/>
+                <a:ext cx="714400" cy="577600"/>
+              </a:xfrm>
+              <a:prstGeom prst="rect">
+                <a:avLst/>
+              </a:prstGeom>
+              <a:noFill/>
+            </p:spPr>
+            <p:txBody>
+              <a:bodyPr wrap="square" lIns="36000" tIns="0" rIns="36000" bIns="0" rtlCol="0" anchor="ctr"/>
+              <a:lstStyle/>
+              <a:p>
+                <a:pPr algn="ctr">
+                  <a:lnSpc>
+                    <a:spcPct val="100000"/>
+                  </a:lnSpc>
+                </a:pPr>
+                <a:r>
+                  <a:rPr sz="760">
+                    <a:solidFill>
+                      <a:srgbClr val="303030"/>
+                    </a:solidFill>
+                    <a:latin typeface="Arial"/>
+                  </a:rPr>
+                  <a:t>Start</a:t>
+                </a:r>
+              </a:p>
+              <a:p>
+                <a:pPr algn="ctr">
+                  <a:lnSpc>
+                    <a:spcPct val="100000"/>
+                  </a:lnSpc>
+                </a:pPr>
+                <a:r>
+                  <a:rPr sz="760">
+                    <a:solidFill>
+                      <a:srgbClr val="303030"/>
+                    </a:solidFill>
+                    <a:latin typeface="Arial"/>
+                  </a:rPr>
+                  <a:t>(uncover-Methode)</a:t>
+                </a:r>
+              </a:p>
+            </p:txBody>
+          </p:sp>
+        </p:grpSp>
+        <p:sp>
+          <p:nvSpPr>
+            <p:cNvPr id="6" name="ConnectLine">
+              <a:extLst>
+                <a:ext uri="{FF2B5EF4-FFF2-40B4-BE49-F238E27FC236}">
+                  <a16:creationId xmlns:a16="http://schemas.microsoft.com/office/drawing/2014/main" id="{76146FAB-C06A-48CC-9BA6-A61DFD3F08F4}"/>
+                </a:ext>
+              </a:extLst>
+            </p:cNvPr>
+            <p:cNvSpPr/>
+            <p:nvPr/>
+          </p:nvSpPr>
+          <p:spPr>
+            <a:xfrm>
+              <a:off x="5712356" y="1441600"/>
+              <a:ext cx="7600" cy="174800"/>
+            </a:xfrm>
+            <a:custGeom>
+              <a:avLst/>
+              <a:gdLst/>
+              <a:ahLst/>
+              <a:cxnLst/>
+              <a:rect l="0" t="0" r="0" b="0"/>
+              <a:pathLst>
+                <a:path w="7600" h="174800" fill="none">
+                  <a:moveTo>
+                    <a:pt x="0" y="0"/>
+                  </a:moveTo>
+                  <a:lnTo>
+                    <a:pt x="0" y="174800"/>
+                  </a:lnTo>
+                </a:path>
+              </a:pathLst>
+            </a:custGeom>
+            <a:noFill/>
+            <a:ln w="7600" cap="flat">
+              <a:solidFill>
+                <a:schemeClr val="tx1">
+                  <a:lumMod val="85000"/>
+                </a:schemeClr>
+              </a:solidFill>
+              <a:bevel/>
+              <a:tailEnd type="stealth" w="med" len="med"/>
+            </a:ln>
+          </p:spPr>
+        </p:sp>
+        <p:grpSp>
+          <p:nvGrpSpPr>
+            <p:cNvPr id="7" name="Prozess">
+              <a:extLst>
+                <a:ext uri="{FF2B5EF4-FFF2-40B4-BE49-F238E27FC236}">
+                  <a16:creationId xmlns:a16="http://schemas.microsoft.com/office/drawing/2014/main" id="{F8C19540-6816-4A53-8C5D-E77EB3124014}"/>
+                </a:ext>
+              </a:extLst>
+            </p:cNvPr>
+            <p:cNvGrpSpPr/>
+            <p:nvPr/>
+          </p:nvGrpSpPr>
+          <p:grpSpPr>
+            <a:xfrm>
+              <a:off x="5279156" y="1616400"/>
+              <a:ext cx="866400" cy="494000"/>
+              <a:chOff x="5279156" y="1616400"/>
+              <a:chExt cx="866400" cy="494000"/>
+            </a:xfrm>
+          </p:grpSpPr>
+          <p:sp>
+            <p:nvSpPr>
+              <p:cNvPr id="82" name="Freihandform: Form 81">
+                <a:extLst>
+                  <a:ext uri="{FF2B5EF4-FFF2-40B4-BE49-F238E27FC236}">
+                    <a16:creationId xmlns:a16="http://schemas.microsoft.com/office/drawing/2014/main" id="{11DC3E17-924D-46F1-9800-D9E38800E6E7}"/>
+                  </a:ext>
+                </a:extLst>
+              </p:cNvPr>
+              <p:cNvSpPr/>
+              <p:nvPr/>
+            </p:nvSpPr>
+            <p:spPr>
+              <a:xfrm>
+                <a:off x="5279156" y="1616400"/>
+                <a:ext cx="866400" cy="494000"/>
+              </a:xfrm>
+              <a:custGeom>
+                <a:avLst/>
+                <a:gdLst/>
+                <a:ahLst/>
+                <a:cxnLst/>
+                <a:rect l="0" t="0" r="0" b="0"/>
+                <a:pathLst>
+                  <a:path w="866400" h="494000">
+                    <a:moveTo>
+                      <a:pt x="866400" y="494000"/>
+                    </a:moveTo>
+                    <a:lnTo>
+                      <a:pt x="866400" y="0"/>
+                    </a:lnTo>
+                    <a:lnTo>
+                      <a:pt x="0" y="0"/>
+                    </a:lnTo>
+                    <a:lnTo>
+                      <a:pt x="0" y="494000"/>
+                    </a:lnTo>
+                    <a:lnTo>
+                      <a:pt x="866400" y="494000"/>
+                    </a:lnTo>
+                    <a:close/>
+                  </a:path>
+                </a:pathLst>
+              </a:custGeom>
+              <a:gradFill>
+                <a:gsLst>
+                  <a:gs pos="0">
+                    <a:srgbClr val="FBFBFB"/>
+                  </a:gs>
+                  <a:gs pos="100000">
+                    <a:srgbClr val="EFEFEF"/>
+                  </a:gs>
+                </a:gsLst>
+                <a:lin ang="5400000" scaled="0"/>
+              </a:gradFill>
+              <a:ln w="7600" cap="flat">
+                <a:solidFill>
+                  <a:srgbClr val="6D6D6D"/>
+                </a:solidFill>
+                <a:bevel/>
+              </a:ln>
+              <a:effectLst>
+                <a:outerShdw dist="21496" dir="2700000" algn="tl" rotWithShape="0">
+                  <a:srgbClr val="000000">
+                    <a:alpha val="8000"/>
+                  </a:srgbClr>
+                </a:outerShdw>
+              </a:effectLst>
+            </p:spPr>
+          </p:sp>
+          <p:sp>
+            <p:nvSpPr>
+              <p:cNvPr id="83" name="Text 453">
+                <a:extLst>
+                  <a:ext uri="{FF2B5EF4-FFF2-40B4-BE49-F238E27FC236}">
+                    <a16:creationId xmlns:a16="http://schemas.microsoft.com/office/drawing/2014/main" id="{C3DCE2C4-AF6D-4F28-B70F-A34FDBB3712F}"/>
+                  </a:ext>
+                </a:extLst>
+              </p:cNvPr>
+              <p:cNvSpPr txBox="1"/>
+              <p:nvPr/>
+            </p:nvSpPr>
+            <p:spPr>
+              <a:xfrm>
+                <a:off x="5279156" y="1574600"/>
+                <a:ext cx="866400" cy="577600"/>
+              </a:xfrm>
+              <a:prstGeom prst="rect">
+                <a:avLst/>
+              </a:prstGeom>
+              <a:noFill/>
+            </p:spPr>
+            <p:txBody>
+              <a:bodyPr wrap="square" lIns="36000" tIns="0" rIns="36000" bIns="0" rtlCol="0" anchor="ctr"/>
+              <a:lstStyle/>
+              <a:p>
+                <a:pPr algn="ctr">
+                  <a:lnSpc>
+                    <a:spcPct val="100000"/>
+                  </a:lnSpc>
+                </a:pPr>
+                <a:r>
+                  <a:rPr sz="760">
+                    <a:solidFill>
+                      <a:srgbClr val="303030"/>
+                    </a:solidFill>
+                    <a:latin typeface="Arial"/>
+                  </a:rPr>
+                  <a:t>int x;</a:t>
+                </a:r>
+              </a:p>
+              <a:p>
+                <a:pPr algn="ctr">
+                  <a:lnSpc>
+                    <a:spcPct val="100000"/>
+                  </a:lnSpc>
+                </a:pPr>
+                <a:r>
+                  <a:rPr sz="760">
+                    <a:solidFill>
+                      <a:srgbClr val="303030"/>
+                    </a:solidFill>
+                    <a:latin typeface="Arial"/>
+                  </a:rPr>
+                  <a:t>int y;</a:t>
+                </a:r>
+              </a:p>
+              <a:p>
+                <a:pPr algn="ctr">
+                  <a:lnSpc>
+                    <a:spcPct val="100000"/>
+                  </a:lnSpc>
+                </a:pPr>
+                <a:r>
+                  <a:rPr sz="760">
+                    <a:solidFill>
+                      <a:srgbClr val="303030"/>
+                    </a:solidFill>
+                    <a:latin typeface="Arial"/>
+                  </a:rPr>
+                  <a:t>int counts;</a:t>
+                </a:r>
+              </a:p>
+            </p:txBody>
+          </p:sp>
+        </p:grpSp>
+        <p:grpSp>
+          <p:nvGrpSpPr>
+            <p:cNvPr id="8" name="Prozess">
+              <a:extLst>
+                <a:ext uri="{FF2B5EF4-FFF2-40B4-BE49-F238E27FC236}">
+                  <a16:creationId xmlns:a16="http://schemas.microsoft.com/office/drawing/2014/main" id="{211393C6-D098-4FDE-8436-472574E406A0}"/>
+                </a:ext>
+              </a:extLst>
+            </p:cNvPr>
+            <p:cNvGrpSpPr/>
+            <p:nvPr/>
+          </p:nvGrpSpPr>
+          <p:grpSpPr>
+            <a:xfrm>
+              <a:off x="5279156" y="2285200"/>
+              <a:ext cx="866400" cy="334400"/>
+              <a:chOff x="5279156" y="2285200"/>
+              <a:chExt cx="866400" cy="334400"/>
+            </a:xfrm>
+          </p:grpSpPr>
+          <p:sp>
+            <p:nvSpPr>
+              <p:cNvPr id="80" name="Freihandform: Form 79">
+                <a:extLst>
+                  <a:ext uri="{FF2B5EF4-FFF2-40B4-BE49-F238E27FC236}">
+                    <a16:creationId xmlns:a16="http://schemas.microsoft.com/office/drawing/2014/main" id="{03DDE6DF-B0EF-4AFA-9809-EA069C02F2C6}"/>
+                  </a:ext>
+                </a:extLst>
+              </p:cNvPr>
+              <p:cNvSpPr/>
+              <p:nvPr/>
+            </p:nvSpPr>
+            <p:spPr>
+              <a:xfrm>
+                <a:off x="5279156" y="2285200"/>
+                <a:ext cx="866400" cy="334400"/>
+              </a:xfrm>
+              <a:custGeom>
+                <a:avLst/>
+                <a:gdLst/>
+                <a:ahLst/>
+                <a:cxnLst/>
+                <a:rect l="0" t="0" r="0" b="0"/>
+                <a:pathLst>
+                  <a:path w="866400" h="334400">
+                    <a:moveTo>
+                      <a:pt x="866400" y="334400"/>
+                    </a:moveTo>
+                    <a:lnTo>
+                      <a:pt x="866400" y="0"/>
+                    </a:lnTo>
+                    <a:lnTo>
+                      <a:pt x="0" y="0"/>
+                    </a:lnTo>
+                    <a:lnTo>
+                      <a:pt x="0" y="334400"/>
+                    </a:lnTo>
+                    <a:lnTo>
+                      <a:pt x="866400" y="334400"/>
+                    </a:lnTo>
+                    <a:close/>
+                  </a:path>
+                </a:pathLst>
+              </a:custGeom>
+              <a:gradFill>
+                <a:gsLst>
+                  <a:gs pos="0">
+                    <a:srgbClr val="FBFBFB"/>
+                  </a:gs>
+                  <a:gs pos="100000">
+                    <a:srgbClr val="EFEFEF"/>
+                  </a:gs>
+                </a:gsLst>
+                <a:lin ang="5400000" scaled="0"/>
+              </a:gradFill>
+              <a:ln w="7600" cap="flat">
+                <a:solidFill>
+                  <a:srgbClr val="6D6D6D"/>
+                </a:solidFill>
+                <a:bevel/>
+              </a:ln>
+              <a:effectLst>
+                <a:outerShdw dist="21496" dir="2700000" algn="tl" rotWithShape="0">
+                  <a:srgbClr val="000000">
+                    <a:alpha val="8000"/>
+                  </a:srgbClr>
+                </a:outerShdw>
+              </a:effectLst>
+            </p:spPr>
+          </p:sp>
+          <p:sp>
+            <p:nvSpPr>
+              <p:cNvPr id="81" name="Text 454">
+                <a:extLst>
+                  <a:ext uri="{FF2B5EF4-FFF2-40B4-BE49-F238E27FC236}">
+                    <a16:creationId xmlns:a16="http://schemas.microsoft.com/office/drawing/2014/main" id="{18D9D4A7-EFFC-4F2C-9CAE-AF6BB0ADC431}"/>
+                  </a:ext>
+                </a:extLst>
+              </p:cNvPr>
+              <p:cNvSpPr txBox="1"/>
+              <p:nvPr/>
+            </p:nvSpPr>
+            <p:spPr>
+              <a:xfrm>
+                <a:off x="5279156" y="2285200"/>
+                <a:ext cx="866400" cy="334400"/>
+              </a:xfrm>
+              <a:prstGeom prst="rect">
+                <a:avLst/>
+              </a:prstGeom>
+              <a:noFill/>
+            </p:spPr>
+            <p:txBody>
+              <a:bodyPr wrap="square" lIns="36000" tIns="0" rIns="36000" bIns="0" rtlCol="0" anchor="ctr"/>
+              <a:lstStyle/>
+              <a:p>
+                <a:pPr algn="ctr">
+                  <a:lnSpc>
+                    <a:spcPct val="100000"/>
+                  </a:lnSpc>
+                </a:pPr>
+                <a:r>
+                  <a:rPr sz="760">
+                    <a:solidFill>
+                      <a:srgbClr val="303030"/>
+                    </a:solidFill>
+                    <a:latin typeface="Arial"/>
+                  </a:rPr>
+                  <a:t>switch (counts)</a:t>
+                </a:r>
+              </a:p>
+            </p:txBody>
+          </p:sp>
+        </p:grpSp>
+        <p:sp>
+          <p:nvSpPr>
+            <p:cNvPr id="9" name="ConnectLine">
+              <a:extLst>
+                <a:ext uri="{FF2B5EF4-FFF2-40B4-BE49-F238E27FC236}">
+                  <a16:creationId xmlns:a16="http://schemas.microsoft.com/office/drawing/2014/main" id="{782325B8-BF94-46C6-9758-373546457900}"/>
+                </a:ext>
+              </a:extLst>
+            </p:cNvPr>
+            <p:cNvSpPr/>
+            <p:nvPr/>
+          </p:nvSpPr>
+          <p:spPr>
+            <a:xfrm>
+              <a:off x="5712356" y="2110400"/>
+              <a:ext cx="7600" cy="174800"/>
+            </a:xfrm>
+            <a:custGeom>
+              <a:avLst/>
+              <a:gdLst/>
+              <a:ahLst/>
+              <a:cxnLst/>
+              <a:rect l="0" t="0" r="0" b="0"/>
+              <a:pathLst>
+                <a:path w="7600" h="174800" fill="none">
+                  <a:moveTo>
+                    <a:pt x="0" y="0"/>
+                  </a:moveTo>
+                  <a:lnTo>
+                    <a:pt x="0" y="174800"/>
+                  </a:lnTo>
+                </a:path>
+              </a:pathLst>
+            </a:custGeom>
+            <a:noFill/>
+            <a:ln w="7600" cap="flat">
+              <a:solidFill>
+                <a:schemeClr val="tx1">
+                  <a:lumMod val="85000"/>
+                </a:schemeClr>
+              </a:solidFill>
+              <a:bevel/>
+              <a:tailEnd type="stealth" w="med" len="med"/>
+            </a:ln>
+          </p:spPr>
+        </p:sp>
+        <p:sp>
+          <p:nvSpPr>
+            <p:cNvPr id="10" name="ConnectLine">
+              <a:extLst>
+                <a:ext uri="{FF2B5EF4-FFF2-40B4-BE49-F238E27FC236}">
+                  <a16:creationId xmlns:a16="http://schemas.microsoft.com/office/drawing/2014/main" id="{65898AFF-D061-41F9-9AA5-58254AA6171F}"/>
+                </a:ext>
+              </a:extLst>
+            </p:cNvPr>
+            <p:cNvSpPr/>
+            <p:nvPr/>
+          </p:nvSpPr>
+          <p:spPr>
+            <a:xfrm>
+              <a:off x="5712356" y="2619600"/>
+              <a:ext cx="7600" cy="174800"/>
+            </a:xfrm>
+            <a:custGeom>
+              <a:avLst/>
+              <a:gdLst/>
+              <a:ahLst/>
+              <a:cxnLst/>
+              <a:rect l="0" t="0" r="0" b="0"/>
+              <a:pathLst>
+                <a:path w="7600" h="174800" fill="none">
+                  <a:moveTo>
+                    <a:pt x="0" y="0"/>
+                  </a:moveTo>
+                  <a:lnTo>
+                    <a:pt x="0" y="174800"/>
+                  </a:lnTo>
+                </a:path>
+              </a:pathLst>
+            </a:custGeom>
+            <a:noFill/>
+            <a:ln w="7600" cap="flat">
+              <a:solidFill>
+                <a:schemeClr val="tx1">
+                  <a:lumMod val="85000"/>
+                </a:schemeClr>
+              </a:solidFill>
+              <a:bevel/>
+              <a:tailEnd type="stealth" w="med" len="med"/>
+            </a:ln>
+          </p:spPr>
+        </p:sp>
+        <p:grpSp>
+          <p:nvGrpSpPr>
+            <p:cNvPr id="11" name="Prozess">
+              <a:extLst>
+                <a:ext uri="{FF2B5EF4-FFF2-40B4-BE49-F238E27FC236}">
+                  <a16:creationId xmlns:a16="http://schemas.microsoft.com/office/drawing/2014/main" id="{4ABFAF7E-0278-49CB-A780-4A890899AC2D}"/>
+                </a:ext>
+              </a:extLst>
+            </p:cNvPr>
+            <p:cNvGrpSpPr/>
+            <p:nvPr/>
+          </p:nvGrpSpPr>
+          <p:grpSpPr>
+            <a:xfrm>
+              <a:off x="5279156" y="2794400"/>
+              <a:ext cx="866400" cy="334400"/>
+              <a:chOff x="5279156" y="2794400"/>
+              <a:chExt cx="866400" cy="334400"/>
+            </a:xfrm>
+          </p:grpSpPr>
+          <p:sp>
+            <p:nvSpPr>
+              <p:cNvPr id="78" name="Freihandform: Form 77">
+                <a:extLst>
+                  <a:ext uri="{FF2B5EF4-FFF2-40B4-BE49-F238E27FC236}">
+                    <a16:creationId xmlns:a16="http://schemas.microsoft.com/office/drawing/2014/main" id="{746A0CC2-9BC6-4ACB-862A-254815FA1E90}"/>
+                  </a:ext>
+                </a:extLst>
+              </p:cNvPr>
+              <p:cNvSpPr/>
+              <p:nvPr/>
+            </p:nvSpPr>
+            <p:spPr>
+              <a:xfrm>
+                <a:off x="5279156" y="2794400"/>
+                <a:ext cx="866400" cy="334400"/>
+              </a:xfrm>
+              <a:custGeom>
+                <a:avLst/>
+                <a:gdLst/>
+                <a:ahLst/>
+                <a:cxnLst/>
+                <a:rect l="0" t="0" r="0" b="0"/>
+                <a:pathLst>
+                  <a:path w="866400" h="334400">
+                    <a:moveTo>
+                      <a:pt x="433200" y="334400"/>
+                    </a:moveTo>
+                    <a:lnTo>
+                      <a:pt x="866400" y="167200"/>
+                    </a:lnTo>
+                    <a:lnTo>
+                      <a:pt x="433200" y="0"/>
+                    </a:lnTo>
+                    <a:lnTo>
+                      <a:pt x="0" y="167200"/>
+                    </a:lnTo>
+                    <a:lnTo>
+                      <a:pt x="433200" y="334400"/>
+                    </a:lnTo>
+                    <a:close/>
+                  </a:path>
+                </a:pathLst>
+              </a:custGeom>
+              <a:gradFill>
+                <a:gsLst>
+                  <a:gs pos="0">
+                    <a:srgbClr val="FBFBFB"/>
+                  </a:gs>
+                  <a:gs pos="100000">
+                    <a:srgbClr val="EFEFEF"/>
+                  </a:gs>
+                </a:gsLst>
+                <a:lin ang="5400000" scaled="0"/>
+              </a:gradFill>
+              <a:ln w="7600" cap="flat">
+                <a:solidFill>
+                  <a:srgbClr val="6D6D6D"/>
+                </a:solidFill>
+                <a:bevel/>
+              </a:ln>
+              <a:effectLst>
+                <a:outerShdw dist="21496" dir="2700000" algn="tl" rotWithShape="0">
+                  <a:srgbClr val="000000">
+                    <a:alpha val="8000"/>
+                  </a:srgbClr>
+                </a:outerShdw>
+              </a:effectLst>
+            </p:spPr>
+          </p:sp>
+          <p:sp>
+            <p:nvSpPr>
+              <p:cNvPr id="79" name="Text 455">
+                <a:extLst>
+                  <a:ext uri="{FF2B5EF4-FFF2-40B4-BE49-F238E27FC236}">
+                    <a16:creationId xmlns:a16="http://schemas.microsoft.com/office/drawing/2014/main" id="{533A1EBD-EAB5-4A67-9C6D-B9AB66932F0C}"/>
+                  </a:ext>
+                </a:extLst>
+              </p:cNvPr>
+              <p:cNvSpPr txBox="1"/>
+              <p:nvPr/>
+            </p:nvSpPr>
+            <p:spPr>
+              <a:xfrm>
+                <a:off x="5279156" y="2794400"/>
+                <a:ext cx="866400" cy="334400"/>
+              </a:xfrm>
+              <a:prstGeom prst="rect">
+                <a:avLst/>
+              </a:prstGeom>
+              <a:noFill/>
+            </p:spPr>
+            <p:txBody>
+              <a:bodyPr wrap="square" lIns="36000" tIns="0" rIns="36000" bIns="0" rtlCol="0" anchor="ctr"/>
+              <a:lstStyle/>
+              <a:p>
+                <a:pPr algn="ctr">
+                  <a:lnSpc>
+                    <a:spcPct val="100000"/>
+                  </a:lnSpc>
+                </a:pPr>
+                <a:r>
+                  <a:rPr sz="760">
+                    <a:solidFill>
+                      <a:srgbClr val="303030"/>
+                    </a:solidFill>
+                    <a:latin typeface="Arial"/>
+                  </a:rPr>
+                  <a:t>case 0 ?</a:t>
+                </a:r>
+              </a:p>
+            </p:txBody>
+          </p:sp>
+        </p:grpSp>
+        <p:sp>
+          <p:nvSpPr>
+            <p:cNvPr id="12" name="ConnectLine">
+              <a:extLst>
+                <a:ext uri="{FF2B5EF4-FFF2-40B4-BE49-F238E27FC236}">
+                  <a16:creationId xmlns:a16="http://schemas.microsoft.com/office/drawing/2014/main" id="{C2EDE266-BD0C-45F7-9B58-8C08155D5C79}"/>
+                </a:ext>
+              </a:extLst>
+            </p:cNvPr>
+            <p:cNvSpPr/>
+            <p:nvPr/>
+          </p:nvSpPr>
+          <p:spPr>
+            <a:xfrm>
+              <a:off x="5712356" y="3128800"/>
+              <a:ext cx="7600" cy="349600"/>
+            </a:xfrm>
+            <a:custGeom>
+              <a:avLst/>
+              <a:gdLst>
+                <a:gd name="rtl" fmla="*/ -129200 w 7600"/>
+                <a:gd name="rtt" fmla="*/ 60800 h 349600"/>
+                <a:gd name="rtr" fmla="*/ 129200 w 7600"/>
+                <a:gd name="rtb" fmla="*/ 243200 h 349600"/>
+              </a:gdLst>
+              <a:ahLst/>
+              <a:cxnLst/>
+              <a:rect l="rtl" t="rtt" r="rtr" b="rtb"/>
+              <a:pathLst>
+                <a:path w="7600" h="349600" fill="none">
+                  <a:moveTo>
+                    <a:pt x="0" y="0"/>
+                  </a:moveTo>
+                  <a:lnTo>
+                    <a:pt x="0" y="349600"/>
+                  </a:lnTo>
+                </a:path>
+              </a:pathLst>
+            </a:custGeom>
+            <a:noFill/>
+            <a:ln w="7600" cap="flat">
+              <a:solidFill>
+                <a:schemeClr val="tx1">
+                  <a:lumMod val="85000"/>
+                </a:schemeClr>
+              </a:solidFill>
+              <a:bevel/>
+              <a:tailEnd type="stealth" w="med" len="med"/>
+            </a:ln>
+          </p:spPr>
+          <p:txBody>
+            <a:bodyPr wrap="square" lIns="0" tIns="0" rIns="0" bIns="0" rtlCol="0" anchor="ctr"/>
+            <a:lstStyle/>
+            <a:p>
+              <a:pPr algn="ctr">
+                <a:lnSpc>
+                  <a:spcPct val="100000"/>
+                </a:lnSpc>
+              </a:pPr>
+              <a:r>
+                <a:rPr sz="760" dirty="0" err="1">
+                  <a:ln w="0"/>
+                  <a:effectLst>
+                    <a:outerShdw blurRad="38100" dist="19050" dir="2700000" algn="tl" rotWithShape="0">
+                      <a:schemeClr val="dk1">
+                        <a:alpha val="40000"/>
+                      </a:schemeClr>
+                    </a:outerShdw>
+                  </a:effectLst>
+                  <a:latin typeface="Arial"/>
+                </a:rPr>
+                <a:t>nein</a:t>
+              </a:r>
+              <a:endParaRPr sz="760" dirty="0">
+                <a:solidFill>
+                  <a:srgbClr val="303030"/>
+                </a:solidFill>
+                <a:latin typeface="Arial"/>
+              </a:endParaRPr>
+            </a:p>
+          </p:txBody>
+        </p:sp>
+        <p:grpSp>
+          <p:nvGrpSpPr>
+            <p:cNvPr id="13" name="Prozess">
+              <a:extLst>
+                <a:ext uri="{FF2B5EF4-FFF2-40B4-BE49-F238E27FC236}">
+                  <a16:creationId xmlns:a16="http://schemas.microsoft.com/office/drawing/2014/main" id="{8CEAD983-5904-485A-BEE9-AB6E1DD38662}"/>
+                </a:ext>
+              </a:extLst>
+            </p:cNvPr>
+            <p:cNvGrpSpPr/>
+            <p:nvPr/>
+          </p:nvGrpSpPr>
+          <p:grpSpPr>
+            <a:xfrm>
+              <a:off x="5279156" y="3478400"/>
+              <a:ext cx="866400" cy="334400"/>
+              <a:chOff x="5279156" y="3478400"/>
+              <a:chExt cx="866400" cy="334400"/>
+            </a:xfrm>
+          </p:grpSpPr>
+          <p:sp>
+            <p:nvSpPr>
+              <p:cNvPr id="76" name="Freihandform: Form 75">
+                <a:extLst>
+                  <a:ext uri="{FF2B5EF4-FFF2-40B4-BE49-F238E27FC236}">
+                    <a16:creationId xmlns:a16="http://schemas.microsoft.com/office/drawing/2014/main" id="{34DCCF45-C338-42F2-A709-1F7FB0FE15F5}"/>
+                  </a:ext>
+                </a:extLst>
+              </p:cNvPr>
+              <p:cNvSpPr/>
+              <p:nvPr/>
+            </p:nvSpPr>
+            <p:spPr>
+              <a:xfrm>
+                <a:off x="5279156" y="3478400"/>
+                <a:ext cx="866400" cy="334400"/>
+              </a:xfrm>
+              <a:custGeom>
+                <a:avLst/>
+                <a:gdLst/>
+                <a:ahLst/>
+                <a:cxnLst/>
+                <a:rect l="0" t="0" r="0" b="0"/>
+                <a:pathLst>
+                  <a:path w="866400" h="334400">
+                    <a:moveTo>
+                      <a:pt x="433200" y="334400"/>
+                    </a:moveTo>
+                    <a:lnTo>
+                      <a:pt x="866400" y="167200"/>
+                    </a:lnTo>
+                    <a:lnTo>
+                      <a:pt x="433200" y="0"/>
+                    </a:lnTo>
+                    <a:lnTo>
+                      <a:pt x="0" y="167200"/>
+                    </a:lnTo>
+                    <a:lnTo>
+                      <a:pt x="433200" y="334400"/>
+                    </a:lnTo>
+                    <a:close/>
+                  </a:path>
+                </a:pathLst>
+              </a:custGeom>
+              <a:gradFill>
+                <a:gsLst>
+                  <a:gs pos="0">
+                    <a:srgbClr val="FBFBFB"/>
+                  </a:gs>
+                  <a:gs pos="100000">
+                    <a:srgbClr val="EFEFEF"/>
+                  </a:gs>
+                </a:gsLst>
+                <a:lin ang="5400000" scaled="0"/>
+              </a:gradFill>
+              <a:ln w="7600" cap="flat">
+                <a:solidFill>
+                  <a:srgbClr val="6D6D6D"/>
+                </a:solidFill>
+                <a:bevel/>
+              </a:ln>
+              <a:effectLst>
+                <a:outerShdw dist="21496" dir="2700000" algn="tl" rotWithShape="0">
+                  <a:srgbClr val="000000">
+                    <a:alpha val="8000"/>
+                  </a:srgbClr>
+                </a:outerShdw>
+              </a:effectLst>
+            </p:spPr>
+          </p:sp>
+          <p:sp>
+            <p:nvSpPr>
+              <p:cNvPr id="77" name="Text 456">
+                <a:extLst>
+                  <a:ext uri="{FF2B5EF4-FFF2-40B4-BE49-F238E27FC236}">
+                    <a16:creationId xmlns:a16="http://schemas.microsoft.com/office/drawing/2014/main" id="{164F65C3-7B98-4C09-80BE-A8340363A1CB}"/>
+                  </a:ext>
+                </a:extLst>
+              </p:cNvPr>
+              <p:cNvSpPr txBox="1"/>
+              <p:nvPr/>
+            </p:nvSpPr>
+            <p:spPr>
+              <a:xfrm>
+                <a:off x="5279156" y="3478400"/>
+                <a:ext cx="866400" cy="334400"/>
+              </a:xfrm>
+              <a:prstGeom prst="rect">
+                <a:avLst/>
+              </a:prstGeom>
+              <a:noFill/>
+            </p:spPr>
+            <p:txBody>
+              <a:bodyPr wrap="square" lIns="36000" tIns="0" rIns="36000" bIns="0" rtlCol="0" anchor="ctr"/>
+              <a:lstStyle/>
+              <a:p>
+                <a:pPr algn="ctr">
+                  <a:lnSpc>
+                    <a:spcPct val="100000"/>
+                  </a:lnSpc>
+                </a:pPr>
+                <a:r>
+                  <a:rPr sz="760">
+                    <a:solidFill>
+                      <a:srgbClr val="303030"/>
+                    </a:solidFill>
+                    <a:latin typeface="Arial"/>
+                  </a:rPr>
+                  <a:t>case 1...8 ?</a:t>
+                </a:r>
+              </a:p>
+            </p:txBody>
+          </p:sp>
+        </p:grpSp>
+        <p:sp>
+          <p:nvSpPr>
+            <p:cNvPr id="14" name="ConnectLine">
+              <a:extLst>
+                <a:ext uri="{FF2B5EF4-FFF2-40B4-BE49-F238E27FC236}">
+                  <a16:creationId xmlns:a16="http://schemas.microsoft.com/office/drawing/2014/main" id="{1190A85E-DE2F-4FFE-9D92-69BDB1EB3A1C}"/>
+                </a:ext>
+              </a:extLst>
+            </p:cNvPr>
+            <p:cNvSpPr/>
+            <p:nvPr/>
+          </p:nvSpPr>
+          <p:spPr>
+            <a:xfrm>
+              <a:off x="6145556" y="2961600"/>
+              <a:ext cx="456000" cy="7600"/>
+            </a:xfrm>
+            <a:custGeom>
+              <a:avLst/>
+              <a:gdLst>
+                <a:gd name="rtl" fmla="*/ 76000 w 456000"/>
+                <a:gd name="rtt" fmla="*/ -91200 h 7600"/>
+                <a:gd name="rtr" fmla="*/ 228000 w 456000"/>
+                <a:gd name="rtb" fmla="*/ 91200 h 7600"/>
+              </a:gdLst>
+              <a:ahLst/>
+              <a:cxnLst/>
+              <a:rect l="rtl" t="rtt" r="rtr" b="rtb"/>
+              <a:pathLst>
+                <a:path w="456000" h="7600" fill="none">
+                  <a:moveTo>
+                    <a:pt x="0" y="0"/>
+                  </a:moveTo>
+                  <a:lnTo>
+                    <a:pt x="456000" y="0"/>
+                  </a:lnTo>
+                </a:path>
+              </a:pathLst>
+            </a:custGeom>
+            <a:noFill/>
+            <a:ln w="7600" cap="flat">
+              <a:solidFill>
+                <a:schemeClr val="tx1">
+                  <a:lumMod val="85000"/>
+                </a:schemeClr>
+              </a:solidFill>
+              <a:bevel/>
+              <a:tailEnd type="stealth" w="med" len="med"/>
+            </a:ln>
+          </p:spPr>
+          <p:txBody>
+            <a:bodyPr wrap="square" lIns="0" tIns="0" rIns="0" bIns="0" rtlCol="0" anchor="ctr"/>
+            <a:lstStyle/>
+            <a:p>
+              <a:pPr algn="ctr">
+                <a:lnSpc>
+                  <a:spcPct val="100000"/>
+                </a:lnSpc>
+              </a:pPr>
+              <a:r>
+                <a:rPr sz="760">
+                  <a:ln w="0"/>
+                  <a:effectLst>
+                    <a:outerShdw blurRad="38100" dist="19050" dir="2700000" algn="tl" rotWithShape="0">
+                      <a:schemeClr val="dk1">
+                        <a:alpha val="40000"/>
+                      </a:schemeClr>
+                    </a:outerShdw>
+                  </a:effectLst>
+                  <a:latin typeface="Arial"/>
+                </a:rPr>
+                <a:t>ja</a:t>
+              </a:r>
+            </a:p>
+          </p:txBody>
+        </p:sp>
+        <p:grpSp>
+          <p:nvGrpSpPr>
+            <p:cNvPr id="15" name="Prozess">
+              <a:extLst>
+                <a:ext uri="{FF2B5EF4-FFF2-40B4-BE49-F238E27FC236}">
+                  <a16:creationId xmlns:a16="http://schemas.microsoft.com/office/drawing/2014/main" id="{D5A28343-200D-4C64-B8A7-3A5DC814F7C7}"/>
+                </a:ext>
+              </a:extLst>
+            </p:cNvPr>
+            <p:cNvGrpSpPr/>
+            <p:nvPr/>
+          </p:nvGrpSpPr>
+          <p:grpSpPr>
+            <a:xfrm>
+              <a:off x="6601556" y="2794400"/>
+              <a:ext cx="1588400" cy="334400"/>
+              <a:chOff x="6601556" y="2794400"/>
+              <a:chExt cx="1588400" cy="334400"/>
+            </a:xfrm>
+          </p:grpSpPr>
+          <p:sp>
+            <p:nvSpPr>
+              <p:cNvPr id="74" name="Freihandform: Form 73">
+                <a:extLst>
+                  <a:ext uri="{FF2B5EF4-FFF2-40B4-BE49-F238E27FC236}">
+                    <a16:creationId xmlns:a16="http://schemas.microsoft.com/office/drawing/2014/main" id="{70B11D17-6C9B-4831-8FEC-1930C6A6B87D}"/>
+                  </a:ext>
+                </a:extLst>
+              </p:cNvPr>
+              <p:cNvSpPr/>
+              <p:nvPr/>
+            </p:nvSpPr>
+            <p:spPr>
+              <a:xfrm>
+                <a:off x="6601556" y="2794400"/>
+                <a:ext cx="1588400" cy="334400"/>
+              </a:xfrm>
+              <a:custGeom>
+                <a:avLst/>
+                <a:gdLst/>
+                <a:ahLst/>
+                <a:cxnLst/>
+                <a:rect l="0" t="0" r="0" b="0"/>
+                <a:pathLst>
+                  <a:path w="1588400" h="334400">
+                    <a:moveTo>
+                      <a:pt x="1588400" y="334400"/>
+                    </a:moveTo>
+                    <a:lnTo>
+                      <a:pt x="1588400" y="0"/>
+                    </a:lnTo>
+                    <a:lnTo>
+                      <a:pt x="0" y="0"/>
+                    </a:lnTo>
+                    <a:lnTo>
+                      <a:pt x="0" y="334400"/>
+                    </a:lnTo>
+                    <a:lnTo>
+                      <a:pt x="1588400" y="334400"/>
+                    </a:lnTo>
+                    <a:close/>
+                  </a:path>
+                </a:pathLst>
+              </a:custGeom>
+              <a:gradFill>
+                <a:gsLst>
+                  <a:gs pos="0">
+                    <a:srgbClr val="FBFBFB"/>
+                  </a:gs>
+                  <a:gs pos="100000">
+                    <a:srgbClr val="EFEFEF"/>
+                  </a:gs>
+                </a:gsLst>
+                <a:lin ang="5400000" scaled="0"/>
+              </a:gradFill>
+              <a:ln w="7600" cap="flat">
+                <a:solidFill>
+                  <a:srgbClr val="6D6D6D"/>
+                </a:solidFill>
+                <a:bevel/>
+              </a:ln>
+              <a:effectLst>
+                <a:outerShdw dist="21496" dir="2700000" algn="tl" rotWithShape="0">
+                  <a:srgbClr val="000000">
+                    <a:alpha val="8000"/>
+                  </a:srgbClr>
+                </a:outerShdw>
+              </a:effectLst>
+            </p:spPr>
+          </p:sp>
+          <p:sp>
+            <p:nvSpPr>
+              <p:cNvPr id="75" name="Text 457">
+                <a:extLst>
+                  <a:ext uri="{FF2B5EF4-FFF2-40B4-BE49-F238E27FC236}">
+                    <a16:creationId xmlns:a16="http://schemas.microsoft.com/office/drawing/2014/main" id="{4C102091-70AC-483E-8896-94F4A416C640}"/>
+                  </a:ext>
+                </a:extLst>
+              </p:cNvPr>
+              <p:cNvSpPr txBox="1"/>
+              <p:nvPr/>
+            </p:nvSpPr>
+            <p:spPr>
+              <a:xfrm>
+                <a:off x="6601556" y="2794400"/>
+                <a:ext cx="1588400" cy="334400"/>
+              </a:xfrm>
+              <a:prstGeom prst="rect">
+                <a:avLst/>
+              </a:prstGeom>
+              <a:noFill/>
+            </p:spPr>
+            <p:txBody>
+              <a:bodyPr wrap="square" lIns="36000" tIns="0" rIns="36000" bIns="0" rtlCol="0" anchor="ctr"/>
+              <a:lstStyle/>
+              <a:p>
+                <a:pPr algn="ctr">
+                  <a:lnSpc>
+                    <a:spcPct val="100000"/>
+                  </a:lnSpc>
+                </a:pPr>
+                <a:r>
+                  <a:rPr sz="760">
+                    <a:solidFill>
+                      <a:srgbClr val="303030"/>
+                    </a:solidFill>
+                    <a:latin typeface="Arial"/>
+                  </a:rPr>
+                  <a:t>btn[x, y].Image = uncoverBitmap;</a:t>
+                </a:r>
+              </a:p>
+            </p:txBody>
+          </p:sp>
+        </p:grpSp>
+        <p:sp>
+          <p:nvSpPr>
+            <p:cNvPr id="16" name="ConnectLine">
+              <a:extLst>
+                <a:ext uri="{FF2B5EF4-FFF2-40B4-BE49-F238E27FC236}">
+                  <a16:creationId xmlns:a16="http://schemas.microsoft.com/office/drawing/2014/main" id="{989D48E9-D11A-4C1D-A4D9-390DB7FF56EC}"/>
+                </a:ext>
+              </a:extLst>
+            </p:cNvPr>
+            <p:cNvSpPr/>
+            <p:nvPr/>
+          </p:nvSpPr>
+          <p:spPr>
+            <a:xfrm>
+              <a:off x="7395756" y="3128800"/>
+              <a:ext cx="1052600" cy="1229300"/>
+            </a:xfrm>
+            <a:custGeom>
+              <a:avLst/>
+              <a:gdLst/>
+              <a:ahLst/>
+              <a:cxnLst/>
+              <a:rect l="0" t="0" r="0" b="0"/>
+              <a:pathLst>
+                <a:path w="1052600" h="1229300" fill="none">
+                  <a:moveTo>
+                    <a:pt x="0" y="0"/>
+                  </a:moveTo>
+                  <a:lnTo>
+                    <a:pt x="0" y="178600"/>
+                  </a:lnTo>
+                  <a:lnTo>
+                    <a:pt x="1052600" y="178600"/>
+                  </a:lnTo>
+                  <a:lnTo>
+                    <a:pt x="1052600" y="1033600"/>
+                  </a:lnTo>
+                  <a:lnTo>
+                    <a:pt x="0" y="1033600"/>
+                  </a:lnTo>
+                  <a:lnTo>
+                    <a:pt x="0" y="1229300"/>
+                  </a:lnTo>
+                </a:path>
+              </a:pathLst>
+            </a:custGeom>
+            <a:noFill/>
+            <a:ln w="7600" cap="flat">
+              <a:solidFill>
+                <a:schemeClr val="tx1">
+                  <a:lumMod val="85000"/>
+                </a:schemeClr>
+              </a:solidFill>
+              <a:bevel/>
+              <a:tailEnd type="stealth" w="med" len="med"/>
+            </a:ln>
+          </p:spPr>
+        </p:sp>
+        <p:grpSp>
+          <p:nvGrpSpPr>
+            <p:cNvPr id="17" name="Prozess">
+              <a:extLst>
+                <a:ext uri="{FF2B5EF4-FFF2-40B4-BE49-F238E27FC236}">
+                  <a16:creationId xmlns:a16="http://schemas.microsoft.com/office/drawing/2014/main" id="{82F68364-8AAD-4C8B-84DB-AE5694875822}"/>
+                </a:ext>
+              </a:extLst>
+            </p:cNvPr>
+            <p:cNvGrpSpPr/>
+            <p:nvPr/>
+          </p:nvGrpSpPr>
+          <p:grpSpPr>
+            <a:xfrm>
+              <a:off x="6561656" y="4358100"/>
+              <a:ext cx="1668200" cy="790400"/>
+              <a:chOff x="6561656" y="4358100"/>
+              <a:chExt cx="1668200" cy="790400"/>
+            </a:xfrm>
+          </p:grpSpPr>
+          <p:sp>
+            <p:nvSpPr>
+              <p:cNvPr id="72" name="Freihandform: Form 71">
+                <a:extLst>
+                  <a:ext uri="{FF2B5EF4-FFF2-40B4-BE49-F238E27FC236}">
+                    <a16:creationId xmlns:a16="http://schemas.microsoft.com/office/drawing/2014/main" id="{3B8A66CD-6CED-42FF-927B-1470126D6CD4}"/>
+                  </a:ext>
+                </a:extLst>
+              </p:cNvPr>
+              <p:cNvSpPr/>
+              <p:nvPr/>
+            </p:nvSpPr>
+            <p:spPr>
+              <a:xfrm>
+                <a:off x="6561656" y="4358100"/>
+                <a:ext cx="1668200" cy="790400"/>
+              </a:xfrm>
+              <a:custGeom>
+                <a:avLst/>
+                <a:gdLst/>
+                <a:ahLst/>
+                <a:cxnLst/>
+                <a:rect l="0" t="0" r="0" b="0"/>
+                <a:pathLst>
+                  <a:path w="1668200" h="790400">
+                    <a:moveTo>
+                      <a:pt x="834100" y="790400"/>
+                    </a:moveTo>
+                    <a:lnTo>
+                      <a:pt x="1668200" y="395200"/>
+                    </a:lnTo>
+                    <a:lnTo>
+                      <a:pt x="834100" y="0"/>
+                    </a:lnTo>
+                    <a:lnTo>
+                      <a:pt x="0" y="395200"/>
+                    </a:lnTo>
+                    <a:lnTo>
+                      <a:pt x="834100" y="790400"/>
+                    </a:lnTo>
+                    <a:close/>
+                  </a:path>
+                </a:pathLst>
+              </a:custGeom>
+              <a:gradFill>
+                <a:gsLst>
+                  <a:gs pos="0">
+                    <a:srgbClr val="FBFBFB"/>
+                  </a:gs>
+                  <a:gs pos="100000">
+                    <a:srgbClr val="EFEFEF"/>
+                  </a:gs>
+                </a:gsLst>
+                <a:lin ang="5400000" scaled="0"/>
+              </a:gradFill>
+              <a:ln w="7600" cap="flat">
+                <a:solidFill>
+                  <a:srgbClr val="6D6D6D"/>
+                </a:solidFill>
+                <a:bevel/>
+              </a:ln>
+              <a:effectLst>
+                <a:outerShdw dist="21496" dir="2700000" algn="tl" rotWithShape="0">
+                  <a:srgbClr val="000000">
+                    <a:alpha val="8000"/>
+                  </a:srgbClr>
+                </a:outerShdw>
+              </a:effectLst>
+            </p:spPr>
+          </p:sp>
+          <p:sp>
+            <p:nvSpPr>
+              <p:cNvPr id="73" name="Text 458">
+                <a:extLst>
+                  <a:ext uri="{FF2B5EF4-FFF2-40B4-BE49-F238E27FC236}">
+                    <a16:creationId xmlns:a16="http://schemas.microsoft.com/office/drawing/2014/main" id="{BA9E7BDF-A9AC-4A02-A6B3-6110EBCD3AFB}"/>
+                  </a:ext>
+                </a:extLst>
+              </p:cNvPr>
+              <p:cNvSpPr txBox="1"/>
+              <p:nvPr/>
+            </p:nvSpPr>
+            <p:spPr>
+              <a:xfrm>
+                <a:off x="6561656" y="4464500"/>
+                <a:ext cx="1668200" cy="577600"/>
+              </a:xfrm>
+              <a:prstGeom prst="rect">
+                <a:avLst/>
+              </a:prstGeom>
+              <a:noFill/>
+            </p:spPr>
+            <p:txBody>
+              <a:bodyPr wrap="square" lIns="36000" tIns="0" rIns="36000" bIns="0" rtlCol="0" anchor="ctr"/>
+              <a:lstStyle/>
+              <a:p>
+                <a:pPr algn="ctr">
+                  <a:lnSpc>
+                    <a:spcPct val="100000"/>
+                  </a:lnSpc>
+                </a:pPr>
+                <a:r>
+                  <a:rPr sz="760">
+                    <a:solidFill>
+                      <a:srgbClr val="000000"/>
+                    </a:solidFill>
+                    <a:latin typeface="Arial"/>
+                  </a:rPr>
+                  <a:t>for(-1 ≤ ix ≤ +1 </a:t>
+                </a:r>
+              </a:p>
+              <a:p>
+                <a:pPr algn="ctr">
+                  <a:lnSpc>
+                    <a:spcPct val="100000"/>
+                  </a:lnSpc>
+                </a:pPr>
+                <a:r>
+                  <a:rPr sz="760">
+                    <a:solidFill>
+                      <a:srgbClr val="000000"/>
+                    </a:solidFill>
+                    <a:latin typeface="Arial"/>
+                  </a:rPr>
+                  <a:t>&amp;&amp; -1 ≤ iy ≤ +1)</a:t>
+                </a:r>
+              </a:p>
+              <a:p>
+                <a:pPr algn="ctr">
+                  <a:lnSpc>
+                    <a:spcPct val="100000"/>
+                  </a:lnSpc>
+                </a:pPr>
+                <a:r>
+                  <a:rPr sz="760">
+                    <a:solidFill>
+                      <a:srgbClr val="000000"/>
+                    </a:solidFill>
+                    <a:latin typeface="Arial"/>
+                  </a:rPr>
+                  <a:t>&amp;&amp; x und y ∈ Spiefeld)</a:t>
+                </a:r>
+              </a:p>
+            </p:txBody>
+          </p:sp>
+        </p:grpSp>
+        <p:sp>
+          <p:nvSpPr>
+            <p:cNvPr id="18" name="ConnectLine">
+              <a:extLst>
+                <a:ext uri="{FF2B5EF4-FFF2-40B4-BE49-F238E27FC236}">
+                  <a16:creationId xmlns:a16="http://schemas.microsoft.com/office/drawing/2014/main" id="{95B9F752-A8CF-44B8-BC52-0367C35C17E4}"/>
+                </a:ext>
+              </a:extLst>
+            </p:cNvPr>
+            <p:cNvSpPr/>
+            <p:nvPr/>
+          </p:nvSpPr>
+          <p:spPr>
+            <a:xfrm>
+              <a:off x="6145556" y="3645600"/>
+              <a:ext cx="456000" cy="7600"/>
+            </a:xfrm>
+            <a:custGeom>
+              <a:avLst/>
+              <a:gdLst>
+                <a:gd name="rtl" fmla="*/ 76000 w 456000"/>
+                <a:gd name="rtt" fmla="*/ -91200 h 7600"/>
+                <a:gd name="rtr" fmla="*/ 228000 w 456000"/>
+                <a:gd name="rtb" fmla="*/ 91200 h 7600"/>
+              </a:gdLst>
+              <a:ahLst/>
+              <a:cxnLst/>
+              <a:rect l="rtl" t="rtt" r="rtr" b="rtb"/>
+              <a:pathLst>
+                <a:path w="456000" h="7600" fill="none">
+                  <a:moveTo>
+                    <a:pt x="0" y="0"/>
+                  </a:moveTo>
+                  <a:lnTo>
+                    <a:pt x="456000" y="0"/>
+                  </a:lnTo>
+                </a:path>
+              </a:pathLst>
+            </a:custGeom>
+            <a:noFill/>
+            <a:ln w="7600" cap="flat">
+              <a:solidFill>
+                <a:schemeClr val="tx1">
+                  <a:lumMod val="85000"/>
+                </a:schemeClr>
+              </a:solidFill>
+              <a:bevel/>
+              <a:tailEnd type="stealth" w="med" len="med"/>
+            </a:ln>
+          </p:spPr>
+          <p:txBody>
+            <a:bodyPr wrap="square" lIns="0" tIns="0" rIns="0" bIns="0" rtlCol="0" anchor="ctr"/>
+            <a:lstStyle/>
+            <a:p>
+              <a:pPr algn="ctr">
+                <a:lnSpc>
+                  <a:spcPct val="100000"/>
+                </a:lnSpc>
+              </a:pPr>
+              <a:r>
+                <a:rPr sz="760">
+                  <a:ln w="0"/>
+                  <a:effectLst>
+                    <a:outerShdw blurRad="38100" dist="19050" dir="2700000" algn="tl" rotWithShape="0">
+                      <a:schemeClr val="dk1">
+                        <a:alpha val="40000"/>
+                      </a:schemeClr>
+                    </a:outerShdw>
+                  </a:effectLst>
+                  <a:latin typeface="Arial"/>
+                </a:rPr>
+                <a:t>ja</a:t>
+              </a:r>
+            </a:p>
+          </p:txBody>
+        </p:sp>
+        <p:grpSp>
+          <p:nvGrpSpPr>
+            <p:cNvPr id="19" name="Prozess">
+              <a:extLst>
+                <a:ext uri="{FF2B5EF4-FFF2-40B4-BE49-F238E27FC236}">
+                  <a16:creationId xmlns:a16="http://schemas.microsoft.com/office/drawing/2014/main" id="{A7F9B3AF-6C98-4DAB-B01A-0B428A80016F}"/>
+                </a:ext>
+              </a:extLst>
+            </p:cNvPr>
+            <p:cNvGrpSpPr/>
+            <p:nvPr/>
+          </p:nvGrpSpPr>
+          <p:grpSpPr>
+            <a:xfrm>
+              <a:off x="6601556" y="3429000"/>
+              <a:ext cx="1588400" cy="433200"/>
+              <a:chOff x="6601556" y="3429000"/>
+              <a:chExt cx="1588400" cy="433200"/>
+            </a:xfrm>
+          </p:grpSpPr>
+          <p:sp>
+            <p:nvSpPr>
+              <p:cNvPr id="70" name="Freihandform: Form 69">
+                <a:extLst>
+                  <a:ext uri="{FF2B5EF4-FFF2-40B4-BE49-F238E27FC236}">
+                    <a16:creationId xmlns:a16="http://schemas.microsoft.com/office/drawing/2014/main" id="{97BB0935-72D4-4BDA-925E-4910C8CC0ABF}"/>
+                  </a:ext>
+                </a:extLst>
+              </p:cNvPr>
+              <p:cNvSpPr/>
+              <p:nvPr/>
+            </p:nvSpPr>
+            <p:spPr>
+              <a:xfrm>
+                <a:off x="6601556" y="3429000"/>
+                <a:ext cx="1588400" cy="433200"/>
+              </a:xfrm>
+              <a:custGeom>
+                <a:avLst/>
+                <a:gdLst/>
+                <a:ahLst/>
+                <a:cxnLst/>
+                <a:rect l="0" t="0" r="0" b="0"/>
+                <a:pathLst>
+                  <a:path w="1588400" h="433200">
+                    <a:moveTo>
+                      <a:pt x="1588400" y="433200"/>
+                    </a:moveTo>
+                    <a:lnTo>
+                      <a:pt x="1588400" y="0"/>
+                    </a:lnTo>
+                    <a:lnTo>
+                      <a:pt x="0" y="0"/>
+                    </a:lnTo>
+                    <a:lnTo>
+                      <a:pt x="0" y="433200"/>
+                    </a:lnTo>
+                    <a:lnTo>
+                      <a:pt x="1588400" y="433200"/>
+                    </a:lnTo>
+                    <a:close/>
+                  </a:path>
+                </a:pathLst>
+              </a:custGeom>
+              <a:gradFill>
+                <a:gsLst>
+                  <a:gs pos="0">
+                    <a:srgbClr val="FBFBFB"/>
+                  </a:gs>
+                  <a:gs pos="100000">
+                    <a:srgbClr val="EFEFEF"/>
+                  </a:gs>
+                </a:gsLst>
+                <a:lin ang="5400000" scaled="0"/>
+              </a:gradFill>
+              <a:ln w="7600" cap="flat">
+                <a:solidFill>
+                  <a:srgbClr val="6D6D6D"/>
+                </a:solidFill>
+                <a:bevel/>
+              </a:ln>
+              <a:effectLst>
+                <a:outerShdw dist="21496" dir="2700000" algn="tl" rotWithShape="0">
+                  <a:srgbClr val="000000">
+                    <a:alpha val="8000"/>
+                  </a:srgbClr>
+                </a:outerShdw>
+              </a:effectLst>
+            </p:spPr>
+          </p:sp>
+          <p:sp>
+            <p:nvSpPr>
+              <p:cNvPr id="71" name="Text 459">
+                <a:extLst>
+                  <a:ext uri="{FF2B5EF4-FFF2-40B4-BE49-F238E27FC236}">
+                    <a16:creationId xmlns:a16="http://schemas.microsoft.com/office/drawing/2014/main" id="{FAB8E1BE-3839-41CD-8C4B-CF96A3CC6A61}"/>
+                  </a:ext>
+                </a:extLst>
+              </p:cNvPr>
+              <p:cNvSpPr txBox="1"/>
+              <p:nvPr/>
+            </p:nvSpPr>
+            <p:spPr>
+              <a:xfrm>
+                <a:off x="6601556" y="3356800"/>
+                <a:ext cx="1588400" cy="577600"/>
+              </a:xfrm>
+              <a:prstGeom prst="rect">
+                <a:avLst/>
+              </a:prstGeom>
+              <a:noFill/>
+            </p:spPr>
+            <p:txBody>
+              <a:bodyPr wrap="square" lIns="36000" tIns="0" rIns="36000" bIns="0" rtlCol="0" anchor="ctr"/>
+              <a:lstStyle/>
+              <a:p>
+                <a:pPr algn="ctr">
+                  <a:lnSpc>
+                    <a:spcPct val="100000"/>
+                  </a:lnSpc>
+                </a:pPr>
+                <a:r>
+                  <a:rPr sz="760">
+                    <a:solidFill>
+                      <a:srgbClr val="303030"/>
+                    </a:solidFill>
+                    <a:latin typeface="Arial"/>
+                  </a:rPr>
+                  <a:t>btn[x, y].Image = num1Bitmap;</a:t>
+                </a:r>
+              </a:p>
+              <a:p>
+                <a:pPr algn="ctr">
+                  <a:lnSpc>
+                    <a:spcPct val="100000"/>
+                  </a:lnSpc>
+                </a:pPr>
+                <a:r>
+                  <a:rPr sz="760">
+                    <a:solidFill>
+                      <a:srgbClr val="303030"/>
+                    </a:solidFill>
+                    <a:latin typeface="Arial"/>
+                  </a:rPr>
+                  <a:t>...</a:t>
+                </a:r>
+              </a:p>
+              <a:p>
+                <a:pPr algn="ctr">
+                  <a:lnSpc>
+                    <a:spcPct val="100000"/>
+                  </a:lnSpc>
+                </a:pPr>
+                <a:r>
+                  <a:rPr sz="760">
+                    <a:solidFill>
+                      <a:srgbClr val="303030"/>
+                    </a:solidFill>
+                    <a:latin typeface="Arial"/>
+                  </a:rPr>
+                  <a:t>btn[x, y].Image = num8Bitmap;</a:t>
+                </a:r>
+              </a:p>
+            </p:txBody>
+          </p:sp>
+        </p:grpSp>
+        <p:grpSp>
+          <p:nvGrpSpPr>
+            <p:cNvPr id="20" name="Ende">
+              <a:extLst>
+                <a:ext uri="{FF2B5EF4-FFF2-40B4-BE49-F238E27FC236}">
+                  <a16:creationId xmlns:a16="http://schemas.microsoft.com/office/drawing/2014/main" id="{FA37D8FC-6E99-4046-8460-9A8DAE3447C1}"/>
+                </a:ext>
+              </a:extLst>
+            </p:cNvPr>
+            <p:cNvGrpSpPr/>
+            <p:nvPr/>
+          </p:nvGrpSpPr>
+          <p:grpSpPr>
+            <a:xfrm>
+              <a:off x="5355156" y="4601300"/>
+              <a:ext cx="714400" cy="304000"/>
+              <a:chOff x="5355156" y="4601300"/>
+              <a:chExt cx="714400" cy="304000"/>
+            </a:xfrm>
+          </p:grpSpPr>
+          <p:sp>
+            <p:nvSpPr>
+              <p:cNvPr id="68" name="Terminator">
+                <a:extLst>
+                  <a:ext uri="{FF2B5EF4-FFF2-40B4-BE49-F238E27FC236}">
+                    <a16:creationId xmlns:a16="http://schemas.microsoft.com/office/drawing/2014/main" id="{E8AE9C1D-E248-488B-BCE5-E5D33F496E7F}"/>
+                  </a:ext>
+                </a:extLst>
+              </p:cNvPr>
+              <p:cNvSpPr/>
+              <p:nvPr/>
+            </p:nvSpPr>
+            <p:spPr>
+              <a:xfrm>
+                <a:off x="5355156" y="4601300"/>
+                <a:ext cx="714400" cy="304000"/>
+              </a:xfrm>
+              <a:custGeom>
+                <a:avLst/>
+                <a:gdLst/>
+                <a:ahLst/>
+                <a:cxnLst/>
+                <a:rect l="0" t="0" r="0" b="0"/>
+                <a:pathLst>
+                  <a:path w="714400" h="304000">
+                    <a:moveTo>
+                      <a:pt x="152000" y="304000"/>
+                    </a:moveTo>
+                    <a:lnTo>
+                      <a:pt x="562400" y="304000"/>
+                    </a:lnTo>
+                    <a:cubicBezTo>
+                      <a:pt x="646350" y="304000"/>
+                      <a:pt x="714400" y="235950"/>
+                      <a:pt x="714400" y="152000"/>
+                    </a:cubicBezTo>
+                    <a:cubicBezTo>
+                      <a:pt x="714400" y="68050"/>
+                      <a:pt x="646350" y="0"/>
+                      <a:pt x="562400" y="0"/>
+                    </a:cubicBezTo>
+                    <a:lnTo>
+                      <a:pt x="152000" y="0"/>
+                    </a:lnTo>
+                    <a:cubicBezTo>
+                      <a:pt x="68050" y="0"/>
+                      <a:pt x="0" y="68050"/>
+                      <a:pt x="0" y="152000"/>
+                    </a:cubicBezTo>
+                    <a:cubicBezTo>
+                      <a:pt x="0" y="235950"/>
+                      <a:pt x="68050" y="304000"/>
+                      <a:pt x="152000" y="304000"/>
+                    </a:cubicBezTo>
+                    <a:close/>
+                  </a:path>
+                </a:pathLst>
+              </a:custGeom>
+              <a:gradFill>
+                <a:gsLst>
+                  <a:gs pos="0">
+                    <a:srgbClr val="FBFBFB"/>
+                  </a:gs>
+                  <a:gs pos="100000">
+                    <a:srgbClr val="EFEFEF"/>
+                  </a:gs>
+                </a:gsLst>
+                <a:lin ang="5400000" scaled="0"/>
+              </a:gradFill>
+              <a:ln w="7600" cap="flat">
+                <a:solidFill>
+                  <a:srgbClr val="6D6D6D"/>
+                </a:solidFill>
+                <a:bevel/>
+              </a:ln>
+              <a:effectLst>
+                <a:outerShdw dist="21496" dir="2700000" algn="tl" rotWithShape="0">
+                  <a:srgbClr val="000000">
+                    <a:alpha val="8000"/>
+                  </a:srgbClr>
+                </a:outerShdw>
+              </a:effectLst>
+            </p:spPr>
+          </p:sp>
+          <p:sp>
+            <p:nvSpPr>
+              <p:cNvPr id="69" name="Text 460">
+                <a:extLst>
+                  <a:ext uri="{FF2B5EF4-FFF2-40B4-BE49-F238E27FC236}">
+                    <a16:creationId xmlns:a16="http://schemas.microsoft.com/office/drawing/2014/main" id="{666CAF37-0644-4B4E-A700-B82695177B1C}"/>
+                  </a:ext>
+                </a:extLst>
+              </p:cNvPr>
+              <p:cNvSpPr txBox="1"/>
+              <p:nvPr/>
+            </p:nvSpPr>
+            <p:spPr>
+              <a:xfrm>
+                <a:off x="5355156" y="4586100"/>
+                <a:ext cx="714400" cy="334400"/>
+              </a:xfrm>
+              <a:prstGeom prst="rect">
+                <a:avLst/>
+              </a:prstGeom>
+              <a:noFill/>
+            </p:spPr>
+            <p:txBody>
+              <a:bodyPr wrap="square" lIns="36000" tIns="0" rIns="36000" bIns="0" rtlCol="0" anchor="ctr"/>
+              <a:lstStyle/>
+              <a:p>
+                <a:pPr algn="ctr">
+                  <a:lnSpc>
+                    <a:spcPct val="100000"/>
+                  </a:lnSpc>
+                </a:pPr>
+                <a:r>
+                  <a:rPr sz="760">
+                    <a:solidFill>
+                      <a:srgbClr val="303030"/>
+                    </a:solidFill>
+                    <a:latin typeface="Arial"/>
+                  </a:rPr>
+                  <a:t>Ende</a:t>
+                </a:r>
+              </a:p>
+            </p:txBody>
+          </p:sp>
+        </p:grpSp>
+        <p:grpSp>
+          <p:nvGrpSpPr>
+            <p:cNvPr id="21" name="Prozess">
+              <a:extLst>
+                <a:ext uri="{FF2B5EF4-FFF2-40B4-BE49-F238E27FC236}">
+                  <a16:creationId xmlns:a16="http://schemas.microsoft.com/office/drawing/2014/main" id="{958F7504-31BA-48A5-8A6B-660257AFCAB8}"/>
+                </a:ext>
+              </a:extLst>
+            </p:cNvPr>
+            <p:cNvGrpSpPr/>
+            <p:nvPr/>
+          </p:nvGrpSpPr>
+          <p:grpSpPr>
+            <a:xfrm>
+              <a:off x="1287666" y="864000"/>
+              <a:ext cx="714400" cy="577600"/>
+              <a:chOff x="1287666" y="864000"/>
+              <a:chExt cx="714400" cy="577600"/>
+            </a:xfrm>
+          </p:grpSpPr>
+          <p:sp>
+            <p:nvSpPr>
+              <p:cNvPr id="66" name="Terminator">
+                <a:extLst>
+                  <a:ext uri="{FF2B5EF4-FFF2-40B4-BE49-F238E27FC236}">
+                    <a16:creationId xmlns:a16="http://schemas.microsoft.com/office/drawing/2014/main" id="{1892C4FA-023A-4EB5-8AAF-B65C0830674B}"/>
+                  </a:ext>
+                </a:extLst>
+              </p:cNvPr>
+              <p:cNvSpPr/>
+              <p:nvPr/>
+            </p:nvSpPr>
+            <p:spPr>
+              <a:xfrm>
+                <a:off x="1287666" y="864000"/>
+                <a:ext cx="714400" cy="577600"/>
+              </a:xfrm>
+              <a:custGeom>
+                <a:avLst/>
+                <a:gdLst/>
+                <a:ahLst/>
+                <a:cxnLst/>
+                <a:rect l="0" t="0" r="0" b="0"/>
+                <a:pathLst>
+                  <a:path w="714400" h="577600">
+                    <a:moveTo>
+                      <a:pt x="178600" y="577600"/>
+                    </a:moveTo>
+                    <a:lnTo>
+                      <a:pt x="535800" y="577600"/>
+                    </a:lnTo>
+                    <a:cubicBezTo>
+                      <a:pt x="634441" y="577600"/>
+                      <a:pt x="714400" y="497641"/>
+                      <a:pt x="714400" y="288800"/>
+                    </a:cubicBezTo>
+                    <a:cubicBezTo>
+                      <a:pt x="714400" y="79959"/>
+                      <a:pt x="634441" y="0"/>
+                      <a:pt x="535800" y="0"/>
+                    </a:cubicBezTo>
+                    <a:lnTo>
+                      <a:pt x="178600" y="0"/>
+                    </a:lnTo>
+                    <a:cubicBezTo>
+                      <a:pt x="79959" y="0"/>
+                      <a:pt x="0" y="79959"/>
+                      <a:pt x="0" y="288800"/>
+                    </a:cubicBezTo>
+                    <a:cubicBezTo>
+                      <a:pt x="0" y="497641"/>
+                      <a:pt x="79959" y="577600"/>
+                      <a:pt x="178600" y="577600"/>
+                    </a:cubicBezTo>
+                    <a:close/>
+                  </a:path>
+                </a:pathLst>
+              </a:custGeom>
+              <a:gradFill>
+                <a:gsLst>
+                  <a:gs pos="0">
+                    <a:srgbClr val="FBFBFB"/>
+                  </a:gs>
+                  <a:gs pos="100000">
+                    <a:srgbClr val="EFEFEF"/>
+                  </a:gs>
+                </a:gsLst>
+                <a:lin ang="5400000" scaled="0"/>
+              </a:gradFill>
+              <a:ln w="7600" cap="flat">
+                <a:solidFill>
+                  <a:srgbClr val="6D6D6D"/>
+                </a:solidFill>
+                <a:bevel/>
+              </a:ln>
+              <a:effectLst>
+                <a:outerShdw dist="21496" dir="2700000" algn="tl" rotWithShape="0">
+                  <a:srgbClr val="000000">
+                    <a:alpha val="8000"/>
+                  </a:srgbClr>
+                </a:outerShdw>
+              </a:effectLst>
+            </p:spPr>
+          </p:sp>
+          <p:sp>
+            <p:nvSpPr>
+              <p:cNvPr id="67" name="Text 461">
+                <a:extLst>
+                  <a:ext uri="{FF2B5EF4-FFF2-40B4-BE49-F238E27FC236}">
+                    <a16:creationId xmlns:a16="http://schemas.microsoft.com/office/drawing/2014/main" id="{BDD762CE-F984-4C3A-923F-1DAC7176C404}"/>
+                  </a:ext>
+                </a:extLst>
+              </p:cNvPr>
+              <p:cNvSpPr txBox="1"/>
+              <p:nvPr/>
+            </p:nvSpPr>
+            <p:spPr>
+              <a:xfrm>
+                <a:off x="1287666" y="864000"/>
+                <a:ext cx="714400" cy="577600"/>
+              </a:xfrm>
+              <a:prstGeom prst="rect">
+                <a:avLst/>
+              </a:prstGeom>
+              <a:noFill/>
+            </p:spPr>
+            <p:txBody>
+              <a:bodyPr wrap="square" lIns="36000" tIns="0" rIns="36000" bIns="0" rtlCol="0" anchor="ctr"/>
+              <a:lstStyle/>
+              <a:p>
+                <a:pPr algn="ctr">
+                  <a:lnSpc>
+                    <a:spcPct val="100000"/>
+                  </a:lnSpc>
+                </a:pPr>
+                <a:r>
+                  <a:rPr sz="760" dirty="0">
+                    <a:solidFill>
+                      <a:srgbClr val="303030"/>
+                    </a:solidFill>
+                    <a:latin typeface="Arial"/>
+                  </a:rPr>
+                  <a:t>Start</a:t>
+                </a:r>
+              </a:p>
+              <a:p>
+                <a:pPr algn="ctr">
+                  <a:lnSpc>
+                    <a:spcPct val="100000"/>
+                  </a:lnSpc>
+                </a:pPr>
+                <a:r>
+                  <a:rPr sz="760" dirty="0">
+                    <a:solidFill>
+                      <a:srgbClr val="303030"/>
+                    </a:solidFill>
+                    <a:latin typeface="Arial"/>
+                  </a:rPr>
+                  <a:t>(</a:t>
+                </a:r>
+                <a:r>
+                  <a:rPr sz="760" dirty="0" err="1">
+                    <a:solidFill>
+                      <a:srgbClr val="303030"/>
+                    </a:solidFill>
+                    <a:latin typeface="Arial"/>
+                  </a:rPr>
+                  <a:t>countMines-Methode</a:t>
+                </a:r>
+                <a:r>
+                  <a:rPr sz="760" dirty="0">
+                    <a:solidFill>
+                      <a:srgbClr val="303030"/>
+                    </a:solidFill>
+                    <a:latin typeface="Arial"/>
+                  </a:rPr>
+                  <a:t>)</a:t>
+                </a:r>
+              </a:p>
+            </p:txBody>
+          </p:sp>
+        </p:grpSp>
+        <p:grpSp>
+          <p:nvGrpSpPr>
+            <p:cNvPr id="22" name="Prozess">
+              <a:extLst>
+                <a:ext uri="{FF2B5EF4-FFF2-40B4-BE49-F238E27FC236}">
+                  <a16:creationId xmlns:a16="http://schemas.microsoft.com/office/drawing/2014/main" id="{79D40098-C6D0-44D6-90CF-11498CDA4B63}"/>
+                </a:ext>
+              </a:extLst>
+            </p:cNvPr>
+            <p:cNvGrpSpPr/>
+            <p:nvPr/>
+          </p:nvGrpSpPr>
+          <p:grpSpPr>
+            <a:xfrm>
+              <a:off x="1211666" y="1616400"/>
+              <a:ext cx="866400" cy="494000"/>
+              <a:chOff x="1211666" y="1616400"/>
+              <a:chExt cx="866400" cy="494000"/>
+            </a:xfrm>
+          </p:grpSpPr>
+          <p:sp>
+            <p:nvSpPr>
+              <p:cNvPr id="64" name="Freihandform: Form 63">
+                <a:extLst>
+                  <a:ext uri="{FF2B5EF4-FFF2-40B4-BE49-F238E27FC236}">
+                    <a16:creationId xmlns:a16="http://schemas.microsoft.com/office/drawing/2014/main" id="{1C97CC49-487C-4E38-8C31-50B5B00AF110}"/>
+                  </a:ext>
+                </a:extLst>
+              </p:cNvPr>
+              <p:cNvSpPr/>
+              <p:nvPr/>
+            </p:nvSpPr>
+            <p:spPr>
+              <a:xfrm>
+                <a:off x="1211666" y="1616400"/>
+                <a:ext cx="866400" cy="494000"/>
+              </a:xfrm>
+              <a:custGeom>
+                <a:avLst/>
+                <a:gdLst/>
+                <a:ahLst/>
+                <a:cxnLst/>
+                <a:rect l="0" t="0" r="0" b="0"/>
+                <a:pathLst>
+                  <a:path w="866400" h="494000">
+                    <a:moveTo>
+                      <a:pt x="866400" y="494000"/>
+                    </a:moveTo>
+                    <a:lnTo>
+                      <a:pt x="866400" y="0"/>
+                    </a:lnTo>
+                    <a:lnTo>
+                      <a:pt x="0" y="0"/>
+                    </a:lnTo>
+                    <a:lnTo>
+                      <a:pt x="0" y="494000"/>
+                    </a:lnTo>
+                    <a:lnTo>
+                      <a:pt x="866400" y="494000"/>
+                    </a:lnTo>
+                    <a:close/>
+                  </a:path>
+                </a:pathLst>
+              </a:custGeom>
+              <a:gradFill>
+                <a:gsLst>
+                  <a:gs pos="0">
+                    <a:srgbClr val="FBFBFB"/>
+                  </a:gs>
+                  <a:gs pos="100000">
+                    <a:srgbClr val="EFEFEF"/>
+                  </a:gs>
+                </a:gsLst>
+                <a:lin ang="5400000" scaled="0"/>
+              </a:gradFill>
+              <a:ln w="7600" cap="flat">
+                <a:solidFill>
+                  <a:srgbClr val="6D6D6D"/>
+                </a:solidFill>
+                <a:bevel/>
+              </a:ln>
+              <a:effectLst>
+                <a:outerShdw dist="21496" dir="2700000" algn="tl" rotWithShape="0">
+                  <a:srgbClr val="000000">
+                    <a:alpha val="8000"/>
+                  </a:srgbClr>
+                </a:outerShdw>
+              </a:effectLst>
+            </p:spPr>
+          </p:sp>
+          <p:sp>
+            <p:nvSpPr>
+              <p:cNvPr id="65" name="Text 462">
+                <a:extLst>
+                  <a:ext uri="{FF2B5EF4-FFF2-40B4-BE49-F238E27FC236}">
+                    <a16:creationId xmlns:a16="http://schemas.microsoft.com/office/drawing/2014/main" id="{8F97D86E-EFA0-4645-90FB-F4F6076CEE58}"/>
+                  </a:ext>
+                </a:extLst>
+              </p:cNvPr>
+              <p:cNvSpPr txBox="1"/>
+              <p:nvPr/>
+            </p:nvSpPr>
+            <p:spPr>
+              <a:xfrm>
+                <a:off x="1211666" y="1574600"/>
+                <a:ext cx="866400" cy="577600"/>
+              </a:xfrm>
+              <a:prstGeom prst="rect">
+                <a:avLst/>
+              </a:prstGeom>
+              <a:noFill/>
+            </p:spPr>
+            <p:txBody>
+              <a:bodyPr wrap="square" lIns="36000" tIns="0" rIns="36000" bIns="0" rtlCol="0" anchor="ctr"/>
+              <a:lstStyle/>
+              <a:p>
+                <a:pPr algn="ctr">
+                  <a:lnSpc>
+                    <a:spcPct val="100000"/>
+                  </a:lnSpc>
+                </a:pPr>
+                <a:r>
+                  <a:rPr sz="760" dirty="0">
+                    <a:solidFill>
+                      <a:srgbClr val="303030"/>
+                    </a:solidFill>
+                    <a:latin typeface="Arial"/>
+                  </a:rPr>
+                  <a:t>int x;</a:t>
+                </a:r>
+              </a:p>
+              <a:p>
+                <a:pPr algn="ctr">
+                  <a:lnSpc>
+                    <a:spcPct val="100000"/>
+                  </a:lnSpc>
+                </a:pPr>
+                <a:r>
+                  <a:rPr sz="760" dirty="0">
+                    <a:solidFill>
+                      <a:srgbClr val="303030"/>
+                    </a:solidFill>
+                    <a:latin typeface="Arial"/>
+                  </a:rPr>
+                  <a:t>int y;</a:t>
+                </a:r>
+              </a:p>
+              <a:p>
+                <a:pPr algn="ctr">
+                  <a:lnSpc>
+                    <a:spcPct val="100000"/>
+                  </a:lnSpc>
+                </a:pPr>
+                <a:r>
+                  <a:rPr sz="760" dirty="0">
+                    <a:solidFill>
+                      <a:srgbClr val="303030"/>
+                    </a:solidFill>
+                    <a:latin typeface="Arial"/>
+                  </a:rPr>
+                  <a:t>int value = 0;</a:t>
+                </a:r>
+              </a:p>
+            </p:txBody>
+          </p:sp>
+        </p:grpSp>
+        <p:grpSp>
+          <p:nvGrpSpPr>
+            <p:cNvPr id="23" name="Prozess">
+              <a:extLst>
+                <a:ext uri="{FF2B5EF4-FFF2-40B4-BE49-F238E27FC236}">
+                  <a16:creationId xmlns:a16="http://schemas.microsoft.com/office/drawing/2014/main" id="{6F9BBFCE-48EE-405B-BAFA-4097BEFCFAF2}"/>
+                </a:ext>
+              </a:extLst>
+            </p:cNvPr>
+            <p:cNvGrpSpPr/>
+            <p:nvPr/>
+          </p:nvGrpSpPr>
+          <p:grpSpPr>
+            <a:xfrm>
+              <a:off x="985221" y="2610863"/>
+              <a:ext cx="1319291" cy="509200"/>
+              <a:chOff x="985221" y="2610863"/>
+              <a:chExt cx="1319291" cy="509200"/>
+            </a:xfrm>
+          </p:grpSpPr>
+          <p:sp>
+            <p:nvSpPr>
+              <p:cNvPr id="62" name="Freihandform: Form 61">
+                <a:extLst>
+                  <a:ext uri="{FF2B5EF4-FFF2-40B4-BE49-F238E27FC236}">
+                    <a16:creationId xmlns:a16="http://schemas.microsoft.com/office/drawing/2014/main" id="{E6C18C53-0965-47AA-B74D-7458065801B2}"/>
+                  </a:ext>
+                </a:extLst>
+              </p:cNvPr>
+              <p:cNvSpPr/>
+              <p:nvPr/>
+            </p:nvSpPr>
+            <p:spPr>
+              <a:xfrm>
+                <a:off x="985221" y="2610863"/>
+                <a:ext cx="1319291" cy="509200"/>
+              </a:xfrm>
+              <a:custGeom>
+                <a:avLst/>
+                <a:gdLst/>
+                <a:ahLst/>
+                <a:cxnLst/>
+                <a:rect l="0" t="0" r="0" b="0"/>
+                <a:pathLst>
+                  <a:path w="1319291" h="509200">
+                    <a:moveTo>
+                      <a:pt x="659645" y="509200"/>
+                    </a:moveTo>
+                    <a:lnTo>
+                      <a:pt x="1319291" y="254600"/>
+                    </a:lnTo>
+                    <a:lnTo>
+                      <a:pt x="659645" y="0"/>
+                    </a:lnTo>
+                    <a:lnTo>
+                      <a:pt x="0" y="254600"/>
+                    </a:lnTo>
+                    <a:lnTo>
+                      <a:pt x="659645" y="509200"/>
+                    </a:lnTo>
+                    <a:close/>
+                  </a:path>
+                </a:pathLst>
+              </a:custGeom>
+              <a:gradFill>
+                <a:gsLst>
+                  <a:gs pos="0">
+                    <a:srgbClr val="FBFBFB"/>
+                  </a:gs>
+                  <a:gs pos="100000">
+                    <a:srgbClr val="EFEFEF"/>
+                  </a:gs>
+                </a:gsLst>
+                <a:lin ang="5400000" scaled="0"/>
+              </a:gradFill>
+              <a:ln w="7600" cap="flat">
+                <a:solidFill>
+                  <a:srgbClr val="6D6D6D"/>
+                </a:solidFill>
+                <a:bevel/>
+              </a:ln>
+              <a:effectLst>
+                <a:outerShdw dist="21496" dir="2700000" algn="tl" rotWithShape="0">
+                  <a:srgbClr val="000000">
+                    <a:alpha val="8000"/>
+                  </a:srgbClr>
+                </a:outerShdw>
+              </a:effectLst>
+            </p:spPr>
+          </p:sp>
+          <p:sp>
+            <p:nvSpPr>
+              <p:cNvPr id="63" name="Text 463">
+                <a:extLst>
+                  <a:ext uri="{FF2B5EF4-FFF2-40B4-BE49-F238E27FC236}">
+                    <a16:creationId xmlns:a16="http://schemas.microsoft.com/office/drawing/2014/main" id="{03AE7280-29EC-4C6B-9A3F-F94E52791F40}"/>
+                  </a:ext>
+                </a:extLst>
+              </p:cNvPr>
+              <p:cNvSpPr txBox="1"/>
+              <p:nvPr/>
+            </p:nvSpPr>
+            <p:spPr>
+              <a:xfrm>
+                <a:off x="985221" y="2637463"/>
+                <a:ext cx="1319291" cy="456000"/>
+              </a:xfrm>
+              <a:prstGeom prst="rect">
+                <a:avLst/>
+              </a:prstGeom>
+              <a:noFill/>
+            </p:spPr>
+            <p:txBody>
+              <a:bodyPr wrap="square" lIns="36000" tIns="0" rIns="36000" bIns="0" rtlCol="0" anchor="ctr"/>
+              <a:lstStyle/>
+              <a:p>
+                <a:pPr algn="ctr">
+                  <a:lnSpc>
+                    <a:spcPct val="100000"/>
+                  </a:lnSpc>
+                </a:pPr>
+                <a:r>
+                  <a:rPr sz="760">
+                    <a:solidFill>
+                      <a:srgbClr val="303030"/>
+                    </a:solidFill>
+                    <a:latin typeface="Arial"/>
+                  </a:rPr>
+                  <a:t>for(-1 ≤ ix ≤ +1 </a:t>
+                </a:r>
+              </a:p>
+              <a:p>
+                <a:pPr algn="ctr">
+                  <a:lnSpc>
+                    <a:spcPct val="100000"/>
+                  </a:lnSpc>
+                </a:pPr>
+                <a:r>
+                  <a:rPr sz="760">
+                    <a:solidFill>
+                      <a:srgbClr val="303030"/>
+                    </a:solidFill>
+                    <a:latin typeface="Arial"/>
+                  </a:rPr>
+                  <a:t>&amp;&amp; -1 ≤ iy ≤ +1)</a:t>
+                </a:r>
+              </a:p>
+            </p:txBody>
+          </p:sp>
+        </p:grpSp>
+        <p:sp>
+          <p:nvSpPr>
+            <p:cNvPr id="24" name="ConnectLine">
+              <a:extLst>
+                <a:ext uri="{FF2B5EF4-FFF2-40B4-BE49-F238E27FC236}">
+                  <a16:creationId xmlns:a16="http://schemas.microsoft.com/office/drawing/2014/main" id="{BC89F489-6C71-4F28-AA68-0FB226DC27B2}"/>
+                </a:ext>
+              </a:extLst>
+            </p:cNvPr>
+            <p:cNvSpPr/>
+            <p:nvPr/>
+          </p:nvSpPr>
+          <p:spPr>
+            <a:xfrm>
+              <a:off x="2304512" y="2865463"/>
+              <a:ext cx="426313" cy="7600"/>
+            </a:xfrm>
+            <a:custGeom>
+              <a:avLst/>
+              <a:gdLst>
+                <a:gd name="rtl" fmla="*/ 76000 w 426313"/>
+                <a:gd name="rtt" fmla="*/ -91200 h 7600"/>
+                <a:gd name="rtr" fmla="*/ 228000 w 426313"/>
+                <a:gd name="rtb" fmla="*/ 91200 h 7600"/>
+              </a:gdLst>
+              <a:ahLst/>
+              <a:cxnLst/>
+              <a:rect l="rtl" t="rtt" r="rtr" b="rtb"/>
+              <a:pathLst>
+                <a:path w="426313" h="7600" fill="none">
+                  <a:moveTo>
+                    <a:pt x="0" y="0"/>
+                  </a:moveTo>
+                  <a:lnTo>
+                    <a:pt x="426313" y="0"/>
+                  </a:lnTo>
+                </a:path>
+              </a:pathLst>
+            </a:custGeom>
+            <a:noFill/>
+            <a:ln w="7600" cap="flat">
+              <a:solidFill>
+                <a:schemeClr val="tx1">
+                  <a:lumMod val="85000"/>
+                </a:schemeClr>
+              </a:solidFill>
+              <a:bevel/>
+              <a:tailEnd type="stealth" w="med" len="med"/>
+            </a:ln>
+          </p:spPr>
+          <p:txBody>
+            <a:bodyPr wrap="square" lIns="0" tIns="0" rIns="0" bIns="0" rtlCol="0" anchor="ctr"/>
+            <a:lstStyle/>
+            <a:p>
+              <a:pPr algn="ctr">
+                <a:lnSpc>
+                  <a:spcPct val="100000"/>
+                </a:lnSpc>
+              </a:pPr>
+              <a:r>
+                <a:rPr sz="760" dirty="0">
+                  <a:ln w="0"/>
+                  <a:effectLst>
+                    <a:outerShdw blurRad="38100" dist="19050" dir="2700000" algn="tl" rotWithShape="0">
+                      <a:schemeClr val="dk1">
+                        <a:alpha val="40000"/>
+                      </a:schemeClr>
+                    </a:outerShdw>
+                  </a:effectLst>
+                  <a:latin typeface="Arial"/>
+                </a:rPr>
+                <a:t>ja</a:t>
+              </a:r>
+              <a:endParaRPr sz="760" dirty="0">
+                <a:solidFill>
+                  <a:srgbClr val="303030"/>
+                </a:solidFill>
+                <a:latin typeface="Arial"/>
+              </a:endParaRPr>
+            </a:p>
+          </p:txBody>
+        </p:sp>
+        <p:grpSp>
+          <p:nvGrpSpPr>
+            <p:cNvPr id="25" name="Prozess">
+              <a:extLst>
+                <a:ext uri="{FF2B5EF4-FFF2-40B4-BE49-F238E27FC236}">
+                  <a16:creationId xmlns:a16="http://schemas.microsoft.com/office/drawing/2014/main" id="{4B4998B1-CA4E-4B7B-AF4B-A881C9E2F25C}"/>
+                </a:ext>
+              </a:extLst>
+            </p:cNvPr>
+            <p:cNvGrpSpPr/>
+            <p:nvPr/>
+          </p:nvGrpSpPr>
+          <p:grpSpPr>
+            <a:xfrm>
+              <a:off x="2730824" y="2610863"/>
+              <a:ext cx="1319292" cy="509200"/>
+              <a:chOff x="2730824" y="2610863"/>
+              <a:chExt cx="1319292" cy="509200"/>
+            </a:xfrm>
+          </p:grpSpPr>
+          <p:sp>
+            <p:nvSpPr>
+              <p:cNvPr id="60" name="Freihandform: Form 59">
+                <a:extLst>
+                  <a:ext uri="{FF2B5EF4-FFF2-40B4-BE49-F238E27FC236}">
+                    <a16:creationId xmlns:a16="http://schemas.microsoft.com/office/drawing/2014/main" id="{6E807962-4FF4-430F-960D-AD40BE303826}"/>
+                  </a:ext>
+                </a:extLst>
+              </p:cNvPr>
+              <p:cNvSpPr/>
+              <p:nvPr/>
+            </p:nvSpPr>
+            <p:spPr>
+              <a:xfrm>
+                <a:off x="2730824" y="2610863"/>
+                <a:ext cx="1319292" cy="509200"/>
+              </a:xfrm>
+              <a:custGeom>
+                <a:avLst/>
+                <a:gdLst/>
+                <a:ahLst/>
+                <a:cxnLst/>
+                <a:rect l="0" t="0" r="0" b="0"/>
+                <a:pathLst>
+                  <a:path w="1319292" h="509200">
+                    <a:moveTo>
+                      <a:pt x="659646" y="509200"/>
+                    </a:moveTo>
+                    <a:lnTo>
+                      <a:pt x="1319292" y="254600"/>
+                    </a:lnTo>
+                    <a:lnTo>
+                      <a:pt x="659646" y="0"/>
+                    </a:lnTo>
+                    <a:lnTo>
+                      <a:pt x="0" y="254600"/>
+                    </a:lnTo>
+                    <a:lnTo>
+                      <a:pt x="659646" y="509200"/>
+                    </a:lnTo>
+                    <a:close/>
+                  </a:path>
+                </a:pathLst>
+              </a:custGeom>
+              <a:gradFill>
+                <a:gsLst>
+                  <a:gs pos="0">
+                    <a:srgbClr val="FBFBFB"/>
+                  </a:gs>
+                  <a:gs pos="100000">
+                    <a:srgbClr val="EFEFEF"/>
+                  </a:gs>
+                </a:gsLst>
+                <a:lin ang="5400000" scaled="0"/>
+              </a:gradFill>
+              <a:ln w="7600" cap="flat">
+                <a:solidFill>
+                  <a:srgbClr val="6D6D6D"/>
+                </a:solidFill>
+                <a:bevel/>
+              </a:ln>
+              <a:effectLst>
+                <a:outerShdw dist="21496" dir="2700000" algn="tl" rotWithShape="0">
+                  <a:srgbClr val="000000">
+                    <a:alpha val="8000"/>
+                  </a:srgbClr>
+                </a:outerShdw>
+              </a:effectLst>
+            </p:spPr>
+          </p:sp>
+          <p:sp>
+            <p:nvSpPr>
+              <p:cNvPr id="61" name="Text 464">
+                <a:extLst>
+                  <a:ext uri="{FF2B5EF4-FFF2-40B4-BE49-F238E27FC236}">
+                    <a16:creationId xmlns:a16="http://schemas.microsoft.com/office/drawing/2014/main" id="{B54BC1EE-9DF8-447A-B677-4143C152F25E}"/>
+                  </a:ext>
+                </a:extLst>
+              </p:cNvPr>
+              <p:cNvSpPr txBox="1"/>
+              <p:nvPr/>
+            </p:nvSpPr>
+            <p:spPr>
+              <a:xfrm>
+                <a:off x="2730824" y="2698263"/>
+                <a:ext cx="1319292" cy="334400"/>
+              </a:xfrm>
+              <a:prstGeom prst="rect">
+                <a:avLst/>
+              </a:prstGeom>
+              <a:noFill/>
+            </p:spPr>
+            <p:txBody>
+              <a:bodyPr wrap="square" lIns="36000" tIns="0" rIns="36000" bIns="0" rtlCol="0" anchor="ctr"/>
+              <a:lstStyle/>
+              <a:p>
+                <a:pPr algn="ctr">
+                  <a:lnSpc>
+                    <a:spcPct val="100000"/>
+                  </a:lnSpc>
+                </a:pPr>
+                <a:r>
+                  <a:rPr sz="760">
+                    <a:solidFill>
+                      <a:srgbClr val="303030"/>
+                    </a:solidFill>
+                    <a:latin typeface="Arial"/>
+                  </a:rPr>
+                  <a:t>Bombe vorhanden?</a:t>
+                </a:r>
+              </a:p>
+            </p:txBody>
+          </p:sp>
+        </p:grpSp>
+        <p:sp>
+          <p:nvSpPr>
+            <p:cNvPr id="26" name="ConnectLine">
+              <a:extLst>
+                <a:ext uri="{FF2B5EF4-FFF2-40B4-BE49-F238E27FC236}">
+                  <a16:creationId xmlns:a16="http://schemas.microsoft.com/office/drawing/2014/main" id="{E0517B77-6CF7-48F3-8818-BF2713954410}"/>
+                </a:ext>
+              </a:extLst>
+            </p:cNvPr>
+            <p:cNvSpPr/>
+            <p:nvPr/>
+          </p:nvSpPr>
+          <p:spPr>
+            <a:xfrm>
+              <a:off x="1644866" y="3120063"/>
+              <a:ext cx="7600" cy="456000"/>
+            </a:xfrm>
+            <a:custGeom>
+              <a:avLst/>
+              <a:gdLst>
+                <a:gd name="rtl" fmla="*/ -129200 w 7600"/>
+                <a:gd name="rtt" fmla="*/ 60800 h 456000"/>
+                <a:gd name="rtr" fmla="*/ 129200 w 7600"/>
+                <a:gd name="rtb" fmla="*/ 243200 h 456000"/>
+              </a:gdLst>
+              <a:ahLst/>
+              <a:cxnLst/>
+              <a:rect l="rtl" t="rtt" r="rtr" b="rtb"/>
+              <a:pathLst>
+                <a:path w="7600" h="456000" fill="none">
+                  <a:moveTo>
+                    <a:pt x="0" y="0"/>
+                  </a:moveTo>
+                  <a:lnTo>
+                    <a:pt x="0" y="456000"/>
+                  </a:lnTo>
+                </a:path>
+              </a:pathLst>
+            </a:custGeom>
+            <a:noFill/>
+            <a:ln w="7600" cap="flat">
+              <a:solidFill>
+                <a:schemeClr val="tx1">
+                  <a:lumMod val="85000"/>
+                </a:schemeClr>
+              </a:solidFill>
+              <a:bevel/>
+              <a:tailEnd type="stealth" w="med" len="med"/>
+            </a:ln>
+          </p:spPr>
+          <p:txBody>
+            <a:bodyPr wrap="square" lIns="0" tIns="0" rIns="0" bIns="0" rtlCol="0" anchor="ctr"/>
+            <a:lstStyle/>
+            <a:p>
+              <a:pPr algn="ctr">
+                <a:lnSpc>
+                  <a:spcPct val="100000"/>
+                </a:lnSpc>
+              </a:pPr>
+              <a:r>
+                <a:rPr sz="760" dirty="0" err="1">
+                  <a:ln w="0"/>
+                  <a:effectLst>
+                    <a:outerShdw blurRad="38100" dist="19050" dir="2700000" algn="tl" rotWithShape="0">
+                      <a:schemeClr val="dk1">
+                        <a:alpha val="40000"/>
+                      </a:schemeClr>
+                    </a:outerShdw>
+                  </a:effectLst>
+                  <a:latin typeface="Arial"/>
+                </a:rPr>
+                <a:t>nein</a:t>
+              </a:r>
+              <a:endParaRPr sz="760" dirty="0">
+                <a:solidFill>
+                  <a:srgbClr val="303030"/>
+                </a:solidFill>
+                <a:latin typeface="Arial"/>
+              </a:endParaRPr>
+            </a:p>
+          </p:txBody>
+        </p:sp>
+        <p:grpSp>
+          <p:nvGrpSpPr>
+            <p:cNvPr id="27" name="Prozess">
+              <a:extLst>
+                <a:ext uri="{FF2B5EF4-FFF2-40B4-BE49-F238E27FC236}">
+                  <a16:creationId xmlns:a16="http://schemas.microsoft.com/office/drawing/2014/main" id="{39DE2327-0CCE-4529-AEFB-CE1749B56FC1}"/>
+                </a:ext>
+              </a:extLst>
+            </p:cNvPr>
+            <p:cNvGrpSpPr/>
+            <p:nvPr/>
+          </p:nvGrpSpPr>
+          <p:grpSpPr>
+            <a:xfrm>
+              <a:off x="938843" y="3576063"/>
+              <a:ext cx="1412045" cy="190000"/>
+              <a:chOff x="938843" y="3576063"/>
+              <a:chExt cx="1412045" cy="190000"/>
+            </a:xfrm>
+          </p:grpSpPr>
+          <p:sp>
+            <p:nvSpPr>
+              <p:cNvPr id="58" name="Freihandform: Form 57">
+                <a:extLst>
+                  <a:ext uri="{FF2B5EF4-FFF2-40B4-BE49-F238E27FC236}">
+                    <a16:creationId xmlns:a16="http://schemas.microsoft.com/office/drawing/2014/main" id="{1097C86E-AE41-4407-A898-91D86513FA32}"/>
+                  </a:ext>
+                </a:extLst>
+              </p:cNvPr>
+              <p:cNvSpPr/>
+              <p:nvPr/>
+            </p:nvSpPr>
+            <p:spPr>
+              <a:xfrm>
+                <a:off x="938843" y="3576063"/>
+                <a:ext cx="1412045" cy="190000"/>
+              </a:xfrm>
+              <a:custGeom>
+                <a:avLst/>
+                <a:gdLst/>
+                <a:ahLst/>
+                <a:cxnLst/>
+                <a:rect l="0" t="0" r="0" b="0"/>
+                <a:pathLst>
+                  <a:path w="1412045" h="190000" stroke="0">
+                    <a:moveTo>
+                      <a:pt x="1412045" y="190000"/>
+                    </a:moveTo>
+                    <a:lnTo>
+                      <a:pt x="1412045" y="0"/>
+                    </a:lnTo>
+                    <a:lnTo>
+                      <a:pt x="0" y="0"/>
+                    </a:lnTo>
+                    <a:lnTo>
+                      <a:pt x="0" y="190000"/>
+                    </a:lnTo>
+                    <a:lnTo>
+                      <a:pt x="1412045" y="190000"/>
+                    </a:lnTo>
+                    <a:close/>
+                  </a:path>
+                  <a:path w="1412045" h="190000" fill="none">
+                    <a:moveTo>
+                      <a:pt x="1412045" y="190000"/>
+                    </a:moveTo>
+                    <a:lnTo>
+                      <a:pt x="1412045" y="0"/>
+                    </a:lnTo>
+                    <a:lnTo>
+                      <a:pt x="0" y="0"/>
+                    </a:lnTo>
+                    <a:lnTo>
+                      <a:pt x="0" y="190000"/>
+                    </a:lnTo>
+                    <a:lnTo>
+                      <a:pt x="1412045" y="190000"/>
+                    </a:lnTo>
+                    <a:close/>
+                    <a:moveTo>
+                      <a:pt x="106400" y="190000"/>
+                    </a:moveTo>
+                    <a:lnTo>
+                      <a:pt x="106400" y="0"/>
+                    </a:lnTo>
+                    <a:lnTo>
+                      <a:pt x="106400" y="190000"/>
+                    </a:lnTo>
+                    <a:close/>
+                    <a:moveTo>
+                      <a:pt x="1305645" y="190000"/>
+                    </a:moveTo>
+                    <a:lnTo>
+                      <a:pt x="1305645" y="0"/>
+                    </a:lnTo>
+                    <a:lnTo>
+                      <a:pt x="1305645" y="190000"/>
+                    </a:lnTo>
+                    <a:close/>
+                  </a:path>
+                </a:pathLst>
+              </a:custGeom>
+              <a:gradFill>
+                <a:gsLst>
+                  <a:gs pos="0">
+                    <a:srgbClr val="FBFBFB"/>
+                  </a:gs>
+                  <a:gs pos="100000">
+                    <a:srgbClr val="EFEFEF"/>
+                  </a:gs>
+                </a:gsLst>
+                <a:lin ang="5400000" scaled="0"/>
+              </a:gradFill>
+              <a:ln w="7600" cap="flat">
+                <a:solidFill>
+                  <a:srgbClr val="6D6D6D"/>
+                </a:solidFill>
+                <a:bevel/>
+              </a:ln>
+              <a:effectLst>
+                <a:outerShdw dist="21496" dir="2700000" algn="tl" rotWithShape="0">
+                  <a:srgbClr val="000000">
+                    <a:alpha val="8000"/>
+                  </a:srgbClr>
+                </a:outerShdw>
+              </a:effectLst>
+            </p:spPr>
+          </p:sp>
+          <p:sp>
+            <p:nvSpPr>
+              <p:cNvPr id="59" name="Text 465">
+                <a:extLst>
+                  <a:ext uri="{FF2B5EF4-FFF2-40B4-BE49-F238E27FC236}">
+                    <a16:creationId xmlns:a16="http://schemas.microsoft.com/office/drawing/2014/main" id="{92BC48E2-4915-4C82-9B72-1134EE11B3A1}"/>
+                  </a:ext>
+                </a:extLst>
+              </p:cNvPr>
+              <p:cNvSpPr txBox="1"/>
+              <p:nvPr/>
+            </p:nvSpPr>
+            <p:spPr>
+              <a:xfrm>
+                <a:off x="1045243" y="3503863"/>
+                <a:ext cx="1199245" cy="334400"/>
+              </a:xfrm>
+              <a:prstGeom prst="rect">
+                <a:avLst/>
+              </a:prstGeom>
+              <a:noFill/>
+            </p:spPr>
+            <p:txBody>
+              <a:bodyPr wrap="square" lIns="36000" tIns="0" rIns="36000" bIns="0" rtlCol="0" anchor="ctr"/>
+              <a:lstStyle/>
+              <a:p>
+                <a:pPr algn="ctr">
+                  <a:lnSpc>
+                    <a:spcPct val="100000"/>
+                  </a:lnSpc>
+                </a:pPr>
+                <a:r>
+                  <a:rPr sz="760">
+                    <a:solidFill>
+                      <a:srgbClr val="000000"/>
+                    </a:solidFill>
+                    <a:latin typeface="Arial"/>
+                  </a:rPr>
+                  <a:t>call uncover(x, y, value);</a:t>
+                </a:r>
+              </a:p>
+            </p:txBody>
+          </p:sp>
+        </p:grpSp>
+        <p:grpSp>
+          <p:nvGrpSpPr>
+            <p:cNvPr id="28" name="Ende">
+              <a:extLst>
+                <a:ext uri="{FF2B5EF4-FFF2-40B4-BE49-F238E27FC236}">
+                  <a16:creationId xmlns:a16="http://schemas.microsoft.com/office/drawing/2014/main" id="{238D91B3-263D-45B9-BBC2-37239BBCDFAC}"/>
+                </a:ext>
+              </a:extLst>
+            </p:cNvPr>
+            <p:cNvGrpSpPr/>
+            <p:nvPr/>
+          </p:nvGrpSpPr>
+          <p:grpSpPr>
+            <a:xfrm>
+              <a:off x="1287666" y="4147200"/>
+              <a:ext cx="714400" cy="304000"/>
+              <a:chOff x="1287666" y="4147200"/>
+              <a:chExt cx="714400" cy="304000"/>
+            </a:xfrm>
+          </p:grpSpPr>
+          <p:sp>
+            <p:nvSpPr>
+              <p:cNvPr id="56" name="Terminator">
+                <a:extLst>
+                  <a:ext uri="{FF2B5EF4-FFF2-40B4-BE49-F238E27FC236}">
+                    <a16:creationId xmlns:a16="http://schemas.microsoft.com/office/drawing/2014/main" id="{5C2C2B1F-4CD2-4FB8-902C-D9AA26D04606}"/>
+                  </a:ext>
+                </a:extLst>
+              </p:cNvPr>
+              <p:cNvSpPr/>
+              <p:nvPr/>
+            </p:nvSpPr>
+            <p:spPr>
+              <a:xfrm>
+                <a:off x="1287666" y="4147200"/>
+                <a:ext cx="714400" cy="304000"/>
+              </a:xfrm>
+              <a:custGeom>
+                <a:avLst/>
+                <a:gdLst/>
+                <a:ahLst/>
+                <a:cxnLst/>
+                <a:rect l="0" t="0" r="0" b="0"/>
+                <a:pathLst>
+                  <a:path w="714400" h="304000">
+                    <a:moveTo>
+                      <a:pt x="152000" y="304000"/>
+                    </a:moveTo>
+                    <a:lnTo>
+                      <a:pt x="562400" y="304000"/>
+                    </a:lnTo>
+                    <a:cubicBezTo>
+                      <a:pt x="646350" y="304000"/>
+                      <a:pt x="714400" y="235950"/>
+                      <a:pt x="714400" y="152000"/>
+                    </a:cubicBezTo>
+                    <a:cubicBezTo>
+                      <a:pt x="714400" y="68050"/>
+                      <a:pt x="646350" y="0"/>
+                      <a:pt x="562400" y="0"/>
+                    </a:cubicBezTo>
+                    <a:lnTo>
+                      <a:pt x="152000" y="0"/>
+                    </a:lnTo>
+                    <a:cubicBezTo>
+                      <a:pt x="68050" y="0"/>
+                      <a:pt x="0" y="68050"/>
+                      <a:pt x="0" y="152000"/>
+                    </a:cubicBezTo>
+                    <a:cubicBezTo>
+                      <a:pt x="0" y="235950"/>
+                      <a:pt x="68050" y="304000"/>
+                      <a:pt x="152000" y="304000"/>
+                    </a:cubicBezTo>
+                    <a:close/>
+                  </a:path>
+                </a:pathLst>
+              </a:custGeom>
+              <a:gradFill>
+                <a:gsLst>
+                  <a:gs pos="0">
+                    <a:srgbClr val="FBFBFB"/>
+                  </a:gs>
+                  <a:gs pos="100000">
+                    <a:srgbClr val="EFEFEF"/>
+                  </a:gs>
+                </a:gsLst>
+                <a:lin ang="5400000" scaled="0"/>
+              </a:gradFill>
+              <a:ln w="7600" cap="flat">
+                <a:solidFill>
+                  <a:srgbClr val="6D6D6D"/>
+                </a:solidFill>
+                <a:bevel/>
+              </a:ln>
+              <a:effectLst>
+                <a:outerShdw dist="21496" dir="2700000" algn="tl" rotWithShape="0">
+                  <a:srgbClr val="000000">
+                    <a:alpha val="8000"/>
+                  </a:srgbClr>
+                </a:outerShdw>
+              </a:effectLst>
+            </p:spPr>
+          </p:sp>
+          <p:sp>
+            <p:nvSpPr>
+              <p:cNvPr id="57" name="Text 466">
+                <a:extLst>
+                  <a:ext uri="{FF2B5EF4-FFF2-40B4-BE49-F238E27FC236}">
+                    <a16:creationId xmlns:a16="http://schemas.microsoft.com/office/drawing/2014/main" id="{BC92EFF6-51CA-4A1A-BF27-72216DE8B2B5}"/>
+                  </a:ext>
+                </a:extLst>
+              </p:cNvPr>
+              <p:cNvSpPr txBox="1"/>
+              <p:nvPr/>
+            </p:nvSpPr>
+            <p:spPr>
+              <a:xfrm>
+                <a:off x="1287666" y="4132000"/>
+                <a:ext cx="714400" cy="334400"/>
+              </a:xfrm>
+              <a:prstGeom prst="rect">
+                <a:avLst/>
+              </a:prstGeom>
+              <a:noFill/>
+            </p:spPr>
+            <p:txBody>
+              <a:bodyPr wrap="square" lIns="36000" tIns="0" rIns="36000" bIns="0" rtlCol="0" anchor="ctr"/>
+              <a:lstStyle/>
+              <a:p>
+                <a:pPr algn="ctr">
+                  <a:lnSpc>
+                    <a:spcPct val="100000"/>
+                  </a:lnSpc>
+                </a:pPr>
+                <a:r>
+                  <a:rPr sz="760">
+                    <a:solidFill>
+                      <a:srgbClr val="303030"/>
+                    </a:solidFill>
+                    <a:latin typeface="Arial"/>
+                  </a:rPr>
+                  <a:t>Ende</a:t>
+                </a:r>
+              </a:p>
+            </p:txBody>
+          </p:sp>
+        </p:grpSp>
+        <p:sp>
+          <p:nvSpPr>
+            <p:cNvPr id="29" name="ConnectLine">
+              <a:extLst>
+                <a:ext uri="{FF2B5EF4-FFF2-40B4-BE49-F238E27FC236}">
+                  <a16:creationId xmlns:a16="http://schemas.microsoft.com/office/drawing/2014/main" id="{86974FB1-7EDF-4307-A862-E0C88648FB6A}"/>
+                </a:ext>
+              </a:extLst>
+            </p:cNvPr>
+            <p:cNvSpPr/>
+            <p:nvPr/>
+          </p:nvSpPr>
+          <p:spPr>
+            <a:xfrm>
+              <a:off x="7395756" y="3862200"/>
+              <a:ext cx="1683400" cy="739100"/>
+            </a:xfrm>
+            <a:custGeom>
+              <a:avLst/>
+              <a:gdLst/>
+              <a:ahLst/>
+              <a:cxnLst/>
+              <a:rect l="0" t="0" r="0" b="0"/>
+              <a:pathLst>
+                <a:path w="1683400" h="739100" fill="none">
+                  <a:moveTo>
+                    <a:pt x="0" y="0"/>
+                  </a:moveTo>
+                  <a:lnTo>
+                    <a:pt x="0" y="155800"/>
+                  </a:lnTo>
+                  <a:lnTo>
+                    <a:pt x="-1683400" y="155800"/>
+                  </a:lnTo>
+                  <a:lnTo>
+                    <a:pt x="-1683400" y="739100"/>
+                  </a:lnTo>
+                </a:path>
+              </a:pathLst>
+            </a:custGeom>
+            <a:noFill/>
+            <a:ln w="7600" cap="flat">
+              <a:solidFill>
+                <a:schemeClr val="tx1">
+                  <a:lumMod val="85000"/>
+                </a:schemeClr>
+              </a:solidFill>
+              <a:bevel/>
+              <a:tailEnd type="stealth" w="med" len="med"/>
+            </a:ln>
+          </p:spPr>
+        </p:sp>
+        <p:sp>
+          <p:nvSpPr>
+            <p:cNvPr id="30" name="ConnectLine">
+              <a:extLst>
+                <a:ext uri="{FF2B5EF4-FFF2-40B4-BE49-F238E27FC236}">
+                  <a16:creationId xmlns:a16="http://schemas.microsoft.com/office/drawing/2014/main" id="{181276A7-3398-49C3-8703-5C634248A3DD}"/>
+                </a:ext>
+              </a:extLst>
+            </p:cNvPr>
+            <p:cNvSpPr/>
+            <p:nvPr/>
+          </p:nvSpPr>
+          <p:spPr>
+            <a:xfrm>
+              <a:off x="6561656" y="4753300"/>
+              <a:ext cx="492100" cy="7600"/>
+            </a:xfrm>
+            <a:custGeom>
+              <a:avLst/>
+              <a:gdLst>
+                <a:gd name="rtl" fmla="*/ -281200 w 492100"/>
+                <a:gd name="rtt" fmla="*/ -91200 h 7600"/>
+                <a:gd name="rtr" fmla="*/ -22800 w 492100"/>
+                <a:gd name="rtb" fmla="*/ 91200 h 7600"/>
+              </a:gdLst>
+              <a:ahLst/>
+              <a:cxnLst/>
+              <a:rect l="rtl" t="rtt" r="rtr" b="rtb"/>
+              <a:pathLst>
+                <a:path w="492100" h="7600" fill="none">
+                  <a:moveTo>
+                    <a:pt x="0" y="0"/>
+                  </a:moveTo>
+                  <a:lnTo>
+                    <a:pt x="-492100" y="0"/>
+                  </a:lnTo>
+                </a:path>
+              </a:pathLst>
+            </a:custGeom>
+            <a:noFill/>
+            <a:ln w="7600" cap="flat">
+              <a:solidFill>
+                <a:schemeClr val="tx1">
+                  <a:lumMod val="85000"/>
+                </a:schemeClr>
+              </a:solidFill>
+              <a:bevel/>
+              <a:tailEnd type="stealth" w="med" len="med"/>
+            </a:ln>
+          </p:spPr>
+          <p:txBody>
+            <a:bodyPr wrap="square" lIns="0" tIns="0" rIns="0" bIns="0" rtlCol="0" anchor="ctr"/>
+            <a:lstStyle/>
+            <a:p>
+              <a:pPr algn="ctr">
+                <a:lnSpc>
+                  <a:spcPct val="100000"/>
+                </a:lnSpc>
+              </a:pPr>
+              <a:r>
+                <a:rPr sz="760" dirty="0" err="1">
+                  <a:ln w="0"/>
+                  <a:effectLst>
+                    <a:outerShdw blurRad="38100" dist="19050" dir="2700000" algn="tl" rotWithShape="0">
+                      <a:schemeClr val="dk1">
+                        <a:alpha val="40000"/>
+                      </a:schemeClr>
+                    </a:outerShdw>
+                  </a:effectLst>
+                  <a:latin typeface="Arial"/>
+                </a:rPr>
+                <a:t>nein</a:t>
+              </a:r>
+              <a:endParaRPr sz="760" dirty="0">
+                <a:ln>
+                  <a:solidFill>
+                    <a:schemeClr val="tx1">
+                      <a:lumMod val="85000"/>
+                    </a:schemeClr>
+                  </a:solidFill>
+                </a:ln>
+                <a:solidFill>
+                  <a:srgbClr val="303030"/>
+                </a:solidFill>
+                <a:latin typeface="Arial"/>
+              </a:endParaRPr>
+            </a:p>
+          </p:txBody>
+        </p:sp>
+        <p:grpSp>
+          <p:nvGrpSpPr>
+            <p:cNvPr id="31" name="Prozess">
+              <a:extLst>
+                <a:ext uri="{FF2B5EF4-FFF2-40B4-BE49-F238E27FC236}">
+                  <a16:creationId xmlns:a16="http://schemas.microsoft.com/office/drawing/2014/main" id="{02868802-4DCF-4002-B5CC-2D0A9B4DC286}"/>
+                </a:ext>
+              </a:extLst>
+            </p:cNvPr>
+            <p:cNvGrpSpPr/>
+            <p:nvPr/>
+          </p:nvGrpSpPr>
+          <p:grpSpPr>
+            <a:xfrm>
+              <a:off x="6491356" y="5644400"/>
+              <a:ext cx="1808800" cy="349600"/>
+              <a:chOff x="6491356" y="5644400"/>
+              <a:chExt cx="1808800" cy="349600"/>
+            </a:xfrm>
+          </p:grpSpPr>
+          <p:sp>
+            <p:nvSpPr>
+              <p:cNvPr id="54" name="Freihandform: Form 53">
+                <a:extLst>
+                  <a:ext uri="{FF2B5EF4-FFF2-40B4-BE49-F238E27FC236}">
+                    <a16:creationId xmlns:a16="http://schemas.microsoft.com/office/drawing/2014/main" id="{4194A35F-1998-4320-A890-987312FC5F79}"/>
+                  </a:ext>
+                </a:extLst>
+              </p:cNvPr>
+              <p:cNvSpPr/>
+              <p:nvPr/>
+            </p:nvSpPr>
+            <p:spPr>
+              <a:xfrm>
+                <a:off x="6491356" y="5644400"/>
+                <a:ext cx="1808800" cy="349600"/>
+              </a:xfrm>
+              <a:custGeom>
+                <a:avLst/>
+                <a:gdLst/>
+                <a:ahLst/>
+                <a:cxnLst/>
+                <a:rect l="0" t="0" r="0" b="0"/>
+                <a:pathLst>
+                  <a:path w="1808800" h="349600" stroke="0">
+                    <a:moveTo>
+                      <a:pt x="1808800" y="349600"/>
+                    </a:moveTo>
+                    <a:lnTo>
+                      <a:pt x="1808800" y="0"/>
+                    </a:lnTo>
+                    <a:lnTo>
+                      <a:pt x="0" y="0"/>
+                    </a:lnTo>
+                    <a:lnTo>
+                      <a:pt x="0" y="349600"/>
+                    </a:lnTo>
+                    <a:lnTo>
+                      <a:pt x="1808800" y="349600"/>
+                    </a:lnTo>
+                    <a:close/>
+                  </a:path>
+                  <a:path w="1808800" h="349600" fill="none">
+                    <a:moveTo>
+                      <a:pt x="1808800" y="349600"/>
+                    </a:moveTo>
+                    <a:lnTo>
+                      <a:pt x="1808800" y="0"/>
+                    </a:lnTo>
+                    <a:lnTo>
+                      <a:pt x="0" y="0"/>
+                    </a:lnTo>
+                    <a:lnTo>
+                      <a:pt x="0" y="349600"/>
+                    </a:lnTo>
+                    <a:lnTo>
+                      <a:pt x="1808800" y="349600"/>
+                    </a:lnTo>
+                    <a:close/>
+                    <a:moveTo>
+                      <a:pt x="106400" y="349600"/>
+                    </a:moveTo>
+                    <a:lnTo>
+                      <a:pt x="106400" y="0"/>
+                    </a:lnTo>
+                    <a:lnTo>
+                      <a:pt x="106400" y="349600"/>
+                    </a:lnTo>
+                    <a:close/>
+                    <a:moveTo>
+                      <a:pt x="1702400" y="349600"/>
+                    </a:moveTo>
+                    <a:lnTo>
+                      <a:pt x="1702400" y="0"/>
+                    </a:lnTo>
+                    <a:lnTo>
+                      <a:pt x="1702400" y="349600"/>
+                    </a:lnTo>
+                    <a:close/>
+                  </a:path>
+                </a:pathLst>
+              </a:custGeom>
+              <a:gradFill>
+                <a:gsLst>
+                  <a:gs pos="0">
+                    <a:srgbClr val="FBFBFB"/>
+                  </a:gs>
+                  <a:gs pos="100000">
+                    <a:srgbClr val="EFEFEF"/>
+                  </a:gs>
+                </a:gsLst>
+                <a:lin ang="5400000" scaled="0"/>
+              </a:gradFill>
+              <a:ln w="7600" cap="flat">
+                <a:solidFill>
+                  <a:srgbClr val="6D6D6D"/>
+                </a:solidFill>
+                <a:bevel/>
+              </a:ln>
+              <a:effectLst>
+                <a:outerShdw dist="21496" dir="2700000" algn="tl" rotWithShape="0">
+                  <a:srgbClr val="000000">
+                    <a:alpha val="8000"/>
+                  </a:srgbClr>
+                </a:outerShdw>
+              </a:effectLst>
+            </p:spPr>
+          </p:sp>
+          <p:sp>
+            <p:nvSpPr>
+              <p:cNvPr id="55" name="Text 467">
+                <a:extLst>
+                  <a:ext uri="{FF2B5EF4-FFF2-40B4-BE49-F238E27FC236}">
+                    <a16:creationId xmlns:a16="http://schemas.microsoft.com/office/drawing/2014/main" id="{6C6BA01D-E85D-42E1-A9D9-C13AC440D2AB}"/>
+                  </a:ext>
+                </a:extLst>
+              </p:cNvPr>
+              <p:cNvSpPr txBox="1"/>
+              <p:nvPr/>
+            </p:nvSpPr>
+            <p:spPr>
+              <a:xfrm>
+                <a:off x="6597756" y="5652000"/>
+                <a:ext cx="1596000" cy="334400"/>
+              </a:xfrm>
+              <a:prstGeom prst="rect">
+                <a:avLst/>
+              </a:prstGeom>
+              <a:noFill/>
+            </p:spPr>
+            <p:txBody>
+              <a:bodyPr wrap="square" lIns="36000" tIns="0" rIns="36000" bIns="0" rtlCol="0" anchor="ctr"/>
+              <a:lstStyle/>
+              <a:p>
+                <a:pPr algn="ctr">
+                  <a:lnSpc>
+                    <a:spcPct val="100000"/>
+                  </a:lnSpc>
+                </a:pPr>
+                <a:r>
+                  <a:rPr sz="760">
+                    <a:solidFill>
+                      <a:srgbClr val="000000"/>
+                    </a:solidFill>
+                    <a:latin typeface="Arial"/>
+                  </a:rPr>
+                  <a:t>call countMines(ix + x, iy + y);</a:t>
+                </a:r>
+              </a:p>
+            </p:txBody>
+          </p:sp>
+        </p:grpSp>
+        <p:sp>
+          <p:nvSpPr>
+            <p:cNvPr id="32" name="ConnectLine">
+              <a:extLst>
+                <a:ext uri="{FF2B5EF4-FFF2-40B4-BE49-F238E27FC236}">
+                  <a16:creationId xmlns:a16="http://schemas.microsoft.com/office/drawing/2014/main" id="{E6AE21B5-8C15-4000-9ECC-53D775E36EB2}"/>
+                </a:ext>
+              </a:extLst>
+            </p:cNvPr>
+            <p:cNvSpPr/>
+            <p:nvPr/>
+          </p:nvSpPr>
+          <p:spPr>
+            <a:xfrm>
+              <a:off x="7395756" y="5148500"/>
+              <a:ext cx="7600" cy="495900"/>
+            </a:xfrm>
+            <a:custGeom>
+              <a:avLst/>
+              <a:gdLst>
+                <a:gd name="rtl" fmla="*/ -76000 w 7600"/>
+                <a:gd name="rtt" fmla="*/ 60800 h 495900"/>
+                <a:gd name="rtr" fmla="*/ 76000 w 7600"/>
+                <a:gd name="rtb" fmla="*/ 243200 h 495900"/>
+              </a:gdLst>
+              <a:ahLst/>
+              <a:cxnLst/>
+              <a:rect l="rtl" t="rtt" r="rtr" b="rtb"/>
+              <a:pathLst>
+                <a:path w="7600" h="495900" fill="none">
+                  <a:moveTo>
+                    <a:pt x="0" y="0"/>
+                  </a:moveTo>
+                  <a:lnTo>
+                    <a:pt x="0" y="495900"/>
+                  </a:lnTo>
+                </a:path>
+              </a:pathLst>
+            </a:custGeom>
+            <a:noFill/>
+            <a:ln w="7600" cap="flat">
+              <a:solidFill>
+                <a:schemeClr val="tx1">
+                  <a:lumMod val="85000"/>
+                </a:schemeClr>
+              </a:solidFill>
+              <a:bevel/>
+              <a:tailEnd type="stealth" w="med" len="med"/>
+            </a:ln>
+          </p:spPr>
+          <p:txBody>
+            <a:bodyPr wrap="square" lIns="0" tIns="0" rIns="0" bIns="0" rtlCol="0" anchor="ctr"/>
+            <a:lstStyle/>
+            <a:p>
+              <a:pPr algn="ctr">
+                <a:lnSpc>
+                  <a:spcPct val="100000"/>
+                </a:lnSpc>
+              </a:pPr>
+              <a:r>
+                <a:rPr sz="760">
+                  <a:solidFill>
+                    <a:srgbClr val="303030"/>
+                  </a:solidFill>
+                  <a:latin typeface="Arial"/>
+                </a:rPr>
+                <a:t>ja</a:t>
+              </a:r>
+            </a:p>
+          </p:txBody>
+        </p:sp>
+        <p:sp>
+          <p:nvSpPr>
+            <p:cNvPr id="33" name="ConnectLine">
+              <a:extLst>
+                <a:ext uri="{FF2B5EF4-FFF2-40B4-BE49-F238E27FC236}">
+                  <a16:creationId xmlns:a16="http://schemas.microsoft.com/office/drawing/2014/main" id="{06701E68-30DD-400A-AFF3-083B1A468792}"/>
+                </a:ext>
+              </a:extLst>
+            </p:cNvPr>
+            <p:cNvSpPr/>
+            <p:nvPr/>
+          </p:nvSpPr>
+          <p:spPr>
+            <a:xfrm>
+              <a:off x="3390470" y="3120063"/>
+              <a:ext cx="7600" cy="421800"/>
+            </a:xfrm>
+            <a:custGeom>
+              <a:avLst/>
+              <a:gdLst>
+                <a:gd name="rtl" fmla="*/ -76000 w 7600"/>
+                <a:gd name="rtt" fmla="*/ 60800 h 421800"/>
+                <a:gd name="rtr" fmla="*/ 76000 w 7600"/>
+                <a:gd name="rtb" fmla="*/ 243200 h 421800"/>
+              </a:gdLst>
+              <a:ahLst/>
+              <a:cxnLst/>
+              <a:rect l="rtl" t="rtt" r="rtr" b="rtb"/>
+              <a:pathLst>
+                <a:path w="7600" h="421800" fill="none">
+                  <a:moveTo>
+                    <a:pt x="0" y="0"/>
+                  </a:moveTo>
+                  <a:lnTo>
+                    <a:pt x="0" y="421800"/>
+                  </a:lnTo>
+                </a:path>
+              </a:pathLst>
+            </a:custGeom>
+            <a:noFill/>
+            <a:ln w="7600" cap="flat">
+              <a:solidFill>
+                <a:schemeClr val="tx1">
+                  <a:lumMod val="85000"/>
+                </a:schemeClr>
+              </a:solidFill>
+              <a:bevel/>
+              <a:tailEnd type="stealth" w="med" len="med"/>
+            </a:ln>
+          </p:spPr>
+          <p:txBody>
+            <a:bodyPr wrap="square" lIns="0" tIns="0" rIns="0" bIns="0" rtlCol="0" anchor="ctr"/>
+            <a:lstStyle/>
+            <a:p>
+              <a:pPr algn="ctr">
+                <a:lnSpc>
+                  <a:spcPct val="100000"/>
+                </a:lnSpc>
+              </a:pPr>
+              <a:r>
+                <a:rPr sz="760" dirty="0">
+                  <a:ln w="0"/>
+                  <a:effectLst>
+                    <a:outerShdw blurRad="38100" dist="19050" dir="2700000" algn="tl" rotWithShape="0">
+                      <a:schemeClr val="dk1">
+                        <a:alpha val="40000"/>
+                      </a:schemeClr>
+                    </a:outerShdw>
+                  </a:effectLst>
+                  <a:latin typeface="Arial"/>
+                </a:rPr>
+                <a:t>ja</a:t>
+              </a:r>
+              <a:endParaRPr sz="760" dirty="0">
+                <a:solidFill>
+                  <a:srgbClr val="303030"/>
+                </a:solidFill>
+                <a:latin typeface="Arial"/>
+              </a:endParaRPr>
+            </a:p>
+          </p:txBody>
+        </p:sp>
+        <p:grpSp>
+          <p:nvGrpSpPr>
+            <p:cNvPr id="34" name="Prozess">
+              <a:extLst>
+                <a:ext uri="{FF2B5EF4-FFF2-40B4-BE49-F238E27FC236}">
+                  <a16:creationId xmlns:a16="http://schemas.microsoft.com/office/drawing/2014/main" id="{9D6D3171-3EF3-478B-8180-ED4BA9CDF6E4}"/>
+                </a:ext>
+              </a:extLst>
+            </p:cNvPr>
+            <p:cNvGrpSpPr/>
+            <p:nvPr/>
+          </p:nvGrpSpPr>
+          <p:grpSpPr>
+            <a:xfrm>
+              <a:off x="3058359" y="3541863"/>
+              <a:ext cx="664223" cy="258400"/>
+              <a:chOff x="3058359" y="3541863"/>
+              <a:chExt cx="664223" cy="258400"/>
+            </a:xfrm>
+          </p:grpSpPr>
+          <p:sp>
+            <p:nvSpPr>
+              <p:cNvPr id="52" name="Freihandform: Form 51">
+                <a:extLst>
+                  <a:ext uri="{FF2B5EF4-FFF2-40B4-BE49-F238E27FC236}">
+                    <a16:creationId xmlns:a16="http://schemas.microsoft.com/office/drawing/2014/main" id="{8B7429A1-AE94-43C0-992C-29E60E739182}"/>
+                  </a:ext>
+                </a:extLst>
+              </p:cNvPr>
+              <p:cNvSpPr/>
+              <p:nvPr/>
+            </p:nvSpPr>
+            <p:spPr>
+              <a:xfrm>
+                <a:off x="3058359" y="3541863"/>
+                <a:ext cx="664223" cy="258400"/>
+              </a:xfrm>
+              <a:custGeom>
+                <a:avLst/>
+                <a:gdLst/>
+                <a:ahLst/>
+                <a:cxnLst/>
+                <a:rect l="0" t="0" r="0" b="0"/>
+                <a:pathLst>
+                  <a:path w="664223" h="258400">
+                    <a:moveTo>
+                      <a:pt x="664223" y="258400"/>
+                    </a:moveTo>
+                    <a:lnTo>
+                      <a:pt x="664223" y="0"/>
+                    </a:lnTo>
+                    <a:lnTo>
+                      <a:pt x="0" y="0"/>
+                    </a:lnTo>
+                    <a:lnTo>
+                      <a:pt x="0" y="258400"/>
+                    </a:lnTo>
+                    <a:lnTo>
+                      <a:pt x="664223" y="258400"/>
+                    </a:lnTo>
+                    <a:close/>
+                  </a:path>
+                </a:pathLst>
+              </a:custGeom>
+              <a:gradFill>
+                <a:gsLst>
+                  <a:gs pos="0">
+                    <a:srgbClr val="FBFBFB"/>
+                  </a:gs>
+                  <a:gs pos="100000">
+                    <a:srgbClr val="EFEFEF"/>
+                  </a:gs>
+                </a:gsLst>
+                <a:lin ang="5400000" scaled="0"/>
+              </a:gradFill>
+              <a:ln w="7600" cap="flat">
+                <a:solidFill>
+                  <a:srgbClr val="6D6D6D"/>
+                </a:solidFill>
+                <a:bevel/>
+              </a:ln>
+              <a:effectLst>
+                <a:outerShdw dist="21496" dir="2700000" algn="tl" rotWithShape="0">
+                  <a:srgbClr val="000000">
+                    <a:alpha val="8000"/>
+                  </a:srgbClr>
+                </a:outerShdw>
+              </a:effectLst>
+            </p:spPr>
+          </p:sp>
+          <p:sp>
+            <p:nvSpPr>
+              <p:cNvPr id="53" name="Text 468">
+                <a:extLst>
+                  <a:ext uri="{FF2B5EF4-FFF2-40B4-BE49-F238E27FC236}">
+                    <a16:creationId xmlns:a16="http://schemas.microsoft.com/office/drawing/2014/main" id="{3DF53DEF-5FFA-47D1-A36D-04FD1AD14631}"/>
+                  </a:ext>
+                </a:extLst>
+              </p:cNvPr>
+              <p:cNvSpPr txBox="1"/>
+              <p:nvPr/>
+            </p:nvSpPr>
+            <p:spPr>
+              <a:xfrm>
+                <a:off x="3058359" y="3503863"/>
+                <a:ext cx="664223" cy="334400"/>
+              </a:xfrm>
+              <a:prstGeom prst="rect">
+                <a:avLst/>
+              </a:prstGeom>
+              <a:noFill/>
+            </p:spPr>
+            <p:txBody>
+              <a:bodyPr wrap="square" lIns="36000" tIns="0" rIns="36000" bIns="0" rtlCol="0" anchor="ctr"/>
+              <a:lstStyle/>
+              <a:p>
+                <a:pPr algn="ctr">
+                  <a:lnSpc>
+                    <a:spcPct val="100000"/>
+                  </a:lnSpc>
+                </a:pPr>
+                <a:r>
+                  <a:rPr sz="760">
+                    <a:solidFill>
+                      <a:srgbClr val="303030"/>
+                    </a:solidFill>
+                    <a:latin typeface="Arial"/>
+                  </a:rPr>
+                  <a:t>value ++;</a:t>
+                </a:r>
+              </a:p>
+            </p:txBody>
+          </p:sp>
+        </p:grpSp>
+        <p:sp>
+          <p:nvSpPr>
+            <p:cNvPr id="35" name="ConnectLine">
+              <a:extLst>
+                <a:ext uri="{FF2B5EF4-FFF2-40B4-BE49-F238E27FC236}">
+                  <a16:creationId xmlns:a16="http://schemas.microsoft.com/office/drawing/2014/main" id="{B7EFD559-CE43-4C94-B7E2-A3FBD0A8F8EB}"/>
+                </a:ext>
+              </a:extLst>
+            </p:cNvPr>
+            <p:cNvSpPr/>
+            <p:nvPr/>
+          </p:nvSpPr>
+          <p:spPr>
+            <a:xfrm>
+              <a:off x="1644866" y="2110400"/>
+              <a:ext cx="7600" cy="500463"/>
+            </a:xfrm>
+            <a:custGeom>
+              <a:avLst/>
+              <a:gdLst/>
+              <a:ahLst/>
+              <a:cxnLst/>
+              <a:rect l="0" t="0" r="0" b="0"/>
+              <a:pathLst>
+                <a:path w="7600" h="500463" fill="none">
+                  <a:moveTo>
+                    <a:pt x="0" y="0"/>
+                  </a:moveTo>
+                  <a:lnTo>
+                    <a:pt x="0" y="500463"/>
+                  </a:lnTo>
+                </a:path>
+              </a:pathLst>
+            </a:custGeom>
+            <a:noFill/>
+            <a:ln w="7600" cap="flat">
+              <a:solidFill>
+                <a:schemeClr val="tx1">
+                  <a:lumMod val="85000"/>
+                </a:schemeClr>
+              </a:solidFill>
+              <a:bevel/>
+              <a:tailEnd type="stealth" w="med" len="med"/>
+            </a:ln>
+          </p:spPr>
+        </p:sp>
+        <p:sp>
+          <p:nvSpPr>
+            <p:cNvPr id="36" name="ConnectLine">
+              <a:extLst>
+                <a:ext uri="{FF2B5EF4-FFF2-40B4-BE49-F238E27FC236}">
+                  <a16:creationId xmlns:a16="http://schemas.microsoft.com/office/drawing/2014/main" id="{FCD5DAEF-464D-4F32-999A-10AAD1BC845D}"/>
+                </a:ext>
+              </a:extLst>
+            </p:cNvPr>
+            <p:cNvSpPr/>
+            <p:nvPr/>
+          </p:nvSpPr>
+          <p:spPr>
+            <a:xfrm>
+              <a:off x="4050116" y="2865463"/>
+              <a:ext cx="2752690" cy="557463"/>
+            </a:xfrm>
+            <a:custGeom>
+              <a:avLst/>
+              <a:gdLst>
+                <a:gd name="rtl" fmla="*/ 22800 w 2752690"/>
+                <a:gd name="rtt" fmla="*/ -91200 h 557463"/>
+                <a:gd name="rtr" fmla="*/ 281200 w 2752690"/>
+                <a:gd name="rtb" fmla="*/ 91200 h 557463"/>
+              </a:gdLst>
+              <a:ahLst/>
+              <a:cxnLst/>
+              <a:rect l="rtl" t="rtt" r="rtr" b="rtb"/>
+              <a:pathLst>
+                <a:path w="2752690" h="557463" fill="none">
+                  <a:moveTo>
+                    <a:pt x="0" y="0"/>
+                  </a:moveTo>
+                  <a:lnTo>
+                    <a:pt x="301840" y="0"/>
+                  </a:lnTo>
+                  <a:lnTo>
+                    <a:pt x="301840" y="-511863"/>
+                  </a:lnTo>
+                  <a:lnTo>
+                    <a:pt x="-2396160" y="-511863"/>
+                  </a:lnTo>
+                </a:path>
+              </a:pathLst>
+            </a:custGeom>
+            <a:noFill/>
+            <a:ln w="7600" cap="flat">
+              <a:solidFill>
+                <a:schemeClr val="tx1">
+                  <a:lumMod val="85000"/>
+                </a:schemeClr>
+              </a:solidFill>
+              <a:bevel/>
+              <a:tailEnd type="stealth" w="med" len="med"/>
+            </a:ln>
+          </p:spPr>
+          <p:txBody>
+            <a:bodyPr wrap="square" lIns="0" tIns="0" rIns="0" bIns="0" rtlCol="0" anchor="ctr"/>
+            <a:lstStyle/>
+            <a:p>
+              <a:pPr algn="ctr">
+                <a:lnSpc>
+                  <a:spcPct val="100000"/>
+                </a:lnSpc>
+              </a:pPr>
+              <a:r>
+                <a:rPr sz="760" dirty="0" err="1">
+                  <a:ln w="0"/>
+                  <a:effectLst>
+                    <a:outerShdw blurRad="38100" dist="19050" dir="2700000" algn="tl" rotWithShape="0">
+                      <a:schemeClr val="dk1">
+                        <a:alpha val="40000"/>
+                      </a:schemeClr>
+                    </a:outerShdw>
+                  </a:effectLst>
+                  <a:latin typeface="Arial"/>
+                </a:rPr>
+                <a:t>nein</a:t>
+              </a:r>
+              <a:endParaRPr sz="760" dirty="0">
+                <a:solidFill>
+                  <a:srgbClr val="303030"/>
+                </a:solidFill>
+                <a:latin typeface="Arial"/>
+              </a:endParaRPr>
+            </a:p>
+          </p:txBody>
+        </p:sp>
+        <p:sp>
+          <p:nvSpPr>
+            <p:cNvPr id="37" name="ConnectLine">
+              <a:extLst>
+                <a:ext uri="{FF2B5EF4-FFF2-40B4-BE49-F238E27FC236}">
+                  <a16:creationId xmlns:a16="http://schemas.microsoft.com/office/drawing/2014/main" id="{FCA21955-BE1B-4B89-8A92-10C3368EFE27}"/>
+                </a:ext>
+              </a:extLst>
+            </p:cNvPr>
+            <p:cNvSpPr/>
+            <p:nvPr/>
+          </p:nvSpPr>
+          <p:spPr>
+            <a:xfrm>
+              <a:off x="1644866" y="3766063"/>
+              <a:ext cx="7600" cy="381137"/>
+            </a:xfrm>
+            <a:custGeom>
+              <a:avLst/>
+              <a:gdLst/>
+              <a:ahLst/>
+              <a:cxnLst/>
+              <a:rect l="0" t="0" r="0" b="0"/>
+              <a:pathLst>
+                <a:path w="7600" h="381137" fill="none">
+                  <a:moveTo>
+                    <a:pt x="0" y="0"/>
+                  </a:moveTo>
+                  <a:lnTo>
+                    <a:pt x="0" y="381137"/>
+                  </a:lnTo>
+                </a:path>
+              </a:pathLst>
+            </a:custGeom>
+            <a:noFill/>
+            <a:ln w="7600" cap="flat">
+              <a:solidFill>
+                <a:schemeClr val="tx1">
+                  <a:lumMod val="85000"/>
+                </a:schemeClr>
+              </a:solidFill>
+              <a:bevel/>
+              <a:tailEnd type="stealth" w="med" len="med"/>
+            </a:ln>
+          </p:spPr>
+        </p:sp>
+        <p:sp>
+          <p:nvSpPr>
+            <p:cNvPr id="38" name="ConnectLine">
+              <a:extLst>
+                <a:ext uri="{FF2B5EF4-FFF2-40B4-BE49-F238E27FC236}">
+                  <a16:creationId xmlns:a16="http://schemas.microsoft.com/office/drawing/2014/main" id="{227B4915-4AC5-499A-B479-4D56B9DA18C7}"/>
+                </a:ext>
+              </a:extLst>
+            </p:cNvPr>
+            <p:cNvSpPr/>
+            <p:nvPr/>
+          </p:nvSpPr>
+          <p:spPr>
+            <a:xfrm>
+              <a:off x="1644866" y="1441600"/>
+              <a:ext cx="7600" cy="174800"/>
+            </a:xfrm>
+            <a:custGeom>
+              <a:avLst/>
+              <a:gdLst/>
+              <a:ahLst/>
+              <a:cxnLst/>
+              <a:rect l="0" t="0" r="0" b="0"/>
+              <a:pathLst>
+                <a:path w="7600" h="174800" fill="none">
+                  <a:moveTo>
+                    <a:pt x="0" y="0"/>
+                  </a:moveTo>
+                  <a:lnTo>
+                    <a:pt x="0" y="174800"/>
+                  </a:lnTo>
+                </a:path>
+              </a:pathLst>
+            </a:custGeom>
+            <a:noFill/>
+            <a:ln w="7600" cap="flat">
+              <a:solidFill>
+                <a:schemeClr val="tx1">
+                  <a:lumMod val="85000"/>
+                </a:schemeClr>
+              </a:solidFill>
+              <a:bevel/>
+              <a:tailEnd type="stealth" w="med" len="med"/>
+            </a:ln>
+          </p:spPr>
+        </p:sp>
+        <p:sp>
+          <p:nvSpPr>
+            <p:cNvPr id="39" name="ConnectLine">
+              <a:extLst>
+                <a:ext uri="{FF2B5EF4-FFF2-40B4-BE49-F238E27FC236}">
+                  <a16:creationId xmlns:a16="http://schemas.microsoft.com/office/drawing/2014/main" id="{E55EF96F-546E-4922-9914-D4AEFDC7A8FB}"/>
+                </a:ext>
+              </a:extLst>
+            </p:cNvPr>
+            <p:cNvSpPr/>
+            <p:nvPr/>
+          </p:nvSpPr>
+          <p:spPr>
+            <a:xfrm>
+              <a:off x="2350889" y="3671063"/>
+              <a:ext cx="3004267" cy="3298400"/>
+            </a:xfrm>
+            <a:custGeom>
+              <a:avLst/>
+              <a:gdLst/>
+              <a:ahLst/>
+              <a:cxnLst/>
+              <a:rect l="0" t="0" r="0" b="0"/>
+              <a:pathLst>
+                <a:path w="3004267" h="3298400" fill="none">
+                  <a:moveTo>
+                    <a:pt x="0" y="0"/>
+                  </a:moveTo>
+                  <a:lnTo>
+                    <a:pt x="313867" y="0"/>
+                  </a:lnTo>
+                  <a:lnTo>
+                    <a:pt x="313867" y="780137"/>
+                  </a:lnTo>
+                  <a:lnTo>
+                    <a:pt x="2472267" y="780137"/>
+                  </a:lnTo>
+                  <a:lnTo>
+                    <a:pt x="2472267" y="-2518263"/>
+                  </a:lnTo>
+                  <a:lnTo>
+                    <a:pt x="3004267" y="-2518263"/>
+                  </a:lnTo>
+                </a:path>
+              </a:pathLst>
+            </a:custGeom>
+            <a:noFill/>
+            <a:ln w="7600" cap="flat">
+              <a:solidFill>
+                <a:srgbClr val="FFFF00"/>
+              </a:solidFill>
+              <a:bevel/>
+              <a:tailEnd type="stealth" w="med" len="med"/>
+            </a:ln>
+          </p:spPr>
+        </p:sp>
+        <p:sp>
+          <p:nvSpPr>
+            <p:cNvPr id="40" name="ConnectLine">
+              <a:extLst>
+                <a:ext uri="{FF2B5EF4-FFF2-40B4-BE49-F238E27FC236}">
+                  <a16:creationId xmlns:a16="http://schemas.microsoft.com/office/drawing/2014/main" id="{EA3A9CCA-F109-4501-B962-6B2097CB55B6}"/>
+                </a:ext>
+              </a:extLst>
+            </p:cNvPr>
+            <p:cNvSpPr/>
+            <p:nvPr/>
+          </p:nvSpPr>
+          <p:spPr>
+            <a:xfrm>
+              <a:off x="6491356" y="5819200"/>
+              <a:ext cx="5795713" cy="4666400"/>
+            </a:xfrm>
+            <a:custGeom>
+              <a:avLst/>
+              <a:gdLst/>
+              <a:ahLst/>
+              <a:cxnLst/>
+              <a:rect l="0" t="0" r="0" b="0"/>
+              <a:pathLst>
+                <a:path w="5795713" h="4666400" fill="none">
+                  <a:moveTo>
+                    <a:pt x="0" y="0"/>
+                  </a:moveTo>
+                  <a:lnTo>
+                    <a:pt x="-5795713" y="0"/>
+                  </a:lnTo>
+                  <a:lnTo>
+                    <a:pt x="-5795713" y="-4666400"/>
+                  </a:lnTo>
+                  <a:lnTo>
+                    <a:pt x="-5203690" y="-4666400"/>
+                  </a:lnTo>
+                </a:path>
+              </a:pathLst>
+            </a:custGeom>
+            <a:noFill/>
+            <a:ln w="7600" cap="flat">
+              <a:solidFill>
+                <a:srgbClr val="FFFF00"/>
+              </a:solidFill>
+              <a:bevel/>
+              <a:tailEnd type="stealth" w="med" len="med"/>
+            </a:ln>
+          </p:spPr>
+        </p:sp>
+        <p:sp>
+          <p:nvSpPr>
+            <p:cNvPr id="41" name="ConnectLine">
+              <a:extLst>
+                <a:ext uri="{FF2B5EF4-FFF2-40B4-BE49-F238E27FC236}">
+                  <a16:creationId xmlns:a16="http://schemas.microsoft.com/office/drawing/2014/main" id="{59F996AB-D8E2-49B2-934A-F38C0379185B}"/>
+                </a:ext>
+              </a:extLst>
+            </p:cNvPr>
+            <p:cNvSpPr/>
+            <p:nvPr/>
+          </p:nvSpPr>
+          <p:spPr>
+            <a:xfrm>
+              <a:off x="3390470" y="3800263"/>
+              <a:ext cx="961486" cy="1178000"/>
+            </a:xfrm>
+            <a:custGeom>
+              <a:avLst/>
+              <a:gdLst/>
+              <a:ahLst/>
+              <a:cxnLst/>
+              <a:rect l="0" t="0" r="0" b="0"/>
+              <a:pathLst>
+                <a:path w="961486" h="1178000" fill="none">
+                  <a:moveTo>
+                    <a:pt x="0" y="0"/>
+                  </a:moveTo>
+                  <a:lnTo>
+                    <a:pt x="0" y="243200"/>
+                  </a:lnTo>
+                  <a:lnTo>
+                    <a:pt x="961486" y="243200"/>
+                  </a:lnTo>
+                  <a:lnTo>
+                    <a:pt x="961486" y="-934800"/>
+                  </a:lnTo>
+                </a:path>
+              </a:pathLst>
+            </a:custGeom>
+            <a:noFill/>
+            <a:ln w="7600" cap="flat">
+              <a:solidFill>
+                <a:schemeClr val="tx1">
+                  <a:lumMod val="85000"/>
+                </a:schemeClr>
+              </a:solidFill>
+              <a:bevel/>
+              <a:tailEnd type="stealth" w="med" len="med"/>
+            </a:ln>
+          </p:spPr>
+        </p:sp>
+        <p:sp>
+          <p:nvSpPr>
+            <p:cNvPr id="42" name="ConnectLine">
+              <a:extLst>
+                <a:ext uri="{FF2B5EF4-FFF2-40B4-BE49-F238E27FC236}">
+                  <a16:creationId xmlns:a16="http://schemas.microsoft.com/office/drawing/2014/main" id="{22A5E8D0-57A3-4855-AD75-157CBB95853B}"/>
+                </a:ext>
+              </a:extLst>
+            </p:cNvPr>
+            <p:cNvSpPr/>
+            <p:nvPr/>
+          </p:nvSpPr>
+          <p:spPr>
+            <a:xfrm>
+              <a:off x="8300156" y="5819200"/>
+              <a:ext cx="148200" cy="1656800"/>
+            </a:xfrm>
+            <a:custGeom>
+              <a:avLst/>
+              <a:gdLst/>
+              <a:ahLst/>
+              <a:cxnLst/>
+              <a:rect l="0" t="0" r="0" b="0"/>
+              <a:pathLst>
+                <a:path w="148200" h="1656800" fill="none">
+                  <a:moveTo>
+                    <a:pt x="0" y="0"/>
+                  </a:moveTo>
+                  <a:lnTo>
+                    <a:pt x="148200" y="0"/>
+                  </a:lnTo>
+                  <a:lnTo>
+                    <a:pt x="148200" y="-1656800"/>
+                  </a:lnTo>
+                </a:path>
+              </a:pathLst>
+            </a:custGeom>
+            <a:noFill/>
+            <a:ln w="7600" cap="flat">
+              <a:solidFill>
+                <a:schemeClr val="tx1">
+                  <a:lumMod val="85000"/>
+                </a:schemeClr>
+              </a:solidFill>
+              <a:bevel/>
+              <a:tailEnd type="stealth" w="med" len="med"/>
+            </a:ln>
+          </p:spPr>
+        </p:sp>
+      </p:grpSp>
     </p:spTree>
     <p:extLst>
       <p:ext uri="{BB962C8B-B14F-4D97-AF65-F5344CB8AC3E}">

--- a/IT-Kurzprojekt.pptx
+++ b/IT-Kurzprojekt.pptx
@@ -11,14 +11,14 @@
     <p:sldId id="256" r:id="rId2"/>
     <p:sldId id="266" r:id="rId3"/>
     <p:sldId id="267" r:id="rId4"/>
-    <p:sldId id="259" r:id="rId5"/>
-    <p:sldId id="260" r:id="rId6"/>
-    <p:sldId id="261" r:id="rId7"/>
-    <p:sldId id="270" r:id="rId8"/>
-    <p:sldId id="262" r:id="rId9"/>
-    <p:sldId id="268" r:id="rId10"/>
-    <p:sldId id="264" r:id="rId11"/>
-    <p:sldId id="269" r:id="rId12"/>
+    <p:sldId id="269" r:id="rId5"/>
+    <p:sldId id="259" r:id="rId6"/>
+    <p:sldId id="260" r:id="rId7"/>
+    <p:sldId id="261" r:id="rId8"/>
+    <p:sldId id="270" r:id="rId9"/>
+    <p:sldId id="262" r:id="rId10"/>
+    <p:sldId id="268" r:id="rId11"/>
+    <p:sldId id="264" r:id="rId12"/>
     <p:sldId id="272" r:id="rId13"/>
     <p:sldId id="271" r:id="rId14"/>
     <p:sldId id="274" r:id="rId15"/>
@@ -211,7 +211,7 @@
           <a:p>
             <a:fld id="{BC3F662D-799D-45D1-8BCA-E5F703E58855}" type="datetimeFigureOut">
               <a:rPr lang="de-DE" smtClean="0"/>
-              <a:t>09.11.2019</a:t>
+              <a:t>11.11.2019</a:t>
             </a:fld>
             <a:endParaRPr lang="de-DE"/>
           </a:p>
@@ -562,6 +562,90 @@
 </p:notes>
 </file>
 
+<file path=ppt/notesSlides/notesSlide10.xml><?xml version="1.0" encoding="utf-8"?>
+<p:notes xmlns:a="http://schemas.openxmlformats.org/drawingml/2006/main" xmlns:r="http://schemas.openxmlformats.org/officeDocument/2006/relationships" xmlns:p="http://schemas.openxmlformats.org/presentationml/2006/main">
+  <p:cSld>
+    <p:spTree>
+      <p:nvGrpSpPr>
+        <p:cNvPr id="1" name=""/>
+        <p:cNvGrpSpPr/>
+        <p:nvPr/>
+      </p:nvGrpSpPr>
+      <p:grpSpPr>
+        <a:xfrm>
+          <a:off x="0" y="0"/>
+          <a:ext cx="0" cy="0"/>
+          <a:chOff x="0" y="0"/>
+          <a:chExt cx="0" cy="0"/>
+        </a:xfrm>
+      </p:grpSpPr>
+      <p:sp>
+        <p:nvSpPr>
+          <p:cNvPr id="2" name="Folienbildplatzhalter 1"/>
+          <p:cNvSpPr>
+            <a:spLocks noGrp="1" noRot="1" noChangeAspect="1"/>
+          </p:cNvSpPr>
+          <p:nvPr>
+            <p:ph type="sldImg"/>
+          </p:nvPr>
+        </p:nvSpPr>
+        <p:spPr/>
+      </p:sp>
+      <p:sp>
+        <p:nvSpPr>
+          <p:cNvPr id="3" name="Notizenplatzhalter 2"/>
+          <p:cNvSpPr>
+            <a:spLocks noGrp="1"/>
+          </p:cNvSpPr>
+          <p:nvPr>
+            <p:ph type="body" idx="1"/>
+          </p:nvPr>
+        </p:nvSpPr>
+        <p:spPr/>
+        <p:txBody>
+          <a:bodyPr/>
+          <a:lstStyle/>
+          <a:p>
+            <a:endParaRPr lang="de-DE" dirty="0"/>
+          </a:p>
+        </p:txBody>
+      </p:sp>
+      <p:sp>
+        <p:nvSpPr>
+          <p:cNvPr id="4" name="Foliennummernplatzhalter 3"/>
+          <p:cNvSpPr>
+            <a:spLocks noGrp="1"/>
+          </p:cNvSpPr>
+          <p:nvPr>
+            <p:ph type="sldNum" sz="quarter" idx="5"/>
+          </p:nvPr>
+        </p:nvSpPr>
+        <p:spPr/>
+        <p:txBody>
+          <a:bodyPr/>
+          <a:lstStyle/>
+          <a:p>
+            <a:fld id="{26A06B9A-17B0-4B04-8AC6-E23EA5A58D8C}" type="slidenum">
+              <a:rPr lang="de-DE" smtClean="0"/>
+              <a:t>12</a:t>
+            </a:fld>
+            <a:endParaRPr lang="de-DE"/>
+          </a:p>
+        </p:txBody>
+      </p:sp>
+    </p:spTree>
+    <p:extLst>
+      <p:ext uri="{BB962C8B-B14F-4D97-AF65-F5344CB8AC3E}">
+        <p14:creationId xmlns:p14="http://schemas.microsoft.com/office/powerpoint/2010/main" val="2486665996"/>
+      </p:ext>
+    </p:extLst>
+  </p:cSld>
+  <p:clrMapOvr>
+    <a:masterClrMapping/>
+  </p:clrMapOvr>
+</p:notes>
+</file>
+
 <file path=ppt/notesSlides/notesSlide2.xml><?xml version="1.0" encoding="utf-8"?>
 <p:notes xmlns:a="http://schemas.openxmlformats.org/drawingml/2006/main" xmlns:r="http://schemas.openxmlformats.org/officeDocument/2006/relationships" xmlns:p="http://schemas.openxmlformats.org/presentationml/2006/main">
   <p:cSld>
@@ -749,42 +833,81 @@
           <a:lstStyle/>
           <a:p>
             <a:r>
-              <a:rPr lang="de-DE" dirty="0"/>
-              <a:t>Bombenzahl: Über Spielmodi</a:t>
+              <a:rPr lang="de-DE" dirty="0" smtClean="0"/>
+              <a:t>Array erstellen vom Typ Button in einer verschachtelten </a:t>
             </a:r>
-          </a:p>
-          <a:p>
             <a:r>
-              <a:rPr lang="de-DE" dirty="0"/>
-              <a:t>2 FOR-Schleifen und 1 IF-Abfrage</a:t>
+              <a:rPr lang="de-DE" dirty="0" err="1" smtClean="0"/>
+              <a:t>for</a:t>
             </a:r>
-          </a:p>
-          <a:p>
-            <a:pPr marL="228600" indent="-228600">
-              <a:buAutoNum type="arabicPeriod"/>
-            </a:pPr>
             <a:r>
-              <a:rPr lang="de-DE" dirty="0"/>
-              <a:t>Beschreiben der Positionen</a:t>
+              <a:rPr lang="de-DE" dirty="0" smtClean="0"/>
+              <a:t> schleife </a:t>
             </a:r>
           </a:p>
           <a:p>
-            <a:pPr marL="228600" indent="-228600">
-              <a:buAutoNum type="arabicPeriod"/>
-            </a:pPr>
             <a:r>
-              <a:rPr lang="de-DE" dirty="0"/>
-              <a:t>Nochmals durchsuchen</a:t>
+              <a:rPr lang="de-DE" dirty="0" smtClean="0"/>
+              <a:t>Location Button x und y Koordinate multipliziert mit der </a:t>
             </a:r>
-          </a:p>
-          <a:p>
-            <a:pPr marL="0" indent="0">
-              <a:buNone/>
-            </a:pPr>
             <a:r>
-              <a:rPr lang="de-DE" dirty="0"/>
-              <a:t>Abfrage ob Doppelbelegung wenn ja erneutes Beschreiben</a:t>
+              <a:rPr lang="de-DE" dirty="0" err="1" smtClean="0"/>
+              <a:t>buttongröße</a:t>
             </a:r>
+            <a:r>
+              <a:rPr lang="de-DE" dirty="0" smtClean="0"/>
+              <a:t> </a:t>
+            </a:r>
+          </a:p>
+          <a:p>
+            <a:r>
+              <a:rPr lang="de-DE" dirty="0" smtClean="0"/>
+              <a:t>Ab</a:t>
+            </a:r>
+            <a:r>
+              <a:rPr lang="de-DE" baseline="0" dirty="0" smtClean="0"/>
+              <a:t> Image ist alles Graphische </a:t>
+            </a:r>
+            <a:r>
+              <a:rPr lang="de-DE" baseline="0" dirty="0" err="1" smtClean="0"/>
+              <a:t>bearbeitung</a:t>
+            </a:r>
+            <a:r>
+              <a:rPr lang="de-DE" baseline="0" dirty="0" smtClean="0"/>
+              <a:t> </a:t>
+            </a:r>
+            <a:endParaRPr lang="de-DE" dirty="0" smtClean="0"/>
+          </a:p>
+          <a:p>
+            <a:r>
+              <a:rPr lang="de-DE" dirty="0" err="1" smtClean="0"/>
+              <a:t>Tap</a:t>
+            </a:r>
+            <a:r>
+              <a:rPr lang="de-DE" dirty="0" smtClean="0"/>
+              <a:t> </a:t>
+            </a:r>
+            <a:r>
+              <a:rPr lang="de-DE" dirty="0" err="1" smtClean="0"/>
+              <a:t>Stop</a:t>
+            </a:r>
+            <a:r>
+              <a:rPr lang="de-DE" dirty="0" smtClean="0"/>
+              <a:t> Graphische</a:t>
+            </a:r>
+            <a:r>
+              <a:rPr lang="de-DE" baseline="0" dirty="0" smtClean="0"/>
+              <a:t> </a:t>
+            </a:r>
+            <a:r>
+              <a:rPr lang="de-DE" baseline="0" dirty="0" err="1" smtClean="0"/>
+              <a:t>bearbeitung</a:t>
+            </a:r>
+            <a:r>
+              <a:rPr lang="de-DE" baseline="0" dirty="0" smtClean="0"/>
+              <a:t> </a:t>
+            </a:r>
+            <a:endParaRPr lang="de-DE" dirty="0"/>
           </a:p>
         </p:txBody>
       </p:sp>
@@ -795,7 +918,7 @@
             <a:spLocks noGrp="1"/>
           </p:cNvSpPr>
           <p:nvPr>
-            <p:ph type="sldNum" sz="quarter" idx="5"/>
+            <p:ph type="sldNum" sz="quarter" idx="10"/>
           </p:nvPr>
         </p:nvSpPr>
         <p:spPr/>
@@ -805,7 +928,7 @@
           <a:p>
             <a:fld id="{26A06B9A-17B0-4B04-8AC6-E23EA5A58D8C}" type="slidenum">
               <a:rPr lang="de-DE" smtClean="0"/>
-              <a:t>4</a:t>
+              <a:t>3</a:t>
             </a:fld>
             <a:endParaRPr lang="de-DE"/>
           </a:p>
@@ -814,7 +937,7 @@
     </p:spTree>
     <p:extLst>
       <p:ext uri="{BB962C8B-B14F-4D97-AF65-F5344CB8AC3E}">
-        <p14:creationId xmlns:p14="http://schemas.microsoft.com/office/powerpoint/2010/main" val="1068958034"/>
+        <p14:creationId xmlns:p14="http://schemas.microsoft.com/office/powerpoint/2010/main" val="678697862"/>
       </p:ext>
     </p:extLst>
   </p:cSld>
@@ -872,8 +995,12 @@
               <a:buAutoNum type="arabicPeriod"/>
             </a:pPr>
             <a:r>
-              <a:rPr lang="de-DE" dirty="0"/>
-              <a:t>Begrenzen der Anzahl</a:t>
+              <a:rPr lang="de-DE" dirty="0" smtClean="0"/>
+              <a:t>Dem Button im Array Platz x und y wird ein Tag (zusätzliches Attribut von Steuer Elementen das beliebig verwendbar ist.</a:t>
+            </a:r>
+            <a:r>
+              <a:rPr lang="de-DE" baseline="0" dirty="0" smtClean="0"/>
+              <a:t> </a:t>
             </a:r>
           </a:p>
           <a:p>
@@ -881,8 +1008,8 @@
               <a:buAutoNum type="arabicPeriod"/>
             </a:pPr>
             <a:r>
-              <a:rPr lang="de-DE" dirty="0"/>
-              <a:t>Bei rechtsklick IF-Abfrage</a:t>
+              <a:rPr lang="de-DE" baseline="0" dirty="0" smtClean="0"/>
+              <a:t>X- Koordinate vom Array </a:t>
             </a:r>
           </a:p>
           <a:p>
@@ -890,9 +1017,38 @@
               <a:buAutoNum type="arabicPeriod"/>
             </a:pPr>
             <a:r>
-              <a:rPr lang="de-DE" dirty="0"/>
-              <a:t>Bei linksklick IF-Abfrage</a:t>
+              <a:rPr lang="de-DE" baseline="0" dirty="0" smtClean="0"/>
+              <a:t>Trennzeichen damit x und die y Koordinate wieder eindeutig abrufbar ist. ( Klick Event, welcher Botton hat im </a:t>
             </a:r>
+            <a:r>
+              <a:rPr lang="de-DE" baseline="0" dirty="0" err="1" smtClean="0"/>
+              <a:t>clickevent</a:t>
+            </a:r>
+            <a:r>
+              <a:rPr lang="de-DE" baseline="0" dirty="0" smtClean="0"/>
+              <a:t> ausgelöst, ums auslesen zu können wo wurde geklickt  </a:t>
+            </a:r>
+          </a:p>
+          <a:p>
+            <a:pPr marL="228600" indent="-228600">
+              <a:buAutoNum type="arabicPeriod"/>
+            </a:pPr>
+            <a:r>
+              <a:rPr lang="de-DE" baseline="0" dirty="0" smtClean="0"/>
+              <a:t>Y-Koordinate </a:t>
+            </a:r>
+          </a:p>
+          <a:p>
+            <a:pPr marL="228600" indent="-228600">
+              <a:buAutoNum type="arabicPeriod"/>
+            </a:pPr>
+            <a:endParaRPr lang="de-DE" baseline="0" dirty="0" smtClean="0"/>
+          </a:p>
+          <a:p>
+            <a:pPr marL="228600" indent="-228600">
+              <a:buAutoNum type="arabicPeriod"/>
+            </a:pPr>
+            <a:endParaRPr lang="de-DE" dirty="0"/>
           </a:p>
         </p:txBody>
       </p:sp>
@@ -903,7 +1059,7 @@
             <a:spLocks noGrp="1"/>
           </p:cNvSpPr>
           <p:nvPr>
-            <p:ph type="sldNum" sz="quarter" idx="5"/>
+            <p:ph type="sldNum" sz="quarter" idx="10"/>
           </p:nvPr>
         </p:nvSpPr>
         <p:spPr/>
@@ -913,7 +1069,7 @@
           <a:p>
             <a:fld id="{26A06B9A-17B0-4B04-8AC6-E23EA5A58D8C}" type="slidenum">
               <a:rPr lang="de-DE" smtClean="0"/>
-              <a:t>5</a:t>
+              <a:t>4</a:t>
             </a:fld>
             <a:endParaRPr lang="de-DE"/>
           </a:p>
@@ -922,7 +1078,7 @@
     </p:spTree>
     <p:extLst>
       <p:ext uri="{BB962C8B-B14F-4D97-AF65-F5344CB8AC3E}">
-        <p14:creationId xmlns:p14="http://schemas.microsoft.com/office/powerpoint/2010/main" val="1110518316"/>
+        <p14:creationId xmlns:p14="http://schemas.microsoft.com/office/powerpoint/2010/main" val="1761632592"/>
       </p:ext>
     </p:extLst>
   </p:cSld>
@@ -978,7 +1134,40 @@
           <a:p>
             <a:r>
               <a:rPr lang="de-DE" dirty="0"/>
-              <a:t>Wenn Klick eine Bombe erfasst</a:t>
+              <a:t>Bombenzahl: Über Spielmodi</a:t>
+            </a:r>
+          </a:p>
+          <a:p>
+            <a:r>
+              <a:rPr lang="de-DE" dirty="0"/>
+              <a:t>2 FOR-Schleifen und 1 IF-Abfrage</a:t>
+            </a:r>
+          </a:p>
+          <a:p>
+            <a:pPr marL="228600" indent="-228600">
+              <a:buAutoNum type="arabicPeriod"/>
+            </a:pPr>
+            <a:r>
+              <a:rPr lang="de-DE" dirty="0"/>
+              <a:t>Beschreiben der Positionen</a:t>
+            </a:r>
+          </a:p>
+          <a:p>
+            <a:pPr marL="228600" indent="-228600">
+              <a:buAutoNum type="arabicPeriod"/>
+            </a:pPr>
+            <a:r>
+              <a:rPr lang="de-DE" dirty="0"/>
+              <a:t>Nochmals durchsuchen</a:t>
+            </a:r>
+          </a:p>
+          <a:p>
+            <a:pPr marL="0" indent="0">
+              <a:buNone/>
+            </a:pPr>
+            <a:r>
+              <a:rPr lang="de-DE" dirty="0"/>
+              <a:t>Abfrage ob Doppelbelegung wenn ja erneutes Beschreiben</a:t>
             </a:r>
           </a:p>
         </p:txBody>
@@ -1000,7 +1189,7 @@
           <a:p>
             <a:fld id="{26A06B9A-17B0-4B04-8AC6-E23EA5A58D8C}" type="slidenum">
               <a:rPr lang="de-DE" smtClean="0"/>
-              <a:t>7</a:t>
+              <a:t>5</a:t>
             </a:fld>
             <a:endParaRPr lang="de-DE"/>
           </a:p>
@@ -1009,7 +1198,7 @@
     </p:spTree>
     <p:extLst>
       <p:ext uri="{BB962C8B-B14F-4D97-AF65-F5344CB8AC3E}">
-        <p14:creationId xmlns:p14="http://schemas.microsoft.com/office/powerpoint/2010/main" val="1454262692"/>
+        <p14:creationId xmlns:p14="http://schemas.microsoft.com/office/powerpoint/2010/main" val="1068958034"/>
       </p:ext>
     </p:extLst>
   </p:cSld>
@@ -1063,7 +1252,31 @@
           <a:bodyPr/>
           <a:lstStyle/>
           <a:p>
-            <a:endParaRPr lang="de-DE" dirty="0"/>
+            <a:pPr marL="228600" indent="-228600">
+              <a:buAutoNum type="arabicPeriod"/>
+            </a:pPr>
+            <a:r>
+              <a:rPr lang="de-DE" dirty="0"/>
+              <a:t>Begrenzen der Anzahl</a:t>
+            </a:r>
+          </a:p>
+          <a:p>
+            <a:pPr marL="228600" indent="-228600">
+              <a:buAutoNum type="arabicPeriod"/>
+            </a:pPr>
+            <a:r>
+              <a:rPr lang="de-DE" dirty="0"/>
+              <a:t>Bei rechtsklick IF-Abfrage</a:t>
+            </a:r>
+          </a:p>
+          <a:p>
+            <a:pPr marL="228600" indent="-228600">
+              <a:buAutoNum type="arabicPeriod"/>
+            </a:pPr>
+            <a:r>
+              <a:rPr lang="de-DE" dirty="0"/>
+              <a:t>Bei linksklick IF-Abfrage</a:t>
+            </a:r>
           </a:p>
         </p:txBody>
       </p:sp>
@@ -1084,7 +1297,7 @@
           <a:p>
             <a:fld id="{26A06B9A-17B0-4B04-8AC6-E23EA5A58D8C}" type="slidenum">
               <a:rPr lang="de-DE" smtClean="0"/>
-              <a:t>10</a:t>
+              <a:t>6</a:t>
             </a:fld>
             <a:endParaRPr lang="de-DE"/>
           </a:p>
@@ -1093,7 +1306,7 @@
     </p:spTree>
     <p:extLst>
       <p:ext uri="{BB962C8B-B14F-4D97-AF65-F5344CB8AC3E}">
-        <p14:creationId xmlns:p14="http://schemas.microsoft.com/office/powerpoint/2010/main" val="2419011255"/>
+        <p14:creationId xmlns:p14="http://schemas.microsoft.com/office/powerpoint/2010/main" val="1110518316"/>
       </p:ext>
     </p:extLst>
   </p:cSld>
@@ -1147,7 +1360,10 @@
           <a:bodyPr/>
           <a:lstStyle/>
           <a:p>
-            <a:endParaRPr lang="de-DE" dirty="0"/>
+            <a:r>
+              <a:rPr lang="de-DE" dirty="0"/>
+              <a:t>Wenn Klick eine Bombe erfasst</a:t>
+            </a:r>
           </a:p>
         </p:txBody>
       </p:sp>
@@ -1168,7 +1384,7 @@
           <a:p>
             <a:fld id="{26A06B9A-17B0-4B04-8AC6-E23EA5A58D8C}" type="slidenum">
               <a:rPr lang="de-DE" smtClean="0"/>
-              <a:t>12</a:t>
+              <a:t>8</a:t>
             </a:fld>
             <a:endParaRPr lang="de-DE"/>
           </a:p>
@@ -1177,7 +1393,213 @@
     </p:spTree>
     <p:extLst>
       <p:ext uri="{BB962C8B-B14F-4D97-AF65-F5344CB8AC3E}">
-        <p14:creationId xmlns:p14="http://schemas.microsoft.com/office/powerpoint/2010/main" val="2486665996"/>
+        <p14:creationId xmlns:p14="http://schemas.microsoft.com/office/powerpoint/2010/main" val="1454262692"/>
+      </p:ext>
+    </p:extLst>
+  </p:cSld>
+  <p:clrMapOvr>
+    <a:masterClrMapping/>
+  </p:clrMapOvr>
+</p:notes>
+</file>
+
+<file path=ppt/notesSlides/notesSlide8.xml><?xml version="1.0" encoding="utf-8"?>
+<p:notes xmlns:a="http://schemas.openxmlformats.org/drawingml/2006/main" xmlns:r="http://schemas.openxmlformats.org/officeDocument/2006/relationships" xmlns:p="http://schemas.openxmlformats.org/presentationml/2006/main">
+  <p:cSld>
+    <p:spTree>
+      <p:nvGrpSpPr>
+        <p:cNvPr id="1" name=""/>
+        <p:cNvGrpSpPr/>
+        <p:nvPr/>
+      </p:nvGrpSpPr>
+      <p:grpSpPr>
+        <a:xfrm>
+          <a:off x="0" y="0"/>
+          <a:ext cx="0" cy="0"/>
+          <a:chOff x="0" y="0"/>
+          <a:chExt cx="0" cy="0"/>
+        </a:xfrm>
+      </p:grpSpPr>
+      <p:sp>
+        <p:nvSpPr>
+          <p:cNvPr id="2" name="Folienbildplatzhalter 1"/>
+          <p:cNvSpPr>
+            <a:spLocks noGrp="1" noRot="1" noChangeAspect="1"/>
+          </p:cNvSpPr>
+          <p:nvPr>
+            <p:ph type="sldImg"/>
+          </p:nvPr>
+        </p:nvSpPr>
+        <p:spPr/>
+      </p:sp>
+      <p:sp>
+        <p:nvSpPr>
+          <p:cNvPr id="3" name="Notizenplatzhalter 2"/>
+          <p:cNvSpPr>
+            <a:spLocks noGrp="1"/>
+          </p:cNvSpPr>
+          <p:nvPr>
+            <p:ph type="body" idx="1"/>
+          </p:nvPr>
+        </p:nvSpPr>
+        <p:spPr/>
+        <p:txBody>
+          <a:bodyPr/>
+          <a:lstStyle/>
+          <a:p>
+            <a:r>
+              <a:rPr lang="de-DE" dirty="0" smtClean="0"/>
+              <a:t>Zusatzmenü</a:t>
+            </a:r>
+            <a:r>
+              <a:rPr lang="de-DE" baseline="0" dirty="0" smtClean="0"/>
+              <a:t> über normale Formanwendung erstellt. </a:t>
+            </a:r>
+          </a:p>
+          <a:p>
+            <a:r>
+              <a:rPr lang="de-DE" baseline="0" dirty="0" smtClean="0"/>
+              <a:t>Custom Begrenzt auf Profigröße 30x24 Felder wie original </a:t>
+            </a:r>
+          </a:p>
+          <a:p>
+            <a:r>
+              <a:rPr lang="de-DE" baseline="0" dirty="0" smtClean="0"/>
+              <a:t>Harte Begrenzung im </a:t>
+            </a:r>
+            <a:r>
+              <a:rPr lang="de-DE" baseline="0" dirty="0" err="1" smtClean="0"/>
+              <a:t>custom</a:t>
+            </a:r>
+            <a:r>
+              <a:rPr lang="de-DE" baseline="0" dirty="0" smtClean="0"/>
+              <a:t> </a:t>
+            </a:r>
+            <a:r>
+              <a:rPr lang="de-DE" baseline="0" dirty="0" err="1" smtClean="0"/>
+              <a:t>interface</a:t>
+            </a:r>
+            <a:r>
+              <a:rPr lang="de-DE" baseline="0" dirty="0" smtClean="0"/>
+              <a:t> </a:t>
+            </a:r>
+          </a:p>
+          <a:p>
+            <a:endParaRPr lang="de-DE" dirty="0"/>
+          </a:p>
+        </p:txBody>
+      </p:sp>
+      <p:sp>
+        <p:nvSpPr>
+          <p:cNvPr id="4" name="Foliennummernplatzhalter 3"/>
+          <p:cNvSpPr>
+            <a:spLocks noGrp="1"/>
+          </p:cNvSpPr>
+          <p:nvPr>
+            <p:ph type="sldNum" sz="quarter" idx="10"/>
+          </p:nvPr>
+        </p:nvSpPr>
+        <p:spPr/>
+        <p:txBody>
+          <a:bodyPr/>
+          <a:lstStyle/>
+          <a:p>
+            <a:fld id="{26A06B9A-17B0-4B04-8AC6-E23EA5A58D8C}" type="slidenum">
+              <a:rPr lang="de-DE" smtClean="0"/>
+              <a:t>10</a:t>
+            </a:fld>
+            <a:endParaRPr lang="de-DE"/>
+          </a:p>
+        </p:txBody>
+      </p:sp>
+    </p:spTree>
+    <p:extLst>
+      <p:ext uri="{BB962C8B-B14F-4D97-AF65-F5344CB8AC3E}">
+        <p14:creationId xmlns:p14="http://schemas.microsoft.com/office/powerpoint/2010/main" val="989089491"/>
+      </p:ext>
+    </p:extLst>
+  </p:cSld>
+  <p:clrMapOvr>
+    <a:masterClrMapping/>
+  </p:clrMapOvr>
+</p:notes>
+</file>
+
+<file path=ppt/notesSlides/notesSlide9.xml><?xml version="1.0" encoding="utf-8"?>
+<p:notes xmlns:a="http://schemas.openxmlformats.org/drawingml/2006/main" xmlns:r="http://schemas.openxmlformats.org/officeDocument/2006/relationships" xmlns:p="http://schemas.openxmlformats.org/presentationml/2006/main">
+  <p:cSld>
+    <p:spTree>
+      <p:nvGrpSpPr>
+        <p:cNvPr id="1" name=""/>
+        <p:cNvGrpSpPr/>
+        <p:nvPr/>
+      </p:nvGrpSpPr>
+      <p:grpSpPr>
+        <a:xfrm>
+          <a:off x="0" y="0"/>
+          <a:ext cx="0" cy="0"/>
+          <a:chOff x="0" y="0"/>
+          <a:chExt cx="0" cy="0"/>
+        </a:xfrm>
+      </p:grpSpPr>
+      <p:sp>
+        <p:nvSpPr>
+          <p:cNvPr id="2" name="Folienbildplatzhalter 1"/>
+          <p:cNvSpPr>
+            <a:spLocks noGrp="1" noRot="1" noChangeAspect="1"/>
+          </p:cNvSpPr>
+          <p:nvPr>
+            <p:ph type="sldImg"/>
+          </p:nvPr>
+        </p:nvSpPr>
+        <p:spPr/>
+      </p:sp>
+      <p:sp>
+        <p:nvSpPr>
+          <p:cNvPr id="3" name="Notizenplatzhalter 2"/>
+          <p:cNvSpPr>
+            <a:spLocks noGrp="1"/>
+          </p:cNvSpPr>
+          <p:nvPr>
+            <p:ph type="body" idx="1"/>
+          </p:nvPr>
+        </p:nvSpPr>
+        <p:spPr/>
+        <p:txBody>
+          <a:bodyPr/>
+          <a:lstStyle/>
+          <a:p>
+            <a:endParaRPr lang="de-DE" dirty="0"/>
+          </a:p>
+        </p:txBody>
+      </p:sp>
+      <p:sp>
+        <p:nvSpPr>
+          <p:cNvPr id="4" name="Foliennummernplatzhalter 3"/>
+          <p:cNvSpPr>
+            <a:spLocks noGrp="1"/>
+          </p:cNvSpPr>
+          <p:nvPr>
+            <p:ph type="sldNum" sz="quarter" idx="5"/>
+          </p:nvPr>
+        </p:nvSpPr>
+        <p:spPr/>
+        <p:txBody>
+          <a:bodyPr/>
+          <a:lstStyle/>
+          <a:p>
+            <a:fld id="{26A06B9A-17B0-4B04-8AC6-E23EA5A58D8C}" type="slidenum">
+              <a:rPr lang="de-DE" smtClean="0"/>
+              <a:t>11</a:t>
+            </a:fld>
+            <a:endParaRPr lang="de-DE"/>
+          </a:p>
+        </p:txBody>
+      </p:sp>
+    </p:spTree>
+    <p:extLst>
+      <p:ext uri="{BB962C8B-B14F-4D97-AF65-F5344CB8AC3E}">
+        <p14:creationId xmlns:p14="http://schemas.microsoft.com/office/powerpoint/2010/main" val="2419011255"/>
       </p:ext>
     </p:extLst>
   </p:cSld>
@@ -1244,7 +1666,7 @@
           <a:noFill/>
           <a:extLst>
             <a:ext uri="{909E8E84-426E-40dd-AFC4-6F175D3DCCD1}">
-              <a14:hiddenFill xmlns="" xmlns:a14="http://schemas.microsoft.com/office/drawing/2010/main">
+              <a14:hiddenFill xmlns:a14="http://schemas.microsoft.com/office/drawing/2010/main" xmlns="">
                 <a:solidFill>
                   <a:srgbClr val="FFFFFF"/>
                 </a:solidFill>
@@ -1303,7 +1725,7 @@
             </a:ln>
             <a:extLst>
               <a:ext uri="{91240B29-F687-4f45-9708-019B960494DF}">
-                <a14:hiddenLine xmlns="" xmlns:a14="http://schemas.microsoft.com/office/drawing/2010/main" w="9525">
+                <a14:hiddenLine xmlns:a14="http://schemas.microsoft.com/office/drawing/2010/main" xmlns="" w="9525">
                   <a:solidFill>
                     <a:srgbClr val="000000"/>
                   </a:solidFill>
@@ -1393,7 +1815,7 @@
             </a:ln>
             <a:extLst>
               <a:ext uri="{91240B29-F687-4f45-9708-019B960494DF}">
-                <a14:hiddenLine xmlns="" xmlns:a14="http://schemas.microsoft.com/office/drawing/2010/main" w="9525">
+                <a14:hiddenLine xmlns:a14="http://schemas.microsoft.com/office/drawing/2010/main" xmlns="" w="9525">
                   <a:solidFill>
                     <a:srgbClr val="000000"/>
                   </a:solidFill>
@@ -1483,7 +1905,7 @@
             </a:ln>
             <a:extLst>
               <a:ext uri="{91240B29-F687-4f45-9708-019B960494DF}">
-                <a14:hiddenLine xmlns="" xmlns:a14="http://schemas.microsoft.com/office/drawing/2010/main" w="9525">
+                <a14:hiddenLine xmlns:a14="http://schemas.microsoft.com/office/drawing/2010/main" xmlns="" w="9525">
                   <a:solidFill>
                     <a:srgbClr val="000000"/>
                   </a:solidFill>
@@ -1517,7 +1939,7 @@
             </a:ln>
             <a:extLst>
               <a:ext uri="{91240B29-F687-4f45-9708-019B960494DF}">
-                <a14:hiddenLine xmlns="" xmlns:a14="http://schemas.microsoft.com/office/drawing/2010/main" w="9525">
+                <a14:hiddenLine xmlns:a14="http://schemas.microsoft.com/office/drawing/2010/main" xmlns="" w="9525">
                   <a:solidFill>
                     <a:srgbClr val="000000"/>
                   </a:solidFill>
@@ -1607,7 +2029,7 @@
             </a:ln>
             <a:extLst>
               <a:ext uri="{91240B29-F687-4f45-9708-019B960494DF}">
-                <a14:hiddenLine xmlns="" xmlns:a14="http://schemas.microsoft.com/office/drawing/2010/main" w="9525">
+                <a14:hiddenLine xmlns:a14="http://schemas.microsoft.com/office/drawing/2010/main" xmlns="" w="9525">
                   <a:solidFill>
                     <a:srgbClr val="000000"/>
                   </a:solidFill>
@@ -1669,7 +2091,7 @@
             </a:ln>
             <a:extLst>
               <a:ext uri="{91240B29-F687-4f45-9708-019B960494DF}">
-                <a14:hiddenLine xmlns="" xmlns:a14="http://schemas.microsoft.com/office/drawing/2010/main" w="9525">
+                <a14:hiddenLine xmlns:a14="http://schemas.microsoft.com/office/drawing/2010/main" xmlns="" w="9525">
                   <a:solidFill>
                     <a:srgbClr val="000000"/>
                   </a:solidFill>
@@ -1731,7 +2153,7 @@
             </a:ln>
             <a:extLst>
               <a:ext uri="{91240B29-F687-4f45-9708-019B960494DF}">
-                <a14:hiddenLine xmlns="" xmlns:a14="http://schemas.microsoft.com/office/drawing/2010/main" w="9525">
+                <a14:hiddenLine xmlns:a14="http://schemas.microsoft.com/office/drawing/2010/main" xmlns="" w="9525">
                   <a:solidFill>
                     <a:srgbClr val="000000"/>
                   </a:solidFill>
@@ -1821,7 +2243,7 @@
             </a:ln>
             <a:extLst>
               <a:ext uri="{91240B29-F687-4f45-9708-019B960494DF}">
-                <a14:hiddenLine xmlns="" xmlns:a14="http://schemas.microsoft.com/office/drawing/2010/main" w="9525">
+                <a14:hiddenLine xmlns:a14="http://schemas.microsoft.com/office/drawing/2010/main" xmlns="" w="9525">
                   <a:solidFill>
                     <a:srgbClr val="000000"/>
                   </a:solidFill>
@@ -1883,7 +2305,7 @@
             </a:ln>
             <a:extLst>
               <a:ext uri="{91240B29-F687-4f45-9708-019B960494DF}">
-                <a14:hiddenLine xmlns="" xmlns:a14="http://schemas.microsoft.com/office/drawing/2010/main" w="9525">
+                <a14:hiddenLine xmlns:a14="http://schemas.microsoft.com/office/drawing/2010/main" xmlns="" w="9525">
                   <a:solidFill>
                     <a:srgbClr val="000000"/>
                   </a:solidFill>
@@ -1945,7 +2367,7 @@
             </a:ln>
             <a:extLst>
               <a:ext uri="{91240B29-F687-4f45-9708-019B960494DF}">
-                <a14:hiddenLine xmlns="" xmlns:a14="http://schemas.microsoft.com/office/drawing/2010/main" w="9525">
+                <a14:hiddenLine xmlns:a14="http://schemas.microsoft.com/office/drawing/2010/main" xmlns="" w="9525">
                   <a:solidFill>
                     <a:srgbClr val="000000"/>
                   </a:solidFill>
@@ -2035,7 +2457,7 @@
             </a:ln>
             <a:extLst>
               <a:ext uri="{91240B29-F687-4f45-9708-019B960494DF}">
-                <a14:hiddenLine xmlns="" xmlns:a14="http://schemas.microsoft.com/office/drawing/2010/main" w="9525">
+                <a14:hiddenLine xmlns:a14="http://schemas.microsoft.com/office/drawing/2010/main" xmlns="" w="9525">
                   <a:solidFill>
                     <a:srgbClr val="000000"/>
                   </a:solidFill>
@@ -2125,7 +2547,7 @@
             </a:ln>
             <a:extLst>
               <a:ext uri="{91240B29-F687-4f45-9708-019B960494DF}">
-                <a14:hiddenLine xmlns="" xmlns:a14="http://schemas.microsoft.com/office/drawing/2010/main" w="9525">
+                <a14:hiddenLine xmlns:a14="http://schemas.microsoft.com/office/drawing/2010/main" xmlns="" w="9525">
                   <a:solidFill>
                     <a:srgbClr val="000000"/>
                   </a:solidFill>
@@ -2187,7 +2609,7 @@
             </a:ln>
             <a:extLst>
               <a:ext uri="{91240B29-F687-4f45-9708-019B960494DF}">
-                <a14:hiddenLine xmlns="" xmlns:a14="http://schemas.microsoft.com/office/drawing/2010/main" w="9525">
+                <a14:hiddenLine xmlns:a14="http://schemas.microsoft.com/office/drawing/2010/main" xmlns="" w="9525">
                   <a:solidFill>
                     <a:srgbClr val="000000"/>
                   </a:solidFill>
@@ -2297,7 +2719,7 @@
             </a:ln>
             <a:extLst>
               <a:ext uri="{91240B29-F687-4f45-9708-019B960494DF}">
-                <a14:hiddenLine xmlns="" xmlns:a14="http://schemas.microsoft.com/office/drawing/2010/main" w="9525">
+                <a14:hiddenLine xmlns:a14="http://schemas.microsoft.com/office/drawing/2010/main" xmlns="" w="9525">
                   <a:solidFill>
                     <a:srgbClr val="000000"/>
                   </a:solidFill>
@@ -2359,7 +2781,7 @@
             </a:ln>
             <a:extLst>
               <a:ext uri="{91240B29-F687-4f45-9708-019B960494DF}">
-                <a14:hiddenLine xmlns="" xmlns:a14="http://schemas.microsoft.com/office/drawing/2010/main" w="9525">
+                <a14:hiddenLine xmlns:a14="http://schemas.microsoft.com/office/drawing/2010/main" xmlns="" w="9525">
                   <a:solidFill>
                     <a:srgbClr val="000000"/>
                   </a:solidFill>
@@ -2449,7 +2871,7 @@
             </a:ln>
             <a:extLst>
               <a:ext uri="{91240B29-F687-4f45-9708-019B960494DF}">
-                <a14:hiddenLine xmlns="" xmlns:a14="http://schemas.microsoft.com/office/drawing/2010/main" w="9525">
+                <a14:hiddenLine xmlns:a14="http://schemas.microsoft.com/office/drawing/2010/main" xmlns="" w="9525">
                   <a:solidFill>
                     <a:srgbClr val="000000"/>
                   </a:solidFill>
@@ -2539,7 +2961,7 @@
             </a:ln>
             <a:extLst>
               <a:ext uri="{91240B29-F687-4f45-9708-019B960494DF}">
-                <a14:hiddenLine xmlns="" xmlns:a14="http://schemas.microsoft.com/office/drawing/2010/main" w="9525">
+                <a14:hiddenLine xmlns:a14="http://schemas.microsoft.com/office/drawing/2010/main" xmlns="" w="9525">
                   <a:solidFill>
                     <a:srgbClr val="000000"/>
                   </a:solidFill>
@@ -2601,7 +3023,7 @@
             </a:ln>
             <a:extLst>
               <a:ext uri="{91240B29-F687-4f45-9708-019B960494DF}">
-                <a14:hiddenLine xmlns="" xmlns:a14="http://schemas.microsoft.com/office/drawing/2010/main" w="9525">
+                <a14:hiddenLine xmlns:a14="http://schemas.microsoft.com/office/drawing/2010/main" xmlns="" w="9525">
                   <a:solidFill>
                     <a:srgbClr val="000000"/>
                   </a:solidFill>
@@ -2691,7 +3113,7 @@
             </a:ln>
             <a:extLst>
               <a:ext uri="{91240B29-F687-4f45-9708-019B960494DF}">
-                <a14:hiddenLine xmlns="" xmlns:a14="http://schemas.microsoft.com/office/drawing/2010/main" w="9525">
+                <a14:hiddenLine xmlns:a14="http://schemas.microsoft.com/office/drawing/2010/main" xmlns="" w="9525">
                   <a:solidFill>
                     <a:srgbClr val="000000"/>
                   </a:solidFill>
@@ -2781,7 +3203,7 @@
             </a:ln>
             <a:extLst>
               <a:ext uri="{91240B29-F687-4f45-9708-019B960494DF}">
-                <a14:hiddenLine xmlns="" xmlns:a14="http://schemas.microsoft.com/office/drawing/2010/main" w="9525">
+                <a14:hiddenLine xmlns:a14="http://schemas.microsoft.com/office/drawing/2010/main" xmlns="" w="9525">
                   <a:solidFill>
                     <a:srgbClr val="000000"/>
                   </a:solidFill>
@@ -2837,7 +3259,7 @@
             </a:ln>
             <a:extLst>
               <a:ext uri="{91240B29-F687-4f45-9708-019B960494DF}">
-                <a14:hiddenLine xmlns="" xmlns:a14="http://schemas.microsoft.com/office/drawing/2010/main" w="9525">
+                <a14:hiddenLine xmlns:a14="http://schemas.microsoft.com/office/drawing/2010/main" xmlns="" w="9525">
                   <a:solidFill>
                     <a:srgbClr val="000000"/>
                   </a:solidFill>
@@ -2927,7 +3349,7 @@
             </a:ln>
             <a:extLst>
               <a:ext uri="{91240B29-F687-4f45-9708-019B960494DF}">
-                <a14:hiddenLine xmlns="" xmlns:a14="http://schemas.microsoft.com/office/drawing/2010/main" w="9525">
+                <a14:hiddenLine xmlns:a14="http://schemas.microsoft.com/office/drawing/2010/main" xmlns="" w="9525">
                   <a:solidFill>
                     <a:srgbClr val="000000"/>
                   </a:solidFill>
@@ -2983,7 +3405,7 @@
             </a:ln>
             <a:extLst>
               <a:ext uri="{91240B29-F687-4f45-9708-019B960494DF}">
-                <a14:hiddenLine xmlns="" xmlns:a14="http://schemas.microsoft.com/office/drawing/2010/main" w="9525">
+                <a14:hiddenLine xmlns:a14="http://schemas.microsoft.com/office/drawing/2010/main" xmlns="" w="9525">
                   <a:solidFill>
                     <a:srgbClr val="000000"/>
                   </a:solidFill>
@@ -3073,7 +3495,7 @@
             </a:ln>
             <a:extLst>
               <a:ext uri="{91240B29-F687-4f45-9708-019B960494DF}">
-                <a14:hiddenLine xmlns="" xmlns:a14="http://schemas.microsoft.com/office/drawing/2010/main" w="9525">
+                <a14:hiddenLine xmlns:a14="http://schemas.microsoft.com/office/drawing/2010/main" xmlns="" w="9525">
                   <a:solidFill>
                     <a:srgbClr val="000000"/>
                   </a:solidFill>
@@ -3141,7 +3563,7 @@
             </a:ln>
             <a:extLst>
               <a:ext uri="{91240B29-F687-4f45-9708-019B960494DF}">
-                <a14:hiddenLine xmlns="" xmlns:a14="http://schemas.microsoft.com/office/drawing/2010/main" w="9525">
+                <a14:hiddenLine xmlns:a14="http://schemas.microsoft.com/office/drawing/2010/main" xmlns="" w="9525">
                   <a:solidFill>
                     <a:srgbClr val="000000"/>
                   </a:solidFill>
@@ -3231,7 +3653,7 @@
             </a:ln>
             <a:extLst>
               <a:ext uri="{91240B29-F687-4f45-9708-019B960494DF}">
-                <a14:hiddenLine xmlns="" xmlns:a14="http://schemas.microsoft.com/office/drawing/2010/main" w="9525">
+                <a14:hiddenLine xmlns:a14="http://schemas.microsoft.com/office/drawing/2010/main" xmlns="" w="9525">
                   <a:solidFill>
                     <a:srgbClr val="000000"/>
                   </a:solidFill>
@@ -3299,7 +3721,7 @@
             </a:ln>
             <a:extLst>
               <a:ext uri="{91240B29-F687-4f45-9708-019B960494DF}">
-                <a14:hiddenLine xmlns="" xmlns:a14="http://schemas.microsoft.com/office/drawing/2010/main" w="9525">
+                <a14:hiddenLine xmlns:a14="http://schemas.microsoft.com/office/drawing/2010/main" xmlns="" w="9525">
                   <a:solidFill>
                     <a:srgbClr val="000000"/>
                   </a:solidFill>
@@ -3389,7 +3811,7 @@
             </a:ln>
             <a:extLst>
               <a:ext uri="{91240B29-F687-4f45-9708-019B960494DF}">
-                <a14:hiddenLine xmlns="" xmlns:a14="http://schemas.microsoft.com/office/drawing/2010/main" w="9525">
+                <a14:hiddenLine xmlns:a14="http://schemas.microsoft.com/office/drawing/2010/main" xmlns="" w="9525">
                   <a:solidFill>
                     <a:srgbClr val="000000"/>
                   </a:solidFill>
@@ -3423,7 +3845,7 @@
             </a:ln>
             <a:extLst>
               <a:ext uri="{91240B29-F687-4f45-9708-019B960494DF}">
-                <a14:hiddenLine xmlns="" xmlns:a14="http://schemas.microsoft.com/office/drawing/2010/main" w="9525">
+                <a14:hiddenLine xmlns:a14="http://schemas.microsoft.com/office/drawing/2010/main" xmlns="" w="9525">
                   <a:solidFill>
                     <a:srgbClr val="000000"/>
                   </a:solidFill>
@@ -3513,7 +3935,7 @@
             </a:ln>
             <a:extLst>
               <a:ext uri="{91240B29-F687-4f45-9708-019B960494DF}">
-                <a14:hiddenLine xmlns="" xmlns:a14="http://schemas.microsoft.com/office/drawing/2010/main" w="9525">
+                <a14:hiddenLine xmlns:a14="http://schemas.microsoft.com/office/drawing/2010/main" xmlns="" w="9525">
                   <a:solidFill>
                     <a:srgbClr val="000000"/>
                   </a:solidFill>
@@ -3575,7 +3997,7 @@
             </a:ln>
             <a:extLst>
               <a:ext uri="{91240B29-F687-4f45-9708-019B960494DF}">
-                <a14:hiddenLine xmlns="" xmlns:a14="http://schemas.microsoft.com/office/drawing/2010/main" w="9525">
+                <a14:hiddenLine xmlns:a14="http://schemas.microsoft.com/office/drawing/2010/main" xmlns="" w="9525">
                   <a:solidFill>
                     <a:srgbClr val="000000"/>
                   </a:solidFill>
@@ -3637,7 +4059,7 @@
             </a:ln>
             <a:extLst>
               <a:ext uri="{91240B29-F687-4f45-9708-019B960494DF}">
-                <a14:hiddenLine xmlns="" xmlns:a14="http://schemas.microsoft.com/office/drawing/2010/main" w="9525">
+                <a14:hiddenLine xmlns:a14="http://schemas.microsoft.com/office/drawing/2010/main" xmlns="" w="9525">
                   <a:solidFill>
                     <a:srgbClr val="000000"/>
                   </a:solidFill>
@@ -3727,7 +4149,7 @@
             </a:ln>
             <a:extLst>
               <a:ext uri="{91240B29-F687-4f45-9708-019B960494DF}">
-                <a14:hiddenLine xmlns="" xmlns:a14="http://schemas.microsoft.com/office/drawing/2010/main" w="9525">
+                <a14:hiddenLine xmlns:a14="http://schemas.microsoft.com/office/drawing/2010/main" xmlns="" w="9525">
                   <a:solidFill>
                     <a:srgbClr val="000000"/>
                   </a:solidFill>
@@ -3795,7 +4217,7 @@
             </a:ln>
             <a:extLst>
               <a:ext uri="{91240B29-F687-4f45-9708-019B960494DF}">
-                <a14:hiddenLine xmlns="" xmlns:a14="http://schemas.microsoft.com/office/drawing/2010/main" w="9525">
+                <a14:hiddenLine xmlns:a14="http://schemas.microsoft.com/office/drawing/2010/main" xmlns="" w="9525">
                   <a:solidFill>
                     <a:srgbClr val="000000"/>
                   </a:solidFill>
@@ -3857,7 +4279,7 @@
             </a:ln>
             <a:extLst>
               <a:ext uri="{91240B29-F687-4f45-9708-019B960494DF}">
-                <a14:hiddenLine xmlns="" xmlns:a14="http://schemas.microsoft.com/office/drawing/2010/main" w="9525">
+                <a14:hiddenLine xmlns:a14="http://schemas.microsoft.com/office/drawing/2010/main" xmlns="" w="9525">
                   <a:solidFill>
                     <a:srgbClr val="000000"/>
                   </a:solidFill>
@@ -3947,7 +4369,7 @@
             </a:ln>
             <a:extLst>
               <a:ext uri="{91240B29-F687-4f45-9708-019B960494DF}">
-                <a14:hiddenLine xmlns="" xmlns:a14="http://schemas.microsoft.com/office/drawing/2010/main" w="9525">
+                <a14:hiddenLine xmlns:a14="http://schemas.microsoft.com/office/drawing/2010/main" xmlns="" w="9525">
                   <a:solidFill>
                     <a:srgbClr val="000000"/>
                   </a:solidFill>
@@ -4009,7 +4431,7 @@
             </a:ln>
             <a:extLst>
               <a:ext uri="{91240B29-F687-4f45-9708-019B960494DF}">
-                <a14:hiddenLine xmlns="" xmlns:a14="http://schemas.microsoft.com/office/drawing/2010/main" w="9525">
+                <a14:hiddenLine xmlns:a14="http://schemas.microsoft.com/office/drawing/2010/main" xmlns="" w="9525">
                   <a:solidFill>
                     <a:srgbClr val="000000"/>
                   </a:solidFill>
@@ -4099,7 +4521,7 @@
             </a:ln>
             <a:extLst>
               <a:ext uri="{91240B29-F687-4f45-9708-019B960494DF}">
-                <a14:hiddenLine xmlns="" xmlns:a14="http://schemas.microsoft.com/office/drawing/2010/main" w="9525">
+                <a14:hiddenLine xmlns:a14="http://schemas.microsoft.com/office/drawing/2010/main" xmlns="" w="9525">
                   <a:solidFill>
                     <a:srgbClr val="000000"/>
                   </a:solidFill>
@@ -4161,7 +4583,7 @@
             </a:ln>
             <a:extLst>
               <a:ext uri="{91240B29-F687-4f45-9708-019B960494DF}">
-                <a14:hiddenLine xmlns="" xmlns:a14="http://schemas.microsoft.com/office/drawing/2010/main" w="9525">
+                <a14:hiddenLine xmlns:a14="http://schemas.microsoft.com/office/drawing/2010/main" xmlns="" w="9525">
                   <a:solidFill>
                     <a:srgbClr val="000000"/>
                   </a:solidFill>
@@ -4251,7 +4673,7 @@
             </a:ln>
             <a:extLst>
               <a:ext uri="{91240B29-F687-4f45-9708-019B960494DF}">
-                <a14:hiddenLine xmlns="" xmlns:a14="http://schemas.microsoft.com/office/drawing/2010/main" w="9525">
+                <a14:hiddenLine xmlns:a14="http://schemas.microsoft.com/office/drawing/2010/main" xmlns="" w="9525">
                   <a:solidFill>
                     <a:srgbClr val="000000"/>
                   </a:solidFill>
@@ -4285,7 +4707,7 @@
             </a:ln>
             <a:extLst>
               <a:ext uri="{91240B29-F687-4f45-9708-019B960494DF}">
-                <a14:hiddenLine xmlns="" xmlns:a14="http://schemas.microsoft.com/office/drawing/2010/main" w="9525">
+                <a14:hiddenLine xmlns:a14="http://schemas.microsoft.com/office/drawing/2010/main" xmlns="" w="9525">
                   <a:solidFill>
                     <a:srgbClr val="000000"/>
                   </a:solidFill>
@@ -4350,7 +4772,7 @@
             </a:ln>
             <a:extLst>
               <a:ext uri="{91240B29-F687-4f45-9708-019B960494DF}">
-                <a14:hiddenLine xmlns="" xmlns:a14="http://schemas.microsoft.com/office/drawing/2010/main" w="9525">
+                <a14:hiddenLine xmlns:a14="http://schemas.microsoft.com/office/drawing/2010/main" xmlns="" w="9525">
                   <a:solidFill>
                     <a:srgbClr val="000000"/>
                   </a:solidFill>
@@ -4440,7 +4862,7 @@
             </a:ln>
             <a:extLst>
               <a:ext uri="{91240B29-F687-4f45-9708-019B960494DF}">
-                <a14:hiddenLine xmlns="" xmlns:a14="http://schemas.microsoft.com/office/drawing/2010/main" w="9525">
+                <a14:hiddenLine xmlns:a14="http://schemas.microsoft.com/office/drawing/2010/main" xmlns="" w="9525">
                   <a:solidFill>
                     <a:srgbClr val="000000"/>
                   </a:solidFill>
@@ -4502,7 +4924,7 @@
             </a:ln>
             <a:extLst>
               <a:ext uri="{91240B29-F687-4f45-9708-019B960494DF}">
-                <a14:hiddenLine xmlns="" xmlns:a14="http://schemas.microsoft.com/office/drawing/2010/main" w="9525">
+                <a14:hiddenLine xmlns:a14="http://schemas.microsoft.com/office/drawing/2010/main" xmlns="" w="9525">
                   <a:solidFill>
                     <a:srgbClr val="000000"/>
                   </a:solidFill>
@@ -4592,7 +5014,7 @@
             </a:ln>
             <a:extLst>
               <a:ext uri="{91240B29-F687-4f45-9708-019B960494DF}">
-                <a14:hiddenLine xmlns="" xmlns:a14="http://schemas.microsoft.com/office/drawing/2010/main" w="9525">
+                <a14:hiddenLine xmlns:a14="http://schemas.microsoft.com/office/drawing/2010/main" xmlns="" w="9525">
                   <a:solidFill>
                     <a:srgbClr val="000000"/>
                   </a:solidFill>
@@ -4682,7 +5104,7 @@
             </a:ln>
             <a:extLst>
               <a:ext uri="{91240B29-F687-4f45-9708-019B960494DF}">
-                <a14:hiddenLine xmlns="" xmlns:a14="http://schemas.microsoft.com/office/drawing/2010/main" w="9525">
+                <a14:hiddenLine xmlns:a14="http://schemas.microsoft.com/office/drawing/2010/main" xmlns="" w="9525">
                   <a:solidFill>
                     <a:srgbClr val="000000"/>
                   </a:solidFill>
@@ -4747,7 +5169,7 @@
             </a:ln>
             <a:extLst>
               <a:ext uri="{91240B29-F687-4f45-9708-019B960494DF}">
-                <a14:hiddenLine xmlns="" xmlns:a14="http://schemas.microsoft.com/office/drawing/2010/main" w="9525">
+                <a14:hiddenLine xmlns:a14="http://schemas.microsoft.com/office/drawing/2010/main" xmlns="" w="9525">
                   <a:solidFill>
                     <a:srgbClr val="000000"/>
                   </a:solidFill>
@@ -4809,7 +5231,7 @@
             </a:ln>
             <a:extLst>
               <a:ext uri="{91240B29-F687-4f45-9708-019B960494DF}">
-                <a14:hiddenLine xmlns="" xmlns:a14="http://schemas.microsoft.com/office/drawing/2010/main" w="9525">
+                <a14:hiddenLine xmlns:a14="http://schemas.microsoft.com/office/drawing/2010/main" xmlns="" w="9525">
                   <a:solidFill>
                     <a:srgbClr val="000000"/>
                   </a:solidFill>
@@ -4899,7 +5321,7 @@
             </a:ln>
             <a:extLst>
               <a:ext uri="{91240B29-F687-4f45-9708-019B960494DF}">
-                <a14:hiddenLine xmlns="" xmlns:a14="http://schemas.microsoft.com/office/drawing/2010/main" w="9525">
+                <a14:hiddenLine xmlns:a14="http://schemas.microsoft.com/office/drawing/2010/main" xmlns="" w="9525">
                   <a:solidFill>
                     <a:srgbClr val="000000"/>
                   </a:solidFill>
@@ -4989,7 +5411,7 @@
             </a:ln>
             <a:extLst>
               <a:ext uri="{91240B29-F687-4f45-9708-019B960494DF}">
-                <a14:hiddenLine xmlns="" xmlns:a14="http://schemas.microsoft.com/office/drawing/2010/main" w="9525">
+                <a14:hiddenLine xmlns:a14="http://schemas.microsoft.com/office/drawing/2010/main" xmlns="" w="9525">
                   <a:solidFill>
                     <a:srgbClr val="000000"/>
                   </a:solidFill>
@@ -5051,7 +5473,7 @@
             </a:ln>
             <a:extLst>
               <a:ext uri="{91240B29-F687-4f45-9708-019B960494DF}">
-                <a14:hiddenLine xmlns="" xmlns:a14="http://schemas.microsoft.com/office/drawing/2010/main" w="9525">
+                <a14:hiddenLine xmlns:a14="http://schemas.microsoft.com/office/drawing/2010/main" xmlns="" w="9525">
                   <a:solidFill>
                     <a:srgbClr val="000000"/>
                   </a:solidFill>
@@ -5171,7 +5593,7 @@
             </a:ln>
             <a:extLst>
               <a:ext uri="{91240B29-F687-4f45-9708-019B960494DF}">
-                <a14:hiddenLine xmlns="" xmlns:a14="http://schemas.microsoft.com/office/drawing/2010/main" w="9525">
+                <a14:hiddenLine xmlns:a14="http://schemas.microsoft.com/office/drawing/2010/main" xmlns="" w="9525">
                   <a:solidFill>
                     <a:srgbClr val="000000"/>
                   </a:solidFill>
@@ -5239,7 +5661,7 @@
             </a:ln>
             <a:extLst>
               <a:ext uri="{91240B29-F687-4f45-9708-019B960494DF}">
-                <a14:hiddenLine xmlns="" xmlns:a14="http://schemas.microsoft.com/office/drawing/2010/main" w="9525">
+                <a14:hiddenLine xmlns:a14="http://schemas.microsoft.com/office/drawing/2010/main" xmlns="" w="9525">
                   <a:solidFill>
                     <a:srgbClr val="000000"/>
                   </a:solidFill>
@@ -5329,7 +5751,7 @@
             </a:ln>
             <a:extLst>
               <a:ext uri="{91240B29-F687-4f45-9708-019B960494DF}">
-                <a14:hiddenLine xmlns="" xmlns:a14="http://schemas.microsoft.com/office/drawing/2010/main" w="9525">
+                <a14:hiddenLine xmlns:a14="http://schemas.microsoft.com/office/drawing/2010/main" xmlns="" w="9525">
                   <a:solidFill>
                     <a:srgbClr val="000000"/>
                   </a:solidFill>
@@ -5469,7 +5891,7 @@
           <a:p>
             <a:fld id="{48A87A34-81AB-432B-8DAE-1953F412C126}" type="datetimeFigureOut">
               <a:rPr lang="en-US" dirty="0"/>
-              <a:t>11/9/2019</a:t>
+              <a:t>11/11/2019</a:t>
             </a:fld>
             <a:endParaRPr lang="en-US" dirty="0"/>
           </a:p>
@@ -5731,7 +6153,7 @@
           <a:p>
             <a:fld id="{48A87A34-81AB-432B-8DAE-1953F412C126}" type="datetimeFigureOut">
               <a:rPr lang="en-US" dirty="0"/>
-              <a:t>11/9/2019</a:t>
+              <a:t>11/11/2019</a:t>
             </a:fld>
             <a:endParaRPr lang="en-US" dirty="0"/>
           </a:p>
@@ -5922,7 +6344,7 @@
           <a:p>
             <a:fld id="{48A87A34-81AB-432B-8DAE-1953F412C126}" type="datetimeFigureOut">
               <a:rPr lang="en-US" dirty="0"/>
-              <a:t>11/9/2019</a:t>
+              <a:t>11/11/2019</a:t>
             </a:fld>
             <a:endParaRPr lang="en-US" dirty="0"/>
           </a:p>
@@ -6180,7 +6602,7 @@
           <a:p>
             <a:fld id="{48A87A34-81AB-432B-8DAE-1953F412C126}" type="datetimeFigureOut">
               <a:rPr lang="en-US" dirty="0"/>
-              <a:t>11/9/2019</a:t>
+              <a:t>11/11/2019</a:t>
             </a:fld>
             <a:endParaRPr lang="en-US" dirty="0"/>
           </a:p>
@@ -6609,7 +7031,7 @@
           <a:p>
             <a:fld id="{48A87A34-81AB-432B-8DAE-1953F412C126}" type="datetimeFigureOut">
               <a:rPr lang="en-US" dirty="0"/>
-              <a:t>11/9/2019</a:t>
+              <a:t>11/11/2019</a:t>
             </a:fld>
             <a:endParaRPr lang="en-US" dirty="0"/>
           </a:p>
@@ -7150,7 +7572,7 @@
           <a:p>
             <a:fld id="{48A87A34-81AB-432B-8DAE-1953F412C126}" type="datetimeFigureOut">
               <a:rPr lang="en-US" dirty="0"/>
-              <a:t>11/9/2019</a:t>
+              <a:t>11/11/2019</a:t>
             </a:fld>
             <a:endParaRPr lang="en-US" dirty="0"/>
           </a:p>
@@ -7865,7 +8287,7 @@
           <a:p>
             <a:fld id="{48A87A34-81AB-432B-8DAE-1953F412C126}" type="datetimeFigureOut">
               <a:rPr lang="en-US" dirty="0"/>
-              <a:t>11/9/2019</a:t>
+              <a:t>11/11/2019</a:t>
             </a:fld>
             <a:endParaRPr lang="en-US" dirty="0"/>
           </a:p>
@@ -8030,7 +8452,7 @@
           <a:p>
             <a:fld id="{48A87A34-81AB-432B-8DAE-1953F412C126}" type="datetimeFigureOut">
               <a:rPr lang="en-US" dirty="0"/>
-              <a:t>11/9/2019</a:t>
+              <a:t>11/11/2019</a:t>
             </a:fld>
             <a:endParaRPr lang="en-US" dirty="0"/>
           </a:p>
@@ -8205,7 +8627,7 @@
           <a:p>
             <a:fld id="{48A87A34-81AB-432B-8DAE-1953F412C126}" type="datetimeFigureOut">
               <a:rPr lang="en-US" dirty="0"/>
-              <a:t>11/9/2019</a:t>
+              <a:t>11/11/2019</a:t>
             </a:fld>
             <a:endParaRPr lang="en-US" dirty="0"/>
           </a:p>
@@ -8370,7 +8792,7 @@
           <a:p>
             <a:fld id="{48A87A34-81AB-432B-8DAE-1953F412C126}" type="datetimeFigureOut">
               <a:rPr lang="en-US" dirty="0"/>
-              <a:t>11/9/2019</a:t>
+              <a:t>11/11/2019</a:t>
             </a:fld>
             <a:endParaRPr lang="en-US" dirty="0"/>
           </a:p>
@@ -8615,7 +9037,7 @@
           <a:p>
             <a:fld id="{48A87A34-81AB-432B-8DAE-1953F412C126}" type="datetimeFigureOut">
               <a:rPr lang="en-US" dirty="0"/>
-              <a:t>11/9/2019</a:t>
+              <a:t>11/11/2019</a:t>
             </a:fld>
             <a:endParaRPr lang="en-US" dirty="0"/>
           </a:p>
@@ -8842,7 +9264,7 @@
           <a:p>
             <a:fld id="{48A87A34-81AB-432B-8DAE-1953F412C126}" type="datetimeFigureOut">
               <a:rPr lang="en-US" dirty="0"/>
-              <a:t>11/9/2019</a:t>
+              <a:t>11/11/2019</a:t>
             </a:fld>
             <a:endParaRPr lang="en-US" dirty="0"/>
           </a:p>
@@ -9218,7 +9640,7 @@
           <a:p>
             <a:fld id="{48A87A34-81AB-432B-8DAE-1953F412C126}" type="datetimeFigureOut">
               <a:rPr lang="en-US" dirty="0"/>
-              <a:t>11/9/2019</a:t>
+              <a:t>11/11/2019</a:t>
             </a:fld>
             <a:endParaRPr lang="en-US" dirty="0"/>
           </a:p>
@@ -9331,7 +9753,7 @@
           <a:p>
             <a:fld id="{48A87A34-81AB-432B-8DAE-1953F412C126}" type="datetimeFigureOut">
               <a:rPr lang="en-US" dirty="0"/>
-              <a:t>11/9/2019</a:t>
+              <a:t>11/11/2019</a:t>
             </a:fld>
             <a:endParaRPr lang="en-US" dirty="0"/>
           </a:p>
@@ -9421,7 +9843,7 @@
           <a:p>
             <a:fld id="{48A87A34-81AB-432B-8DAE-1953F412C126}" type="datetimeFigureOut">
               <a:rPr lang="en-US" dirty="0"/>
-              <a:t>11/9/2019</a:t>
+              <a:t>11/11/2019</a:t>
             </a:fld>
             <a:endParaRPr lang="en-US" dirty="0"/>
           </a:p>
@@ -9665,7 +10087,7 @@
           <a:p>
             <a:fld id="{48A87A34-81AB-432B-8DAE-1953F412C126}" type="datetimeFigureOut">
               <a:rPr lang="en-US" dirty="0"/>
-              <a:t>11/9/2019</a:t>
+              <a:t>11/11/2019</a:t>
             </a:fld>
             <a:endParaRPr lang="en-US" dirty="0"/>
           </a:p>
@@ -9940,7 +10362,7 @@
           <a:p>
             <a:fld id="{48A87A34-81AB-432B-8DAE-1953F412C126}" type="datetimeFigureOut">
               <a:rPr lang="en-US" dirty="0"/>
-              <a:t>11/9/2019</a:t>
+              <a:t>11/11/2019</a:t>
             </a:fld>
             <a:endParaRPr lang="en-US" dirty="0"/>
           </a:p>
@@ -10058,7 +10480,7 @@
           <a:noFill/>
           <a:extLst>
             <a:ext uri="{909E8E84-426E-40dd-AFC4-6F175D3DCCD1}">
-              <a14:hiddenFill xmlns="" xmlns:a14="http://schemas.microsoft.com/office/drawing/2010/main">
+              <a14:hiddenFill xmlns:a14="http://schemas.microsoft.com/office/drawing/2010/main" xmlns="">
                 <a:solidFill>
                   <a:srgbClr val="FFFFFF"/>
                 </a:solidFill>
@@ -10132,7 +10554,7 @@
               </a:ln>
               <a:extLst>
                 <a:ext uri="{91240B29-F687-4f45-9708-019B960494DF}">
-                  <a14:hiddenLine xmlns="" xmlns:a14="http://schemas.microsoft.com/office/drawing/2010/main" w="9525">
+                  <a14:hiddenLine xmlns:a14="http://schemas.microsoft.com/office/drawing/2010/main" xmlns="" w="9525">
                     <a:solidFill>
                       <a:srgbClr val="000000"/>
                     </a:solidFill>
@@ -10222,7 +10644,7 @@
               </a:ln>
               <a:extLst>
                 <a:ext uri="{91240B29-F687-4f45-9708-019B960494DF}">
-                  <a14:hiddenLine xmlns="" xmlns:a14="http://schemas.microsoft.com/office/drawing/2010/main" w="9525">
+                  <a14:hiddenLine xmlns:a14="http://schemas.microsoft.com/office/drawing/2010/main" xmlns="" w="9525">
                     <a:solidFill>
                       <a:srgbClr val="000000"/>
                     </a:solidFill>
@@ -10312,7 +10734,7 @@
               </a:ln>
               <a:extLst>
                 <a:ext uri="{91240B29-F687-4f45-9708-019B960494DF}">
-                  <a14:hiddenLine xmlns="" xmlns:a14="http://schemas.microsoft.com/office/drawing/2010/main" w="9525">
+                  <a14:hiddenLine xmlns:a14="http://schemas.microsoft.com/office/drawing/2010/main" xmlns="" w="9525">
                     <a:solidFill>
                       <a:srgbClr val="000000"/>
                     </a:solidFill>
@@ -10374,7 +10796,7 @@
               </a:ln>
               <a:extLst>
                 <a:ext uri="{91240B29-F687-4f45-9708-019B960494DF}">
-                  <a14:hiddenLine xmlns="" xmlns:a14="http://schemas.microsoft.com/office/drawing/2010/main" w="9525">
+                  <a14:hiddenLine xmlns:a14="http://schemas.microsoft.com/office/drawing/2010/main" xmlns="" w="9525">
                     <a:solidFill>
                       <a:srgbClr val="000000"/>
                     </a:solidFill>
@@ -10464,7 +10886,7 @@
               </a:ln>
               <a:extLst>
                 <a:ext uri="{91240B29-F687-4f45-9708-019B960494DF}">
-                  <a14:hiddenLine xmlns="" xmlns:a14="http://schemas.microsoft.com/office/drawing/2010/main" w="9525">
+                  <a14:hiddenLine xmlns:a14="http://schemas.microsoft.com/office/drawing/2010/main" xmlns="" w="9525">
                     <a:solidFill>
                       <a:srgbClr val="000000"/>
                     </a:solidFill>
@@ -10526,7 +10948,7 @@
               </a:ln>
               <a:extLst>
                 <a:ext uri="{91240B29-F687-4f45-9708-019B960494DF}">
-                  <a14:hiddenLine xmlns="" xmlns:a14="http://schemas.microsoft.com/office/drawing/2010/main" w="9525">
+                  <a14:hiddenLine xmlns:a14="http://schemas.microsoft.com/office/drawing/2010/main" xmlns="" w="9525">
                     <a:solidFill>
                       <a:srgbClr val="000000"/>
                     </a:solidFill>
@@ -10588,7 +11010,7 @@
               </a:ln>
               <a:extLst>
                 <a:ext uri="{91240B29-F687-4f45-9708-019B960494DF}">
-                  <a14:hiddenLine xmlns="" xmlns:a14="http://schemas.microsoft.com/office/drawing/2010/main" w="9525">
+                  <a14:hiddenLine xmlns:a14="http://schemas.microsoft.com/office/drawing/2010/main" xmlns="" w="9525">
                     <a:solidFill>
                       <a:srgbClr val="000000"/>
                     </a:solidFill>
@@ -10678,7 +11100,7 @@
               </a:ln>
               <a:extLst>
                 <a:ext uri="{91240B29-F687-4f45-9708-019B960494DF}">
-                  <a14:hiddenLine xmlns="" xmlns:a14="http://schemas.microsoft.com/office/drawing/2010/main" w="9525">
+                  <a14:hiddenLine xmlns:a14="http://schemas.microsoft.com/office/drawing/2010/main" xmlns="" w="9525">
                     <a:solidFill>
                       <a:srgbClr val="000000"/>
                     </a:solidFill>
@@ -10768,7 +11190,7 @@
               </a:ln>
               <a:extLst>
                 <a:ext uri="{91240B29-F687-4f45-9708-019B960494DF}">
-                  <a14:hiddenLine xmlns="" xmlns:a14="http://schemas.microsoft.com/office/drawing/2010/main" w="9525">
+                  <a14:hiddenLine xmlns:a14="http://schemas.microsoft.com/office/drawing/2010/main" xmlns="" w="9525">
                     <a:solidFill>
                       <a:srgbClr val="000000"/>
                     </a:solidFill>
@@ -10830,7 +11252,7 @@
               </a:ln>
               <a:extLst>
                 <a:ext uri="{91240B29-F687-4f45-9708-019B960494DF}">
-                  <a14:hiddenLine xmlns="" xmlns:a14="http://schemas.microsoft.com/office/drawing/2010/main" w="9525">
+                  <a14:hiddenLine xmlns:a14="http://schemas.microsoft.com/office/drawing/2010/main" xmlns="" w="9525">
                     <a:solidFill>
                       <a:srgbClr val="000000"/>
                     </a:solidFill>
@@ -10940,7 +11362,7 @@
               </a:ln>
               <a:extLst>
                 <a:ext uri="{91240B29-F687-4f45-9708-019B960494DF}">
-                  <a14:hiddenLine xmlns="" xmlns:a14="http://schemas.microsoft.com/office/drawing/2010/main" w="9525">
+                  <a14:hiddenLine xmlns:a14="http://schemas.microsoft.com/office/drawing/2010/main" xmlns="" w="9525">
                     <a:solidFill>
                       <a:srgbClr val="000000"/>
                     </a:solidFill>
@@ -11024,7 +11446,7 @@
               </a:ln>
               <a:extLst>
                 <a:ext uri="{91240B29-F687-4f45-9708-019B960494DF}">
-                  <a14:hiddenLine xmlns="" xmlns:a14="http://schemas.microsoft.com/office/drawing/2010/main" w="9525">
+                  <a14:hiddenLine xmlns:a14="http://schemas.microsoft.com/office/drawing/2010/main" xmlns="" w="9525">
                     <a:solidFill>
                       <a:srgbClr val="000000"/>
                     </a:solidFill>
@@ -11086,7 +11508,7 @@
               </a:ln>
               <a:extLst>
                 <a:ext uri="{91240B29-F687-4f45-9708-019B960494DF}">
-                  <a14:hiddenLine xmlns="" xmlns:a14="http://schemas.microsoft.com/office/drawing/2010/main" w="9525">
+                  <a14:hiddenLine xmlns:a14="http://schemas.microsoft.com/office/drawing/2010/main" xmlns="" w="9525">
                     <a:solidFill>
                       <a:srgbClr val="000000"/>
                     </a:solidFill>
@@ -11148,7 +11570,7 @@
               </a:ln>
               <a:extLst>
                 <a:ext uri="{91240B29-F687-4f45-9708-019B960494DF}">
-                  <a14:hiddenLine xmlns="" xmlns:a14="http://schemas.microsoft.com/office/drawing/2010/main" w="9525">
+                  <a14:hiddenLine xmlns:a14="http://schemas.microsoft.com/office/drawing/2010/main" xmlns="" w="9525">
                     <a:solidFill>
                       <a:srgbClr val="000000"/>
                     </a:solidFill>
@@ -11238,7 +11660,7 @@
               </a:ln>
               <a:extLst>
                 <a:ext uri="{91240B29-F687-4f45-9708-019B960494DF}">
-                  <a14:hiddenLine xmlns="" xmlns:a14="http://schemas.microsoft.com/office/drawing/2010/main" w="9525">
+                  <a14:hiddenLine xmlns:a14="http://schemas.microsoft.com/office/drawing/2010/main" xmlns="" w="9525">
                     <a:solidFill>
                       <a:srgbClr val="000000"/>
                     </a:solidFill>
@@ -11272,7 +11694,7 @@
               </a:ln>
               <a:extLst>
                 <a:ext uri="{91240B29-F687-4f45-9708-019B960494DF}">
-                  <a14:hiddenLine xmlns="" xmlns:a14="http://schemas.microsoft.com/office/drawing/2010/main" w="9525">
+                  <a14:hiddenLine xmlns:a14="http://schemas.microsoft.com/office/drawing/2010/main" xmlns="" w="9525">
                     <a:solidFill>
                       <a:srgbClr val="000000"/>
                     </a:solidFill>
@@ -11337,7 +11759,7 @@
               </a:ln>
               <a:extLst>
                 <a:ext uri="{91240B29-F687-4f45-9708-019B960494DF}">
-                  <a14:hiddenLine xmlns="" xmlns:a14="http://schemas.microsoft.com/office/drawing/2010/main" w="9525">
+                  <a14:hiddenLine xmlns:a14="http://schemas.microsoft.com/office/drawing/2010/main" xmlns="" w="9525">
                     <a:solidFill>
                       <a:srgbClr val="000000"/>
                     </a:solidFill>
@@ -11427,7 +11849,7 @@
               </a:ln>
               <a:extLst>
                 <a:ext uri="{91240B29-F687-4f45-9708-019B960494DF}">
-                  <a14:hiddenLine xmlns="" xmlns:a14="http://schemas.microsoft.com/office/drawing/2010/main" w="9525">
+                  <a14:hiddenLine xmlns:a14="http://schemas.microsoft.com/office/drawing/2010/main" xmlns="" w="9525">
                     <a:solidFill>
                       <a:srgbClr val="000000"/>
                     </a:solidFill>
@@ -11489,7 +11911,7 @@
               </a:ln>
               <a:extLst>
                 <a:ext uri="{91240B29-F687-4f45-9708-019B960494DF}">
-                  <a14:hiddenLine xmlns="" xmlns:a14="http://schemas.microsoft.com/office/drawing/2010/main" w="9525">
+                  <a14:hiddenLine xmlns:a14="http://schemas.microsoft.com/office/drawing/2010/main" xmlns="" w="9525">
                     <a:solidFill>
                       <a:srgbClr val="000000"/>
                     </a:solidFill>
@@ -11579,7 +12001,7 @@
               </a:ln>
               <a:extLst>
                 <a:ext uri="{91240B29-F687-4f45-9708-019B960494DF}">
-                  <a14:hiddenLine xmlns="" xmlns:a14="http://schemas.microsoft.com/office/drawing/2010/main" w="9525">
+                  <a14:hiddenLine xmlns:a14="http://schemas.microsoft.com/office/drawing/2010/main" xmlns="" w="9525">
                     <a:solidFill>
                       <a:srgbClr val="000000"/>
                     </a:solidFill>
@@ -11644,7 +12066,7 @@
               </a:ln>
               <a:extLst>
                 <a:ext uri="{91240B29-F687-4f45-9708-019B960494DF}">
-                  <a14:hiddenLine xmlns="" xmlns:a14="http://schemas.microsoft.com/office/drawing/2010/main" w="9525">
+                  <a14:hiddenLine xmlns:a14="http://schemas.microsoft.com/office/drawing/2010/main" xmlns="" w="9525">
                     <a:solidFill>
                       <a:srgbClr val="000000"/>
                     </a:solidFill>
@@ -11706,7 +12128,7 @@
               </a:ln>
               <a:extLst>
                 <a:ext uri="{91240B29-F687-4f45-9708-019B960494DF}">
-                  <a14:hiddenLine xmlns="" xmlns:a14="http://schemas.microsoft.com/office/drawing/2010/main" w="9525">
+                  <a14:hiddenLine xmlns:a14="http://schemas.microsoft.com/office/drawing/2010/main" xmlns="" w="9525">
                     <a:solidFill>
                       <a:srgbClr val="000000"/>
                     </a:solidFill>
@@ -11796,7 +12218,7 @@
               </a:ln>
               <a:extLst>
                 <a:ext uri="{91240B29-F687-4f45-9708-019B960494DF}">
-                  <a14:hiddenLine xmlns="" xmlns:a14="http://schemas.microsoft.com/office/drawing/2010/main" w="9525">
+                  <a14:hiddenLine xmlns:a14="http://schemas.microsoft.com/office/drawing/2010/main" xmlns="" w="9525">
                     <a:solidFill>
                       <a:srgbClr val="000000"/>
                     </a:solidFill>
@@ -11886,7 +12308,7 @@
               </a:ln>
               <a:extLst>
                 <a:ext uri="{91240B29-F687-4f45-9708-019B960494DF}">
-                  <a14:hiddenLine xmlns="" xmlns:a14="http://schemas.microsoft.com/office/drawing/2010/main" w="9525">
+                  <a14:hiddenLine xmlns:a14="http://schemas.microsoft.com/office/drawing/2010/main" xmlns="" w="9525">
                     <a:solidFill>
                       <a:srgbClr val="000000"/>
                     </a:solidFill>
@@ -11951,7 +12373,7 @@
               </a:ln>
               <a:extLst>
                 <a:ext uri="{91240B29-F687-4f45-9708-019B960494DF}">
-                  <a14:hiddenLine xmlns="" xmlns:a14="http://schemas.microsoft.com/office/drawing/2010/main" w="9525">
+                  <a14:hiddenLine xmlns:a14="http://schemas.microsoft.com/office/drawing/2010/main" xmlns="" w="9525">
                     <a:solidFill>
                       <a:srgbClr val="000000"/>
                     </a:solidFill>
@@ -12071,7 +12493,7 @@
               </a:ln>
               <a:extLst>
                 <a:ext uri="{91240B29-F687-4f45-9708-019B960494DF}">
-                  <a14:hiddenLine xmlns="" xmlns:a14="http://schemas.microsoft.com/office/drawing/2010/main" w="9525">
+                  <a14:hiddenLine xmlns:a14="http://schemas.microsoft.com/office/drawing/2010/main" xmlns="" w="9525">
                     <a:solidFill>
                       <a:srgbClr val="000000"/>
                     </a:solidFill>
@@ -12152,7 +12574,7 @@
               </a:ln>
               <a:extLst>
                 <a:ext uri="{91240B29-F687-4f45-9708-019B960494DF}">
-                  <a14:hiddenLine xmlns="" xmlns:a14="http://schemas.microsoft.com/office/drawing/2010/main" w="9525">
+                  <a14:hiddenLine xmlns:a14="http://schemas.microsoft.com/office/drawing/2010/main" xmlns="" w="9525">
                     <a:solidFill>
                       <a:srgbClr val="000000"/>
                     </a:solidFill>
@@ -12267,7 +12689,7 @@
               </a:ln>
               <a:extLst>
                 <a:ext uri="{91240B29-F687-4f45-9708-019B960494DF}">
-                  <a14:hiddenLine xmlns="" xmlns:a14="http://schemas.microsoft.com/office/drawing/2010/main" w="9525">
+                  <a14:hiddenLine xmlns:a14="http://schemas.microsoft.com/office/drawing/2010/main" xmlns="" w="9525">
                     <a:solidFill>
                       <a:srgbClr val="000000"/>
                     </a:solidFill>
@@ -12357,7 +12779,7 @@
               </a:ln>
               <a:extLst>
                 <a:ext uri="{91240B29-F687-4f45-9708-019B960494DF}">
-                  <a14:hiddenLine xmlns="" xmlns:a14="http://schemas.microsoft.com/office/drawing/2010/main" w="9525">
+                  <a14:hiddenLine xmlns:a14="http://schemas.microsoft.com/office/drawing/2010/main" xmlns="" w="9525">
                     <a:solidFill>
                       <a:srgbClr val="000000"/>
                     </a:solidFill>
@@ -12422,7 +12844,7 @@
               </a:ln>
               <a:extLst>
                 <a:ext uri="{91240B29-F687-4f45-9708-019B960494DF}">
-                  <a14:hiddenLine xmlns="" xmlns:a14="http://schemas.microsoft.com/office/drawing/2010/main" w="9525">
+                  <a14:hiddenLine xmlns:a14="http://schemas.microsoft.com/office/drawing/2010/main" xmlns="" w="9525">
                     <a:solidFill>
                       <a:srgbClr val="000000"/>
                     </a:solidFill>
@@ -12512,7 +12934,7 @@
               </a:ln>
               <a:extLst>
                 <a:ext uri="{91240B29-F687-4f45-9708-019B960494DF}">
-                  <a14:hiddenLine xmlns="" xmlns:a14="http://schemas.microsoft.com/office/drawing/2010/main" w="9525">
+                  <a14:hiddenLine xmlns:a14="http://schemas.microsoft.com/office/drawing/2010/main" xmlns="" w="9525">
                     <a:solidFill>
                       <a:srgbClr val="000000"/>
                     </a:solidFill>
@@ -12580,7 +13002,7 @@
               </a:ln>
               <a:extLst>
                 <a:ext uri="{91240B29-F687-4f45-9708-019B960494DF}">
-                  <a14:hiddenLine xmlns="" xmlns:a14="http://schemas.microsoft.com/office/drawing/2010/main" w="9525">
+                  <a14:hiddenLine xmlns:a14="http://schemas.microsoft.com/office/drawing/2010/main" xmlns="" w="9525">
                     <a:solidFill>
                       <a:srgbClr val="000000"/>
                     </a:solidFill>
@@ -12670,7 +13092,7 @@
               </a:ln>
               <a:extLst>
                 <a:ext uri="{91240B29-F687-4f45-9708-019B960494DF}">
-                  <a14:hiddenLine xmlns="" xmlns:a14="http://schemas.microsoft.com/office/drawing/2010/main" w="9525">
+                  <a14:hiddenLine xmlns:a14="http://schemas.microsoft.com/office/drawing/2010/main" xmlns="" w="9525">
                     <a:solidFill>
                       <a:srgbClr val="000000"/>
                     </a:solidFill>
@@ -12738,7 +13160,7 @@
               </a:ln>
               <a:extLst>
                 <a:ext uri="{91240B29-F687-4f45-9708-019B960494DF}">
-                  <a14:hiddenLine xmlns="" xmlns:a14="http://schemas.microsoft.com/office/drawing/2010/main" w="9525">
+                  <a14:hiddenLine xmlns:a14="http://schemas.microsoft.com/office/drawing/2010/main" xmlns="" w="9525">
                     <a:solidFill>
                       <a:srgbClr val="000000"/>
                     </a:solidFill>
@@ -12828,7 +13250,7 @@
               </a:ln>
               <a:extLst>
                 <a:ext uri="{91240B29-F687-4f45-9708-019B960494DF}">
-                  <a14:hiddenLine xmlns="" xmlns:a14="http://schemas.microsoft.com/office/drawing/2010/main" w="9525">
+                  <a14:hiddenLine xmlns:a14="http://schemas.microsoft.com/office/drawing/2010/main" xmlns="" w="9525">
                     <a:solidFill>
                       <a:srgbClr val="000000"/>
                     </a:solidFill>
@@ -12862,7 +13284,7 @@
               </a:ln>
               <a:extLst>
                 <a:ext uri="{91240B29-F687-4f45-9708-019B960494DF}">
-                  <a14:hiddenLine xmlns="" xmlns:a14="http://schemas.microsoft.com/office/drawing/2010/main" w="9525">
+                  <a14:hiddenLine xmlns:a14="http://schemas.microsoft.com/office/drawing/2010/main" xmlns="" w="9525">
                     <a:solidFill>
                       <a:srgbClr val="000000"/>
                     </a:solidFill>
@@ -13003,7 +13425,7 @@
             <a:fld id="{48A87A34-81AB-432B-8DAE-1953F412C126}" type="datetimeFigureOut">
               <a:rPr lang="en-US" dirty="0"/>
               <a:pPr/>
-              <a:t>11/9/2019</a:t>
+              <a:t>11/11/2019</a:t>
             </a:fld>
             <a:endParaRPr lang="en-US" dirty="0"/>
           </a:p>
@@ -13499,10 +13921,278 @@
   <p:clrMapOvr>
     <a:masterClrMapping/>
   </p:clrMapOvr>
+  <p:timing>
+    <p:tnLst>
+      <p:par>
+        <p:cTn id="1" dur="indefinite" restart="never" nodeType="tmRoot"/>
+      </p:par>
+    </p:tnLst>
+  </p:timing>
 </p:sld>
 </file>
 
 <file path=ppt/slides/slide10.xml><?xml version="1.0" encoding="utf-8"?>
+<p:sld xmlns:a="http://schemas.openxmlformats.org/drawingml/2006/main" xmlns:r="http://schemas.openxmlformats.org/officeDocument/2006/relationships" xmlns:p="http://schemas.openxmlformats.org/presentationml/2006/main">
+  <p:cSld>
+    <p:spTree>
+      <p:nvGrpSpPr>
+        <p:cNvPr id="1" name=""/>
+        <p:cNvGrpSpPr/>
+        <p:nvPr/>
+      </p:nvGrpSpPr>
+      <p:grpSpPr>
+        <a:xfrm>
+          <a:off x="0" y="0"/>
+          <a:ext cx="0" cy="0"/>
+          <a:chOff x="0" y="0"/>
+          <a:chExt cx="0" cy="0"/>
+        </a:xfrm>
+      </p:grpSpPr>
+      <p:sp>
+        <p:nvSpPr>
+          <p:cNvPr id="2" name="Titel 1">
+            <a:extLst>
+              <a:ext uri="{FF2B5EF4-FFF2-40B4-BE49-F238E27FC236}">
+                <a16:creationId xmlns:a16="http://schemas.microsoft.com/office/drawing/2014/main" id="{26AD1010-29FF-4ACB-9F35-33D31C08246D}"/>
+              </a:ext>
+            </a:extLst>
+          </p:cNvPr>
+          <p:cNvSpPr>
+            <a:spLocks noGrp="1"/>
+          </p:cNvSpPr>
+          <p:nvPr>
+            <p:ph type="title"/>
+          </p:nvPr>
+        </p:nvSpPr>
+        <p:spPr/>
+        <p:txBody>
+          <a:bodyPr/>
+          <a:lstStyle/>
+          <a:p>
+            <a:r>
+              <a:rPr lang="de-DE" dirty="0" err="1"/>
+              <a:t>Restart</a:t>
+            </a:r>
+            <a:r>
+              <a:rPr lang="de-DE" dirty="0"/>
+              <a:t> &amp; Spielmodus</a:t>
+            </a:r>
+          </a:p>
+        </p:txBody>
+      </p:sp>
+      <p:pic>
+        <p:nvPicPr>
+          <p:cNvPr id="4" name="Inhaltsplatzhalter 3"/>
+          <p:cNvPicPr>
+            <a:picLocks noGrp="1" noChangeAspect="1"/>
+          </p:cNvPicPr>
+          <p:nvPr>
+            <p:ph idx="1"/>
+          </p:nvPr>
+        </p:nvPicPr>
+        <p:blipFill>
+          <a:blip r:embed="rId3"/>
+          <a:stretch>
+            <a:fillRect/>
+          </a:stretch>
+        </p:blipFill>
+        <p:spPr>
+          <a:xfrm>
+            <a:off x="1141413" y="2587897"/>
+            <a:ext cx="2215936" cy="2921007"/>
+          </a:xfrm>
+          <a:prstGeom prst="rect">
+            <a:avLst/>
+          </a:prstGeom>
+        </p:spPr>
+      </p:pic>
+      <p:sp>
+        <p:nvSpPr>
+          <p:cNvPr id="5" name="Textfeld 4"/>
+          <p:cNvSpPr txBox="1"/>
+          <p:nvPr/>
+        </p:nvSpPr>
+        <p:spPr>
+          <a:xfrm>
+            <a:off x="3848668" y="2587897"/>
+            <a:ext cx="1712328" cy="646331"/>
+          </a:xfrm>
+          <a:prstGeom prst="rect">
+            <a:avLst/>
+          </a:prstGeom>
+          <a:noFill/>
+        </p:spPr>
+        <p:txBody>
+          <a:bodyPr wrap="none" rtlCol="0">
+            <a:spAutoFit/>
+          </a:bodyPr>
+          <a:lstStyle/>
+          <a:p>
+            <a:pPr marL="285750" indent="-285750">
+              <a:buFont typeface="Arial" panose="020B0604020202020204" pitchFamily="34" charset="0"/>
+              <a:buChar char="•"/>
+            </a:pPr>
+            <a:r>
+              <a:rPr lang="de-DE" dirty="0" smtClean="0"/>
+              <a:t>4 </a:t>
+            </a:r>
+            <a:r>
+              <a:rPr lang="de-DE" dirty="0" err="1" smtClean="0"/>
+              <a:t>Spielmodis</a:t>
+            </a:r>
+            <a:r>
+              <a:rPr lang="de-DE" dirty="0" smtClean="0"/>
+              <a:t> </a:t>
+            </a:r>
+          </a:p>
+          <a:p>
+            <a:endParaRPr lang="de-DE" dirty="0"/>
+          </a:p>
+        </p:txBody>
+      </p:sp>
+      <p:pic>
+        <p:nvPicPr>
+          <p:cNvPr id="6" name="Grafik 5"/>
+          <p:cNvPicPr>
+            <a:picLocks noChangeAspect="1"/>
+          </p:cNvPicPr>
+          <p:nvPr/>
+        </p:nvPicPr>
+        <p:blipFill>
+          <a:blip r:embed="rId4"/>
+          <a:stretch>
+            <a:fillRect/>
+          </a:stretch>
+        </p:blipFill>
+        <p:spPr>
+          <a:xfrm>
+            <a:off x="6229563" y="2587897"/>
+            <a:ext cx="835660" cy="787908"/>
+          </a:xfrm>
+          <a:prstGeom prst="rect">
+            <a:avLst/>
+          </a:prstGeom>
+        </p:spPr>
+      </p:pic>
+      <p:sp>
+        <p:nvSpPr>
+          <p:cNvPr id="7" name="Textfeld 6"/>
+          <p:cNvSpPr txBox="1"/>
+          <p:nvPr/>
+        </p:nvSpPr>
+        <p:spPr>
+          <a:xfrm>
+            <a:off x="7368976" y="2587897"/>
+            <a:ext cx="2128468" cy="369332"/>
+          </a:xfrm>
+          <a:prstGeom prst="rect">
+            <a:avLst/>
+          </a:prstGeom>
+          <a:noFill/>
+        </p:spPr>
+        <p:txBody>
+          <a:bodyPr wrap="none" rtlCol="0">
+            <a:spAutoFit/>
+          </a:bodyPr>
+          <a:lstStyle/>
+          <a:p>
+            <a:pPr marL="285750" indent="-285750">
+              <a:buFont typeface="Arial" panose="020B0604020202020204" pitchFamily="34" charset="0"/>
+              <a:buChar char="•"/>
+            </a:pPr>
+            <a:r>
+              <a:rPr lang="de-DE" dirty="0" err="1" smtClean="0"/>
+              <a:t>Restart</a:t>
+            </a:r>
+            <a:r>
+              <a:rPr lang="de-DE" dirty="0" smtClean="0"/>
+              <a:t> über Emoji</a:t>
+            </a:r>
+            <a:endParaRPr lang="de-DE" dirty="0"/>
+          </a:p>
+        </p:txBody>
+      </p:sp>
+      <p:pic>
+        <p:nvPicPr>
+          <p:cNvPr id="8" name="Grafik 7"/>
+          <p:cNvPicPr>
+            <a:picLocks noChangeAspect="1"/>
+          </p:cNvPicPr>
+          <p:nvPr/>
+        </p:nvPicPr>
+        <p:blipFill>
+          <a:blip r:embed="rId5"/>
+          <a:stretch>
+            <a:fillRect/>
+          </a:stretch>
+        </p:blipFill>
+        <p:spPr>
+          <a:xfrm>
+            <a:off x="6570661" y="3609193"/>
+            <a:ext cx="4476750" cy="2314575"/>
+          </a:xfrm>
+          <a:prstGeom prst="rect">
+            <a:avLst/>
+          </a:prstGeom>
+        </p:spPr>
+      </p:pic>
+      <p:cxnSp>
+        <p:nvCxnSpPr>
+          <p:cNvPr id="10" name="Gerade Verbindung mit Pfeil 9"/>
+          <p:cNvCxnSpPr/>
+          <p:nvPr/>
+        </p:nvCxnSpPr>
+        <p:spPr>
+          <a:xfrm flipH="1" flipV="1">
+            <a:off x="3449103" y="4309280"/>
+            <a:ext cx="3029803" cy="586854"/>
+          </a:xfrm>
+          <a:prstGeom prst="straightConnector1">
+            <a:avLst/>
+          </a:prstGeom>
+          <a:ln w="28575">
+            <a:solidFill>
+              <a:srgbClr val="FFFF00"/>
+            </a:solidFill>
+            <a:tailEnd type="triangle"/>
+          </a:ln>
+        </p:spPr>
+        <p:style>
+          <a:lnRef idx="1">
+            <a:schemeClr val="accent1"/>
+          </a:lnRef>
+          <a:fillRef idx="0">
+            <a:schemeClr val="accent1"/>
+          </a:fillRef>
+          <a:effectRef idx="0">
+            <a:schemeClr val="accent1"/>
+          </a:effectRef>
+          <a:fontRef idx="minor">
+            <a:schemeClr val="tx1"/>
+          </a:fontRef>
+        </p:style>
+      </p:cxnSp>
+    </p:spTree>
+    <p:extLst>
+      <p:ext uri="{BB962C8B-B14F-4D97-AF65-F5344CB8AC3E}">
+        <p14:creationId xmlns:p14="http://schemas.microsoft.com/office/powerpoint/2010/main" val="3220729925"/>
+      </p:ext>
+    </p:extLst>
+  </p:cSld>
+  <p:clrMapOvr>
+    <a:masterClrMapping/>
+  </p:clrMapOvr>
+  <p:timing>
+    <p:tnLst>
+      <p:par>
+        <p:cTn id="1" dur="indefinite" restart="never" nodeType="tmRoot"/>
+      </p:par>
+    </p:tnLst>
+  </p:timing>
+</p:sld>
+</file>
+
+<file path=ppt/slides/slide11.xml><?xml version="1.0" encoding="utf-8"?>
 <p:sld xmlns:a="http://schemas.openxmlformats.org/drawingml/2006/main" xmlns:r="http://schemas.openxmlformats.org/officeDocument/2006/relationships" xmlns:p="http://schemas.openxmlformats.org/presentationml/2006/main">
   <p:cSld>
     <p:spTree>
@@ -14250,6 +14940,36 @@
           </a:fontRef>
         </p:style>
       </p:cxnSp>
+      <p:sp>
+        <p:nvSpPr>
+          <p:cNvPr id="3" name="Textfeld 2"/>
+          <p:cNvSpPr txBox="1"/>
+          <p:nvPr/>
+        </p:nvSpPr>
+        <p:spPr>
+          <a:xfrm>
+            <a:off x="7433952" y="1527973"/>
+            <a:ext cx="1594924" cy="369332"/>
+          </a:xfrm>
+          <a:prstGeom prst="rect">
+            <a:avLst/>
+          </a:prstGeom>
+          <a:noFill/>
+        </p:spPr>
+        <p:txBody>
+          <a:bodyPr wrap="none" rtlCol="0">
+            <a:spAutoFit/>
+          </a:bodyPr>
+          <a:lstStyle/>
+          <a:p>
+            <a:r>
+              <a:rPr lang="de-DE" dirty="0" smtClean="0"/>
+              <a:t>Arbeitsspeicher</a:t>
+            </a:r>
+            <a:endParaRPr lang="de-DE" dirty="0"/>
+          </a:p>
+        </p:txBody>
+      </p:sp>
     </p:spTree>
     <p:extLst>
       <p:ext uri="{BB962C8B-B14F-4D97-AF65-F5344CB8AC3E}">
@@ -14334,6 +15054,33 @@
                                   </p:childTnLst>
                                 </p:cTn>
                               </p:par>
+                              <p:par>
+                                <p:cTn id="9" presetID="1" presetClass="entr" presetSubtype="0" fill="hold" grpId="0" nodeType="withEffect">
+                                  <p:stCondLst>
+                                    <p:cond delay="0"/>
+                                  </p:stCondLst>
+                                  <p:childTnLst>
+                                    <p:set>
+                                      <p:cBhvr>
+                                        <p:cTn id="10" dur="1" fill="hold">
+                                          <p:stCondLst>
+                                            <p:cond delay="0"/>
+                                          </p:stCondLst>
+                                        </p:cTn>
+                                        <p:tgtEl>
+                                          <p:spTgt spid="3"/>
+                                        </p:tgtEl>
+                                        <p:attrNameLst>
+                                          <p:attrName>style.visibility</p:attrName>
+                                        </p:attrNameLst>
+                                      </p:cBhvr>
+                                      <p:to>
+                                        <p:strVal val="visible"/>
+                                      </p:to>
+                                    </p:set>
+                                  </p:childTnLst>
+                                </p:cTn>
+                              </p:par>
                             </p:childTnLst>
                           </p:cTn>
                         </p:par>
@@ -14341,26 +15088,26 @@
                     </p:cTn>
                   </p:par>
                   <p:par>
-                    <p:cTn id="9" fill="hold">
+                    <p:cTn id="11" fill="hold">
                       <p:stCondLst>
                         <p:cond delay="indefinite"/>
                       </p:stCondLst>
                       <p:childTnLst>
                         <p:par>
-                          <p:cTn id="10" fill="hold">
+                          <p:cTn id="12" fill="hold">
                             <p:stCondLst>
                               <p:cond delay="0"/>
                             </p:stCondLst>
                             <p:childTnLst>
                               <p:par>
-                                <p:cTn id="11" presetID="1" presetClass="entr" presetSubtype="0" fill="hold" grpId="0" nodeType="clickEffect">
+                                <p:cTn id="13" presetID="1" presetClass="entr" presetSubtype="0" fill="hold" grpId="0" nodeType="clickEffect">
                                   <p:stCondLst>
                                     <p:cond delay="0"/>
                                   </p:stCondLst>
                                   <p:childTnLst>
                                     <p:set>
                                       <p:cBhvr>
-                                        <p:cTn id="12" dur="1" fill="hold">
+                                        <p:cTn id="14" dur="1" fill="hold">
                                           <p:stCondLst>
                                             <p:cond delay="0"/>
                                           </p:stCondLst>
@@ -14380,14 +15127,14 @@
                                 </p:cTn>
                               </p:par>
                               <p:par>
-                                <p:cTn id="13" presetID="1" presetClass="entr" presetSubtype="0" fill="hold" nodeType="withEffect">
+                                <p:cTn id="15" presetID="1" presetClass="entr" presetSubtype="0" fill="hold" nodeType="withEffect">
                                   <p:stCondLst>
                                     <p:cond delay="0"/>
                                   </p:stCondLst>
                                   <p:childTnLst>
                                     <p:set>
                                       <p:cBhvr>
-                                        <p:cTn id="14" dur="1" fill="hold">
+                                        <p:cTn id="16" dur="1" fill="hold">
                                           <p:stCondLst>
                                             <p:cond delay="0"/>
                                           </p:stCondLst>
@@ -14413,26 +15160,26 @@
                     </p:cTn>
                   </p:par>
                   <p:par>
-                    <p:cTn id="15" fill="hold">
+                    <p:cTn id="17" fill="hold">
                       <p:stCondLst>
                         <p:cond delay="indefinite"/>
                       </p:stCondLst>
                       <p:childTnLst>
                         <p:par>
-                          <p:cTn id="16" fill="hold">
+                          <p:cTn id="18" fill="hold">
                             <p:stCondLst>
                               <p:cond delay="0"/>
                             </p:stCondLst>
                             <p:childTnLst>
                               <p:par>
-                                <p:cTn id="17" presetID="1" presetClass="entr" presetSubtype="0" fill="hold" nodeType="clickEffect">
+                                <p:cTn id="19" presetID="1" presetClass="entr" presetSubtype="0" fill="hold" nodeType="clickEffect">
                                   <p:stCondLst>
                                     <p:cond delay="0"/>
                                   </p:stCondLst>
                                   <p:childTnLst>
                                     <p:set>
                                       <p:cBhvr>
-                                        <p:cTn id="18" dur="1" fill="hold">
+                                        <p:cTn id="20" dur="1" fill="hold">
                                           <p:stCondLst>
                                             <p:cond delay="0"/>
                                           </p:stCondLst>
@@ -14452,14 +15199,14 @@
                                 </p:cTn>
                               </p:par>
                               <p:par>
-                                <p:cTn id="19" presetID="1" presetClass="entr" presetSubtype="0" fill="hold" grpId="0" nodeType="withEffect">
+                                <p:cTn id="21" presetID="1" presetClass="entr" presetSubtype="0" fill="hold" grpId="0" nodeType="withEffect">
                                   <p:stCondLst>
                                     <p:cond delay="0"/>
                                   </p:stCondLst>
                                   <p:childTnLst>
                                     <p:set>
                                       <p:cBhvr>
-                                        <p:cTn id="20" dur="1" fill="hold">
+                                        <p:cTn id="22" dur="1" fill="hold">
                                           <p:stCondLst>
                                             <p:cond delay="0"/>
                                           </p:stCondLst>
@@ -14485,26 +15232,26 @@
                     </p:cTn>
                   </p:par>
                   <p:par>
-                    <p:cTn id="21" fill="hold">
+                    <p:cTn id="23" fill="hold">
                       <p:stCondLst>
                         <p:cond delay="indefinite"/>
                       </p:stCondLst>
                       <p:childTnLst>
                         <p:par>
-                          <p:cTn id="22" fill="hold">
+                          <p:cTn id="24" fill="hold">
                             <p:stCondLst>
                               <p:cond delay="0"/>
                             </p:stCondLst>
                             <p:childTnLst>
                               <p:par>
-                                <p:cTn id="23" presetID="1" presetClass="entr" presetSubtype="0" fill="hold" grpId="0" nodeType="clickEffect">
+                                <p:cTn id="25" presetID="1" presetClass="entr" presetSubtype="0" fill="hold" grpId="0" nodeType="clickEffect">
                                   <p:stCondLst>
                                     <p:cond delay="0"/>
                                   </p:stCondLst>
                                   <p:childTnLst>
                                     <p:set>
                                       <p:cBhvr>
-                                        <p:cTn id="24" dur="1" fill="hold">
+                                        <p:cTn id="26" dur="1" fill="hold">
                                           <p:stCondLst>
                                             <p:cond delay="0"/>
                                           </p:stCondLst>
@@ -14524,14 +15271,14 @@
                                 </p:cTn>
                               </p:par>
                               <p:par>
-                                <p:cTn id="25" presetID="1" presetClass="entr" presetSubtype="0" fill="hold" nodeType="withEffect">
+                                <p:cTn id="27" presetID="1" presetClass="entr" presetSubtype="0" fill="hold" nodeType="withEffect">
                                   <p:stCondLst>
                                     <p:cond delay="0"/>
                                   </p:stCondLst>
                                   <p:childTnLst>
                                     <p:set>
                                       <p:cBhvr>
-                                        <p:cTn id="26" dur="1" fill="hold">
+                                        <p:cTn id="28" dur="1" fill="hold">
                                           <p:stCondLst>
                                             <p:cond delay="0"/>
                                           </p:stCondLst>
@@ -14554,20 +15301,20 @@
                           </p:cTn>
                         </p:par>
                         <p:par>
-                          <p:cTn id="27" fill="hold">
+                          <p:cTn id="29" fill="hold">
                             <p:stCondLst>
                               <p:cond delay="0"/>
                             </p:stCondLst>
                             <p:childTnLst>
                               <p:par>
-                                <p:cTn id="28" presetID="1" presetClass="entr" presetSubtype="0" fill="hold" nodeType="afterEffect">
+                                <p:cTn id="30" presetID="1" presetClass="entr" presetSubtype="0" fill="hold" nodeType="afterEffect">
                                   <p:stCondLst>
                                     <p:cond delay="1000"/>
                                   </p:stCondLst>
                                   <p:childTnLst>
                                     <p:set>
                                       <p:cBhvr>
-                                        <p:cTn id="29" dur="1" fill="hold">
+                                        <p:cTn id="31" dur="1" fill="hold">
                                           <p:stCondLst>
                                             <p:cond delay="0"/>
                                           </p:stCondLst>
@@ -14590,20 +15337,20 @@
                           </p:cTn>
                         </p:par>
                         <p:par>
-                          <p:cTn id="30" fill="hold">
+                          <p:cTn id="32" fill="hold">
                             <p:stCondLst>
                               <p:cond delay="1000"/>
                             </p:stCondLst>
                             <p:childTnLst>
                               <p:par>
-                                <p:cTn id="31" presetID="1" presetClass="exit" presetSubtype="0" fill="hold" nodeType="afterEffect">
+                                <p:cTn id="33" presetID="1" presetClass="exit" presetSubtype="0" fill="hold" nodeType="afterEffect">
                                   <p:stCondLst>
                                     <p:cond delay="0"/>
                                   </p:stCondLst>
                                   <p:childTnLst>
                                     <p:set>
                                       <p:cBhvr>
-                                        <p:cTn id="32" dur="1" fill="hold">
+                                        <p:cTn id="34" dur="1" fill="hold">
                                           <p:stCondLst>
                                             <p:cond delay="0"/>
                                           </p:stCondLst>
@@ -14626,20 +15373,20 @@
                           </p:cTn>
                         </p:par>
                         <p:par>
-                          <p:cTn id="33" fill="hold">
+                          <p:cTn id="35" fill="hold">
                             <p:stCondLst>
                               <p:cond delay="1000"/>
                             </p:stCondLst>
                             <p:childTnLst>
                               <p:par>
-                                <p:cTn id="34" presetID="1" presetClass="entr" presetSubtype="0" fill="hold" nodeType="afterEffect">
+                                <p:cTn id="36" presetID="1" presetClass="entr" presetSubtype="0" fill="hold" nodeType="afterEffect">
                                   <p:stCondLst>
                                     <p:cond delay="1000"/>
                                   </p:stCondLst>
                                   <p:childTnLst>
                                     <p:set>
                                       <p:cBhvr>
-                                        <p:cTn id="35" dur="1" fill="hold">
+                                        <p:cTn id="37" dur="1" fill="hold">
                                           <p:stCondLst>
                                             <p:cond delay="0"/>
                                           </p:stCondLst>
@@ -14659,14 +15406,14 @@
                                 </p:cTn>
                               </p:par>
                               <p:par>
-                                <p:cTn id="36" presetID="1" presetClass="entr" presetSubtype="0" fill="hold" grpId="0" nodeType="withEffect">
+                                <p:cTn id="38" presetID="1" presetClass="entr" presetSubtype="0" fill="hold" grpId="0" nodeType="withEffect">
                                   <p:stCondLst>
                                     <p:cond delay="1000"/>
                                   </p:stCondLst>
                                   <p:childTnLst>
                                     <p:set>
                                       <p:cBhvr>
-                                        <p:cTn id="37" dur="1" fill="hold">
+                                        <p:cTn id="39" dur="1" fill="hold">
                                           <p:stCondLst>
                                             <p:cond delay="0"/>
                                           </p:stCondLst>
@@ -14692,26 +15439,26 @@
                     </p:cTn>
                   </p:par>
                   <p:par>
-                    <p:cTn id="38" fill="hold">
+                    <p:cTn id="40" fill="hold">
                       <p:stCondLst>
                         <p:cond delay="indefinite"/>
                       </p:stCondLst>
                       <p:childTnLst>
                         <p:par>
-                          <p:cTn id="39" fill="hold">
+                          <p:cTn id="41" fill="hold">
                             <p:stCondLst>
                               <p:cond delay="0"/>
                             </p:stCondLst>
                             <p:childTnLst>
                               <p:par>
-                                <p:cTn id="40" presetID="1" presetClass="exit" presetSubtype="0" fill="hold" grpId="1" nodeType="clickEffect">
+                                <p:cTn id="42" presetID="1" presetClass="exit" presetSubtype="0" fill="hold" grpId="1" nodeType="clickEffect">
                                   <p:stCondLst>
                                     <p:cond delay="0"/>
                                   </p:stCondLst>
                                   <p:childTnLst>
                                     <p:set>
                                       <p:cBhvr>
-                                        <p:cTn id="41" dur="1" fill="hold">
+                                        <p:cTn id="43" dur="1" fill="hold">
                                           <p:stCondLst>
                                             <p:cond delay="0"/>
                                           </p:stCondLst>
@@ -14731,14 +15478,14 @@
                                 </p:cTn>
                               </p:par>
                               <p:par>
-                                <p:cTn id="42" presetID="1" presetClass="exit" presetSubtype="0" fill="hold" nodeType="withEffect">
+                                <p:cTn id="44" presetID="1" presetClass="exit" presetSubtype="0" fill="hold" nodeType="withEffect">
                                   <p:stCondLst>
                                     <p:cond delay="0"/>
                                   </p:stCondLst>
                                   <p:childTnLst>
                                     <p:set>
                                       <p:cBhvr>
-                                        <p:cTn id="43" dur="1" fill="hold">
+                                        <p:cTn id="45" dur="1" fill="hold">
                                           <p:stCondLst>
                                             <p:cond delay="0"/>
                                           </p:stCondLst>
@@ -14758,34 +15505,7 @@
                                 </p:cTn>
                               </p:par>
                               <p:par>
-                                <p:cTn id="44" presetID="1" presetClass="exit" presetSubtype="0" fill="hold" grpId="1" nodeType="withEffect">
-                                  <p:stCondLst>
-                                    <p:cond delay="0"/>
-                                  </p:stCondLst>
-                                  <p:childTnLst>
-                                    <p:set>
-                                      <p:cBhvr>
-                                        <p:cTn id="45" dur="1" fill="hold">
-                                          <p:stCondLst>
-                                            <p:cond delay="0"/>
-                                          </p:stCondLst>
-                                        </p:cTn>
-                                        <p:tgtEl>
-                                          <p:spTgt spid="11"/>
-                                        </p:tgtEl>
-                                        <p:attrNameLst>
-                                          <p:attrName>style.visibility</p:attrName>
-                                        </p:attrNameLst>
-                                      </p:cBhvr>
-                                      <p:to>
-                                        <p:strVal val="hidden"/>
-                                      </p:to>
-                                    </p:set>
-                                  </p:childTnLst>
-                                </p:cTn>
-                              </p:par>
-                              <p:par>
-                                <p:cTn id="46" presetID="1" presetClass="exit" presetSubtype="0" fill="hold" nodeType="withEffect">
+                                <p:cTn id="46" presetID="1" presetClass="exit" presetSubtype="0" fill="hold" grpId="1" nodeType="withEffect">
                                   <p:stCondLst>
                                     <p:cond delay="0"/>
                                   </p:stCondLst>
@@ -14798,7 +15518,7 @@
                                           </p:stCondLst>
                                         </p:cTn>
                                         <p:tgtEl>
-                                          <p:spTgt spid="19"/>
+                                          <p:spTgt spid="11"/>
                                         </p:tgtEl>
                                         <p:attrNameLst>
                                           <p:attrName>style.visibility</p:attrName>
@@ -14825,6 +15545,33 @@
                                           </p:stCondLst>
                                         </p:cTn>
                                         <p:tgtEl>
+                                          <p:spTgt spid="19"/>
+                                        </p:tgtEl>
+                                        <p:attrNameLst>
+                                          <p:attrName>style.visibility</p:attrName>
+                                        </p:attrNameLst>
+                                      </p:cBhvr>
+                                      <p:to>
+                                        <p:strVal val="hidden"/>
+                                      </p:to>
+                                    </p:set>
+                                  </p:childTnLst>
+                                </p:cTn>
+                              </p:par>
+                              <p:par>
+                                <p:cTn id="50" presetID="1" presetClass="exit" presetSubtype="0" fill="hold" nodeType="withEffect">
+                                  <p:stCondLst>
+                                    <p:cond delay="0"/>
+                                  </p:stCondLst>
+                                  <p:childTnLst>
+                                    <p:set>
+                                      <p:cBhvr>
+                                        <p:cTn id="51" dur="1" fill="hold">
+                                          <p:stCondLst>
+                                            <p:cond delay="0"/>
+                                          </p:stCondLst>
+                                        </p:cTn>
+                                        <p:tgtEl>
                                           <p:spTgt spid="24"/>
                                         </p:tgtEl>
                                         <p:attrNameLst>
@@ -14839,14 +15586,14 @@
                                 </p:cTn>
                               </p:par>
                               <p:par>
-                                <p:cTn id="50" presetID="1" presetClass="exit" presetSubtype="0" fill="hold" grpId="1" nodeType="withEffect">
+                                <p:cTn id="52" presetID="1" presetClass="exit" presetSubtype="0" fill="hold" grpId="1" nodeType="withEffect">
                                   <p:stCondLst>
                                     <p:cond delay="0"/>
                                   </p:stCondLst>
                                   <p:childTnLst>
                                     <p:set>
                                       <p:cBhvr>
-                                        <p:cTn id="51" dur="1" fill="hold">
+                                        <p:cTn id="53" dur="1" fill="hold">
                                           <p:stCondLst>
                                             <p:cond delay="0"/>
                                           </p:stCondLst>
@@ -14869,20 +15616,20 @@
                           </p:cTn>
                         </p:par>
                         <p:par>
-                          <p:cTn id="52" fill="hold">
+                          <p:cTn id="54" fill="hold">
                             <p:stCondLst>
                               <p:cond delay="0"/>
                             </p:stCondLst>
                             <p:childTnLst>
                               <p:par>
-                                <p:cTn id="53" presetID="1" presetClass="entr" presetSubtype="0" fill="hold" grpId="0" nodeType="afterEffect">
+                                <p:cTn id="55" presetID="1" presetClass="entr" presetSubtype="0" fill="hold" grpId="0" nodeType="afterEffect">
                                   <p:stCondLst>
                                     <p:cond delay="1000"/>
                                   </p:stCondLst>
                                   <p:childTnLst>
                                     <p:set>
                                       <p:cBhvr>
-                                        <p:cTn id="54" dur="1" fill="hold">
+                                        <p:cTn id="56" dur="1" fill="hold">
                                           <p:stCondLst>
                                             <p:cond delay="0"/>
                                           </p:stCondLst>
@@ -14902,14 +15649,14 @@
                                 </p:cTn>
                               </p:par>
                               <p:par>
-                                <p:cTn id="55" presetID="1" presetClass="entr" presetSubtype="0" fill="hold" grpId="0" nodeType="withEffect">
+                                <p:cTn id="57" presetID="1" presetClass="entr" presetSubtype="0" fill="hold" grpId="0" nodeType="withEffect">
                                   <p:stCondLst>
                                     <p:cond delay="1000"/>
                                   </p:stCondLst>
                                   <p:childTnLst>
                                     <p:set>
                                       <p:cBhvr>
-                                        <p:cTn id="56" dur="1" fill="hold">
+                                        <p:cTn id="58" dur="1" fill="hold">
                                           <p:stCondLst>
                                             <p:cond delay="0"/>
                                           </p:stCondLst>
@@ -14929,14 +15676,14 @@
                                 </p:cTn>
                               </p:par>
                               <p:par>
-                                <p:cTn id="57" presetID="1" presetClass="entr" presetSubtype="0" fill="hold" nodeType="withEffect">
+                                <p:cTn id="59" presetID="1" presetClass="entr" presetSubtype="0" fill="hold" nodeType="withEffect">
                                   <p:stCondLst>
                                     <p:cond delay="1000"/>
                                   </p:stCondLst>
                                   <p:childTnLst>
                                     <p:set>
                                       <p:cBhvr>
-                                        <p:cTn id="58" dur="1" fill="hold">
+                                        <p:cTn id="60" dur="1" fill="hold">
                                           <p:stCondLst>
                                             <p:cond delay="0"/>
                                           </p:stCondLst>
@@ -14962,26 +15709,26 @@
                     </p:cTn>
                   </p:par>
                   <p:par>
-                    <p:cTn id="59" fill="hold">
+                    <p:cTn id="61" fill="hold">
                       <p:stCondLst>
                         <p:cond delay="indefinite"/>
                       </p:stCondLst>
                       <p:childTnLst>
                         <p:par>
-                          <p:cTn id="60" fill="hold">
+                          <p:cTn id="62" fill="hold">
                             <p:stCondLst>
                               <p:cond delay="0"/>
                             </p:stCondLst>
                             <p:childTnLst>
                               <p:par>
-                                <p:cTn id="61" presetID="1" presetClass="entr" presetSubtype="0" fill="hold" grpId="2" nodeType="clickEffect">
+                                <p:cTn id="63" presetID="1" presetClass="entr" presetSubtype="0" fill="hold" grpId="2" nodeType="clickEffect">
                                   <p:stCondLst>
                                     <p:cond delay="0"/>
                                   </p:stCondLst>
                                   <p:childTnLst>
                                     <p:set>
                                       <p:cBhvr>
-                                        <p:cTn id="62" dur="1" fill="hold">
+                                        <p:cTn id="64" dur="1" fill="hold">
                                           <p:stCondLst>
                                             <p:cond delay="0"/>
                                           </p:stCondLst>
@@ -15001,14 +15748,14 @@
                                 </p:cTn>
                               </p:par>
                               <p:par>
-                                <p:cTn id="63" presetID="1" presetClass="entr" presetSubtype="0" fill="hold" nodeType="withEffect">
+                                <p:cTn id="65" presetID="1" presetClass="entr" presetSubtype="0" fill="hold" nodeType="withEffect">
                                   <p:stCondLst>
                                     <p:cond delay="0"/>
                                   </p:stCondLst>
                                   <p:childTnLst>
                                     <p:set>
                                       <p:cBhvr>
-                                        <p:cTn id="64" dur="1" fill="hold">
+                                        <p:cTn id="66" dur="1" fill="hold">
                                           <p:stCondLst>
                                             <p:cond delay="0"/>
                                           </p:stCondLst>
@@ -15028,14 +15775,14 @@
                                 </p:cTn>
                               </p:par>
                               <p:par>
-                                <p:cTn id="65" presetID="1" presetClass="entr" presetSubtype="0" fill="hold" nodeType="withEffect">
+                                <p:cTn id="67" presetID="1" presetClass="entr" presetSubtype="0" fill="hold" nodeType="withEffect">
                                   <p:stCondLst>
                                     <p:cond delay="1000"/>
                                   </p:stCondLst>
                                   <p:childTnLst>
                                     <p:set>
                                       <p:cBhvr>
-                                        <p:cTn id="66" dur="1" fill="hold">
+                                        <p:cTn id="68" dur="1" fill="hold">
                                           <p:stCondLst>
                                             <p:cond delay="0"/>
                                           </p:stCondLst>
@@ -15055,14 +15802,14 @@
                                 </p:cTn>
                               </p:par>
                               <p:par>
-                                <p:cTn id="67" presetID="1" presetClass="exit" presetSubtype="0" fill="hold" nodeType="withEffect">
+                                <p:cTn id="69" presetID="1" presetClass="exit" presetSubtype="0" fill="hold" nodeType="withEffect">
                                   <p:stCondLst>
                                     <p:cond delay="1000"/>
                                   </p:stCondLst>
                                   <p:childTnLst>
                                     <p:set>
                                       <p:cBhvr>
-                                        <p:cTn id="68" dur="1" fill="hold">
+                                        <p:cTn id="70" dur="1" fill="hold">
                                           <p:stCondLst>
                                             <p:cond delay="0"/>
                                           </p:stCondLst>
@@ -15088,46 +15835,19 @@
                     </p:cTn>
                   </p:par>
                   <p:par>
-                    <p:cTn id="69" fill="hold">
+                    <p:cTn id="71" fill="hold">
                       <p:stCondLst>
                         <p:cond delay="indefinite"/>
                       </p:stCondLst>
                       <p:childTnLst>
                         <p:par>
-                          <p:cTn id="70" fill="hold">
+                          <p:cTn id="72" fill="hold">
                             <p:stCondLst>
                               <p:cond delay="0"/>
                             </p:stCondLst>
                             <p:childTnLst>
                               <p:par>
-                                <p:cTn id="71" presetID="1" presetClass="entr" presetSubtype="0" fill="hold" grpId="0" nodeType="clickEffect">
-                                  <p:stCondLst>
-                                    <p:cond delay="0"/>
-                                  </p:stCondLst>
-                                  <p:childTnLst>
-                                    <p:set>
-                                      <p:cBhvr>
-                                        <p:cTn id="72" dur="1" fill="hold">
-                                          <p:stCondLst>
-                                            <p:cond delay="0"/>
-                                          </p:stCondLst>
-                                        </p:cTn>
-                                        <p:tgtEl>
-                                          <p:spTgt spid="35"/>
-                                        </p:tgtEl>
-                                        <p:attrNameLst>
-                                          <p:attrName>style.visibility</p:attrName>
-                                        </p:attrNameLst>
-                                      </p:cBhvr>
-                                      <p:to>
-                                        <p:strVal val="visible"/>
-                                      </p:to>
-                                    </p:set>
-                                  </p:childTnLst>
-                                </p:cTn>
-                              </p:par>
-                              <p:par>
-                                <p:cTn id="73" presetID="1" presetClass="entr" presetSubtype="0" fill="hold" nodeType="withEffect">
+                                <p:cTn id="73" presetID="1" presetClass="entr" presetSubtype="0" fill="hold" grpId="0" nodeType="clickEffect">
                                   <p:stCondLst>
                                     <p:cond delay="0"/>
                                   </p:stCondLst>
@@ -15140,7 +15860,7 @@
                                           </p:stCondLst>
                                         </p:cTn>
                                         <p:tgtEl>
-                                          <p:spTgt spid="36"/>
+                                          <p:spTgt spid="35"/>
                                         </p:tgtEl>
                                         <p:attrNameLst>
                                           <p:attrName>style.visibility</p:attrName>
@@ -15167,6 +15887,33 @@
                                           </p:stCondLst>
                                         </p:cTn>
                                         <p:tgtEl>
+                                          <p:spTgt spid="36"/>
+                                        </p:tgtEl>
+                                        <p:attrNameLst>
+                                          <p:attrName>style.visibility</p:attrName>
+                                        </p:attrNameLst>
+                                      </p:cBhvr>
+                                      <p:to>
+                                        <p:strVal val="visible"/>
+                                      </p:to>
+                                    </p:set>
+                                  </p:childTnLst>
+                                </p:cTn>
+                              </p:par>
+                              <p:par>
+                                <p:cTn id="77" presetID="1" presetClass="entr" presetSubtype="0" fill="hold" nodeType="withEffect">
+                                  <p:stCondLst>
+                                    <p:cond delay="0"/>
+                                  </p:stCondLst>
+                                  <p:childTnLst>
+                                    <p:set>
+                                      <p:cBhvr>
+                                        <p:cTn id="78" dur="1" fill="hold">
+                                          <p:stCondLst>
+                                            <p:cond delay="0"/>
+                                          </p:stCondLst>
+                                        </p:cTn>
+                                        <p:tgtEl>
                                           <p:spTgt spid="40"/>
                                         </p:tgtEl>
                                         <p:attrNameLst>
@@ -15184,20 +15931,20 @@
                           </p:cTn>
                         </p:par>
                         <p:par>
-                          <p:cTn id="77" fill="hold">
+                          <p:cTn id="79" fill="hold">
                             <p:stCondLst>
                               <p:cond delay="0"/>
                             </p:stCondLst>
                             <p:childTnLst>
                               <p:par>
-                                <p:cTn id="78" presetID="1" presetClass="exit" presetSubtype="0" fill="hold" grpId="1" nodeType="afterEffect">
+                                <p:cTn id="80" presetID="1" presetClass="exit" presetSubtype="0" fill="hold" grpId="1" nodeType="afterEffect">
                                   <p:stCondLst>
                                     <p:cond delay="1000"/>
                                   </p:stCondLst>
                                   <p:childTnLst>
                                     <p:set>
                                       <p:cBhvr>
-                                        <p:cTn id="79" dur="1" fill="hold">
+                                        <p:cTn id="81" dur="1" fill="hold">
                                           <p:stCondLst>
                                             <p:cond delay="0"/>
                                           </p:stCondLst>
@@ -15217,14 +15964,14 @@
                                 </p:cTn>
                               </p:par>
                               <p:par>
-                                <p:cTn id="80" presetID="1" presetClass="exit" presetSubtype="0" fill="hold" grpId="1" nodeType="withEffect">
+                                <p:cTn id="82" presetID="1" presetClass="exit" presetSubtype="0" fill="hold" grpId="1" nodeType="withEffect">
                                   <p:stCondLst>
                                     <p:cond delay="0"/>
                                   </p:stCondLst>
                                   <p:childTnLst>
                                     <p:set>
                                       <p:cBhvr>
-                                        <p:cTn id="81" dur="1" fill="hold">
+                                        <p:cTn id="83" dur="1" fill="hold">
                                           <p:stCondLst>
                                             <p:cond delay="0"/>
                                           </p:stCondLst>
@@ -15285,95 +16032,9 @@
       <p:bldP spid="30" grpId="1"/>
       <p:bldP spid="32" grpId="0"/>
       <p:bldP spid="35" grpId="0"/>
+      <p:bldP spid="3" grpId="0"/>
     </p:bldLst>
   </p:timing>
-</p:sld>
-</file>
-
-<file path=ppt/slides/slide11.xml><?xml version="1.0" encoding="utf-8"?>
-<p:sld xmlns:a="http://schemas.openxmlformats.org/drawingml/2006/main" xmlns:r="http://schemas.openxmlformats.org/officeDocument/2006/relationships" xmlns:p="http://schemas.openxmlformats.org/presentationml/2006/main">
-  <p:cSld>
-    <p:spTree>
-      <p:nvGrpSpPr>
-        <p:cNvPr id="1" name=""/>
-        <p:cNvGrpSpPr/>
-        <p:nvPr/>
-      </p:nvGrpSpPr>
-      <p:grpSpPr>
-        <a:xfrm>
-          <a:off x="0" y="0"/>
-          <a:ext cx="0" cy="0"/>
-          <a:chOff x="0" y="0"/>
-          <a:chExt cx="0" cy="0"/>
-        </a:xfrm>
-      </p:grpSpPr>
-      <p:sp>
-        <p:nvSpPr>
-          <p:cNvPr id="2" name="Titel 1">
-            <a:extLst>
-              <a:ext uri="{FF2B5EF4-FFF2-40B4-BE49-F238E27FC236}">
-                <a16:creationId xmlns:a16="http://schemas.microsoft.com/office/drawing/2014/main" id="{C1020314-B0AB-4B16-861E-E6CD1FFB6FCB}"/>
-              </a:ext>
-            </a:extLst>
-          </p:cNvPr>
-          <p:cNvSpPr>
-            <a:spLocks noGrp="1"/>
-          </p:cNvSpPr>
-          <p:nvPr>
-            <p:ph type="title"/>
-          </p:nvPr>
-        </p:nvSpPr>
-        <p:spPr/>
-        <p:txBody>
-          <a:bodyPr/>
-          <a:lstStyle/>
-          <a:p>
-            <a:r>
-              <a:rPr lang="de-DE" dirty="0"/>
-              <a:t>Was ist </a:t>
-            </a:r>
-            <a:r>
-              <a:rPr lang="de-DE"/>
-              <a:t>ein Tag?</a:t>
-            </a:r>
-          </a:p>
-        </p:txBody>
-      </p:sp>
-      <p:sp>
-        <p:nvSpPr>
-          <p:cNvPr id="3" name="Inhaltsplatzhalter 2">
-            <a:extLst>
-              <a:ext uri="{FF2B5EF4-FFF2-40B4-BE49-F238E27FC236}">
-                <a16:creationId xmlns:a16="http://schemas.microsoft.com/office/drawing/2014/main" id="{A44CCFDF-FABE-43E9-929B-5CE8003E96EF}"/>
-              </a:ext>
-            </a:extLst>
-          </p:cNvPr>
-          <p:cNvSpPr>
-            <a:spLocks noGrp="1"/>
-          </p:cNvSpPr>
-          <p:nvPr>
-            <p:ph idx="1"/>
-          </p:nvPr>
-        </p:nvSpPr>
-        <p:spPr/>
-        <p:txBody>
-          <a:bodyPr/>
-          <a:lstStyle/>
-          <a:p>
-            <a:endParaRPr lang="de-DE"/>
-          </a:p>
-        </p:txBody>
-      </p:sp>
-    </p:spTree>
-    <p:extLst>
-      <p:ext uri="{BB962C8B-B14F-4D97-AF65-F5344CB8AC3E}">
-        <p14:creationId xmlns:p14="http://schemas.microsoft.com/office/powerpoint/2010/main" val="4224225263"/>
-      </p:ext>
-    </p:extLst>
-  </p:cSld>
-  <p:clrMapOvr>
-    <a:masterClrMapping/>
-  </p:clrMapOvr>
 </p:sld>
 </file>
 
@@ -16443,6 +17104,13 @@
   <p:clrMapOvr>
     <a:masterClrMapping/>
   </p:clrMapOvr>
+  <p:timing>
+    <p:tnLst>
+      <p:par>
+        <p:cTn id="1" dur="indefinite" restart="never" nodeType="tmRoot"/>
+      </p:par>
+    </p:tnLst>
+  </p:timing>
 </p:sld>
 </file>
 
@@ -16591,6 +17259,13 @@
   <p:clrMapOvr>
     <a:masterClrMapping/>
   </p:clrMapOvr>
+  <p:timing>
+    <p:tnLst>
+      <p:par>
+        <p:cTn id="1" dur="indefinite" restart="never" nodeType="tmRoot"/>
+      </p:par>
+    </p:tnLst>
+  </p:timing>
 </p:sld>
 </file>
 
@@ -16999,6 +17674,13 @@
   <p:clrMapOvr>
     <a:masterClrMapping/>
   </p:clrMapOvr>
+  <p:timing>
+    <p:tnLst>
+      <p:par>
+        <p:cTn id="1" dur="indefinite" restart="never" nodeType="tmRoot"/>
+      </p:par>
+    </p:tnLst>
+  </p:timing>
 </p:sld>
 </file>
 
@@ -17040,7 +17722,11 @@
           <a:bodyPr/>
           <a:lstStyle/>
           <a:p>
-            <a:endParaRPr lang="de-DE"/>
+            <a:r>
+              <a:rPr lang="de-DE" dirty="0" smtClean="0"/>
+              <a:t>Befüllen des Arrays</a:t>
+            </a:r>
+            <a:endParaRPr lang="de-DE" dirty="0"/>
           </a:p>
         </p:txBody>
       </p:sp>
@@ -17084,7 +17770,7 @@
           <p:nvPr/>
         </p:nvPicPr>
         <p:blipFill>
-          <a:blip r:embed="rId2"/>
+          <a:blip r:embed="rId3"/>
           <a:stretch>
             <a:fillRect/>
           </a:stretch>
@@ -17109,10 +17795,381 @@
   <p:clrMapOvr>
     <a:masterClrMapping/>
   </p:clrMapOvr>
+  <p:timing>
+    <p:tnLst>
+      <p:par>
+        <p:cTn id="1" dur="indefinite" restart="never" nodeType="tmRoot"/>
+      </p:par>
+    </p:tnLst>
+  </p:timing>
 </p:sld>
 </file>
 
 <file path=ppt/slides/slide4.xml><?xml version="1.0" encoding="utf-8"?>
+<p:sld xmlns:a="http://schemas.openxmlformats.org/drawingml/2006/main" xmlns:r="http://schemas.openxmlformats.org/officeDocument/2006/relationships" xmlns:p="http://schemas.openxmlformats.org/presentationml/2006/main">
+  <p:cSld>
+    <p:spTree>
+      <p:nvGrpSpPr>
+        <p:cNvPr id="1" name=""/>
+        <p:cNvGrpSpPr/>
+        <p:nvPr/>
+      </p:nvGrpSpPr>
+      <p:grpSpPr>
+        <a:xfrm>
+          <a:off x="0" y="0"/>
+          <a:ext cx="0" cy="0"/>
+          <a:chOff x="0" y="0"/>
+          <a:chExt cx="0" cy="0"/>
+        </a:xfrm>
+      </p:grpSpPr>
+      <p:sp>
+        <p:nvSpPr>
+          <p:cNvPr id="2" name="Titel 1">
+            <a:extLst>
+              <a:ext uri="{FF2B5EF4-FFF2-40B4-BE49-F238E27FC236}">
+                <a16:creationId xmlns:a16="http://schemas.microsoft.com/office/drawing/2014/main" id="{C1020314-B0AB-4B16-861E-E6CD1FFB6FCB}"/>
+              </a:ext>
+            </a:extLst>
+          </p:cNvPr>
+          <p:cNvSpPr>
+            <a:spLocks noGrp="1"/>
+          </p:cNvSpPr>
+          <p:nvPr>
+            <p:ph type="title"/>
+          </p:nvPr>
+        </p:nvSpPr>
+        <p:spPr/>
+        <p:txBody>
+          <a:bodyPr/>
+          <a:lstStyle/>
+          <a:p>
+            <a:r>
+              <a:rPr lang="de-DE" dirty="0"/>
+              <a:t>Was ist ein </a:t>
+            </a:r>
+            <a:r>
+              <a:rPr lang="de-DE" dirty="0" smtClean="0"/>
+              <a:t>Tag, wozu nutzen wir ihn?</a:t>
+            </a:r>
+            <a:endParaRPr lang="de-DE" dirty="0"/>
+          </a:p>
+        </p:txBody>
+      </p:sp>
+      <p:pic>
+        <p:nvPicPr>
+          <p:cNvPr id="4" name="Inhaltsplatzhalter 3"/>
+          <p:cNvPicPr>
+            <a:picLocks noGrp="1" noChangeAspect="1"/>
+          </p:cNvPicPr>
+          <p:nvPr>
+            <p:ph idx="1"/>
+          </p:nvPr>
+        </p:nvPicPr>
+        <p:blipFill>
+          <a:blip r:embed="rId3"/>
+          <a:stretch>
+            <a:fillRect/>
+          </a:stretch>
+        </p:blipFill>
+        <p:spPr>
+          <a:xfrm>
+            <a:off x="1141413" y="2454618"/>
+            <a:ext cx="4747817" cy="520594"/>
+          </a:xfrm>
+          <a:prstGeom prst="rect">
+            <a:avLst/>
+          </a:prstGeom>
+        </p:spPr>
+      </p:pic>
+      <p:cxnSp>
+        <p:nvCxnSpPr>
+          <p:cNvPr id="8" name="Gerade Verbindung mit Pfeil 7"/>
+          <p:cNvCxnSpPr/>
+          <p:nvPr/>
+        </p:nvCxnSpPr>
+        <p:spPr>
+          <a:xfrm flipV="1">
+            <a:off x="1856096" y="2975212"/>
+            <a:ext cx="27294" cy="1173707"/>
+          </a:xfrm>
+          <a:prstGeom prst="straightConnector1">
+            <a:avLst/>
+          </a:prstGeom>
+          <a:ln w="38100">
+            <a:solidFill>
+              <a:srgbClr val="FFFF00"/>
+            </a:solidFill>
+            <a:tailEnd type="triangle"/>
+          </a:ln>
+        </p:spPr>
+        <p:style>
+          <a:lnRef idx="1">
+            <a:schemeClr val="accent1"/>
+          </a:lnRef>
+          <a:fillRef idx="0">
+            <a:schemeClr val="accent1"/>
+          </a:fillRef>
+          <a:effectRef idx="0">
+            <a:schemeClr val="accent1"/>
+          </a:effectRef>
+          <a:fontRef idx="minor">
+            <a:schemeClr val="tx1"/>
+          </a:fontRef>
+        </p:style>
+      </p:cxnSp>
+      <p:cxnSp>
+        <p:nvCxnSpPr>
+          <p:cNvPr id="12" name="Gerade Verbindung mit Pfeil 11"/>
+          <p:cNvCxnSpPr/>
+          <p:nvPr/>
+        </p:nvCxnSpPr>
+        <p:spPr>
+          <a:xfrm flipV="1">
+            <a:off x="3515321" y="2975212"/>
+            <a:ext cx="513042" cy="1528549"/>
+          </a:xfrm>
+          <a:prstGeom prst="straightConnector1">
+            <a:avLst/>
+          </a:prstGeom>
+          <a:ln w="38100">
+            <a:solidFill>
+              <a:srgbClr val="FFFF00"/>
+            </a:solidFill>
+            <a:tailEnd type="triangle"/>
+          </a:ln>
+        </p:spPr>
+        <p:style>
+          <a:lnRef idx="1">
+            <a:schemeClr val="accent1"/>
+          </a:lnRef>
+          <a:fillRef idx="0">
+            <a:schemeClr val="accent1"/>
+          </a:fillRef>
+          <a:effectRef idx="0">
+            <a:schemeClr val="accent1"/>
+          </a:effectRef>
+          <a:fontRef idx="minor">
+            <a:schemeClr val="tx1"/>
+          </a:fontRef>
+        </p:style>
+      </p:cxnSp>
+      <p:cxnSp>
+        <p:nvCxnSpPr>
+          <p:cNvPr id="13" name="Gerade Verbindung mit Pfeil 12"/>
+          <p:cNvCxnSpPr/>
+          <p:nvPr/>
+        </p:nvCxnSpPr>
+        <p:spPr>
+          <a:xfrm flipH="1" flipV="1">
+            <a:off x="4765342" y="2971077"/>
+            <a:ext cx="755625" cy="1532684"/>
+          </a:xfrm>
+          <a:prstGeom prst="straightConnector1">
+            <a:avLst/>
+          </a:prstGeom>
+          <a:ln w="38100">
+            <a:solidFill>
+              <a:srgbClr val="FFFF00"/>
+            </a:solidFill>
+            <a:tailEnd type="triangle"/>
+          </a:ln>
+        </p:spPr>
+        <p:style>
+          <a:lnRef idx="1">
+            <a:schemeClr val="accent1"/>
+          </a:lnRef>
+          <a:fillRef idx="0">
+            <a:schemeClr val="accent1"/>
+          </a:fillRef>
+          <a:effectRef idx="0">
+            <a:schemeClr val="accent1"/>
+          </a:effectRef>
+          <a:fontRef idx="minor">
+            <a:schemeClr val="tx1"/>
+          </a:fontRef>
+        </p:style>
+      </p:cxnSp>
+      <p:cxnSp>
+        <p:nvCxnSpPr>
+          <p:cNvPr id="14" name="Gerade Verbindung mit Pfeil 13"/>
+          <p:cNvCxnSpPr/>
+          <p:nvPr/>
+        </p:nvCxnSpPr>
+        <p:spPr>
+          <a:xfrm flipH="1" flipV="1">
+            <a:off x="5455402" y="2973144"/>
+            <a:ext cx="2565152" cy="1530617"/>
+          </a:xfrm>
+          <a:prstGeom prst="straightConnector1">
+            <a:avLst/>
+          </a:prstGeom>
+          <a:ln w="38100">
+            <a:solidFill>
+              <a:srgbClr val="FFFF00"/>
+            </a:solidFill>
+            <a:tailEnd type="triangle"/>
+          </a:ln>
+        </p:spPr>
+        <p:style>
+          <a:lnRef idx="1">
+            <a:schemeClr val="accent1"/>
+          </a:lnRef>
+          <a:fillRef idx="0">
+            <a:schemeClr val="accent1"/>
+          </a:fillRef>
+          <a:effectRef idx="0">
+            <a:schemeClr val="accent1"/>
+          </a:effectRef>
+          <a:fontRef idx="minor">
+            <a:schemeClr val="tx1"/>
+          </a:fontRef>
+        </p:style>
+      </p:cxnSp>
+      <p:sp>
+        <p:nvSpPr>
+          <p:cNvPr id="19" name="Textfeld 18"/>
+          <p:cNvSpPr txBox="1"/>
+          <p:nvPr/>
+        </p:nvSpPr>
+        <p:spPr>
+          <a:xfrm>
+            <a:off x="1188509" y="4319095"/>
+            <a:ext cx="1335174" cy="369332"/>
+          </a:xfrm>
+          <a:prstGeom prst="rect">
+            <a:avLst/>
+          </a:prstGeom>
+          <a:noFill/>
+        </p:spPr>
+        <p:txBody>
+          <a:bodyPr wrap="none" rtlCol="0">
+            <a:spAutoFit/>
+          </a:bodyPr>
+          <a:lstStyle/>
+          <a:p>
+            <a:r>
+              <a:rPr lang="de-DE" dirty="0" smtClean="0"/>
+              <a:t>Button Array</a:t>
+            </a:r>
+            <a:endParaRPr lang="de-DE" dirty="0"/>
+          </a:p>
+        </p:txBody>
+      </p:sp>
+      <p:sp>
+        <p:nvSpPr>
+          <p:cNvPr id="20" name="Textfeld 19"/>
+          <p:cNvSpPr txBox="1"/>
+          <p:nvPr/>
+        </p:nvSpPr>
+        <p:spPr>
+          <a:xfrm>
+            <a:off x="2626825" y="4688427"/>
+            <a:ext cx="1390317" cy="369332"/>
+          </a:xfrm>
+          <a:prstGeom prst="rect">
+            <a:avLst/>
+          </a:prstGeom>
+          <a:noFill/>
+        </p:spPr>
+        <p:txBody>
+          <a:bodyPr wrap="none" rtlCol="0">
+            <a:spAutoFit/>
+          </a:bodyPr>
+          <a:lstStyle/>
+          <a:p>
+            <a:r>
+              <a:rPr lang="de-DE" dirty="0"/>
+              <a:t>x</a:t>
+            </a:r>
+            <a:r>
+              <a:rPr lang="de-DE" dirty="0" smtClean="0"/>
+              <a:t>-Koordinate</a:t>
+            </a:r>
+            <a:endParaRPr lang="de-DE" dirty="0"/>
+          </a:p>
+        </p:txBody>
+      </p:sp>
+      <p:sp>
+        <p:nvSpPr>
+          <p:cNvPr id="23" name="Textfeld 22"/>
+          <p:cNvSpPr txBox="1"/>
+          <p:nvPr/>
+        </p:nvSpPr>
+        <p:spPr>
+          <a:xfrm>
+            <a:off x="7325396" y="4688427"/>
+            <a:ext cx="1390317" cy="369332"/>
+          </a:xfrm>
+          <a:prstGeom prst="rect">
+            <a:avLst/>
+          </a:prstGeom>
+          <a:noFill/>
+        </p:spPr>
+        <p:txBody>
+          <a:bodyPr wrap="none" rtlCol="0">
+            <a:spAutoFit/>
+          </a:bodyPr>
+          <a:lstStyle/>
+          <a:p>
+            <a:r>
+              <a:rPr lang="de-DE" dirty="0" smtClean="0"/>
+              <a:t>y-Koordinate</a:t>
+            </a:r>
+            <a:endParaRPr lang="de-DE" dirty="0"/>
+          </a:p>
+        </p:txBody>
+      </p:sp>
+      <p:sp>
+        <p:nvSpPr>
+          <p:cNvPr id="25" name="Textfeld 24"/>
+          <p:cNvSpPr txBox="1"/>
+          <p:nvPr/>
+        </p:nvSpPr>
+        <p:spPr>
+          <a:xfrm>
+            <a:off x="4960001" y="4716565"/>
+            <a:ext cx="1415131" cy="369332"/>
+          </a:xfrm>
+          <a:prstGeom prst="rect">
+            <a:avLst/>
+          </a:prstGeom>
+          <a:noFill/>
+        </p:spPr>
+        <p:txBody>
+          <a:bodyPr wrap="none" rtlCol="0">
+            <a:spAutoFit/>
+          </a:bodyPr>
+          <a:lstStyle/>
+          <a:p>
+            <a:r>
+              <a:rPr lang="de-DE" dirty="0" smtClean="0"/>
+              <a:t>Trennzeichen </a:t>
+            </a:r>
+            <a:endParaRPr lang="de-DE" dirty="0"/>
+          </a:p>
+        </p:txBody>
+      </p:sp>
+    </p:spTree>
+    <p:extLst>
+      <p:ext uri="{BB962C8B-B14F-4D97-AF65-F5344CB8AC3E}">
+        <p14:creationId xmlns:p14="http://schemas.microsoft.com/office/powerpoint/2010/main" val="4224225263"/>
+      </p:ext>
+    </p:extLst>
+  </p:cSld>
+  <p:clrMapOvr>
+    <a:masterClrMapping/>
+  </p:clrMapOvr>
+  <p:timing>
+    <p:tnLst>
+      <p:par>
+        <p:cTn id="1" dur="indefinite" restart="never" nodeType="tmRoot"/>
+      </p:par>
+    </p:tnLst>
+  </p:timing>
+</p:sld>
+</file>
+
+<file path=ppt/slides/slide5.xml><?xml version="1.0" encoding="utf-8"?>
 <p:sld xmlns:a="http://schemas.openxmlformats.org/drawingml/2006/main" xmlns:r="http://schemas.openxmlformats.org/officeDocument/2006/relationships" xmlns:p="http://schemas.openxmlformats.org/presentationml/2006/main">
   <p:cSld>
     <p:spTree>
@@ -17222,10 +18279,17 @@
   <p:clrMapOvr>
     <a:masterClrMapping/>
   </p:clrMapOvr>
+  <p:timing>
+    <p:tnLst>
+      <p:par>
+        <p:cTn id="1" dur="indefinite" restart="never" nodeType="tmRoot"/>
+      </p:par>
+    </p:tnLst>
+  </p:timing>
 </p:sld>
 </file>
 
-<file path=ppt/slides/slide5.xml><?xml version="1.0" encoding="utf-8"?>
+<file path=ppt/slides/slide6.xml><?xml version="1.0" encoding="utf-8"?>
 <p:sld xmlns:a="http://schemas.openxmlformats.org/drawingml/2006/main" xmlns:r="http://schemas.openxmlformats.org/officeDocument/2006/relationships" xmlns:p="http://schemas.openxmlformats.org/presentationml/2006/main">
   <p:cSld>
     <p:spTree>
@@ -17540,7 +18604,7 @@
 </p:sld>
 </file>
 
-<file path=ppt/slides/slide6.xml><?xml version="1.0" encoding="utf-8"?>
+<file path=ppt/slides/slide7.xml><?xml version="1.0" encoding="utf-8"?>
 <p:sld xmlns:a="http://schemas.openxmlformats.org/drawingml/2006/main" xmlns:r="http://schemas.openxmlformats.org/officeDocument/2006/relationships" xmlns:p="http://schemas.openxmlformats.org/presentationml/2006/main">
   <p:cSld>
     <p:spTree>
@@ -21551,10 +22615,17 @@
   <p:clrMapOvr>
     <a:masterClrMapping/>
   </p:clrMapOvr>
+  <p:timing>
+    <p:tnLst>
+      <p:par>
+        <p:cTn id="1" dur="indefinite" restart="never" nodeType="tmRoot"/>
+      </p:par>
+    </p:tnLst>
+  </p:timing>
 </p:sld>
 </file>
 
-<file path=ppt/slides/slide7.xml><?xml version="1.0" encoding="utf-8"?>
+<file path=ppt/slides/slide8.xml><?xml version="1.0" encoding="utf-8"?>
 <p:sld xmlns:a="http://schemas.openxmlformats.org/drawingml/2006/main" xmlns:r="http://schemas.openxmlformats.org/officeDocument/2006/relationships" xmlns:p="http://schemas.openxmlformats.org/presentationml/2006/main">
   <p:cSld>
     <p:spTree>
@@ -21668,10 +22739,17 @@
   <p:clrMapOvr>
     <a:masterClrMapping/>
   </p:clrMapOvr>
+  <p:timing>
+    <p:tnLst>
+      <p:par>
+        <p:cTn id="1" dur="indefinite" restart="never" nodeType="tmRoot"/>
+      </p:par>
+    </p:tnLst>
+  </p:timing>
 </p:sld>
 </file>
 
-<file path=ppt/slides/slide8.xml><?xml version="1.0" encoding="utf-8"?>
+<file path=ppt/slides/slide9.xml><?xml version="1.0" encoding="utf-8"?>
 <p:sld xmlns:a="http://schemas.openxmlformats.org/drawingml/2006/main" xmlns:r="http://schemas.openxmlformats.org/officeDocument/2006/relationships" xmlns:p="http://schemas.openxmlformats.org/presentationml/2006/main">
   <p:cSld>
     <p:spTree>
@@ -21785,93 +22863,13 @@
   <p:clrMapOvr>
     <a:masterClrMapping/>
   </p:clrMapOvr>
-</p:sld>
-</file>
-
-<file path=ppt/slides/slide9.xml><?xml version="1.0" encoding="utf-8"?>
-<p:sld xmlns:a="http://schemas.openxmlformats.org/drawingml/2006/main" xmlns:r="http://schemas.openxmlformats.org/officeDocument/2006/relationships" xmlns:p="http://schemas.openxmlformats.org/presentationml/2006/main">
-  <p:cSld>
-    <p:spTree>
-      <p:nvGrpSpPr>
-        <p:cNvPr id="1" name=""/>
-        <p:cNvGrpSpPr/>
-        <p:nvPr/>
-      </p:nvGrpSpPr>
-      <p:grpSpPr>
-        <a:xfrm>
-          <a:off x="0" y="0"/>
-          <a:ext cx="0" cy="0"/>
-          <a:chOff x="0" y="0"/>
-          <a:chExt cx="0" cy="0"/>
-        </a:xfrm>
-      </p:grpSpPr>
-      <p:sp>
-        <p:nvSpPr>
-          <p:cNvPr id="2" name="Titel 1">
-            <a:extLst>
-              <a:ext uri="{FF2B5EF4-FFF2-40B4-BE49-F238E27FC236}">
-                <a16:creationId xmlns:a16="http://schemas.microsoft.com/office/drawing/2014/main" id="{26AD1010-29FF-4ACB-9F35-33D31C08246D}"/>
-              </a:ext>
-            </a:extLst>
-          </p:cNvPr>
-          <p:cNvSpPr>
-            <a:spLocks noGrp="1"/>
-          </p:cNvSpPr>
-          <p:nvPr>
-            <p:ph type="title"/>
-          </p:nvPr>
-        </p:nvSpPr>
-        <p:spPr/>
-        <p:txBody>
-          <a:bodyPr/>
-          <a:lstStyle/>
-          <a:p>
-            <a:r>
-              <a:rPr lang="de-DE" dirty="0" err="1"/>
-              <a:t>Restart</a:t>
-            </a:r>
-            <a:r>
-              <a:rPr lang="de-DE" dirty="0"/>
-              <a:t> &amp; Spielmodus</a:t>
-            </a:r>
-          </a:p>
-        </p:txBody>
-      </p:sp>
-      <p:sp>
-        <p:nvSpPr>
-          <p:cNvPr id="3" name="Inhaltsplatzhalter 2">
-            <a:extLst>
-              <a:ext uri="{FF2B5EF4-FFF2-40B4-BE49-F238E27FC236}">
-                <a16:creationId xmlns:a16="http://schemas.microsoft.com/office/drawing/2014/main" id="{143DE596-8C13-4C91-946A-9F2A7EF18EF1}"/>
-              </a:ext>
-            </a:extLst>
-          </p:cNvPr>
-          <p:cNvSpPr>
-            <a:spLocks noGrp="1"/>
-          </p:cNvSpPr>
-          <p:nvPr>
-            <p:ph idx="1"/>
-          </p:nvPr>
-        </p:nvSpPr>
-        <p:spPr/>
-        <p:txBody>
-          <a:bodyPr/>
-          <a:lstStyle/>
-          <a:p>
-            <a:endParaRPr lang="de-DE"/>
-          </a:p>
-        </p:txBody>
-      </p:sp>
-    </p:spTree>
-    <p:extLst>
-      <p:ext uri="{BB962C8B-B14F-4D97-AF65-F5344CB8AC3E}">
-        <p14:creationId xmlns:p14="http://schemas.microsoft.com/office/powerpoint/2010/main" val="3220729925"/>
-      </p:ext>
-    </p:extLst>
-  </p:cSld>
-  <p:clrMapOvr>
-    <a:masterClrMapping/>
-  </p:clrMapOvr>
+  <p:timing>
+    <p:tnLst>
+      <p:par>
+        <p:cTn id="1" dur="indefinite" restart="never" nodeType="tmRoot"/>
+      </p:par>
+    </p:tnLst>
+  </p:timing>
 </p:sld>
 </file>
 

--- a/IT-Kurzprojekt.pptx
+++ b/IT-Kurzprojekt.pptx
@@ -5,7 +5,7 @@
     <p:sldMasterId id="2147483648" r:id="rId1"/>
   </p:sldMasterIdLst>
   <p:notesMasterIdLst>
-    <p:notesMasterId r:id="rId17"/>
+    <p:notesMasterId r:id="rId18"/>
   </p:notesMasterIdLst>
   <p:sldIdLst>
     <p:sldId id="256" r:id="rId2"/>
@@ -14,15 +14,16 @@
     <p:sldId id="269" r:id="rId5"/>
     <p:sldId id="259" r:id="rId6"/>
     <p:sldId id="260" r:id="rId7"/>
-    <p:sldId id="261" r:id="rId8"/>
-    <p:sldId id="270" r:id="rId9"/>
-    <p:sldId id="262" r:id="rId10"/>
-    <p:sldId id="268" r:id="rId11"/>
-    <p:sldId id="264" r:id="rId12"/>
-    <p:sldId id="272" r:id="rId13"/>
-    <p:sldId id="271" r:id="rId14"/>
-    <p:sldId id="274" r:id="rId15"/>
-    <p:sldId id="273" r:id="rId16"/>
+    <p:sldId id="275" r:id="rId8"/>
+    <p:sldId id="261" r:id="rId9"/>
+    <p:sldId id="270" r:id="rId10"/>
+    <p:sldId id="262" r:id="rId11"/>
+    <p:sldId id="268" r:id="rId12"/>
+    <p:sldId id="264" r:id="rId13"/>
+    <p:sldId id="272" r:id="rId14"/>
+    <p:sldId id="271" r:id="rId15"/>
+    <p:sldId id="274" r:id="rId16"/>
+    <p:sldId id="273" r:id="rId17"/>
   </p:sldIdLst>
   <p:sldSz cx="12192000" cy="6858000"/>
   <p:notesSz cx="6858000" cy="9144000"/>
@@ -211,7 +212,7 @@
           <a:p>
             <a:fld id="{BC3F662D-799D-45D1-8BCA-E5F703E58855}" type="datetimeFigureOut">
               <a:rPr lang="de-DE" smtClean="0"/>
-              <a:t>11.11.2019</a:t>
+              <a:t>16.11.2019</a:t>
             </a:fld>
             <a:endParaRPr lang="de-DE"/>
           </a:p>
@@ -636,6 +637,90 @@
     </p:spTree>
     <p:extLst>
       <p:ext uri="{BB962C8B-B14F-4D97-AF65-F5344CB8AC3E}">
+        <p14:creationId xmlns:p14="http://schemas.microsoft.com/office/powerpoint/2010/main" val="2419011255"/>
+      </p:ext>
+    </p:extLst>
+  </p:cSld>
+  <p:clrMapOvr>
+    <a:masterClrMapping/>
+  </p:clrMapOvr>
+</p:notes>
+</file>
+
+<file path=ppt/notesSlides/notesSlide11.xml><?xml version="1.0" encoding="utf-8"?>
+<p:notes xmlns:a="http://schemas.openxmlformats.org/drawingml/2006/main" xmlns:r="http://schemas.openxmlformats.org/officeDocument/2006/relationships" xmlns:p="http://schemas.openxmlformats.org/presentationml/2006/main">
+  <p:cSld>
+    <p:spTree>
+      <p:nvGrpSpPr>
+        <p:cNvPr id="1" name=""/>
+        <p:cNvGrpSpPr/>
+        <p:nvPr/>
+      </p:nvGrpSpPr>
+      <p:grpSpPr>
+        <a:xfrm>
+          <a:off x="0" y="0"/>
+          <a:ext cx="0" cy="0"/>
+          <a:chOff x="0" y="0"/>
+          <a:chExt cx="0" cy="0"/>
+        </a:xfrm>
+      </p:grpSpPr>
+      <p:sp>
+        <p:nvSpPr>
+          <p:cNvPr id="2" name="Folienbildplatzhalter 1"/>
+          <p:cNvSpPr>
+            <a:spLocks noGrp="1" noRot="1" noChangeAspect="1"/>
+          </p:cNvSpPr>
+          <p:nvPr>
+            <p:ph type="sldImg"/>
+          </p:nvPr>
+        </p:nvSpPr>
+        <p:spPr/>
+      </p:sp>
+      <p:sp>
+        <p:nvSpPr>
+          <p:cNvPr id="3" name="Notizenplatzhalter 2"/>
+          <p:cNvSpPr>
+            <a:spLocks noGrp="1"/>
+          </p:cNvSpPr>
+          <p:nvPr>
+            <p:ph type="body" idx="1"/>
+          </p:nvPr>
+        </p:nvSpPr>
+        <p:spPr/>
+        <p:txBody>
+          <a:bodyPr/>
+          <a:lstStyle/>
+          <a:p>
+            <a:endParaRPr lang="de-DE" dirty="0"/>
+          </a:p>
+        </p:txBody>
+      </p:sp>
+      <p:sp>
+        <p:nvSpPr>
+          <p:cNvPr id="4" name="Foliennummernplatzhalter 3"/>
+          <p:cNvSpPr>
+            <a:spLocks noGrp="1"/>
+          </p:cNvSpPr>
+          <p:nvPr>
+            <p:ph type="sldNum" sz="quarter" idx="5"/>
+          </p:nvPr>
+        </p:nvSpPr>
+        <p:spPr/>
+        <p:txBody>
+          <a:bodyPr/>
+          <a:lstStyle/>
+          <a:p>
+            <a:fld id="{26A06B9A-17B0-4B04-8AC6-E23EA5A58D8C}" type="slidenum">
+              <a:rPr lang="de-DE" smtClean="0"/>
+              <a:t>13</a:t>
+            </a:fld>
+            <a:endParaRPr lang="de-DE"/>
+          </a:p>
+        </p:txBody>
+      </p:sp>
+    </p:spTree>
+    <p:extLst>
+      <p:ext uri="{BB962C8B-B14F-4D97-AF65-F5344CB8AC3E}">
         <p14:creationId xmlns:p14="http://schemas.microsoft.com/office/powerpoint/2010/main" val="2486665996"/>
       </p:ext>
     </p:extLst>
@@ -833,78 +918,78 @@
           <a:lstStyle/>
           <a:p>
             <a:r>
-              <a:rPr lang="de-DE" dirty="0" smtClean="0"/>
+              <a:rPr lang="de-DE" dirty="0"/>
               <a:t>Array erstellen vom Typ Button in einer verschachtelten </a:t>
             </a:r>
             <a:r>
-              <a:rPr lang="de-DE" dirty="0" err="1" smtClean="0"/>
+              <a:rPr lang="de-DE" dirty="0" err="1"/>
               <a:t>for</a:t>
             </a:r>
             <a:r>
-              <a:rPr lang="de-DE" dirty="0" smtClean="0"/>
+              <a:rPr lang="de-DE" dirty="0"/>
               <a:t> schleife </a:t>
             </a:r>
           </a:p>
           <a:p>
             <a:r>
-              <a:rPr lang="de-DE" dirty="0" smtClean="0"/>
+              <a:rPr lang="de-DE" dirty="0"/>
               <a:t>Location Button x und y Koordinate multipliziert mit der </a:t>
             </a:r>
             <a:r>
-              <a:rPr lang="de-DE" dirty="0" err="1" smtClean="0"/>
+              <a:rPr lang="de-DE" dirty="0" err="1"/>
               <a:t>buttongröße</a:t>
             </a:r>
             <a:r>
-              <a:rPr lang="de-DE" dirty="0" smtClean="0"/>
+              <a:rPr lang="de-DE" dirty="0"/>
               <a:t> </a:t>
             </a:r>
           </a:p>
           <a:p>
             <a:r>
-              <a:rPr lang="de-DE" dirty="0" smtClean="0"/>
+              <a:rPr lang="de-DE" dirty="0"/>
               <a:t>Ab</a:t>
             </a:r>
             <a:r>
-              <a:rPr lang="de-DE" baseline="0" dirty="0" smtClean="0"/>
+              <a:rPr lang="de-DE" baseline="0" dirty="0"/>
               <a:t> Image ist alles Graphische </a:t>
             </a:r>
             <a:r>
-              <a:rPr lang="de-DE" baseline="0" dirty="0" err="1" smtClean="0"/>
+              <a:rPr lang="de-DE" baseline="0" dirty="0" err="1"/>
               <a:t>bearbeitung</a:t>
             </a:r>
             <a:r>
-              <a:rPr lang="de-DE" baseline="0" dirty="0" smtClean="0"/>
+              <a:rPr lang="de-DE" baseline="0" dirty="0"/>
               <a:t> </a:t>
             </a:r>
-            <a:endParaRPr lang="de-DE" dirty="0" smtClean="0"/>
+            <a:endParaRPr lang="de-DE" dirty="0"/>
           </a:p>
           <a:p>
             <a:r>
-              <a:rPr lang="de-DE" dirty="0" err="1" smtClean="0"/>
+              <a:rPr lang="de-DE" dirty="0" err="1"/>
               <a:t>Tap</a:t>
             </a:r>
             <a:r>
-              <a:rPr lang="de-DE" dirty="0" smtClean="0"/>
+              <a:rPr lang="de-DE" dirty="0"/>
               <a:t> </a:t>
             </a:r>
             <a:r>
-              <a:rPr lang="de-DE" dirty="0" err="1" smtClean="0"/>
+              <a:rPr lang="de-DE" dirty="0" err="1"/>
               <a:t>Stop</a:t>
             </a:r>
             <a:r>
-              <a:rPr lang="de-DE" dirty="0" smtClean="0"/>
+              <a:rPr lang="de-DE" dirty="0"/>
               <a:t> Graphische</a:t>
             </a:r>
             <a:r>
-              <a:rPr lang="de-DE" baseline="0" dirty="0" smtClean="0"/>
+              <a:rPr lang="de-DE" baseline="0" dirty="0"/>
               <a:t> </a:t>
             </a:r>
             <a:r>
-              <a:rPr lang="de-DE" baseline="0" dirty="0" err="1" smtClean="0"/>
+              <a:rPr lang="de-DE" baseline="0" dirty="0" err="1"/>
               <a:t>bearbeitung</a:t>
             </a:r>
             <a:r>
-              <a:rPr lang="de-DE" baseline="0" dirty="0" smtClean="0"/>
+              <a:rPr lang="de-DE" baseline="0" dirty="0"/>
               <a:t> </a:t>
             </a:r>
             <a:endParaRPr lang="de-DE" dirty="0"/>
@@ -995,11 +1080,11 @@
               <a:buAutoNum type="arabicPeriod"/>
             </a:pPr>
             <a:r>
-              <a:rPr lang="de-DE" dirty="0" smtClean="0"/>
+              <a:rPr lang="de-DE" dirty="0"/>
               <a:t>Dem Button im Array Platz x und y wird ein Tag (zusätzliches Attribut von Steuer Elementen das beliebig verwendbar ist.</a:t>
             </a:r>
             <a:r>
-              <a:rPr lang="de-DE" baseline="0" dirty="0" smtClean="0"/>
+              <a:rPr lang="de-DE" baseline="0" dirty="0"/>
               <a:t> </a:t>
             </a:r>
           </a:p>
@@ -1008,7 +1093,7 @@
               <a:buAutoNum type="arabicPeriod"/>
             </a:pPr>
             <a:r>
-              <a:rPr lang="de-DE" baseline="0" dirty="0" smtClean="0"/>
+              <a:rPr lang="de-DE" baseline="0" dirty="0"/>
               <a:t>X- Koordinate vom Array </a:t>
             </a:r>
           </a:p>
@@ -1017,15 +1102,15 @@
               <a:buAutoNum type="arabicPeriod"/>
             </a:pPr>
             <a:r>
-              <a:rPr lang="de-DE" baseline="0" dirty="0" smtClean="0"/>
+              <a:rPr lang="de-DE" baseline="0" dirty="0"/>
               <a:t>Trennzeichen damit x und die y Koordinate wieder eindeutig abrufbar ist. ( Klick Event, welcher Botton hat im </a:t>
             </a:r>
             <a:r>
-              <a:rPr lang="de-DE" baseline="0" dirty="0" err="1" smtClean="0"/>
+              <a:rPr lang="de-DE" baseline="0" dirty="0" err="1"/>
               <a:t>clickevent</a:t>
             </a:r>
             <a:r>
-              <a:rPr lang="de-DE" baseline="0" dirty="0" smtClean="0"/>
+              <a:rPr lang="de-DE" baseline="0" dirty="0"/>
               <a:t> ausgelöst, ums auslesen zu können wo wurde geklickt  </a:t>
             </a:r>
           </a:p>
@@ -1034,7 +1119,7 @@
               <a:buAutoNum type="arabicPeriod"/>
             </a:pPr>
             <a:r>
-              <a:rPr lang="de-DE" baseline="0" dirty="0" smtClean="0"/>
+              <a:rPr lang="de-DE" baseline="0" dirty="0"/>
               <a:t>Y-Koordinate </a:t>
             </a:r>
           </a:p>
@@ -1042,7 +1127,7 @@
             <a:pPr marL="228600" indent="-228600">
               <a:buAutoNum type="arabicPeriod"/>
             </a:pPr>
-            <a:endParaRPr lang="de-DE" baseline="0" dirty="0" smtClean="0"/>
+            <a:endParaRPr lang="de-DE" baseline="0" dirty="0"/>
           </a:p>
           <a:p>
             <a:pPr marL="228600" indent="-228600">
@@ -1360,9 +1445,42 @@
           <a:bodyPr/>
           <a:lstStyle/>
           <a:p>
+            <a:pPr marL="228600" indent="-228600">
+              <a:buAutoNum type="arabicPeriod"/>
+            </a:pPr>
             <a:r>
               <a:rPr lang="de-DE" dirty="0"/>
-              <a:t>Wenn Klick eine Bombe erfasst</a:t>
+              <a:t>Version Blockieren des Klicks wenn Flagge</a:t>
+            </a:r>
+          </a:p>
+          <a:p>
+            <a:pPr marL="228600" indent="-228600">
+              <a:buAutoNum type="arabicPeriod"/>
+            </a:pPr>
+            <a:endParaRPr lang="de-DE" dirty="0"/>
+          </a:p>
+          <a:p>
+            <a:pPr marL="0" indent="0">
+              <a:buNone/>
+            </a:pPr>
+            <a:r>
+              <a:rPr lang="de-DE" dirty="0"/>
+              <a:t>Problem: Da Zähler hintendran werden bei Click auf aufgedeckte Felder gezählt</a:t>
+            </a:r>
+          </a:p>
+          <a:p>
+            <a:pPr marL="0" indent="0">
+              <a:buNone/>
+            </a:pPr>
+            <a:endParaRPr lang="de-DE" dirty="0"/>
+          </a:p>
+          <a:p>
+            <a:pPr marL="0" indent="0">
+              <a:buNone/>
+            </a:pPr>
+            <a:r>
+              <a:rPr lang="de-DE" dirty="0"/>
+              <a:t>2. Version: Vergleich dass Butten blank ist</a:t>
             </a:r>
           </a:p>
         </p:txBody>
@@ -1384,7 +1502,7 @@
           <a:p>
             <a:fld id="{26A06B9A-17B0-4B04-8AC6-E23EA5A58D8C}" type="slidenum">
               <a:rPr lang="de-DE" smtClean="0"/>
-              <a:t>8</a:t>
+              <a:t>7</a:t>
             </a:fld>
             <a:endParaRPr lang="de-DE"/>
           </a:p>
@@ -1393,7 +1511,7 @@
     </p:spTree>
     <p:extLst>
       <p:ext uri="{BB962C8B-B14F-4D97-AF65-F5344CB8AC3E}">
-        <p14:creationId xmlns:p14="http://schemas.microsoft.com/office/powerpoint/2010/main" val="1454262692"/>
+        <p14:creationId xmlns:p14="http://schemas.microsoft.com/office/powerpoint/2010/main" val="137304658"/>
       </p:ext>
     </p:extLst>
   </p:cSld>
@@ -1448,44 +1566,9 @@
           <a:lstStyle/>
           <a:p>
             <a:r>
-              <a:rPr lang="de-DE" dirty="0" smtClean="0"/>
-              <a:t>Zusatzmenü</a:t>
+              <a:rPr lang="de-DE" dirty="0"/>
+              <a:t>Wenn Klick eine Bombe erfasst</a:t>
             </a:r>
-            <a:r>
-              <a:rPr lang="de-DE" baseline="0" dirty="0" smtClean="0"/>
-              <a:t> über normale Formanwendung erstellt. </a:t>
-            </a:r>
-          </a:p>
-          <a:p>
-            <a:r>
-              <a:rPr lang="de-DE" baseline="0" dirty="0" smtClean="0"/>
-              <a:t>Custom Begrenzt auf Profigröße 30x24 Felder wie original </a:t>
-            </a:r>
-          </a:p>
-          <a:p>
-            <a:r>
-              <a:rPr lang="de-DE" baseline="0" dirty="0" smtClean="0"/>
-              <a:t>Harte Begrenzung im </a:t>
-            </a:r>
-            <a:r>
-              <a:rPr lang="de-DE" baseline="0" dirty="0" err="1" smtClean="0"/>
-              <a:t>custom</a:t>
-            </a:r>
-            <a:r>
-              <a:rPr lang="de-DE" baseline="0" dirty="0" smtClean="0"/>
-              <a:t> </a:t>
-            </a:r>
-            <a:r>
-              <a:rPr lang="de-DE" baseline="0" dirty="0" err="1" smtClean="0"/>
-              <a:t>interface</a:t>
-            </a:r>
-            <a:r>
-              <a:rPr lang="de-DE" baseline="0" dirty="0" smtClean="0"/>
-              <a:t> </a:t>
-            </a:r>
-          </a:p>
-          <a:p>
-            <a:endParaRPr lang="de-DE" dirty="0"/>
           </a:p>
         </p:txBody>
       </p:sp>
@@ -1496,7 +1579,7 @@
             <a:spLocks noGrp="1"/>
           </p:cNvSpPr>
           <p:nvPr>
-            <p:ph type="sldNum" sz="quarter" idx="10"/>
+            <p:ph type="sldNum" sz="quarter" idx="5"/>
           </p:nvPr>
         </p:nvSpPr>
         <p:spPr/>
@@ -1506,7 +1589,7 @@
           <a:p>
             <a:fld id="{26A06B9A-17B0-4B04-8AC6-E23EA5A58D8C}" type="slidenum">
               <a:rPr lang="de-DE" smtClean="0"/>
-              <a:t>10</a:t>
+              <a:t>9</a:t>
             </a:fld>
             <a:endParaRPr lang="de-DE"/>
           </a:p>
@@ -1515,7 +1598,7 @@
     </p:spTree>
     <p:extLst>
       <p:ext uri="{BB962C8B-B14F-4D97-AF65-F5344CB8AC3E}">
-        <p14:creationId xmlns:p14="http://schemas.microsoft.com/office/powerpoint/2010/main" val="989089491"/>
+        <p14:creationId xmlns:p14="http://schemas.microsoft.com/office/powerpoint/2010/main" val="1454262692"/>
       </p:ext>
     </p:extLst>
   </p:cSld>
@@ -1569,6 +1652,44 @@
           <a:bodyPr/>
           <a:lstStyle/>
           <a:p>
+            <a:r>
+              <a:rPr lang="de-DE" dirty="0"/>
+              <a:t>Zusatzmenü</a:t>
+            </a:r>
+            <a:r>
+              <a:rPr lang="de-DE" baseline="0" dirty="0"/>
+              <a:t> über normale Formanwendung erstellt. </a:t>
+            </a:r>
+          </a:p>
+          <a:p>
+            <a:r>
+              <a:rPr lang="de-DE" baseline="0" dirty="0"/>
+              <a:t>Custom Begrenzt auf Profigröße 30x24 Felder wie original </a:t>
+            </a:r>
+          </a:p>
+          <a:p>
+            <a:r>
+              <a:rPr lang="de-DE" baseline="0" dirty="0"/>
+              <a:t>Harte Begrenzung im </a:t>
+            </a:r>
+            <a:r>
+              <a:rPr lang="de-DE" baseline="0" dirty="0" err="1"/>
+              <a:t>custom</a:t>
+            </a:r>
+            <a:r>
+              <a:rPr lang="de-DE" baseline="0" dirty="0"/>
+              <a:t> </a:t>
+            </a:r>
+            <a:r>
+              <a:rPr lang="de-DE" baseline="0" dirty="0" err="1"/>
+              <a:t>interface</a:t>
+            </a:r>
+            <a:r>
+              <a:rPr lang="de-DE" baseline="0" dirty="0"/>
+              <a:t> </a:t>
+            </a:r>
+          </a:p>
+          <a:p>
             <a:endParaRPr lang="de-DE" dirty="0"/>
           </a:p>
         </p:txBody>
@@ -1580,7 +1701,7 @@
             <a:spLocks noGrp="1"/>
           </p:cNvSpPr>
           <p:nvPr>
-            <p:ph type="sldNum" sz="quarter" idx="5"/>
+            <p:ph type="sldNum" sz="quarter" idx="10"/>
           </p:nvPr>
         </p:nvSpPr>
         <p:spPr/>
@@ -1599,7 +1720,7 @@
     </p:spTree>
     <p:extLst>
       <p:ext uri="{BB962C8B-B14F-4D97-AF65-F5344CB8AC3E}">
-        <p14:creationId xmlns:p14="http://schemas.microsoft.com/office/powerpoint/2010/main" val="2419011255"/>
+        <p14:creationId xmlns:p14="http://schemas.microsoft.com/office/powerpoint/2010/main" val="989089491"/>
       </p:ext>
     </p:extLst>
   </p:cSld>
@@ -1666,7 +1787,7 @@
           <a:noFill/>
           <a:extLst>
             <a:ext uri="{909E8E84-426E-40dd-AFC4-6F175D3DCCD1}">
-              <a14:hiddenFill xmlns:a14="http://schemas.microsoft.com/office/drawing/2010/main" xmlns="">
+              <a14:hiddenFill xmlns="" xmlns:a14="http://schemas.microsoft.com/office/drawing/2010/main">
                 <a:solidFill>
                   <a:srgbClr val="FFFFFF"/>
                 </a:solidFill>
@@ -1725,7 +1846,7 @@
             </a:ln>
             <a:extLst>
               <a:ext uri="{91240B29-F687-4f45-9708-019B960494DF}">
-                <a14:hiddenLine xmlns:a14="http://schemas.microsoft.com/office/drawing/2010/main" xmlns="" w="9525">
+                <a14:hiddenLine xmlns="" xmlns:a14="http://schemas.microsoft.com/office/drawing/2010/main" w="9525">
                   <a:solidFill>
                     <a:srgbClr val="000000"/>
                   </a:solidFill>
@@ -1815,7 +1936,7 @@
             </a:ln>
             <a:extLst>
               <a:ext uri="{91240B29-F687-4f45-9708-019B960494DF}">
-                <a14:hiddenLine xmlns:a14="http://schemas.microsoft.com/office/drawing/2010/main" xmlns="" w="9525">
+                <a14:hiddenLine xmlns="" xmlns:a14="http://schemas.microsoft.com/office/drawing/2010/main" w="9525">
                   <a:solidFill>
                     <a:srgbClr val="000000"/>
                   </a:solidFill>
@@ -1905,7 +2026,7 @@
             </a:ln>
             <a:extLst>
               <a:ext uri="{91240B29-F687-4f45-9708-019B960494DF}">
-                <a14:hiddenLine xmlns:a14="http://schemas.microsoft.com/office/drawing/2010/main" xmlns="" w="9525">
+                <a14:hiddenLine xmlns="" xmlns:a14="http://schemas.microsoft.com/office/drawing/2010/main" w="9525">
                   <a:solidFill>
                     <a:srgbClr val="000000"/>
                   </a:solidFill>
@@ -1939,7 +2060,7 @@
             </a:ln>
             <a:extLst>
               <a:ext uri="{91240B29-F687-4f45-9708-019B960494DF}">
-                <a14:hiddenLine xmlns:a14="http://schemas.microsoft.com/office/drawing/2010/main" xmlns="" w="9525">
+                <a14:hiddenLine xmlns="" xmlns:a14="http://schemas.microsoft.com/office/drawing/2010/main" w="9525">
                   <a:solidFill>
                     <a:srgbClr val="000000"/>
                   </a:solidFill>
@@ -2029,7 +2150,7 @@
             </a:ln>
             <a:extLst>
               <a:ext uri="{91240B29-F687-4f45-9708-019B960494DF}">
-                <a14:hiddenLine xmlns:a14="http://schemas.microsoft.com/office/drawing/2010/main" xmlns="" w="9525">
+                <a14:hiddenLine xmlns="" xmlns:a14="http://schemas.microsoft.com/office/drawing/2010/main" w="9525">
                   <a:solidFill>
                     <a:srgbClr val="000000"/>
                   </a:solidFill>
@@ -2091,7 +2212,7 @@
             </a:ln>
             <a:extLst>
               <a:ext uri="{91240B29-F687-4f45-9708-019B960494DF}">
-                <a14:hiddenLine xmlns:a14="http://schemas.microsoft.com/office/drawing/2010/main" xmlns="" w="9525">
+                <a14:hiddenLine xmlns="" xmlns:a14="http://schemas.microsoft.com/office/drawing/2010/main" w="9525">
                   <a:solidFill>
                     <a:srgbClr val="000000"/>
                   </a:solidFill>
@@ -2153,7 +2274,7 @@
             </a:ln>
             <a:extLst>
               <a:ext uri="{91240B29-F687-4f45-9708-019B960494DF}">
-                <a14:hiddenLine xmlns:a14="http://schemas.microsoft.com/office/drawing/2010/main" xmlns="" w="9525">
+                <a14:hiddenLine xmlns="" xmlns:a14="http://schemas.microsoft.com/office/drawing/2010/main" w="9525">
                   <a:solidFill>
                     <a:srgbClr val="000000"/>
                   </a:solidFill>
@@ -2243,7 +2364,7 @@
             </a:ln>
             <a:extLst>
               <a:ext uri="{91240B29-F687-4f45-9708-019B960494DF}">
-                <a14:hiddenLine xmlns:a14="http://schemas.microsoft.com/office/drawing/2010/main" xmlns="" w="9525">
+                <a14:hiddenLine xmlns="" xmlns:a14="http://schemas.microsoft.com/office/drawing/2010/main" w="9525">
                   <a:solidFill>
                     <a:srgbClr val="000000"/>
                   </a:solidFill>
@@ -2305,7 +2426,7 @@
             </a:ln>
             <a:extLst>
               <a:ext uri="{91240B29-F687-4f45-9708-019B960494DF}">
-                <a14:hiddenLine xmlns:a14="http://schemas.microsoft.com/office/drawing/2010/main" xmlns="" w="9525">
+                <a14:hiddenLine xmlns="" xmlns:a14="http://schemas.microsoft.com/office/drawing/2010/main" w="9525">
                   <a:solidFill>
                     <a:srgbClr val="000000"/>
                   </a:solidFill>
@@ -2367,7 +2488,7 @@
             </a:ln>
             <a:extLst>
               <a:ext uri="{91240B29-F687-4f45-9708-019B960494DF}">
-                <a14:hiddenLine xmlns:a14="http://schemas.microsoft.com/office/drawing/2010/main" xmlns="" w="9525">
+                <a14:hiddenLine xmlns="" xmlns:a14="http://schemas.microsoft.com/office/drawing/2010/main" w="9525">
                   <a:solidFill>
                     <a:srgbClr val="000000"/>
                   </a:solidFill>
@@ -2457,7 +2578,7 @@
             </a:ln>
             <a:extLst>
               <a:ext uri="{91240B29-F687-4f45-9708-019B960494DF}">
-                <a14:hiddenLine xmlns:a14="http://schemas.microsoft.com/office/drawing/2010/main" xmlns="" w="9525">
+                <a14:hiddenLine xmlns="" xmlns:a14="http://schemas.microsoft.com/office/drawing/2010/main" w="9525">
                   <a:solidFill>
                     <a:srgbClr val="000000"/>
                   </a:solidFill>
@@ -2547,7 +2668,7 @@
             </a:ln>
             <a:extLst>
               <a:ext uri="{91240B29-F687-4f45-9708-019B960494DF}">
-                <a14:hiddenLine xmlns:a14="http://schemas.microsoft.com/office/drawing/2010/main" xmlns="" w="9525">
+                <a14:hiddenLine xmlns="" xmlns:a14="http://schemas.microsoft.com/office/drawing/2010/main" w="9525">
                   <a:solidFill>
                     <a:srgbClr val="000000"/>
                   </a:solidFill>
@@ -2609,7 +2730,7 @@
             </a:ln>
             <a:extLst>
               <a:ext uri="{91240B29-F687-4f45-9708-019B960494DF}">
-                <a14:hiddenLine xmlns:a14="http://schemas.microsoft.com/office/drawing/2010/main" xmlns="" w="9525">
+                <a14:hiddenLine xmlns="" xmlns:a14="http://schemas.microsoft.com/office/drawing/2010/main" w="9525">
                   <a:solidFill>
                     <a:srgbClr val="000000"/>
                   </a:solidFill>
@@ -2719,7 +2840,7 @@
             </a:ln>
             <a:extLst>
               <a:ext uri="{91240B29-F687-4f45-9708-019B960494DF}">
-                <a14:hiddenLine xmlns:a14="http://schemas.microsoft.com/office/drawing/2010/main" xmlns="" w="9525">
+                <a14:hiddenLine xmlns="" xmlns:a14="http://schemas.microsoft.com/office/drawing/2010/main" w="9525">
                   <a:solidFill>
                     <a:srgbClr val="000000"/>
                   </a:solidFill>
@@ -2781,7 +2902,7 @@
             </a:ln>
             <a:extLst>
               <a:ext uri="{91240B29-F687-4f45-9708-019B960494DF}">
-                <a14:hiddenLine xmlns:a14="http://schemas.microsoft.com/office/drawing/2010/main" xmlns="" w="9525">
+                <a14:hiddenLine xmlns="" xmlns:a14="http://schemas.microsoft.com/office/drawing/2010/main" w="9525">
                   <a:solidFill>
                     <a:srgbClr val="000000"/>
                   </a:solidFill>
@@ -2871,7 +2992,7 @@
             </a:ln>
             <a:extLst>
               <a:ext uri="{91240B29-F687-4f45-9708-019B960494DF}">
-                <a14:hiddenLine xmlns:a14="http://schemas.microsoft.com/office/drawing/2010/main" xmlns="" w="9525">
+                <a14:hiddenLine xmlns="" xmlns:a14="http://schemas.microsoft.com/office/drawing/2010/main" w="9525">
                   <a:solidFill>
                     <a:srgbClr val="000000"/>
                   </a:solidFill>
@@ -2961,7 +3082,7 @@
             </a:ln>
             <a:extLst>
               <a:ext uri="{91240B29-F687-4f45-9708-019B960494DF}">
-                <a14:hiddenLine xmlns:a14="http://schemas.microsoft.com/office/drawing/2010/main" xmlns="" w="9525">
+                <a14:hiddenLine xmlns="" xmlns:a14="http://schemas.microsoft.com/office/drawing/2010/main" w="9525">
                   <a:solidFill>
                     <a:srgbClr val="000000"/>
                   </a:solidFill>
@@ -3023,7 +3144,7 @@
             </a:ln>
             <a:extLst>
               <a:ext uri="{91240B29-F687-4f45-9708-019B960494DF}">
-                <a14:hiddenLine xmlns:a14="http://schemas.microsoft.com/office/drawing/2010/main" xmlns="" w="9525">
+                <a14:hiddenLine xmlns="" xmlns:a14="http://schemas.microsoft.com/office/drawing/2010/main" w="9525">
                   <a:solidFill>
                     <a:srgbClr val="000000"/>
                   </a:solidFill>
@@ -3113,7 +3234,7 @@
             </a:ln>
             <a:extLst>
               <a:ext uri="{91240B29-F687-4f45-9708-019B960494DF}">
-                <a14:hiddenLine xmlns:a14="http://schemas.microsoft.com/office/drawing/2010/main" xmlns="" w="9525">
+                <a14:hiddenLine xmlns="" xmlns:a14="http://schemas.microsoft.com/office/drawing/2010/main" w="9525">
                   <a:solidFill>
                     <a:srgbClr val="000000"/>
                   </a:solidFill>
@@ -3203,7 +3324,7 @@
             </a:ln>
             <a:extLst>
               <a:ext uri="{91240B29-F687-4f45-9708-019B960494DF}">
-                <a14:hiddenLine xmlns:a14="http://schemas.microsoft.com/office/drawing/2010/main" xmlns="" w="9525">
+                <a14:hiddenLine xmlns="" xmlns:a14="http://schemas.microsoft.com/office/drawing/2010/main" w="9525">
                   <a:solidFill>
                     <a:srgbClr val="000000"/>
                   </a:solidFill>
@@ -3259,7 +3380,7 @@
             </a:ln>
             <a:extLst>
               <a:ext uri="{91240B29-F687-4f45-9708-019B960494DF}">
-                <a14:hiddenLine xmlns:a14="http://schemas.microsoft.com/office/drawing/2010/main" xmlns="" w="9525">
+                <a14:hiddenLine xmlns="" xmlns:a14="http://schemas.microsoft.com/office/drawing/2010/main" w="9525">
                   <a:solidFill>
                     <a:srgbClr val="000000"/>
                   </a:solidFill>
@@ -3349,7 +3470,7 @@
             </a:ln>
             <a:extLst>
               <a:ext uri="{91240B29-F687-4f45-9708-019B960494DF}">
-                <a14:hiddenLine xmlns:a14="http://schemas.microsoft.com/office/drawing/2010/main" xmlns="" w="9525">
+                <a14:hiddenLine xmlns="" xmlns:a14="http://schemas.microsoft.com/office/drawing/2010/main" w="9525">
                   <a:solidFill>
                     <a:srgbClr val="000000"/>
                   </a:solidFill>
@@ -3405,7 +3526,7 @@
             </a:ln>
             <a:extLst>
               <a:ext uri="{91240B29-F687-4f45-9708-019B960494DF}">
-                <a14:hiddenLine xmlns:a14="http://schemas.microsoft.com/office/drawing/2010/main" xmlns="" w="9525">
+                <a14:hiddenLine xmlns="" xmlns:a14="http://schemas.microsoft.com/office/drawing/2010/main" w="9525">
                   <a:solidFill>
                     <a:srgbClr val="000000"/>
                   </a:solidFill>
@@ -3495,7 +3616,7 @@
             </a:ln>
             <a:extLst>
               <a:ext uri="{91240B29-F687-4f45-9708-019B960494DF}">
-                <a14:hiddenLine xmlns:a14="http://schemas.microsoft.com/office/drawing/2010/main" xmlns="" w="9525">
+                <a14:hiddenLine xmlns="" xmlns:a14="http://schemas.microsoft.com/office/drawing/2010/main" w="9525">
                   <a:solidFill>
                     <a:srgbClr val="000000"/>
                   </a:solidFill>
@@ -3563,7 +3684,7 @@
             </a:ln>
             <a:extLst>
               <a:ext uri="{91240B29-F687-4f45-9708-019B960494DF}">
-                <a14:hiddenLine xmlns:a14="http://schemas.microsoft.com/office/drawing/2010/main" xmlns="" w="9525">
+                <a14:hiddenLine xmlns="" xmlns:a14="http://schemas.microsoft.com/office/drawing/2010/main" w="9525">
                   <a:solidFill>
                     <a:srgbClr val="000000"/>
                   </a:solidFill>
@@ -3653,7 +3774,7 @@
             </a:ln>
             <a:extLst>
               <a:ext uri="{91240B29-F687-4f45-9708-019B960494DF}">
-                <a14:hiddenLine xmlns:a14="http://schemas.microsoft.com/office/drawing/2010/main" xmlns="" w="9525">
+                <a14:hiddenLine xmlns="" xmlns:a14="http://schemas.microsoft.com/office/drawing/2010/main" w="9525">
                   <a:solidFill>
                     <a:srgbClr val="000000"/>
                   </a:solidFill>
@@ -3721,7 +3842,7 @@
             </a:ln>
             <a:extLst>
               <a:ext uri="{91240B29-F687-4f45-9708-019B960494DF}">
-                <a14:hiddenLine xmlns:a14="http://schemas.microsoft.com/office/drawing/2010/main" xmlns="" w="9525">
+                <a14:hiddenLine xmlns="" xmlns:a14="http://schemas.microsoft.com/office/drawing/2010/main" w="9525">
                   <a:solidFill>
                     <a:srgbClr val="000000"/>
                   </a:solidFill>
@@ -3811,7 +3932,7 @@
             </a:ln>
             <a:extLst>
               <a:ext uri="{91240B29-F687-4f45-9708-019B960494DF}">
-                <a14:hiddenLine xmlns:a14="http://schemas.microsoft.com/office/drawing/2010/main" xmlns="" w="9525">
+                <a14:hiddenLine xmlns="" xmlns:a14="http://schemas.microsoft.com/office/drawing/2010/main" w="9525">
                   <a:solidFill>
                     <a:srgbClr val="000000"/>
                   </a:solidFill>
@@ -3845,7 +3966,7 @@
             </a:ln>
             <a:extLst>
               <a:ext uri="{91240B29-F687-4f45-9708-019B960494DF}">
-                <a14:hiddenLine xmlns:a14="http://schemas.microsoft.com/office/drawing/2010/main" xmlns="" w="9525">
+                <a14:hiddenLine xmlns="" xmlns:a14="http://schemas.microsoft.com/office/drawing/2010/main" w="9525">
                   <a:solidFill>
                     <a:srgbClr val="000000"/>
                   </a:solidFill>
@@ -3935,7 +4056,7 @@
             </a:ln>
             <a:extLst>
               <a:ext uri="{91240B29-F687-4f45-9708-019B960494DF}">
-                <a14:hiddenLine xmlns:a14="http://schemas.microsoft.com/office/drawing/2010/main" xmlns="" w="9525">
+                <a14:hiddenLine xmlns="" xmlns:a14="http://schemas.microsoft.com/office/drawing/2010/main" w="9525">
                   <a:solidFill>
                     <a:srgbClr val="000000"/>
                   </a:solidFill>
@@ -3997,7 +4118,7 @@
             </a:ln>
             <a:extLst>
               <a:ext uri="{91240B29-F687-4f45-9708-019B960494DF}">
-                <a14:hiddenLine xmlns:a14="http://schemas.microsoft.com/office/drawing/2010/main" xmlns="" w="9525">
+                <a14:hiddenLine xmlns="" xmlns:a14="http://schemas.microsoft.com/office/drawing/2010/main" w="9525">
                   <a:solidFill>
                     <a:srgbClr val="000000"/>
                   </a:solidFill>
@@ -4059,7 +4180,7 @@
             </a:ln>
             <a:extLst>
               <a:ext uri="{91240B29-F687-4f45-9708-019B960494DF}">
-                <a14:hiddenLine xmlns:a14="http://schemas.microsoft.com/office/drawing/2010/main" xmlns="" w="9525">
+                <a14:hiddenLine xmlns="" xmlns:a14="http://schemas.microsoft.com/office/drawing/2010/main" w="9525">
                   <a:solidFill>
                     <a:srgbClr val="000000"/>
                   </a:solidFill>
@@ -4149,7 +4270,7 @@
             </a:ln>
             <a:extLst>
               <a:ext uri="{91240B29-F687-4f45-9708-019B960494DF}">
-                <a14:hiddenLine xmlns:a14="http://schemas.microsoft.com/office/drawing/2010/main" xmlns="" w="9525">
+                <a14:hiddenLine xmlns="" xmlns:a14="http://schemas.microsoft.com/office/drawing/2010/main" w="9525">
                   <a:solidFill>
                     <a:srgbClr val="000000"/>
                   </a:solidFill>
@@ -4217,7 +4338,7 @@
             </a:ln>
             <a:extLst>
               <a:ext uri="{91240B29-F687-4f45-9708-019B960494DF}">
-                <a14:hiddenLine xmlns:a14="http://schemas.microsoft.com/office/drawing/2010/main" xmlns="" w="9525">
+                <a14:hiddenLine xmlns="" xmlns:a14="http://schemas.microsoft.com/office/drawing/2010/main" w="9525">
                   <a:solidFill>
                     <a:srgbClr val="000000"/>
                   </a:solidFill>
@@ -4279,7 +4400,7 @@
             </a:ln>
             <a:extLst>
               <a:ext uri="{91240B29-F687-4f45-9708-019B960494DF}">
-                <a14:hiddenLine xmlns:a14="http://schemas.microsoft.com/office/drawing/2010/main" xmlns="" w="9525">
+                <a14:hiddenLine xmlns="" xmlns:a14="http://schemas.microsoft.com/office/drawing/2010/main" w="9525">
                   <a:solidFill>
                     <a:srgbClr val="000000"/>
                   </a:solidFill>
@@ -4369,7 +4490,7 @@
             </a:ln>
             <a:extLst>
               <a:ext uri="{91240B29-F687-4f45-9708-019B960494DF}">
-                <a14:hiddenLine xmlns:a14="http://schemas.microsoft.com/office/drawing/2010/main" xmlns="" w="9525">
+                <a14:hiddenLine xmlns="" xmlns:a14="http://schemas.microsoft.com/office/drawing/2010/main" w="9525">
                   <a:solidFill>
                     <a:srgbClr val="000000"/>
                   </a:solidFill>
@@ -4431,7 +4552,7 @@
             </a:ln>
             <a:extLst>
               <a:ext uri="{91240B29-F687-4f45-9708-019B960494DF}">
-                <a14:hiddenLine xmlns:a14="http://schemas.microsoft.com/office/drawing/2010/main" xmlns="" w="9525">
+                <a14:hiddenLine xmlns="" xmlns:a14="http://schemas.microsoft.com/office/drawing/2010/main" w="9525">
                   <a:solidFill>
                     <a:srgbClr val="000000"/>
                   </a:solidFill>
@@ -4521,7 +4642,7 @@
             </a:ln>
             <a:extLst>
               <a:ext uri="{91240B29-F687-4f45-9708-019B960494DF}">
-                <a14:hiddenLine xmlns:a14="http://schemas.microsoft.com/office/drawing/2010/main" xmlns="" w="9525">
+                <a14:hiddenLine xmlns="" xmlns:a14="http://schemas.microsoft.com/office/drawing/2010/main" w="9525">
                   <a:solidFill>
                     <a:srgbClr val="000000"/>
                   </a:solidFill>
@@ -4583,7 +4704,7 @@
             </a:ln>
             <a:extLst>
               <a:ext uri="{91240B29-F687-4f45-9708-019B960494DF}">
-                <a14:hiddenLine xmlns:a14="http://schemas.microsoft.com/office/drawing/2010/main" xmlns="" w="9525">
+                <a14:hiddenLine xmlns="" xmlns:a14="http://schemas.microsoft.com/office/drawing/2010/main" w="9525">
                   <a:solidFill>
                     <a:srgbClr val="000000"/>
                   </a:solidFill>
@@ -4673,7 +4794,7 @@
             </a:ln>
             <a:extLst>
               <a:ext uri="{91240B29-F687-4f45-9708-019B960494DF}">
-                <a14:hiddenLine xmlns:a14="http://schemas.microsoft.com/office/drawing/2010/main" xmlns="" w="9525">
+                <a14:hiddenLine xmlns="" xmlns:a14="http://schemas.microsoft.com/office/drawing/2010/main" w="9525">
                   <a:solidFill>
                     <a:srgbClr val="000000"/>
                   </a:solidFill>
@@ -4707,7 +4828,7 @@
             </a:ln>
             <a:extLst>
               <a:ext uri="{91240B29-F687-4f45-9708-019B960494DF}">
-                <a14:hiddenLine xmlns:a14="http://schemas.microsoft.com/office/drawing/2010/main" xmlns="" w="9525">
+                <a14:hiddenLine xmlns="" xmlns:a14="http://schemas.microsoft.com/office/drawing/2010/main" w="9525">
                   <a:solidFill>
                     <a:srgbClr val="000000"/>
                   </a:solidFill>
@@ -4772,7 +4893,7 @@
             </a:ln>
             <a:extLst>
               <a:ext uri="{91240B29-F687-4f45-9708-019B960494DF}">
-                <a14:hiddenLine xmlns:a14="http://schemas.microsoft.com/office/drawing/2010/main" xmlns="" w="9525">
+                <a14:hiddenLine xmlns="" xmlns:a14="http://schemas.microsoft.com/office/drawing/2010/main" w="9525">
                   <a:solidFill>
                     <a:srgbClr val="000000"/>
                   </a:solidFill>
@@ -4862,7 +4983,7 @@
             </a:ln>
             <a:extLst>
               <a:ext uri="{91240B29-F687-4f45-9708-019B960494DF}">
-                <a14:hiddenLine xmlns:a14="http://schemas.microsoft.com/office/drawing/2010/main" xmlns="" w="9525">
+                <a14:hiddenLine xmlns="" xmlns:a14="http://schemas.microsoft.com/office/drawing/2010/main" w="9525">
                   <a:solidFill>
                     <a:srgbClr val="000000"/>
                   </a:solidFill>
@@ -4924,7 +5045,7 @@
             </a:ln>
             <a:extLst>
               <a:ext uri="{91240B29-F687-4f45-9708-019B960494DF}">
-                <a14:hiddenLine xmlns:a14="http://schemas.microsoft.com/office/drawing/2010/main" xmlns="" w="9525">
+                <a14:hiddenLine xmlns="" xmlns:a14="http://schemas.microsoft.com/office/drawing/2010/main" w="9525">
                   <a:solidFill>
                     <a:srgbClr val="000000"/>
                   </a:solidFill>
@@ -5014,7 +5135,7 @@
             </a:ln>
             <a:extLst>
               <a:ext uri="{91240B29-F687-4f45-9708-019B960494DF}">
-                <a14:hiddenLine xmlns:a14="http://schemas.microsoft.com/office/drawing/2010/main" xmlns="" w="9525">
+                <a14:hiddenLine xmlns="" xmlns:a14="http://schemas.microsoft.com/office/drawing/2010/main" w="9525">
                   <a:solidFill>
                     <a:srgbClr val="000000"/>
                   </a:solidFill>
@@ -5104,7 +5225,7 @@
             </a:ln>
             <a:extLst>
               <a:ext uri="{91240B29-F687-4f45-9708-019B960494DF}">
-                <a14:hiddenLine xmlns:a14="http://schemas.microsoft.com/office/drawing/2010/main" xmlns="" w="9525">
+                <a14:hiddenLine xmlns="" xmlns:a14="http://schemas.microsoft.com/office/drawing/2010/main" w="9525">
                   <a:solidFill>
                     <a:srgbClr val="000000"/>
                   </a:solidFill>
@@ -5169,7 +5290,7 @@
             </a:ln>
             <a:extLst>
               <a:ext uri="{91240B29-F687-4f45-9708-019B960494DF}">
-                <a14:hiddenLine xmlns:a14="http://schemas.microsoft.com/office/drawing/2010/main" xmlns="" w="9525">
+                <a14:hiddenLine xmlns="" xmlns:a14="http://schemas.microsoft.com/office/drawing/2010/main" w="9525">
                   <a:solidFill>
                     <a:srgbClr val="000000"/>
                   </a:solidFill>
@@ -5231,7 +5352,7 @@
             </a:ln>
             <a:extLst>
               <a:ext uri="{91240B29-F687-4f45-9708-019B960494DF}">
-                <a14:hiddenLine xmlns:a14="http://schemas.microsoft.com/office/drawing/2010/main" xmlns="" w="9525">
+                <a14:hiddenLine xmlns="" xmlns:a14="http://schemas.microsoft.com/office/drawing/2010/main" w="9525">
                   <a:solidFill>
                     <a:srgbClr val="000000"/>
                   </a:solidFill>
@@ -5321,7 +5442,7 @@
             </a:ln>
             <a:extLst>
               <a:ext uri="{91240B29-F687-4f45-9708-019B960494DF}">
-                <a14:hiddenLine xmlns:a14="http://schemas.microsoft.com/office/drawing/2010/main" xmlns="" w="9525">
+                <a14:hiddenLine xmlns="" xmlns:a14="http://schemas.microsoft.com/office/drawing/2010/main" w="9525">
                   <a:solidFill>
                     <a:srgbClr val="000000"/>
                   </a:solidFill>
@@ -5411,7 +5532,7 @@
             </a:ln>
             <a:extLst>
               <a:ext uri="{91240B29-F687-4f45-9708-019B960494DF}">
-                <a14:hiddenLine xmlns:a14="http://schemas.microsoft.com/office/drawing/2010/main" xmlns="" w="9525">
+                <a14:hiddenLine xmlns="" xmlns:a14="http://schemas.microsoft.com/office/drawing/2010/main" w="9525">
                   <a:solidFill>
                     <a:srgbClr val="000000"/>
                   </a:solidFill>
@@ -5473,7 +5594,7 @@
             </a:ln>
             <a:extLst>
               <a:ext uri="{91240B29-F687-4f45-9708-019B960494DF}">
-                <a14:hiddenLine xmlns:a14="http://schemas.microsoft.com/office/drawing/2010/main" xmlns="" w="9525">
+                <a14:hiddenLine xmlns="" xmlns:a14="http://schemas.microsoft.com/office/drawing/2010/main" w="9525">
                   <a:solidFill>
                     <a:srgbClr val="000000"/>
                   </a:solidFill>
@@ -5593,7 +5714,7 @@
             </a:ln>
             <a:extLst>
               <a:ext uri="{91240B29-F687-4f45-9708-019B960494DF}">
-                <a14:hiddenLine xmlns:a14="http://schemas.microsoft.com/office/drawing/2010/main" xmlns="" w="9525">
+                <a14:hiddenLine xmlns="" xmlns:a14="http://schemas.microsoft.com/office/drawing/2010/main" w="9525">
                   <a:solidFill>
                     <a:srgbClr val="000000"/>
                   </a:solidFill>
@@ -5661,7 +5782,7 @@
             </a:ln>
             <a:extLst>
               <a:ext uri="{91240B29-F687-4f45-9708-019B960494DF}">
-                <a14:hiddenLine xmlns:a14="http://schemas.microsoft.com/office/drawing/2010/main" xmlns="" w="9525">
+                <a14:hiddenLine xmlns="" xmlns:a14="http://schemas.microsoft.com/office/drawing/2010/main" w="9525">
                   <a:solidFill>
                     <a:srgbClr val="000000"/>
                   </a:solidFill>
@@ -5751,7 +5872,7 @@
             </a:ln>
             <a:extLst>
               <a:ext uri="{91240B29-F687-4f45-9708-019B960494DF}">
-                <a14:hiddenLine xmlns:a14="http://schemas.microsoft.com/office/drawing/2010/main" xmlns="" w="9525">
+                <a14:hiddenLine xmlns="" xmlns:a14="http://schemas.microsoft.com/office/drawing/2010/main" w="9525">
                   <a:solidFill>
                     <a:srgbClr val="000000"/>
                   </a:solidFill>
@@ -5891,7 +6012,7 @@
           <a:p>
             <a:fld id="{48A87A34-81AB-432B-8DAE-1953F412C126}" type="datetimeFigureOut">
               <a:rPr lang="en-US" dirty="0"/>
-              <a:t>11/11/2019</a:t>
+              <a:t>11/16/2019</a:t>
             </a:fld>
             <a:endParaRPr lang="en-US" dirty="0"/>
           </a:p>
@@ -6153,7 +6274,7 @@
           <a:p>
             <a:fld id="{48A87A34-81AB-432B-8DAE-1953F412C126}" type="datetimeFigureOut">
               <a:rPr lang="en-US" dirty="0"/>
-              <a:t>11/11/2019</a:t>
+              <a:t>11/16/2019</a:t>
             </a:fld>
             <a:endParaRPr lang="en-US" dirty="0"/>
           </a:p>
@@ -6344,7 +6465,7 @@
           <a:p>
             <a:fld id="{48A87A34-81AB-432B-8DAE-1953F412C126}" type="datetimeFigureOut">
               <a:rPr lang="en-US" dirty="0"/>
-              <a:t>11/11/2019</a:t>
+              <a:t>11/16/2019</a:t>
             </a:fld>
             <a:endParaRPr lang="en-US" dirty="0"/>
           </a:p>
@@ -6602,7 +6723,7 @@
           <a:p>
             <a:fld id="{48A87A34-81AB-432B-8DAE-1953F412C126}" type="datetimeFigureOut">
               <a:rPr lang="en-US" dirty="0"/>
-              <a:t>11/11/2019</a:t>
+              <a:t>11/16/2019</a:t>
             </a:fld>
             <a:endParaRPr lang="en-US" dirty="0"/>
           </a:p>
@@ -7031,7 +7152,7 @@
           <a:p>
             <a:fld id="{48A87A34-81AB-432B-8DAE-1953F412C126}" type="datetimeFigureOut">
               <a:rPr lang="en-US" dirty="0"/>
-              <a:t>11/11/2019</a:t>
+              <a:t>11/16/2019</a:t>
             </a:fld>
             <a:endParaRPr lang="en-US" dirty="0"/>
           </a:p>
@@ -7572,7 +7693,7 @@
           <a:p>
             <a:fld id="{48A87A34-81AB-432B-8DAE-1953F412C126}" type="datetimeFigureOut">
               <a:rPr lang="en-US" dirty="0"/>
-              <a:t>11/11/2019</a:t>
+              <a:t>11/16/2019</a:t>
             </a:fld>
             <a:endParaRPr lang="en-US" dirty="0"/>
           </a:p>
@@ -8287,7 +8408,7 @@
           <a:p>
             <a:fld id="{48A87A34-81AB-432B-8DAE-1953F412C126}" type="datetimeFigureOut">
               <a:rPr lang="en-US" dirty="0"/>
-              <a:t>11/11/2019</a:t>
+              <a:t>11/16/2019</a:t>
             </a:fld>
             <a:endParaRPr lang="en-US" dirty="0"/>
           </a:p>
@@ -8452,7 +8573,7 @@
           <a:p>
             <a:fld id="{48A87A34-81AB-432B-8DAE-1953F412C126}" type="datetimeFigureOut">
               <a:rPr lang="en-US" dirty="0"/>
-              <a:t>11/11/2019</a:t>
+              <a:t>11/16/2019</a:t>
             </a:fld>
             <a:endParaRPr lang="en-US" dirty="0"/>
           </a:p>
@@ -8627,7 +8748,7 @@
           <a:p>
             <a:fld id="{48A87A34-81AB-432B-8DAE-1953F412C126}" type="datetimeFigureOut">
               <a:rPr lang="en-US" dirty="0"/>
-              <a:t>11/11/2019</a:t>
+              <a:t>11/16/2019</a:t>
             </a:fld>
             <a:endParaRPr lang="en-US" dirty="0"/>
           </a:p>
@@ -8792,7 +8913,7 @@
           <a:p>
             <a:fld id="{48A87A34-81AB-432B-8DAE-1953F412C126}" type="datetimeFigureOut">
               <a:rPr lang="en-US" dirty="0"/>
-              <a:t>11/11/2019</a:t>
+              <a:t>11/16/2019</a:t>
             </a:fld>
             <a:endParaRPr lang="en-US" dirty="0"/>
           </a:p>
@@ -9037,7 +9158,7 @@
           <a:p>
             <a:fld id="{48A87A34-81AB-432B-8DAE-1953F412C126}" type="datetimeFigureOut">
               <a:rPr lang="en-US" dirty="0"/>
-              <a:t>11/11/2019</a:t>
+              <a:t>11/16/2019</a:t>
             </a:fld>
             <a:endParaRPr lang="en-US" dirty="0"/>
           </a:p>
@@ -9264,7 +9385,7 @@
           <a:p>
             <a:fld id="{48A87A34-81AB-432B-8DAE-1953F412C126}" type="datetimeFigureOut">
               <a:rPr lang="en-US" dirty="0"/>
-              <a:t>11/11/2019</a:t>
+              <a:t>11/16/2019</a:t>
             </a:fld>
             <a:endParaRPr lang="en-US" dirty="0"/>
           </a:p>
@@ -9640,7 +9761,7 @@
           <a:p>
             <a:fld id="{48A87A34-81AB-432B-8DAE-1953F412C126}" type="datetimeFigureOut">
               <a:rPr lang="en-US" dirty="0"/>
-              <a:t>11/11/2019</a:t>
+              <a:t>11/16/2019</a:t>
             </a:fld>
             <a:endParaRPr lang="en-US" dirty="0"/>
           </a:p>
@@ -9753,7 +9874,7 @@
           <a:p>
             <a:fld id="{48A87A34-81AB-432B-8DAE-1953F412C126}" type="datetimeFigureOut">
               <a:rPr lang="en-US" dirty="0"/>
-              <a:t>11/11/2019</a:t>
+              <a:t>11/16/2019</a:t>
             </a:fld>
             <a:endParaRPr lang="en-US" dirty="0"/>
           </a:p>
@@ -9843,7 +9964,7 @@
           <a:p>
             <a:fld id="{48A87A34-81AB-432B-8DAE-1953F412C126}" type="datetimeFigureOut">
               <a:rPr lang="en-US" dirty="0"/>
-              <a:t>11/11/2019</a:t>
+              <a:t>11/16/2019</a:t>
             </a:fld>
             <a:endParaRPr lang="en-US" dirty="0"/>
           </a:p>
@@ -10087,7 +10208,7 @@
           <a:p>
             <a:fld id="{48A87A34-81AB-432B-8DAE-1953F412C126}" type="datetimeFigureOut">
               <a:rPr lang="en-US" dirty="0"/>
-              <a:t>11/11/2019</a:t>
+              <a:t>11/16/2019</a:t>
             </a:fld>
             <a:endParaRPr lang="en-US" dirty="0"/>
           </a:p>
@@ -10362,7 +10483,7 @@
           <a:p>
             <a:fld id="{48A87A34-81AB-432B-8DAE-1953F412C126}" type="datetimeFigureOut">
               <a:rPr lang="en-US" dirty="0"/>
-              <a:t>11/11/2019</a:t>
+              <a:t>11/16/2019</a:t>
             </a:fld>
             <a:endParaRPr lang="en-US" dirty="0"/>
           </a:p>
@@ -10480,7 +10601,7 @@
           <a:noFill/>
           <a:extLst>
             <a:ext uri="{909E8E84-426E-40dd-AFC4-6F175D3DCCD1}">
-              <a14:hiddenFill xmlns:a14="http://schemas.microsoft.com/office/drawing/2010/main" xmlns="">
+              <a14:hiddenFill xmlns="" xmlns:a14="http://schemas.microsoft.com/office/drawing/2010/main">
                 <a:solidFill>
                   <a:srgbClr val="FFFFFF"/>
                 </a:solidFill>
@@ -10554,7 +10675,7 @@
               </a:ln>
               <a:extLst>
                 <a:ext uri="{91240B29-F687-4f45-9708-019B960494DF}">
-                  <a14:hiddenLine xmlns:a14="http://schemas.microsoft.com/office/drawing/2010/main" xmlns="" w="9525">
+                  <a14:hiddenLine xmlns="" xmlns:a14="http://schemas.microsoft.com/office/drawing/2010/main" w="9525">
                     <a:solidFill>
                       <a:srgbClr val="000000"/>
                     </a:solidFill>
@@ -10644,7 +10765,7 @@
               </a:ln>
               <a:extLst>
                 <a:ext uri="{91240B29-F687-4f45-9708-019B960494DF}">
-                  <a14:hiddenLine xmlns:a14="http://schemas.microsoft.com/office/drawing/2010/main" xmlns="" w="9525">
+                  <a14:hiddenLine xmlns="" xmlns:a14="http://schemas.microsoft.com/office/drawing/2010/main" w="9525">
                     <a:solidFill>
                       <a:srgbClr val="000000"/>
                     </a:solidFill>
@@ -10734,7 +10855,7 @@
               </a:ln>
               <a:extLst>
                 <a:ext uri="{91240B29-F687-4f45-9708-019B960494DF}">
-                  <a14:hiddenLine xmlns:a14="http://schemas.microsoft.com/office/drawing/2010/main" xmlns="" w="9525">
+                  <a14:hiddenLine xmlns="" xmlns:a14="http://schemas.microsoft.com/office/drawing/2010/main" w="9525">
                     <a:solidFill>
                       <a:srgbClr val="000000"/>
                     </a:solidFill>
@@ -10796,7 +10917,7 @@
               </a:ln>
               <a:extLst>
                 <a:ext uri="{91240B29-F687-4f45-9708-019B960494DF}">
-                  <a14:hiddenLine xmlns:a14="http://schemas.microsoft.com/office/drawing/2010/main" xmlns="" w="9525">
+                  <a14:hiddenLine xmlns="" xmlns:a14="http://schemas.microsoft.com/office/drawing/2010/main" w="9525">
                     <a:solidFill>
                       <a:srgbClr val="000000"/>
                     </a:solidFill>
@@ -10886,7 +11007,7 @@
               </a:ln>
               <a:extLst>
                 <a:ext uri="{91240B29-F687-4f45-9708-019B960494DF}">
-                  <a14:hiddenLine xmlns:a14="http://schemas.microsoft.com/office/drawing/2010/main" xmlns="" w="9525">
+                  <a14:hiddenLine xmlns="" xmlns:a14="http://schemas.microsoft.com/office/drawing/2010/main" w="9525">
                     <a:solidFill>
                       <a:srgbClr val="000000"/>
                     </a:solidFill>
@@ -10948,7 +11069,7 @@
               </a:ln>
               <a:extLst>
                 <a:ext uri="{91240B29-F687-4f45-9708-019B960494DF}">
-                  <a14:hiddenLine xmlns:a14="http://schemas.microsoft.com/office/drawing/2010/main" xmlns="" w="9525">
+                  <a14:hiddenLine xmlns="" xmlns:a14="http://schemas.microsoft.com/office/drawing/2010/main" w="9525">
                     <a:solidFill>
                       <a:srgbClr val="000000"/>
                     </a:solidFill>
@@ -11010,7 +11131,7 @@
               </a:ln>
               <a:extLst>
                 <a:ext uri="{91240B29-F687-4f45-9708-019B960494DF}">
-                  <a14:hiddenLine xmlns:a14="http://schemas.microsoft.com/office/drawing/2010/main" xmlns="" w="9525">
+                  <a14:hiddenLine xmlns="" xmlns:a14="http://schemas.microsoft.com/office/drawing/2010/main" w="9525">
                     <a:solidFill>
                       <a:srgbClr val="000000"/>
                     </a:solidFill>
@@ -11100,7 +11221,7 @@
               </a:ln>
               <a:extLst>
                 <a:ext uri="{91240B29-F687-4f45-9708-019B960494DF}">
-                  <a14:hiddenLine xmlns:a14="http://schemas.microsoft.com/office/drawing/2010/main" xmlns="" w="9525">
+                  <a14:hiddenLine xmlns="" xmlns:a14="http://schemas.microsoft.com/office/drawing/2010/main" w="9525">
                     <a:solidFill>
                       <a:srgbClr val="000000"/>
                     </a:solidFill>
@@ -11190,7 +11311,7 @@
               </a:ln>
               <a:extLst>
                 <a:ext uri="{91240B29-F687-4f45-9708-019B960494DF}">
-                  <a14:hiddenLine xmlns:a14="http://schemas.microsoft.com/office/drawing/2010/main" xmlns="" w="9525">
+                  <a14:hiddenLine xmlns="" xmlns:a14="http://schemas.microsoft.com/office/drawing/2010/main" w="9525">
                     <a:solidFill>
                       <a:srgbClr val="000000"/>
                     </a:solidFill>
@@ -11252,7 +11373,7 @@
               </a:ln>
               <a:extLst>
                 <a:ext uri="{91240B29-F687-4f45-9708-019B960494DF}">
-                  <a14:hiddenLine xmlns:a14="http://schemas.microsoft.com/office/drawing/2010/main" xmlns="" w="9525">
+                  <a14:hiddenLine xmlns="" xmlns:a14="http://schemas.microsoft.com/office/drawing/2010/main" w="9525">
                     <a:solidFill>
                       <a:srgbClr val="000000"/>
                     </a:solidFill>
@@ -11362,7 +11483,7 @@
               </a:ln>
               <a:extLst>
                 <a:ext uri="{91240B29-F687-4f45-9708-019B960494DF}">
-                  <a14:hiddenLine xmlns:a14="http://schemas.microsoft.com/office/drawing/2010/main" xmlns="" w="9525">
+                  <a14:hiddenLine xmlns="" xmlns:a14="http://schemas.microsoft.com/office/drawing/2010/main" w="9525">
                     <a:solidFill>
                       <a:srgbClr val="000000"/>
                     </a:solidFill>
@@ -11446,7 +11567,7 @@
               </a:ln>
               <a:extLst>
                 <a:ext uri="{91240B29-F687-4f45-9708-019B960494DF}">
-                  <a14:hiddenLine xmlns:a14="http://schemas.microsoft.com/office/drawing/2010/main" xmlns="" w="9525">
+                  <a14:hiddenLine xmlns="" xmlns:a14="http://schemas.microsoft.com/office/drawing/2010/main" w="9525">
                     <a:solidFill>
                       <a:srgbClr val="000000"/>
                     </a:solidFill>
@@ -11508,7 +11629,7 @@
               </a:ln>
               <a:extLst>
                 <a:ext uri="{91240B29-F687-4f45-9708-019B960494DF}">
-                  <a14:hiddenLine xmlns:a14="http://schemas.microsoft.com/office/drawing/2010/main" xmlns="" w="9525">
+                  <a14:hiddenLine xmlns="" xmlns:a14="http://schemas.microsoft.com/office/drawing/2010/main" w="9525">
                     <a:solidFill>
                       <a:srgbClr val="000000"/>
                     </a:solidFill>
@@ -11570,7 +11691,7 @@
               </a:ln>
               <a:extLst>
                 <a:ext uri="{91240B29-F687-4f45-9708-019B960494DF}">
-                  <a14:hiddenLine xmlns:a14="http://schemas.microsoft.com/office/drawing/2010/main" xmlns="" w="9525">
+                  <a14:hiddenLine xmlns="" xmlns:a14="http://schemas.microsoft.com/office/drawing/2010/main" w="9525">
                     <a:solidFill>
                       <a:srgbClr val="000000"/>
                     </a:solidFill>
@@ -11660,7 +11781,7 @@
               </a:ln>
               <a:extLst>
                 <a:ext uri="{91240B29-F687-4f45-9708-019B960494DF}">
-                  <a14:hiddenLine xmlns:a14="http://schemas.microsoft.com/office/drawing/2010/main" xmlns="" w="9525">
+                  <a14:hiddenLine xmlns="" xmlns:a14="http://schemas.microsoft.com/office/drawing/2010/main" w="9525">
                     <a:solidFill>
                       <a:srgbClr val="000000"/>
                     </a:solidFill>
@@ -11694,7 +11815,7 @@
               </a:ln>
               <a:extLst>
                 <a:ext uri="{91240B29-F687-4f45-9708-019B960494DF}">
-                  <a14:hiddenLine xmlns:a14="http://schemas.microsoft.com/office/drawing/2010/main" xmlns="" w="9525">
+                  <a14:hiddenLine xmlns="" xmlns:a14="http://schemas.microsoft.com/office/drawing/2010/main" w="9525">
                     <a:solidFill>
                       <a:srgbClr val="000000"/>
                     </a:solidFill>
@@ -11759,7 +11880,7 @@
               </a:ln>
               <a:extLst>
                 <a:ext uri="{91240B29-F687-4f45-9708-019B960494DF}">
-                  <a14:hiddenLine xmlns:a14="http://schemas.microsoft.com/office/drawing/2010/main" xmlns="" w="9525">
+                  <a14:hiddenLine xmlns="" xmlns:a14="http://schemas.microsoft.com/office/drawing/2010/main" w="9525">
                     <a:solidFill>
                       <a:srgbClr val="000000"/>
                     </a:solidFill>
@@ -11849,7 +11970,7 @@
               </a:ln>
               <a:extLst>
                 <a:ext uri="{91240B29-F687-4f45-9708-019B960494DF}">
-                  <a14:hiddenLine xmlns:a14="http://schemas.microsoft.com/office/drawing/2010/main" xmlns="" w="9525">
+                  <a14:hiddenLine xmlns="" xmlns:a14="http://schemas.microsoft.com/office/drawing/2010/main" w="9525">
                     <a:solidFill>
                       <a:srgbClr val="000000"/>
                     </a:solidFill>
@@ -11911,7 +12032,7 @@
               </a:ln>
               <a:extLst>
                 <a:ext uri="{91240B29-F687-4f45-9708-019B960494DF}">
-                  <a14:hiddenLine xmlns:a14="http://schemas.microsoft.com/office/drawing/2010/main" xmlns="" w="9525">
+                  <a14:hiddenLine xmlns="" xmlns:a14="http://schemas.microsoft.com/office/drawing/2010/main" w="9525">
                     <a:solidFill>
                       <a:srgbClr val="000000"/>
                     </a:solidFill>
@@ -12001,7 +12122,7 @@
               </a:ln>
               <a:extLst>
                 <a:ext uri="{91240B29-F687-4f45-9708-019B960494DF}">
-                  <a14:hiddenLine xmlns:a14="http://schemas.microsoft.com/office/drawing/2010/main" xmlns="" w="9525">
+                  <a14:hiddenLine xmlns="" xmlns:a14="http://schemas.microsoft.com/office/drawing/2010/main" w="9525">
                     <a:solidFill>
                       <a:srgbClr val="000000"/>
                     </a:solidFill>
@@ -12066,7 +12187,7 @@
               </a:ln>
               <a:extLst>
                 <a:ext uri="{91240B29-F687-4f45-9708-019B960494DF}">
-                  <a14:hiddenLine xmlns:a14="http://schemas.microsoft.com/office/drawing/2010/main" xmlns="" w="9525">
+                  <a14:hiddenLine xmlns="" xmlns:a14="http://schemas.microsoft.com/office/drawing/2010/main" w="9525">
                     <a:solidFill>
                       <a:srgbClr val="000000"/>
                     </a:solidFill>
@@ -12128,7 +12249,7 @@
               </a:ln>
               <a:extLst>
                 <a:ext uri="{91240B29-F687-4f45-9708-019B960494DF}">
-                  <a14:hiddenLine xmlns:a14="http://schemas.microsoft.com/office/drawing/2010/main" xmlns="" w="9525">
+                  <a14:hiddenLine xmlns="" xmlns:a14="http://schemas.microsoft.com/office/drawing/2010/main" w="9525">
                     <a:solidFill>
                       <a:srgbClr val="000000"/>
                     </a:solidFill>
@@ -12218,7 +12339,7 @@
               </a:ln>
               <a:extLst>
                 <a:ext uri="{91240B29-F687-4f45-9708-019B960494DF}">
-                  <a14:hiddenLine xmlns:a14="http://schemas.microsoft.com/office/drawing/2010/main" xmlns="" w="9525">
+                  <a14:hiddenLine xmlns="" xmlns:a14="http://schemas.microsoft.com/office/drawing/2010/main" w="9525">
                     <a:solidFill>
                       <a:srgbClr val="000000"/>
                     </a:solidFill>
@@ -12308,7 +12429,7 @@
               </a:ln>
               <a:extLst>
                 <a:ext uri="{91240B29-F687-4f45-9708-019B960494DF}">
-                  <a14:hiddenLine xmlns:a14="http://schemas.microsoft.com/office/drawing/2010/main" xmlns="" w="9525">
+                  <a14:hiddenLine xmlns="" xmlns:a14="http://schemas.microsoft.com/office/drawing/2010/main" w="9525">
                     <a:solidFill>
                       <a:srgbClr val="000000"/>
                     </a:solidFill>
@@ -12373,7 +12494,7 @@
               </a:ln>
               <a:extLst>
                 <a:ext uri="{91240B29-F687-4f45-9708-019B960494DF}">
-                  <a14:hiddenLine xmlns:a14="http://schemas.microsoft.com/office/drawing/2010/main" xmlns="" w="9525">
+                  <a14:hiddenLine xmlns="" xmlns:a14="http://schemas.microsoft.com/office/drawing/2010/main" w="9525">
                     <a:solidFill>
                       <a:srgbClr val="000000"/>
                     </a:solidFill>
@@ -12493,7 +12614,7 @@
               </a:ln>
               <a:extLst>
                 <a:ext uri="{91240B29-F687-4f45-9708-019B960494DF}">
-                  <a14:hiddenLine xmlns:a14="http://schemas.microsoft.com/office/drawing/2010/main" xmlns="" w="9525">
+                  <a14:hiddenLine xmlns="" xmlns:a14="http://schemas.microsoft.com/office/drawing/2010/main" w="9525">
                     <a:solidFill>
                       <a:srgbClr val="000000"/>
                     </a:solidFill>
@@ -12574,7 +12695,7 @@
               </a:ln>
               <a:extLst>
                 <a:ext uri="{91240B29-F687-4f45-9708-019B960494DF}">
-                  <a14:hiddenLine xmlns:a14="http://schemas.microsoft.com/office/drawing/2010/main" xmlns="" w="9525">
+                  <a14:hiddenLine xmlns="" xmlns:a14="http://schemas.microsoft.com/office/drawing/2010/main" w="9525">
                     <a:solidFill>
                       <a:srgbClr val="000000"/>
                     </a:solidFill>
@@ -12689,7 +12810,7 @@
               </a:ln>
               <a:extLst>
                 <a:ext uri="{91240B29-F687-4f45-9708-019B960494DF}">
-                  <a14:hiddenLine xmlns:a14="http://schemas.microsoft.com/office/drawing/2010/main" xmlns="" w="9525">
+                  <a14:hiddenLine xmlns="" xmlns:a14="http://schemas.microsoft.com/office/drawing/2010/main" w="9525">
                     <a:solidFill>
                       <a:srgbClr val="000000"/>
                     </a:solidFill>
@@ -12779,7 +12900,7 @@
               </a:ln>
               <a:extLst>
                 <a:ext uri="{91240B29-F687-4f45-9708-019B960494DF}">
-                  <a14:hiddenLine xmlns:a14="http://schemas.microsoft.com/office/drawing/2010/main" xmlns="" w="9525">
+                  <a14:hiddenLine xmlns="" xmlns:a14="http://schemas.microsoft.com/office/drawing/2010/main" w="9525">
                     <a:solidFill>
                       <a:srgbClr val="000000"/>
                     </a:solidFill>
@@ -12844,7 +12965,7 @@
               </a:ln>
               <a:extLst>
                 <a:ext uri="{91240B29-F687-4f45-9708-019B960494DF}">
-                  <a14:hiddenLine xmlns:a14="http://schemas.microsoft.com/office/drawing/2010/main" xmlns="" w="9525">
+                  <a14:hiddenLine xmlns="" xmlns:a14="http://schemas.microsoft.com/office/drawing/2010/main" w="9525">
                     <a:solidFill>
                       <a:srgbClr val="000000"/>
                     </a:solidFill>
@@ -12934,7 +13055,7 @@
               </a:ln>
               <a:extLst>
                 <a:ext uri="{91240B29-F687-4f45-9708-019B960494DF}">
-                  <a14:hiddenLine xmlns:a14="http://schemas.microsoft.com/office/drawing/2010/main" xmlns="" w="9525">
+                  <a14:hiddenLine xmlns="" xmlns:a14="http://schemas.microsoft.com/office/drawing/2010/main" w="9525">
                     <a:solidFill>
                       <a:srgbClr val="000000"/>
                     </a:solidFill>
@@ -13002,7 +13123,7 @@
               </a:ln>
               <a:extLst>
                 <a:ext uri="{91240B29-F687-4f45-9708-019B960494DF}">
-                  <a14:hiddenLine xmlns:a14="http://schemas.microsoft.com/office/drawing/2010/main" xmlns="" w="9525">
+                  <a14:hiddenLine xmlns="" xmlns:a14="http://schemas.microsoft.com/office/drawing/2010/main" w="9525">
                     <a:solidFill>
                       <a:srgbClr val="000000"/>
                     </a:solidFill>
@@ -13092,7 +13213,7 @@
               </a:ln>
               <a:extLst>
                 <a:ext uri="{91240B29-F687-4f45-9708-019B960494DF}">
-                  <a14:hiddenLine xmlns:a14="http://schemas.microsoft.com/office/drawing/2010/main" xmlns="" w="9525">
+                  <a14:hiddenLine xmlns="" xmlns:a14="http://schemas.microsoft.com/office/drawing/2010/main" w="9525">
                     <a:solidFill>
                       <a:srgbClr val="000000"/>
                     </a:solidFill>
@@ -13160,7 +13281,7 @@
               </a:ln>
               <a:extLst>
                 <a:ext uri="{91240B29-F687-4f45-9708-019B960494DF}">
-                  <a14:hiddenLine xmlns:a14="http://schemas.microsoft.com/office/drawing/2010/main" xmlns="" w="9525">
+                  <a14:hiddenLine xmlns="" xmlns:a14="http://schemas.microsoft.com/office/drawing/2010/main" w="9525">
                     <a:solidFill>
                       <a:srgbClr val="000000"/>
                     </a:solidFill>
@@ -13250,7 +13371,7 @@
               </a:ln>
               <a:extLst>
                 <a:ext uri="{91240B29-F687-4f45-9708-019B960494DF}">
-                  <a14:hiddenLine xmlns:a14="http://schemas.microsoft.com/office/drawing/2010/main" xmlns="" w="9525">
+                  <a14:hiddenLine xmlns="" xmlns:a14="http://schemas.microsoft.com/office/drawing/2010/main" w="9525">
                     <a:solidFill>
                       <a:srgbClr val="000000"/>
                     </a:solidFill>
@@ -13284,7 +13405,7 @@
               </a:ln>
               <a:extLst>
                 <a:ext uri="{91240B29-F687-4f45-9708-019B960494DF}">
-                  <a14:hiddenLine xmlns:a14="http://schemas.microsoft.com/office/drawing/2010/main" xmlns="" w="9525">
+                  <a14:hiddenLine xmlns="" xmlns:a14="http://schemas.microsoft.com/office/drawing/2010/main" w="9525">
                     <a:solidFill>
                       <a:srgbClr val="000000"/>
                     </a:solidFill>
@@ -13425,7 +13546,7 @@
             <a:fld id="{48A87A34-81AB-432B-8DAE-1953F412C126}" type="datetimeFigureOut">
               <a:rPr lang="en-US" dirty="0"/>
               <a:pPr/>
-              <a:t>11/11/2019</a:t>
+              <a:t>11/16/2019</a:t>
             </a:fld>
             <a:endParaRPr lang="en-US" dirty="0"/>
           </a:p>
@@ -13921,17 +14042,127 @@
   <p:clrMapOvr>
     <a:masterClrMapping/>
   </p:clrMapOvr>
-  <p:timing>
-    <p:tnLst>
-      <p:par>
-        <p:cTn id="1" dur="indefinite" restart="never" nodeType="tmRoot"/>
-      </p:par>
-    </p:tnLst>
-  </p:timing>
 </p:sld>
 </file>
 
 <file path=ppt/slides/slide10.xml><?xml version="1.0" encoding="utf-8"?>
+<p:sld xmlns:a="http://schemas.openxmlformats.org/drawingml/2006/main" xmlns:r="http://schemas.openxmlformats.org/officeDocument/2006/relationships" xmlns:p="http://schemas.openxmlformats.org/presentationml/2006/main">
+  <p:cSld>
+    <p:spTree>
+      <p:nvGrpSpPr>
+        <p:cNvPr id="1" name=""/>
+        <p:cNvGrpSpPr/>
+        <p:nvPr/>
+      </p:nvGrpSpPr>
+      <p:grpSpPr>
+        <a:xfrm>
+          <a:off x="0" y="0"/>
+          <a:ext cx="0" cy="0"/>
+          <a:chOff x="0" y="0"/>
+          <a:chExt cx="0" cy="0"/>
+        </a:xfrm>
+      </p:grpSpPr>
+      <p:sp>
+        <p:nvSpPr>
+          <p:cNvPr id="2" name="Titel 1">
+            <a:extLst>
+              <a:ext uri="{FF2B5EF4-FFF2-40B4-BE49-F238E27FC236}">
+                <a16:creationId xmlns:a16="http://schemas.microsoft.com/office/drawing/2014/main" id="{AFCA7579-F370-41D1-B570-46C2FA7DE35B}"/>
+              </a:ext>
+            </a:extLst>
+          </p:cNvPr>
+          <p:cNvSpPr>
+            <a:spLocks noGrp="1"/>
+          </p:cNvSpPr>
+          <p:nvPr>
+            <p:ph type="title"/>
+          </p:nvPr>
+        </p:nvSpPr>
+        <p:spPr/>
+        <p:txBody>
+          <a:bodyPr/>
+          <a:lstStyle/>
+          <a:p>
+            <a:r>
+              <a:rPr lang="de-DE" dirty="0" err="1"/>
+              <a:t>Gameover</a:t>
+            </a:r>
+            <a:r>
+              <a:rPr lang="de-DE" dirty="0"/>
+              <a:t> Zustand</a:t>
+            </a:r>
+          </a:p>
+        </p:txBody>
+      </p:sp>
+      <p:sp>
+        <p:nvSpPr>
+          <p:cNvPr id="3" name="Inhaltsplatzhalter 2">
+            <a:extLst>
+              <a:ext uri="{FF2B5EF4-FFF2-40B4-BE49-F238E27FC236}">
+                <a16:creationId xmlns:a16="http://schemas.microsoft.com/office/drawing/2014/main" id="{54B9AD63-0239-411C-B682-D8D71912C969}"/>
+              </a:ext>
+            </a:extLst>
+          </p:cNvPr>
+          <p:cNvSpPr>
+            <a:spLocks noGrp="1"/>
+          </p:cNvSpPr>
+          <p:nvPr>
+            <p:ph idx="1"/>
+          </p:nvPr>
+        </p:nvSpPr>
+        <p:spPr/>
+        <p:txBody>
+          <a:bodyPr/>
+          <a:lstStyle/>
+          <a:p>
+            <a:endParaRPr lang="de-DE"/>
+          </a:p>
+        </p:txBody>
+      </p:sp>
+      <p:pic>
+        <p:nvPicPr>
+          <p:cNvPr id="4" name="Grafik 3">
+            <a:extLst>
+              <a:ext uri="{FF2B5EF4-FFF2-40B4-BE49-F238E27FC236}">
+                <a16:creationId xmlns:a16="http://schemas.microsoft.com/office/drawing/2014/main" id="{D7200055-D6E6-4EA2-8C98-591D1D02C3A8}"/>
+              </a:ext>
+            </a:extLst>
+          </p:cNvPr>
+          <p:cNvPicPr>
+            <a:picLocks noChangeAspect="1"/>
+          </p:cNvPicPr>
+          <p:nvPr/>
+        </p:nvPicPr>
+        <p:blipFill>
+          <a:blip r:embed="rId2"/>
+          <a:stretch>
+            <a:fillRect/>
+          </a:stretch>
+        </p:blipFill>
+        <p:spPr>
+          <a:xfrm>
+            <a:off x="294391" y="1625601"/>
+            <a:ext cx="11338285" cy="4666456"/>
+          </a:xfrm>
+          <a:prstGeom prst="rect">
+            <a:avLst/>
+          </a:prstGeom>
+        </p:spPr>
+      </p:pic>
+    </p:spTree>
+    <p:extLst>
+      <p:ext uri="{BB962C8B-B14F-4D97-AF65-F5344CB8AC3E}">
+        <p14:creationId xmlns:p14="http://schemas.microsoft.com/office/powerpoint/2010/main" val="1606900939"/>
+      </p:ext>
+    </p:extLst>
+  </p:cSld>
+  <p:clrMapOvr>
+    <a:masterClrMapping/>
+  </p:clrMapOvr>
+</p:sld>
+</file>
+
+<file path=ppt/slides/slide11.xml><?xml version="1.0" encoding="utf-8"?>
 <p:sld xmlns:a="http://schemas.openxmlformats.org/drawingml/2006/main" xmlns:r="http://schemas.openxmlformats.org/officeDocument/2006/relationships" xmlns:p="http://schemas.openxmlformats.org/presentationml/2006/main">
   <p:cSld>
     <p:spTree>
@@ -14033,15 +14264,15 @@
               <a:buChar char="•"/>
             </a:pPr>
             <a:r>
-              <a:rPr lang="de-DE" dirty="0" smtClean="0"/>
+              <a:rPr lang="de-DE" dirty="0"/>
               <a:t>4 </a:t>
             </a:r>
             <a:r>
-              <a:rPr lang="de-DE" dirty="0" err="1" smtClean="0"/>
+              <a:rPr lang="de-DE" dirty="0" err="1"/>
               <a:t>Spielmodis</a:t>
             </a:r>
             <a:r>
-              <a:rPr lang="de-DE" dirty="0" smtClean="0"/>
+              <a:rPr lang="de-DE" dirty="0"/>
               <a:t> </a:t>
             </a:r>
           </a:p>
@@ -14101,14 +14332,13 @@
               <a:buChar char="•"/>
             </a:pPr>
             <a:r>
-              <a:rPr lang="de-DE" dirty="0" err="1" smtClean="0"/>
+              <a:rPr lang="de-DE" dirty="0" err="1"/>
               <a:t>Restart</a:t>
             </a:r>
             <a:r>
-              <a:rPr lang="de-DE" dirty="0" smtClean="0"/>
+              <a:rPr lang="de-DE" dirty="0"/>
               <a:t> über Emoji</a:t>
             </a:r>
-            <a:endParaRPr lang="de-DE" dirty="0"/>
           </a:p>
         </p:txBody>
       </p:sp>
@@ -14182,17 +14412,10 @@
   <p:clrMapOvr>
     <a:masterClrMapping/>
   </p:clrMapOvr>
-  <p:timing>
-    <p:tnLst>
-      <p:par>
-        <p:cTn id="1" dur="indefinite" restart="never" nodeType="tmRoot"/>
-      </p:par>
-    </p:tnLst>
-  </p:timing>
 </p:sld>
 </file>
 
-<file path=ppt/slides/slide11.xml><?xml version="1.0" encoding="utf-8"?>
+<file path=ppt/slides/slide12.xml><?xml version="1.0" encoding="utf-8"?>
 <p:sld xmlns:a="http://schemas.openxmlformats.org/drawingml/2006/main" xmlns:r="http://schemas.openxmlformats.org/officeDocument/2006/relationships" xmlns:p="http://schemas.openxmlformats.org/presentationml/2006/main">
   <p:cSld>
     <p:spTree>
@@ -14963,10 +15186,9 @@
           <a:lstStyle/>
           <a:p>
             <a:r>
-              <a:rPr lang="de-DE" dirty="0" smtClean="0"/>
+              <a:rPr lang="de-DE" dirty="0"/>
               <a:t>Arbeitsspeicher</a:t>
             </a:r>
-            <a:endParaRPr lang="de-DE" dirty="0"/>
           </a:p>
         </p:txBody>
       </p:sp>
@@ -16038,7 +16260,7 @@
 </p:sld>
 </file>
 
-<file path=ppt/slides/slide12.xml><?xml version="1.0" encoding="utf-8"?>
+<file path=ppt/slides/slide13.xml><?xml version="1.0" encoding="utf-8"?>
 <p:sld xmlns:a="http://schemas.openxmlformats.org/drawingml/2006/main" xmlns:r="http://schemas.openxmlformats.org/officeDocument/2006/relationships" xmlns:p="http://schemas.openxmlformats.org/presentationml/2006/main">
   <p:cSld>
     <p:spTree>
@@ -16680,7 +16902,7 @@
 </p:sld>
 </file>
 
-<file path=ppt/slides/slide13.xml><?xml version="1.0" encoding="utf-8"?>
+<file path=ppt/slides/slide14.xml><?xml version="1.0" encoding="utf-8"?>
 <p:sld xmlns:a="http://schemas.openxmlformats.org/drawingml/2006/main" xmlns:r="http://schemas.openxmlformats.org/officeDocument/2006/relationships" xmlns:p="http://schemas.openxmlformats.org/presentationml/2006/main">
   <p:cSld>
     <p:spTree>
@@ -17000,7 +17222,7 @@
 </p:sld>
 </file>
 
-<file path=ppt/slides/slide14.xml><?xml version="1.0" encoding="utf-8"?>
+<file path=ppt/slides/slide15.xml><?xml version="1.0" encoding="utf-8"?>
 <p:sld xmlns:a="http://schemas.openxmlformats.org/drawingml/2006/main" xmlns:r="http://schemas.openxmlformats.org/officeDocument/2006/relationships" xmlns:p="http://schemas.openxmlformats.org/presentationml/2006/main">
   <p:cSld>
     <p:spTree>
@@ -17104,17 +17326,10 @@
   <p:clrMapOvr>
     <a:masterClrMapping/>
   </p:clrMapOvr>
-  <p:timing>
-    <p:tnLst>
-      <p:par>
-        <p:cTn id="1" dur="indefinite" restart="never" nodeType="tmRoot"/>
-      </p:par>
-    </p:tnLst>
-  </p:timing>
 </p:sld>
 </file>
 
-<file path=ppt/slides/slide15.xml><?xml version="1.0" encoding="utf-8"?>
+<file path=ppt/slides/slide16.xml><?xml version="1.0" encoding="utf-8"?>
 <p:sld xmlns:a="http://schemas.openxmlformats.org/drawingml/2006/main" xmlns:r="http://schemas.openxmlformats.org/officeDocument/2006/relationships" xmlns:p="http://schemas.openxmlformats.org/presentationml/2006/main">
   <p:cSld>
     <p:spTree>
@@ -17259,13 +17474,6 @@
   <p:clrMapOvr>
     <a:masterClrMapping/>
   </p:clrMapOvr>
-  <p:timing>
-    <p:tnLst>
-      <p:par>
-        <p:cTn id="1" dur="indefinite" restart="never" nodeType="tmRoot"/>
-      </p:par>
-    </p:tnLst>
-  </p:timing>
 </p:sld>
 </file>
 
@@ -17674,13 +17882,6 @@
   <p:clrMapOvr>
     <a:masterClrMapping/>
   </p:clrMapOvr>
-  <p:timing>
-    <p:tnLst>
-      <p:par>
-        <p:cTn id="1" dur="indefinite" restart="never" nodeType="tmRoot"/>
-      </p:par>
-    </p:tnLst>
-  </p:timing>
 </p:sld>
 </file>
 
@@ -17723,10 +17924,9 @@
           <a:lstStyle/>
           <a:p>
             <a:r>
-              <a:rPr lang="de-DE" dirty="0" smtClean="0"/>
+              <a:rPr lang="de-DE" dirty="0"/>
               <a:t>Befüllen des Arrays</a:t>
             </a:r>
-            <a:endParaRPr lang="de-DE" dirty="0"/>
           </a:p>
         </p:txBody>
       </p:sp>
@@ -17795,13 +17995,6 @@
   <p:clrMapOvr>
     <a:masterClrMapping/>
   </p:clrMapOvr>
-  <p:timing>
-    <p:tnLst>
-      <p:par>
-        <p:cTn id="1" dur="indefinite" restart="never" nodeType="tmRoot"/>
-      </p:par>
-    </p:tnLst>
-  </p:timing>
 </p:sld>
 </file>
 
@@ -17845,13 +18038,8 @@
           <a:p>
             <a:r>
               <a:rPr lang="de-DE" dirty="0"/>
-              <a:t>Was ist ein </a:t>
+              <a:t>Was ist ein Tag, wozu nutzen wir ihn?</a:t>
             </a:r>
-            <a:r>
-              <a:rPr lang="de-DE" dirty="0" smtClean="0"/>
-              <a:t>Tag, wozu nutzen wir ihn?</a:t>
-            </a:r>
-            <a:endParaRPr lang="de-DE" dirty="0"/>
           </a:p>
         </p:txBody>
       </p:sp>
@@ -18048,10 +18236,9 @@
           <a:lstStyle/>
           <a:p>
             <a:r>
-              <a:rPr lang="de-DE" dirty="0" smtClean="0"/>
+              <a:rPr lang="de-DE" dirty="0"/>
               <a:t>Button Array</a:t>
             </a:r>
-            <a:endParaRPr lang="de-DE" dirty="0"/>
           </a:p>
         </p:txBody>
       </p:sp>
@@ -18079,13 +18266,8 @@
           <a:p>
             <a:r>
               <a:rPr lang="de-DE" dirty="0"/>
-              <a:t>x</a:t>
+              <a:t>x-Koordinate</a:t>
             </a:r>
-            <a:r>
-              <a:rPr lang="de-DE" dirty="0" smtClean="0"/>
-              <a:t>-Koordinate</a:t>
-            </a:r>
-            <a:endParaRPr lang="de-DE" dirty="0"/>
           </a:p>
         </p:txBody>
       </p:sp>
@@ -18112,10 +18294,9 @@
           <a:lstStyle/>
           <a:p>
             <a:r>
-              <a:rPr lang="de-DE" dirty="0" smtClean="0"/>
+              <a:rPr lang="de-DE" dirty="0"/>
               <a:t>y-Koordinate</a:t>
             </a:r>
-            <a:endParaRPr lang="de-DE" dirty="0"/>
           </a:p>
         </p:txBody>
       </p:sp>
@@ -18142,10 +18323,9 @@
           <a:lstStyle/>
           <a:p>
             <a:r>
-              <a:rPr lang="de-DE" dirty="0" smtClean="0"/>
+              <a:rPr lang="de-DE" dirty="0"/>
               <a:t>Trennzeichen </a:t>
             </a:r>
-            <a:endParaRPr lang="de-DE" dirty="0"/>
           </a:p>
         </p:txBody>
       </p:sp>
@@ -18159,13 +18339,6 @@
   <p:clrMapOvr>
     <a:masterClrMapping/>
   </p:clrMapOvr>
-  <p:timing>
-    <p:tnLst>
-      <p:par>
-        <p:cTn id="1" dur="indefinite" restart="never" nodeType="tmRoot"/>
-      </p:par>
-    </p:tnLst>
-  </p:timing>
 </p:sld>
 </file>
 
@@ -18279,13 +18452,6 @@
   <p:clrMapOvr>
     <a:masterClrMapping/>
   </p:clrMapOvr>
-  <p:timing>
-    <p:tnLst>
-      <p:par>
-        <p:cTn id="1" dur="indefinite" restart="never" nodeType="tmRoot"/>
-      </p:par>
-    </p:tnLst>
-  </p:timing>
 </p:sld>
 </file>
 
@@ -18390,36 +18556,6 @@
           <a:xfrm>
             <a:off x="1280899" y="2583002"/>
             <a:ext cx="9272741" cy="2986137"/>
-          </a:xfrm>
-          <a:prstGeom prst="rect">
-            <a:avLst/>
-          </a:prstGeom>
-        </p:spPr>
-      </p:pic>
-      <p:pic>
-        <p:nvPicPr>
-          <p:cNvPr id="5" name="Grafik 4">
-            <a:extLst>
-              <a:ext uri="{FF2B5EF4-FFF2-40B4-BE49-F238E27FC236}">
-                <a16:creationId xmlns:a16="http://schemas.microsoft.com/office/drawing/2014/main" id="{882FFB34-A336-4FC7-B3BD-22A9F4A83D72}"/>
-              </a:ext>
-            </a:extLst>
-          </p:cNvPr>
-          <p:cNvPicPr>
-            <a:picLocks noChangeAspect="1"/>
-          </p:cNvPicPr>
-          <p:nvPr/>
-        </p:nvPicPr>
-        <p:blipFill>
-          <a:blip r:embed="rId5"/>
-          <a:stretch>
-            <a:fillRect/>
-          </a:stretch>
-        </p:blipFill>
-        <p:spPr>
-          <a:xfrm>
-            <a:off x="1280899" y="5776586"/>
-            <a:ext cx="10241574" cy="462896"/>
           </a:xfrm>
           <a:prstGeom prst="rect">
             <a:avLst/>
@@ -18534,27 +18670,202 @@
                       </p:childTnLst>
                     </p:cTn>
                   </p:par>
+                </p:childTnLst>
+              </p:cTn>
+              <p:prevCondLst>
+                <p:cond evt="onPrev" delay="0">
+                  <p:tgtEl>
+                    <p:sldTgt/>
+                  </p:tgtEl>
+                </p:cond>
+              </p:prevCondLst>
+              <p:nextCondLst>
+                <p:cond evt="onNext" delay="0">
+                  <p:tgtEl>
+                    <p:sldTgt/>
+                  </p:tgtEl>
+                </p:cond>
+              </p:nextCondLst>
+            </p:seq>
+          </p:childTnLst>
+        </p:cTn>
+      </p:par>
+    </p:tnLst>
+  </p:timing>
+</p:sld>
+</file>
+
+<file path=ppt/slides/slide7.xml><?xml version="1.0" encoding="utf-8"?>
+<p:sld xmlns:a="http://schemas.openxmlformats.org/drawingml/2006/main" xmlns:r="http://schemas.openxmlformats.org/officeDocument/2006/relationships" xmlns:p="http://schemas.openxmlformats.org/presentationml/2006/main">
+  <p:cSld>
+    <p:spTree>
+      <p:nvGrpSpPr>
+        <p:cNvPr id="1" name=""/>
+        <p:cNvGrpSpPr/>
+        <p:nvPr/>
+      </p:nvGrpSpPr>
+      <p:grpSpPr>
+        <a:xfrm>
+          <a:off x="0" y="0"/>
+          <a:ext cx="0" cy="0"/>
+          <a:chOff x="0" y="0"/>
+          <a:chExt cx="0" cy="0"/>
+        </a:xfrm>
+      </p:grpSpPr>
+      <p:sp>
+        <p:nvSpPr>
+          <p:cNvPr id="2" name="Titel 1">
+            <a:extLst>
+              <a:ext uri="{FF2B5EF4-FFF2-40B4-BE49-F238E27FC236}">
+                <a16:creationId xmlns:a16="http://schemas.microsoft.com/office/drawing/2014/main" id="{6A436852-BE89-4612-8795-39337967034D}"/>
+              </a:ext>
+            </a:extLst>
+          </p:cNvPr>
+          <p:cNvSpPr>
+            <a:spLocks noGrp="1"/>
+          </p:cNvSpPr>
+          <p:nvPr>
+            <p:ph type="title"/>
+          </p:nvPr>
+        </p:nvSpPr>
+        <p:spPr/>
+        <p:txBody>
+          <a:bodyPr/>
+          <a:lstStyle/>
+          <a:p>
+            <a:r>
+              <a:rPr lang="de-DE" dirty="0"/>
+              <a:t>Blockade des Linksklicks</a:t>
+            </a:r>
+          </a:p>
+        </p:txBody>
+      </p:sp>
+      <p:pic>
+        <p:nvPicPr>
+          <p:cNvPr id="4" name="Grafik 3">
+            <a:extLst>
+              <a:ext uri="{FF2B5EF4-FFF2-40B4-BE49-F238E27FC236}">
+                <a16:creationId xmlns:a16="http://schemas.microsoft.com/office/drawing/2014/main" id="{F0DEE154-8F53-463C-B83C-D356CE5F5D87}"/>
+              </a:ext>
+            </a:extLst>
+          </p:cNvPr>
+          <p:cNvPicPr>
+            <a:picLocks noChangeAspect="1"/>
+          </p:cNvPicPr>
+          <p:nvPr/>
+        </p:nvPicPr>
+        <p:blipFill>
+          <a:blip r:embed="rId3"/>
+          <a:stretch>
+            <a:fillRect/>
+          </a:stretch>
+        </p:blipFill>
+        <p:spPr>
+          <a:xfrm>
+            <a:off x="997999" y="2444750"/>
+            <a:ext cx="10241574" cy="462896"/>
+          </a:xfrm>
+          <a:prstGeom prst="rect">
+            <a:avLst/>
+          </a:prstGeom>
+        </p:spPr>
+      </p:pic>
+      <p:pic>
+        <p:nvPicPr>
+          <p:cNvPr id="5" name="Grafik 4">
+            <a:extLst>
+              <a:ext uri="{FF2B5EF4-FFF2-40B4-BE49-F238E27FC236}">
+                <a16:creationId xmlns:a16="http://schemas.microsoft.com/office/drawing/2014/main" id="{3A42D8AA-F5E9-4091-A036-71152D19D22F}"/>
+              </a:ext>
+            </a:extLst>
+          </p:cNvPr>
+          <p:cNvPicPr>
+            <a:picLocks noChangeAspect="1"/>
+          </p:cNvPicPr>
+          <p:nvPr/>
+        </p:nvPicPr>
+        <p:blipFill>
+          <a:blip r:embed="rId4"/>
+          <a:stretch>
+            <a:fillRect/>
+          </a:stretch>
+        </p:blipFill>
+        <p:spPr>
+          <a:xfrm>
+            <a:off x="45573" y="3255308"/>
+            <a:ext cx="12146427" cy="347383"/>
+          </a:xfrm>
+          <a:prstGeom prst="rect">
+            <a:avLst/>
+          </a:prstGeom>
+        </p:spPr>
+      </p:pic>
+    </p:spTree>
+    <p:extLst>
+      <p:ext uri="{BB962C8B-B14F-4D97-AF65-F5344CB8AC3E}">
+        <p14:creationId xmlns:p14="http://schemas.microsoft.com/office/powerpoint/2010/main" val="2269864327"/>
+      </p:ext>
+    </p:extLst>
+  </p:cSld>
+  <p:clrMapOvr>
+    <a:masterClrMapping/>
+  </p:clrMapOvr>
+  <p:timing>
+    <p:tnLst>
+      <p:par>
+        <p:cTn id="1" dur="indefinite" restart="never" nodeType="tmRoot">
+          <p:childTnLst>
+            <p:seq concurrent="1" nextAc="seek">
+              <p:cTn id="2" dur="indefinite" nodeType="mainSeq">
+                <p:childTnLst>
                   <p:par>
-                    <p:cTn id="11" fill="hold">
+                    <p:cTn id="3" fill="hold">
                       <p:stCondLst>
                         <p:cond delay="indefinite"/>
                       </p:stCondLst>
                       <p:childTnLst>
                         <p:par>
-                          <p:cTn id="12" fill="hold">
+                          <p:cTn id="4" fill="hold">
                             <p:stCondLst>
                               <p:cond delay="0"/>
                             </p:stCondLst>
                             <p:childTnLst>
                               <p:par>
-                                <p:cTn id="13" presetID="1" presetClass="entr" presetSubtype="0" fill="hold" nodeType="clickEffect">
+                                <p:cTn id="5" presetID="1" presetClass="exit" presetSubtype="0" fill="hold" nodeType="clickEffect">
                                   <p:stCondLst>
                                     <p:cond delay="0"/>
                                   </p:stCondLst>
                                   <p:childTnLst>
                                     <p:set>
                                       <p:cBhvr>
-                                        <p:cTn id="14" dur="1" fill="hold">
+                                        <p:cTn id="6" dur="1" fill="hold">
+                                          <p:stCondLst>
+                                            <p:cond delay="0"/>
+                                          </p:stCondLst>
+                                        </p:cTn>
+                                        <p:tgtEl>
+                                          <p:spTgt spid="4"/>
+                                        </p:tgtEl>
+                                        <p:attrNameLst>
+                                          <p:attrName>style.visibility</p:attrName>
+                                        </p:attrNameLst>
+                                      </p:cBhvr>
+                                      <p:to>
+                                        <p:strVal val="hidden"/>
+                                      </p:to>
+                                    </p:set>
+                                  </p:childTnLst>
+                                </p:cTn>
+                              </p:par>
+                              <p:par>
+                                <p:cTn id="7" presetID="1" presetClass="entr" presetSubtype="0" fill="hold" nodeType="withEffect">
+                                  <p:stCondLst>
+                                    <p:cond delay="0"/>
+                                  </p:stCondLst>
+                                  <p:childTnLst>
+                                    <p:set>
+                                      <p:cBhvr>
+                                        <p:cTn id="8" dur="1" fill="hold">
                                           <p:stCondLst>
                                             <p:cond delay="0"/>
                                           </p:stCondLst>
@@ -18604,7 +18915,7 @@
 </p:sld>
 </file>
 
-<file path=ppt/slides/slide7.xml><?xml version="1.0" encoding="utf-8"?>
+<file path=ppt/slides/slide8.xml><?xml version="1.0" encoding="utf-8"?>
 <p:sld xmlns:a="http://schemas.openxmlformats.org/drawingml/2006/main" xmlns:r="http://schemas.openxmlformats.org/officeDocument/2006/relationships" xmlns:p="http://schemas.openxmlformats.org/presentationml/2006/main">
   <p:cSld>
     <p:spTree>
@@ -22615,17 +22926,10 @@
   <p:clrMapOvr>
     <a:masterClrMapping/>
   </p:clrMapOvr>
-  <p:timing>
-    <p:tnLst>
-      <p:par>
-        <p:cTn id="1" dur="indefinite" restart="never" nodeType="tmRoot"/>
-      </p:par>
-    </p:tnLst>
-  </p:timing>
 </p:sld>
 </file>
 
-<file path=ppt/slides/slide8.xml><?xml version="1.0" encoding="utf-8"?>
+<file path=ppt/slides/slide9.xml><?xml version="1.0" encoding="utf-8"?>
 <p:sld xmlns:a="http://schemas.openxmlformats.org/drawingml/2006/main" xmlns:r="http://schemas.openxmlformats.org/officeDocument/2006/relationships" xmlns:p="http://schemas.openxmlformats.org/presentationml/2006/main">
   <p:cSld>
     <p:spTree>
@@ -22739,137 +23043,6 @@
   <p:clrMapOvr>
     <a:masterClrMapping/>
   </p:clrMapOvr>
-  <p:timing>
-    <p:tnLst>
-      <p:par>
-        <p:cTn id="1" dur="indefinite" restart="never" nodeType="tmRoot"/>
-      </p:par>
-    </p:tnLst>
-  </p:timing>
-</p:sld>
-</file>
-
-<file path=ppt/slides/slide9.xml><?xml version="1.0" encoding="utf-8"?>
-<p:sld xmlns:a="http://schemas.openxmlformats.org/drawingml/2006/main" xmlns:r="http://schemas.openxmlformats.org/officeDocument/2006/relationships" xmlns:p="http://schemas.openxmlformats.org/presentationml/2006/main">
-  <p:cSld>
-    <p:spTree>
-      <p:nvGrpSpPr>
-        <p:cNvPr id="1" name=""/>
-        <p:cNvGrpSpPr/>
-        <p:nvPr/>
-      </p:nvGrpSpPr>
-      <p:grpSpPr>
-        <a:xfrm>
-          <a:off x="0" y="0"/>
-          <a:ext cx="0" cy="0"/>
-          <a:chOff x="0" y="0"/>
-          <a:chExt cx="0" cy="0"/>
-        </a:xfrm>
-      </p:grpSpPr>
-      <p:sp>
-        <p:nvSpPr>
-          <p:cNvPr id="2" name="Titel 1">
-            <a:extLst>
-              <a:ext uri="{FF2B5EF4-FFF2-40B4-BE49-F238E27FC236}">
-                <a16:creationId xmlns:a16="http://schemas.microsoft.com/office/drawing/2014/main" id="{AFCA7579-F370-41D1-B570-46C2FA7DE35B}"/>
-              </a:ext>
-            </a:extLst>
-          </p:cNvPr>
-          <p:cNvSpPr>
-            <a:spLocks noGrp="1"/>
-          </p:cNvSpPr>
-          <p:nvPr>
-            <p:ph type="title"/>
-          </p:nvPr>
-        </p:nvSpPr>
-        <p:spPr/>
-        <p:txBody>
-          <a:bodyPr/>
-          <a:lstStyle/>
-          <a:p>
-            <a:r>
-              <a:rPr lang="de-DE" dirty="0" err="1"/>
-              <a:t>Gameover</a:t>
-            </a:r>
-            <a:r>
-              <a:rPr lang="de-DE" dirty="0"/>
-              <a:t> Zustand</a:t>
-            </a:r>
-          </a:p>
-        </p:txBody>
-      </p:sp>
-      <p:sp>
-        <p:nvSpPr>
-          <p:cNvPr id="3" name="Inhaltsplatzhalter 2">
-            <a:extLst>
-              <a:ext uri="{FF2B5EF4-FFF2-40B4-BE49-F238E27FC236}">
-                <a16:creationId xmlns:a16="http://schemas.microsoft.com/office/drawing/2014/main" id="{54B9AD63-0239-411C-B682-D8D71912C969}"/>
-              </a:ext>
-            </a:extLst>
-          </p:cNvPr>
-          <p:cNvSpPr>
-            <a:spLocks noGrp="1"/>
-          </p:cNvSpPr>
-          <p:nvPr>
-            <p:ph idx="1"/>
-          </p:nvPr>
-        </p:nvSpPr>
-        <p:spPr/>
-        <p:txBody>
-          <a:bodyPr/>
-          <a:lstStyle/>
-          <a:p>
-            <a:endParaRPr lang="de-DE"/>
-          </a:p>
-        </p:txBody>
-      </p:sp>
-      <p:pic>
-        <p:nvPicPr>
-          <p:cNvPr id="4" name="Grafik 3">
-            <a:extLst>
-              <a:ext uri="{FF2B5EF4-FFF2-40B4-BE49-F238E27FC236}">
-                <a16:creationId xmlns:a16="http://schemas.microsoft.com/office/drawing/2014/main" id="{D7200055-D6E6-4EA2-8C98-591D1D02C3A8}"/>
-              </a:ext>
-            </a:extLst>
-          </p:cNvPr>
-          <p:cNvPicPr>
-            <a:picLocks noChangeAspect="1"/>
-          </p:cNvPicPr>
-          <p:nvPr/>
-        </p:nvPicPr>
-        <p:blipFill>
-          <a:blip r:embed="rId2"/>
-          <a:stretch>
-            <a:fillRect/>
-          </a:stretch>
-        </p:blipFill>
-        <p:spPr>
-          <a:xfrm>
-            <a:off x="294391" y="1625601"/>
-            <a:ext cx="11338285" cy="4666456"/>
-          </a:xfrm>
-          <a:prstGeom prst="rect">
-            <a:avLst/>
-          </a:prstGeom>
-        </p:spPr>
-      </p:pic>
-    </p:spTree>
-    <p:extLst>
-      <p:ext uri="{BB962C8B-B14F-4D97-AF65-F5344CB8AC3E}">
-        <p14:creationId xmlns:p14="http://schemas.microsoft.com/office/powerpoint/2010/main" val="1606900939"/>
-      </p:ext>
-    </p:extLst>
-  </p:cSld>
-  <p:clrMapOvr>
-    <a:masterClrMapping/>
-  </p:clrMapOvr>
-  <p:timing>
-    <p:tnLst>
-      <p:par>
-        <p:cTn id="1" dur="indefinite" restart="never" nodeType="tmRoot"/>
-      </p:par>
-    </p:tnLst>
-  </p:timing>
 </p:sld>
 </file>
 

--- a/IT-Kurzprojekt.pptx
+++ b/IT-Kurzprojekt.pptx
@@ -212,7 +212,7 @@
           <a:p>
             <a:fld id="{BC3F662D-799D-45D1-8BCA-E5F703E58855}" type="datetimeFigureOut">
               <a:rPr lang="de-DE" smtClean="0"/>
-              <a:t>16.11.2019</a:t>
+              <a:t>18.11.2019</a:t>
             </a:fld>
             <a:endParaRPr lang="de-DE"/>
           </a:p>
@@ -1787,7 +1787,7 @@
           <a:noFill/>
           <a:extLst>
             <a:ext uri="{909E8E84-426E-40dd-AFC4-6F175D3DCCD1}">
-              <a14:hiddenFill xmlns="" xmlns:a14="http://schemas.microsoft.com/office/drawing/2010/main">
+              <a14:hiddenFill xmlns:a14="http://schemas.microsoft.com/office/drawing/2010/main" xmlns="">
                 <a:solidFill>
                   <a:srgbClr val="FFFFFF"/>
                 </a:solidFill>
@@ -1846,7 +1846,7 @@
             </a:ln>
             <a:extLst>
               <a:ext uri="{91240B29-F687-4f45-9708-019B960494DF}">
-                <a14:hiddenLine xmlns="" xmlns:a14="http://schemas.microsoft.com/office/drawing/2010/main" w="9525">
+                <a14:hiddenLine xmlns:a14="http://schemas.microsoft.com/office/drawing/2010/main" xmlns="" w="9525">
                   <a:solidFill>
                     <a:srgbClr val="000000"/>
                   </a:solidFill>
@@ -1936,7 +1936,7 @@
             </a:ln>
             <a:extLst>
               <a:ext uri="{91240B29-F687-4f45-9708-019B960494DF}">
-                <a14:hiddenLine xmlns="" xmlns:a14="http://schemas.microsoft.com/office/drawing/2010/main" w="9525">
+                <a14:hiddenLine xmlns:a14="http://schemas.microsoft.com/office/drawing/2010/main" xmlns="" w="9525">
                   <a:solidFill>
                     <a:srgbClr val="000000"/>
                   </a:solidFill>
@@ -2026,7 +2026,7 @@
             </a:ln>
             <a:extLst>
               <a:ext uri="{91240B29-F687-4f45-9708-019B960494DF}">
-                <a14:hiddenLine xmlns="" xmlns:a14="http://schemas.microsoft.com/office/drawing/2010/main" w="9525">
+                <a14:hiddenLine xmlns:a14="http://schemas.microsoft.com/office/drawing/2010/main" xmlns="" w="9525">
                   <a:solidFill>
                     <a:srgbClr val="000000"/>
                   </a:solidFill>
@@ -2060,7 +2060,7 @@
             </a:ln>
             <a:extLst>
               <a:ext uri="{91240B29-F687-4f45-9708-019B960494DF}">
-                <a14:hiddenLine xmlns="" xmlns:a14="http://schemas.microsoft.com/office/drawing/2010/main" w="9525">
+                <a14:hiddenLine xmlns:a14="http://schemas.microsoft.com/office/drawing/2010/main" xmlns="" w="9525">
                   <a:solidFill>
                     <a:srgbClr val="000000"/>
                   </a:solidFill>
@@ -2150,7 +2150,7 @@
             </a:ln>
             <a:extLst>
               <a:ext uri="{91240B29-F687-4f45-9708-019B960494DF}">
-                <a14:hiddenLine xmlns="" xmlns:a14="http://schemas.microsoft.com/office/drawing/2010/main" w="9525">
+                <a14:hiddenLine xmlns:a14="http://schemas.microsoft.com/office/drawing/2010/main" xmlns="" w="9525">
                   <a:solidFill>
                     <a:srgbClr val="000000"/>
                   </a:solidFill>
@@ -2212,7 +2212,7 @@
             </a:ln>
             <a:extLst>
               <a:ext uri="{91240B29-F687-4f45-9708-019B960494DF}">
-                <a14:hiddenLine xmlns="" xmlns:a14="http://schemas.microsoft.com/office/drawing/2010/main" w="9525">
+                <a14:hiddenLine xmlns:a14="http://schemas.microsoft.com/office/drawing/2010/main" xmlns="" w="9525">
                   <a:solidFill>
                     <a:srgbClr val="000000"/>
                   </a:solidFill>
@@ -2274,7 +2274,7 @@
             </a:ln>
             <a:extLst>
               <a:ext uri="{91240B29-F687-4f45-9708-019B960494DF}">
-                <a14:hiddenLine xmlns="" xmlns:a14="http://schemas.microsoft.com/office/drawing/2010/main" w="9525">
+                <a14:hiddenLine xmlns:a14="http://schemas.microsoft.com/office/drawing/2010/main" xmlns="" w="9525">
                   <a:solidFill>
                     <a:srgbClr val="000000"/>
                   </a:solidFill>
@@ -2364,7 +2364,7 @@
             </a:ln>
             <a:extLst>
               <a:ext uri="{91240B29-F687-4f45-9708-019B960494DF}">
-                <a14:hiddenLine xmlns="" xmlns:a14="http://schemas.microsoft.com/office/drawing/2010/main" w="9525">
+                <a14:hiddenLine xmlns:a14="http://schemas.microsoft.com/office/drawing/2010/main" xmlns="" w="9525">
                   <a:solidFill>
                     <a:srgbClr val="000000"/>
                   </a:solidFill>
@@ -2426,7 +2426,7 @@
             </a:ln>
             <a:extLst>
               <a:ext uri="{91240B29-F687-4f45-9708-019B960494DF}">
-                <a14:hiddenLine xmlns="" xmlns:a14="http://schemas.microsoft.com/office/drawing/2010/main" w="9525">
+                <a14:hiddenLine xmlns:a14="http://schemas.microsoft.com/office/drawing/2010/main" xmlns="" w="9525">
                   <a:solidFill>
                     <a:srgbClr val="000000"/>
                   </a:solidFill>
@@ -2488,7 +2488,7 @@
             </a:ln>
             <a:extLst>
               <a:ext uri="{91240B29-F687-4f45-9708-019B960494DF}">
-                <a14:hiddenLine xmlns="" xmlns:a14="http://schemas.microsoft.com/office/drawing/2010/main" w="9525">
+                <a14:hiddenLine xmlns:a14="http://schemas.microsoft.com/office/drawing/2010/main" xmlns="" w="9525">
                   <a:solidFill>
                     <a:srgbClr val="000000"/>
                   </a:solidFill>
@@ -2578,7 +2578,7 @@
             </a:ln>
             <a:extLst>
               <a:ext uri="{91240B29-F687-4f45-9708-019B960494DF}">
-                <a14:hiddenLine xmlns="" xmlns:a14="http://schemas.microsoft.com/office/drawing/2010/main" w="9525">
+                <a14:hiddenLine xmlns:a14="http://schemas.microsoft.com/office/drawing/2010/main" xmlns="" w="9525">
                   <a:solidFill>
                     <a:srgbClr val="000000"/>
                   </a:solidFill>
@@ -2668,7 +2668,7 @@
             </a:ln>
             <a:extLst>
               <a:ext uri="{91240B29-F687-4f45-9708-019B960494DF}">
-                <a14:hiddenLine xmlns="" xmlns:a14="http://schemas.microsoft.com/office/drawing/2010/main" w="9525">
+                <a14:hiddenLine xmlns:a14="http://schemas.microsoft.com/office/drawing/2010/main" xmlns="" w="9525">
                   <a:solidFill>
                     <a:srgbClr val="000000"/>
                   </a:solidFill>
@@ -2730,7 +2730,7 @@
             </a:ln>
             <a:extLst>
               <a:ext uri="{91240B29-F687-4f45-9708-019B960494DF}">
-                <a14:hiddenLine xmlns="" xmlns:a14="http://schemas.microsoft.com/office/drawing/2010/main" w="9525">
+                <a14:hiddenLine xmlns:a14="http://schemas.microsoft.com/office/drawing/2010/main" xmlns="" w="9525">
                   <a:solidFill>
                     <a:srgbClr val="000000"/>
                   </a:solidFill>
@@ -2840,7 +2840,7 @@
             </a:ln>
             <a:extLst>
               <a:ext uri="{91240B29-F687-4f45-9708-019B960494DF}">
-                <a14:hiddenLine xmlns="" xmlns:a14="http://schemas.microsoft.com/office/drawing/2010/main" w="9525">
+                <a14:hiddenLine xmlns:a14="http://schemas.microsoft.com/office/drawing/2010/main" xmlns="" w="9525">
                   <a:solidFill>
                     <a:srgbClr val="000000"/>
                   </a:solidFill>
@@ -2902,7 +2902,7 @@
             </a:ln>
             <a:extLst>
               <a:ext uri="{91240B29-F687-4f45-9708-019B960494DF}">
-                <a14:hiddenLine xmlns="" xmlns:a14="http://schemas.microsoft.com/office/drawing/2010/main" w="9525">
+                <a14:hiddenLine xmlns:a14="http://schemas.microsoft.com/office/drawing/2010/main" xmlns="" w="9525">
                   <a:solidFill>
                     <a:srgbClr val="000000"/>
                   </a:solidFill>
@@ -2992,7 +2992,7 @@
             </a:ln>
             <a:extLst>
               <a:ext uri="{91240B29-F687-4f45-9708-019B960494DF}">
-                <a14:hiddenLine xmlns="" xmlns:a14="http://schemas.microsoft.com/office/drawing/2010/main" w="9525">
+                <a14:hiddenLine xmlns:a14="http://schemas.microsoft.com/office/drawing/2010/main" xmlns="" w="9525">
                   <a:solidFill>
                     <a:srgbClr val="000000"/>
                   </a:solidFill>
@@ -3082,7 +3082,7 @@
             </a:ln>
             <a:extLst>
               <a:ext uri="{91240B29-F687-4f45-9708-019B960494DF}">
-                <a14:hiddenLine xmlns="" xmlns:a14="http://schemas.microsoft.com/office/drawing/2010/main" w="9525">
+                <a14:hiddenLine xmlns:a14="http://schemas.microsoft.com/office/drawing/2010/main" xmlns="" w="9525">
                   <a:solidFill>
                     <a:srgbClr val="000000"/>
                   </a:solidFill>
@@ -3144,7 +3144,7 @@
             </a:ln>
             <a:extLst>
               <a:ext uri="{91240B29-F687-4f45-9708-019B960494DF}">
-                <a14:hiddenLine xmlns="" xmlns:a14="http://schemas.microsoft.com/office/drawing/2010/main" w="9525">
+                <a14:hiddenLine xmlns:a14="http://schemas.microsoft.com/office/drawing/2010/main" xmlns="" w="9525">
                   <a:solidFill>
                     <a:srgbClr val="000000"/>
                   </a:solidFill>
@@ -3234,7 +3234,7 @@
             </a:ln>
             <a:extLst>
               <a:ext uri="{91240B29-F687-4f45-9708-019B960494DF}">
-                <a14:hiddenLine xmlns="" xmlns:a14="http://schemas.microsoft.com/office/drawing/2010/main" w="9525">
+                <a14:hiddenLine xmlns:a14="http://schemas.microsoft.com/office/drawing/2010/main" xmlns="" w="9525">
                   <a:solidFill>
                     <a:srgbClr val="000000"/>
                   </a:solidFill>
@@ -3324,7 +3324,7 @@
             </a:ln>
             <a:extLst>
               <a:ext uri="{91240B29-F687-4f45-9708-019B960494DF}">
-                <a14:hiddenLine xmlns="" xmlns:a14="http://schemas.microsoft.com/office/drawing/2010/main" w="9525">
+                <a14:hiddenLine xmlns:a14="http://schemas.microsoft.com/office/drawing/2010/main" xmlns="" w="9525">
                   <a:solidFill>
                     <a:srgbClr val="000000"/>
                   </a:solidFill>
@@ -3380,7 +3380,7 @@
             </a:ln>
             <a:extLst>
               <a:ext uri="{91240B29-F687-4f45-9708-019B960494DF}">
-                <a14:hiddenLine xmlns="" xmlns:a14="http://schemas.microsoft.com/office/drawing/2010/main" w="9525">
+                <a14:hiddenLine xmlns:a14="http://schemas.microsoft.com/office/drawing/2010/main" xmlns="" w="9525">
                   <a:solidFill>
                     <a:srgbClr val="000000"/>
                   </a:solidFill>
@@ -3470,7 +3470,7 @@
             </a:ln>
             <a:extLst>
               <a:ext uri="{91240B29-F687-4f45-9708-019B960494DF}">
-                <a14:hiddenLine xmlns="" xmlns:a14="http://schemas.microsoft.com/office/drawing/2010/main" w="9525">
+                <a14:hiddenLine xmlns:a14="http://schemas.microsoft.com/office/drawing/2010/main" xmlns="" w="9525">
                   <a:solidFill>
                     <a:srgbClr val="000000"/>
                   </a:solidFill>
@@ -3526,7 +3526,7 @@
             </a:ln>
             <a:extLst>
               <a:ext uri="{91240B29-F687-4f45-9708-019B960494DF}">
-                <a14:hiddenLine xmlns="" xmlns:a14="http://schemas.microsoft.com/office/drawing/2010/main" w="9525">
+                <a14:hiddenLine xmlns:a14="http://schemas.microsoft.com/office/drawing/2010/main" xmlns="" w="9525">
                   <a:solidFill>
                     <a:srgbClr val="000000"/>
                   </a:solidFill>
@@ -3616,7 +3616,7 @@
             </a:ln>
             <a:extLst>
               <a:ext uri="{91240B29-F687-4f45-9708-019B960494DF}">
-                <a14:hiddenLine xmlns="" xmlns:a14="http://schemas.microsoft.com/office/drawing/2010/main" w="9525">
+                <a14:hiddenLine xmlns:a14="http://schemas.microsoft.com/office/drawing/2010/main" xmlns="" w="9525">
                   <a:solidFill>
                     <a:srgbClr val="000000"/>
                   </a:solidFill>
@@ -3684,7 +3684,7 @@
             </a:ln>
             <a:extLst>
               <a:ext uri="{91240B29-F687-4f45-9708-019B960494DF}">
-                <a14:hiddenLine xmlns="" xmlns:a14="http://schemas.microsoft.com/office/drawing/2010/main" w="9525">
+                <a14:hiddenLine xmlns:a14="http://schemas.microsoft.com/office/drawing/2010/main" xmlns="" w="9525">
                   <a:solidFill>
                     <a:srgbClr val="000000"/>
                   </a:solidFill>
@@ -3774,7 +3774,7 @@
             </a:ln>
             <a:extLst>
               <a:ext uri="{91240B29-F687-4f45-9708-019B960494DF}">
-                <a14:hiddenLine xmlns="" xmlns:a14="http://schemas.microsoft.com/office/drawing/2010/main" w="9525">
+                <a14:hiddenLine xmlns:a14="http://schemas.microsoft.com/office/drawing/2010/main" xmlns="" w="9525">
                   <a:solidFill>
                     <a:srgbClr val="000000"/>
                   </a:solidFill>
@@ -3842,7 +3842,7 @@
             </a:ln>
             <a:extLst>
               <a:ext uri="{91240B29-F687-4f45-9708-019B960494DF}">
-                <a14:hiddenLine xmlns="" xmlns:a14="http://schemas.microsoft.com/office/drawing/2010/main" w="9525">
+                <a14:hiddenLine xmlns:a14="http://schemas.microsoft.com/office/drawing/2010/main" xmlns="" w="9525">
                   <a:solidFill>
                     <a:srgbClr val="000000"/>
                   </a:solidFill>
@@ -3932,7 +3932,7 @@
             </a:ln>
             <a:extLst>
               <a:ext uri="{91240B29-F687-4f45-9708-019B960494DF}">
-                <a14:hiddenLine xmlns="" xmlns:a14="http://schemas.microsoft.com/office/drawing/2010/main" w="9525">
+                <a14:hiddenLine xmlns:a14="http://schemas.microsoft.com/office/drawing/2010/main" xmlns="" w="9525">
                   <a:solidFill>
                     <a:srgbClr val="000000"/>
                   </a:solidFill>
@@ -3966,7 +3966,7 @@
             </a:ln>
             <a:extLst>
               <a:ext uri="{91240B29-F687-4f45-9708-019B960494DF}">
-                <a14:hiddenLine xmlns="" xmlns:a14="http://schemas.microsoft.com/office/drawing/2010/main" w="9525">
+                <a14:hiddenLine xmlns:a14="http://schemas.microsoft.com/office/drawing/2010/main" xmlns="" w="9525">
                   <a:solidFill>
                     <a:srgbClr val="000000"/>
                   </a:solidFill>
@@ -4056,7 +4056,7 @@
             </a:ln>
             <a:extLst>
               <a:ext uri="{91240B29-F687-4f45-9708-019B960494DF}">
-                <a14:hiddenLine xmlns="" xmlns:a14="http://schemas.microsoft.com/office/drawing/2010/main" w="9525">
+                <a14:hiddenLine xmlns:a14="http://schemas.microsoft.com/office/drawing/2010/main" xmlns="" w="9525">
                   <a:solidFill>
                     <a:srgbClr val="000000"/>
                   </a:solidFill>
@@ -4118,7 +4118,7 @@
             </a:ln>
             <a:extLst>
               <a:ext uri="{91240B29-F687-4f45-9708-019B960494DF}">
-                <a14:hiddenLine xmlns="" xmlns:a14="http://schemas.microsoft.com/office/drawing/2010/main" w="9525">
+                <a14:hiddenLine xmlns:a14="http://schemas.microsoft.com/office/drawing/2010/main" xmlns="" w="9525">
                   <a:solidFill>
                     <a:srgbClr val="000000"/>
                   </a:solidFill>
@@ -4180,7 +4180,7 @@
             </a:ln>
             <a:extLst>
               <a:ext uri="{91240B29-F687-4f45-9708-019B960494DF}">
-                <a14:hiddenLine xmlns="" xmlns:a14="http://schemas.microsoft.com/office/drawing/2010/main" w="9525">
+                <a14:hiddenLine xmlns:a14="http://schemas.microsoft.com/office/drawing/2010/main" xmlns="" w="9525">
                   <a:solidFill>
                     <a:srgbClr val="000000"/>
                   </a:solidFill>
@@ -4270,7 +4270,7 @@
             </a:ln>
             <a:extLst>
               <a:ext uri="{91240B29-F687-4f45-9708-019B960494DF}">
-                <a14:hiddenLine xmlns="" xmlns:a14="http://schemas.microsoft.com/office/drawing/2010/main" w="9525">
+                <a14:hiddenLine xmlns:a14="http://schemas.microsoft.com/office/drawing/2010/main" xmlns="" w="9525">
                   <a:solidFill>
                     <a:srgbClr val="000000"/>
                   </a:solidFill>
@@ -4338,7 +4338,7 @@
             </a:ln>
             <a:extLst>
               <a:ext uri="{91240B29-F687-4f45-9708-019B960494DF}">
-                <a14:hiddenLine xmlns="" xmlns:a14="http://schemas.microsoft.com/office/drawing/2010/main" w="9525">
+                <a14:hiddenLine xmlns:a14="http://schemas.microsoft.com/office/drawing/2010/main" xmlns="" w="9525">
                   <a:solidFill>
                     <a:srgbClr val="000000"/>
                   </a:solidFill>
@@ -4400,7 +4400,7 @@
             </a:ln>
             <a:extLst>
               <a:ext uri="{91240B29-F687-4f45-9708-019B960494DF}">
-                <a14:hiddenLine xmlns="" xmlns:a14="http://schemas.microsoft.com/office/drawing/2010/main" w="9525">
+                <a14:hiddenLine xmlns:a14="http://schemas.microsoft.com/office/drawing/2010/main" xmlns="" w="9525">
                   <a:solidFill>
                     <a:srgbClr val="000000"/>
                   </a:solidFill>
@@ -4490,7 +4490,7 @@
             </a:ln>
             <a:extLst>
               <a:ext uri="{91240B29-F687-4f45-9708-019B960494DF}">
-                <a14:hiddenLine xmlns="" xmlns:a14="http://schemas.microsoft.com/office/drawing/2010/main" w="9525">
+                <a14:hiddenLine xmlns:a14="http://schemas.microsoft.com/office/drawing/2010/main" xmlns="" w="9525">
                   <a:solidFill>
                     <a:srgbClr val="000000"/>
                   </a:solidFill>
@@ -4552,7 +4552,7 @@
             </a:ln>
             <a:extLst>
               <a:ext uri="{91240B29-F687-4f45-9708-019B960494DF}">
-                <a14:hiddenLine xmlns="" xmlns:a14="http://schemas.microsoft.com/office/drawing/2010/main" w="9525">
+                <a14:hiddenLine xmlns:a14="http://schemas.microsoft.com/office/drawing/2010/main" xmlns="" w="9525">
                   <a:solidFill>
                     <a:srgbClr val="000000"/>
                   </a:solidFill>
@@ -4642,7 +4642,7 @@
             </a:ln>
             <a:extLst>
               <a:ext uri="{91240B29-F687-4f45-9708-019B960494DF}">
-                <a14:hiddenLine xmlns="" xmlns:a14="http://schemas.microsoft.com/office/drawing/2010/main" w="9525">
+                <a14:hiddenLine xmlns:a14="http://schemas.microsoft.com/office/drawing/2010/main" xmlns="" w="9525">
                   <a:solidFill>
                     <a:srgbClr val="000000"/>
                   </a:solidFill>
@@ -4704,7 +4704,7 @@
             </a:ln>
             <a:extLst>
               <a:ext uri="{91240B29-F687-4f45-9708-019B960494DF}">
-                <a14:hiddenLine xmlns="" xmlns:a14="http://schemas.microsoft.com/office/drawing/2010/main" w="9525">
+                <a14:hiddenLine xmlns:a14="http://schemas.microsoft.com/office/drawing/2010/main" xmlns="" w="9525">
                   <a:solidFill>
                     <a:srgbClr val="000000"/>
                   </a:solidFill>
@@ -4794,7 +4794,7 @@
             </a:ln>
             <a:extLst>
               <a:ext uri="{91240B29-F687-4f45-9708-019B960494DF}">
-                <a14:hiddenLine xmlns="" xmlns:a14="http://schemas.microsoft.com/office/drawing/2010/main" w="9525">
+                <a14:hiddenLine xmlns:a14="http://schemas.microsoft.com/office/drawing/2010/main" xmlns="" w="9525">
                   <a:solidFill>
                     <a:srgbClr val="000000"/>
                   </a:solidFill>
@@ -4828,7 +4828,7 @@
             </a:ln>
             <a:extLst>
               <a:ext uri="{91240B29-F687-4f45-9708-019B960494DF}">
-                <a14:hiddenLine xmlns="" xmlns:a14="http://schemas.microsoft.com/office/drawing/2010/main" w="9525">
+                <a14:hiddenLine xmlns:a14="http://schemas.microsoft.com/office/drawing/2010/main" xmlns="" w="9525">
                   <a:solidFill>
                     <a:srgbClr val="000000"/>
                   </a:solidFill>
@@ -4893,7 +4893,7 @@
             </a:ln>
             <a:extLst>
               <a:ext uri="{91240B29-F687-4f45-9708-019B960494DF}">
-                <a14:hiddenLine xmlns="" xmlns:a14="http://schemas.microsoft.com/office/drawing/2010/main" w="9525">
+                <a14:hiddenLine xmlns:a14="http://schemas.microsoft.com/office/drawing/2010/main" xmlns="" w="9525">
                   <a:solidFill>
                     <a:srgbClr val="000000"/>
                   </a:solidFill>
@@ -4983,7 +4983,7 @@
             </a:ln>
             <a:extLst>
               <a:ext uri="{91240B29-F687-4f45-9708-019B960494DF}">
-                <a14:hiddenLine xmlns="" xmlns:a14="http://schemas.microsoft.com/office/drawing/2010/main" w="9525">
+                <a14:hiddenLine xmlns:a14="http://schemas.microsoft.com/office/drawing/2010/main" xmlns="" w="9525">
                   <a:solidFill>
                     <a:srgbClr val="000000"/>
                   </a:solidFill>
@@ -5045,7 +5045,7 @@
             </a:ln>
             <a:extLst>
               <a:ext uri="{91240B29-F687-4f45-9708-019B960494DF}">
-                <a14:hiddenLine xmlns="" xmlns:a14="http://schemas.microsoft.com/office/drawing/2010/main" w="9525">
+                <a14:hiddenLine xmlns:a14="http://schemas.microsoft.com/office/drawing/2010/main" xmlns="" w="9525">
                   <a:solidFill>
                     <a:srgbClr val="000000"/>
                   </a:solidFill>
@@ -5135,7 +5135,7 @@
             </a:ln>
             <a:extLst>
               <a:ext uri="{91240B29-F687-4f45-9708-019B960494DF}">
-                <a14:hiddenLine xmlns="" xmlns:a14="http://schemas.microsoft.com/office/drawing/2010/main" w="9525">
+                <a14:hiddenLine xmlns:a14="http://schemas.microsoft.com/office/drawing/2010/main" xmlns="" w="9525">
                   <a:solidFill>
                     <a:srgbClr val="000000"/>
                   </a:solidFill>
@@ -5225,7 +5225,7 @@
             </a:ln>
             <a:extLst>
               <a:ext uri="{91240B29-F687-4f45-9708-019B960494DF}">
-                <a14:hiddenLine xmlns="" xmlns:a14="http://schemas.microsoft.com/office/drawing/2010/main" w="9525">
+                <a14:hiddenLine xmlns:a14="http://schemas.microsoft.com/office/drawing/2010/main" xmlns="" w="9525">
                   <a:solidFill>
                     <a:srgbClr val="000000"/>
                   </a:solidFill>
@@ -5290,7 +5290,7 @@
             </a:ln>
             <a:extLst>
               <a:ext uri="{91240B29-F687-4f45-9708-019B960494DF}">
-                <a14:hiddenLine xmlns="" xmlns:a14="http://schemas.microsoft.com/office/drawing/2010/main" w="9525">
+                <a14:hiddenLine xmlns:a14="http://schemas.microsoft.com/office/drawing/2010/main" xmlns="" w="9525">
                   <a:solidFill>
                     <a:srgbClr val="000000"/>
                   </a:solidFill>
@@ -5352,7 +5352,7 @@
             </a:ln>
             <a:extLst>
               <a:ext uri="{91240B29-F687-4f45-9708-019B960494DF}">
-                <a14:hiddenLine xmlns="" xmlns:a14="http://schemas.microsoft.com/office/drawing/2010/main" w="9525">
+                <a14:hiddenLine xmlns:a14="http://schemas.microsoft.com/office/drawing/2010/main" xmlns="" w="9525">
                   <a:solidFill>
                     <a:srgbClr val="000000"/>
                   </a:solidFill>
@@ -5442,7 +5442,7 @@
             </a:ln>
             <a:extLst>
               <a:ext uri="{91240B29-F687-4f45-9708-019B960494DF}">
-                <a14:hiddenLine xmlns="" xmlns:a14="http://schemas.microsoft.com/office/drawing/2010/main" w="9525">
+                <a14:hiddenLine xmlns:a14="http://schemas.microsoft.com/office/drawing/2010/main" xmlns="" w="9525">
                   <a:solidFill>
                     <a:srgbClr val="000000"/>
                   </a:solidFill>
@@ -5532,7 +5532,7 @@
             </a:ln>
             <a:extLst>
               <a:ext uri="{91240B29-F687-4f45-9708-019B960494DF}">
-                <a14:hiddenLine xmlns="" xmlns:a14="http://schemas.microsoft.com/office/drawing/2010/main" w="9525">
+                <a14:hiddenLine xmlns:a14="http://schemas.microsoft.com/office/drawing/2010/main" xmlns="" w="9525">
                   <a:solidFill>
                     <a:srgbClr val="000000"/>
                   </a:solidFill>
@@ -5594,7 +5594,7 @@
             </a:ln>
             <a:extLst>
               <a:ext uri="{91240B29-F687-4f45-9708-019B960494DF}">
-                <a14:hiddenLine xmlns="" xmlns:a14="http://schemas.microsoft.com/office/drawing/2010/main" w="9525">
+                <a14:hiddenLine xmlns:a14="http://schemas.microsoft.com/office/drawing/2010/main" xmlns="" w="9525">
                   <a:solidFill>
                     <a:srgbClr val="000000"/>
                   </a:solidFill>
@@ -5714,7 +5714,7 @@
             </a:ln>
             <a:extLst>
               <a:ext uri="{91240B29-F687-4f45-9708-019B960494DF}">
-                <a14:hiddenLine xmlns="" xmlns:a14="http://schemas.microsoft.com/office/drawing/2010/main" w="9525">
+                <a14:hiddenLine xmlns:a14="http://schemas.microsoft.com/office/drawing/2010/main" xmlns="" w="9525">
                   <a:solidFill>
                     <a:srgbClr val="000000"/>
                   </a:solidFill>
@@ -5782,7 +5782,7 @@
             </a:ln>
             <a:extLst>
               <a:ext uri="{91240B29-F687-4f45-9708-019B960494DF}">
-                <a14:hiddenLine xmlns="" xmlns:a14="http://schemas.microsoft.com/office/drawing/2010/main" w="9525">
+                <a14:hiddenLine xmlns:a14="http://schemas.microsoft.com/office/drawing/2010/main" xmlns="" w="9525">
                   <a:solidFill>
                     <a:srgbClr val="000000"/>
                   </a:solidFill>
@@ -5872,7 +5872,7 @@
             </a:ln>
             <a:extLst>
               <a:ext uri="{91240B29-F687-4f45-9708-019B960494DF}">
-                <a14:hiddenLine xmlns="" xmlns:a14="http://schemas.microsoft.com/office/drawing/2010/main" w="9525">
+                <a14:hiddenLine xmlns:a14="http://schemas.microsoft.com/office/drawing/2010/main" xmlns="" w="9525">
                   <a:solidFill>
                     <a:srgbClr val="000000"/>
                   </a:solidFill>
@@ -6012,7 +6012,7 @@
           <a:p>
             <a:fld id="{48A87A34-81AB-432B-8DAE-1953F412C126}" type="datetimeFigureOut">
               <a:rPr lang="en-US" dirty="0"/>
-              <a:t>11/16/2019</a:t>
+              <a:t>11/18/2019</a:t>
             </a:fld>
             <a:endParaRPr lang="en-US" dirty="0"/>
           </a:p>
@@ -6274,7 +6274,7 @@
           <a:p>
             <a:fld id="{48A87A34-81AB-432B-8DAE-1953F412C126}" type="datetimeFigureOut">
               <a:rPr lang="en-US" dirty="0"/>
-              <a:t>11/16/2019</a:t>
+              <a:t>11/18/2019</a:t>
             </a:fld>
             <a:endParaRPr lang="en-US" dirty="0"/>
           </a:p>
@@ -6465,7 +6465,7 @@
           <a:p>
             <a:fld id="{48A87A34-81AB-432B-8DAE-1953F412C126}" type="datetimeFigureOut">
               <a:rPr lang="en-US" dirty="0"/>
-              <a:t>11/16/2019</a:t>
+              <a:t>11/18/2019</a:t>
             </a:fld>
             <a:endParaRPr lang="en-US" dirty="0"/>
           </a:p>
@@ -6723,7 +6723,7 @@
           <a:p>
             <a:fld id="{48A87A34-81AB-432B-8DAE-1953F412C126}" type="datetimeFigureOut">
               <a:rPr lang="en-US" dirty="0"/>
-              <a:t>11/16/2019</a:t>
+              <a:t>11/18/2019</a:t>
             </a:fld>
             <a:endParaRPr lang="en-US" dirty="0"/>
           </a:p>
@@ -7152,7 +7152,7 @@
           <a:p>
             <a:fld id="{48A87A34-81AB-432B-8DAE-1953F412C126}" type="datetimeFigureOut">
               <a:rPr lang="en-US" dirty="0"/>
-              <a:t>11/16/2019</a:t>
+              <a:t>11/18/2019</a:t>
             </a:fld>
             <a:endParaRPr lang="en-US" dirty="0"/>
           </a:p>
@@ -7693,7 +7693,7 @@
           <a:p>
             <a:fld id="{48A87A34-81AB-432B-8DAE-1953F412C126}" type="datetimeFigureOut">
               <a:rPr lang="en-US" dirty="0"/>
-              <a:t>11/16/2019</a:t>
+              <a:t>11/18/2019</a:t>
             </a:fld>
             <a:endParaRPr lang="en-US" dirty="0"/>
           </a:p>
@@ -8408,7 +8408,7 @@
           <a:p>
             <a:fld id="{48A87A34-81AB-432B-8DAE-1953F412C126}" type="datetimeFigureOut">
               <a:rPr lang="en-US" dirty="0"/>
-              <a:t>11/16/2019</a:t>
+              <a:t>11/18/2019</a:t>
             </a:fld>
             <a:endParaRPr lang="en-US" dirty="0"/>
           </a:p>
@@ -8573,7 +8573,7 @@
           <a:p>
             <a:fld id="{48A87A34-81AB-432B-8DAE-1953F412C126}" type="datetimeFigureOut">
               <a:rPr lang="en-US" dirty="0"/>
-              <a:t>11/16/2019</a:t>
+              <a:t>11/18/2019</a:t>
             </a:fld>
             <a:endParaRPr lang="en-US" dirty="0"/>
           </a:p>
@@ -8748,7 +8748,7 @@
           <a:p>
             <a:fld id="{48A87A34-81AB-432B-8DAE-1953F412C126}" type="datetimeFigureOut">
               <a:rPr lang="en-US" dirty="0"/>
-              <a:t>11/16/2019</a:t>
+              <a:t>11/18/2019</a:t>
             </a:fld>
             <a:endParaRPr lang="en-US" dirty="0"/>
           </a:p>
@@ -8913,7 +8913,7 @@
           <a:p>
             <a:fld id="{48A87A34-81AB-432B-8DAE-1953F412C126}" type="datetimeFigureOut">
               <a:rPr lang="en-US" dirty="0"/>
-              <a:t>11/16/2019</a:t>
+              <a:t>11/18/2019</a:t>
             </a:fld>
             <a:endParaRPr lang="en-US" dirty="0"/>
           </a:p>
@@ -9158,7 +9158,7 @@
           <a:p>
             <a:fld id="{48A87A34-81AB-432B-8DAE-1953F412C126}" type="datetimeFigureOut">
               <a:rPr lang="en-US" dirty="0"/>
-              <a:t>11/16/2019</a:t>
+              <a:t>11/18/2019</a:t>
             </a:fld>
             <a:endParaRPr lang="en-US" dirty="0"/>
           </a:p>
@@ -9385,7 +9385,7 @@
           <a:p>
             <a:fld id="{48A87A34-81AB-432B-8DAE-1953F412C126}" type="datetimeFigureOut">
               <a:rPr lang="en-US" dirty="0"/>
-              <a:t>11/16/2019</a:t>
+              <a:t>11/18/2019</a:t>
             </a:fld>
             <a:endParaRPr lang="en-US" dirty="0"/>
           </a:p>
@@ -9761,7 +9761,7 @@
           <a:p>
             <a:fld id="{48A87A34-81AB-432B-8DAE-1953F412C126}" type="datetimeFigureOut">
               <a:rPr lang="en-US" dirty="0"/>
-              <a:t>11/16/2019</a:t>
+              <a:t>11/18/2019</a:t>
             </a:fld>
             <a:endParaRPr lang="en-US" dirty="0"/>
           </a:p>
@@ -9874,7 +9874,7 @@
           <a:p>
             <a:fld id="{48A87A34-81AB-432B-8DAE-1953F412C126}" type="datetimeFigureOut">
               <a:rPr lang="en-US" dirty="0"/>
-              <a:t>11/16/2019</a:t>
+              <a:t>11/18/2019</a:t>
             </a:fld>
             <a:endParaRPr lang="en-US" dirty="0"/>
           </a:p>
@@ -9964,7 +9964,7 @@
           <a:p>
             <a:fld id="{48A87A34-81AB-432B-8DAE-1953F412C126}" type="datetimeFigureOut">
               <a:rPr lang="en-US" dirty="0"/>
-              <a:t>11/16/2019</a:t>
+              <a:t>11/18/2019</a:t>
             </a:fld>
             <a:endParaRPr lang="en-US" dirty="0"/>
           </a:p>
@@ -10208,7 +10208,7 @@
           <a:p>
             <a:fld id="{48A87A34-81AB-432B-8DAE-1953F412C126}" type="datetimeFigureOut">
               <a:rPr lang="en-US" dirty="0"/>
-              <a:t>11/16/2019</a:t>
+              <a:t>11/18/2019</a:t>
             </a:fld>
             <a:endParaRPr lang="en-US" dirty="0"/>
           </a:p>
@@ -10483,7 +10483,7 @@
           <a:p>
             <a:fld id="{48A87A34-81AB-432B-8DAE-1953F412C126}" type="datetimeFigureOut">
               <a:rPr lang="en-US" dirty="0"/>
-              <a:t>11/16/2019</a:t>
+              <a:t>11/18/2019</a:t>
             </a:fld>
             <a:endParaRPr lang="en-US" dirty="0"/>
           </a:p>
@@ -10601,7 +10601,7 @@
           <a:noFill/>
           <a:extLst>
             <a:ext uri="{909E8E84-426E-40dd-AFC4-6F175D3DCCD1}">
-              <a14:hiddenFill xmlns="" xmlns:a14="http://schemas.microsoft.com/office/drawing/2010/main">
+              <a14:hiddenFill xmlns:a14="http://schemas.microsoft.com/office/drawing/2010/main" xmlns="">
                 <a:solidFill>
                   <a:srgbClr val="FFFFFF"/>
                 </a:solidFill>
@@ -10675,7 +10675,7 @@
               </a:ln>
               <a:extLst>
                 <a:ext uri="{91240B29-F687-4f45-9708-019B960494DF}">
-                  <a14:hiddenLine xmlns="" xmlns:a14="http://schemas.microsoft.com/office/drawing/2010/main" w="9525">
+                  <a14:hiddenLine xmlns:a14="http://schemas.microsoft.com/office/drawing/2010/main" xmlns="" w="9525">
                     <a:solidFill>
                       <a:srgbClr val="000000"/>
                     </a:solidFill>
@@ -10765,7 +10765,7 @@
               </a:ln>
               <a:extLst>
                 <a:ext uri="{91240B29-F687-4f45-9708-019B960494DF}">
-                  <a14:hiddenLine xmlns="" xmlns:a14="http://schemas.microsoft.com/office/drawing/2010/main" w="9525">
+                  <a14:hiddenLine xmlns:a14="http://schemas.microsoft.com/office/drawing/2010/main" xmlns="" w="9525">
                     <a:solidFill>
                       <a:srgbClr val="000000"/>
                     </a:solidFill>
@@ -10855,7 +10855,7 @@
               </a:ln>
               <a:extLst>
                 <a:ext uri="{91240B29-F687-4f45-9708-019B960494DF}">
-                  <a14:hiddenLine xmlns="" xmlns:a14="http://schemas.microsoft.com/office/drawing/2010/main" w="9525">
+                  <a14:hiddenLine xmlns:a14="http://schemas.microsoft.com/office/drawing/2010/main" xmlns="" w="9525">
                     <a:solidFill>
                       <a:srgbClr val="000000"/>
                     </a:solidFill>
@@ -10917,7 +10917,7 @@
               </a:ln>
               <a:extLst>
                 <a:ext uri="{91240B29-F687-4f45-9708-019B960494DF}">
-                  <a14:hiddenLine xmlns="" xmlns:a14="http://schemas.microsoft.com/office/drawing/2010/main" w="9525">
+                  <a14:hiddenLine xmlns:a14="http://schemas.microsoft.com/office/drawing/2010/main" xmlns="" w="9525">
                     <a:solidFill>
                       <a:srgbClr val="000000"/>
                     </a:solidFill>
@@ -11007,7 +11007,7 @@
               </a:ln>
               <a:extLst>
                 <a:ext uri="{91240B29-F687-4f45-9708-019B960494DF}">
-                  <a14:hiddenLine xmlns="" xmlns:a14="http://schemas.microsoft.com/office/drawing/2010/main" w="9525">
+                  <a14:hiddenLine xmlns:a14="http://schemas.microsoft.com/office/drawing/2010/main" xmlns="" w="9525">
                     <a:solidFill>
                       <a:srgbClr val="000000"/>
                     </a:solidFill>
@@ -11069,7 +11069,7 @@
               </a:ln>
               <a:extLst>
                 <a:ext uri="{91240B29-F687-4f45-9708-019B960494DF}">
-                  <a14:hiddenLine xmlns="" xmlns:a14="http://schemas.microsoft.com/office/drawing/2010/main" w="9525">
+                  <a14:hiddenLine xmlns:a14="http://schemas.microsoft.com/office/drawing/2010/main" xmlns="" w="9525">
                     <a:solidFill>
                       <a:srgbClr val="000000"/>
                     </a:solidFill>
@@ -11131,7 +11131,7 @@
               </a:ln>
               <a:extLst>
                 <a:ext uri="{91240B29-F687-4f45-9708-019B960494DF}">
-                  <a14:hiddenLine xmlns="" xmlns:a14="http://schemas.microsoft.com/office/drawing/2010/main" w="9525">
+                  <a14:hiddenLine xmlns:a14="http://schemas.microsoft.com/office/drawing/2010/main" xmlns="" w="9525">
                     <a:solidFill>
                       <a:srgbClr val="000000"/>
                     </a:solidFill>
@@ -11221,7 +11221,7 @@
               </a:ln>
               <a:extLst>
                 <a:ext uri="{91240B29-F687-4f45-9708-019B960494DF}">
-                  <a14:hiddenLine xmlns="" xmlns:a14="http://schemas.microsoft.com/office/drawing/2010/main" w="9525">
+                  <a14:hiddenLine xmlns:a14="http://schemas.microsoft.com/office/drawing/2010/main" xmlns="" w="9525">
                     <a:solidFill>
                       <a:srgbClr val="000000"/>
                     </a:solidFill>
@@ -11311,7 +11311,7 @@
               </a:ln>
               <a:extLst>
                 <a:ext uri="{91240B29-F687-4f45-9708-019B960494DF}">
-                  <a14:hiddenLine xmlns="" xmlns:a14="http://schemas.microsoft.com/office/drawing/2010/main" w="9525">
+                  <a14:hiddenLine xmlns:a14="http://schemas.microsoft.com/office/drawing/2010/main" xmlns="" w="9525">
                     <a:solidFill>
                       <a:srgbClr val="000000"/>
                     </a:solidFill>
@@ -11373,7 +11373,7 @@
               </a:ln>
               <a:extLst>
                 <a:ext uri="{91240B29-F687-4f45-9708-019B960494DF}">
-                  <a14:hiddenLine xmlns="" xmlns:a14="http://schemas.microsoft.com/office/drawing/2010/main" w="9525">
+                  <a14:hiddenLine xmlns:a14="http://schemas.microsoft.com/office/drawing/2010/main" xmlns="" w="9525">
                     <a:solidFill>
                       <a:srgbClr val="000000"/>
                     </a:solidFill>
@@ -11483,7 +11483,7 @@
               </a:ln>
               <a:extLst>
                 <a:ext uri="{91240B29-F687-4f45-9708-019B960494DF}">
-                  <a14:hiddenLine xmlns="" xmlns:a14="http://schemas.microsoft.com/office/drawing/2010/main" w="9525">
+                  <a14:hiddenLine xmlns:a14="http://schemas.microsoft.com/office/drawing/2010/main" xmlns="" w="9525">
                     <a:solidFill>
                       <a:srgbClr val="000000"/>
                     </a:solidFill>
@@ -11567,7 +11567,7 @@
               </a:ln>
               <a:extLst>
                 <a:ext uri="{91240B29-F687-4f45-9708-019B960494DF}">
-                  <a14:hiddenLine xmlns="" xmlns:a14="http://schemas.microsoft.com/office/drawing/2010/main" w="9525">
+                  <a14:hiddenLine xmlns:a14="http://schemas.microsoft.com/office/drawing/2010/main" xmlns="" w="9525">
                     <a:solidFill>
                       <a:srgbClr val="000000"/>
                     </a:solidFill>
@@ -11629,7 +11629,7 @@
               </a:ln>
               <a:extLst>
                 <a:ext uri="{91240B29-F687-4f45-9708-019B960494DF}">
-                  <a14:hiddenLine xmlns="" xmlns:a14="http://schemas.microsoft.com/office/drawing/2010/main" w="9525">
+                  <a14:hiddenLine xmlns:a14="http://schemas.microsoft.com/office/drawing/2010/main" xmlns="" w="9525">
                     <a:solidFill>
                       <a:srgbClr val="000000"/>
                     </a:solidFill>
@@ -11691,7 +11691,7 @@
               </a:ln>
               <a:extLst>
                 <a:ext uri="{91240B29-F687-4f45-9708-019B960494DF}">
-                  <a14:hiddenLine xmlns="" xmlns:a14="http://schemas.microsoft.com/office/drawing/2010/main" w="9525">
+                  <a14:hiddenLine xmlns:a14="http://schemas.microsoft.com/office/drawing/2010/main" xmlns="" w="9525">
                     <a:solidFill>
                       <a:srgbClr val="000000"/>
                     </a:solidFill>
@@ -11781,7 +11781,7 @@
               </a:ln>
               <a:extLst>
                 <a:ext uri="{91240B29-F687-4f45-9708-019B960494DF}">
-                  <a14:hiddenLine xmlns="" xmlns:a14="http://schemas.microsoft.com/office/drawing/2010/main" w="9525">
+                  <a14:hiddenLine xmlns:a14="http://schemas.microsoft.com/office/drawing/2010/main" xmlns="" w="9525">
                     <a:solidFill>
                       <a:srgbClr val="000000"/>
                     </a:solidFill>
@@ -11815,7 +11815,7 @@
               </a:ln>
               <a:extLst>
                 <a:ext uri="{91240B29-F687-4f45-9708-019B960494DF}">
-                  <a14:hiddenLine xmlns="" xmlns:a14="http://schemas.microsoft.com/office/drawing/2010/main" w="9525">
+                  <a14:hiddenLine xmlns:a14="http://schemas.microsoft.com/office/drawing/2010/main" xmlns="" w="9525">
                     <a:solidFill>
                       <a:srgbClr val="000000"/>
                     </a:solidFill>
@@ -11880,7 +11880,7 @@
               </a:ln>
               <a:extLst>
                 <a:ext uri="{91240B29-F687-4f45-9708-019B960494DF}">
-                  <a14:hiddenLine xmlns="" xmlns:a14="http://schemas.microsoft.com/office/drawing/2010/main" w="9525">
+                  <a14:hiddenLine xmlns:a14="http://schemas.microsoft.com/office/drawing/2010/main" xmlns="" w="9525">
                     <a:solidFill>
                       <a:srgbClr val="000000"/>
                     </a:solidFill>
@@ -11970,7 +11970,7 @@
               </a:ln>
               <a:extLst>
                 <a:ext uri="{91240B29-F687-4f45-9708-019B960494DF}">
-                  <a14:hiddenLine xmlns="" xmlns:a14="http://schemas.microsoft.com/office/drawing/2010/main" w="9525">
+                  <a14:hiddenLine xmlns:a14="http://schemas.microsoft.com/office/drawing/2010/main" xmlns="" w="9525">
                     <a:solidFill>
                       <a:srgbClr val="000000"/>
                     </a:solidFill>
@@ -12032,7 +12032,7 @@
               </a:ln>
               <a:extLst>
                 <a:ext uri="{91240B29-F687-4f45-9708-019B960494DF}">
-                  <a14:hiddenLine xmlns="" xmlns:a14="http://schemas.microsoft.com/office/drawing/2010/main" w="9525">
+                  <a14:hiddenLine xmlns:a14="http://schemas.microsoft.com/office/drawing/2010/main" xmlns="" w="9525">
                     <a:solidFill>
                       <a:srgbClr val="000000"/>
                     </a:solidFill>
@@ -12122,7 +12122,7 @@
               </a:ln>
               <a:extLst>
                 <a:ext uri="{91240B29-F687-4f45-9708-019B960494DF}">
-                  <a14:hiddenLine xmlns="" xmlns:a14="http://schemas.microsoft.com/office/drawing/2010/main" w="9525">
+                  <a14:hiddenLine xmlns:a14="http://schemas.microsoft.com/office/drawing/2010/main" xmlns="" w="9525">
                     <a:solidFill>
                       <a:srgbClr val="000000"/>
                     </a:solidFill>
@@ -12187,7 +12187,7 @@
               </a:ln>
               <a:extLst>
                 <a:ext uri="{91240B29-F687-4f45-9708-019B960494DF}">
-                  <a14:hiddenLine xmlns="" xmlns:a14="http://schemas.microsoft.com/office/drawing/2010/main" w="9525">
+                  <a14:hiddenLine xmlns:a14="http://schemas.microsoft.com/office/drawing/2010/main" xmlns="" w="9525">
                     <a:solidFill>
                       <a:srgbClr val="000000"/>
                     </a:solidFill>
@@ -12249,7 +12249,7 @@
               </a:ln>
               <a:extLst>
                 <a:ext uri="{91240B29-F687-4f45-9708-019B960494DF}">
-                  <a14:hiddenLine xmlns="" xmlns:a14="http://schemas.microsoft.com/office/drawing/2010/main" w="9525">
+                  <a14:hiddenLine xmlns:a14="http://schemas.microsoft.com/office/drawing/2010/main" xmlns="" w="9525">
                     <a:solidFill>
                       <a:srgbClr val="000000"/>
                     </a:solidFill>
@@ -12339,7 +12339,7 @@
               </a:ln>
               <a:extLst>
                 <a:ext uri="{91240B29-F687-4f45-9708-019B960494DF}">
-                  <a14:hiddenLine xmlns="" xmlns:a14="http://schemas.microsoft.com/office/drawing/2010/main" w="9525">
+                  <a14:hiddenLine xmlns:a14="http://schemas.microsoft.com/office/drawing/2010/main" xmlns="" w="9525">
                     <a:solidFill>
                       <a:srgbClr val="000000"/>
                     </a:solidFill>
@@ -12429,7 +12429,7 @@
               </a:ln>
               <a:extLst>
                 <a:ext uri="{91240B29-F687-4f45-9708-019B960494DF}">
-                  <a14:hiddenLine xmlns="" xmlns:a14="http://schemas.microsoft.com/office/drawing/2010/main" w="9525">
+                  <a14:hiddenLine xmlns:a14="http://schemas.microsoft.com/office/drawing/2010/main" xmlns="" w="9525">
                     <a:solidFill>
                       <a:srgbClr val="000000"/>
                     </a:solidFill>
@@ -12494,7 +12494,7 @@
               </a:ln>
               <a:extLst>
                 <a:ext uri="{91240B29-F687-4f45-9708-019B960494DF}">
-                  <a14:hiddenLine xmlns="" xmlns:a14="http://schemas.microsoft.com/office/drawing/2010/main" w="9525">
+                  <a14:hiddenLine xmlns:a14="http://schemas.microsoft.com/office/drawing/2010/main" xmlns="" w="9525">
                     <a:solidFill>
                       <a:srgbClr val="000000"/>
                     </a:solidFill>
@@ -12614,7 +12614,7 @@
               </a:ln>
               <a:extLst>
                 <a:ext uri="{91240B29-F687-4f45-9708-019B960494DF}">
-                  <a14:hiddenLine xmlns="" xmlns:a14="http://schemas.microsoft.com/office/drawing/2010/main" w="9525">
+                  <a14:hiddenLine xmlns:a14="http://schemas.microsoft.com/office/drawing/2010/main" xmlns="" w="9525">
                     <a:solidFill>
                       <a:srgbClr val="000000"/>
                     </a:solidFill>
@@ -12695,7 +12695,7 @@
               </a:ln>
               <a:extLst>
                 <a:ext uri="{91240B29-F687-4f45-9708-019B960494DF}">
-                  <a14:hiddenLine xmlns="" xmlns:a14="http://schemas.microsoft.com/office/drawing/2010/main" w="9525">
+                  <a14:hiddenLine xmlns:a14="http://schemas.microsoft.com/office/drawing/2010/main" xmlns="" w="9525">
                     <a:solidFill>
                       <a:srgbClr val="000000"/>
                     </a:solidFill>
@@ -12810,7 +12810,7 @@
               </a:ln>
               <a:extLst>
                 <a:ext uri="{91240B29-F687-4f45-9708-019B960494DF}">
-                  <a14:hiddenLine xmlns="" xmlns:a14="http://schemas.microsoft.com/office/drawing/2010/main" w="9525">
+                  <a14:hiddenLine xmlns:a14="http://schemas.microsoft.com/office/drawing/2010/main" xmlns="" w="9525">
                     <a:solidFill>
                       <a:srgbClr val="000000"/>
                     </a:solidFill>
@@ -12900,7 +12900,7 @@
               </a:ln>
               <a:extLst>
                 <a:ext uri="{91240B29-F687-4f45-9708-019B960494DF}">
-                  <a14:hiddenLine xmlns="" xmlns:a14="http://schemas.microsoft.com/office/drawing/2010/main" w="9525">
+                  <a14:hiddenLine xmlns:a14="http://schemas.microsoft.com/office/drawing/2010/main" xmlns="" w="9525">
                     <a:solidFill>
                       <a:srgbClr val="000000"/>
                     </a:solidFill>
@@ -12965,7 +12965,7 @@
               </a:ln>
               <a:extLst>
                 <a:ext uri="{91240B29-F687-4f45-9708-019B960494DF}">
-                  <a14:hiddenLine xmlns="" xmlns:a14="http://schemas.microsoft.com/office/drawing/2010/main" w="9525">
+                  <a14:hiddenLine xmlns:a14="http://schemas.microsoft.com/office/drawing/2010/main" xmlns="" w="9525">
                     <a:solidFill>
                       <a:srgbClr val="000000"/>
                     </a:solidFill>
@@ -13055,7 +13055,7 @@
               </a:ln>
               <a:extLst>
                 <a:ext uri="{91240B29-F687-4f45-9708-019B960494DF}">
-                  <a14:hiddenLine xmlns="" xmlns:a14="http://schemas.microsoft.com/office/drawing/2010/main" w="9525">
+                  <a14:hiddenLine xmlns:a14="http://schemas.microsoft.com/office/drawing/2010/main" xmlns="" w="9525">
                     <a:solidFill>
                       <a:srgbClr val="000000"/>
                     </a:solidFill>
@@ -13123,7 +13123,7 @@
               </a:ln>
               <a:extLst>
                 <a:ext uri="{91240B29-F687-4f45-9708-019B960494DF}">
-                  <a14:hiddenLine xmlns="" xmlns:a14="http://schemas.microsoft.com/office/drawing/2010/main" w="9525">
+                  <a14:hiddenLine xmlns:a14="http://schemas.microsoft.com/office/drawing/2010/main" xmlns="" w="9525">
                     <a:solidFill>
                       <a:srgbClr val="000000"/>
                     </a:solidFill>
@@ -13213,7 +13213,7 @@
               </a:ln>
               <a:extLst>
                 <a:ext uri="{91240B29-F687-4f45-9708-019B960494DF}">
-                  <a14:hiddenLine xmlns="" xmlns:a14="http://schemas.microsoft.com/office/drawing/2010/main" w="9525">
+                  <a14:hiddenLine xmlns:a14="http://schemas.microsoft.com/office/drawing/2010/main" xmlns="" w="9525">
                     <a:solidFill>
                       <a:srgbClr val="000000"/>
                     </a:solidFill>
@@ -13281,7 +13281,7 @@
               </a:ln>
               <a:extLst>
                 <a:ext uri="{91240B29-F687-4f45-9708-019B960494DF}">
-                  <a14:hiddenLine xmlns="" xmlns:a14="http://schemas.microsoft.com/office/drawing/2010/main" w="9525">
+                  <a14:hiddenLine xmlns:a14="http://schemas.microsoft.com/office/drawing/2010/main" xmlns="" w="9525">
                     <a:solidFill>
                       <a:srgbClr val="000000"/>
                     </a:solidFill>
@@ -13371,7 +13371,7 @@
               </a:ln>
               <a:extLst>
                 <a:ext uri="{91240B29-F687-4f45-9708-019B960494DF}">
-                  <a14:hiddenLine xmlns="" xmlns:a14="http://schemas.microsoft.com/office/drawing/2010/main" w="9525">
+                  <a14:hiddenLine xmlns:a14="http://schemas.microsoft.com/office/drawing/2010/main" xmlns="" w="9525">
                     <a:solidFill>
                       <a:srgbClr val="000000"/>
                     </a:solidFill>
@@ -13405,7 +13405,7 @@
               </a:ln>
               <a:extLst>
                 <a:ext uri="{91240B29-F687-4f45-9708-019B960494DF}">
-                  <a14:hiddenLine xmlns="" xmlns:a14="http://schemas.microsoft.com/office/drawing/2010/main" w="9525">
+                  <a14:hiddenLine xmlns:a14="http://schemas.microsoft.com/office/drawing/2010/main" xmlns="" w="9525">
                     <a:solidFill>
                       <a:srgbClr val="000000"/>
                     </a:solidFill>
@@ -13546,7 +13546,7 @@
             <a:fld id="{48A87A34-81AB-432B-8DAE-1953F412C126}" type="datetimeFigureOut">
               <a:rPr lang="en-US" dirty="0"/>
               <a:pPr/>
-              <a:t>11/16/2019</a:t>
+              <a:t>11/18/2019</a:t>
             </a:fld>
             <a:endParaRPr lang="en-US" dirty="0"/>
           </a:p>
@@ -14121,10 +14121,10 @@
       </p:sp>
       <p:pic>
         <p:nvPicPr>
-          <p:cNvPr id="4" name="Grafik 3">
+          <p:cNvPr id="6" name="Grafik 5">
             <a:extLst>
               <a:ext uri="{FF2B5EF4-FFF2-40B4-BE49-F238E27FC236}">
-                <a16:creationId xmlns:a16="http://schemas.microsoft.com/office/drawing/2014/main" id="{D7200055-D6E6-4EA2-8C98-591D1D02C3A8}"/>
+                <a16:creationId xmlns:a16="http://schemas.microsoft.com/office/drawing/2014/main" id="{BBFC0E0B-64DC-4495-84B6-371F42D81BFF}"/>
               </a:ext>
             </a:extLst>
           </p:cNvPr>
@@ -14141,8 +14141,8 @@
         </p:blipFill>
         <p:spPr>
           <a:xfrm>
-            <a:off x="294391" y="1625601"/>
-            <a:ext cx="11338285" cy="4666456"/>
+            <a:off x="493711" y="1672431"/>
+            <a:ext cx="11201400" cy="4695825"/>
           </a:xfrm>
           <a:prstGeom prst="rect">
             <a:avLst/>
